--- a/空白PPT.pptx
+++ b/空白PPT.pptx
@@ -5,18 +5,21 @@
     <p:sldMasterId id="2147483648" r:id="rId1"/>
   </p:sldMasterIdLst>
   <p:notesMasterIdLst>
-    <p:notesMasterId r:id="rId11"/>
+    <p:notesMasterId r:id="rId14"/>
   </p:notesMasterIdLst>
   <p:sldIdLst>
     <p:sldId id="256" r:id="rId2"/>
     <p:sldId id="296" r:id="rId3"/>
     <p:sldId id="291" r:id="rId4"/>
     <p:sldId id="354" r:id="rId5"/>
-    <p:sldId id="383" r:id="rId6"/>
-    <p:sldId id="384" r:id="rId7"/>
-    <p:sldId id="385" r:id="rId8"/>
-    <p:sldId id="386" r:id="rId9"/>
-    <p:sldId id="286" r:id="rId10"/>
+    <p:sldId id="387" r:id="rId6"/>
+    <p:sldId id="388" r:id="rId7"/>
+    <p:sldId id="389" r:id="rId8"/>
+    <p:sldId id="383" r:id="rId9"/>
+    <p:sldId id="384" r:id="rId10"/>
+    <p:sldId id="385" r:id="rId11"/>
+    <p:sldId id="386" r:id="rId12"/>
+    <p:sldId id="286" r:id="rId13"/>
   </p:sldIdLst>
   <p:sldSz cx="12192000" cy="6858000"/>
   <p:notesSz cx="6858000" cy="9144000"/>
@@ -124,6 +127,9 @@
             <p14:sldId id="296"/>
             <p14:sldId id="291"/>
             <p14:sldId id="354"/>
+            <p14:sldId id="387"/>
+            <p14:sldId id="388"/>
+            <p14:sldId id="389"/>
             <p14:sldId id="383"/>
             <p14:sldId id="384"/>
             <p14:sldId id="385"/>
@@ -134,7 +140,7 @@
       </p14:sectionLst>
     </p:ext>
     <p:ext uri="{EFAFB233-063F-42B5-8137-9DF3F51BA10A}">
-      <p15:sldGuideLst xmlns:p15="http://schemas.microsoft.com/office/powerpoint/2012/main" xmlns="">
+      <p15:sldGuideLst xmlns="" xmlns:p15="http://schemas.microsoft.com/office/powerpoint/2012/main">
         <p15:guide id="1" orient="horz" pos="2160">
           <p15:clr>
             <a:srgbClr val="A4A3A4"/>
@@ -233,7 +239,7 @@
           <a:p>
             <a:fld id="{1BA5755D-7932-44A5-A2C7-C8A2CBF288E8}" type="datetimeFigureOut">
               <a:rPr lang="zh-TW" altLang="en-US" smtClean="0"/>
-              <a:t>2020/2/3</a:t>
+              <a:t>2020/2/6</a:t>
             </a:fld>
             <a:endParaRPr lang="zh-TW" altLang="en-US"/>
           </a:p>
@@ -713,6 +719,178 @@
           <a:lstStyle/>
           <a:p>
             <a:r>
+              <a:rPr lang="en-US" altLang="zh-CN" dirty="0" smtClean="0"/>
+              <a:t>API = </a:t>
+            </a:r>
+            <a:r>
+              <a:rPr lang="en-US" altLang="zh-TW" b="0" dirty="0" smtClean="0"/>
+              <a:t> Application Programming Interface</a:t>
+            </a:r>
+          </a:p>
+          <a:p>
+            <a:r>
+              <a:rPr lang="en-US" altLang="zh-TW" b="0" dirty="0" smtClean="0"/>
+              <a:t>RPC</a:t>
+            </a:r>
+            <a:r>
+              <a:rPr lang="en-US" altLang="zh-TW" b="0" baseline="0" dirty="0" smtClean="0"/>
+              <a:t> = </a:t>
+            </a:r>
+            <a:r>
+              <a:rPr lang="zh-TW" altLang="en-US" sz="1200" b="0" i="0" kern="1200" dirty="0" smtClean="0">
+                <a:solidFill>
+                  <a:schemeClr val="tx1"/>
+                </a:solidFill>
+                <a:effectLst/>
+                <a:latin typeface="+mn-lt"/>
+                <a:ea typeface="+mn-ea"/>
+                <a:cs typeface="+mn-cs"/>
+              </a:rPr>
+              <a:t>遠端程序呼叫</a:t>
+            </a:r>
+            <a:endParaRPr lang="en-US" altLang="zh-TW" sz="1200" b="0" i="0" kern="1200" dirty="0" smtClean="0">
+              <a:solidFill>
+                <a:schemeClr val="tx1"/>
+              </a:solidFill>
+              <a:effectLst/>
+              <a:latin typeface="+mn-lt"/>
+              <a:ea typeface="+mn-ea"/>
+              <a:cs typeface="+mn-cs"/>
+            </a:endParaRPr>
+          </a:p>
+          <a:p>
+            <a:r>
+              <a:rPr lang="en-US" altLang="zh-TW" sz="1200" b="0" i="0" kern="1200" dirty="0" err="1" smtClean="0">
+                <a:solidFill>
+                  <a:schemeClr val="tx1"/>
+                </a:solidFill>
+                <a:effectLst/>
+                <a:latin typeface="+mn-lt"/>
+                <a:ea typeface="+mn-ea"/>
+                <a:cs typeface="+mn-cs"/>
+              </a:rPr>
+              <a:t>GraphQL</a:t>
+            </a:r>
+            <a:r>
+              <a:rPr lang="en-US" altLang="zh-TW" sz="1200" b="0" i="0" kern="1200" dirty="0" smtClean="0">
+                <a:solidFill>
+                  <a:schemeClr val="tx1"/>
+                </a:solidFill>
+                <a:effectLst/>
+                <a:latin typeface="+mn-lt"/>
+                <a:ea typeface="+mn-ea"/>
+                <a:cs typeface="+mn-cs"/>
+              </a:rPr>
+              <a:t> = Graph </a:t>
+            </a:r>
+            <a:r>
+              <a:rPr lang="zh-CN" altLang="en-US" sz="1200" b="0" i="0" kern="1200" dirty="0" smtClean="0">
+                <a:solidFill>
+                  <a:schemeClr val="tx1"/>
+                </a:solidFill>
+                <a:effectLst/>
+                <a:latin typeface="+mn-lt"/>
+                <a:ea typeface="+mn-ea"/>
+                <a:cs typeface="+mn-cs"/>
+              </a:rPr>
+              <a:t>查詢語言</a:t>
+            </a:r>
+            <a:endParaRPr lang="en-US" altLang="zh-TW" sz="1200" b="0" i="0" kern="1200" dirty="0" smtClean="0">
+              <a:solidFill>
+                <a:schemeClr val="tx1"/>
+              </a:solidFill>
+              <a:effectLst/>
+              <a:latin typeface="+mn-lt"/>
+              <a:ea typeface="+mn-ea"/>
+              <a:cs typeface="+mn-cs"/>
+            </a:endParaRPr>
+          </a:p>
+          <a:p>
+            <a:endParaRPr lang="zh-TW" altLang="en-US" dirty="0"/>
+          </a:p>
+        </p:txBody>
+      </p:sp>
+      <p:sp>
+        <p:nvSpPr>
+          <p:cNvPr id="4" name="投影片編號版面配置區 3"/>
+          <p:cNvSpPr>
+            <a:spLocks noGrp="1"/>
+          </p:cNvSpPr>
+          <p:nvPr>
+            <p:ph type="sldNum" sz="quarter" idx="10"/>
+          </p:nvPr>
+        </p:nvSpPr>
+        <p:spPr/>
+        <p:txBody>
+          <a:bodyPr/>
+          <a:lstStyle/>
+          <a:p>
+            <a:fld id="{EEBFCD98-6B9E-4D19-9C43-11FCDEF19DFC}" type="slidenum">
+              <a:rPr lang="zh-TW" altLang="en-US" smtClean="0"/>
+              <a:t>5</a:t>
+            </a:fld>
+            <a:endParaRPr lang="zh-TW" altLang="en-US"/>
+          </a:p>
+        </p:txBody>
+      </p:sp>
+    </p:spTree>
+    <p:extLst>
+      <p:ext uri="{BB962C8B-B14F-4D97-AF65-F5344CB8AC3E}">
+        <p14:creationId xmlns:p14="http://schemas.microsoft.com/office/powerpoint/2010/main" val="2643004282"/>
+      </p:ext>
+    </p:extLst>
+  </p:cSld>
+  <p:clrMapOvr>
+    <a:masterClrMapping/>
+  </p:clrMapOvr>
+</p:notes>
+</file>
+
+<file path=ppt/notesSlides/notesSlide4.xml><?xml version="1.0" encoding="utf-8"?>
+<p:notes xmlns:a="http://schemas.openxmlformats.org/drawingml/2006/main" xmlns:r="http://schemas.openxmlformats.org/officeDocument/2006/relationships" xmlns:p="http://schemas.openxmlformats.org/presentationml/2006/main">
+  <p:cSld>
+    <p:spTree>
+      <p:nvGrpSpPr>
+        <p:cNvPr id="1" name=""/>
+        <p:cNvGrpSpPr/>
+        <p:nvPr/>
+      </p:nvGrpSpPr>
+      <p:grpSpPr>
+        <a:xfrm>
+          <a:off x="0" y="0"/>
+          <a:ext cx="0" cy="0"/>
+          <a:chOff x="0" y="0"/>
+          <a:chExt cx="0" cy="0"/>
+        </a:xfrm>
+      </p:grpSpPr>
+      <p:sp>
+        <p:nvSpPr>
+          <p:cNvPr id="2" name="投影片圖像版面配置區 1"/>
+          <p:cNvSpPr>
+            <a:spLocks noGrp="1" noRot="1" noChangeAspect="1"/>
+          </p:cNvSpPr>
+          <p:nvPr>
+            <p:ph type="sldImg"/>
+          </p:nvPr>
+        </p:nvSpPr>
+        <p:spPr/>
+      </p:sp>
+      <p:sp>
+        <p:nvSpPr>
+          <p:cNvPr id="3" name="備忘稿版面配置區 2"/>
+          <p:cNvSpPr>
+            <a:spLocks noGrp="1"/>
+          </p:cNvSpPr>
+          <p:nvPr>
+            <p:ph type="body" idx="1"/>
+          </p:nvPr>
+        </p:nvSpPr>
+        <p:spPr/>
+        <p:txBody>
+          <a:bodyPr/>
+          <a:lstStyle/>
+          <a:p>
+            <a:r>
               <a:rPr lang="zh-CN" altLang="en-US" dirty="0" smtClean="0"/>
               <a:t>設定 </a:t>
             </a:r>
@@ -1239,7 +1417,7 @@
           <a:p>
             <a:fld id="{EEBFCD98-6B9E-4D19-9C43-11FCDEF19DFC}" type="slidenum">
               <a:rPr lang="zh-TW" altLang="en-US" smtClean="0"/>
-              <a:t>9</a:t>
+              <a:t>12</a:t>
             </a:fld>
             <a:endParaRPr lang="zh-TW" altLang="en-US"/>
           </a:p>
@@ -1280,7 +1458,7 @@
           <p:cNvPr id="2" name="標題 1">
             <a:extLst>
               <a:ext uri="{FF2B5EF4-FFF2-40B4-BE49-F238E27FC236}">
-                <a16:creationId xmlns="" xmlns:a16="http://schemas.microsoft.com/office/drawing/2014/main" id="{6A1C7254-695B-1F42-AC59-34E8D858E936}"/>
+                <a16:creationId xmlns:a16="http://schemas.microsoft.com/office/drawing/2014/main" xmlns="" id="{6A1C7254-695B-1F42-AC59-34E8D858E936}"/>
               </a:ext>
             </a:extLst>
           </p:cNvPr>
@@ -1323,7 +1501,7 @@
           <p:cNvPr id="3" name="文字版面配置區 2">
             <a:extLst>
               <a:ext uri="{FF2B5EF4-FFF2-40B4-BE49-F238E27FC236}">
-                <a16:creationId xmlns="" xmlns:a16="http://schemas.microsoft.com/office/drawing/2014/main" id="{1D19DA3B-2013-E14B-A941-CC519B76AD6F}"/>
+                <a16:creationId xmlns:a16="http://schemas.microsoft.com/office/drawing/2014/main" xmlns="" id="{1D19DA3B-2013-E14B-A941-CC519B76AD6F}"/>
               </a:ext>
             </a:extLst>
           </p:cNvPr>
@@ -1448,7 +1626,7 @@
           <p:cNvPr id="4" name="日期版面配置區 3">
             <a:extLst>
               <a:ext uri="{FF2B5EF4-FFF2-40B4-BE49-F238E27FC236}">
-                <a16:creationId xmlns="" xmlns:a16="http://schemas.microsoft.com/office/drawing/2014/main" id="{BC7211D9-290C-574E-B682-764110BB9BAF}"/>
+                <a16:creationId xmlns:a16="http://schemas.microsoft.com/office/drawing/2014/main" xmlns="" id="{BC7211D9-290C-574E-B682-764110BB9BAF}"/>
               </a:ext>
             </a:extLst>
           </p:cNvPr>
@@ -1466,7 +1644,7 @@
           <a:p>
             <a:fld id="{75F8934F-7F83-1046-9341-02CE27D9104D}" type="datetimeFigureOut">
               <a:rPr kumimoji="1" lang="zh-TW" altLang="en-US" smtClean="0"/>
-              <a:t>2020/2/3</a:t>
+              <a:t>2020/2/6</a:t>
             </a:fld>
             <a:endParaRPr kumimoji="1" lang="zh-TW" altLang="en-US" dirty="0"/>
           </a:p>
@@ -1477,7 +1655,7 @@
           <p:cNvPr id="5" name="頁尾版面配置區 4">
             <a:extLst>
               <a:ext uri="{FF2B5EF4-FFF2-40B4-BE49-F238E27FC236}">
-                <a16:creationId xmlns="" xmlns:a16="http://schemas.microsoft.com/office/drawing/2014/main" id="{D4D4BDD1-0BFA-0645-8197-068191AAF54C}"/>
+                <a16:creationId xmlns:a16="http://schemas.microsoft.com/office/drawing/2014/main" xmlns="" id="{D4D4BDD1-0BFA-0645-8197-068191AAF54C}"/>
               </a:ext>
             </a:extLst>
           </p:cNvPr>
@@ -1502,7 +1680,7 @@
           <p:cNvPr id="6" name="投影片編號版面配置區 5">
             <a:extLst>
               <a:ext uri="{FF2B5EF4-FFF2-40B4-BE49-F238E27FC236}">
-                <a16:creationId xmlns="" xmlns:a16="http://schemas.microsoft.com/office/drawing/2014/main" id="{F592E68C-AEE0-D84B-8844-7CF5E83647F7}"/>
+                <a16:creationId xmlns:a16="http://schemas.microsoft.com/office/drawing/2014/main" xmlns="" id="{F592E68C-AEE0-D84B-8844-7CF5E83647F7}"/>
               </a:ext>
             </a:extLst>
           </p:cNvPr>
@@ -1531,7 +1709,7 @@
           <p:cNvPr id="7" name="圖片 6">
             <a:extLst>
               <a:ext uri="{FF2B5EF4-FFF2-40B4-BE49-F238E27FC236}">
-                <a16:creationId xmlns="" xmlns:a16="http://schemas.microsoft.com/office/drawing/2014/main" id="{CFC0D688-7C0C-F240-82D7-136060E3079C}"/>
+                <a16:creationId xmlns:a16="http://schemas.microsoft.com/office/drawing/2014/main" xmlns="" id="{CFC0D688-7C0C-F240-82D7-136060E3079C}"/>
               </a:ext>
             </a:extLst>
           </p:cNvPr>
@@ -1699,7 +1877,7 @@
           <a:p>
             <a:fld id="{75F8934F-7F83-1046-9341-02CE27D9104D}" type="datetimeFigureOut">
               <a:rPr kumimoji="1" lang="zh-TW" altLang="en-US" smtClean="0"/>
-              <a:t>2020/2/3</a:t>
+              <a:t>2020/2/6</a:t>
             </a:fld>
             <a:endParaRPr kumimoji="1" lang="zh-TW" altLang="en-US"/>
           </a:p>
@@ -1821,7 +1999,7 @@
           <p:cNvPr id="10" name="圖片 9">
             <a:extLst>
               <a:ext uri="{FF2B5EF4-FFF2-40B4-BE49-F238E27FC236}">
-                <a16:creationId xmlns="" xmlns:a16="http://schemas.microsoft.com/office/drawing/2014/main" id="{5E0EAD78-AEC6-AB45-A710-DD47E43CBB16}"/>
+                <a16:creationId xmlns:a16="http://schemas.microsoft.com/office/drawing/2014/main" xmlns="" id="{5E0EAD78-AEC6-AB45-A710-DD47E43CBB16}"/>
               </a:ext>
             </a:extLst>
           </p:cNvPr>
@@ -1940,7 +2118,7 @@
           <a:p>
             <a:fld id="{75F8934F-7F83-1046-9341-02CE27D9104D}" type="datetimeFigureOut">
               <a:rPr kumimoji="1" lang="zh-TW" altLang="en-US" smtClean="0"/>
-              <a:t>2020/2/3</a:t>
+              <a:t>2020/2/6</a:t>
             </a:fld>
             <a:endParaRPr kumimoji="1" lang="zh-TW" altLang="en-US"/>
           </a:p>
@@ -2364,7 +2542,7 @@
           <p:cNvPr id="17" name="內容版面配置區 2">
             <a:extLst>
               <a:ext uri="{FF2B5EF4-FFF2-40B4-BE49-F238E27FC236}">
-                <a16:creationId xmlns="" xmlns:a16="http://schemas.microsoft.com/office/drawing/2014/main" id="{DB7FC4C6-C26F-214E-B2D6-C9ED5E2BD195}"/>
+                <a16:creationId xmlns:a16="http://schemas.microsoft.com/office/drawing/2014/main" xmlns="" id="{DB7FC4C6-C26F-214E-B2D6-C9ED5E2BD195}"/>
               </a:ext>
             </a:extLst>
           </p:cNvPr>
@@ -2456,7 +2634,7 @@
           <p:cNvPr id="18" name="內容版面配置區 2">
             <a:extLst>
               <a:ext uri="{FF2B5EF4-FFF2-40B4-BE49-F238E27FC236}">
-                <a16:creationId xmlns="" xmlns:a16="http://schemas.microsoft.com/office/drawing/2014/main" id="{DB7FC4C6-C26F-214E-B2D6-C9ED5E2BD195}"/>
+                <a16:creationId xmlns:a16="http://schemas.microsoft.com/office/drawing/2014/main" xmlns="" id="{DB7FC4C6-C26F-214E-B2D6-C9ED5E2BD195}"/>
               </a:ext>
             </a:extLst>
           </p:cNvPr>
@@ -2548,7 +2726,7 @@
           <p:cNvPr id="19" name="內容版面配置區 2">
             <a:extLst>
               <a:ext uri="{FF2B5EF4-FFF2-40B4-BE49-F238E27FC236}">
-                <a16:creationId xmlns="" xmlns:a16="http://schemas.microsoft.com/office/drawing/2014/main" id="{DB7FC4C6-C26F-214E-B2D6-C9ED5E2BD195}"/>
+                <a16:creationId xmlns:a16="http://schemas.microsoft.com/office/drawing/2014/main" xmlns="" id="{DB7FC4C6-C26F-214E-B2D6-C9ED5E2BD195}"/>
               </a:ext>
             </a:extLst>
           </p:cNvPr>
@@ -2640,7 +2818,7 @@
           <p:cNvPr id="20" name="內容版面配置區 2">
             <a:extLst>
               <a:ext uri="{FF2B5EF4-FFF2-40B4-BE49-F238E27FC236}">
-                <a16:creationId xmlns="" xmlns:a16="http://schemas.microsoft.com/office/drawing/2014/main" id="{DB7FC4C6-C26F-214E-B2D6-C9ED5E2BD195}"/>
+                <a16:creationId xmlns:a16="http://schemas.microsoft.com/office/drawing/2014/main" xmlns="" id="{DB7FC4C6-C26F-214E-B2D6-C9ED5E2BD195}"/>
               </a:ext>
             </a:extLst>
           </p:cNvPr>
@@ -2732,7 +2910,7 @@
           <p:cNvPr id="21" name="內容版面配置區 2">
             <a:extLst>
               <a:ext uri="{FF2B5EF4-FFF2-40B4-BE49-F238E27FC236}">
-                <a16:creationId xmlns="" xmlns:a16="http://schemas.microsoft.com/office/drawing/2014/main" id="{DB7FC4C6-C26F-214E-B2D6-C9ED5E2BD195}"/>
+                <a16:creationId xmlns:a16="http://schemas.microsoft.com/office/drawing/2014/main" xmlns="" id="{DB7FC4C6-C26F-214E-B2D6-C9ED5E2BD195}"/>
               </a:ext>
             </a:extLst>
           </p:cNvPr>
@@ -2824,7 +3002,7 @@
           <p:cNvPr id="22" name="內容版面配置區 2">
             <a:extLst>
               <a:ext uri="{FF2B5EF4-FFF2-40B4-BE49-F238E27FC236}">
-                <a16:creationId xmlns="" xmlns:a16="http://schemas.microsoft.com/office/drawing/2014/main" id="{DB7FC4C6-C26F-214E-B2D6-C9ED5E2BD195}"/>
+                <a16:creationId xmlns:a16="http://schemas.microsoft.com/office/drawing/2014/main" xmlns="" id="{DB7FC4C6-C26F-214E-B2D6-C9ED5E2BD195}"/>
               </a:ext>
             </a:extLst>
           </p:cNvPr>
@@ -3039,7 +3217,7 @@
           <a:p>
             <a:fld id="{75F8934F-7F83-1046-9341-02CE27D9104D}" type="datetimeFigureOut">
               <a:rPr kumimoji="1" lang="zh-TW" altLang="en-US" smtClean="0"/>
-              <a:t>2020/2/3</a:t>
+              <a:t>2020/2/6</a:t>
             </a:fld>
             <a:endParaRPr kumimoji="1" lang="zh-TW" altLang="en-US"/>
           </a:p>
@@ -3428,7 +3606,7 @@
           <p:cNvPr id="13" name="內容版面配置區 2">
             <a:extLst>
               <a:ext uri="{FF2B5EF4-FFF2-40B4-BE49-F238E27FC236}">
-                <a16:creationId xmlns="" xmlns:a16="http://schemas.microsoft.com/office/drawing/2014/main" id="{DB7FC4C6-C26F-214E-B2D6-C9ED5E2BD195}"/>
+                <a16:creationId xmlns:a16="http://schemas.microsoft.com/office/drawing/2014/main" xmlns="" id="{DB7FC4C6-C26F-214E-B2D6-C9ED5E2BD195}"/>
               </a:ext>
             </a:extLst>
           </p:cNvPr>
@@ -3520,7 +3698,7 @@
           <p:cNvPr id="15" name="內容版面配置區 2">
             <a:extLst>
               <a:ext uri="{FF2B5EF4-FFF2-40B4-BE49-F238E27FC236}">
-                <a16:creationId xmlns="" xmlns:a16="http://schemas.microsoft.com/office/drawing/2014/main" id="{DB7FC4C6-C26F-214E-B2D6-C9ED5E2BD195}"/>
+                <a16:creationId xmlns:a16="http://schemas.microsoft.com/office/drawing/2014/main" xmlns="" id="{DB7FC4C6-C26F-214E-B2D6-C9ED5E2BD195}"/>
               </a:ext>
             </a:extLst>
           </p:cNvPr>
@@ -3612,7 +3790,7 @@
           <p:cNvPr id="16" name="內容版面配置區 2">
             <a:extLst>
               <a:ext uri="{FF2B5EF4-FFF2-40B4-BE49-F238E27FC236}">
-                <a16:creationId xmlns="" xmlns:a16="http://schemas.microsoft.com/office/drawing/2014/main" id="{DB7FC4C6-C26F-214E-B2D6-C9ED5E2BD195}"/>
+                <a16:creationId xmlns:a16="http://schemas.microsoft.com/office/drawing/2014/main" xmlns="" id="{DB7FC4C6-C26F-214E-B2D6-C9ED5E2BD195}"/>
               </a:ext>
             </a:extLst>
           </p:cNvPr>
@@ -3704,7 +3882,7 @@
           <p:cNvPr id="17" name="內容版面配置區 2">
             <a:extLst>
               <a:ext uri="{FF2B5EF4-FFF2-40B4-BE49-F238E27FC236}">
-                <a16:creationId xmlns="" xmlns:a16="http://schemas.microsoft.com/office/drawing/2014/main" id="{DB7FC4C6-C26F-214E-B2D6-C9ED5E2BD195}"/>
+                <a16:creationId xmlns:a16="http://schemas.microsoft.com/office/drawing/2014/main" xmlns="" id="{DB7FC4C6-C26F-214E-B2D6-C9ED5E2BD195}"/>
               </a:ext>
             </a:extLst>
           </p:cNvPr>
@@ -3796,7 +3974,7 @@
           <p:cNvPr id="18" name="內容版面配置區 2">
             <a:extLst>
               <a:ext uri="{FF2B5EF4-FFF2-40B4-BE49-F238E27FC236}">
-                <a16:creationId xmlns="" xmlns:a16="http://schemas.microsoft.com/office/drawing/2014/main" id="{DB7FC4C6-C26F-214E-B2D6-C9ED5E2BD195}"/>
+                <a16:creationId xmlns:a16="http://schemas.microsoft.com/office/drawing/2014/main" xmlns="" id="{DB7FC4C6-C26F-214E-B2D6-C9ED5E2BD195}"/>
               </a:ext>
             </a:extLst>
           </p:cNvPr>
@@ -3888,7 +4066,7 @@
           <p:cNvPr id="19" name="內容版面配置區 2">
             <a:extLst>
               <a:ext uri="{FF2B5EF4-FFF2-40B4-BE49-F238E27FC236}">
-                <a16:creationId xmlns="" xmlns:a16="http://schemas.microsoft.com/office/drawing/2014/main" id="{DB7FC4C6-C26F-214E-B2D6-C9ED5E2BD195}"/>
+                <a16:creationId xmlns:a16="http://schemas.microsoft.com/office/drawing/2014/main" xmlns="" id="{DB7FC4C6-C26F-214E-B2D6-C9ED5E2BD195}"/>
               </a:ext>
             </a:extLst>
           </p:cNvPr>
@@ -4010,7 +4188,7 @@
           <p:cNvPr id="2" name="標題 1">
             <a:extLst>
               <a:ext uri="{FF2B5EF4-FFF2-40B4-BE49-F238E27FC236}">
-                <a16:creationId xmlns="" xmlns:a16="http://schemas.microsoft.com/office/drawing/2014/main" id="{AA60FC08-DB42-1443-B1D9-594B0DFFD819}"/>
+                <a16:creationId xmlns:a16="http://schemas.microsoft.com/office/drawing/2014/main" xmlns="" id="{AA60FC08-DB42-1443-B1D9-594B0DFFD819}"/>
               </a:ext>
             </a:extLst>
           </p:cNvPr>
@@ -4055,7 +4233,7 @@
           <p:cNvPr id="3" name="內容版面配置區 2">
             <a:extLst>
               <a:ext uri="{FF2B5EF4-FFF2-40B4-BE49-F238E27FC236}">
-                <a16:creationId xmlns="" xmlns:a16="http://schemas.microsoft.com/office/drawing/2014/main" id="{71BB2DE9-F9EC-0747-8110-57B6F42C6240}"/>
+                <a16:creationId xmlns:a16="http://schemas.microsoft.com/office/drawing/2014/main" xmlns="" id="{71BB2DE9-F9EC-0747-8110-57B6F42C6240}"/>
               </a:ext>
             </a:extLst>
           </p:cNvPr>
@@ -4163,7 +4341,7 @@
           <p:cNvPr id="4" name="日期版面配置區 3">
             <a:extLst>
               <a:ext uri="{FF2B5EF4-FFF2-40B4-BE49-F238E27FC236}">
-                <a16:creationId xmlns="" xmlns:a16="http://schemas.microsoft.com/office/drawing/2014/main" id="{6BA98535-4AD5-2846-9F28-9D341D2CBD82}"/>
+                <a16:creationId xmlns:a16="http://schemas.microsoft.com/office/drawing/2014/main" xmlns="" id="{6BA98535-4AD5-2846-9F28-9D341D2CBD82}"/>
               </a:ext>
             </a:extLst>
           </p:cNvPr>
@@ -4181,7 +4359,7 @@
           <a:p>
             <a:fld id="{75F8934F-7F83-1046-9341-02CE27D9104D}" type="datetimeFigureOut">
               <a:rPr kumimoji="1" lang="zh-TW" altLang="en-US" smtClean="0"/>
-              <a:t>2020/2/3</a:t>
+              <a:t>2020/2/6</a:t>
             </a:fld>
             <a:endParaRPr kumimoji="1" lang="zh-TW" altLang="en-US"/>
           </a:p>
@@ -4192,7 +4370,7 @@
           <p:cNvPr id="5" name="頁尾版面配置區 4">
             <a:extLst>
               <a:ext uri="{FF2B5EF4-FFF2-40B4-BE49-F238E27FC236}">
-                <a16:creationId xmlns="" xmlns:a16="http://schemas.microsoft.com/office/drawing/2014/main" id="{E4EAEED7-0802-7145-8C6C-66F66C8C1782}"/>
+                <a16:creationId xmlns:a16="http://schemas.microsoft.com/office/drawing/2014/main" xmlns="" id="{E4EAEED7-0802-7145-8C6C-66F66C8C1782}"/>
               </a:ext>
             </a:extLst>
           </p:cNvPr>
@@ -4217,7 +4395,7 @@
           <p:cNvPr id="6" name="投影片編號版面配置區 5">
             <a:extLst>
               <a:ext uri="{FF2B5EF4-FFF2-40B4-BE49-F238E27FC236}">
-                <a16:creationId xmlns="" xmlns:a16="http://schemas.microsoft.com/office/drawing/2014/main" id="{7D332B7E-1F76-A041-B6C6-AB635087BAB3}"/>
+                <a16:creationId xmlns:a16="http://schemas.microsoft.com/office/drawing/2014/main" xmlns="" id="{7D332B7E-1F76-A041-B6C6-AB635087BAB3}"/>
               </a:ext>
             </a:extLst>
           </p:cNvPr>
@@ -4246,7 +4424,7 @@
           <p:cNvPr id="7" name="矩形 6">
             <a:extLst>
               <a:ext uri="{FF2B5EF4-FFF2-40B4-BE49-F238E27FC236}">
-                <a16:creationId xmlns="" xmlns:a16="http://schemas.microsoft.com/office/drawing/2014/main" id="{C21960D3-0AC5-EE41-A19C-696161A1572E}"/>
+                <a16:creationId xmlns:a16="http://schemas.microsoft.com/office/drawing/2014/main" xmlns="" id="{C21960D3-0AC5-EE41-A19C-696161A1572E}"/>
               </a:ext>
             </a:extLst>
           </p:cNvPr>
@@ -4302,7 +4480,7 @@
           <p:cNvPr id="8" name="圖片 7">
             <a:extLst>
               <a:ext uri="{FF2B5EF4-FFF2-40B4-BE49-F238E27FC236}">
-                <a16:creationId xmlns="" xmlns:a16="http://schemas.microsoft.com/office/drawing/2014/main" id="{5E0EAD78-AEC6-AB45-A710-DD47E43CBB16}"/>
+                <a16:creationId xmlns:a16="http://schemas.microsoft.com/office/drawing/2014/main" xmlns="" id="{5E0EAD78-AEC6-AB45-A710-DD47E43CBB16}"/>
               </a:ext>
             </a:extLst>
           </p:cNvPr>
@@ -4338,7 +4516,7 @@
           <p:cNvPr id="9" name="矩形 8">
             <a:extLst>
               <a:ext uri="{FF2B5EF4-FFF2-40B4-BE49-F238E27FC236}">
-                <a16:creationId xmlns="" xmlns:a16="http://schemas.microsoft.com/office/drawing/2014/main" id="{387A2BAD-7558-A944-B806-7AEF1C4243D0}"/>
+                <a16:creationId xmlns:a16="http://schemas.microsoft.com/office/drawing/2014/main" xmlns="" id="{387A2BAD-7558-A944-B806-7AEF1C4243D0}"/>
               </a:ext>
             </a:extLst>
           </p:cNvPr>
@@ -4420,7 +4598,7 @@
           <p:cNvPr id="2" name="標題 1">
             <a:extLst>
               <a:ext uri="{FF2B5EF4-FFF2-40B4-BE49-F238E27FC236}">
-                <a16:creationId xmlns="" xmlns:a16="http://schemas.microsoft.com/office/drawing/2014/main" id="{AA60FC08-DB42-1443-B1D9-594B0DFFD819}"/>
+                <a16:creationId xmlns:a16="http://schemas.microsoft.com/office/drawing/2014/main" xmlns="" id="{AA60FC08-DB42-1443-B1D9-594B0DFFD819}"/>
               </a:ext>
             </a:extLst>
           </p:cNvPr>
@@ -4465,7 +4643,7 @@
           <p:cNvPr id="3" name="內容版面配置區 2">
             <a:extLst>
               <a:ext uri="{FF2B5EF4-FFF2-40B4-BE49-F238E27FC236}">
-                <a16:creationId xmlns="" xmlns:a16="http://schemas.microsoft.com/office/drawing/2014/main" id="{71BB2DE9-F9EC-0747-8110-57B6F42C6240}"/>
+                <a16:creationId xmlns:a16="http://schemas.microsoft.com/office/drawing/2014/main" xmlns="" id="{71BB2DE9-F9EC-0747-8110-57B6F42C6240}"/>
               </a:ext>
             </a:extLst>
           </p:cNvPr>
@@ -4576,7 +4754,7 @@
           <p:cNvPr id="4" name="日期版面配置區 3">
             <a:extLst>
               <a:ext uri="{FF2B5EF4-FFF2-40B4-BE49-F238E27FC236}">
-                <a16:creationId xmlns="" xmlns:a16="http://schemas.microsoft.com/office/drawing/2014/main" id="{6BA98535-4AD5-2846-9F28-9D341D2CBD82}"/>
+                <a16:creationId xmlns:a16="http://schemas.microsoft.com/office/drawing/2014/main" xmlns="" id="{6BA98535-4AD5-2846-9F28-9D341D2CBD82}"/>
               </a:ext>
             </a:extLst>
           </p:cNvPr>
@@ -4594,7 +4772,7 @@
           <a:p>
             <a:fld id="{75F8934F-7F83-1046-9341-02CE27D9104D}" type="datetimeFigureOut">
               <a:rPr kumimoji="1" lang="zh-TW" altLang="en-US" smtClean="0"/>
-              <a:t>2020/2/3</a:t>
+              <a:t>2020/2/6</a:t>
             </a:fld>
             <a:endParaRPr kumimoji="1" lang="zh-TW" altLang="en-US"/>
           </a:p>
@@ -4605,7 +4783,7 @@
           <p:cNvPr id="5" name="頁尾版面配置區 4">
             <a:extLst>
               <a:ext uri="{FF2B5EF4-FFF2-40B4-BE49-F238E27FC236}">
-                <a16:creationId xmlns="" xmlns:a16="http://schemas.microsoft.com/office/drawing/2014/main" id="{E4EAEED7-0802-7145-8C6C-66F66C8C1782}"/>
+                <a16:creationId xmlns:a16="http://schemas.microsoft.com/office/drawing/2014/main" xmlns="" id="{E4EAEED7-0802-7145-8C6C-66F66C8C1782}"/>
               </a:ext>
             </a:extLst>
           </p:cNvPr>
@@ -4630,7 +4808,7 @@
           <p:cNvPr id="6" name="投影片編號版面配置區 5">
             <a:extLst>
               <a:ext uri="{FF2B5EF4-FFF2-40B4-BE49-F238E27FC236}">
-                <a16:creationId xmlns="" xmlns:a16="http://schemas.microsoft.com/office/drawing/2014/main" id="{7D332B7E-1F76-A041-B6C6-AB635087BAB3}"/>
+                <a16:creationId xmlns:a16="http://schemas.microsoft.com/office/drawing/2014/main" xmlns="" id="{7D332B7E-1F76-A041-B6C6-AB635087BAB3}"/>
               </a:ext>
             </a:extLst>
           </p:cNvPr>
@@ -4659,7 +4837,7 @@
           <p:cNvPr id="7" name="矩形 6">
             <a:extLst>
               <a:ext uri="{FF2B5EF4-FFF2-40B4-BE49-F238E27FC236}">
-                <a16:creationId xmlns="" xmlns:a16="http://schemas.microsoft.com/office/drawing/2014/main" id="{C21960D3-0AC5-EE41-A19C-696161A1572E}"/>
+                <a16:creationId xmlns:a16="http://schemas.microsoft.com/office/drawing/2014/main" xmlns="" id="{C21960D3-0AC5-EE41-A19C-696161A1572E}"/>
               </a:ext>
             </a:extLst>
           </p:cNvPr>
@@ -4715,7 +4893,7 @@
           <p:cNvPr id="8" name="圖片 7">
             <a:extLst>
               <a:ext uri="{FF2B5EF4-FFF2-40B4-BE49-F238E27FC236}">
-                <a16:creationId xmlns="" xmlns:a16="http://schemas.microsoft.com/office/drawing/2014/main" id="{5E0EAD78-AEC6-AB45-A710-DD47E43CBB16}"/>
+                <a16:creationId xmlns:a16="http://schemas.microsoft.com/office/drawing/2014/main" xmlns="" id="{5E0EAD78-AEC6-AB45-A710-DD47E43CBB16}"/>
               </a:ext>
             </a:extLst>
           </p:cNvPr>
@@ -4751,7 +4929,7 @@
           <p:cNvPr id="9" name="矩形 8">
             <a:extLst>
               <a:ext uri="{FF2B5EF4-FFF2-40B4-BE49-F238E27FC236}">
-                <a16:creationId xmlns="" xmlns:a16="http://schemas.microsoft.com/office/drawing/2014/main" id="{387A2BAD-7558-A944-B806-7AEF1C4243D0}"/>
+                <a16:creationId xmlns:a16="http://schemas.microsoft.com/office/drawing/2014/main" xmlns="" id="{387A2BAD-7558-A944-B806-7AEF1C4243D0}"/>
               </a:ext>
             </a:extLst>
           </p:cNvPr>
@@ -4833,7 +5011,7 @@
           <p:cNvPr id="2" name="標題 1">
             <a:extLst>
               <a:ext uri="{FF2B5EF4-FFF2-40B4-BE49-F238E27FC236}">
-                <a16:creationId xmlns="" xmlns:a16="http://schemas.microsoft.com/office/drawing/2014/main" id="{AA60FC08-DB42-1443-B1D9-594B0DFFD819}"/>
+                <a16:creationId xmlns:a16="http://schemas.microsoft.com/office/drawing/2014/main" xmlns="" id="{AA60FC08-DB42-1443-B1D9-594B0DFFD819}"/>
               </a:ext>
             </a:extLst>
           </p:cNvPr>
@@ -4878,7 +5056,7 @@
           <p:cNvPr id="3" name="內容版面配置區 2">
             <a:extLst>
               <a:ext uri="{FF2B5EF4-FFF2-40B4-BE49-F238E27FC236}">
-                <a16:creationId xmlns="" xmlns:a16="http://schemas.microsoft.com/office/drawing/2014/main" id="{71BB2DE9-F9EC-0747-8110-57B6F42C6240}"/>
+                <a16:creationId xmlns:a16="http://schemas.microsoft.com/office/drawing/2014/main" xmlns="" id="{71BB2DE9-F9EC-0747-8110-57B6F42C6240}"/>
               </a:ext>
             </a:extLst>
           </p:cNvPr>
@@ -4977,7 +5155,7 @@
           <p:cNvPr id="4" name="日期版面配置區 3">
             <a:extLst>
               <a:ext uri="{FF2B5EF4-FFF2-40B4-BE49-F238E27FC236}">
-                <a16:creationId xmlns="" xmlns:a16="http://schemas.microsoft.com/office/drawing/2014/main" id="{6BA98535-4AD5-2846-9F28-9D341D2CBD82}"/>
+                <a16:creationId xmlns:a16="http://schemas.microsoft.com/office/drawing/2014/main" xmlns="" id="{6BA98535-4AD5-2846-9F28-9D341D2CBD82}"/>
               </a:ext>
             </a:extLst>
           </p:cNvPr>
@@ -4995,7 +5173,7 @@
           <a:p>
             <a:fld id="{75F8934F-7F83-1046-9341-02CE27D9104D}" type="datetimeFigureOut">
               <a:rPr kumimoji="1" lang="zh-TW" altLang="en-US" smtClean="0"/>
-              <a:t>2020/2/3</a:t>
+              <a:t>2020/2/6</a:t>
             </a:fld>
             <a:endParaRPr kumimoji="1" lang="zh-TW" altLang="en-US"/>
           </a:p>
@@ -5006,7 +5184,7 @@
           <p:cNvPr id="5" name="頁尾版面配置區 4">
             <a:extLst>
               <a:ext uri="{FF2B5EF4-FFF2-40B4-BE49-F238E27FC236}">
-                <a16:creationId xmlns="" xmlns:a16="http://schemas.microsoft.com/office/drawing/2014/main" id="{E4EAEED7-0802-7145-8C6C-66F66C8C1782}"/>
+                <a16:creationId xmlns:a16="http://schemas.microsoft.com/office/drawing/2014/main" xmlns="" id="{E4EAEED7-0802-7145-8C6C-66F66C8C1782}"/>
               </a:ext>
             </a:extLst>
           </p:cNvPr>
@@ -5031,7 +5209,7 @@
           <p:cNvPr id="6" name="投影片編號版面配置區 5">
             <a:extLst>
               <a:ext uri="{FF2B5EF4-FFF2-40B4-BE49-F238E27FC236}">
-                <a16:creationId xmlns="" xmlns:a16="http://schemas.microsoft.com/office/drawing/2014/main" id="{7D332B7E-1F76-A041-B6C6-AB635087BAB3}"/>
+                <a16:creationId xmlns:a16="http://schemas.microsoft.com/office/drawing/2014/main" xmlns="" id="{7D332B7E-1F76-A041-B6C6-AB635087BAB3}"/>
               </a:ext>
             </a:extLst>
           </p:cNvPr>
@@ -5060,7 +5238,7 @@
           <p:cNvPr id="7" name="矩形 6">
             <a:extLst>
               <a:ext uri="{FF2B5EF4-FFF2-40B4-BE49-F238E27FC236}">
-                <a16:creationId xmlns="" xmlns:a16="http://schemas.microsoft.com/office/drawing/2014/main" id="{C21960D3-0AC5-EE41-A19C-696161A1572E}"/>
+                <a16:creationId xmlns:a16="http://schemas.microsoft.com/office/drawing/2014/main" xmlns="" id="{C21960D3-0AC5-EE41-A19C-696161A1572E}"/>
               </a:ext>
             </a:extLst>
           </p:cNvPr>
@@ -5116,7 +5294,7 @@
           <p:cNvPr id="8" name="圖片 7">
             <a:extLst>
               <a:ext uri="{FF2B5EF4-FFF2-40B4-BE49-F238E27FC236}">
-                <a16:creationId xmlns="" xmlns:a16="http://schemas.microsoft.com/office/drawing/2014/main" id="{5E0EAD78-AEC6-AB45-A710-DD47E43CBB16}"/>
+                <a16:creationId xmlns:a16="http://schemas.microsoft.com/office/drawing/2014/main" xmlns="" id="{5E0EAD78-AEC6-AB45-A710-DD47E43CBB16}"/>
               </a:ext>
             </a:extLst>
           </p:cNvPr>
@@ -5152,7 +5330,7 @@
           <p:cNvPr id="9" name="矩形 8">
             <a:extLst>
               <a:ext uri="{FF2B5EF4-FFF2-40B4-BE49-F238E27FC236}">
-                <a16:creationId xmlns="" xmlns:a16="http://schemas.microsoft.com/office/drawing/2014/main" id="{387A2BAD-7558-A944-B806-7AEF1C4243D0}"/>
+                <a16:creationId xmlns:a16="http://schemas.microsoft.com/office/drawing/2014/main" xmlns="" id="{387A2BAD-7558-A944-B806-7AEF1C4243D0}"/>
               </a:ext>
             </a:extLst>
           </p:cNvPr>
@@ -5234,7 +5412,7 @@
           <p:cNvPr id="2" name="標題 1">
             <a:extLst>
               <a:ext uri="{FF2B5EF4-FFF2-40B4-BE49-F238E27FC236}">
-                <a16:creationId xmlns="" xmlns:a16="http://schemas.microsoft.com/office/drawing/2014/main" id="{AA60FC08-DB42-1443-B1D9-594B0DFFD819}"/>
+                <a16:creationId xmlns:a16="http://schemas.microsoft.com/office/drawing/2014/main" xmlns="" id="{AA60FC08-DB42-1443-B1D9-594B0DFFD819}"/>
               </a:ext>
             </a:extLst>
           </p:cNvPr>
@@ -5279,7 +5457,7 @@
           <p:cNvPr id="3" name="內容版面配置區 2">
             <a:extLst>
               <a:ext uri="{FF2B5EF4-FFF2-40B4-BE49-F238E27FC236}">
-                <a16:creationId xmlns="" xmlns:a16="http://schemas.microsoft.com/office/drawing/2014/main" id="{71BB2DE9-F9EC-0747-8110-57B6F42C6240}"/>
+                <a16:creationId xmlns:a16="http://schemas.microsoft.com/office/drawing/2014/main" xmlns="" id="{71BB2DE9-F9EC-0747-8110-57B6F42C6240}"/>
               </a:ext>
             </a:extLst>
           </p:cNvPr>
@@ -5387,7 +5565,7 @@
           <p:cNvPr id="4" name="日期版面配置區 3">
             <a:extLst>
               <a:ext uri="{FF2B5EF4-FFF2-40B4-BE49-F238E27FC236}">
-                <a16:creationId xmlns="" xmlns:a16="http://schemas.microsoft.com/office/drawing/2014/main" id="{6BA98535-4AD5-2846-9F28-9D341D2CBD82}"/>
+                <a16:creationId xmlns:a16="http://schemas.microsoft.com/office/drawing/2014/main" xmlns="" id="{6BA98535-4AD5-2846-9F28-9D341D2CBD82}"/>
               </a:ext>
             </a:extLst>
           </p:cNvPr>
@@ -5405,7 +5583,7 @@
           <a:p>
             <a:fld id="{75F8934F-7F83-1046-9341-02CE27D9104D}" type="datetimeFigureOut">
               <a:rPr kumimoji="1" lang="zh-TW" altLang="en-US" smtClean="0"/>
-              <a:t>2020/2/3</a:t>
+              <a:t>2020/2/6</a:t>
             </a:fld>
             <a:endParaRPr kumimoji="1" lang="zh-TW" altLang="en-US"/>
           </a:p>
@@ -5416,7 +5594,7 @@
           <p:cNvPr id="5" name="頁尾版面配置區 4">
             <a:extLst>
               <a:ext uri="{FF2B5EF4-FFF2-40B4-BE49-F238E27FC236}">
-                <a16:creationId xmlns="" xmlns:a16="http://schemas.microsoft.com/office/drawing/2014/main" id="{E4EAEED7-0802-7145-8C6C-66F66C8C1782}"/>
+                <a16:creationId xmlns:a16="http://schemas.microsoft.com/office/drawing/2014/main" xmlns="" id="{E4EAEED7-0802-7145-8C6C-66F66C8C1782}"/>
               </a:ext>
             </a:extLst>
           </p:cNvPr>
@@ -5441,7 +5619,7 @@
           <p:cNvPr id="6" name="投影片編號版面配置區 5">
             <a:extLst>
               <a:ext uri="{FF2B5EF4-FFF2-40B4-BE49-F238E27FC236}">
-                <a16:creationId xmlns="" xmlns:a16="http://schemas.microsoft.com/office/drawing/2014/main" id="{7D332B7E-1F76-A041-B6C6-AB635087BAB3}"/>
+                <a16:creationId xmlns:a16="http://schemas.microsoft.com/office/drawing/2014/main" xmlns="" id="{7D332B7E-1F76-A041-B6C6-AB635087BAB3}"/>
               </a:ext>
             </a:extLst>
           </p:cNvPr>
@@ -5470,7 +5648,7 @@
           <p:cNvPr id="7" name="矩形 6">
             <a:extLst>
               <a:ext uri="{FF2B5EF4-FFF2-40B4-BE49-F238E27FC236}">
-                <a16:creationId xmlns="" xmlns:a16="http://schemas.microsoft.com/office/drawing/2014/main" id="{C21960D3-0AC5-EE41-A19C-696161A1572E}"/>
+                <a16:creationId xmlns:a16="http://schemas.microsoft.com/office/drawing/2014/main" xmlns="" id="{C21960D3-0AC5-EE41-A19C-696161A1572E}"/>
               </a:ext>
             </a:extLst>
           </p:cNvPr>
@@ -5526,7 +5704,7 @@
           <p:cNvPr id="8" name="圖片 7">
             <a:extLst>
               <a:ext uri="{FF2B5EF4-FFF2-40B4-BE49-F238E27FC236}">
-                <a16:creationId xmlns="" xmlns:a16="http://schemas.microsoft.com/office/drawing/2014/main" id="{5E0EAD78-AEC6-AB45-A710-DD47E43CBB16}"/>
+                <a16:creationId xmlns:a16="http://schemas.microsoft.com/office/drawing/2014/main" xmlns="" id="{5E0EAD78-AEC6-AB45-A710-DD47E43CBB16}"/>
               </a:ext>
             </a:extLst>
           </p:cNvPr>
@@ -5562,7 +5740,7 @@
           <p:cNvPr id="9" name="矩形 8">
             <a:extLst>
               <a:ext uri="{FF2B5EF4-FFF2-40B4-BE49-F238E27FC236}">
-                <a16:creationId xmlns="" xmlns:a16="http://schemas.microsoft.com/office/drawing/2014/main" id="{387A2BAD-7558-A944-B806-7AEF1C4243D0}"/>
+                <a16:creationId xmlns:a16="http://schemas.microsoft.com/office/drawing/2014/main" xmlns="" id="{387A2BAD-7558-A944-B806-7AEF1C4243D0}"/>
               </a:ext>
             </a:extLst>
           </p:cNvPr>
@@ -5614,7 +5792,7 @@
           <p:cNvPr id="10" name="內容版面配置區 2">
             <a:extLst>
               <a:ext uri="{FF2B5EF4-FFF2-40B4-BE49-F238E27FC236}">
-                <a16:creationId xmlns="" xmlns:a16="http://schemas.microsoft.com/office/drawing/2014/main" id="{71BB2DE9-F9EC-0747-8110-57B6F42C6240}"/>
+                <a16:creationId xmlns:a16="http://schemas.microsoft.com/office/drawing/2014/main" xmlns="" id="{71BB2DE9-F9EC-0747-8110-57B6F42C6240}"/>
               </a:ext>
             </a:extLst>
           </p:cNvPr>
@@ -5752,7 +5930,7 @@
           <p:cNvPr id="2" name="標題 1">
             <a:extLst>
               <a:ext uri="{FF2B5EF4-FFF2-40B4-BE49-F238E27FC236}">
-                <a16:creationId xmlns="" xmlns:a16="http://schemas.microsoft.com/office/drawing/2014/main" id="{AA60FC08-DB42-1443-B1D9-594B0DFFD819}"/>
+                <a16:creationId xmlns:a16="http://schemas.microsoft.com/office/drawing/2014/main" xmlns="" id="{AA60FC08-DB42-1443-B1D9-594B0DFFD819}"/>
               </a:ext>
             </a:extLst>
           </p:cNvPr>
@@ -5797,7 +5975,7 @@
           <p:cNvPr id="3" name="內容版面配置區 2">
             <a:extLst>
               <a:ext uri="{FF2B5EF4-FFF2-40B4-BE49-F238E27FC236}">
-                <a16:creationId xmlns="" xmlns:a16="http://schemas.microsoft.com/office/drawing/2014/main" id="{71BB2DE9-F9EC-0747-8110-57B6F42C6240}"/>
+                <a16:creationId xmlns:a16="http://schemas.microsoft.com/office/drawing/2014/main" xmlns="" id="{71BB2DE9-F9EC-0747-8110-57B6F42C6240}"/>
               </a:ext>
             </a:extLst>
           </p:cNvPr>
@@ -5908,7 +6086,7 @@
           <p:cNvPr id="4" name="日期版面配置區 3">
             <a:extLst>
               <a:ext uri="{FF2B5EF4-FFF2-40B4-BE49-F238E27FC236}">
-                <a16:creationId xmlns="" xmlns:a16="http://schemas.microsoft.com/office/drawing/2014/main" id="{6BA98535-4AD5-2846-9F28-9D341D2CBD82}"/>
+                <a16:creationId xmlns:a16="http://schemas.microsoft.com/office/drawing/2014/main" xmlns="" id="{6BA98535-4AD5-2846-9F28-9D341D2CBD82}"/>
               </a:ext>
             </a:extLst>
           </p:cNvPr>
@@ -5926,7 +6104,7 @@
           <a:p>
             <a:fld id="{75F8934F-7F83-1046-9341-02CE27D9104D}" type="datetimeFigureOut">
               <a:rPr kumimoji="1" lang="zh-TW" altLang="en-US" smtClean="0"/>
-              <a:t>2020/2/3</a:t>
+              <a:t>2020/2/6</a:t>
             </a:fld>
             <a:endParaRPr kumimoji="1" lang="zh-TW" altLang="en-US"/>
           </a:p>
@@ -5937,7 +6115,7 @@
           <p:cNvPr id="5" name="頁尾版面配置區 4">
             <a:extLst>
               <a:ext uri="{FF2B5EF4-FFF2-40B4-BE49-F238E27FC236}">
-                <a16:creationId xmlns="" xmlns:a16="http://schemas.microsoft.com/office/drawing/2014/main" id="{E4EAEED7-0802-7145-8C6C-66F66C8C1782}"/>
+                <a16:creationId xmlns:a16="http://schemas.microsoft.com/office/drawing/2014/main" xmlns="" id="{E4EAEED7-0802-7145-8C6C-66F66C8C1782}"/>
               </a:ext>
             </a:extLst>
           </p:cNvPr>
@@ -5962,7 +6140,7 @@
           <p:cNvPr id="6" name="投影片編號版面配置區 5">
             <a:extLst>
               <a:ext uri="{FF2B5EF4-FFF2-40B4-BE49-F238E27FC236}">
-                <a16:creationId xmlns="" xmlns:a16="http://schemas.microsoft.com/office/drawing/2014/main" id="{7D332B7E-1F76-A041-B6C6-AB635087BAB3}"/>
+                <a16:creationId xmlns:a16="http://schemas.microsoft.com/office/drawing/2014/main" xmlns="" id="{7D332B7E-1F76-A041-B6C6-AB635087BAB3}"/>
               </a:ext>
             </a:extLst>
           </p:cNvPr>
@@ -5991,7 +6169,7 @@
           <p:cNvPr id="7" name="矩形 6">
             <a:extLst>
               <a:ext uri="{FF2B5EF4-FFF2-40B4-BE49-F238E27FC236}">
-                <a16:creationId xmlns="" xmlns:a16="http://schemas.microsoft.com/office/drawing/2014/main" id="{C21960D3-0AC5-EE41-A19C-696161A1572E}"/>
+                <a16:creationId xmlns:a16="http://schemas.microsoft.com/office/drawing/2014/main" xmlns="" id="{C21960D3-0AC5-EE41-A19C-696161A1572E}"/>
               </a:ext>
             </a:extLst>
           </p:cNvPr>
@@ -6047,7 +6225,7 @@
           <p:cNvPr id="8" name="圖片 7">
             <a:extLst>
               <a:ext uri="{FF2B5EF4-FFF2-40B4-BE49-F238E27FC236}">
-                <a16:creationId xmlns="" xmlns:a16="http://schemas.microsoft.com/office/drawing/2014/main" id="{5E0EAD78-AEC6-AB45-A710-DD47E43CBB16}"/>
+                <a16:creationId xmlns:a16="http://schemas.microsoft.com/office/drawing/2014/main" xmlns="" id="{5E0EAD78-AEC6-AB45-A710-DD47E43CBB16}"/>
               </a:ext>
             </a:extLst>
           </p:cNvPr>
@@ -6083,7 +6261,7 @@
           <p:cNvPr id="9" name="矩形 8">
             <a:extLst>
               <a:ext uri="{FF2B5EF4-FFF2-40B4-BE49-F238E27FC236}">
-                <a16:creationId xmlns="" xmlns:a16="http://schemas.microsoft.com/office/drawing/2014/main" id="{387A2BAD-7558-A944-B806-7AEF1C4243D0}"/>
+                <a16:creationId xmlns:a16="http://schemas.microsoft.com/office/drawing/2014/main" xmlns="" id="{387A2BAD-7558-A944-B806-7AEF1C4243D0}"/>
               </a:ext>
             </a:extLst>
           </p:cNvPr>
@@ -6135,7 +6313,7 @@
           <p:cNvPr id="10" name="內容版面配置區 2">
             <a:extLst>
               <a:ext uri="{FF2B5EF4-FFF2-40B4-BE49-F238E27FC236}">
-                <a16:creationId xmlns="" xmlns:a16="http://schemas.microsoft.com/office/drawing/2014/main" id="{71BB2DE9-F9EC-0747-8110-57B6F42C6240}"/>
+                <a16:creationId xmlns:a16="http://schemas.microsoft.com/office/drawing/2014/main" xmlns="" id="{71BB2DE9-F9EC-0747-8110-57B6F42C6240}"/>
               </a:ext>
             </a:extLst>
           </p:cNvPr>
@@ -6276,7 +6454,7 @@
           <p:cNvPr id="2" name="標題 1">
             <a:extLst>
               <a:ext uri="{FF2B5EF4-FFF2-40B4-BE49-F238E27FC236}">
-                <a16:creationId xmlns="" xmlns:a16="http://schemas.microsoft.com/office/drawing/2014/main" id="{AA60FC08-DB42-1443-B1D9-594B0DFFD819}"/>
+                <a16:creationId xmlns:a16="http://schemas.microsoft.com/office/drawing/2014/main" xmlns="" id="{AA60FC08-DB42-1443-B1D9-594B0DFFD819}"/>
               </a:ext>
             </a:extLst>
           </p:cNvPr>
@@ -6321,7 +6499,7 @@
           <p:cNvPr id="3" name="內容版面配置區 2">
             <a:extLst>
               <a:ext uri="{FF2B5EF4-FFF2-40B4-BE49-F238E27FC236}">
-                <a16:creationId xmlns="" xmlns:a16="http://schemas.microsoft.com/office/drawing/2014/main" id="{71BB2DE9-F9EC-0747-8110-57B6F42C6240}"/>
+                <a16:creationId xmlns:a16="http://schemas.microsoft.com/office/drawing/2014/main" xmlns="" id="{71BB2DE9-F9EC-0747-8110-57B6F42C6240}"/>
               </a:ext>
             </a:extLst>
           </p:cNvPr>
@@ -6420,7 +6598,7 @@
           <p:cNvPr id="4" name="日期版面配置區 3">
             <a:extLst>
               <a:ext uri="{FF2B5EF4-FFF2-40B4-BE49-F238E27FC236}">
-                <a16:creationId xmlns="" xmlns:a16="http://schemas.microsoft.com/office/drawing/2014/main" id="{6BA98535-4AD5-2846-9F28-9D341D2CBD82}"/>
+                <a16:creationId xmlns:a16="http://schemas.microsoft.com/office/drawing/2014/main" xmlns="" id="{6BA98535-4AD5-2846-9F28-9D341D2CBD82}"/>
               </a:ext>
             </a:extLst>
           </p:cNvPr>
@@ -6438,7 +6616,7 @@
           <a:p>
             <a:fld id="{75F8934F-7F83-1046-9341-02CE27D9104D}" type="datetimeFigureOut">
               <a:rPr kumimoji="1" lang="zh-TW" altLang="en-US" smtClean="0"/>
-              <a:t>2020/2/3</a:t>
+              <a:t>2020/2/6</a:t>
             </a:fld>
             <a:endParaRPr kumimoji="1" lang="zh-TW" altLang="en-US"/>
           </a:p>
@@ -6449,7 +6627,7 @@
           <p:cNvPr id="5" name="頁尾版面配置區 4">
             <a:extLst>
               <a:ext uri="{FF2B5EF4-FFF2-40B4-BE49-F238E27FC236}">
-                <a16:creationId xmlns="" xmlns:a16="http://schemas.microsoft.com/office/drawing/2014/main" id="{E4EAEED7-0802-7145-8C6C-66F66C8C1782}"/>
+                <a16:creationId xmlns:a16="http://schemas.microsoft.com/office/drawing/2014/main" xmlns="" id="{E4EAEED7-0802-7145-8C6C-66F66C8C1782}"/>
               </a:ext>
             </a:extLst>
           </p:cNvPr>
@@ -6474,7 +6652,7 @@
           <p:cNvPr id="6" name="投影片編號版面配置區 5">
             <a:extLst>
               <a:ext uri="{FF2B5EF4-FFF2-40B4-BE49-F238E27FC236}">
-                <a16:creationId xmlns="" xmlns:a16="http://schemas.microsoft.com/office/drawing/2014/main" id="{7D332B7E-1F76-A041-B6C6-AB635087BAB3}"/>
+                <a16:creationId xmlns:a16="http://schemas.microsoft.com/office/drawing/2014/main" xmlns="" id="{7D332B7E-1F76-A041-B6C6-AB635087BAB3}"/>
               </a:ext>
             </a:extLst>
           </p:cNvPr>
@@ -6503,7 +6681,7 @@
           <p:cNvPr id="7" name="矩形 6">
             <a:extLst>
               <a:ext uri="{FF2B5EF4-FFF2-40B4-BE49-F238E27FC236}">
-                <a16:creationId xmlns="" xmlns:a16="http://schemas.microsoft.com/office/drawing/2014/main" id="{C21960D3-0AC5-EE41-A19C-696161A1572E}"/>
+                <a16:creationId xmlns:a16="http://schemas.microsoft.com/office/drawing/2014/main" xmlns="" id="{C21960D3-0AC5-EE41-A19C-696161A1572E}"/>
               </a:ext>
             </a:extLst>
           </p:cNvPr>
@@ -6559,7 +6737,7 @@
           <p:cNvPr id="8" name="圖片 7">
             <a:extLst>
               <a:ext uri="{FF2B5EF4-FFF2-40B4-BE49-F238E27FC236}">
-                <a16:creationId xmlns="" xmlns:a16="http://schemas.microsoft.com/office/drawing/2014/main" id="{5E0EAD78-AEC6-AB45-A710-DD47E43CBB16}"/>
+                <a16:creationId xmlns:a16="http://schemas.microsoft.com/office/drawing/2014/main" xmlns="" id="{5E0EAD78-AEC6-AB45-A710-DD47E43CBB16}"/>
               </a:ext>
             </a:extLst>
           </p:cNvPr>
@@ -6595,7 +6773,7 @@
           <p:cNvPr id="9" name="矩形 8">
             <a:extLst>
               <a:ext uri="{FF2B5EF4-FFF2-40B4-BE49-F238E27FC236}">
-                <a16:creationId xmlns="" xmlns:a16="http://schemas.microsoft.com/office/drawing/2014/main" id="{387A2BAD-7558-A944-B806-7AEF1C4243D0}"/>
+                <a16:creationId xmlns:a16="http://schemas.microsoft.com/office/drawing/2014/main" xmlns="" id="{387A2BAD-7558-A944-B806-7AEF1C4243D0}"/>
               </a:ext>
             </a:extLst>
           </p:cNvPr>
@@ -6647,7 +6825,7 @@
           <p:cNvPr id="10" name="內容版面配置區 2">
             <a:extLst>
               <a:ext uri="{FF2B5EF4-FFF2-40B4-BE49-F238E27FC236}">
-                <a16:creationId xmlns="" xmlns:a16="http://schemas.microsoft.com/office/drawing/2014/main" id="{71BB2DE9-F9EC-0747-8110-57B6F42C6240}"/>
+                <a16:creationId xmlns:a16="http://schemas.microsoft.com/office/drawing/2014/main" xmlns="" id="{71BB2DE9-F9EC-0747-8110-57B6F42C6240}"/>
               </a:ext>
             </a:extLst>
           </p:cNvPr>
@@ -6776,7 +6954,7 @@
           <p:cNvPr id="2" name="標題 1">
             <a:extLst>
               <a:ext uri="{FF2B5EF4-FFF2-40B4-BE49-F238E27FC236}">
-                <a16:creationId xmlns="" xmlns:a16="http://schemas.microsoft.com/office/drawing/2014/main" id="{AA60FC08-DB42-1443-B1D9-594B0DFFD819}"/>
+                <a16:creationId xmlns:a16="http://schemas.microsoft.com/office/drawing/2014/main" xmlns="" id="{AA60FC08-DB42-1443-B1D9-594B0DFFD819}"/>
               </a:ext>
             </a:extLst>
           </p:cNvPr>
@@ -6821,7 +6999,7 @@
           <p:cNvPr id="3" name="內容版面配置區 2">
             <a:extLst>
               <a:ext uri="{FF2B5EF4-FFF2-40B4-BE49-F238E27FC236}">
-                <a16:creationId xmlns="" xmlns:a16="http://schemas.microsoft.com/office/drawing/2014/main" id="{71BB2DE9-F9EC-0747-8110-57B6F42C6240}"/>
+                <a16:creationId xmlns:a16="http://schemas.microsoft.com/office/drawing/2014/main" xmlns="" id="{71BB2DE9-F9EC-0747-8110-57B6F42C6240}"/>
               </a:ext>
             </a:extLst>
           </p:cNvPr>
@@ -6929,7 +7107,7 @@
           <p:cNvPr id="4" name="日期版面配置區 3">
             <a:extLst>
               <a:ext uri="{FF2B5EF4-FFF2-40B4-BE49-F238E27FC236}">
-                <a16:creationId xmlns="" xmlns:a16="http://schemas.microsoft.com/office/drawing/2014/main" id="{6BA98535-4AD5-2846-9F28-9D341D2CBD82}"/>
+                <a16:creationId xmlns:a16="http://schemas.microsoft.com/office/drawing/2014/main" xmlns="" id="{6BA98535-4AD5-2846-9F28-9D341D2CBD82}"/>
               </a:ext>
             </a:extLst>
           </p:cNvPr>
@@ -6947,7 +7125,7 @@
           <a:p>
             <a:fld id="{75F8934F-7F83-1046-9341-02CE27D9104D}" type="datetimeFigureOut">
               <a:rPr kumimoji="1" lang="zh-TW" altLang="en-US" smtClean="0"/>
-              <a:t>2020/2/3</a:t>
+              <a:t>2020/2/6</a:t>
             </a:fld>
             <a:endParaRPr kumimoji="1" lang="zh-TW" altLang="en-US"/>
           </a:p>
@@ -6958,7 +7136,7 @@
           <p:cNvPr id="5" name="頁尾版面配置區 4">
             <a:extLst>
               <a:ext uri="{FF2B5EF4-FFF2-40B4-BE49-F238E27FC236}">
-                <a16:creationId xmlns="" xmlns:a16="http://schemas.microsoft.com/office/drawing/2014/main" id="{E4EAEED7-0802-7145-8C6C-66F66C8C1782}"/>
+                <a16:creationId xmlns:a16="http://schemas.microsoft.com/office/drawing/2014/main" xmlns="" id="{E4EAEED7-0802-7145-8C6C-66F66C8C1782}"/>
               </a:ext>
             </a:extLst>
           </p:cNvPr>
@@ -6983,7 +7161,7 @@
           <p:cNvPr id="6" name="投影片編號版面配置區 5">
             <a:extLst>
               <a:ext uri="{FF2B5EF4-FFF2-40B4-BE49-F238E27FC236}">
-                <a16:creationId xmlns="" xmlns:a16="http://schemas.microsoft.com/office/drawing/2014/main" id="{7D332B7E-1F76-A041-B6C6-AB635087BAB3}"/>
+                <a16:creationId xmlns:a16="http://schemas.microsoft.com/office/drawing/2014/main" xmlns="" id="{7D332B7E-1F76-A041-B6C6-AB635087BAB3}"/>
               </a:ext>
             </a:extLst>
           </p:cNvPr>
@@ -7012,7 +7190,7 @@
           <p:cNvPr id="7" name="矩形 6">
             <a:extLst>
               <a:ext uri="{FF2B5EF4-FFF2-40B4-BE49-F238E27FC236}">
-                <a16:creationId xmlns="" xmlns:a16="http://schemas.microsoft.com/office/drawing/2014/main" id="{C21960D3-0AC5-EE41-A19C-696161A1572E}"/>
+                <a16:creationId xmlns:a16="http://schemas.microsoft.com/office/drawing/2014/main" xmlns="" id="{C21960D3-0AC5-EE41-A19C-696161A1572E}"/>
               </a:ext>
             </a:extLst>
           </p:cNvPr>
@@ -7068,7 +7246,7 @@
           <p:cNvPr id="8" name="圖片 7">
             <a:extLst>
               <a:ext uri="{FF2B5EF4-FFF2-40B4-BE49-F238E27FC236}">
-                <a16:creationId xmlns="" xmlns:a16="http://schemas.microsoft.com/office/drawing/2014/main" id="{5E0EAD78-AEC6-AB45-A710-DD47E43CBB16}"/>
+                <a16:creationId xmlns:a16="http://schemas.microsoft.com/office/drawing/2014/main" xmlns="" id="{5E0EAD78-AEC6-AB45-A710-DD47E43CBB16}"/>
               </a:ext>
             </a:extLst>
           </p:cNvPr>
@@ -7104,7 +7282,7 @@
           <p:cNvPr id="9" name="矩形 8">
             <a:extLst>
               <a:ext uri="{FF2B5EF4-FFF2-40B4-BE49-F238E27FC236}">
-                <a16:creationId xmlns="" xmlns:a16="http://schemas.microsoft.com/office/drawing/2014/main" id="{387A2BAD-7558-A944-B806-7AEF1C4243D0}"/>
+                <a16:creationId xmlns:a16="http://schemas.microsoft.com/office/drawing/2014/main" xmlns="" id="{387A2BAD-7558-A944-B806-7AEF1C4243D0}"/>
               </a:ext>
             </a:extLst>
           </p:cNvPr>
@@ -7156,7 +7334,7 @@
           <p:cNvPr id="10" name="內容版面配置區 2">
             <a:extLst>
               <a:ext uri="{FF2B5EF4-FFF2-40B4-BE49-F238E27FC236}">
-                <a16:creationId xmlns="" xmlns:a16="http://schemas.microsoft.com/office/drawing/2014/main" id="{71BB2DE9-F9EC-0747-8110-57B6F42C6240}"/>
+                <a16:creationId xmlns:a16="http://schemas.microsoft.com/office/drawing/2014/main" xmlns="" id="{71BB2DE9-F9EC-0747-8110-57B6F42C6240}"/>
               </a:ext>
             </a:extLst>
           </p:cNvPr>
@@ -7264,7 +7442,7 @@
           <p:cNvPr id="11" name="內容版面配置區 2">
             <a:extLst>
               <a:ext uri="{FF2B5EF4-FFF2-40B4-BE49-F238E27FC236}">
-                <a16:creationId xmlns="" xmlns:a16="http://schemas.microsoft.com/office/drawing/2014/main" id="{71BB2DE9-F9EC-0747-8110-57B6F42C6240}"/>
+                <a16:creationId xmlns:a16="http://schemas.microsoft.com/office/drawing/2014/main" xmlns="" id="{71BB2DE9-F9EC-0747-8110-57B6F42C6240}"/>
               </a:ext>
             </a:extLst>
           </p:cNvPr>
@@ -7372,7 +7550,7 @@
           <p:cNvPr id="12" name="內容版面配置區 2">
             <a:extLst>
               <a:ext uri="{FF2B5EF4-FFF2-40B4-BE49-F238E27FC236}">
-                <a16:creationId xmlns="" xmlns:a16="http://schemas.microsoft.com/office/drawing/2014/main" id="{71BB2DE9-F9EC-0747-8110-57B6F42C6240}"/>
+                <a16:creationId xmlns:a16="http://schemas.microsoft.com/office/drawing/2014/main" xmlns="" id="{71BB2DE9-F9EC-0747-8110-57B6F42C6240}"/>
               </a:ext>
             </a:extLst>
           </p:cNvPr>
@@ -7510,7 +7688,7 @@
           <p:cNvPr id="7" name="矩形 6">
             <a:extLst>
               <a:ext uri="{FF2B5EF4-FFF2-40B4-BE49-F238E27FC236}">
-                <a16:creationId xmlns="" xmlns:a16="http://schemas.microsoft.com/office/drawing/2014/main" id="{8A770271-AB73-DA4C-9664-09A28120DA97}"/>
+                <a16:creationId xmlns:a16="http://schemas.microsoft.com/office/drawing/2014/main" xmlns="" id="{8A770271-AB73-DA4C-9664-09A28120DA97}"/>
               </a:ext>
             </a:extLst>
           </p:cNvPr>
@@ -7562,7 +7740,7 @@
           <p:cNvPr id="2" name="標題 1">
             <a:extLst>
               <a:ext uri="{FF2B5EF4-FFF2-40B4-BE49-F238E27FC236}">
-                <a16:creationId xmlns="" xmlns:a16="http://schemas.microsoft.com/office/drawing/2014/main" id="{155A4563-E84E-2143-94D2-868ECA667901}"/>
+                <a16:creationId xmlns:a16="http://schemas.microsoft.com/office/drawing/2014/main" xmlns="" id="{155A4563-E84E-2143-94D2-868ECA667901}"/>
               </a:ext>
             </a:extLst>
           </p:cNvPr>
@@ -7607,7 +7785,7 @@
           <p:cNvPr id="3" name="副標題 2">
             <a:extLst>
               <a:ext uri="{FF2B5EF4-FFF2-40B4-BE49-F238E27FC236}">
-                <a16:creationId xmlns="" xmlns:a16="http://schemas.microsoft.com/office/drawing/2014/main" id="{01C11A57-485A-7843-90B7-CE4D3710822E}"/>
+                <a16:creationId xmlns:a16="http://schemas.microsoft.com/office/drawing/2014/main" xmlns="" id="{01C11A57-485A-7843-90B7-CE4D3710822E}"/>
               </a:ext>
             </a:extLst>
           </p:cNvPr>
@@ -7683,7 +7861,7 @@
           <p:cNvPr id="4" name="日期版面配置區 3">
             <a:extLst>
               <a:ext uri="{FF2B5EF4-FFF2-40B4-BE49-F238E27FC236}">
-                <a16:creationId xmlns="" xmlns:a16="http://schemas.microsoft.com/office/drawing/2014/main" id="{6FF04DFD-F863-024F-AB15-7DEB6ABDA713}"/>
+                <a16:creationId xmlns:a16="http://schemas.microsoft.com/office/drawing/2014/main" xmlns="" id="{6FF04DFD-F863-024F-AB15-7DEB6ABDA713}"/>
               </a:ext>
             </a:extLst>
           </p:cNvPr>
@@ -7701,7 +7879,7 @@
           <a:p>
             <a:fld id="{75F8934F-7F83-1046-9341-02CE27D9104D}" type="datetimeFigureOut">
               <a:rPr kumimoji="1" lang="zh-TW" altLang="en-US" smtClean="0"/>
-              <a:t>2020/2/3</a:t>
+              <a:t>2020/2/6</a:t>
             </a:fld>
             <a:endParaRPr kumimoji="1" lang="zh-TW" altLang="en-US"/>
           </a:p>
@@ -7712,7 +7890,7 @@
           <p:cNvPr id="5" name="頁尾版面配置區 4">
             <a:extLst>
               <a:ext uri="{FF2B5EF4-FFF2-40B4-BE49-F238E27FC236}">
-                <a16:creationId xmlns="" xmlns:a16="http://schemas.microsoft.com/office/drawing/2014/main" id="{C42252C1-473D-124E-AAFE-BBC473106861}"/>
+                <a16:creationId xmlns:a16="http://schemas.microsoft.com/office/drawing/2014/main" xmlns="" id="{C42252C1-473D-124E-AAFE-BBC473106861}"/>
               </a:ext>
             </a:extLst>
           </p:cNvPr>
@@ -7737,7 +7915,7 @@
           <p:cNvPr id="6" name="投影片編號版面配置區 5">
             <a:extLst>
               <a:ext uri="{FF2B5EF4-FFF2-40B4-BE49-F238E27FC236}">
-                <a16:creationId xmlns="" xmlns:a16="http://schemas.microsoft.com/office/drawing/2014/main" id="{871B4E1C-D0B1-194C-8D0D-EEB67A6B5AFE}"/>
+                <a16:creationId xmlns:a16="http://schemas.microsoft.com/office/drawing/2014/main" xmlns="" id="{871B4E1C-D0B1-194C-8D0D-EEB67A6B5AFE}"/>
               </a:ext>
             </a:extLst>
           </p:cNvPr>
@@ -7766,7 +7944,7 @@
           <p:cNvPr id="8" name="圖片 7">
             <a:extLst>
               <a:ext uri="{FF2B5EF4-FFF2-40B4-BE49-F238E27FC236}">
-                <a16:creationId xmlns="" xmlns:a16="http://schemas.microsoft.com/office/drawing/2014/main" id="{CFC0D688-7C0C-F240-82D7-136060E3079C}"/>
+                <a16:creationId xmlns:a16="http://schemas.microsoft.com/office/drawing/2014/main" xmlns="" id="{CFC0D688-7C0C-F240-82D7-136060E3079C}"/>
               </a:ext>
             </a:extLst>
           </p:cNvPr>
@@ -7802,7 +7980,7 @@
           <p:cNvPr id="10" name="文字版面配置區 9">
             <a:extLst>
               <a:ext uri="{FF2B5EF4-FFF2-40B4-BE49-F238E27FC236}">
-                <a16:creationId xmlns="" xmlns:a16="http://schemas.microsoft.com/office/drawing/2014/main" id="{541677EC-052B-1741-B92F-902A83DB4CDB}"/>
+                <a16:creationId xmlns:a16="http://schemas.microsoft.com/office/drawing/2014/main" xmlns="" id="{541677EC-052B-1741-B92F-902A83DB4CDB}"/>
               </a:ext>
             </a:extLst>
           </p:cNvPr>
@@ -7883,7 +8061,7 @@
           <p:cNvPr id="2" name="標題 1">
             <a:extLst>
               <a:ext uri="{FF2B5EF4-FFF2-40B4-BE49-F238E27FC236}">
-                <a16:creationId xmlns="" xmlns:a16="http://schemas.microsoft.com/office/drawing/2014/main" id="{AA60FC08-DB42-1443-B1D9-594B0DFFD819}"/>
+                <a16:creationId xmlns:a16="http://schemas.microsoft.com/office/drawing/2014/main" xmlns="" id="{AA60FC08-DB42-1443-B1D9-594B0DFFD819}"/>
               </a:ext>
             </a:extLst>
           </p:cNvPr>
@@ -7928,7 +8106,7 @@
           <p:cNvPr id="3" name="內容版面配置區 2">
             <a:extLst>
               <a:ext uri="{FF2B5EF4-FFF2-40B4-BE49-F238E27FC236}">
-                <a16:creationId xmlns="" xmlns:a16="http://schemas.microsoft.com/office/drawing/2014/main" id="{71BB2DE9-F9EC-0747-8110-57B6F42C6240}"/>
+                <a16:creationId xmlns:a16="http://schemas.microsoft.com/office/drawing/2014/main" xmlns="" id="{71BB2DE9-F9EC-0747-8110-57B6F42C6240}"/>
               </a:ext>
             </a:extLst>
           </p:cNvPr>
@@ -8039,7 +8217,7 @@
           <p:cNvPr id="4" name="日期版面配置區 3">
             <a:extLst>
               <a:ext uri="{FF2B5EF4-FFF2-40B4-BE49-F238E27FC236}">
-                <a16:creationId xmlns="" xmlns:a16="http://schemas.microsoft.com/office/drawing/2014/main" id="{6BA98535-4AD5-2846-9F28-9D341D2CBD82}"/>
+                <a16:creationId xmlns:a16="http://schemas.microsoft.com/office/drawing/2014/main" xmlns="" id="{6BA98535-4AD5-2846-9F28-9D341D2CBD82}"/>
               </a:ext>
             </a:extLst>
           </p:cNvPr>
@@ -8057,7 +8235,7 @@
           <a:p>
             <a:fld id="{75F8934F-7F83-1046-9341-02CE27D9104D}" type="datetimeFigureOut">
               <a:rPr kumimoji="1" lang="zh-TW" altLang="en-US" smtClean="0"/>
-              <a:t>2020/2/3</a:t>
+              <a:t>2020/2/6</a:t>
             </a:fld>
             <a:endParaRPr kumimoji="1" lang="zh-TW" altLang="en-US"/>
           </a:p>
@@ -8068,7 +8246,7 @@
           <p:cNvPr id="5" name="頁尾版面配置區 4">
             <a:extLst>
               <a:ext uri="{FF2B5EF4-FFF2-40B4-BE49-F238E27FC236}">
-                <a16:creationId xmlns="" xmlns:a16="http://schemas.microsoft.com/office/drawing/2014/main" id="{E4EAEED7-0802-7145-8C6C-66F66C8C1782}"/>
+                <a16:creationId xmlns:a16="http://schemas.microsoft.com/office/drawing/2014/main" xmlns="" id="{E4EAEED7-0802-7145-8C6C-66F66C8C1782}"/>
               </a:ext>
             </a:extLst>
           </p:cNvPr>
@@ -8093,7 +8271,7 @@
           <p:cNvPr id="6" name="投影片編號版面配置區 5">
             <a:extLst>
               <a:ext uri="{FF2B5EF4-FFF2-40B4-BE49-F238E27FC236}">
-                <a16:creationId xmlns="" xmlns:a16="http://schemas.microsoft.com/office/drawing/2014/main" id="{7D332B7E-1F76-A041-B6C6-AB635087BAB3}"/>
+                <a16:creationId xmlns:a16="http://schemas.microsoft.com/office/drawing/2014/main" xmlns="" id="{7D332B7E-1F76-A041-B6C6-AB635087BAB3}"/>
               </a:ext>
             </a:extLst>
           </p:cNvPr>
@@ -8122,7 +8300,7 @@
           <p:cNvPr id="7" name="矩形 6">
             <a:extLst>
               <a:ext uri="{FF2B5EF4-FFF2-40B4-BE49-F238E27FC236}">
-                <a16:creationId xmlns="" xmlns:a16="http://schemas.microsoft.com/office/drawing/2014/main" id="{C21960D3-0AC5-EE41-A19C-696161A1572E}"/>
+                <a16:creationId xmlns:a16="http://schemas.microsoft.com/office/drawing/2014/main" xmlns="" id="{C21960D3-0AC5-EE41-A19C-696161A1572E}"/>
               </a:ext>
             </a:extLst>
           </p:cNvPr>
@@ -8178,7 +8356,7 @@
           <p:cNvPr id="8" name="圖片 7">
             <a:extLst>
               <a:ext uri="{FF2B5EF4-FFF2-40B4-BE49-F238E27FC236}">
-                <a16:creationId xmlns="" xmlns:a16="http://schemas.microsoft.com/office/drawing/2014/main" id="{5E0EAD78-AEC6-AB45-A710-DD47E43CBB16}"/>
+                <a16:creationId xmlns:a16="http://schemas.microsoft.com/office/drawing/2014/main" xmlns="" id="{5E0EAD78-AEC6-AB45-A710-DD47E43CBB16}"/>
               </a:ext>
             </a:extLst>
           </p:cNvPr>
@@ -8214,7 +8392,7 @@
           <p:cNvPr id="9" name="矩形 8">
             <a:extLst>
               <a:ext uri="{FF2B5EF4-FFF2-40B4-BE49-F238E27FC236}">
-                <a16:creationId xmlns="" xmlns:a16="http://schemas.microsoft.com/office/drawing/2014/main" id="{387A2BAD-7558-A944-B806-7AEF1C4243D0}"/>
+                <a16:creationId xmlns:a16="http://schemas.microsoft.com/office/drawing/2014/main" xmlns="" id="{387A2BAD-7558-A944-B806-7AEF1C4243D0}"/>
               </a:ext>
             </a:extLst>
           </p:cNvPr>
@@ -8266,7 +8444,7 @@
           <p:cNvPr id="10" name="內容版面配置區 2">
             <a:extLst>
               <a:ext uri="{FF2B5EF4-FFF2-40B4-BE49-F238E27FC236}">
-                <a16:creationId xmlns="" xmlns:a16="http://schemas.microsoft.com/office/drawing/2014/main" id="{71BB2DE9-F9EC-0747-8110-57B6F42C6240}"/>
+                <a16:creationId xmlns:a16="http://schemas.microsoft.com/office/drawing/2014/main" xmlns="" id="{71BB2DE9-F9EC-0747-8110-57B6F42C6240}"/>
               </a:ext>
             </a:extLst>
           </p:cNvPr>
@@ -8377,7 +8555,7 @@
           <p:cNvPr id="11" name="內容版面配置區 2">
             <a:extLst>
               <a:ext uri="{FF2B5EF4-FFF2-40B4-BE49-F238E27FC236}">
-                <a16:creationId xmlns="" xmlns:a16="http://schemas.microsoft.com/office/drawing/2014/main" id="{71BB2DE9-F9EC-0747-8110-57B6F42C6240}"/>
+                <a16:creationId xmlns:a16="http://schemas.microsoft.com/office/drawing/2014/main" xmlns="" id="{71BB2DE9-F9EC-0747-8110-57B6F42C6240}"/>
               </a:ext>
             </a:extLst>
           </p:cNvPr>
@@ -8488,7 +8666,7 @@
           <p:cNvPr id="12" name="內容版面配置區 2">
             <a:extLst>
               <a:ext uri="{FF2B5EF4-FFF2-40B4-BE49-F238E27FC236}">
-                <a16:creationId xmlns="" xmlns:a16="http://schemas.microsoft.com/office/drawing/2014/main" id="{71BB2DE9-F9EC-0747-8110-57B6F42C6240}"/>
+                <a16:creationId xmlns:a16="http://schemas.microsoft.com/office/drawing/2014/main" xmlns="" id="{71BB2DE9-F9EC-0747-8110-57B6F42C6240}"/>
               </a:ext>
             </a:extLst>
           </p:cNvPr>
@@ -8629,7 +8807,7 @@
           <p:cNvPr id="2" name="標題 1">
             <a:extLst>
               <a:ext uri="{FF2B5EF4-FFF2-40B4-BE49-F238E27FC236}">
-                <a16:creationId xmlns="" xmlns:a16="http://schemas.microsoft.com/office/drawing/2014/main" id="{AA60FC08-DB42-1443-B1D9-594B0DFFD819}"/>
+                <a16:creationId xmlns:a16="http://schemas.microsoft.com/office/drawing/2014/main" xmlns="" id="{AA60FC08-DB42-1443-B1D9-594B0DFFD819}"/>
               </a:ext>
             </a:extLst>
           </p:cNvPr>
@@ -8674,7 +8852,7 @@
           <p:cNvPr id="3" name="內容版面配置區 2">
             <a:extLst>
               <a:ext uri="{FF2B5EF4-FFF2-40B4-BE49-F238E27FC236}">
-                <a16:creationId xmlns="" xmlns:a16="http://schemas.microsoft.com/office/drawing/2014/main" id="{71BB2DE9-F9EC-0747-8110-57B6F42C6240}"/>
+                <a16:creationId xmlns:a16="http://schemas.microsoft.com/office/drawing/2014/main" xmlns="" id="{71BB2DE9-F9EC-0747-8110-57B6F42C6240}"/>
               </a:ext>
             </a:extLst>
           </p:cNvPr>
@@ -8773,7 +8951,7 @@
           <p:cNvPr id="4" name="日期版面配置區 3">
             <a:extLst>
               <a:ext uri="{FF2B5EF4-FFF2-40B4-BE49-F238E27FC236}">
-                <a16:creationId xmlns="" xmlns:a16="http://schemas.microsoft.com/office/drawing/2014/main" id="{6BA98535-4AD5-2846-9F28-9D341D2CBD82}"/>
+                <a16:creationId xmlns:a16="http://schemas.microsoft.com/office/drawing/2014/main" xmlns="" id="{6BA98535-4AD5-2846-9F28-9D341D2CBD82}"/>
               </a:ext>
             </a:extLst>
           </p:cNvPr>
@@ -8791,7 +8969,7 @@
           <a:p>
             <a:fld id="{75F8934F-7F83-1046-9341-02CE27D9104D}" type="datetimeFigureOut">
               <a:rPr kumimoji="1" lang="zh-TW" altLang="en-US" smtClean="0"/>
-              <a:t>2020/2/3</a:t>
+              <a:t>2020/2/6</a:t>
             </a:fld>
             <a:endParaRPr kumimoji="1" lang="zh-TW" altLang="en-US"/>
           </a:p>
@@ -8802,7 +8980,7 @@
           <p:cNvPr id="5" name="頁尾版面配置區 4">
             <a:extLst>
               <a:ext uri="{FF2B5EF4-FFF2-40B4-BE49-F238E27FC236}">
-                <a16:creationId xmlns="" xmlns:a16="http://schemas.microsoft.com/office/drawing/2014/main" id="{E4EAEED7-0802-7145-8C6C-66F66C8C1782}"/>
+                <a16:creationId xmlns:a16="http://schemas.microsoft.com/office/drawing/2014/main" xmlns="" id="{E4EAEED7-0802-7145-8C6C-66F66C8C1782}"/>
               </a:ext>
             </a:extLst>
           </p:cNvPr>
@@ -8827,7 +9005,7 @@
           <p:cNvPr id="6" name="投影片編號版面配置區 5">
             <a:extLst>
               <a:ext uri="{FF2B5EF4-FFF2-40B4-BE49-F238E27FC236}">
-                <a16:creationId xmlns="" xmlns:a16="http://schemas.microsoft.com/office/drawing/2014/main" id="{7D332B7E-1F76-A041-B6C6-AB635087BAB3}"/>
+                <a16:creationId xmlns:a16="http://schemas.microsoft.com/office/drawing/2014/main" xmlns="" id="{7D332B7E-1F76-A041-B6C6-AB635087BAB3}"/>
               </a:ext>
             </a:extLst>
           </p:cNvPr>
@@ -8856,7 +9034,7 @@
           <p:cNvPr id="7" name="矩形 6">
             <a:extLst>
               <a:ext uri="{FF2B5EF4-FFF2-40B4-BE49-F238E27FC236}">
-                <a16:creationId xmlns="" xmlns:a16="http://schemas.microsoft.com/office/drawing/2014/main" id="{C21960D3-0AC5-EE41-A19C-696161A1572E}"/>
+                <a16:creationId xmlns:a16="http://schemas.microsoft.com/office/drawing/2014/main" xmlns="" id="{C21960D3-0AC5-EE41-A19C-696161A1572E}"/>
               </a:ext>
             </a:extLst>
           </p:cNvPr>
@@ -8912,7 +9090,7 @@
           <p:cNvPr id="8" name="圖片 7">
             <a:extLst>
               <a:ext uri="{FF2B5EF4-FFF2-40B4-BE49-F238E27FC236}">
-                <a16:creationId xmlns="" xmlns:a16="http://schemas.microsoft.com/office/drawing/2014/main" id="{5E0EAD78-AEC6-AB45-A710-DD47E43CBB16}"/>
+                <a16:creationId xmlns:a16="http://schemas.microsoft.com/office/drawing/2014/main" xmlns="" id="{5E0EAD78-AEC6-AB45-A710-DD47E43CBB16}"/>
               </a:ext>
             </a:extLst>
           </p:cNvPr>
@@ -8948,7 +9126,7 @@
           <p:cNvPr id="9" name="矩形 8">
             <a:extLst>
               <a:ext uri="{FF2B5EF4-FFF2-40B4-BE49-F238E27FC236}">
-                <a16:creationId xmlns="" xmlns:a16="http://schemas.microsoft.com/office/drawing/2014/main" id="{387A2BAD-7558-A944-B806-7AEF1C4243D0}"/>
+                <a16:creationId xmlns:a16="http://schemas.microsoft.com/office/drawing/2014/main" xmlns="" id="{387A2BAD-7558-A944-B806-7AEF1C4243D0}"/>
               </a:ext>
             </a:extLst>
           </p:cNvPr>
@@ -9000,7 +9178,7 @@
           <p:cNvPr id="10" name="內容版面配置區 2">
             <a:extLst>
               <a:ext uri="{FF2B5EF4-FFF2-40B4-BE49-F238E27FC236}">
-                <a16:creationId xmlns="" xmlns:a16="http://schemas.microsoft.com/office/drawing/2014/main" id="{71BB2DE9-F9EC-0747-8110-57B6F42C6240}"/>
+                <a16:creationId xmlns:a16="http://schemas.microsoft.com/office/drawing/2014/main" xmlns="" id="{71BB2DE9-F9EC-0747-8110-57B6F42C6240}"/>
               </a:ext>
             </a:extLst>
           </p:cNvPr>
@@ -9099,7 +9277,7 @@
           <p:cNvPr id="11" name="內容版面配置區 2">
             <a:extLst>
               <a:ext uri="{FF2B5EF4-FFF2-40B4-BE49-F238E27FC236}">
-                <a16:creationId xmlns="" xmlns:a16="http://schemas.microsoft.com/office/drawing/2014/main" id="{71BB2DE9-F9EC-0747-8110-57B6F42C6240}"/>
+                <a16:creationId xmlns:a16="http://schemas.microsoft.com/office/drawing/2014/main" xmlns="" id="{71BB2DE9-F9EC-0747-8110-57B6F42C6240}"/>
               </a:ext>
             </a:extLst>
           </p:cNvPr>
@@ -9198,7 +9376,7 @@
           <p:cNvPr id="12" name="內容版面配置區 2">
             <a:extLst>
               <a:ext uri="{FF2B5EF4-FFF2-40B4-BE49-F238E27FC236}">
-                <a16:creationId xmlns="" xmlns:a16="http://schemas.microsoft.com/office/drawing/2014/main" id="{71BB2DE9-F9EC-0747-8110-57B6F42C6240}"/>
+                <a16:creationId xmlns:a16="http://schemas.microsoft.com/office/drawing/2014/main" xmlns="" id="{71BB2DE9-F9EC-0747-8110-57B6F42C6240}"/>
               </a:ext>
             </a:extLst>
           </p:cNvPr>
@@ -9361,7 +9539,7 @@
           <a:p>
             <a:fld id="{75F8934F-7F83-1046-9341-02CE27D9104D}" type="datetimeFigureOut">
               <a:rPr kumimoji="1" lang="zh-TW" altLang="en-US" smtClean="0"/>
-              <a:t>2020/2/3</a:t>
+              <a:t>2020/2/6</a:t>
             </a:fld>
             <a:endParaRPr kumimoji="1" lang="zh-TW" altLang="en-US"/>
           </a:p>
@@ -9414,7 +9592,7 @@
           <p:cNvPr id="7" name="內容版面配置區 2">
             <a:extLst>
               <a:ext uri="{FF2B5EF4-FFF2-40B4-BE49-F238E27FC236}">
-                <a16:creationId xmlns="" xmlns:a16="http://schemas.microsoft.com/office/drawing/2014/main" id="{DB7FC4C6-C26F-214E-B2D6-C9ED5E2BD195}"/>
+                <a16:creationId xmlns:a16="http://schemas.microsoft.com/office/drawing/2014/main" xmlns="" id="{DB7FC4C6-C26F-214E-B2D6-C9ED5E2BD195}"/>
               </a:ext>
             </a:extLst>
           </p:cNvPr>
@@ -9476,7 +9654,7 @@
           <p:cNvPr id="8" name="矩形 7">
             <a:extLst>
               <a:ext uri="{FF2B5EF4-FFF2-40B4-BE49-F238E27FC236}">
-                <a16:creationId xmlns="" xmlns:a16="http://schemas.microsoft.com/office/drawing/2014/main" id="{C21960D3-0AC5-EE41-A19C-696161A1572E}"/>
+                <a16:creationId xmlns:a16="http://schemas.microsoft.com/office/drawing/2014/main" xmlns="" id="{C21960D3-0AC5-EE41-A19C-696161A1572E}"/>
               </a:ext>
             </a:extLst>
           </p:cNvPr>
@@ -9532,7 +9710,7 @@
           <p:cNvPr id="9" name="矩形 8">
             <a:extLst>
               <a:ext uri="{FF2B5EF4-FFF2-40B4-BE49-F238E27FC236}">
-                <a16:creationId xmlns="" xmlns:a16="http://schemas.microsoft.com/office/drawing/2014/main" id="{387A2BAD-7558-A944-B806-7AEF1C4243D0}"/>
+                <a16:creationId xmlns:a16="http://schemas.microsoft.com/office/drawing/2014/main" xmlns="" id="{387A2BAD-7558-A944-B806-7AEF1C4243D0}"/>
               </a:ext>
             </a:extLst>
           </p:cNvPr>
@@ -9584,7 +9762,7 @@
           <p:cNvPr id="10" name="圖片 9">
             <a:extLst>
               <a:ext uri="{FF2B5EF4-FFF2-40B4-BE49-F238E27FC236}">
-                <a16:creationId xmlns="" xmlns:a16="http://schemas.microsoft.com/office/drawing/2014/main" id="{5E0EAD78-AEC6-AB45-A710-DD47E43CBB16}"/>
+                <a16:creationId xmlns:a16="http://schemas.microsoft.com/office/drawing/2014/main" xmlns="" id="{5E0EAD78-AEC6-AB45-A710-DD47E43CBB16}"/>
               </a:ext>
             </a:extLst>
           </p:cNvPr>
@@ -9650,7 +9828,7 @@
           <p:cNvPr id="2" name="標題 1">
             <a:extLst>
               <a:ext uri="{FF2B5EF4-FFF2-40B4-BE49-F238E27FC236}">
-                <a16:creationId xmlns="" xmlns:a16="http://schemas.microsoft.com/office/drawing/2014/main" id="{979C6CD6-89CE-E846-934F-01618F2F117C}"/>
+                <a16:creationId xmlns:a16="http://schemas.microsoft.com/office/drawing/2014/main" xmlns="" id="{979C6CD6-89CE-E846-934F-01618F2F117C}"/>
               </a:ext>
             </a:extLst>
           </p:cNvPr>
@@ -9678,7 +9856,7 @@
           <p:cNvPr id="3" name="內容版面配置區 2">
             <a:extLst>
               <a:ext uri="{FF2B5EF4-FFF2-40B4-BE49-F238E27FC236}">
-                <a16:creationId xmlns="" xmlns:a16="http://schemas.microsoft.com/office/drawing/2014/main" id="{DB7FC4C6-C26F-214E-B2D6-C9ED5E2BD195}"/>
+                <a16:creationId xmlns:a16="http://schemas.microsoft.com/office/drawing/2014/main" xmlns="" id="{DB7FC4C6-C26F-214E-B2D6-C9ED5E2BD195}"/>
               </a:ext>
             </a:extLst>
           </p:cNvPr>
@@ -9740,7 +9918,7 @@
           <p:cNvPr id="4" name="內容版面配置區 3">
             <a:extLst>
               <a:ext uri="{FF2B5EF4-FFF2-40B4-BE49-F238E27FC236}">
-                <a16:creationId xmlns="" xmlns:a16="http://schemas.microsoft.com/office/drawing/2014/main" id="{DBED84A6-8329-9742-B24D-788F26DEA102}"/>
+                <a16:creationId xmlns:a16="http://schemas.microsoft.com/office/drawing/2014/main" xmlns="" id="{DBED84A6-8329-9742-B24D-788F26DEA102}"/>
               </a:ext>
             </a:extLst>
           </p:cNvPr>
@@ -9802,7 +9980,7 @@
           <p:cNvPr id="5" name="日期版面配置區 4">
             <a:extLst>
               <a:ext uri="{FF2B5EF4-FFF2-40B4-BE49-F238E27FC236}">
-                <a16:creationId xmlns="" xmlns:a16="http://schemas.microsoft.com/office/drawing/2014/main" id="{B9046B7C-39BE-4A4E-B699-9748D6DA088D}"/>
+                <a16:creationId xmlns:a16="http://schemas.microsoft.com/office/drawing/2014/main" xmlns="" id="{B9046B7C-39BE-4A4E-B699-9748D6DA088D}"/>
               </a:ext>
             </a:extLst>
           </p:cNvPr>
@@ -9820,7 +9998,7 @@
           <a:p>
             <a:fld id="{75F8934F-7F83-1046-9341-02CE27D9104D}" type="datetimeFigureOut">
               <a:rPr kumimoji="1" lang="zh-TW" altLang="en-US" smtClean="0"/>
-              <a:t>2020/2/3</a:t>
+              <a:t>2020/2/6</a:t>
             </a:fld>
             <a:endParaRPr kumimoji="1" lang="zh-TW" altLang="en-US"/>
           </a:p>
@@ -9831,7 +10009,7 @@
           <p:cNvPr id="6" name="頁尾版面配置區 5">
             <a:extLst>
               <a:ext uri="{FF2B5EF4-FFF2-40B4-BE49-F238E27FC236}">
-                <a16:creationId xmlns="" xmlns:a16="http://schemas.microsoft.com/office/drawing/2014/main" id="{1AD5E07B-3935-B144-8CAF-5251EF861FDA}"/>
+                <a16:creationId xmlns:a16="http://schemas.microsoft.com/office/drawing/2014/main" xmlns="" id="{1AD5E07B-3935-B144-8CAF-5251EF861FDA}"/>
               </a:ext>
             </a:extLst>
           </p:cNvPr>
@@ -9856,7 +10034,7 @@
           <p:cNvPr id="7" name="投影片編號版面配置區 6">
             <a:extLst>
               <a:ext uri="{FF2B5EF4-FFF2-40B4-BE49-F238E27FC236}">
-                <a16:creationId xmlns="" xmlns:a16="http://schemas.microsoft.com/office/drawing/2014/main" id="{C9A0C168-E66B-E24E-B30C-62EBA9A41007}"/>
+                <a16:creationId xmlns:a16="http://schemas.microsoft.com/office/drawing/2014/main" xmlns="" id="{C9A0C168-E66B-E24E-B30C-62EBA9A41007}"/>
               </a:ext>
             </a:extLst>
           </p:cNvPr>
@@ -9885,7 +10063,7 @@
           <p:cNvPr id="8" name="圖片 7">
             <a:extLst>
               <a:ext uri="{FF2B5EF4-FFF2-40B4-BE49-F238E27FC236}">
-                <a16:creationId xmlns="" xmlns:a16="http://schemas.microsoft.com/office/drawing/2014/main" id="{5E0EAD78-AEC6-AB45-A710-DD47E43CBB16}"/>
+                <a16:creationId xmlns:a16="http://schemas.microsoft.com/office/drawing/2014/main" xmlns="" id="{5E0EAD78-AEC6-AB45-A710-DD47E43CBB16}"/>
               </a:ext>
             </a:extLst>
           </p:cNvPr>
@@ -9921,7 +10099,7 @@
           <p:cNvPr id="9" name="矩形 8">
             <a:extLst>
               <a:ext uri="{FF2B5EF4-FFF2-40B4-BE49-F238E27FC236}">
-                <a16:creationId xmlns="" xmlns:a16="http://schemas.microsoft.com/office/drawing/2014/main" id="{C21960D3-0AC5-EE41-A19C-696161A1572E}"/>
+                <a16:creationId xmlns:a16="http://schemas.microsoft.com/office/drawing/2014/main" xmlns="" id="{C21960D3-0AC5-EE41-A19C-696161A1572E}"/>
               </a:ext>
             </a:extLst>
           </p:cNvPr>
@@ -9977,7 +10155,7 @@
           <p:cNvPr id="10" name="矩形 9">
             <a:extLst>
               <a:ext uri="{FF2B5EF4-FFF2-40B4-BE49-F238E27FC236}">
-                <a16:creationId xmlns="" xmlns:a16="http://schemas.microsoft.com/office/drawing/2014/main" id="{387A2BAD-7558-A944-B806-7AEF1C4243D0}"/>
+                <a16:creationId xmlns:a16="http://schemas.microsoft.com/office/drawing/2014/main" xmlns="" id="{387A2BAD-7558-A944-B806-7AEF1C4243D0}"/>
               </a:ext>
             </a:extLst>
           </p:cNvPr>
@@ -10086,7 +10264,7 @@
           <p:cNvPr id="3" name="日期版面配置區 2">
             <a:extLst>
               <a:ext uri="{FF2B5EF4-FFF2-40B4-BE49-F238E27FC236}">
-                <a16:creationId xmlns="" xmlns:a16="http://schemas.microsoft.com/office/drawing/2014/main" id="{F7C17A4E-EBA6-E34A-A86C-76416798A0B8}"/>
+                <a16:creationId xmlns:a16="http://schemas.microsoft.com/office/drawing/2014/main" xmlns="" id="{F7C17A4E-EBA6-E34A-A86C-76416798A0B8}"/>
               </a:ext>
             </a:extLst>
           </p:cNvPr>
@@ -10104,7 +10282,7 @@
           <a:p>
             <a:fld id="{75F8934F-7F83-1046-9341-02CE27D9104D}" type="datetimeFigureOut">
               <a:rPr kumimoji="1" lang="zh-TW" altLang="en-US" smtClean="0"/>
-              <a:t>2020/2/3</a:t>
+              <a:t>2020/2/6</a:t>
             </a:fld>
             <a:endParaRPr kumimoji="1" lang="zh-TW" altLang="en-US"/>
           </a:p>
@@ -10115,7 +10293,7 @@
           <p:cNvPr id="4" name="頁尾版面配置區 3">
             <a:extLst>
               <a:ext uri="{FF2B5EF4-FFF2-40B4-BE49-F238E27FC236}">
-                <a16:creationId xmlns="" xmlns:a16="http://schemas.microsoft.com/office/drawing/2014/main" id="{CA1C1E17-1A60-0144-B993-55C5B1B81E94}"/>
+                <a16:creationId xmlns:a16="http://schemas.microsoft.com/office/drawing/2014/main" xmlns="" id="{CA1C1E17-1A60-0144-B993-55C5B1B81E94}"/>
               </a:ext>
             </a:extLst>
           </p:cNvPr>
@@ -10140,7 +10318,7 @@
           <p:cNvPr id="5" name="投影片編號版面配置區 4">
             <a:extLst>
               <a:ext uri="{FF2B5EF4-FFF2-40B4-BE49-F238E27FC236}">
-                <a16:creationId xmlns="" xmlns:a16="http://schemas.microsoft.com/office/drawing/2014/main" id="{6E191D9A-D235-9D49-814E-DCBBB84DC544}"/>
+                <a16:creationId xmlns:a16="http://schemas.microsoft.com/office/drawing/2014/main" xmlns="" id="{6E191D9A-D235-9D49-814E-DCBBB84DC544}"/>
               </a:ext>
             </a:extLst>
           </p:cNvPr>
@@ -10169,7 +10347,7 @@
           <p:cNvPr id="7" name="圖片 6">
             <a:extLst>
               <a:ext uri="{FF2B5EF4-FFF2-40B4-BE49-F238E27FC236}">
-                <a16:creationId xmlns="" xmlns:a16="http://schemas.microsoft.com/office/drawing/2014/main" id="{5E0EAD78-AEC6-AB45-A710-DD47E43CBB16}"/>
+                <a16:creationId xmlns:a16="http://schemas.microsoft.com/office/drawing/2014/main" xmlns="" id="{5E0EAD78-AEC6-AB45-A710-DD47E43CBB16}"/>
               </a:ext>
             </a:extLst>
           </p:cNvPr>
@@ -10249,7 +10427,7 @@
           <p:cNvPr id="12" name="內容版面配置區 2">
             <a:extLst>
               <a:ext uri="{FF2B5EF4-FFF2-40B4-BE49-F238E27FC236}">
-                <a16:creationId xmlns="" xmlns:a16="http://schemas.microsoft.com/office/drawing/2014/main" id="{DB7FC4C6-C26F-214E-B2D6-C9ED5E2BD195}"/>
+                <a16:creationId xmlns:a16="http://schemas.microsoft.com/office/drawing/2014/main" xmlns="" id="{DB7FC4C6-C26F-214E-B2D6-C9ED5E2BD195}"/>
               </a:ext>
             </a:extLst>
           </p:cNvPr>
@@ -10311,7 +10489,7 @@
           <p:cNvPr id="13" name="矩形 12">
             <a:extLst>
               <a:ext uri="{FF2B5EF4-FFF2-40B4-BE49-F238E27FC236}">
-                <a16:creationId xmlns="" xmlns:a16="http://schemas.microsoft.com/office/drawing/2014/main" id="{C21960D3-0AC5-EE41-A19C-696161A1572E}"/>
+                <a16:creationId xmlns:a16="http://schemas.microsoft.com/office/drawing/2014/main" xmlns="" id="{C21960D3-0AC5-EE41-A19C-696161A1572E}"/>
               </a:ext>
             </a:extLst>
           </p:cNvPr>
@@ -10367,7 +10545,7 @@
           <p:cNvPr id="15" name="矩形 14">
             <a:extLst>
               <a:ext uri="{FF2B5EF4-FFF2-40B4-BE49-F238E27FC236}">
-                <a16:creationId xmlns="" xmlns:a16="http://schemas.microsoft.com/office/drawing/2014/main" id="{387A2BAD-7558-A944-B806-7AEF1C4243D0}"/>
+                <a16:creationId xmlns:a16="http://schemas.microsoft.com/office/drawing/2014/main" xmlns="" id="{387A2BAD-7558-A944-B806-7AEF1C4243D0}"/>
               </a:ext>
             </a:extLst>
           </p:cNvPr>
@@ -10624,7 +10802,7 @@
           <a:p>
             <a:fld id="{58A8743F-B12E-458C-9EA7-7F147439A6EC}" type="datetimeFigureOut">
               <a:rPr lang="zh-TW" altLang="en-US" smtClean="0"/>
-              <a:t>2020/2/3</a:t>
+              <a:t>2020/2/6</a:t>
             </a:fld>
             <a:endParaRPr lang="zh-TW" altLang="en-US"/>
           </a:p>
@@ -10677,7 +10855,7 @@
           <p:cNvPr id="8" name="矩形 7">
             <a:extLst>
               <a:ext uri="{FF2B5EF4-FFF2-40B4-BE49-F238E27FC236}">
-                <a16:creationId xmlns="" xmlns:a16="http://schemas.microsoft.com/office/drawing/2014/main" id="{C21960D3-0AC5-EE41-A19C-696161A1572E}"/>
+                <a16:creationId xmlns:a16="http://schemas.microsoft.com/office/drawing/2014/main" xmlns="" id="{C21960D3-0AC5-EE41-A19C-696161A1572E}"/>
               </a:ext>
             </a:extLst>
           </p:cNvPr>
@@ -10891,7 +11069,7 @@
           <p:cNvPr id="2" name="標題 1">
             <a:extLst>
               <a:ext uri="{FF2B5EF4-FFF2-40B4-BE49-F238E27FC236}">
-                <a16:creationId xmlns="" xmlns:a16="http://schemas.microsoft.com/office/drawing/2014/main" id="{6A1C7254-695B-1F42-AC59-34E8D858E936}"/>
+                <a16:creationId xmlns:a16="http://schemas.microsoft.com/office/drawing/2014/main" xmlns="" id="{6A1C7254-695B-1F42-AC59-34E8D858E936}"/>
               </a:ext>
             </a:extLst>
           </p:cNvPr>
@@ -10934,7 +11112,7 @@
           <p:cNvPr id="3" name="文字版面配置區 2">
             <a:extLst>
               <a:ext uri="{FF2B5EF4-FFF2-40B4-BE49-F238E27FC236}">
-                <a16:creationId xmlns="" xmlns:a16="http://schemas.microsoft.com/office/drawing/2014/main" id="{1D19DA3B-2013-E14B-A941-CC519B76AD6F}"/>
+                <a16:creationId xmlns:a16="http://schemas.microsoft.com/office/drawing/2014/main" xmlns="" id="{1D19DA3B-2013-E14B-A941-CC519B76AD6F}"/>
               </a:ext>
             </a:extLst>
           </p:cNvPr>
@@ -11059,7 +11237,7 @@
           <p:cNvPr id="4" name="日期版面配置區 3">
             <a:extLst>
               <a:ext uri="{FF2B5EF4-FFF2-40B4-BE49-F238E27FC236}">
-                <a16:creationId xmlns="" xmlns:a16="http://schemas.microsoft.com/office/drawing/2014/main" id="{BC7211D9-290C-574E-B682-764110BB9BAF}"/>
+                <a16:creationId xmlns:a16="http://schemas.microsoft.com/office/drawing/2014/main" xmlns="" id="{BC7211D9-290C-574E-B682-764110BB9BAF}"/>
               </a:ext>
             </a:extLst>
           </p:cNvPr>
@@ -11077,7 +11255,7 @@
           <a:p>
             <a:fld id="{75F8934F-7F83-1046-9341-02CE27D9104D}" type="datetimeFigureOut">
               <a:rPr kumimoji="1" lang="zh-TW" altLang="en-US" smtClean="0"/>
-              <a:t>2020/2/3</a:t>
+              <a:t>2020/2/6</a:t>
             </a:fld>
             <a:endParaRPr kumimoji="1" lang="zh-TW" altLang="en-US" dirty="0"/>
           </a:p>
@@ -11088,7 +11266,7 @@
           <p:cNvPr id="5" name="頁尾版面配置區 4">
             <a:extLst>
               <a:ext uri="{FF2B5EF4-FFF2-40B4-BE49-F238E27FC236}">
-                <a16:creationId xmlns="" xmlns:a16="http://schemas.microsoft.com/office/drawing/2014/main" id="{D4D4BDD1-0BFA-0645-8197-068191AAF54C}"/>
+                <a16:creationId xmlns:a16="http://schemas.microsoft.com/office/drawing/2014/main" xmlns="" id="{D4D4BDD1-0BFA-0645-8197-068191AAF54C}"/>
               </a:ext>
             </a:extLst>
           </p:cNvPr>
@@ -11113,7 +11291,7 @@
           <p:cNvPr id="6" name="投影片編號版面配置區 5">
             <a:extLst>
               <a:ext uri="{FF2B5EF4-FFF2-40B4-BE49-F238E27FC236}">
-                <a16:creationId xmlns="" xmlns:a16="http://schemas.microsoft.com/office/drawing/2014/main" id="{F592E68C-AEE0-D84B-8844-7CF5E83647F7}"/>
+                <a16:creationId xmlns:a16="http://schemas.microsoft.com/office/drawing/2014/main" xmlns="" id="{F592E68C-AEE0-D84B-8844-7CF5E83647F7}"/>
               </a:ext>
             </a:extLst>
           </p:cNvPr>
@@ -11218,7 +11396,7 @@
           <p:cNvPr id="2" name="標題 1">
             <a:extLst>
               <a:ext uri="{FF2B5EF4-FFF2-40B4-BE49-F238E27FC236}">
-                <a16:creationId xmlns="" xmlns:a16="http://schemas.microsoft.com/office/drawing/2014/main" id="{6A1C7254-695B-1F42-AC59-34E8D858E936}"/>
+                <a16:creationId xmlns:a16="http://schemas.microsoft.com/office/drawing/2014/main" xmlns="" id="{6A1C7254-695B-1F42-AC59-34E8D858E936}"/>
               </a:ext>
             </a:extLst>
           </p:cNvPr>
@@ -11261,7 +11439,7 @@
           <p:cNvPr id="3" name="文字版面配置區 2">
             <a:extLst>
               <a:ext uri="{FF2B5EF4-FFF2-40B4-BE49-F238E27FC236}">
-                <a16:creationId xmlns="" xmlns:a16="http://schemas.microsoft.com/office/drawing/2014/main" id="{1D19DA3B-2013-E14B-A941-CC519B76AD6F}"/>
+                <a16:creationId xmlns:a16="http://schemas.microsoft.com/office/drawing/2014/main" xmlns="" id="{1D19DA3B-2013-E14B-A941-CC519B76AD6F}"/>
               </a:ext>
             </a:extLst>
           </p:cNvPr>
@@ -11386,7 +11564,7 @@
           <p:cNvPr id="4" name="日期版面配置區 3">
             <a:extLst>
               <a:ext uri="{FF2B5EF4-FFF2-40B4-BE49-F238E27FC236}">
-                <a16:creationId xmlns="" xmlns:a16="http://schemas.microsoft.com/office/drawing/2014/main" id="{BC7211D9-290C-574E-B682-764110BB9BAF}"/>
+                <a16:creationId xmlns:a16="http://schemas.microsoft.com/office/drawing/2014/main" xmlns="" id="{BC7211D9-290C-574E-B682-764110BB9BAF}"/>
               </a:ext>
             </a:extLst>
           </p:cNvPr>
@@ -11404,7 +11582,7 @@
           <a:p>
             <a:fld id="{75F8934F-7F83-1046-9341-02CE27D9104D}" type="datetimeFigureOut">
               <a:rPr kumimoji="1" lang="zh-TW" altLang="en-US" smtClean="0"/>
-              <a:t>2020/2/3</a:t>
+              <a:t>2020/2/6</a:t>
             </a:fld>
             <a:endParaRPr kumimoji="1" lang="zh-TW" altLang="en-US" dirty="0"/>
           </a:p>
@@ -11415,7 +11593,7 @@
           <p:cNvPr id="5" name="頁尾版面配置區 4">
             <a:extLst>
               <a:ext uri="{FF2B5EF4-FFF2-40B4-BE49-F238E27FC236}">
-                <a16:creationId xmlns="" xmlns:a16="http://schemas.microsoft.com/office/drawing/2014/main" id="{D4D4BDD1-0BFA-0645-8197-068191AAF54C}"/>
+                <a16:creationId xmlns:a16="http://schemas.microsoft.com/office/drawing/2014/main" xmlns="" id="{D4D4BDD1-0BFA-0645-8197-068191AAF54C}"/>
               </a:ext>
             </a:extLst>
           </p:cNvPr>
@@ -11440,7 +11618,7 @@
           <p:cNvPr id="6" name="投影片編號版面配置區 5">
             <a:extLst>
               <a:ext uri="{FF2B5EF4-FFF2-40B4-BE49-F238E27FC236}">
-                <a16:creationId xmlns="" xmlns:a16="http://schemas.microsoft.com/office/drawing/2014/main" id="{F592E68C-AEE0-D84B-8844-7CF5E83647F7}"/>
+                <a16:creationId xmlns:a16="http://schemas.microsoft.com/office/drawing/2014/main" xmlns="" id="{F592E68C-AEE0-D84B-8844-7CF5E83647F7}"/>
               </a:ext>
             </a:extLst>
           </p:cNvPr>
@@ -11469,7 +11647,7 @@
           <p:cNvPr id="7" name="圖片 6">
             <a:extLst>
               <a:ext uri="{FF2B5EF4-FFF2-40B4-BE49-F238E27FC236}">
-                <a16:creationId xmlns="" xmlns:a16="http://schemas.microsoft.com/office/drawing/2014/main" id="{CFC0D688-7C0C-F240-82D7-136060E3079C}"/>
+                <a16:creationId xmlns:a16="http://schemas.microsoft.com/office/drawing/2014/main" xmlns="" id="{CFC0D688-7C0C-F240-82D7-136060E3079C}"/>
               </a:ext>
             </a:extLst>
           </p:cNvPr>
@@ -11668,7 +11846,7 @@
           <p:cNvPr id="2" name="標題 1">
             <a:extLst>
               <a:ext uri="{FF2B5EF4-FFF2-40B4-BE49-F238E27FC236}">
-                <a16:creationId xmlns="" xmlns:a16="http://schemas.microsoft.com/office/drawing/2014/main" id="{6A1C7254-695B-1F42-AC59-34E8D858E936}"/>
+                <a16:creationId xmlns:a16="http://schemas.microsoft.com/office/drawing/2014/main" xmlns="" id="{6A1C7254-695B-1F42-AC59-34E8D858E936}"/>
               </a:ext>
             </a:extLst>
           </p:cNvPr>
@@ -11711,7 +11889,7 @@
           <p:cNvPr id="3" name="文字版面配置區 2">
             <a:extLst>
               <a:ext uri="{FF2B5EF4-FFF2-40B4-BE49-F238E27FC236}">
-                <a16:creationId xmlns="" xmlns:a16="http://schemas.microsoft.com/office/drawing/2014/main" id="{1D19DA3B-2013-E14B-A941-CC519B76AD6F}"/>
+                <a16:creationId xmlns:a16="http://schemas.microsoft.com/office/drawing/2014/main" xmlns="" id="{1D19DA3B-2013-E14B-A941-CC519B76AD6F}"/>
               </a:ext>
             </a:extLst>
           </p:cNvPr>
@@ -11836,7 +12014,7 @@
           <p:cNvPr id="4" name="日期版面配置區 3">
             <a:extLst>
               <a:ext uri="{FF2B5EF4-FFF2-40B4-BE49-F238E27FC236}">
-                <a16:creationId xmlns="" xmlns:a16="http://schemas.microsoft.com/office/drawing/2014/main" id="{BC7211D9-290C-574E-B682-764110BB9BAF}"/>
+                <a16:creationId xmlns:a16="http://schemas.microsoft.com/office/drawing/2014/main" xmlns="" id="{BC7211D9-290C-574E-B682-764110BB9BAF}"/>
               </a:ext>
             </a:extLst>
           </p:cNvPr>
@@ -11854,7 +12032,7 @@
           <a:p>
             <a:fld id="{75F8934F-7F83-1046-9341-02CE27D9104D}" type="datetimeFigureOut">
               <a:rPr kumimoji="1" lang="zh-TW" altLang="en-US" smtClean="0"/>
-              <a:t>2020/2/3</a:t>
+              <a:t>2020/2/6</a:t>
             </a:fld>
             <a:endParaRPr kumimoji="1" lang="zh-TW" altLang="en-US" dirty="0"/>
           </a:p>
@@ -11865,7 +12043,7 @@
           <p:cNvPr id="5" name="頁尾版面配置區 4">
             <a:extLst>
               <a:ext uri="{FF2B5EF4-FFF2-40B4-BE49-F238E27FC236}">
-                <a16:creationId xmlns="" xmlns:a16="http://schemas.microsoft.com/office/drawing/2014/main" id="{D4D4BDD1-0BFA-0645-8197-068191AAF54C}"/>
+                <a16:creationId xmlns:a16="http://schemas.microsoft.com/office/drawing/2014/main" xmlns="" id="{D4D4BDD1-0BFA-0645-8197-068191AAF54C}"/>
               </a:ext>
             </a:extLst>
           </p:cNvPr>
@@ -11890,7 +12068,7 @@
           <p:cNvPr id="6" name="投影片編號版面配置區 5">
             <a:extLst>
               <a:ext uri="{FF2B5EF4-FFF2-40B4-BE49-F238E27FC236}">
-                <a16:creationId xmlns="" xmlns:a16="http://schemas.microsoft.com/office/drawing/2014/main" id="{F592E68C-AEE0-D84B-8844-7CF5E83647F7}"/>
+                <a16:creationId xmlns:a16="http://schemas.microsoft.com/office/drawing/2014/main" xmlns="" id="{F592E68C-AEE0-D84B-8844-7CF5E83647F7}"/>
               </a:ext>
             </a:extLst>
           </p:cNvPr>
@@ -11999,7 +12177,7 @@
           <p:cNvPr id="3" name="內容版面配置區 2">
             <a:extLst>
               <a:ext uri="{FF2B5EF4-FFF2-40B4-BE49-F238E27FC236}">
-                <a16:creationId xmlns="" xmlns:a16="http://schemas.microsoft.com/office/drawing/2014/main" id="{DB7FC4C6-C26F-214E-B2D6-C9ED5E2BD195}"/>
+                <a16:creationId xmlns:a16="http://schemas.microsoft.com/office/drawing/2014/main" xmlns="" id="{DB7FC4C6-C26F-214E-B2D6-C9ED5E2BD195}"/>
               </a:ext>
             </a:extLst>
           </p:cNvPr>
@@ -12091,7 +12269,7 @@
           <p:cNvPr id="5" name="日期版面配置區 4">
             <a:extLst>
               <a:ext uri="{FF2B5EF4-FFF2-40B4-BE49-F238E27FC236}">
-                <a16:creationId xmlns="" xmlns:a16="http://schemas.microsoft.com/office/drawing/2014/main" id="{B9046B7C-39BE-4A4E-B699-9748D6DA088D}"/>
+                <a16:creationId xmlns:a16="http://schemas.microsoft.com/office/drawing/2014/main" xmlns="" id="{B9046B7C-39BE-4A4E-B699-9748D6DA088D}"/>
               </a:ext>
             </a:extLst>
           </p:cNvPr>
@@ -12109,7 +12287,7 @@
           <a:p>
             <a:fld id="{75F8934F-7F83-1046-9341-02CE27D9104D}" type="datetimeFigureOut">
               <a:rPr kumimoji="1" lang="zh-TW" altLang="en-US" smtClean="0"/>
-              <a:t>2020/2/3</a:t>
+              <a:t>2020/2/6</a:t>
             </a:fld>
             <a:endParaRPr kumimoji="1" lang="zh-TW" altLang="en-US"/>
           </a:p>
@@ -12120,7 +12298,7 @@
           <p:cNvPr id="6" name="頁尾版面配置區 5">
             <a:extLst>
               <a:ext uri="{FF2B5EF4-FFF2-40B4-BE49-F238E27FC236}">
-                <a16:creationId xmlns="" xmlns:a16="http://schemas.microsoft.com/office/drawing/2014/main" id="{1AD5E07B-3935-B144-8CAF-5251EF861FDA}"/>
+                <a16:creationId xmlns:a16="http://schemas.microsoft.com/office/drawing/2014/main" xmlns="" id="{1AD5E07B-3935-B144-8CAF-5251EF861FDA}"/>
               </a:ext>
             </a:extLst>
           </p:cNvPr>
@@ -12145,7 +12323,7 @@
           <p:cNvPr id="7" name="投影片編號版面配置區 6">
             <a:extLst>
               <a:ext uri="{FF2B5EF4-FFF2-40B4-BE49-F238E27FC236}">
-                <a16:creationId xmlns="" xmlns:a16="http://schemas.microsoft.com/office/drawing/2014/main" id="{C9A0C168-E66B-E24E-B30C-62EBA9A41007}"/>
+                <a16:creationId xmlns:a16="http://schemas.microsoft.com/office/drawing/2014/main" xmlns="" id="{C9A0C168-E66B-E24E-B30C-62EBA9A41007}"/>
               </a:ext>
             </a:extLst>
           </p:cNvPr>
@@ -12174,7 +12352,7 @@
           <p:cNvPr id="8" name="圖片 7">
             <a:extLst>
               <a:ext uri="{FF2B5EF4-FFF2-40B4-BE49-F238E27FC236}">
-                <a16:creationId xmlns="" xmlns:a16="http://schemas.microsoft.com/office/drawing/2014/main" id="{5E0EAD78-AEC6-AB45-A710-DD47E43CBB16}"/>
+                <a16:creationId xmlns:a16="http://schemas.microsoft.com/office/drawing/2014/main" xmlns="" id="{5E0EAD78-AEC6-AB45-A710-DD47E43CBB16}"/>
               </a:ext>
             </a:extLst>
           </p:cNvPr>
@@ -12210,7 +12388,7 @@
           <p:cNvPr id="10" name="矩形 9">
             <a:extLst>
               <a:ext uri="{FF2B5EF4-FFF2-40B4-BE49-F238E27FC236}">
-                <a16:creationId xmlns="" xmlns:a16="http://schemas.microsoft.com/office/drawing/2014/main" id="{387A2BAD-7558-A944-B806-7AEF1C4243D0}"/>
+                <a16:creationId xmlns:a16="http://schemas.microsoft.com/office/drawing/2014/main" xmlns="" id="{387A2BAD-7558-A944-B806-7AEF1C4243D0}"/>
               </a:ext>
             </a:extLst>
           </p:cNvPr>
@@ -12262,7 +12440,7 @@
           <p:cNvPr id="11" name="標題 1">
             <a:extLst>
               <a:ext uri="{FF2B5EF4-FFF2-40B4-BE49-F238E27FC236}">
-                <a16:creationId xmlns="" xmlns:a16="http://schemas.microsoft.com/office/drawing/2014/main" id="{AA60FC08-DB42-1443-B1D9-594B0DFFD819}"/>
+                <a16:creationId xmlns:a16="http://schemas.microsoft.com/office/drawing/2014/main" xmlns="" id="{AA60FC08-DB42-1443-B1D9-594B0DFFD819}"/>
               </a:ext>
             </a:extLst>
           </p:cNvPr>
@@ -12307,7 +12485,7 @@
           <p:cNvPr id="13" name="矩形 12">
             <a:extLst>
               <a:ext uri="{FF2B5EF4-FFF2-40B4-BE49-F238E27FC236}">
-                <a16:creationId xmlns="" xmlns:a16="http://schemas.microsoft.com/office/drawing/2014/main" id="{C21960D3-0AC5-EE41-A19C-696161A1572E}"/>
+                <a16:creationId xmlns:a16="http://schemas.microsoft.com/office/drawing/2014/main" xmlns="" id="{C21960D3-0AC5-EE41-A19C-696161A1572E}"/>
               </a:ext>
             </a:extLst>
           </p:cNvPr>
@@ -12417,7 +12595,7 @@
           <p:cNvPr id="12" name="矩形 11">
             <a:extLst>
               <a:ext uri="{FF2B5EF4-FFF2-40B4-BE49-F238E27FC236}">
-                <a16:creationId xmlns="" xmlns:a16="http://schemas.microsoft.com/office/drawing/2014/main" id="{387A2BAD-7558-A944-B806-7AEF1C4243D0}"/>
+                <a16:creationId xmlns:a16="http://schemas.microsoft.com/office/drawing/2014/main" xmlns="" id="{387A2BAD-7558-A944-B806-7AEF1C4243D0}"/>
               </a:ext>
             </a:extLst>
           </p:cNvPr>
@@ -12566,7 +12744,7 @@
           <p:cNvPr id="2" name="標題 1">
             <a:extLst>
               <a:ext uri="{FF2B5EF4-FFF2-40B4-BE49-F238E27FC236}">
-                <a16:creationId xmlns="" xmlns:a16="http://schemas.microsoft.com/office/drawing/2014/main" id="{979C6CD6-89CE-E846-934F-01618F2F117C}"/>
+                <a16:creationId xmlns:a16="http://schemas.microsoft.com/office/drawing/2014/main" xmlns="" id="{979C6CD6-89CE-E846-934F-01618F2F117C}"/>
               </a:ext>
             </a:extLst>
           </p:cNvPr>
@@ -12607,7 +12785,7 @@
           <p:cNvPr id="3" name="內容版面配置區 2">
             <a:extLst>
               <a:ext uri="{FF2B5EF4-FFF2-40B4-BE49-F238E27FC236}">
-                <a16:creationId xmlns="" xmlns:a16="http://schemas.microsoft.com/office/drawing/2014/main" id="{DB7FC4C6-C26F-214E-B2D6-C9ED5E2BD195}"/>
+                <a16:creationId xmlns:a16="http://schemas.microsoft.com/office/drawing/2014/main" xmlns="" id="{DB7FC4C6-C26F-214E-B2D6-C9ED5E2BD195}"/>
               </a:ext>
             </a:extLst>
           </p:cNvPr>
@@ -12699,7 +12877,7 @@
           <p:cNvPr id="5" name="日期版面配置區 4">
             <a:extLst>
               <a:ext uri="{FF2B5EF4-FFF2-40B4-BE49-F238E27FC236}">
-                <a16:creationId xmlns="" xmlns:a16="http://schemas.microsoft.com/office/drawing/2014/main" id="{B9046B7C-39BE-4A4E-B699-9748D6DA088D}"/>
+                <a16:creationId xmlns:a16="http://schemas.microsoft.com/office/drawing/2014/main" xmlns="" id="{B9046B7C-39BE-4A4E-B699-9748D6DA088D}"/>
               </a:ext>
             </a:extLst>
           </p:cNvPr>
@@ -12717,7 +12895,7 @@
           <a:p>
             <a:fld id="{75F8934F-7F83-1046-9341-02CE27D9104D}" type="datetimeFigureOut">
               <a:rPr kumimoji="1" lang="zh-TW" altLang="en-US" smtClean="0"/>
-              <a:t>2020/2/3</a:t>
+              <a:t>2020/2/6</a:t>
             </a:fld>
             <a:endParaRPr kumimoji="1" lang="zh-TW" altLang="en-US"/>
           </a:p>
@@ -12728,7 +12906,7 @@
           <p:cNvPr id="6" name="頁尾版面配置區 5">
             <a:extLst>
               <a:ext uri="{FF2B5EF4-FFF2-40B4-BE49-F238E27FC236}">
-                <a16:creationId xmlns="" xmlns:a16="http://schemas.microsoft.com/office/drawing/2014/main" id="{1AD5E07B-3935-B144-8CAF-5251EF861FDA}"/>
+                <a16:creationId xmlns:a16="http://schemas.microsoft.com/office/drawing/2014/main" xmlns="" id="{1AD5E07B-3935-B144-8CAF-5251EF861FDA}"/>
               </a:ext>
             </a:extLst>
           </p:cNvPr>
@@ -12753,7 +12931,7 @@
           <p:cNvPr id="7" name="投影片編號版面配置區 6">
             <a:extLst>
               <a:ext uri="{FF2B5EF4-FFF2-40B4-BE49-F238E27FC236}">
-                <a16:creationId xmlns="" xmlns:a16="http://schemas.microsoft.com/office/drawing/2014/main" id="{C9A0C168-E66B-E24E-B30C-62EBA9A41007}"/>
+                <a16:creationId xmlns:a16="http://schemas.microsoft.com/office/drawing/2014/main" xmlns="" id="{C9A0C168-E66B-E24E-B30C-62EBA9A41007}"/>
               </a:ext>
             </a:extLst>
           </p:cNvPr>
@@ -12782,7 +12960,7 @@
           <p:cNvPr id="8" name="圖片 7">
             <a:extLst>
               <a:ext uri="{FF2B5EF4-FFF2-40B4-BE49-F238E27FC236}">
-                <a16:creationId xmlns="" xmlns:a16="http://schemas.microsoft.com/office/drawing/2014/main" id="{5E0EAD78-AEC6-AB45-A710-DD47E43CBB16}"/>
+                <a16:creationId xmlns:a16="http://schemas.microsoft.com/office/drawing/2014/main" xmlns="" id="{5E0EAD78-AEC6-AB45-A710-DD47E43CBB16}"/>
               </a:ext>
             </a:extLst>
           </p:cNvPr>
@@ -12818,7 +12996,7 @@
           <p:cNvPr id="17" name="內容版面配置區 2">
             <a:extLst>
               <a:ext uri="{FF2B5EF4-FFF2-40B4-BE49-F238E27FC236}">
-                <a16:creationId xmlns="" xmlns:a16="http://schemas.microsoft.com/office/drawing/2014/main" id="{DB7FC4C6-C26F-214E-B2D6-C9ED5E2BD195}"/>
+                <a16:creationId xmlns:a16="http://schemas.microsoft.com/office/drawing/2014/main" xmlns="" id="{DB7FC4C6-C26F-214E-B2D6-C9ED5E2BD195}"/>
               </a:ext>
             </a:extLst>
           </p:cNvPr>
@@ -12910,7 +13088,7 @@
           <p:cNvPr id="24" name="內容版面配置區 2">
             <a:extLst>
               <a:ext uri="{FF2B5EF4-FFF2-40B4-BE49-F238E27FC236}">
-                <a16:creationId xmlns="" xmlns:a16="http://schemas.microsoft.com/office/drawing/2014/main" id="{DB7FC4C6-C26F-214E-B2D6-C9ED5E2BD195}"/>
+                <a16:creationId xmlns:a16="http://schemas.microsoft.com/office/drawing/2014/main" xmlns="" id="{DB7FC4C6-C26F-214E-B2D6-C9ED5E2BD195}"/>
               </a:ext>
             </a:extLst>
           </p:cNvPr>
@@ -13002,7 +13180,7 @@
           <p:cNvPr id="26" name="內容版面配置區 2">
             <a:extLst>
               <a:ext uri="{FF2B5EF4-FFF2-40B4-BE49-F238E27FC236}">
-                <a16:creationId xmlns="" xmlns:a16="http://schemas.microsoft.com/office/drawing/2014/main" id="{DB7FC4C6-C26F-214E-B2D6-C9ED5E2BD195}"/>
+                <a16:creationId xmlns:a16="http://schemas.microsoft.com/office/drawing/2014/main" xmlns="" id="{DB7FC4C6-C26F-214E-B2D6-C9ED5E2BD195}"/>
               </a:ext>
             </a:extLst>
           </p:cNvPr>
@@ -13094,7 +13272,7 @@
           <p:cNvPr id="27" name="內容版面配置區 2">
             <a:extLst>
               <a:ext uri="{FF2B5EF4-FFF2-40B4-BE49-F238E27FC236}">
-                <a16:creationId xmlns="" xmlns:a16="http://schemas.microsoft.com/office/drawing/2014/main" id="{DB7FC4C6-C26F-214E-B2D6-C9ED5E2BD195}"/>
+                <a16:creationId xmlns:a16="http://schemas.microsoft.com/office/drawing/2014/main" xmlns="" id="{DB7FC4C6-C26F-214E-B2D6-C9ED5E2BD195}"/>
               </a:ext>
             </a:extLst>
           </p:cNvPr>
@@ -13186,7 +13364,7 @@
           <p:cNvPr id="28" name="內容版面配置區 2">
             <a:extLst>
               <a:ext uri="{FF2B5EF4-FFF2-40B4-BE49-F238E27FC236}">
-                <a16:creationId xmlns="" xmlns:a16="http://schemas.microsoft.com/office/drawing/2014/main" id="{DB7FC4C6-C26F-214E-B2D6-C9ED5E2BD195}"/>
+                <a16:creationId xmlns:a16="http://schemas.microsoft.com/office/drawing/2014/main" xmlns="" id="{DB7FC4C6-C26F-214E-B2D6-C9ED5E2BD195}"/>
               </a:ext>
             </a:extLst>
           </p:cNvPr>
@@ -13278,7 +13456,7 @@
           <p:cNvPr id="29" name="內容版面配置區 2">
             <a:extLst>
               <a:ext uri="{FF2B5EF4-FFF2-40B4-BE49-F238E27FC236}">
-                <a16:creationId xmlns="" xmlns:a16="http://schemas.microsoft.com/office/drawing/2014/main" id="{DB7FC4C6-C26F-214E-B2D6-C9ED5E2BD195}"/>
+                <a16:creationId xmlns:a16="http://schemas.microsoft.com/office/drawing/2014/main" xmlns="" id="{DB7FC4C6-C26F-214E-B2D6-C9ED5E2BD195}"/>
               </a:ext>
             </a:extLst>
           </p:cNvPr>
@@ -13370,7 +13548,7 @@
           <p:cNvPr id="30" name="內容版面配置區 2">
             <a:extLst>
               <a:ext uri="{FF2B5EF4-FFF2-40B4-BE49-F238E27FC236}">
-                <a16:creationId xmlns="" xmlns:a16="http://schemas.microsoft.com/office/drawing/2014/main" id="{DB7FC4C6-C26F-214E-B2D6-C9ED5E2BD195}"/>
+                <a16:creationId xmlns:a16="http://schemas.microsoft.com/office/drawing/2014/main" xmlns="" id="{DB7FC4C6-C26F-214E-B2D6-C9ED5E2BD195}"/>
               </a:ext>
             </a:extLst>
           </p:cNvPr>
@@ -13462,7 +13640,7 @@
           <p:cNvPr id="31" name="內容版面配置區 2">
             <a:extLst>
               <a:ext uri="{FF2B5EF4-FFF2-40B4-BE49-F238E27FC236}">
-                <a16:creationId xmlns="" xmlns:a16="http://schemas.microsoft.com/office/drawing/2014/main" id="{DB7FC4C6-C26F-214E-B2D6-C9ED5E2BD195}"/>
+                <a16:creationId xmlns:a16="http://schemas.microsoft.com/office/drawing/2014/main" xmlns="" id="{DB7FC4C6-C26F-214E-B2D6-C9ED5E2BD195}"/>
               </a:ext>
             </a:extLst>
           </p:cNvPr>
@@ -13627,7 +13805,7 @@
           <a:p>
             <a:fld id="{75F8934F-7F83-1046-9341-02CE27D9104D}" type="datetimeFigureOut">
               <a:rPr kumimoji="1" lang="zh-TW" altLang="en-US" smtClean="0"/>
-              <a:t>2020/2/3</a:t>
+              <a:t>2020/2/6</a:t>
             </a:fld>
             <a:endParaRPr kumimoji="1" lang="zh-TW" altLang="en-US"/>
           </a:p>
@@ -13726,7 +13904,7 @@
           <p:cNvPr id="22" name="文字版面配置區 2">
             <a:extLst>
               <a:ext uri="{FF2B5EF4-FFF2-40B4-BE49-F238E27FC236}">
-                <a16:creationId xmlns="" xmlns:a16="http://schemas.microsoft.com/office/drawing/2014/main" id="{1D19DA3B-2013-E14B-A941-CC519B76AD6F}"/>
+                <a16:creationId xmlns:a16="http://schemas.microsoft.com/office/drawing/2014/main" xmlns="" id="{1D19DA3B-2013-E14B-A941-CC519B76AD6F}"/>
               </a:ext>
             </a:extLst>
           </p:cNvPr>
@@ -14131,7 +14309,7 @@
           <p:cNvPr id="28" name="文字版面配置區 2">
             <a:extLst>
               <a:ext uri="{FF2B5EF4-FFF2-40B4-BE49-F238E27FC236}">
-                <a16:creationId xmlns="" xmlns:a16="http://schemas.microsoft.com/office/drawing/2014/main" id="{1D19DA3B-2013-E14B-A941-CC519B76AD6F}"/>
+                <a16:creationId xmlns:a16="http://schemas.microsoft.com/office/drawing/2014/main" xmlns="" id="{1D19DA3B-2013-E14B-A941-CC519B76AD6F}"/>
               </a:ext>
             </a:extLst>
           </p:cNvPr>
@@ -14256,7 +14434,7 @@
           <p:cNvPr id="29" name="文字版面配置區 2">
             <a:extLst>
               <a:ext uri="{FF2B5EF4-FFF2-40B4-BE49-F238E27FC236}">
-                <a16:creationId xmlns="" xmlns:a16="http://schemas.microsoft.com/office/drawing/2014/main" id="{1D19DA3B-2013-E14B-A941-CC519B76AD6F}"/>
+                <a16:creationId xmlns:a16="http://schemas.microsoft.com/office/drawing/2014/main" xmlns="" id="{1D19DA3B-2013-E14B-A941-CC519B76AD6F}"/>
               </a:ext>
             </a:extLst>
           </p:cNvPr>
@@ -14381,7 +14559,7 @@
           <p:cNvPr id="30" name="文字版面配置區 2">
             <a:extLst>
               <a:ext uri="{FF2B5EF4-FFF2-40B4-BE49-F238E27FC236}">
-                <a16:creationId xmlns="" xmlns:a16="http://schemas.microsoft.com/office/drawing/2014/main" id="{1D19DA3B-2013-E14B-A941-CC519B76AD6F}"/>
+                <a16:creationId xmlns:a16="http://schemas.microsoft.com/office/drawing/2014/main" xmlns="" id="{1D19DA3B-2013-E14B-A941-CC519B76AD6F}"/>
               </a:ext>
             </a:extLst>
           </p:cNvPr>
@@ -14506,7 +14684,7 @@
           <p:cNvPr id="31" name="文字版面配置區 2">
             <a:extLst>
               <a:ext uri="{FF2B5EF4-FFF2-40B4-BE49-F238E27FC236}">
-                <a16:creationId xmlns="" xmlns:a16="http://schemas.microsoft.com/office/drawing/2014/main" id="{1D19DA3B-2013-E14B-A941-CC519B76AD6F}"/>
+                <a16:creationId xmlns:a16="http://schemas.microsoft.com/office/drawing/2014/main" xmlns="" id="{1D19DA3B-2013-E14B-A941-CC519B76AD6F}"/>
               </a:ext>
             </a:extLst>
           </p:cNvPr>
@@ -14631,7 +14809,7 @@
           <p:cNvPr id="32" name="圖片 31">
             <a:extLst>
               <a:ext uri="{FF2B5EF4-FFF2-40B4-BE49-F238E27FC236}">
-                <a16:creationId xmlns="" xmlns:a16="http://schemas.microsoft.com/office/drawing/2014/main" id="{5E0EAD78-AEC6-AB45-A710-DD47E43CBB16}"/>
+                <a16:creationId xmlns:a16="http://schemas.microsoft.com/office/drawing/2014/main" xmlns="" id="{5E0EAD78-AEC6-AB45-A710-DD47E43CBB16}"/>
               </a:ext>
             </a:extLst>
           </p:cNvPr>
@@ -14709,7 +14887,7 @@
           <a:p>
             <a:fld id="{75F8934F-7F83-1046-9341-02CE27D9104D}" type="datetimeFigureOut">
               <a:rPr kumimoji="1" lang="zh-TW" altLang="en-US" smtClean="0"/>
-              <a:t>2020/2/3</a:t>
+              <a:t>2020/2/6</a:t>
             </a:fld>
             <a:endParaRPr kumimoji="1" lang="zh-TW" altLang="en-US"/>
           </a:p>
@@ -14762,7 +14940,7 @@
           <p:cNvPr id="6" name="標題 1">
             <a:extLst>
               <a:ext uri="{FF2B5EF4-FFF2-40B4-BE49-F238E27FC236}">
-                <a16:creationId xmlns="" xmlns:a16="http://schemas.microsoft.com/office/drawing/2014/main" id="{AA60FC08-DB42-1443-B1D9-594B0DFFD819}"/>
+                <a16:creationId xmlns:a16="http://schemas.microsoft.com/office/drawing/2014/main" xmlns="" id="{AA60FC08-DB42-1443-B1D9-594B0DFFD819}"/>
               </a:ext>
             </a:extLst>
           </p:cNvPr>
@@ -14944,7 +15122,7 @@
           <p:cNvPr id="29" name="圖片 28">
             <a:extLst>
               <a:ext uri="{FF2B5EF4-FFF2-40B4-BE49-F238E27FC236}">
-                <a16:creationId xmlns="" xmlns:a16="http://schemas.microsoft.com/office/drawing/2014/main" id="{5E0EAD78-AEC6-AB45-A710-DD47E43CBB16}"/>
+                <a16:creationId xmlns:a16="http://schemas.microsoft.com/office/drawing/2014/main" xmlns="" id="{5E0EAD78-AEC6-AB45-A710-DD47E43CBB16}"/>
               </a:ext>
             </a:extLst>
           </p:cNvPr>
@@ -15015,7 +15193,7 @@
           <p:cNvPr id="2" name="標題版面配置區 1">
             <a:extLst>
               <a:ext uri="{FF2B5EF4-FFF2-40B4-BE49-F238E27FC236}">
-                <a16:creationId xmlns="" xmlns:a16="http://schemas.microsoft.com/office/drawing/2014/main" id="{94C8FF7A-2620-884D-9FB3-5AB36BFB548D}"/>
+                <a16:creationId xmlns:a16="http://schemas.microsoft.com/office/drawing/2014/main" xmlns="" id="{94C8FF7A-2620-884D-9FB3-5AB36BFB548D}"/>
               </a:ext>
             </a:extLst>
           </p:cNvPr>
@@ -15053,7 +15231,7 @@
           <p:cNvPr id="3" name="文字版面配置區 2">
             <a:extLst>
               <a:ext uri="{FF2B5EF4-FFF2-40B4-BE49-F238E27FC236}">
-                <a16:creationId xmlns="" xmlns:a16="http://schemas.microsoft.com/office/drawing/2014/main" id="{53B0CFF8-A290-1148-B62C-B24910D4324A}"/>
+                <a16:creationId xmlns:a16="http://schemas.microsoft.com/office/drawing/2014/main" xmlns="" id="{53B0CFF8-A290-1148-B62C-B24910D4324A}"/>
               </a:ext>
             </a:extLst>
           </p:cNvPr>
@@ -15120,7 +15298,7 @@
           <p:cNvPr id="4" name="日期版面配置區 3">
             <a:extLst>
               <a:ext uri="{FF2B5EF4-FFF2-40B4-BE49-F238E27FC236}">
-                <a16:creationId xmlns="" xmlns:a16="http://schemas.microsoft.com/office/drawing/2014/main" id="{6A059F25-1F05-934B-A3C3-A243C45024BD}"/>
+                <a16:creationId xmlns:a16="http://schemas.microsoft.com/office/drawing/2014/main" xmlns="" id="{6A059F25-1F05-934B-A3C3-A243C45024BD}"/>
               </a:ext>
             </a:extLst>
           </p:cNvPr>
@@ -15156,7 +15334,7 @@
           <a:p>
             <a:fld id="{75F8934F-7F83-1046-9341-02CE27D9104D}" type="datetimeFigureOut">
               <a:rPr kumimoji="1" lang="zh-TW" altLang="en-US" smtClean="0"/>
-              <a:t>2020/2/3</a:t>
+              <a:t>2020/2/6</a:t>
             </a:fld>
             <a:endParaRPr kumimoji="1" lang="zh-TW" altLang="en-US"/>
           </a:p>
@@ -15167,7 +15345,7 @@
           <p:cNvPr id="5" name="頁尾版面配置區 4">
             <a:extLst>
               <a:ext uri="{FF2B5EF4-FFF2-40B4-BE49-F238E27FC236}">
-                <a16:creationId xmlns="" xmlns:a16="http://schemas.microsoft.com/office/drawing/2014/main" id="{96F5D358-7817-1940-9383-7E6BF6DB94C4}"/>
+                <a16:creationId xmlns:a16="http://schemas.microsoft.com/office/drawing/2014/main" xmlns="" id="{96F5D358-7817-1940-9383-7E6BF6DB94C4}"/>
               </a:ext>
             </a:extLst>
           </p:cNvPr>
@@ -15210,7 +15388,7 @@
           <p:cNvPr id="6" name="投影片編號版面配置區 5">
             <a:extLst>
               <a:ext uri="{FF2B5EF4-FFF2-40B4-BE49-F238E27FC236}">
-                <a16:creationId xmlns="" xmlns:a16="http://schemas.microsoft.com/office/drawing/2014/main" id="{42AF2059-64BB-A041-B166-4ABAE4368C85}"/>
+                <a16:creationId xmlns:a16="http://schemas.microsoft.com/office/drawing/2014/main" xmlns="" id="{42AF2059-64BB-A041-B166-4ABAE4368C85}"/>
               </a:ext>
             </a:extLst>
           </p:cNvPr>
@@ -15592,7 +15770,7 @@
           <p:cNvPr id="2" name="標題 1">
             <a:extLst>
               <a:ext uri="{FF2B5EF4-FFF2-40B4-BE49-F238E27FC236}">
-                <a16:creationId xmlns="" xmlns:a16="http://schemas.microsoft.com/office/drawing/2014/main" id="{21D1F93B-0172-6544-80FA-8E4F07C59D60}"/>
+                <a16:creationId xmlns:a16="http://schemas.microsoft.com/office/drawing/2014/main" xmlns="" id="{21D1F93B-0172-6544-80FA-8E4F07C59D60}"/>
               </a:ext>
             </a:extLst>
           </p:cNvPr>
@@ -15617,7 +15795,7 @@
           <p:cNvPr id="3" name="副標題 2">
             <a:extLst>
               <a:ext uri="{FF2B5EF4-FFF2-40B4-BE49-F238E27FC236}">
-                <a16:creationId xmlns="" xmlns:a16="http://schemas.microsoft.com/office/drawing/2014/main" id="{EF107643-09F5-CF46-B8BB-0DC1151E4CD0}"/>
+                <a16:creationId xmlns:a16="http://schemas.microsoft.com/office/drawing/2014/main" xmlns="" id="{EF107643-09F5-CF46-B8BB-0DC1151E4CD0}"/>
               </a:ext>
             </a:extLst>
           </p:cNvPr>
@@ -15642,7 +15820,7 @@
           <p:cNvPr id="6" name="文字版面配置區 5">
             <a:extLst>
               <a:ext uri="{FF2B5EF4-FFF2-40B4-BE49-F238E27FC236}">
-                <a16:creationId xmlns="" xmlns:a16="http://schemas.microsoft.com/office/drawing/2014/main" id="{EC4C7251-0CC8-BC4A-A90C-9020762D8B31}"/>
+                <a16:creationId xmlns:a16="http://schemas.microsoft.com/office/drawing/2014/main" xmlns="" id="{EC4C7251-0CC8-BC4A-A90C-9020762D8B31}"/>
               </a:ext>
             </a:extLst>
           </p:cNvPr>
@@ -15672,6 +15850,445 @@
     <p:extLst>
       <p:ext uri="{BB962C8B-B14F-4D97-AF65-F5344CB8AC3E}">
         <p14:creationId xmlns:p14="http://schemas.microsoft.com/office/powerpoint/2010/main" val="3897332384"/>
+      </p:ext>
+    </p:extLst>
+  </p:cSld>
+  <p:clrMapOvr>
+    <a:masterClrMapping/>
+  </p:clrMapOvr>
+</p:sld>
+</file>
+
+<file path=ppt/slides/slide10.xml><?xml version="1.0" encoding="utf-8"?>
+<p:sld xmlns:a="http://schemas.openxmlformats.org/drawingml/2006/main" xmlns:r="http://schemas.openxmlformats.org/officeDocument/2006/relationships" xmlns:p="http://schemas.openxmlformats.org/presentationml/2006/main">
+  <p:cSld>
+    <p:spTree>
+      <p:nvGrpSpPr>
+        <p:cNvPr id="1" name=""/>
+        <p:cNvGrpSpPr/>
+        <p:nvPr/>
+      </p:nvGrpSpPr>
+      <p:grpSpPr>
+        <a:xfrm>
+          <a:off x="0" y="0"/>
+          <a:ext cx="0" cy="0"/>
+          <a:chOff x="0" y="0"/>
+          <a:chExt cx="0" cy="0"/>
+        </a:xfrm>
+      </p:grpSpPr>
+      <p:sp>
+        <p:nvSpPr>
+          <p:cNvPr id="2" name="標題 1"/>
+          <p:cNvSpPr>
+            <a:spLocks noGrp="1"/>
+          </p:cNvSpPr>
+          <p:nvPr>
+            <p:ph type="title"/>
+          </p:nvPr>
+        </p:nvSpPr>
+        <p:spPr/>
+        <p:txBody>
+          <a:bodyPr/>
+          <a:lstStyle/>
+          <a:p>
+            <a:endParaRPr lang="zh-TW" altLang="en-US"/>
+          </a:p>
+        </p:txBody>
+      </p:sp>
+      <p:sp>
+        <p:nvSpPr>
+          <p:cNvPr id="3" name="內容版面配置區 2"/>
+          <p:cNvSpPr>
+            <a:spLocks noGrp="1"/>
+          </p:cNvSpPr>
+          <p:nvPr>
+            <p:ph sz="quarter" idx="13"/>
+          </p:nvPr>
+        </p:nvSpPr>
+        <p:spPr/>
+        <p:txBody>
+          <a:bodyPr/>
+          <a:lstStyle/>
+          <a:p>
+            <a:endParaRPr lang="zh-TW" altLang="en-US"/>
+          </a:p>
+        </p:txBody>
+      </p:sp>
+      <p:sp>
+        <p:nvSpPr>
+          <p:cNvPr id="4" name="內容版面配置區 3"/>
+          <p:cNvSpPr>
+            <a:spLocks noGrp="1"/>
+          </p:cNvSpPr>
+          <p:nvPr>
+            <p:ph sz="half" idx="1"/>
+          </p:nvPr>
+        </p:nvSpPr>
+        <p:spPr/>
+        <p:txBody>
+          <a:bodyPr/>
+          <a:lstStyle/>
+          <a:p>
+            <a:endParaRPr lang="zh-TW" altLang="en-US" dirty="0"/>
+          </a:p>
+        </p:txBody>
+      </p:sp>
+      <p:pic>
+        <p:nvPicPr>
+          <p:cNvPr id="1026" name="Picture 2"/>
+          <p:cNvPicPr>
+            <a:picLocks noChangeAspect="1" noChangeArrowheads="1"/>
+          </p:cNvPicPr>
+          <p:nvPr/>
+        </p:nvPicPr>
+        <p:blipFill>
+          <a:blip r:embed="rId2">
+            <a:extLst>
+              <a:ext uri="{28A0092B-C50C-407E-A947-70E740481C1C}">
+                <a14:useLocalDpi xmlns:a14="http://schemas.microsoft.com/office/drawing/2010/main" val="0"/>
+              </a:ext>
+            </a:extLst>
+          </a:blip>
+          <a:srcRect/>
+          <a:stretch>
+            <a:fillRect/>
+          </a:stretch>
+        </p:blipFill>
+        <p:spPr bwMode="auto">
+          <a:xfrm>
+            <a:off x="926833" y="1930399"/>
+            <a:ext cx="6276975" cy="4467225"/>
+          </a:xfrm>
+          <a:prstGeom prst="rect">
+            <a:avLst/>
+          </a:prstGeom>
+          <a:noFill/>
+          <a:ln>
+            <a:noFill/>
+          </a:ln>
+          <a:extLst>
+            <a:ext uri="{909E8E84-426E-40DD-AFC4-6F175D3DCCD1}">
+              <a14:hiddenFill xmlns:a14="http://schemas.microsoft.com/office/drawing/2010/main">
+                <a:solidFill>
+                  <a:schemeClr val="accent1"/>
+                </a:solidFill>
+              </a14:hiddenFill>
+            </a:ext>
+            <a:ext uri="{91240B29-F687-4F45-9708-019B960494DF}">
+              <a14:hiddenLine xmlns:a14="http://schemas.microsoft.com/office/drawing/2010/main" w="9525">
+                <a:solidFill>
+                  <a:schemeClr val="tx1"/>
+                </a:solidFill>
+                <a:miter lim="800000"/>
+                <a:headEnd/>
+                <a:tailEnd/>
+              </a14:hiddenLine>
+            </a:ext>
+          </a:extLst>
+        </p:spPr>
+      </p:pic>
+    </p:spTree>
+    <p:extLst>
+      <p:ext uri="{BB962C8B-B14F-4D97-AF65-F5344CB8AC3E}">
+        <p14:creationId xmlns:p14="http://schemas.microsoft.com/office/powerpoint/2010/main" val="2227107922"/>
+      </p:ext>
+    </p:extLst>
+  </p:cSld>
+  <p:clrMapOvr>
+    <a:masterClrMapping/>
+  </p:clrMapOvr>
+</p:sld>
+</file>
+
+<file path=ppt/slides/slide11.xml><?xml version="1.0" encoding="utf-8"?>
+<p:sld xmlns:a="http://schemas.openxmlformats.org/drawingml/2006/main" xmlns:r="http://schemas.openxmlformats.org/officeDocument/2006/relationships" xmlns:p="http://schemas.openxmlformats.org/presentationml/2006/main">
+  <p:cSld>
+    <p:spTree>
+      <p:nvGrpSpPr>
+        <p:cNvPr id="1" name=""/>
+        <p:cNvGrpSpPr/>
+        <p:nvPr/>
+      </p:nvGrpSpPr>
+      <p:grpSpPr>
+        <a:xfrm>
+          <a:off x="0" y="0"/>
+          <a:ext cx="0" cy="0"/>
+          <a:chOff x="0" y="0"/>
+          <a:chExt cx="0" cy="0"/>
+        </a:xfrm>
+      </p:grpSpPr>
+      <p:sp>
+        <p:nvSpPr>
+          <p:cNvPr id="2" name="標題 1"/>
+          <p:cNvSpPr>
+            <a:spLocks noGrp="1"/>
+          </p:cNvSpPr>
+          <p:nvPr>
+            <p:ph type="title"/>
+          </p:nvPr>
+        </p:nvSpPr>
+        <p:spPr/>
+        <p:txBody>
+          <a:bodyPr/>
+          <a:lstStyle/>
+          <a:p>
+            <a:r>
+              <a:rPr lang="zh-CN" altLang="en-US" dirty="0"/>
+              <a:t>生产环境如何使用 </a:t>
+            </a:r>
+            <a:r>
+              <a:rPr lang="en-US" altLang="zh-CN" dirty="0" err="1" smtClean="0"/>
+              <a:t>gRPC</a:t>
+            </a:r>
+            <a:endParaRPr lang="zh-TW" altLang="en-US" dirty="0"/>
+          </a:p>
+        </p:txBody>
+      </p:sp>
+      <p:sp>
+        <p:nvSpPr>
+          <p:cNvPr id="3" name="內容版面配置區 2"/>
+          <p:cNvSpPr>
+            <a:spLocks noGrp="1"/>
+          </p:cNvSpPr>
+          <p:nvPr>
+            <p:ph sz="quarter" idx="13"/>
+          </p:nvPr>
+        </p:nvSpPr>
+        <p:spPr/>
+        <p:txBody>
+          <a:bodyPr/>
+          <a:lstStyle/>
+          <a:p>
+            <a:endParaRPr lang="zh-TW" altLang="en-US"/>
+          </a:p>
+        </p:txBody>
+      </p:sp>
+      <p:sp>
+        <p:nvSpPr>
+          <p:cNvPr id="4" name="內容版面配置區 3"/>
+          <p:cNvSpPr>
+            <a:spLocks noGrp="1"/>
+          </p:cNvSpPr>
+          <p:nvPr>
+            <p:ph sz="half" idx="1"/>
+          </p:nvPr>
+        </p:nvSpPr>
+        <p:spPr/>
+        <p:txBody>
+          <a:bodyPr/>
+          <a:lstStyle/>
+          <a:p>
+            <a:r>
+              <a:rPr lang="en-US" altLang="zh-TW" dirty="0"/>
+              <a:t>HTTP/2 </a:t>
+            </a:r>
+            <a:r>
+              <a:rPr lang="en-US" altLang="zh-TW" dirty="0" err="1"/>
+              <a:t>protobuf</a:t>
+            </a:r>
+            <a:r>
+              <a:rPr lang="en-US" altLang="zh-TW" dirty="0"/>
+              <a:t> serialization (pluggable) </a:t>
+            </a:r>
+            <a:r>
+              <a:rPr lang="zh-TW" altLang="en-US" dirty="0"/>
+              <a:t>客户端会和 </a:t>
+            </a:r>
+            <a:r>
+              <a:rPr lang="en-US" altLang="zh-TW" dirty="0" err="1"/>
+              <a:t>grpc</a:t>
+            </a:r>
+            <a:r>
+              <a:rPr lang="en-US" altLang="zh-TW" dirty="0"/>
+              <a:t> </a:t>
+            </a:r>
+            <a:r>
+              <a:rPr lang="zh-TW" altLang="en-US" dirty="0"/>
+              <a:t>服务器打开一个长连接 对于每一个 </a:t>
+            </a:r>
+            <a:r>
+              <a:rPr lang="en-US" altLang="zh-TW" dirty="0"/>
+              <a:t>RPC </a:t>
+            </a:r>
+            <a:r>
+              <a:rPr lang="zh-TW" altLang="en-US" dirty="0"/>
+              <a:t>调用都将是一个新的 </a:t>
+            </a:r>
+            <a:r>
+              <a:rPr lang="en-US" altLang="zh-TW" dirty="0"/>
+              <a:t>HTTP/2 stream</a:t>
+            </a:r>
+          </a:p>
+          <a:p>
+            <a:r>
+              <a:rPr lang="zh-TW" altLang="en-US" dirty="0"/>
+              <a:t>允许模拟飞行模式的 </a:t>
+            </a:r>
+            <a:r>
+              <a:rPr lang="en-US" altLang="zh-TW" dirty="0"/>
+              <a:t>RPC </a:t>
+            </a:r>
+            <a:r>
+              <a:rPr lang="zh-TW" altLang="en-US" dirty="0"/>
+              <a:t>调用</a:t>
+            </a:r>
+          </a:p>
+          <a:p>
+            <a:r>
+              <a:rPr lang="zh-TW" altLang="en-US" dirty="0"/>
+              <a:t>允许客户端 和 服务端 </a:t>
+            </a:r>
+            <a:r>
+              <a:rPr lang="en-US" altLang="zh-TW" dirty="0" smtClean="0"/>
+              <a:t>Streaming</a:t>
+            </a:r>
+            <a:endParaRPr lang="en-US" altLang="zh-TW" dirty="0"/>
+          </a:p>
+        </p:txBody>
+      </p:sp>
+    </p:spTree>
+    <p:extLst>
+      <p:ext uri="{BB962C8B-B14F-4D97-AF65-F5344CB8AC3E}">
+        <p14:creationId xmlns:p14="http://schemas.microsoft.com/office/powerpoint/2010/main" val="1759547864"/>
+      </p:ext>
+    </p:extLst>
+  </p:cSld>
+  <p:clrMapOvr>
+    <a:masterClrMapping/>
+  </p:clrMapOvr>
+</p:sld>
+</file>
+
+<file path=ppt/slides/slide12.xml><?xml version="1.0" encoding="utf-8"?>
+<p:sld xmlns:a="http://schemas.openxmlformats.org/drawingml/2006/main" xmlns:r="http://schemas.openxmlformats.org/officeDocument/2006/relationships" xmlns:p="http://schemas.openxmlformats.org/presentationml/2006/main">
+  <p:cSld>
+    <p:spTree>
+      <p:nvGrpSpPr>
+        <p:cNvPr id="1" name=""/>
+        <p:cNvGrpSpPr/>
+        <p:nvPr/>
+      </p:nvGrpSpPr>
+      <p:grpSpPr>
+        <a:xfrm>
+          <a:off x="0" y="0"/>
+          <a:ext cx="0" cy="0"/>
+          <a:chOff x="0" y="0"/>
+          <a:chExt cx="0" cy="0"/>
+        </a:xfrm>
+      </p:grpSpPr>
+      <p:sp>
+        <p:nvSpPr>
+          <p:cNvPr id="4" name="標題 3"/>
+          <p:cNvSpPr>
+            <a:spLocks noGrp="1"/>
+          </p:cNvSpPr>
+          <p:nvPr>
+            <p:ph type="ctrTitle"/>
+          </p:nvPr>
+        </p:nvSpPr>
+        <p:spPr/>
+        <p:txBody>
+          <a:bodyPr>
+            <a:normAutofit/>
+          </a:bodyPr>
+          <a:lstStyle/>
+          <a:p>
+            <a:r>
+              <a:rPr lang="en-US" altLang="zh-TW" sz="6600" dirty="0">
+                <a:latin typeface="Tw Cen MT" pitchFamily="34" charset="0"/>
+              </a:rPr>
+              <a:t>Thank You</a:t>
+            </a:r>
+            <a:endParaRPr lang="zh-TW" altLang="en-US" sz="6600" dirty="0">
+              <a:latin typeface="Tw Cen MT" pitchFamily="34" charset="0"/>
+            </a:endParaRPr>
+          </a:p>
+        </p:txBody>
+      </p:sp>
+      <p:sp>
+        <p:nvSpPr>
+          <p:cNvPr id="6" name="副標題 5"/>
+          <p:cNvSpPr>
+            <a:spLocks noGrp="1"/>
+          </p:cNvSpPr>
+          <p:nvPr>
+            <p:ph type="subTitle" idx="1"/>
+          </p:nvPr>
+        </p:nvSpPr>
+        <p:spPr/>
+        <p:txBody>
+          <a:bodyPr/>
+          <a:lstStyle/>
+          <a:p>
+            <a:r>
+              <a:rPr lang="en-US" altLang="zh-TW" sz="2800" b="0" dirty="0" smtClean="0">
+                <a:latin typeface="Tw Cen MT" pitchFamily="34" charset="0"/>
+              </a:rPr>
+              <a:t>Q</a:t>
+            </a:r>
+            <a:r>
+              <a:rPr lang="zh-TW" altLang="en-US" sz="2800" b="0" dirty="0" smtClean="0">
+                <a:latin typeface="Tw Cen MT" pitchFamily="34" charset="0"/>
+              </a:rPr>
+              <a:t> </a:t>
+            </a:r>
+            <a:r>
+              <a:rPr lang="en-US" altLang="zh-TW" sz="2800" b="0" dirty="0">
+                <a:latin typeface="Tw Cen MT" pitchFamily="34" charset="0"/>
+              </a:rPr>
+              <a:t>&amp;</a:t>
+            </a:r>
+            <a:r>
+              <a:rPr lang="zh-TW" altLang="en-US" sz="2800" b="0" dirty="0">
+                <a:latin typeface="Tw Cen MT" pitchFamily="34" charset="0"/>
+              </a:rPr>
+              <a:t> </a:t>
+            </a:r>
+            <a:r>
+              <a:rPr lang="en-US" altLang="zh-TW" sz="2800" b="0" dirty="0">
+                <a:latin typeface="Tw Cen MT" pitchFamily="34" charset="0"/>
+              </a:rPr>
+              <a:t>A</a:t>
+            </a:r>
+            <a:endParaRPr lang="zh-TW" altLang="en-US" b="0" dirty="0">
+              <a:latin typeface="Tw Cen MT" pitchFamily="34" charset="0"/>
+            </a:endParaRPr>
+          </a:p>
+        </p:txBody>
+      </p:sp>
+      <p:sp>
+        <p:nvSpPr>
+          <p:cNvPr id="7" name="文字版面配置區 6"/>
+          <p:cNvSpPr>
+            <a:spLocks noGrp="1"/>
+          </p:cNvSpPr>
+          <p:nvPr>
+            <p:ph type="body" sz="quarter" idx="13"/>
+          </p:nvPr>
+        </p:nvSpPr>
+        <p:spPr/>
+        <p:txBody>
+          <a:bodyPr>
+            <a:normAutofit lnSpcReduction="10000"/>
+          </a:bodyPr>
+          <a:lstStyle/>
+          <a:p>
+            <a:r>
+              <a:rPr lang="en-US" altLang="zh-TW" dirty="0"/>
+              <a:t>By </a:t>
+            </a:r>
+            <a:r>
+              <a:rPr lang="en-US" altLang="zh-TW" dirty="0" smtClean="0"/>
+              <a:t>Beer</a:t>
+            </a:r>
+            <a:endParaRPr lang="zh-TW" altLang="en-US" dirty="0"/>
+          </a:p>
+        </p:txBody>
+      </p:sp>
+    </p:spTree>
+    <p:extLst>
+      <p:ext uri="{BB962C8B-B14F-4D97-AF65-F5344CB8AC3E}">
+        <p14:creationId xmlns:p14="http://schemas.microsoft.com/office/powerpoint/2010/main" val="3310412145"/>
       </p:ext>
     </p:extLst>
   </p:cSld>
@@ -15916,6 +16533,9 @@
             </a:r>
           </a:p>
           <a:p>
+            <a:endParaRPr lang="en-US" altLang="zh-CN" dirty="0" smtClean="0"/>
+          </a:p>
+          <a:p>
             <a:endParaRPr lang="zh-CN" altLang="en-US" b="0" dirty="0"/>
           </a:p>
         </p:txBody>
@@ -15965,198 +16585,249 @@
           <a:bodyPr/>
           <a:lstStyle/>
           <a:p>
+            <a:endParaRPr lang="zh-TW" altLang="en-US"/>
+          </a:p>
+        </p:txBody>
+      </p:sp>
+      <p:sp>
+        <p:nvSpPr>
+          <p:cNvPr id="3" name="內容版面配置區 2"/>
+          <p:cNvSpPr>
+            <a:spLocks noGrp="1"/>
+          </p:cNvSpPr>
+          <p:nvPr>
+            <p:ph sz="quarter" idx="13"/>
+          </p:nvPr>
+        </p:nvSpPr>
+        <p:spPr/>
+        <p:txBody>
+          <a:bodyPr/>
+          <a:lstStyle/>
+          <a:p>
+            <a:endParaRPr lang="zh-TW" altLang="en-US"/>
+          </a:p>
+        </p:txBody>
+      </p:sp>
+      <p:sp>
+        <p:nvSpPr>
+          <p:cNvPr id="4" name="內容版面配置區 3"/>
+          <p:cNvSpPr>
+            <a:spLocks noGrp="1"/>
+          </p:cNvSpPr>
+          <p:nvPr>
+            <p:ph sz="half" idx="1"/>
+          </p:nvPr>
+        </p:nvSpPr>
+        <p:spPr/>
+        <p:txBody>
+          <a:bodyPr/>
+          <a:lstStyle/>
+          <a:p>
+            <a:pPr marL="514350" indent="-514350">
+              <a:buAutoNum type="arabicPeriod"/>
+            </a:pPr>
+            <a:r>
+              <a:rPr lang="en-US" altLang="zh-TW" dirty="0" smtClean="0"/>
+              <a:t>RESTful API </a:t>
+            </a:r>
             <a:r>
               <a:rPr lang="zh-CN" altLang="en-US" dirty="0" smtClean="0"/>
-              <a:t>為什麼</a:t>
-            </a:r>
+              <a:t>（</a:t>
+            </a:r>
+            <a:r>
+              <a:rPr lang="en-US" altLang="zh-TW" b="0" dirty="0"/>
+              <a:t> </a:t>
+            </a:r>
+            <a:r>
+              <a:rPr lang="en-US" altLang="zh-TW" b="0" dirty="0" err="1"/>
+              <a:t>REpresentational</a:t>
+            </a:r>
+            <a:r>
+              <a:rPr lang="en-US" altLang="zh-TW" b="0" dirty="0"/>
+              <a:t> State Transfer </a:t>
+            </a:r>
+            <a:r>
+              <a:rPr lang="en-US" altLang="zh-TW" b="0" dirty="0" smtClean="0"/>
+              <a:t>API</a:t>
+            </a:r>
+            <a:r>
+              <a:rPr lang="zh-CN" altLang="en-US" dirty="0" smtClean="0"/>
+              <a:t>）</a:t>
+            </a:r>
+            <a:endParaRPr lang="en-US" altLang="zh-TW" dirty="0" smtClean="0"/>
+          </a:p>
+          <a:p>
+            <a:pPr marL="514350" indent="-514350">
+              <a:buAutoNum type="arabicPeriod"/>
+            </a:pPr>
+            <a:r>
+              <a:rPr lang="en-US" altLang="zh-TW" dirty="0" smtClean="0"/>
+              <a:t>RPC</a:t>
+            </a:r>
+            <a:r>
+              <a:rPr lang="zh-CN" altLang="en-US" dirty="0" smtClean="0"/>
+              <a:t>（</a:t>
+            </a:r>
+            <a:r>
+              <a:rPr lang="en-US" altLang="zh-TW" b="0" dirty="0"/>
+              <a:t> </a:t>
+            </a:r>
+            <a:r>
+              <a:rPr lang="en-US" altLang="zh-TW" b="0" dirty="0" smtClean="0"/>
+              <a:t>Remote Procedure Call </a:t>
+            </a:r>
+            <a:r>
+              <a:rPr lang="zh-CN" altLang="en-US" dirty="0" smtClean="0"/>
+              <a:t>）</a:t>
+            </a:r>
+            <a:endParaRPr lang="en-US" altLang="zh-CN" dirty="0" smtClean="0"/>
+          </a:p>
+          <a:p>
+            <a:pPr marL="1200150" lvl="1" indent="-514350">
+              <a:buAutoNum type="arabicPeriod"/>
+            </a:pPr>
+            <a:r>
+              <a:rPr lang="zh-CN" altLang="en-US" dirty="0" smtClean="0"/>
+              <a:t>是 </a:t>
+            </a:r>
+            <a:r>
+              <a:rPr lang="en-US" altLang="zh-TW" dirty="0"/>
+              <a:t>SUN</a:t>
+            </a:r>
+            <a:r>
+              <a:rPr lang="en-US" altLang="zh-CN" dirty="0" smtClean="0"/>
+              <a:t> </a:t>
+            </a:r>
+            <a:r>
+              <a:rPr lang="zh-CN" altLang="en-US" dirty="0" smtClean="0"/>
+              <a:t>內部使用的通訊方式</a:t>
+            </a:r>
+            <a:endParaRPr lang="en-US" altLang="zh-CN" dirty="0" smtClean="0"/>
+          </a:p>
+          <a:p>
+            <a:pPr marL="1200150" lvl="1" indent="-514350">
+              <a:buAutoNum type="arabicPeriod"/>
+            </a:pPr>
+            <a:r>
+              <a:rPr lang="zh-CN" altLang="en-US" dirty="0" smtClean="0"/>
+              <a:t>於</a:t>
+            </a:r>
+            <a:endParaRPr lang="en-US" altLang="zh-CN" dirty="0" smtClean="0"/>
+          </a:p>
+          <a:p>
+            <a:pPr marL="1200150" lvl="1" indent="-514350">
+              <a:buAutoNum type="arabicPeriod"/>
+            </a:pPr>
             <a:r>
               <a:rPr lang="zh-TW" altLang="en-US" dirty="0" smtClean="0"/>
-              <a:t> </a:t>
-            </a:r>
-            <a:r>
-              <a:rPr lang="en-US" altLang="zh-TW" dirty="0"/>
-              <a:t>REST API </a:t>
-            </a:r>
-            <a:r>
-              <a:rPr lang="zh-CN" altLang="en-US" dirty="0"/>
-              <a:t>不好用</a:t>
+              <a:t>協定允許執行於一台電腦的</a:t>
+            </a:r>
+            <a:r>
+              <a:rPr lang="zh-TW" altLang="en-US" dirty="0" smtClean="0">
+                <a:hlinkClick r:id="rId3" tooltip="程式"/>
+              </a:rPr>
+              <a:t>程式</a:t>
             </a:r>
             <a:r>
               <a:rPr lang="zh-TW" altLang="en-US" dirty="0" smtClean="0"/>
-              <a:t>？</a:t>
-            </a:r>
-            <a:endParaRPr lang="zh-TW" altLang="en-US" dirty="0"/>
-          </a:p>
-        </p:txBody>
-      </p:sp>
-      <p:sp>
-        <p:nvSpPr>
-          <p:cNvPr id="3" name="內容版面配置區 2"/>
-          <p:cNvSpPr>
-            <a:spLocks noGrp="1"/>
-          </p:cNvSpPr>
-          <p:nvPr>
-            <p:ph sz="quarter" idx="13"/>
-          </p:nvPr>
-        </p:nvSpPr>
-        <p:spPr/>
-        <p:txBody>
-          <a:bodyPr/>
-          <a:lstStyle/>
-          <a:p>
-            <a:endParaRPr lang="zh-TW" altLang="en-US"/>
-          </a:p>
-        </p:txBody>
-      </p:sp>
-      <p:sp>
-        <p:nvSpPr>
-          <p:cNvPr id="4" name="內容版面配置區 3"/>
-          <p:cNvSpPr>
-            <a:spLocks noGrp="1"/>
-          </p:cNvSpPr>
-          <p:nvPr>
-            <p:ph sz="half" idx="1"/>
-          </p:nvPr>
-        </p:nvSpPr>
-        <p:spPr/>
-        <p:txBody>
-          <a:bodyPr/>
-          <a:lstStyle/>
-          <a:p>
-            <a:pPr marL="457200" indent="-457200">
-              <a:buFont typeface="Arial" panose="020B0604020202020204" pitchFamily="34" charset="0"/>
-              <a:buChar char="•"/>
+              <a:t>呼叫另一個</a:t>
+            </a:r>
+            <a:r>
+              <a:rPr lang="zh-TW" altLang="en-US" dirty="0" smtClean="0">
+                <a:hlinkClick r:id="rId4" tooltip="位址空間"/>
+              </a:rPr>
+              <a:t>位址空間</a:t>
+            </a:r>
+            <a:r>
+              <a:rPr lang="zh-TW" altLang="en-US" dirty="0" smtClean="0"/>
+              <a:t>（通常為一個開放網路的一台電腦）的</a:t>
+            </a:r>
+            <a:r>
+              <a:rPr lang="zh-TW" altLang="en-US" dirty="0" smtClean="0">
+                <a:hlinkClick r:id="rId5" tooltip="子程式"/>
+              </a:rPr>
+              <a:t>子程式</a:t>
+            </a:r>
+            <a:endParaRPr lang="en-US" altLang="zh-TW" dirty="0" smtClean="0"/>
+          </a:p>
+          <a:p>
+            <a:pPr marL="514350" indent="-514350">
+              <a:buAutoNum type="arabicPeriod"/>
             </a:pPr>
             <a:r>
+              <a:rPr lang="en-US" altLang="zh-TW" dirty="0" err="1" smtClean="0"/>
+              <a:t>GraphQL</a:t>
+            </a:r>
+            <a:r>
               <a:rPr lang="zh-CN" altLang="en-US" dirty="0" smtClean="0"/>
-              <a:t>實現</a:t>
+              <a:t>（</a:t>
+            </a:r>
+            <a:r>
+              <a:rPr lang="en-US" altLang="zh-TW" b="0" dirty="0"/>
+              <a:t> Graph Query Language </a:t>
+            </a:r>
+            <a:r>
+              <a:rPr lang="zh-CN" altLang="en-US" dirty="0" smtClean="0"/>
+              <a:t>）</a:t>
+            </a:r>
+            <a:endParaRPr lang="en-US" altLang="zh-CN" dirty="0" smtClean="0"/>
+          </a:p>
+          <a:p>
+            <a:pPr marL="1200150" lvl="1" indent="-514350">
+              <a:buAutoNum type="arabicPeriod"/>
+            </a:pPr>
+            <a:r>
+              <a:rPr lang="zh-CN" altLang="en-US" dirty="0" smtClean="0"/>
+              <a:t>是 </a:t>
             </a:r>
             <a:r>
               <a:rPr lang="en-US" altLang="zh-CN" dirty="0" smtClean="0"/>
-              <a:t>Stream</a:t>
+              <a:t>Facebook </a:t>
             </a:r>
             <a:r>
               <a:rPr lang="zh-CN" altLang="en-US" dirty="0" smtClean="0"/>
-              <a:t>太難了</a:t>
+              <a:t>內部使用的通訊方式</a:t>
             </a:r>
             <a:endParaRPr lang="en-US" altLang="zh-CN" dirty="0" smtClean="0"/>
           </a:p>
           <a:p>
-            <a:pPr marL="457200" indent="-457200">
-              <a:buFont typeface="Arial" panose="020B0604020202020204" pitchFamily="34" charset="0"/>
-              <a:buChar char="•"/>
+            <a:pPr marL="1200150" lvl="1" indent="-514350">
+              <a:buAutoNum type="arabicPeriod"/>
             </a:pPr>
             <a:r>
               <a:rPr lang="zh-CN" altLang="en-US" dirty="0" smtClean="0"/>
-              <a:t>雙向的流（</a:t>
-            </a:r>
-            <a:r>
-              <a:rPr lang="en-US" altLang="zh-CN" dirty="0" err="1" smtClean="0"/>
-              <a:t>WebSocket</a:t>
+              <a:t>於 </a:t>
+            </a:r>
+            <a:r>
+              <a:rPr lang="en-US" altLang="zh-CN" dirty="0" smtClean="0"/>
+              <a:t>2015 </a:t>
             </a:r>
             <a:r>
               <a:rPr lang="zh-CN" altLang="en-US" dirty="0" smtClean="0"/>
-              <a:t>）根本不可能</a:t>
+              <a:t>開源</a:t>
             </a:r>
             <a:endParaRPr lang="en-US" altLang="zh-CN" dirty="0" smtClean="0"/>
           </a:p>
           <a:p>
-            <a:pPr marL="457200" indent="-457200">
-              <a:buFont typeface="Arial" panose="020B0604020202020204" pitchFamily="34" charset="0"/>
-              <a:buChar char="•"/>
+            <a:pPr marL="1200150" lvl="1" indent="-514350">
+              <a:buAutoNum type="arabicPeriod"/>
             </a:pPr>
             <a:r>
               <a:rPr lang="zh-CN" altLang="en-US" dirty="0" smtClean="0"/>
-              <a:t>很難對操作建立模型</a:t>
+              <a:t>使用的產品 </a:t>
             </a:r>
             <a:r>
               <a:rPr lang="en-US" altLang="zh-CN" dirty="0" smtClean="0"/>
-              <a:t>(</a:t>
+              <a:t>Twitter </a:t>
             </a:r>
             <a:r>
               <a:rPr lang="zh-CN" altLang="en-US" dirty="0" smtClean="0"/>
-              <a:t>不會有規範的文件</a:t>
+              <a:t>、 </a:t>
             </a:r>
             <a:r>
               <a:rPr lang="en-US" altLang="zh-CN" dirty="0" smtClean="0"/>
-              <a:t>)</a:t>
-            </a:r>
-            <a:endParaRPr lang="en-US" altLang="zh-CN" dirty="0" smtClean="0"/>
-          </a:p>
-          <a:p>
-            <a:pPr marL="457200" indent="-457200">
-              <a:buFont typeface="Arial" panose="020B0604020202020204" pitchFamily="34" charset="0"/>
-              <a:buChar char="•"/>
-            </a:pPr>
-            <a:r>
-              <a:rPr lang="zh-CN" altLang="en-US" dirty="0"/>
-              <a:t>很</a:t>
-            </a:r>
-            <a:r>
-              <a:rPr lang="zh-CN" altLang="en-US" dirty="0" smtClean="0"/>
-              <a:t>難再一個請求中取得多個資源數據</a:t>
-            </a:r>
-            <a:r>
-              <a:rPr lang="en-US" altLang="zh-CN" dirty="0" smtClean="0"/>
-              <a:t>(</a:t>
-            </a:r>
-            <a:r>
-              <a:rPr lang="zh-CN" altLang="en-US" dirty="0" smtClean="0"/>
-              <a:t>從兩個</a:t>
-            </a:r>
-            <a:r>
-              <a:rPr lang="en-US" altLang="zh-CN" dirty="0" smtClean="0"/>
-              <a:t>server</a:t>
-            </a:r>
-            <a:r>
-              <a:rPr lang="zh-CN" altLang="en-US" dirty="0" smtClean="0"/>
-              <a:t>取資料</a:t>
-            </a:r>
-            <a:r>
-              <a:rPr lang="en-US" altLang="zh-CN" dirty="0" smtClean="0"/>
-              <a:t>)</a:t>
-            </a:r>
-          </a:p>
-          <a:p>
-            <a:pPr marL="457200" indent="-457200">
-              <a:buFont typeface="Arial" panose="020B0604020202020204" pitchFamily="34" charset="0"/>
-              <a:buChar char="•"/>
-            </a:pPr>
-            <a:r>
-              <a:rPr lang="zh-CN" altLang="en-US" dirty="0" smtClean="0"/>
-              <a:t>沒有正式的</a:t>
-            </a:r>
-            <a:r>
-              <a:rPr lang="en-US" altLang="zh-CN" dirty="0" smtClean="0"/>
-              <a:t>(</a:t>
-            </a:r>
-            <a:r>
-              <a:rPr lang="zh-CN" altLang="en-US" dirty="0" smtClean="0"/>
-              <a:t>機械可讀</a:t>
-            </a:r>
-            <a:r>
-              <a:rPr lang="en-US" altLang="zh-CN" dirty="0" smtClean="0"/>
-              <a:t>)</a:t>
-            </a:r>
-            <a:r>
-              <a:rPr lang="zh-CN" altLang="en-US" dirty="0" smtClean="0"/>
-              <a:t>的</a:t>
-            </a:r>
-            <a:r>
-              <a:rPr lang="en-US" altLang="zh-CN" dirty="0" smtClean="0"/>
-              <a:t>API</a:t>
-            </a:r>
-            <a:r>
-              <a:rPr lang="zh-CN" altLang="en-US" dirty="0"/>
-              <a:t>文件</a:t>
-            </a:r>
-            <a:endParaRPr lang="en-US" altLang="zh-CN" dirty="0" smtClean="0"/>
-          </a:p>
-          <a:p>
-            <a:pPr marL="457200" indent="-457200">
-              <a:buFont typeface="Arial" panose="020B0604020202020204" pitchFamily="34" charset="0"/>
-              <a:buChar char="•"/>
-            </a:pPr>
+              <a:t>Facebook</a:t>
+            </a:r>
             <a:endParaRPr lang="zh-TW" altLang="en-US" dirty="0"/>
           </a:p>
         </p:txBody>
@@ -16164,7 +16835,7 @@
     </p:spTree>
     <p:extLst>
       <p:ext uri="{BB962C8B-B14F-4D97-AF65-F5344CB8AC3E}">
-        <p14:creationId xmlns:p14="http://schemas.microsoft.com/office/powerpoint/2010/main" val="295187108"/>
+        <p14:creationId xmlns:p14="http://schemas.microsoft.com/office/powerpoint/2010/main" val="1539119850"/>
       </p:ext>
     </p:extLst>
   </p:cSld>
@@ -16207,64 +16878,6 @@
           <a:lstStyle/>
           <a:p>
             <a:r>
-              <a:rPr lang="zh-CN" altLang="en-US" dirty="0" smtClean="0"/>
-              <a:t>什麼是</a:t>
-            </a:r>
-            <a:r>
-              <a:rPr lang="en-US" altLang="zh-CN" dirty="0" err="1" smtClean="0"/>
-              <a:t>gRPC</a:t>
-            </a:r>
-            <a:r>
-              <a:rPr lang="zh-CN" altLang="en-US" dirty="0" smtClean="0"/>
-              <a:t>？</a:t>
-            </a:r>
-            <a:endParaRPr lang="zh-TW" altLang="en-US" dirty="0"/>
-          </a:p>
-        </p:txBody>
-      </p:sp>
-      <p:sp>
-        <p:nvSpPr>
-          <p:cNvPr id="3" name="內容版面配置區 2"/>
-          <p:cNvSpPr>
-            <a:spLocks noGrp="1"/>
-          </p:cNvSpPr>
-          <p:nvPr>
-            <p:ph sz="quarter" idx="13"/>
-          </p:nvPr>
-        </p:nvSpPr>
-        <p:spPr/>
-        <p:txBody>
-          <a:bodyPr/>
-          <a:lstStyle/>
-          <a:p>
-            <a:endParaRPr lang="zh-TW" altLang="en-US"/>
-          </a:p>
-        </p:txBody>
-      </p:sp>
-      <p:sp>
-        <p:nvSpPr>
-          <p:cNvPr id="4" name="內容版面配置區 3"/>
-          <p:cNvSpPr>
-            <a:spLocks noGrp="1"/>
-          </p:cNvSpPr>
-          <p:nvPr>
-            <p:ph sz="half" idx="1"/>
-          </p:nvPr>
-        </p:nvSpPr>
-        <p:spPr/>
-        <p:txBody>
-          <a:bodyPr/>
-          <a:lstStyle/>
-          <a:p>
-            <a:r>
-              <a:rPr lang="en-US" altLang="zh-CN" dirty="0" err="1" smtClean="0"/>
-              <a:t>gRPC</a:t>
-            </a:r>
-            <a:r>
-              <a:rPr lang="zh-CN" altLang="en-US" dirty="0" smtClean="0"/>
-              <a:t>是高性能的、開源、通用的</a:t>
-            </a:r>
-            <a:r>
               <a:rPr lang="en-US" altLang="zh-CN" dirty="0" smtClean="0"/>
               <a:t>RPC</a:t>
             </a:r>
@@ -16272,59 +16885,128 @@
               <a:rPr lang="zh-CN" altLang="en-US" dirty="0" smtClean="0"/>
               <a:t>框架</a:t>
             </a:r>
-            <a:endParaRPr lang="en-US" altLang="zh-CN" dirty="0" smtClean="0"/>
-          </a:p>
-          <a:p>
-            <a:endParaRPr lang="en-US" altLang="zh-TW" dirty="0"/>
-          </a:p>
-          <a:p>
+            <a:endParaRPr lang="zh-TW" altLang="en-US" dirty="0"/>
+          </a:p>
+        </p:txBody>
+      </p:sp>
+      <p:sp>
+        <p:nvSpPr>
+          <p:cNvPr id="3" name="內容版面配置區 2"/>
+          <p:cNvSpPr>
+            <a:spLocks noGrp="1"/>
+          </p:cNvSpPr>
+          <p:nvPr>
+            <p:ph sz="quarter" idx="13"/>
+          </p:nvPr>
+        </p:nvSpPr>
+        <p:spPr/>
+        <p:txBody>
+          <a:bodyPr/>
+          <a:lstStyle/>
+          <a:p>
+            <a:endParaRPr lang="zh-TW" altLang="en-US"/>
+          </a:p>
+        </p:txBody>
+      </p:sp>
+      <p:sp>
+        <p:nvSpPr>
+          <p:cNvPr id="4" name="內容版面配置區 3"/>
+          <p:cNvSpPr>
+            <a:spLocks noGrp="1"/>
+          </p:cNvSpPr>
+          <p:nvPr>
+            <p:ph sz="half" idx="1"/>
+          </p:nvPr>
+        </p:nvSpPr>
+        <p:spPr/>
+        <p:txBody>
+          <a:bodyPr/>
+          <a:lstStyle/>
+          <a:p>
+            <a:pPr marL="514350" indent="-514350">
+              <a:buAutoNum type="arabicPeriod"/>
+            </a:pPr>
+            <a:r>
+              <a:rPr lang="en-US" altLang="zh-CN" dirty="0" smtClean="0"/>
+              <a:t>Facebook</a:t>
+            </a:r>
+          </a:p>
+          <a:p>
+            <a:pPr marL="1200150" lvl="1" indent="-514350">
+              <a:buAutoNum type="arabicPeriod"/>
+            </a:pPr>
+            <a:r>
+              <a:rPr lang="en-US" altLang="zh-TW" b="0" dirty="0" smtClean="0"/>
+              <a:t>thrift</a:t>
+            </a:r>
+          </a:p>
+          <a:p>
+            <a:pPr marL="514350" indent="-514350">
+              <a:buAutoNum type="arabicPeriod"/>
+            </a:pPr>
+            <a:r>
+              <a:rPr lang="en-US" altLang="zh-TW" dirty="0" smtClean="0"/>
+              <a:t>Google</a:t>
+            </a:r>
+          </a:p>
+          <a:p>
+            <a:pPr marL="1200150" lvl="1" indent="-514350">
+              <a:buAutoNum type="arabicPeriod"/>
+            </a:pPr>
+            <a:r>
+              <a:rPr lang="en-US" altLang="zh-TW" dirty="0" err="1" smtClean="0"/>
+              <a:t>gPRC</a:t>
+            </a:r>
+            <a:endParaRPr lang="en-US" altLang="zh-TW" dirty="0" smtClean="0"/>
+          </a:p>
+          <a:p>
+            <a:pPr marL="514350" indent="-514350">
+              <a:buAutoNum type="arabicPeriod"/>
+            </a:pPr>
+            <a:r>
+              <a:rPr lang="en-US" altLang="zh-TW" dirty="0" smtClean="0"/>
+              <a:t>Alibaba</a:t>
+            </a:r>
+          </a:p>
+          <a:p>
+            <a:pPr marL="1200150" lvl="1" indent="-514350">
+              <a:buAutoNum type="arabicPeriod"/>
+            </a:pPr>
+            <a:r>
+              <a:rPr lang="en-US" altLang="zh-TW" dirty="0" err="1" smtClean="0"/>
+              <a:t>Dubbo</a:t>
+            </a:r>
+            <a:endParaRPr lang="en-US" altLang="zh-TW" dirty="0" smtClean="0"/>
+          </a:p>
+          <a:p>
+            <a:pPr marL="1200150" lvl="1" indent="-514350">
+              <a:buAutoNum type="arabicPeriod"/>
+            </a:pPr>
+            <a:r>
+              <a:rPr lang="zh-TW" altLang="en-US" dirty="0" smtClean="0"/>
+              <a:t>仅支持 </a:t>
+            </a:r>
+            <a:r>
+              <a:rPr lang="en-US" altLang="zh-TW" dirty="0" smtClean="0"/>
+              <a:t>Java </a:t>
+            </a:r>
+            <a:r>
+              <a:rPr lang="zh-TW" altLang="en-US" dirty="0" smtClean="0"/>
+              <a:t>语言</a:t>
+            </a:r>
+            <a:endParaRPr lang="en-US" altLang="zh-TW" dirty="0" smtClean="0"/>
+          </a:p>
+          <a:p>
+            <a:pPr marL="1200150" lvl="1" indent="-514350">
+              <a:buAutoNum type="arabicPeriod"/>
+            </a:pPr>
+            <a:r>
+              <a:rPr lang="en-US" altLang="zh-TW" dirty="0" smtClean="0"/>
+              <a:t>2011</a:t>
+            </a:r>
             <a:r>
               <a:rPr lang="zh-CN" altLang="en-US" dirty="0" smtClean="0"/>
-              <a:t>開始時我們從寫</a:t>
-            </a:r>
-            <a:r>
-              <a:rPr lang="en-US" altLang="zh-CN" dirty="0" err="1" smtClean="0"/>
-              <a:t>gRPC</a:t>
-            </a:r>
-            <a:r>
-              <a:rPr lang="zh-CN" altLang="en-US" dirty="0" smtClean="0"/>
-              <a:t>的</a:t>
-            </a:r>
-            <a:r>
-              <a:rPr lang="en-US" altLang="zh-CN" dirty="0" smtClean="0"/>
-              <a:t>IDL</a:t>
-            </a:r>
-            <a:r>
-              <a:rPr lang="zh-CN" altLang="en-US" dirty="0" smtClean="0"/>
-              <a:t>開始。</a:t>
-            </a:r>
-            <a:endParaRPr lang="en-US" altLang="zh-CN" dirty="0" smtClean="0"/>
-          </a:p>
-          <a:p>
-            <a:endParaRPr lang="en-US" altLang="zh-TW" dirty="0"/>
-          </a:p>
-          <a:p>
-            <a:endParaRPr lang="en-US" altLang="zh-TW" dirty="0" smtClean="0"/>
-          </a:p>
-          <a:p>
-            <a:endParaRPr lang="en-US" altLang="zh-TW" dirty="0"/>
-          </a:p>
-          <a:p>
-            <a:r>
-              <a:rPr lang="en-US" altLang="zh-TW" dirty="0" smtClean="0"/>
-              <a:t>#IDL </a:t>
-            </a:r>
-            <a:r>
-              <a:rPr lang="zh-CN" altLang="en-US" dirty="0" smtClean="0"/>
-              <a:t>類似於</a:t>
-            </a:r>
-            <a:r>
-              <a:rPr lang="en-US" altLang="zh-CN" dirty="0" err="1" smtClean="0"/>
-              <a:t>Struct</a:t>
-            </a:r>
-            <a:r>
-              <a:rPr lang="zh-CN" altLang="en-US" dirty="0" smtClean="0"/>
-              <a:t>的資料架構。</a:t>
+              <a:t>開源</a:t>
             </a:r>
             <a:endParaRPr lang="zh-TW" altLang="en-US" dirty="0"/>
           </a:p>
@@ -16333,7 +17015,7 @@
     </p:spTree>
     <p:extLst>
       <p:ext uri="{BB962C8B-B14F-4D97-AF65-F5344CB8AC3E}">
-        <p14:creationId xmlns:p14="http://schemas.microsoft.com/office/powerpoint/2010/main" val="745161297"/>
+        <p14:creationId xmlns:p14="http://schemas.microsoft.com/office/powerpoint/2010/main" val="2479643448"/>
       </p:ext>
     </p:extLst>
   </p:cSld>
@@ -16381,7 +17063,90 @@
       </p:sp>
       <p:sp>
         <p:nvSpPr>
-          <p:cNvPr id="3" name="內容版面配置區 2"/>
+          <p:cNvPr id="4" name="內容版面配置區 3"/>
+          <p:cNvSpPr>
+            <a:spLocks noGrp="1"/>
+          </p:cNvSpPr>
+          <p:nvPr>
+            <p:ph sz="half" idx="1"/>
+          </p:nvPr>
+        </p:nvSpPr>
+        <p:spPr/>
+        <p:txBody>
+          <a:bodyPr/>
+          <a:lstStyle/>
+          <a:p>
+            <a:r>
+              <a:rPr lang="zh-CN" altLang="en-US" b="0" dirty="0" smtClean="0"/>
+              <a:t>原理</a:t>
+            </a:r>
+            <a:endParaRPr lang="en-US" altLang="zh-CN" b="0" dirty="0" smtClean="0"/>
+          </a:p>
+          <a:p>
+            <a:r>
+              <a:rPr lang="en-US" altLang="zh-CN" b="0" dirty="0" smtClean="0"/>
+              <a:t>1.</a:t>
+            </a:r>
+            <a:r>
+              <a:rPr lang="zh-TW" altLang="en-US" b="0" dirty="0" smtClean="0"/>
+              <a:t>通</a:t>
+            </a:r>
+            <a:r>
+              <a:rPr lang="zh-TW" altLang="en-US" b="0" dirty="0"/>
+              <a:t>过 </a:t>
+            </a:r>
+            <a:r>
+              <a:rPr lang="en-US" altLang="zh-TW" b="0" dirty="0"/>
+              <a:t>IDL</a:t>
+            </a:r>
+            <a:r>
+              <a:rPr lang="zh-TW" altLang="en-US" b="0" dirty="0"/>
+              <a:t>（</a:t>
+            </a:r>
+            <a:r>
+              <a:rPr lang="en-US" altLang="zh-TW" b="0" dirty="0"/>
+              <a:t>Interface Definition Language</a:t>
+            </a:r>
+            <a:r>
+              <a:rPr lang="zh-TW" altLang="en-US" b="0" dirty="0"/>
+              <a:t>）文件定义服务接口的参数和返回值类</a:t>
+            </a:r>
+            <a:r>
+              <a:rPr lang="zh-TW" altLang="en-US" b="0" dirty="0" smtClean="0"/>
+              <a:t>型</a:t>
+            </a:r>
+            <a:endParaRPr lang="en-US" altLang="zh-TW" b="0" dirty="0" smtClean="0"/>
+          </a:p>
+          <a:p>
+            <a:r>
+              <a:rPr lang="en-US" altLang="zh-CN" b="0" dirty="0" smtClean="0"/>
+              <a:t>2.</a:t>
+            </a:r>
+            <a:r>
+              <a:rPr lang="zh-CN" altLang="en-US" b="0" dirty="0" smtClean="0"/>
+              <a:t>通過代</a:t>
+            </a:r>
+            <a:r>
+              <a:rPr lang="zh-CN" altLang="en-US" b="0" dirty="0"/>
+              <a:t>码生成程序生成服务端和客户端的具体实现代</a:t>
+            </a:r>
+            <a:r>
+              <a:rPr lang="zh-CN" altLang="en-US" b="0" dirty="0" smtClean="0"/>
+              <a:t>码</a:t>
+            </a:r>
+            <a:endParaRPr lang="en-US" altLang="zh-CN" b="0" dirty="0" smtClean="0"/>
+          </a:p>
+          <a:p>
+            <a:endParaRPr lang="en-US" altLang="zh-TW" b="0" dirty="0"/>
+          </a:p>
+          <a:p>
+            <a:endParaRPr lang="zh-TW" altLang="en-US" dirty="0"/>
+          </a:p>
+        </p:txBody>
+      </p:sp>
+      <p:sp>
+        <p:nvSpPr>
+          <p:cNvPr id="8" name="內容版面配置區 7"/>
           <p:cNvSpPr>
             <a:spLocks noGrp="1"/>
           </p:cNvSpPr>
@@ -16398,83 +17163,10 @@
           </a:p>
         </p:txBody>
       </p:sp>
-      <p:sp>
-        <p:nvSpPr>
-          <p:cNvPr id="4" name="內容版面配置區 3"/>
-          <p:cNvSpPr>
-            <a:spLocks noGrp="1"/>
-          </p:cNvSpPr>
-          <p:nvPr>
-            <p:ph sz="half" idx="1"/>
-          </p:nvPr>
-        </p:nvSpPr>
-        <p:spPr/>
-        <p:txBody>
-          <a:bodyPr/>
-          <a:lstStyle/>
-          <a:p>
-            <a:endParaRPr lang="zh-TW" altLang="en-US" dirty="0"/>
-          </a:p>
-        </p:txBody>
-      </p:sp>
-      <p:pic>
-        <p:nvPicPr>
-          <p:cNvPr id="1026" name="Picture 2"/>
-          <p:cNvPicPr>
-            <a:picLocks noChangeAspect="1" noChangeArrowheads="1"/>
-          </p:cNvPicPr>
-          <p:nvPr/>
-        </p:nvPicPr>
-        <p:blipFill>
-          <a:blip r:embed="rId2">
-            <a:extLst>
-              <a:ext uri="{28A0092B-C50C-407E-A947-70E740481C1C}">
-                <a14:useLocalDpi xmlns:a14="http://schemas.microsoft.com/office/drawing/2010/main" val="0"/>
-              </a:ext>
-            </a:extLst>
-          </a:blip>
-          <a:srcRect/>
-          <a:stretch>
-            <a:fillRect/>
-          </a:stretch>
-        </p:blipFill>
-        <p:spPr bwMode="auto">
-          <a:xfrm>
-            <a:off x="926833" y="1930399"/>
-            <a:ext cx="6276975" cy="4467225"/>
-          </a:xfrm>
-          <a:prstGeom prst="rect">
-            <a:avLst/>
-          </a:prstGeom>
-          <a:noFill/>
-          <a:ln>
-            <a:noFill/>
-          </a:ln>
-          <a:extLst>
-            <a:ext uri="{909E8E84-426E-40DD-AFC4-6F175D3DCCD1}">
-              <a14:hiddenFill xmlns:a14="http://schemas.microsoft.com/office/drawing/2010/main">
-                <a:solidFill>
-                  <a:schemeClr val="accent1"/>
-                </a:solidFill>
-              </a14:hiddenFill>
-            </a:ext>
-            <a:ext uri="{91240B29-F687-4F45-9708-019B960494DF}">
-              <a14:hiddenLine xmlns:a14="http://schemas.microsoft.com/office/drawing/2010/main" w="9525">
-                <a:solidFill>
-                  <a:schemeClr val="tx1"/>
-                </a:solidFill>
-                <a:miter lim="800000"/>
-                <a:headEnd/>
-                <a:tailEnd/>
-              </a14:hiddenLine>
-            </a:ext>
-          </a:extLst>
-        </p:spPr>
-      </p:pic>
     </p:spTree>
     <p:extLst>
       <p:ext uri="{BB962C8B-B14F-4D97-AF65-F5344CB8AC3E}">
-        <p14:creationId xmlns:p14="http://schemas.microsoft.com/office/powerpoint/2010/main" val="2227107922"/>
+        <p14:creationId xmlns:p14="http://schemas.microsoft.com/office/powerpoint/2010/main" val="1479848473"/>
       </p:ext>
     </p:extLst>
   </p:cSld>
@@ -16517,123 +17209,204 @@
           <a:lstStyle/>
           <a:p>
             <a:r>
+              <a:rPr lang="zh-CN" altLang="en-US" dirty="0" smtClean="0"/>
+              <a:t>為什麼</a:t>
+            </a:r>
+            <a:r>
+              <a:rPr lang="zh-TW" altLang="en-US" dirty="0" smtClean="0"/>
+              <a:t> </a:t>
+            </a:r>
+            <a:r>
+              <a:rPr lang="en-US" altLang="zh-TW" dirty="0"/>
+              <a:t>REST API </a:t>
+            </a:r>
+            <a:r>
               <a:rPr lang="zh-CN" altLang="en-US" dirty="0"/>
-              <a:t>生产环境如何使用 </a:t>
+              <a:t>不好用</a:t>
+            </a:r>
+            <a:r>
+              <a:rPr lang="zh-TW" altLang="en-US" dirty="0" smtClean="0"/>
+              <a:t>？</a:t>
+            </a:r>
+            <a:endParaRPr lang="zh-TW" altLang="en-US" dirty="0"/>
+          </a:p>
+        </p:txBody>
+      </p:sp>
+      <p:sp>
+        <p:nvSpPr>
+          <p:cNvPr id="3" name="內容版面配置區 2"/>
+          <p:cNvSpPr>
+            <a:spLocks noGrp="1"/>
+          </p:cNvSpPr>
+          <p:nvPr>
+            <p:ph sz="quarter" idx="13"/>
+          </p:nvPr>
+        </p:nvSpPr>
+        <p:spPr/>
+        <p:txBody>
+          <a:bodyPr/>
+          <a:lstStyle/>
+          <a:p>
+            <a:endParaRPr lang="zh-TW" altLang="en-US"/>
+          </a:p>
+        </p:txBody>
+      </p:sp>
+      <p:sp>
+        <p:nvSpPr>
+          <p:cNvPr id="4" name="內容版面配置區 3"/>
+          <p:cNvSpPr>
+            <a:spLocks noGrp="1"/>
+          </p:cNvSpPr>
+          <p:nvPr>
+            <p:ph sz="half" idx="1"/>
+          </p:nvPr>
+        </p:nvSpPr>
+        <p:spPr/>
+        <p:txBody>
+          <a:bodyPr/>
+          <a:lstStyle/>
+          <a:p>
+            <a:pPr marL="457200" indent="-457200">
+              <a:buFont typeface="Arial" panose="020B0604020202020204" pitchFamily="34" charset="0"/>
+              <a:buChar char="•"/>
+            </a:pPr>
+            <a:r>
+              <a:rPr lang="zh-CN" altLang="en-US" dirty="0" smtClean="0"/>
+              <a:t>實現</a:t>
+            </a:r>
+            <a:r>
+              <a:rPr lang="en-US" altLang="zh-CN" dirty="0" smtClean="0"/>
+              <a:t>Stream</a:t>
+            </a:r>
+            <a:r>
+              <a:rPr lang="zh-CN" altLang="en-US" dirty="0" smtClean="0"/>
+              <a:t>太難了</a:t>
+            </a:r>
+            <a:endParaRPr lang="en-US" altLang="zh-CN" dirty="0" smtClean="0"/>
+          </a:p>
+          <a:p>
+            <a:pPr marL="457200" indent="-457200">
+              <a:buFont typeface="Arial" panose="020B0604020202020204" pitchFamily="34" charset="0"/>
+              <a:buChar char="•"/>
+            </a:pPr>
+            <a:r>
+              <a:rPr lang="zh-CN" altLang="en-US" dirty="0" smtClean="0"/>
+              <a:t>雙向的流（</a:t>
             </a:r>
             <a:r>
               <a:rPr lang="en-US" altLang="zh-CN" dirty="0" err="1" smtClean="0"/>
-              <a:t>gRPC</a:t>
-            </a:r>
+              <a:t>WebSocket</a:t>
+            </a:r>
+            <a:r>
+              <a:rPr lang="zh-CN" altLang="en-US" dirty="0" smtClean="0"/>
+              <a:t>）根本不可能</a:t>
+            </a:r>
+            <a:endParaRPr lang="en-US" altLang="zh-CN" dirty="0" smtClean="0"/>
+          </a:p>
+          <a:p>
+            <a:pPr marL="457200" indent="-457200">
+              <a:buFont typeface="Arial" panose="020B0604020202020204" pitchFamily="34" charset="0"/>
+              <a:buChar char="•"/>
+            </a:pPr>
+            <a:r>
+              <a:rPr lang="zh-CN" altLang="en-US" dirty="0" smtClean="0"/>
+              <a:t>很難對操作建立模型</a:t>
+            </a:r>
+            <a:r>
+              <a:rPr lang="en-US" altLang="zh-CN" dirty="0" smtClean="0"/>
+              <a:t>(</a:t>
+            </a:r>
+            <a:r>
+              <a:rPr lang="zh-CN" altLang="en-US" dirty="0" smtClean="0"/>
+              <a:t>不會有規範的文件</a:t>
+            </a:r>
+            <a:r>
+              <a:rPr lang="en-US" altLang="zh-CN" dirty="0" smtClean="0"/>
+              <a:t>)</a:t>
+            </a:r>
+          </a:p>
+          <a:p>
+            <a:pPr marL="457200" indent="-457200">
+              <a:buFont typeface="Arial" panose="020B0604020202020204" pitchFamily="34" charset="0"/>
+              <a:buChar char="•"/>
+            </a:pPr>
+            <a:r>
+              <a:rPr lang="zh-CN" altLang="en-US" dirty="0"/>
+              <a:t>很</a:t>
+            </a:r>
+            <a:r>
+              <a:rPr lang="zh-CN" altLang="en-US" dirty="0" smtClean="0"/>
+              <a:t>難再一個請求中取得多個資源數據</a:t>
+            </a:r>
+            <a:r>
+              <a:rPr lang="en-US" altLang="zh-CN" dirty="0" smtClean="0"/>
+              <a:t>(</a:t>
+            </a:r>
+            <a:r>
+              <a:rPr lang="zh-CN" altLang="en-US" dirty="0" smtClean="0"/>
+              <a:t>從兩個</a:t>
+            </a:r>
+            <a:r>
+              <a:rPr lang="en-US" altLang="zh-CN" dirty="0" smtClean="0"/>
+              <a:t>server</a:t>
+            </a:r>
+            <a:r>
+              <a:rPr lang="zh-CN" altLang="en-US" dirty="0" smtClean="0"/>
+              <a:t>取資料</a:t>
+            </a:r>
+            <a:r>
+              <a:rPr lang="en-US" altLang="zh-CN" dirty="0" smtClean="0"/>
+              <a:t>)</a:t>
+            </a:r>
+          </a:p>
+          <a:p>
+            <a:pPr marL="457200" indent="-457200">
+              <a:buFont typeface="Arial" panose="020B0604020202020204" pitchFamily="34" charset="0"/>
+              <a:buChar char="•"/>
+            </a:pPr>
+            <a:r>
+              <a:rPr lang="zh-CN" altLang="en-US" dirty="0" smtClean="0"/>
+              <a:t>沒有正式的</a:t>
+            </a:r>
+            <a:r>
+              <a:rPr lang="en-US" altLang="zh-CN" dirty="0" smtClean="0"/>
+              <a:t>(</a:t>
+            </a:r>
+            <a:r>
+              <a:rPr lang="zh-CN" altLang="en-US" dirty="0" smtClean="0"/>
+              <a:t>機械可讀</a:t>
+            </a:r>
+            <a:r>
+              <a:rPr lang="en-US" altLang="zh-CN" dirty="0" smtClean="0"/>
+              <a:t>)</a:t>
+            </a:r>
+            <a:r>
+              <a:rPr lang="zh-CN" altLang="en-US" dirty="0" smtClean="0"/>
+              <a:t>的</a:t>
+            </a:r>
+            <a:r>
+              <a:rPr lang="en-US" altLang="zh-CN" dirty="0" smtClean="0"/>
+              <a:t>API</a:t>
+            </a:r>
+            <a:r>
+              <a:rPr lang="zh-CN" altLang="en-US" dirty="0"/>
+              <a:t>文件</a:t>
+            </a:r>
+            <a:endParaRPr lang="en-US" altLang="zh-CN" dirty="0" smtClean="0"/>
+          </a:p>
+          <a:p>
+            <a:pPr marL="457200" indent="-457200">
+              <a:buFont typeface="Arial" panose="020B0604020202020204" pitchFamily="34" charset="0"/>
+              <a:buChar char="•"/>
+            </a:pPr>
             <a:endParaRPr lang="zh-TW" altLang="en-US" dirty="0"/>
-          </a:p>
-        </p:txBody>
-      </p:sp>
-      <p:sp>
-        <p:nvSpPr>
-          <p:cNvPr id="3" name="內容版面配置區 2"/>
-          <p:cNvSpPr>
-            <a:spLocks noGrp="1"/>
-          </p:cNvSpPr>
-          <p:nvPr>
-            <p:ph sz="quarter" idx="13"/>
-          </p:nvPr>
-        </p:nvSpPr>
-        <p:spPr/>
-        <p:txBody>
-          <a:bodyPr/>
-          <a:lstStyle/>
-          <a:p>
-            <a:endParaRPr lang="zh-TW" altLang="en-US"/>
-          </a:p>
-        </p:txBody>
-      </p:sp>
-      <p:sp>
-        <p:nvSpPr>
-          <p:cNvPr id="4" name="內容版面配置區 3"/>
-          <p:cNvSpPr>
-            <a:spLocks noGrp="1"/>
-          </p:cNvSpPr>
-          <p:nvPr>
-            <p:ph sz="half" idx="1"/>
-          </p:nvPr>
-        </p:nvSpPr>
-        <p:spPr/>
-        <p:txBody>
-          <a:bodyPr/>
-          <a:lstStyle/>
-          <a:p>
-            <a:r>
-              <a:rPr lang="en-US" altLang="zh-TW" dirty="0"/>
-              <a:t>HTTP/2 </a:t>
-            </a:r>
-            <a:r>
-              <a:rPr lang="en-US" altLang="zh-TW" dirty="0" err="1"/>
-              <a:t>protobuf</a:t>
-            </a:r>
-            <a:r>
-              <a:rPr lang="en-US" altLang="zh-TW" dirty="0"/>
-              <a:t> serialization (pluggable) </a:t>
-            </a:r>
-            <a:r>
-              <a:rPr lang="zh-TW" altLang="en-US" dirty="0"/>
-              <a:t>客户端会和 </a:t>
-            </a:r>
-            <a:r>
-              <a:rPr lang="en-US" altLang="zh-TW" dirty="0" err="1"/>
-              <a:t>grpc</a:t>
-            </a:r>
-            <a:r>
-              <a:rPr lang="en-US" altLang="zh-TW" dirty="0"/>
-              <a:t> </a:t>
-            </a:r>
-            <a:r>
-              <a:rPr lang="zh-TW" altLang="en-US" dirty="0"/>
-              <a:t>服务器打开一个长连接 对于每一个 </a:t>
-            </a:r>
-            <a:r>
-              <a:rPr lang="en-US" altLang="zh-TW" dirty="0"/>
-              <a:t>RPC </a:t>
-            </a:r>
-            <a:r>
-              <a:rPr lang="zh-TW" altLang="en-US" dirty="0"/>
-              <a:t>调用都将是一个新的 </a:t>
-            </a:r>
-            <a:r>
-              <a:rPr lang="en-US" altLang="zh-TW" dirty="0"/>
-              <a:t>HTTP/2 stream</a:t>
-            </a:r>
-          </a:p>
-          <a:p>
-            <a:r>
-              <a:rPr lang="zh-TW" altLang="en-US" dirty="0"/>
-              <a:t>允许模拟飞行模式的 </a:t>
-            </a:r>
-            <a:r>
-              <a:rPr lang="en-US" altLang="zh-TW" dirty="0"/>
-              <a:t>RPC </a:t>
-            </a:r>
-            <a:r>
-              <a:rPr lang="zh-TW" altLang="en-US" dirty="0"/>
-              <a:t>调用</a:t>
-            </a:r>
-          </a:p>
-          <a:p>
-            <a:r>
-              <a:rPr lang="zh-TW" altLang="en-US" dirty="0"/>
-              <a:t>允许客户端 和 服务端 </a:t>
-            </a:r>
-            <a:r>
-              <a:rPr lang="en-US" altLang="zh-TW" dirty="0" smtClean="0"/>
-              <a:t>Streaming</a:t>
-            </a:r>
-            <a:endParaRPr lang="en-US" altLang="zh-TW" dirty="0"/>
           </a:p>
         </p:txBody>
       </p:sp>
     </p:spTree>
     <p:extLst>
       <p:ext uri="{BB962C8B-B14F-4D97-AF65-F5344CB8AC3E}">
-        <p14:creationId xmlns:p14="http://schemas.microsoft.com/office/powerpoint/2010/main" val="1759547864"/>
+        <p14:creationId xmlns:p14="http://schemas.microsoft.com/office/powerpoint/2010/main" val="295187108"/>
       </p:ext>
     </p:extLst>
   </p:cSld>
@@ -16662,41 +17435,43 @@
       </p:grpSpPr>
       <p:sp>
         <p:nvSpPr>
-          <p:cNvPr id="4" name="標題 3"/>
-          <p:cNvSpPr>
-            <a:spLocks noGrp="1"/>
-          </p:cNvSpPr>
-          <p:nvPr>
-            <p:ph type="ctrTitle"/>
+          <p:cNvPr id="2" name="標題 1"/>
+          <p:cNvSpPr>
+            <a:spLocks noGrp="1"/>
+          </p:cNvSpPr>
+          <p:nvPr>
+            <p:ph type="title"/>
           </p:nvPr>
         </p:nvSpPr>
         <p:spPr/>
         <p:txBody>
-          <a:bodyPr>
-            <a:normAutofit/>
-          </a:bodyPr>
-          <a:lstStyle/>
-          <a:p>
-            <a:r>
-              <a:rPr lang="en-US" altLang="zh-TW" sz="6600" dirty="0">
-                <a:latin typeface="Tw Cen MT" pitchFamily="34" charset="0"/>
-              </a:rPr>
-              <a:t>Thank You</a:t>
-            </a:r>
-            <a:endParaRPr lang="zh-TW" altLang="en-US" sz="6600" dirty="0">
-              <a:latin typeface="Tw Cen MT" pitchFamily="34" charset="0"/>
-            </a:endParaRPr>
-          </a:p>
-        </p:txBody>
-      </p:sp>
-      <p:sp>
-        <p:nvSpPr>
-          <p:cNvPr id="6" name="副標題 5"/>
-          <p:cNvSpPr>
-            <a:spLocks noGrp="1"/>
-          </p:cNvSpPr>
-          <p:nvPr>
-            <p:ph type="subTitle" idx="1"/>
+          <a:bodyPr/>
+          <a:lstStyle/>
+          <a:p>
+            <a:r>
+              <a:rPr lang="zh-CN" altLang="en-US" dirty="0" smtClean="0"/>
+              <a:t>什麼是</a:t>
+            </a:r>
+            <a:r>
+              <a:rPr lang="en-US" altLang="zh-CN" dirty="0" err="1" smtClean="0"/>
+              <a:t>gRPC</a:t>
+            </a:r>
+            <a:r>
+              <a:rPr lang="zh-CN" altLang="en-US" dirty="0" smtClean="0"/>
+              <a:t>？</a:t>
+            </a:r>
+            <a:endParaRPr lang="zh-TW" altLang="en-US" dirty="0"/>
+          </a:p>
+        </p:txBody>
+      </p:sp>
+      <p:sp>
+        <p:nvSpPr>
+          <p:cNvPr id="3" name="內容版面配置區 2"/>
+          <p:cNvSpPr>
+            <a:spLocks noGrp="1"/>
+          </p:cNvSpPr>
+          <p:nvPr>
+            <p:ph sz="quarter" idx="13"/>
           </p:nvPr>
         </p:nvSpPr>
         <p:spPr/>
@@ -16704,66 +17479,122 @@
           <a:bodyPr/>
           <a:lstStyle/>
           <a:p>
-            <a:r>
-              <a:rPr lang="en-US" altLang="zh-TW" sz="2800" b="0" dirty="0" smtClean="0">
-                <a:latin typeface="Tw Cen MT" pitchFamily="34" charset="0"/>
-              </a:rPr>
-              <a:t>Q</a:t>
-            </a:r>
-            <a:r>
-              <a:rPr lang="zh-TW" altLang="en-US" sz="2800" b="0" dirty="0" smtClean="0">
-                <a:latin typeface="Tw Cen MT" pitchFamily="34" charset="0"/>
-              </a:rPr>
-              <a:t> </a:t>
-            </a:r>
-            <a:r>
-              <a:rPr lang="en-US" altLang="zh-TW" sz="2800" b="0" dirty="0">
-                <a:latin typeface="Tw Cen MT" pitchFamily="34" charset="0"/>
-              </a:rPr>
-              <a:t>&amp;</a:t>
-            </a:r>
-            <a:r>
-              <a:rPr lang="zh-TW" altLang="en-US" sz="2800" b="0" dirty="0">
-                <a:latin typeface="Tw Cen MT" pitchFamily="34" charset="0"/>
-              </a:rPr>
-              <a:t> </a:t>
-            </a:r>
-            <a:r>
-              <a:rPr lang="en-US" altLang="zh-TW" sz="2800" b="0" dirty="0">
-                <a:latin typeface="Tw Cen MT" pitchFamily="34" charset="0"/>
-              </a:rPr>
-              <a:t>A</a:t>
-            </a:r>
-            <a:endParaRPr lang="zh-TW" altLang="en-US" b="0" dirty="0">
-              <a:latin typeface="Tw Cen MT" pitchFamily="34" charset="0"/>
-            </a:endParaRPr>
-          </a:p>
-        </p:txBody>
-      </p:sp>
-      <p:sp>
-        <p:nvSpPr>
-          <p:cNvPr id="7" name="文字版面配置區 6"/>
-          <p:cNvSpPr>
-            <a:spLocks noGrp="1"/>
-          </p:cNvSpPr>
-          <p:nvPr>
-            <p:ph type="body" sz="quarter" idx="13"/>
+            <a:endParaRPr lang="zh-TW" altLang="en-US"/>
+          </a:p>
+        </p:txBody>
+      </p:sp>
+      <p:sp>
+        <p:nvSpPr>
+          <p:cNvPr id="4" name="內容版面配置區 3"/>
+          <p:cNvSpPr>
+            <a:spLocks noGrp="1"/>
+          </p:cNvSpPr>
+          <p:nvPr>
+            <p:ph sz="half" idx="1"/>
           </p:nvPr>
         </p:nvSpPr>
         <p:spPr/>
         <p:txBody>
-          <a:bodyPr>
-            <a:normAutofit lnSpcReduction="10000"/>
-          </a:bodyPr>
-          <a:lstStyle/>
-          <a:p>
-            <a:r>
-              <a:rPr lang="en-US" altLang="zh-TW" dirty="0"/>
-              <a:t>By </a:t>
-            </a:r>
+          <a:bodyPr/>
+          <a:lstStyle/>
+          <a:p>
+            <a:r>
+              <a:rPr lang="en-US" altLang="zh-CN" dirty="0" err="1" smtClean="0"/>
+              <a:t>gRPC</a:t>
+            </a:r>
+            <a:r>
+              <a:rPr lang="zh-CN" altLang="en-US" dirty="0" smtClean="0"/>
+              <a:t>是高性能的、開源、通用的</a:t>
+            </a:r>
+            <a:r>
+              <a:rPr lang="en-US" altLang="zh-CN" dirty="0" smtClean="0"/>
+              <a:t>RPC</a:t>
+            </a:r>
+            <a:r>
+              <a:rPr lang="zh-CN" altLang="en-US" dirty="0" smtClean="0"/>
+              <a:t>框架</a:t>
+            </a:r>
+            <a:endParaRPr lang="en-US" altLang="zh-CN" dirty="0" smtClean="0"/>
+          </a:p>
+          <a:p>
+            <a:endParaRPr lang="en-US" altLang="zh-TW" dirty="0"/>
+          </a:p>
+          <a:p>
+            <a:r>
+              <a:rPr lang="zh-CN" altLang="en-US" dirty="0"/>
+              <a:t>第一</a:t>
+            </a:r>
+            <a:r>
+              <a:rPr lang="zh-CN" altLang="en-US" dirty="0" smtClean="0"/>
+              <a:t>步</a:t>
+            </a:r>
+            <a:r>
+              <a:rPr lang="en-US" altLang="zh-CN" dirty="0" smtClean="0"/>
+              <a:t>—</a:t>
+            </a:r>
+            <a:r>
+              <a:rPr lang="zh-CN" altLang="en-US" dirty="0" smtClean="0"/>
+              <a:t>我們</a:t>
+            </a:r>
+            <a:r>
+              <a:rPr lang="zh-CN" altLang="en-US" dirty="0" smtClean="0"/>
+              <a:t>從寫</a:t>
+            </a:r>
+            <a:r>
+              <a:rPr lang="en-US" altLang="zh-CN" dirty="0" err="1" smtClean="0"/>
+              <a:t>gRPC</a:t>
+            </a:r>
+            <a:r>
+              <a:rPr lang="zh-CN" altLang="en-US" dirty="0" smtClean="0"/>
+              <a:t>的</a:t>
+            </a:r>
+            <a:r>
+              <a:rPr lang="en-US" altLang="zh-CN" dirty="0" smtClean="0"/>
+              <a:t>IDL(</a:t>
+            </a:r>
+            <a:r>
+              <a:rPr lang="en-US" altLang="zh-TW" b="0" dirty="0"/>
+              <a:t>Interface description language</a:t>
+            </a:r>
+            <a:r>
+              <a:rPr lang="en-US" altLang="zh-CN" dirty="0" smtClean="0"/>
+              <a:t>)</a:t>
+            </a:r>
+            <a:r>
+              <a:rPr lang="zh-CN" altLang="en-US" dirty="0" smtClean="0"/>
+              <a:t>開始</a:t>
+            </a:r>
+            <a:r>
+              <a:rPr lang="zh-CN" altLang="en-US" dirty="0" smtClean="0"/>
+              <a:t>。</a:t>
+            </a:r>
+            <a:endParaRPr lang="en-US" altLang="zh-CN" dirty="0" smtClean="0"/>
+          </a:p>
+          <a:p>
+            <a:endParaRPr lang="en-US" altLang="zh-TW" dirty="0"/>
+          </a:p>
+          <a:p>
+            <a:endParaRPr lang="en-US" altLang="zh-TW" dirty="0" smtClean="0"/>
+          </a:p>
+          <a:p>
+            <a:endParaRPr lang="en-US" altLang="zh-TW" dirty="0"/>
+          </a:p>
+          <a:p>
             <a:r>
               <a:rPr lang="en-US" altLang="zh-TW" dirty="0" smtClean="0"/>
-              <a:t>Beer</a:t>
+              <a:t>#IDL </a:t>
+            </a:r>
+            <a:r>
+              <a:rPr lang="zh-CN" altLang="en-US" dirty="0" smtClean="0"/>
+              <a:t>類似於</a:t>
+            </a:r>
+            <a:r>
+              <a:rPr lang="en-US" altLang="zh-CN" dirty="0" err="1" smtClean="0"/>
+              <a:t>Struct</a:t>
+            </a:r>
+            <a:r>
+              <a:rPr lang="zh-CN" altLang="en-US" dirty="0" smtClean="0"/>
+              <a:t>的資料架構。</a:t>
             </a:r>
             <a:endParaRPr lang="zh-TW" altLang="en-US" dirty="0"/>
           </a:p>
@@ -16772,7 +17603,7 @@
     </p:spTree>
     <p:extLst>
       <p:ext uri="{BB962C8B-B14F-4D97-AF65-F5344CB8AC3E}">
-        <p14:creationId xmlns:p14="http://schemas.microsoft.com/office/powerpoint/2010/main" val="3310412145"/>
+        <p14:creationId xmlns:p14="http://schemas.microsoft.com/office/powerpoint/2010/main" val="745161297"/>
       </p:ext>
     </p:extLst>
   </p:cSld>
@@ -17098,7 +17929,7 @@
   <a:extraClrSchemeLst/>
   <a:extLst>
     <a:ext uri="{05A4C25C-085E-4340-85A3-A5531E510DB2}">
-      <thm15:themeFamily xmlns:thm15="http://schemas.microsoft.com/office/thememl/2012/main" xmlns="" name="Office Theme" id="{62F939B6-93AF-4DB8-9C6B-D6C7DFDC589F}" vid="{4A3C46E8-61CC-4603-A589-7422A47A8E4A}"/>
+      <thm15:themeFamily xmlns="" xmlns:thm15="http://schemas.microsoft.com/office/thememl/2012/main" name="Office Theme" id="{62F939B6-93AF-4DB8-9C6B-D6C7DFDC589F}" vid="{4A3C46E8-61CC-4603-A589-7422A47A8E4A}"/>
     </a:ext>
   </a:extLst>
 </a:theme>

--- a/空白PPT.pptx
+++ b/空白PPT.pptx
@@ -5,7 +5,7 @@
     <p:sldMasterId id="2147483648" r:id="rId1"/>
   </p:sldMasterIdLst>
   <p:notesMasterIdLst>
-    <p:notesMasterId r:id="rId14"/>
+    <p:notesMasterId r:id="rId17"/>
   </p:notesMasterIdLst>
   <p:sldIdLst>
     <p:sldId id="256" r:id="rId2"/>
@@ -17,9 +17,12 @@
     <p:sldId id="389" r:id="rId8"/>
     <p:sldId id="383" r:id="rId9"/>
     <p:sldId id="384" r:id="rId10"/>
-    <p:sldId id="385" r:id="rId11"/>
-    <p:sldId id="386" r:id="rId12"/>
-    <p:sldId id="286" r:id="rId13"/>
+    <p:sldId id="390" r:id="rId11"/>
+    <p:sldId id="385" r:id="rId12"/>
+    <p:sldId id="386" r:id="rId13"/>
+    <p:sldId id="391" r:id="rId14"/>
+    <p:sldId id="392" r:id="rId15"/>
+    <p:sldId id="286" r:id="rId16"/>
   </p:sldIdLst>
   <p:sldSz cx="12192000" cy="6858000"/>
   <p:notesSz cx="6858000" cy="9144000"/>
@@ -132,15 +135,18 @@
             <p14:sldId id="389"/>
             <p14:sldId id="383"/>
             <p14:sldId id="384"/>
+            <p14:sldId id="390"/>
             <p14:sldId id="385"/>
             <p14:sldId id="386"/>
+            <p14:sldId id="391"/>
+            <p14:sldId id="392"/>
             <p14:sldId id="286"/>
           </p14:sldIdLst>
         </p14:section>
       </p14:sectionLst>
     </p:ext>
     <p:ext uri="{EFAFB233-063F-42B5-8137-9DF3F51BA10A}">
-      <p15:sldGuideLst xmlns="" xmlns:p15="http://schemas.microsoft.com/office/powerpoint/2012/main">
+      <p15:sldGuideLst xmlns:p15="http://schemas.microsoft.com/office/powerpoint/2012/main" xmlns="">
         <p15:guide id="1" orient="horz" pos="2160">
           <p15:clr>
             <a:srgbClr val="A4A3A4"/>
@@ -239,7 +245,7 @@
           <a:p>
             <a:fld id="{1BA5755D-7932-44A5-A2C7-C8A2CBF288E8}" type="datetimeFigureOut">
               <a:rPr lang="zh-TW" altLang="en-US" smtClean="0"/>
-              <a:t>2020/2/6</a:t>
+              <a:t>2020/2/12</a:t>
             </a:fld>
             <a:endParaRPr lang="zh-TW" altLang="en-US"/>
           </a:p>
@@ -1417,7 +1423,7 @@
           <a:p>
             <a:fld id="{EEBFCD98-6B9E-4D19-9C43-11FCDEF19DFC}" type="slidenum">
               <a:rPr lang="zh-TW" altLang="en-US" smtClean="0"/>
-              <a:t>12</a:t>
+              <a:t>15</a:t>
             </a:fld>
             <a:endParaRPr lang="zh-TW" altLang="en-US"/>
           </a:p>
@@ -1458,7 +1464,7 @@
           <p:cNvPr id="2" name="標題 1">
             <a:extLst>
               <a:ext uri="{FF2B5EF4-FFF2-40B4-BE49-F238E27FC236}">
-                <a16:creationId xmlns:a16="http://schemas.microsoft.com/office/drawing/2014/main" xmlns="" id="{6A1C7254-695B-1F42-AC59-34E8D858E936}"/>
+                <a16:creationId xmlns="" xmlns:a16="http://schemas.microsoft.com/office/drawing/2014/main" id="{6A1C7254-695B-1F42-AC59-34E8D858E936}"/>
               </a:ext>
             </a:extLst>
           </p:cNvPr>
@@ -1501,7 +1507,7 @@
           <p:cNvPr id="3" name="文字版面配置區 2">
             <a:extLst>
               <a:ext uri="{FF2B5EF4-FFF2-40B4-BE49-F238E27FC236}">
-                <a16:creationId xmlns:a16="http://schemas.microsoft.com/office/drawing/2014/main" xmlns="" id="{1D19DA3B-2013-E14B-A941-CC519B76AD6F}"/>
+                <a16:creationId xmlns="" xmlns:a16="http://schemas.microsoft.com/office/drawing/2014/main" id="{1D19DA3B-2013-E14B-A941-CC519B76AD6F}"/>
               </a:ext>
             </a:extLst>
           </p:cNvPr>
@@ -1626,7 +1632,7 @@
           <p:cNvPr id="4" name="日期版面配置區 3">
             <a:extLst>
               <a:ext uri="{FF2B5EF4-FFF2-40B4-BE49-F238E27FC236}">
-                <a16:creationId xmlns:a16="http://schemas.microsoft.com/office/drawing/2014/main" xmlns="" id="{BC7211D9-290C-574E-B682-764110BB9BAF}"/>
+                <a16:creationId xmlns="" xmlns:a16="http://schemas.microsoft.com/office/drawing/2014/main" id="{BC7211D9-290C-574E-B682-764110BB9BAF}"/>
               </a:ext>
             </a:extLst>
           </p:cNvPr>
@@ -1644,7 +1650,7 @@
           <a:p>
             <a:fld id="{75F8934F-7F83-1046-9341-02CE27D9104D}" type="datetimeFigureOut">
               <a:rPr kumimoji="1" lang="zh-TW" altLang="en-US" smtClean="0"/>
-              <a:t>2020/2/6</a:t>
+              <a:t>2020/2/12</a:t>
             </a:fld>
             <a:endParaRPr kumimoji="1" lang="zh-TW" altLang="en-US" dirty="0"/>
           </a:p>
@@ -1655,7 +1661,7 @@
           <p:cNvPr id="5" name="頁尾版面配置區 4">
             <a:extLst>
               <a:ext uri="{FF2B5EF4-FFF2-40B4-BE49-F238E27FC236}">
-                <a16:creationId xmlns:a16="http://schemas.microsoft.com/office/drawing/2014/main" xmlns="" id="{D4D4BDD1-0BFA-0645-8197-068191AAF54C}"/>
+                <a16:creationId xmlns="" xmlns:a16="http://schemas.microsoft.com/office/drawing/2014/main" id="{D4D4BDD1-0BFA-0645-8197-068191AAF54C}"/>
               </a:ext>
             </a:extLst>
           </p:cNvPr>
@@ -1680,7 +1686,7 @@
           <p:cNvPr id="6" name="投影片編號版面配置區 5">
             <a:extLst>
               <a:ext uri="{FF2B5EF4-FFF2-40B4-BE49-F238E27FC236}">
-                <a16:creationId xmlns:a16="http://schemas.microsoft.com/office/drawing/2014/main" xmlns="" id="{F592E68C-AEE0-D84B-8844-7CF5E83647F7}"/>
+                <a16:creationId xmlns="" xmlns:a16="http://schemas.microsoft.com/office/drawing/2014/main" id="{F592E68C-AEE0-D84B-8844-7CF5E83647F7}"/>
               </a:ext>
             </a:extLst>
           </p:cNvPr>
@@ -1709,7 +1715,7 @@
           <p:cNvPr id="7" name="圖片 6">
             <a:extLst>
               <a:ext uri="{FF2B5EF4-FFF2-40B4-BE49-F238E27FC236}">
-                <a16:creationId xmlns:a16="http://schemas.microsoft.com/office/drawing/2014/main" xmlns="" id="{CFC0D688-7C0C-F240-82D7-136060E3079C}"/>
+                <a16:creationId xmlns="" xmlns:a16="http://schemas.microsoft.com/office/drawing/2014/main" id="{CFC0D688-7C0C-F240-82D7-136060E3079C}"/>
               </a:ext>
             </a:extLst>
           </p:cNvPr>
@@ -1877,7 +1883,7 @@
           <a:p>
             <a:fld id="{75F8934F-7F83-1046-9341-02CE27D9104D}" type="datetimeFigureOut">
               <a:rPr kumimoji="1" lang="zh-TW" altLang="en-US" smtClean="0"/>
-              <a:t>2020/2/6</a:t>
+              <a:t>2020/2/12</a:t>
             </a:fld>
             <a:endParaRPr kumimoji="1" lang="zh-TW" altLang="en-US"/>
           </a:p>
@@ -1999,7 +2005,7 @@
           <p:cNvPr id="10" name="圖片 9">
             <a:extLst>
               <a:ext uri="{FF2B5EF4-FFF2-40B4-BE49-F238E27FC236}">
-                <a16:creationId xmlns:a16="http://schemas.microsoft.com/office/drawing/2014/main" xmlns="" id="{5E0EAD78-AEC6-AB45-A710-DD47E43CBB16}"/>
+                <a16:creationId xmlns="" xmlns:a16="http://schemas.microsoft.com/office/drawing/2014/main" id="{5E0EAD78-AEC6-AB45-A710-DD47E43CBB16}"/>
               </a:ext>
             </a:extLst>
           </p:cNvPr>
@@ -2118,7 +2124,7 @@
           <a:p>
             <a:fld id="{75F8934F-7F83-1046-9341-02CE27D9104D}" type="datetimeFigureOut">
               <a:rPr kumimoji="1" lang="zh-TW" altLang="en-US" smtClean="0"/>
-              <a:t>2020/2/6</a:t>
+              <a:t>2020/2/12</a:t>
             </a:fld>
             <a:endParaRPr kumimoji="1" lang="zh-TW" altLang="en-US"/>
           </a:p>
@@ -2542,7 +2548,7 @@
           <p:cNvPr id="17" name="內容版面配置區 2">
             <a:extLst>
               <a:ext uri="{FF2B5EF4-FFF2-40B4-BE49-F238E27FC236}">
-                <a16:creationId xmlns:a16="http://schemas.microsoft.com/office/drawing/2014/main" xmlns="" id="{DB7FC4C6-C26F-214E-B2D6-C9ED5E2BD195}"/>
+                <a16:creationId xmlns="" xmlns:a16="http://schemas.microsoft.com/office/drawing/2014/main" id="{DB7FC4C6-C26F-214E-B2D6-C9ED5E2BD195}"/>
               </a:ext>
             </a:extLst>
           </p:cNvPr>
@@ -2634,7 +2640,7 @@
           <p:cNvPr id="18" name="內容版面配置區 2">
             <a:extLst>
               <a:ext uri="{FF2B5EF4-FFF2-40B4-BE49-F238E27FC236}">
-                <a16:creationId xmlns:a16="http://schemas.microsoft.com/office/drawing/2014/main" xmlns="" id="{DB7FC4C6-C26F-214E-B2D6-C9ED5E2BD195}"/>
+                <a16:creationId xmlns="" xmlns:a16="http://schemas.microsoft.com/office/drawing/2014/main" id="{DB7FC4C6-C26F-214E-B2D6-C9ED5E2BD195}"/>
               </a:ext>
             </a:extLst>
           </p:cNvPr>
@@ -2726,7 +2732,7 @@
           <p:cNvPr id="19" name="內容版面配置區 2">
             <a:extLst>
               <a:ext uri="{FF2B5EF4-FFF2-40B4-BE49-F238E27FC236}">
-                <a16:creationId xmlns:a16="http://schemas.microsoft.com/office/drawing/2014/main" xmlns="" id="{DB7FC4C6-C26F-214E-B2D6-C9ED5E2BD195}"/>
+                <a16:creationId xmlns="" xmlns:a16="http://schemas.microsoft.com/office/drawing/2014/main" id="{DB7FC4C6-C26F-214E-B2D6-C9ED5E2BD195}"/>
               </a:ext>
             </a:extLst>
           </p:cNvPr>
@@ -2818,7 +2824,7 @@
           <p:cNvPr id="20" name="內容版面配置區 2">
             <a:extLst>
               <a:ext uri="{FF2B5EF4-FFF2-40B4-BE49-F238E27FC236}">
-                <a16:creationId xmlns:a16="http://schemas.microsoft.com/office/drawing/2014/main" xmlns="" id="{DB7FC4C6-C26F-214E-B2D6-C9ED5E2BD195}"/>
+                <a16:creationId xmlns="" xmlns:a16="http://schemas.microsoft.com/office/drawing/2014/main" id="{DB7FC4C6-C26F-214E-B2D6-C9ED5E2BD195}"/>
               </a:ext>
             </a:extLst>
           </p:cNvPr>
@@ -2910,7 +2916,7 @@
           <p:cNvPr id="21" name="內容版面配置區 2">
             <a:extLst>
               <a:ext uri="{FF2B5EF4-FFF2-40B4-BE49-F238E27FC236}">
-                <a16:creationId xmlns:a16="http://schemas.microsoft.com/office/drawing/2014/main" xmlns="" id="{DB7FC4C6-C26F-214E-B2D6-C9ED5E2BD195}"/>
+                <a16:creationId xmlns="" xmlns:a16="http://schemas.microsoft.com/office/drawing/2014/main" id="{DB7FC4C6-C26F-214E-B2D6-C9ED5E2BD195}"/>
               </a:ext>
             </a:extLst>
           </p:cNvPr>
@@ -3002,7 +3008,7 @@
           <p:cNvPr id="22" name="內容版面配置區 2">
             <a:extLst>
               <a:ext uri="{FF2B5EF4-FFF2-40B4-BE49-F238E27FC236}">
-                <a16:creationId xmlns:a16="http://schemas.microsoft.com/office/drawing/2014/main" xmlns="" id="{DB7FC4C6-C26F-214E-B2D6-C9ED5E2BD195}"/>
+                <a16:creationId xmlns="" xmlns:a16="http://schemas.microsoft.com/office/drawing/2014/main" id="{DB7FC4C6-C26F-214E-B2D6-C9ED5E2BD195}"/>
               </a:ext>
             </a:extLst>
           </p:cNvPr>
@@ -3217,7 +3223,7 @@
           <a:p>
             <a:fld id="{75F8934F-7F83-1046-9341-02CE27D9104D}" type="datetimeFigureOut">
               <a:rPr kumimoji="1" lang="zh-TW" altLang="en-US" smtClean="0"/>
-              <a:t>2020/2/6</a:t>
+              <a:t>2020/2/12</a:t>
             </a:fld>
             <a:endParaRPr kumimoji="1" lang="zh-TW" altLang="en-US"/>
           </a:p>
@@ -3606,7 +3612,7 @@
           <p:cNvPr id="13" name="內容版面配置區 2">
             <a:extLst>
               <a:ext uri="{FF2B5EF4-FFF2-40B4-BE49-F238E27FC236}">
-                <a16:creationId xmlns:a16="http://schemas.microsoft.com/office/drawing/2014/main" xmlns="" id="{DB7FC4C6-C26F-214E-B2D6-C9ED5E2BD195}"/>
+                <a16:creationId xmlns="" xmlns:a16="http://schemas.microsoft.com/office/drawing/2014/main" id="{DB7FC4C6-C26F-214E-B2D6-C9ED5E2BD195}"/>
               </a:ext>
             </a:extLst>
           </p:cNvPr>
@@ -3698,7 +3704,7 @@
           <p:cNvPr id="15" name="內容版面配置區 2">
             <a:extLst>
               <a:ext uri="{FF2B5EF4-FFF2-40B4-BE49-F238E27FC236}">
-                <a16:creationId xmlns:a16="http://schemas.microsoft.com/office/drawing/2014/main" xmlns="" id="{DB7FC4C6-C26F-214E-B2D6-C9ED5E2BD195}"/>
+                <a16:creationId xmlns="" xmlns:a16="http://schemas.microsoft.com/office/drawing/2014/main" id="{DB7FC4C6-C26F-214E-B2D6-C9ED5E2BD195}"/>
               </a:ext>
             </a:extLst>
           </p:cNvPr>
@@ -3790,7 +3796,7 @@
           <p:cNvPr id="16" name="內容版面配置區 2">
             <a:extLst>
               <a:ext uri="{FF2B5EF4-FFF2-40B4-BE49-F238E27FC236}">
-                <a16:creationId xmlns:a16="http://schemas.microsoft.com/office/drawing/2014/main" xmlns="" id="{DB7FC4C6-C26F-214E-B2D6-C9ED5E2BD195}"/>
+                <a16:creationId xmlns="" xmlns:a16="http://schemas.microsoft.com/office/drawing/2014/main" id="{DB7FC4C6-C26F-214E-B2D6-C9ED5E2BD195}"/>
               </a:ext>
             </a:extLst>
           </p:cNvPr>
@@ -3882,7 +3888,7 @@
           <p:cNvPr id="17" name="內容版面配置區 2">
             <a:extLst>
               <a:ext uri="{FF2B5EF4-FFF2-40B4-BE49-F238E27FC236}">
-                <a16:creationId xmlns:a16="http://schemas.microsoft.com/office/drawing/2014/main" xmlns="" id="{DB7FC4C6-C26F-214E-B2D6-C9ED5E2BD195}"/>
+                <a16:creationId xmlns="" xmlns:a16="http://schemas.microsoft.com/office/drawing/2014/main" id="{DB7FC4C6-C26F-214E-B2D6-C9ED5E2BD195}"/>
               </a:ext>
             </a:extLst>
           </p:cNvPr>
@@ -3974,7 +3980,7 @@
           <p:cNvPr id="18" name="內容版面配置區 2">
             <a:extLst>
               <a:ext uri="{FF2B5EF4-FFF2-40B4-BE49-F238E27FC236}">
-                <a16:creationId xmlns:a16="http://schemas.microsoft.com/office/drawing/2014/main" xmlns="" id="{DB7FC4C6-C26F-214E-B2D6-C9ED5E2BD195}"/>
+                <a16:creationId xmlns="" xmlns:a16="http://schemas.microsoft.com/office/drawing/2014/main" id="{DB7FC4C6-C26F-214E-B2D6-C9ED5E2BD195}"/>
               </a:ext>
             </a:extLst>
           </p:cNvPr>
@@ -4066,7 +4072,7 @@
           <p:cNvPr id="19" name="內容版面配置區 2">
             <a:extLst>
               <a:ext uri="{FF2B5EF4-FFF2-40B4-BE49-F238E27FC236}">
-                <a16:creationId xmlns:a16="http://schemas.microsoft.com/office/drawing/2014/main" xmlns="" id="{DB7FC4C6-C26F-214E-B2D6-C9ED5E2BD195}"/>
+                <a16:creationId xmlns="" xmlns:a16="http://schemas.microsoft.com/office/drawing/2014/main" id="{DB7FC4C6-C26F-214E-B2D6-C9ED5E2BD195}"/>
               </a:ext>
             </a:extLst>
           </p:cNvPr>
@@ -4188,7 +4194,7 @@
           <p:cNvPr id="2" name="標題 1">
             <a:extLst>
               <a:ext uri="{FF2B5EF4-FFF2-40B4-BE49-F238E27FC236}">
-                <a16:creationId xmlns:a16="http://schemas.microsoft.com/office/drawing/2014/main" xmlns="" id="{AA60FC08-DB42-1443-B1D9-594B0DFFD819}"/>
+                <a16:creationId xmlns="" xmlns:a16="http://schemas.microsoft.com/office/drawing/2014/main" id="{AA60FC08-DB42-1443-B1D9-594B0DFFD819}"/>
               </a:ext>
             </a:extLst>
           </p:cNvPr>
@@ -4233,7 +4239,7 @@
           <p:cNvPr id="3" name="內容版面配置區 2">
             <a:extLst>
               <a:ext uri="{FF2B5EF4-FFF2-40B4-BE49-F238E27FC236}">
-                <a16:creationId xmlns:a16="http://schemas.microsoft.com/office/drawing/2014/main" xmlns="" id="{71BB2DE9-F9EC-0747-8110-57B6F42C6240}"/>
+                <a16:creationId xmlns="" xmlns:a16="http://schemas.microsoft.com/office/drawing/2014/main" id="{71BB2DE9-F9EC-0747-8110-57B6F42C6240}"/>
               </a:ext>
             </a:extLst>
           </p:cNvPr>
@@ -4341,7 +4347,7 @@
           <p:cNvPr id="4" name="日期版面配置區 3">
             <a:extLst>
               <a:ext uri="{FF2B5EF4-FFF2-40B4-BE49-F238E27FC236}">
-                <a16:creationId xmlns:a16="http://schemas.microsoft.com/office/drawing/2014/main" xmlns="" id="{6BA98535-4AD5-2846-9F28-9D341D2CBD82}"/>
+                <a16:creationId xmlns="" xmlns:a16="http://schemas.microsoft.com/office/drawing/2014/main" id="{6BA98535-4AD5-2846-9F28-9D341D2CBD82}"/>
               </a:ext>
             </a:extLst>
           </p:cNvPr>
@@ -4359,7 +4365,7 @@
           <a:p>
             <a:fld id="{75F8934F-7F83-1046-9341-02CE27D9104D}" type="datetimeFigureOut">
               <a:rPr kumimoji="1" lang="zh-TW" altLang="en-US" smtClean="0"/>
-              <a:t>2020/2/6</a:t>
+              <a:t>2020/2/12</a:t>
             </a:fld>
             <a:endParaRPr kumimoji="1" lang="zh-TW" altLang="en-US"/>
           </a:p>
@@ -4370,7 +4376,7 @@
           <p:cNvPr id="5" name="頁尾版面配置區 4">
             <a:extLst>
               <a:ext uri="{FF2B5EF4-FFF2-40B4-BE49-F238E27FC236}">
-                <a16:creationId xmlns:a16="http://schemas.microsoft.com/office/drawing/2014/main" xmlns="" id="{E4EAEED7-0802-7145-8C6C-66F66C8C1782}"/>
+                <a16:creationId xmlns="" xmlns:a16="http://schemas.microsoft.com/office/drawing/2014/main" id="{E4EAEED7-0802-7145-8C6C-66F66C8C1782}"/>
               </a:ext>
             </a:extLst>
           </p:cNvPr>
@@ -4395,7 +4401,7 @@
           <p:cNvPr id="6" name="投影片編號版面配置區 5">
             <a:extLst>
               <a:ext uri="{FF2B5EF4-FFF2-40B4-BE49-F238E27FC236}">
-                <a16:creationId xmlns:a16="http://schemas.microsoft.com/office/drawing/2014/main" xmlns="" id="{7D332B7E-1F76-A041-B6C6-AB635087BAB3}"/>
+                <a16:creationId xmlns="" xmlns:a16="http://schemas.microsoft.com/office/drawing/2014/main" id="{7D332B7E-1F76-A041-B6C6-AB635087BAB3}"/>
               </a:ext>
             </a:extLst>
           </p:cNvPr>
@@ -4424,7 +4430,7 @@
           <p:cNvPr id="7" name="矩形 6">
             <a:extLst>
               <a:ext uri="{FF2B5EF4-FFF2-40B4-BE49-F238E27FC236}">
-                <a16:creationId xmlns:a16="http://schemas.microsoft.com/office/drawing/2014/main" xmlns="" id="{C21960D3-0AC5-EE41-A19C-696161A1572E}"/>
+                <a16:creationId xmlns="" xmlns:a16="http://schemas.microsoft.com/office/drawing/2014/main" id="{C21960D3-0AC5-EE41-A19C-696161A1572E}"/>
               </a:ext>
             </a:extLst>
           </p:cNvPr>
@@ -4480,7 +4486,7 @@
           <p:cNvPr id="8" name="圖片 7">
             <a:extLst>
               <a:ext uri="{FF2B5EF4-FFF2-40B4-BE49-F238E27FC236}">
-                <a16:creationId xmlns:a16="http://schemas.microsoft.com/office/drawing/2014/main" xmlns="" id="{5E0EAD78-AEC6-AB45-A710-DD47E43CBB16}"/>
+                <a16:creationId xmlns="" xmlns:a16="http://schemas.microsoft.com/office/drawing/2014/main" id="{5E0EAD78-AEC6-AB45-A710-DD47E43CBB16}"/>
               </a:ext>
             </a:extLst>
           </p:cNvPr>
@@ -4516,7 +4522,7 @@
           <p:cNvPr id="9" name="矩形 8">
             <a:extLst>
               <a:ext uri="{FF2B5EF4-FFF2-40B4-BE49-F238E27FC236}">
-                <a16:creationId xmlns:a16="http://schemas.microsoft.com/office/drawing/2014/main" xmlns="" id="{387A2BAD-7558-A944-B806-7AEF1C4243D0}"/>
+                <a16:creationId xmlns="" xmlns:a16="http://schemas.microsoft.com/office/drawing/2014/main" id="{387A2BAD-7558-A944-B806-7AEF1C4243D0}"/>
               </a:ext>
             </a:extLst>
           </p:cNvPr>
@@ -4598,7 +4604,7 @@
           <p:cNvPr id="2" name="標題 1">
             <a:extLst>
               <a:ext uri="{FF2B5EF4-FFF2-40B4-BE49-F238E27FC236}">
-                <a16:creationId xmlns:a16="http://schemas.microsoft.com/office/drawing/2014/main" xmlns="" id="{AA60FC08-DB42-1443-B1D9-594B0DFFD819}"/>
+                <a16:creationId xmlns="" xmlns:a16="http://schemas.microsoft.com/office/drawing/2014/main" id="{AA60FC08-DB42-1443-B1D9-594B0DFFD819}"/>
               </a:ext>
             </a:extLst>
           </p:cNvPr>
@@ -4643,7 +4649,7 @@
           <p:cNvPr id="3" name="內容版面配置區 2">
             <a:extLst>
               <a:ext uri="{FF2B5EF4-FFF2-40B4-BE49-F238E27FC236}">
-                <a16:creationId xmlns:a16="http://schemas.microsoft.com/office/drawing/2014/main" xmlns="" id="{71BB2DE9-F9EC-0747-8110-57B6F42C6240}"/>
+                <a16:creationId xmlns="" xmlns:a16="http://schemas.microsoft.com/office/drawing/2014/main" id="{71BB2DE9-F9EC-0747-8110-57B6F42C6240}"/>
               </a:ext>
             </a:extLst>
           </p:cNvPr>
@@ -4754,7 +4760,7 @@
           <p:cNvPr id="4" name="日期版面配置區 3">
             <a:extLst>
               <a:ext uri="{FF2B5EF4-FFF2-40B4-BE49-F238E27FC236}">
-                <a16:creationId xmlns:a16="http://schemas.microsoft.com/office/drawing/2014/main" xmlns="" id="{6BA98535-4AD5-2846-9F28-9D341D2CBD82}"/>
+                <a16:creationId xmlns="" xmlns:a16="http://schemas.microsoft.com/office/drawing/2014/main" id="{6BA98535-4AD5-2846-9F28-9D341D2CBD82}"/>
               </a:ext>
             </a:extLst>
           </p:cNvPr>
@@ -4772,7 +4778,7 @@
           <a:p>
             <a:fld id="{75F8934F-7F83-1046-9341-02CE27D9104D}" type="datetimeFigureOut">
               <a:rPr kumimoji="1" lang="zh-TW" altLang="en-US" smtClean="0"/>
-              <a:t>2020/2/6</a:t>
+              <a:t>2020/2/12</a:t>
             </a:fld>
             <a:endParaRPr kumimoji="1" lang="zh-TW" altLang="en-US"/>
           </a:p>
@@ -4783,7 +4789,7 @@
           <p:cNvPr id="5" name="頁尾版面配置區 4">
             <a:extLst>
               <a:ext uri="{FF2B5EF4-FFF2-40B4-BE49-F238E27FC236}">
-                <a16:creationId xmlns:a16="http://schemas.microsoft.com/office/drawing/2014/main" xmlns="" id="{E4EAEED7-0802-7145-8C6C-66F66C8C1782}"/>
+                <a16:creationId xmlns="" xmlns:a16="http://schemas.microsoft.com/office/drawing/2014/main" id="{E4EAEED7-0802-7145-8C6C-66F66C8C1782}"/>
               </a:ext>
             </a:extLst>
           </p:cNvPr>
@@ -4808,7 +4814,7 @@
           <p:cNvPr id="6" name="投影片編號版面配置區 5">
             <a:extLst>
               <a:ext uri="{FF2B5EF4-FFF2-40B4-BE49-F238E27FC236}">
-                <a16:creationId xmlns:a16="http://schemas.microsoft.com/office/drawing/2014/main" xmlns="" id="{7D332B7E-1F76-A041-B6C6-AB635087BAB3}"/>
+                <a16:creationId xmlns="" xmlns:a16="http://schemas.microsoft.com/office/drawing/2014/main" id="{7D332B7E-1F76-A041-B6C6-AB635087BAB3}"/>
               </a:ext>
             </a:extLst>
           </p:cNvPr>
@@ -4837,7 +4843,7 @@
           <p:cNvPr id="7" name="矩形 6">
             <a:extLst>
               <a:ext uri="{FF2B5EF4-FFF2-40B4-BE49-F238E27FC236}">
-                <a16:creationId xmlns:a16="http://schemas.microsoft.com/office/drawing/2014/main" xmlns="" id="{C21960D3-0AC5-EE41-A19C-696161A1572E}"/>
+                <a16:creationId xmlns="" xmlns:a16="http://schemas.microsoft.com/office/drawing/2014/main" id="{C21960D3-0AC5-EE41-A19C-696161A1572E}"/>
               </a:ext>
             </a:extLst>
           </p:cNvPr>
@@ -4893,7 +4899,7 @@
           <p:cNvPr id="8" name="圖片 7">
             <a:extLst>
               <a:ext uri="{FF2B5EF4-FFF2-40B4-BE49-F238E27FC236}">
-                <a16:creationId xmlns:a16="http://schemas.microsoft.com/office/drawing/2014/main" xmlns="" id="{5E0EAD78-AEC6-AB45-A710-DD47E43CBB16}"/>
+                <a16:creationId xmlns="" xmlns:a16="http://schemas.microsoft.com/office/drawing/2014/main" id="{5E0EAD78-AEC6-AB45-A710-DD47E43CBB16}"/>
               </a:ext>
             </a:extLst>
           </p:cNvPr>
@@ -4929,7 +4935,7 @@
           <p:cNvPr id="9" name="矩形 8">
             <a:extLst>
               <a:ext uri="{FF2B5EF4-FFF2-40B4-BE49-F238E27FC236}">
-                <a16:creationId xmlns:a16="http://schemas.microsoft.com/office/drawing/2014/main" xmlns="" id="{387A2BAD-7558-A944-B806-7AEF1C4243D0}"/>
+                <a16:creationId xmlns="" xmlns:a16="http://schemas.microsoft.com/office/drawing/2014/main" id="{387A2BAD-7558-A944-B806-7AEF1C4243D0}"/>
               </a:ext>
             </a:extLst>
           </p:cNvPr>
@@ -5011,7 +5017,7 @@
           <p:cNvPr id="2" name="標題 1">
             <a:extLst>
               <a:ext uri="{FF2B5EF4-FFF2-40B4-BE49-F238E27FC236}">
-                <a16:creationId xmlns:a16="http://schemas.microsoft.com/office/drawing/2014/main" xmlns="" id="{AA60FC08-DB42-1443-B1D9-594B0DFFD819}"/>
+                <a16:creationId xmlns="" xmlns:a16="http://schemas.microsoft.com/office/drawing/2014/main" id="{AA60FC08-DB42-1443-B1D9-594B0DFFD819}"/>
               </a:ext>
             </a:extLst>
           </p:cNvPr>
@@ -5056,7 +5062,7 @@
           <p:cNvPr id="3" name="內容版面配置區 2">
             <a:extLst>
               <a:ext uri="{FF2B5EF4-FFF2-40B4-BE49-F238E27FC236}">
-                <a16:creationId xmlns:a16="http://schemas.microsoft.com/office/drawing/2014/main" xmlns="" id="{71BB2DE9-F9EC-0747-8110-57B6F42C6240}"/>
+                <a16:creationId xmlns="" xmlns:a16="http://schemas.microsoft.com/office/drawing/2014/main" id="{71BB2DE9-F9EC-0747-8110-57B6F42C6240}"/>
               </a:ext>
             </a:extLst>
           </p:cNvPr>
@@ -5155,7 +5161,7 @@
           <p:cNvPr id="4" name="日期版面配置區 3">
             <a:extLst>
               <a:ext uri="{FF2B5EF4-FFF2-40B4-BE49-F238E27FC236}">
-                <a16:creationId xmlns:a16="http://schemas.microsoft.com/office/drawing/2014/main" xmlns="" id="{6BA98535-4AD5-2846-9F28-9D341D2CBD82}"/>
+                <a16:creationId xmlns="" xmlns:a16="http://schemas.microsoft.com/office/drawing/2014/main" id="{6BA98535-4AD5-2846-9F28-9D341D2CBD82}"/>
               </a:ext>
             </a:extLst>
           </p:cNvPr>
@@ -5173,7 +5179,7 @@
           <a:p>
             <a:fld id="{75F8934F-7F83-1046-9341-02CE27D9104D}" type="datetimeFigureOut">
               <a:rPr kumimoji="1" lang="zh-TW" altLang="en-US" smtClean="0"/>
-              <a:t>2020/2/6</a:t>
+              <a:t>2020/2/12</a:t>
             </a:fld>
             <a:endParaRPr kumimoji="1" lang="zh-TW" altLang="en-US"/>
           </a:p>
@@ -5184,7 +5190,7 @@
           <p:cNvPr id="5" name="頁尾版面配置區 4">
             <a:extLst>
               <a:ext uri="{FF2B5EF4-FFF2-40B4-BE49-F238E27FC236}">
-                <a16:creationId xmlns:a16="http://schemas.microsoft.com/office/drawing/2014/main" xmlns="" id="{E4EAEED7-0802-7145-8C6C-66F66C8C1782}"/>
+                <a16:creationId xmlns="" xmlns:a16="http://schemas.microsoft.com/office/drawing/2014/main" id="{E4EAEED7-0802-7145-8C6C-66F66C8C1782}"/>
               </a:ext>
             </a:extLst>
           </p:cNvPr>
@@ -5209,7 +5215,7 @@
           <p:cNvPr id="6" name="投影片編號版面配置區 5">
             <a:extLst>
               <a:ext uri="{FF2B5EF4-FFF2-40B4-BE49-F238E27FC236}">
-                <a16:creationId xmlns:a16="http://schemas.microsoft.com/office/drawing/2014/main" xmlns="" id="{7D332B7E-1F76-A041-B6C6-AB635087BAB3}"/>
+                <a16:creationId xmlns="" xmlns:a16="http://schemas.microsoft.com/office/drawing/2014/main" id="{7D332B7E-1F76-A041-B6C6-AB635087BAB3}"/>
               </a:ext>
             </a:extLst>
           </p:cNvPr>
@@ -5238,7 +5244,7 @@
           <p:cNvPr id="7" name="矩形 6">
             <a:extLst>
               <a:ext uri="{FF2B5EF4-FFF2-40B4-BE49-F238E27FC236}">
-                <a16:creationId xmlns:a16="http://schemas.microsoft.com/office/drawing/2014/main" xmlns="" id="{C21960D3-0AC5-EE41-A19C-696161A1572E}"/>
+                <a16:creationId xmlns="" xmlns:a16="http://schemas.microsoft.com/office/drawing/2014/main" id="{C21960D3-0AC5-EE41-A19C-696161A1572E}"/>
               </a:ext>
             </a:extLst>
           </p:cNvPr>
@@ -5294,7 +5300,7 @@
           <p:cNvPr id="8" name="圖片 7">
             <a:extLst>
               <a:ext uri="{FF2B5EF4-FFF2-40B4-BE49-F238E27FC236}">
-                <a16:creationId xmlns:a16="http://schemas.microsoft.com/office/drawing/2014/main" xmlns="" id="{5E0EAD78-AEC6-AB45-A710-DD47E43CBB16}"/>
+                <a16:creationId xmlns="" xmlns:a16="http://schemas.microsoft.com/office/drawing/2014/main" id="{5E0EAD78-AEC6-AB45-A710-DD47E43CBB16}"/>
               </a:ext>
             </a:extLst>
           </p:cNvPr>
@@ -5330,7 +5336,7 @@
           <p:cNvPr id="9" name="矩形 8">
             <a:extLst>
               <a:ext uri="{FF2B5EF4-FFF2-40B4-BE49-F238E27FC236}">
-                <a16:creationId xmlns:a16="http://schemas.microsoft.com/office/drawing/2014/main" xmlns="" id="{387A2BAD-7558-A944-B806-7AEF1C4243D0}"/>
+                <a16:creationId xmlns="" xmlns:a16="http://schemas.microsoft.com/office/drawing/2014/main" id="{387A2BAD-7558-A944-B806-7AEF1C4243D0}"/>
               </a:ext>
             </a:extLst>
           </p:cNvPr>
@@ -5412,7 +5418,7 @@
           <p:cNvPr id="2" name="標題 1">
             <a:extLst>
               <a:ext uri="{FF2B5EF4-FFF2-40B4-BE49-F238E27FC236}">
-                <a16:creationId xmlns:a16="http://schemas.microsoft.com/office/drawing/2014/main" xmlns="" id="{AA60FC08-DB42-1443-B1D9-594B0DFFD819}"/>
+                <a16:creationId xmlns="" xmlns:a16="http://schemas.microsoft.com/office/drawing/2014/main" id="{AA60FC08-DB42-1443-B1D9-594B0DFFD819}"/>
               </a:ext>
             </a:extLst>
           </p:cNvPr>
@@ -5457,7 +5463,7 @@
           <p:cNvPr id="3" name="內容版面配置區 2">
             <a:extLst>
               <a:ext uri="{FF2B5EF4-FFF2-40B4-BE49-F238E27FC236}">
-                <a16:creationId xmlns:a16="http://schemas.microsoft.com/office/drawing/2014/main" xmlns="" id="{71BB2DE9-F9EC-0747-8110-57B6F42C6240}"/>
+                <a16:creationId xmlns="" xmlns:a16="http://schemas.microsoft.com/office/drawing/2014/main" id="{71BB2DE9-F9EC-0747-8110-57B6F42C6240}"/>
               </a:ext>
             </a:extLst>
           </p:cNvPr>
@@ -5565,7 +5571,7 @@
           <p:cNvPr id="4" name="日期版面配置區 3">
             <a:extLst>
               <a:ext uri="{FF2B5EF4-FFF2-40B4-BE49-F238E27FC236}">
-                <a16:creationId xmlns:a16="http://schemas.microsoft.com/office/drawing/2014/main" xmlns="" id="{6BA98535-4AD5-2846-9F28-9D341D2CBD82}"/>
+                <a16:creationId xmlns="" xmlns:a16="http://schemas.microsoft.com/office/drawing/2014/main" id="{6BA98535-4AD5-2846-9F28-9D341D2CBD82}"/>
               </a:ext>
             </a:extLst>
           </p:cNvPr>
@@ -5583,7 +5589,7 @@
           <a:p>
             <a:fld id="{75F8934F-7F83-1046-9341-02CE27D9104D}" type="datetimeFigureOut">
               <a:rPr kumimoji="1" lang="zh-TW" altLang="en-US" smtClean="0"/>
-              <a:t>2020/2/6</a:t>
+              <a:t>2020/2/12</a:t>
             </a:fld>
             <a:endParaRPr kumimoji="1" lang="zh-TW" altLang="en-US"/>
           </a:p>
@@ -5594,7 +5600,7 @@
           <p:cNvPr id="5" name="頁尾版面配置區 4">
             <a:extLst>
               <a:ext uri="{FF2B5EF4-FFF2-40B4-BE49-F238E27FC236}">
-                <a16:creationId xmlns:a16="http://schemas.microsoft.com/office/drawing/2014/main" xmlns="" id="{E4EAEED7-0802-7145-8C6C-66F66C8C1782}"/>
+                <a16:creationId xmlns="" xmlns:a16="http://schemas.microsoft.com/office/drawing/2014/main" id="{E4EAEED7-0802-7145-8C6C-66F66C8C1782}"/>
               </a:ext>
             </a:extLst>
           </p:cNvPr>
@@ -5619,7 +5625,7 @@
           <p:cNvPr id="6" name="投影片編號版面配置區 5">
             <a:extLst>
               <a:ext uri="{FF2B5EF4-FFF2-40B4-BE49-F238E27FC236}">
-                <a16:creationId xmlns:a16="http://schemas.microsoft.com/office/drawing/2014/main" xmlns="" id="{7D332B7E-1F76-A041-B6C6-AB635087BAB3}"/>
+                <a16:creationId xmlns="" xmlns:a16="http://schemas.microsoft.com/office/drawing/2014/main" id="{7D332B7E-1F76-A041-B6C6-AB635087BAB3}"/>
               </a:ext>
             </a:extLst>
           </p:cNvPr>
@@ -5648,7 +5654,7 @@
           <p:cNvPr id="7" name="矩形 6">
             <a:extLst>
               <a:ext uri="{FF2B5EF4-FFF2-40B4-BE49-F238E27FC236}">
-                <a16:creationId xmlns:a16="http://schemas.microsoft.com/office/drawing/2014/main" xmlns="" id="{C21960D3-0AC5-EE41-A19C-696161A1572E}"/>
+                <a16:creationId xmlns="" xmlns:a16="http://schemas.microsoft.com/office/drawing/2014/main" id="{C21960D3-0AC5-EE41-A19C-696161A1572E}"/>
               </a:ext>
             </a:extLst>
           </p:cNvPr>
@@ -5704,7 +5710,7 @@
           <p:cNvPr id="8" name="圖片 7">
             <a:extLst>
               <a:ext uri="{FF2B5EF4-FFF2-40B4-BE49-F238E27FC236}">
-                <a16:creationId xmlns:a16="http://schemas.microsoft.com/office/drawing/2014/main" xmlns="" id="{5E0EAD78-AEC6-AB45-A710-DD47E43CBB16}"/>
+                <a16:creationId xmlns="" xmlns:a16="http://schemas.microsoft.com/office/drawing/2014/main" id="{5E0EAD78-AEC6-AB45-A710-DD47E43CBB16}"/>
               </a:ext>
             </a:extLst>
           </p:cNvPr>
@@ -5740,7 +5746,7 @@
           <p:cNvPr id="9" name="矩形 8">
             <a:extLst>
               <a:ext uri="{FF2B5EF4-FFF2-40B4-BE49-F238E27FC236}">
-                <a16:creationId xmlns:a16="http://schemas.microsoft.com/office/drawing/2014/main" xmlns="" id="{387A2BAD-7558-A944-B806-7AEF1C4243D0}"/>
+                <a16:creationId xmlns="" xmlns:a16="http://schemas.microsoft.com/office/drawing/2014/main" id="{387A2BAD-7558-A944-B806-7AEF1C4243D0}"/>
               </a:ext>
             </a:extLst>
           </p:cNvPr>
@@ -5792,7 +5798,7 @@
           <p:cNvPr id="10" name="內容版面配置區 2">
             <a:extLst>
               <a:ext uri="{FF2B5EF4-FFF2-40B4-BE49-F238E27FC236}">
-                <a16:creationId xmlns:a16="http://schemas.microsoft.com/office/drawing/2014/main" xmlns="" id="{71BB2DE9-F9EC-0747-8110-57B6F42C6240}"/>
+                <a16:creationId xmlns="" xmlns:a16="http://schemas.microsoft.com/office/drawing/2014/main" id="{71BB2DE9-F9EC-0747-8110-57B6F42C6240}"/>
               </a:ext>
             </a:extLst>
           </p:cNvPr>
@@ -5930,7 +5936,7 @@
           <p:cNvPr id="2" name="標題 1">
             <a:extLst>
               <a:ext uri="{FF2B5EF4-FFF2-40B4-BE49-F238E27FC236}">
-                <a16:creationId xmlns:a16="http://schemas.microsoft.com/office/drawing/2014/main" xmlns="" id="{AA60FC08-DB42-1443-B1D9-594B0DFFD819}"/>
+                <a16:creationId xmlns="" xmlns:a16="http://schemas.microsoft.com/office/drawing/2014/main" id="{AA60FC08-DB42-1443-B1D9-594B0DFFD819}"/>
               </a:ext>
             </a:extLst>
           </p:cNvPr>
@@ -5975,7 +5981,7 @@
           <p:cNvPr id="3" name="內容版面配置區 2">
             <a:extLst>
               <a:ext uri="{FF2B5EF4-FFF2-40B4-BE49-F238E27FC236}">
-                <a16:creationId xmlns:a16="http://schemas.microsoft.com/office/drawing/2014/main" xmlns="" id="{71BB2DE9-F9EC-0747-8110-57B6F42C6240}"/>
+                <a16:creationId xmlns="" xmlns:a16="http://schemas.microsoft.com/office/drawing/2014/main" id="{71BB2DE9-F9EC-0747-8110-57B6F42C6240}"/>
               </a:ext>
             </a:extLst>
           </p:cNvPr>
@@ -6086,7 +6092,7 @@
           <p:cNvPr id="4" name="日期版面配置區 3">
             <a:extLst>
               <a:ext uri="{FF2B5EF4-FFF2-40B4-BE49-F238E27FC236}">
-                <a16:creationId xmlns:a16="http://schemas.microsoft.com/office/drawing/2014/main" xmlns="" id="{6BA98535-4AD5-2846-9F28-9D341D2CBD82}"/>
+                <a16:creationId xmlns="" xmlns:a16="http://schemas.microsoft.com/office/drawing/2014/main" id="{6BA98535-4AD5-2846-9F28-9D341D2CBD82}"/>
               </a:ext>
             </a:extLst>
           </p:cNvPr>
@@ -6104,7 +6110,7 @@
           <a:p>
             <a:fld id="{75F8934F-7F83-1046-9341-02CE27D9104D}" type="datetimeFigureOut">
               <a:rPr kumimoji="1" lang="zh-TW" altLang="en-US" smtClean="0"/>
-              <a:t>2020/2/6</a:t>
+              <a:t>2020/2/12</a:t>
             </a:fld>
             <a:endParaRPr kumimoji="1" lang="zh-TW" altLang="en-US"/>
           </a:p>
@@ -6115,7 +6121,7 @@
           <p:cNvPr id="5" name="頁尾版面配置區 4">
             <a:extLst>
               <a:ext uri="{FF2B5EF4-FFF2-40B4-BE49-F238E27FC236}">
-                <a16:creationId xmlns:a16="http://schemas.microsoft.com/office/drawing/2014/main" xmlns="" id="{E4EAEED7-0802-7145-8C6C-66F66C8C1782}"/>
+                <a16:creationId xmlns="" xmlns:a16="http://schemas.microsoft.com/office/drawing/2014/main" id="{E4EAEED7-0802-7145-8C6C-66F66C8C1782}"/>
               </a:ext>
             </a:extLst>
           </p:cNvPr>
@@ -6140,7 +6146,7 @@
           <p:cNvPr id="6" name="投影片編號版面配置區 5">
             <a:extLst>
               <a:ext uri="{FF2B5EF4-FFF2-40B4-BE49-F238E27FC236}">
-                <a16:creationId xmlns:a16="http://schemas.microsoft.com/office/drawing/2014/main" xmlns="" id="{7D332B7E-1F76-A041-B6C6-AB635087BAB3}"/>
+                <a16:creationId xmlns="" xmlns:a16="http://schemas.microsoft.com/office/drawing/2014/main" id="{7D332B7E-1F76-A041-B6C6-AB635087BAB3}"/>
               </a:ext>
             </a:extLst>
           </p:cNvPr>
@@ -6169,7 +6175,7 @@
           <p:cNvPr id="7" name="矩形 6">
             <a:extLst>
               <a:ext uri="{FF2B5EF4-FFF2-40B4-BE49-F238E27FC236}">
-                <a16:creationId xmlns:a16="http://schemas.microsoft.com/office/drawing/2014/main" xmlns="" id="{C21960D3-0AC5-EE41-A19C-696161A1572E}"/>
+                <a16:creationId xmlns="" xmlns:a16="http://schemas.microsoft.com/office/drawing/2014/main" id="{C21960D3-0AC5-EE41-A19C-696161A1572E}"/>
               </a:ext>
             </a:extLst>
           </p:cNvPr>
@@ -6225,7 +6231,7 @@
           <p:cNvPr id="8" name="圖片 7">
             <a:extLst>
               <a:ext uri="{FF2B5EF4-FFF2-40B4-BE49-F238E27FC236}">
-                <a16:creationId xmlns:a16="http://schemas.microsoft.com/office/drawing/2014/main" xmlns="" id="{5E0EAD78-AEC6-AB45-A710-DD47E43CBB16}"/>
+                <a16:creationId xmlns="" xmlns:a16="http://schemas.microsoft.com/office/drawing/2014/main" id="{5E0EAD78-AEC6-AB45-A710-DD47E43CBB16}"/>
               </a:ext>
             </a:extLst>
           </p:cNvPr>
@@ -6261,7 +6267,7 @@
           <p:cNvPr id="9" name="矩形 8">
             <a:extLst>
               <a:ext uri="{FF2B5EF4-FFF2-40B4-BE49-F238E27FC236}">
-                <a16:creationId xmlns:a16="http://schemas.microsoft.com/office/drawing/2014/main" xmlns="" id="{387A2BAD-7558-A944-B806-7AEF1C4243D0}"/>
+                <a16:creationId xmlns="" xmlns:a16="http://schemas.microsoft.com/office/drawing/2014/main" id="{387A2BAD-7558-A944-B806-7AEF1C4243D0}"/>
               </a:ext>
             </a:extLst>
           </p:cNvPr>
@@ -6313,7 +6319,7 @@
           <p:cNvPr id="10" name="內容版面配置區 2">
             <a:extLst>
               <a:ext uri="{FF2B5EF4-FFF2-40B4-BE49-F238E27FC236}">
-                <a16:creationId xmlns:a16="http://schemas.microsoft.com/office/drawing/2014/main" xmlns="" id="{71BB2DE9-F9EC-0747-8110-57B6F42C6240}"/>
+                <a16:creationId xmlns="" xmlns:a16="http://schemas.microsoft.com/office/drawing/2014/main" id="{71BB2DE9-F9EC-0747-8110-57B6F42C6240}"/>
               </a:ext>
             </a:extLst>
           </p:cNvPr>
@@ -6454,7 +6460,7 @@
           <p:cNvPr id="2" name="標題 1">
             <a:extLst>
               <a:ext uri="{FF2B5EF4-FFF2-40B4-BE49-F238E27FC236}">
-                <a16:creationId xmlns:a16="http://schemas.microsoft.com/office/drawing/2014/main" xmlns="" id="{AA60FC08-DB42-1443-B1D9-594B0DFFD819}"/>
+                <a16:creationId xmlns="" xmlns:a16="http://schemas.microsoft.com/office/drawing/2014/main" id="{AA60FC08-DB42-1443-B1D9-594B0DFFD819}"/>
               </a:ext>
             </a:extLst>
           </p:cNvPr>
@@ -6499,7 +6505,7 @@
           <p:cNvPr id="3" name="內容版面配置區 2">
             <a:extLst>
               <a:ext uri="{FF2B5EF4-FFF2-40B4-BE49-F238E27FC236}">
-                <a16:creationId xmlns:a16="http://schemas.microsoft.com/office/drawing/2014/main" xmlns="" id="{71BB2DE9-F9EC-0747-8110-57B6F42C6240}"/>
+                <a16:creationId xmlns="" xmlns:a16="http://schemas.microsoft.com/office/drawing/2014/main" id="{71BB2DE9-F9EC-0747-8110-57B6F42C6240}"/>
               </a:ext>
             </a:extLst>
           </p:cNvPr>
@@ -6598,7 +6604,7 @@
           <p:cNvPr id="4" name="日期版面配置區 3">
             <a:extLst>
               <a:ext uri="{FF2B5EF4-FFF2-40B4-BE49-F238E27FC236}">
-                <a16:creationId xmlns:a16="http://schemas.microsoft.com/office/drawing/2014/main" xmlns="" id="{6BA98535-4AD5-2846-9F28-9D341D2CBD82}"/>
+                <a16:creationId xmlns="" xmlns:a16="http://schemas.microsoft.com/office/drawing/2014/main" id="{6BA98535-4AD5-2846-9F28-9D341D2CBD82}"/>
               </a:ext>
             </a:extLst>
           </p:cNvPr>
@@ -6616,7 +6622,7 @@
           <a:p>
             <a:fld id="{75F8934F-7F83-1046-9341-02CE27D9104D}" type="datetimeFigureOut">
               <a:rPr kumimoji="1" lang="zh-TW" altLang="en-US" smtClean="0"/>
-              <a:t>2020/2/6</a:t>
+              <a:t>2020/2/12</a:t>
             </a:fld>
             <a:endParaRPr kumimoji="1" lang="zh-TW" altLang="en-US"/>
           </a:p>
@@ -6627,7 +6633,7 @@
           <p:cNvPr id="5" name="頁尾版面配置區 4">
             <a:extLst>
               <a:ext uri="{FF2B5EF4-FFF2-40B4-BE49-F238E27FC236}">
-                <a16:creationId xmlns:a16="http://schemas.microsoft.com/office/drawing/2014/main" xmlns="" id="{E4EAEED7-0802-7145-8C6C-66F66C8C1782}"/>
+                <a16:creationId xmlns="" xmlns:a16="http://schemas.microsoft.com/office/drawing/2014/main" id="{E4EAEED7-0802-7145-8C6C-66F66C8C1782}"/>
               </a:ext>
             </a:extLst>
           </p:cNvPr>
@@ -6652,7 +6658,7 @@
           <p:cNvPr id="6" name="投影片編號版面配置區 5">
             <a:extLst>
               <a:ext uri="{FF2B5EF4-FFF2-40B4-BE49-F238E27FC236}">
-                <a16:creationId xmlns:a16="http://schemas.microsoft.com/office/drawing/2014/main" xmlns="" id="{7D332B7E-1F76-A041-B6C6-AB635087BAB3}"/>
+                <a16:creationId xmlns="" xmlns:a16="http://schemas.microsoft.com/office/drawing/2014/main" id="{7D332B7E-1F76-A041-B6C6-AB635087BAB3}"/>
               </a:ext>
             </a:extLst>
           </p:cNvPr>
@@ -6681,7 +6687,7 @@
           <p:cNvPr id="7" name="矩形 6">
             <a:extLst>
               <a:ext uri="{FF2B5EF4-FFF2-40B4-BE49-F238E27FC236}">
-                <a16:creationId xmlns:a16="http://schemas.microsoft.com/office/drawing/2014/main" xmlns="" id="{C21960D3-0AC5-EE41-A19C-696161A1572E}"/>
+                <a16:creationId xmlns="" xmlns:a16="http://schemas.microsoft.com/office/drawing/2014/main" id="{C21960D3-0AC5-EE41-A19C-696161A1572E}"/>
               </a:ext>
             </a:extLst>
           </p:cNvPr>
@@ -6737,7 +6743,7 @@
           <p:cNvPr id="8" name="圖片 7">
             <a:extLst>
               <a:ext uri="{FF2B5EF4-FFF2-40B4-BE49-F238E27FC236}">
-                <a16:creationId xmlns:a16="http://schemas.microsoft.com/office/drawing/2014/main" xmlns="" id="{5E0EAD78-AEC6-AB45-A710-DD47E43CBB16}"/>
+                <a16:creationId xmlns="" xmlns:a16="http://schemas.microsoft.com/office/drawing/2014/main" id="{5E0EAD78-AEC6-AB45-A710-DD47E43CBB16}"/>
               </a:ext>
             </a:extLst>
           </p:cNvPr>
@@ -6773,7 +6779,7 @@
           <p:cNvPr id="9" name="矩形 8">
             <a:extLst>
               <a:ext uri="{FF2B5EF4-FFF2-40B4-BE49-F238E27FC236}">
-                <a16:creationId xmlns:a16="http://schemas.microsoft.com/office/drawing/2014/main" xmlns="" id="{387A2BAD-7558-A944-B806-7AEF1C4243D0}"/>
+                <a16:creationId xmlns="" xmlns:a16="http://schemas.microsoft.com/office/drawing/2014/main" id="{387A2BAD-7558-A944-B806-7AEF1C4243D0}"/>
               </a:ext>
             </a:extLst>
           </p:cNvPr>
@@ -6825,7 +6831,7 @@
           <p:cNvPr id="10" name="內容版面配置區 2">
             <a:extLst>
               <a:ext uri="{FF2B5EF4-FFF2-40B4-BE49-F238E27FC236}">
-                <a16:creationId xmlns:a16="http://schemas.microsoft.com/office/drawing/2014/main" xmlns="" id="{71BB2DE9-F9EC-0747-8110-57B6F42C6240}"/>
+                <a16:creationId xmlns="" xmlns:a16="http://schemas.microsoft.com/office/drawing/2014/main" id="{71BB2DE9-F9EC-0747-8110-57B6F42C6240}"/>
               </a:ext>
             </a:extLst>
           </p:cNvPr>
@@ -6954,7 +6960,7 @@
           <p:cNvPr id="2" name="標題 1">
             <a:extLst>
               <a:ext uri="{FF2B5EF4-FFF2-40B4-BE49-F238E27FC236}">
-                <a16:creationId xmlns:a16="http://schemas.microsoft.com/office/drawing/2014/main" xmlns="" id="{AA60FC08-DB42-1443-B1D9-594B0DFFD819}"/>
+                <a16:creationId xmlns="" xmlns:a16="http://schemas.microsoft.com/office/drawing/2014/main" id="{AA60FC08-DB42-1443-B1D9-594B0DFFD819}"/>
               </a:ext>
             </a:extLst>
           </p:cNvPr>
@@ -6999,7 +7005,7 @@
           <p:cNvPr id="3" name="內容版面配置區 2">
             <a:extLst>
               <a:ext uri="{FF2B5EF4-FFF2-40B4-BE49-F238E27FC236}">
-                <a16:creationId xmlns:a16="http://schemas.microsoft.com/office/drawing/2014/main" xmlns="" id="{71BB2DE9-F9EC-0747-8110-57B6F42C6240}"/>
+                <a16:creationId xmlns="" xmlns:a16="http://schemas.microsoft.com/office/drawing/2014/main" id="{71BB2DE9-F9EC-0747-8110-57B6F42C6240}"/>
               </a:ext>
             </a:extLst>
           </p:cNvPr>
@@ -7107,7 +7113,7 @@
           <p:cNvPr id="4" name="日期版面配置區 3">
             <a:extLst>
               <a:ext uri="{FF2B5EF4-FFF2-40B4-BE49-F238E27FC236}">
-                <a16:creationId xmlns:a16="http://schemas.microsoft.com/office/drawing/2014/main" xmlns="" id="{6BA98535-4AD5-2846-9F28-9D341D2CBD82}"/>
+                <a16:creationId xmlns="" xmlns:a16="http://schemas.microsoft.com/office/drawing/2014/main" id="{6BA98535-4AD5-2846-9F28-9D341D2CBD82}"/>
               </a:ext>
             </a:extLst>
           </p:cNvPr>
@@ -7125,7 +7131,7 @@
           <a:p>
             <a:fld id="{75F8934F-7F83-1046-9341-02CE27D9104D}" type="datetimeFigureOut">
               <a:rPr kumimoji="1" lang="zh-TW" altLang="en-US" smtClean="0"/>
-              <a:t>2020/2/6</a:t>
+              <a:t>2020/2/12</a:t>
             </a:fld>
             <a:endParaRPr kumimoji="1" lang="zh-TW" altLang="en-US"/>
           </a:p>
@@ -7136,7 +7142,7 @@
           <p:cNvPr id="5" name="頁尾版面配置區 4">
             <a:extLst>
               <a:ext uri="{FF2B5EF4-FFF2-40B4-BE49-F238E27FC236}">
-                <a16:creationId xmlns:a16="http://schemas.microsoft.com/office/drawing/2014/main" xmlns="" id="{E4EAEED7-0802-7145-8C6C-66F66C8C1782}"/>
+                <a16:creationId xmlns="" xmlns:a16="http://schemas.microsoft.com/office/drawing/2014/main" id="{E4EAEED7-0802-7145-8C6C-66F66C8C1782}"/>
               </a:ext>
             </a:extLst>
           </p:cNvPr>
@@ -7161,7 +7167,7 @@
           <p:cNvPr id="6" name="投影片編號版面配置區 5">
             <a:extLst>
               <a:ext uri="{FF2B5EF4-FFF2-40B4-BE49-F238E27FC236}">
-                <a16:creationId xmlns:a16="http://schemas.microsoft.com/office/drawing/2014/main" xmlns="" id="{7D332B7E-1F76-A041-B6C6-AB635087BAB3}"/>
+                <a16:creationId xmlns="" xmlns:a16="http://schemas.microsoft.com/office/drawing/2014/main" id="{7D332B7E-1F76-A041-B6C6-AB635087BAB3}"/>
               </a:ext>
             </a:extLst>
           </p:cNvPr>
@@ -7190,7 +7196,7 @@
           <p:cNvPr id="7" name="矩形 6">
             <a:extLst>
               <a:ext uri="{FF2B5EF4-FFF2-40B4-BE49-F238E27FC236}">
-                <a16:creationId xmlns:a16="http://schemas.microsoft.com/office/drawing/2014/main" xmlns="" id="{C21960D3-0AC5-EE41-A19C-696161A1572E}"/>
+                <a16:creationId xmlns="" xmlns:a16="http://schemas.microsoft.com/office/drawing/2014/main" id="{C21960D3-0AC5-EE41-A19C-696161A1572E}"/>
               </a:ext>
             </a:extLst>
           </p:cNvPr>
@@ -7246,7 +7252,7 @@
           <p:cNvPr id="8" name="圖片 7">
             <a:extLst>
               <a:ext uri="{FF2B5EF4-FFF2-40B4-BE49-F238E27FC236}">
-                <a16:creationId xmlns:a16="http://schemas.microsoft.com/office/drawing/2014/main" xmlns="" id="{5E0EAD78-AEC6-AB45-A710-DD47E43CBB16}"/>
+                <a16:creationId xmlns="" xmlns:a16="http://schemas.microsoft.com/office/drawing/2014/main" id="{5E0EAD78-AEC6-AB45-A710-DD47E43CBB16}"/>
               </a:ext>
             </a:extLst>
           </p:cNvPr>
@@ -7282,7 +7288,7 @@
           <p:cNvPr id="9" name="矩形 8">
             <a:extLst>
               <a:ext uri="{FF2B5EF4-FFF2-40B4-BE49-F238E27FC236}">
-                <a16:creationId xmlns:a16="http://schemas.microsoft.com/office/drawing/2014/main" xmlns="" id="{387A2BAD-7558-A944-B806-7AEF1C4243D0}"/>
+                <a16:creationId xmlns="" xmlns:a16="http://schemas.microsoft.com/office/drawing/2014/main" id="{387A2BAD-7558-A944-B806-7AEF1C4243D0}"/>
               </a:ext>
             </a:extLst>
           </p:cNvPr>
@@ -7334,7 +7340,7 @@
           <p:cNvPr id="10" name="內容版面配置區 2">
             <a:extLst>
               <a:ext uri="{FF2B5EF4-FFF2-40B4-BE49-F238E27FC236}">
-                <a16:creationId xmlns:a16="http://schemas.microsoft.com/office/drawing/2014/main" xmlns="" id="{71BB2DE9-F9EC-0747-8110-57B6F42C6240}"/>
+                <a16:creationId xmlns="" xmlns:a16="http://schemas.microsoft.com/office/drawing/2014/main" id="{71BB2DE9-F9EC-0747-8110-57B6F42C6240}"/>
               </a:ext>
             </a:extLst>
           </p:cNvPr>
@@ -7442,7 +7448,7 @@
           <p:cNvPr id="11" name="內容版面配置區 2">
             <a:extLst>
               <a:ext uri="{FF2B5EF4-FFF2-40B4-BE49-F238E27FC236}">
-                <a16:creationId xmlns:a16="http://schemas.microsoft.com/office/drawing/2014/main" xmlns="" id="{71BB2DE9-F9EC-0747-8110-57B6F42C6240}"/>
+                <a16:creationId xmlns="" xmlns:a16="http://schemas.microsoft.com/office/drawing/2014/main" id="{71BB2DE9-F9EC-0747-8110-57B6F42C6240}"/>
               </a:ext>
             </a:extLst>
           </p:cNvPr>
@@ -7550,7 +7556,7 @@
           <p:cNvPr id="12" name="內容版面配置區 2">
             <a:extLst>
               <a:ext uri="{FF2B5EF4-FFF2-40B4-BE49-F238E27FC236}">
-                <a16:creationId xmlns:a16="http://schemas.microsoft.com/office/drawing/2014/main" xmlns="" id="{71BB2DE9-F9EC-0747-8110-57B6F42C6240}"/>
+                <a16:creationId xmlns="" xmlns:a16="http://schemas.microsoft.com/office/drawing/2014/main" id="{71BB2DE9-F9EC-0747-8110-57B6F42C6240}"/>
               </a:ext>
             </a:extLst>
           </p:cNvPr>
@@ -7688,7 +7694,7 @@
           <p:cNvPr id="7" name="矩形 6">
             <a:extLst>
               <a:ext uri="{FF2B5EF4-FFF2-40B4-BE49-F238E27FC236}">
-                <a16:creationId xmlns:a16="http://schemas.microsoft.com/office/drawing/2014/main" xmlns="" id="{8A770271-AB73-DA4C-9664-09A28120DA97}"/>
+                <a16:creationId xmlns="" xmlns:a16="http://schemas.microsoft.com/office/drawing/2014/main" id="{8A770271-AB73-DA4C-9664-09A28120DA97}"/>
               </a:ext>
             </a:extLst>
           </p:cNvPr>
@@ -7740,7 +7746,7 @@
           <p:cNvPr id="2" name="標題 1">
             <a:extLst>
               <a:ext uri="{FF2B5EF4-FFF2-40B4-BE49-F238E27FC236}">
-                <a16:creationId xmlns:a16="http://schemas.microsoft.com/office/drawing/2014/main" xmlns="" id="{155A4563-E84E-2143-94D2-868ECA667901}"/>
+                <a16:creationId xmlns="" xmlns:a16="http://schemas.microsoft.com/office/drawing/2014/main" id="{155A4563-E84E-2143-94D2-868ECA667901}"/>
               </a:ext>
             </a:extLst>
           </p:cNvPr>
@@ -7785,7 +7791,7 @@
           <p:cNvPr id="3" name="副標題 2">
             <a:extLst>
               <a:ext uri="{FF2B5EF4-FFF2-40B4-BE49-F238E27FC236}">
-                <a16:creationId xmlns:a16="http://schemas.microsoft.com/office/drawing/2014/main" xmlns="" id="{01C11A57-485A-7843-90B7-CE4D3710822E}"/>
+                <a16:creationId xmlns="" xmlns:a16="http://schemas.microsoft.com/office/drawing/2014/main" id="{01C11A57-485A-7843-90B7-CE4D3710822E}"/>
               </a:ext>
             </a:extLst>
           </p:cNvPr>
@@ -7861,7 +7867,7 @@
           <p:cNvPr id="4" name="日期版面配置區 3">
             <a:extLst>
               <a:ext uri="{FF2B5EF4-FFF2-40B4-BE49-F238E27FC236}">
-                <a16:creationId xmlns:a16="http://schemas.microsoft.com/office/drawing/2014/main" xmlns="" id="{6FF04DFD-F863-024F-AB15-7DEB6ABDA713}"/>
+                <a16:creationId xmlns="" xmlns:a16="http://schemas.microsoft.com/office/drawing/2014/main" id="{6FF04DFD-F863-024F-AB15-7DEB6ABDA713}"/>
               </a:ext>
             </a:extLst>
           </p:cNvPr>
@@ -7879,7 +7885,7 @@
           <a:p>
             <a:fld id="{75F8934F-7F83-1046-9341-02CE27D9104D}" type="datetimeFigureOut">
               <a:rPr kumimoji="1" lang="zh-TW" altLang="en-US" smtClean="0"/>
-              <a:t>2020/2/6</a:t>
+              <a:t>2020/2/12</a:t>
             </a:fld>
             <a:endParaRPr kumimoji="1" lang="zh-TW" altLang="en-US"/>
           </a:p>
@@ -7890,7 +7896,7 @@
           <p:cNvPr id="5" name="頁尾版面配置區 4">
             <a:extLst>
               <a:ext uri="{FF2B5EF4-FFF2-40B4-BE49-F238E27FC236}">
-                <a16:creationId xmlns:a16="http://schemas.microsoft.com/office/drawing/2014/main" xmlns="" id="{C42252C1-473D-124E-AAFE-BBC473106861}"/>
+                <a16:creationId xmlns="" xmlns:a16="http://schemas.microsoft.com/office/drawing/2014/main" id="{C42252C1-473D-124E-AAFE-BBC473106861}"/>
               </a:ext>
             </a:extLst>
           </p:cNvPr>
@@ -7915,7 +7921,7 @@
           <p:cNvPr id="6" name="投影片編號版面配置區 5">
             <a:extLst>
               <a:ext uri="{FF2B5EF4-FFF2-40B4-BE49-F238E27FC236}">
-                <a16:creationId xmlns:a16="http://schemas.microsoft.com/office/drawing/2014/main" xmlns="" id="{871B4E1C-D0B1-194C-8D0D-EEB67A6B5AFE}"/>
+                <a16:creationId xmlns="" xmlns:a16="http://schemas.microsoft.com/office/drawing/2014/main" id="{871B4E1C-D0B1-194C-8D0D-EEB67A6B5AFE}"/>
               </a:ext>
             </a:extLst>
           </p:cNvPr>
@@ -7944,7 +7950,7 @@
           <p:cNvPr id="8" name="圖片 7">
             <a:extLst>
               <a:ext uri="{FF2B5EF4-FFF2-40B4-BE49-F238E27FC236}">
-                <a16:creationId xmlns:a16="http://schemas.microsoft.com/office/drawing/2014/main" xmlns="" id="{CFC0D688-7C0C-F240-82D7-136060E3079C}"/>
+                <a16:creationId xmlns="" xmlns:a16="http://schemas.microsoft.com/office/drawing/2014/main" id="{CFC0D688-7C0C-F240-82D7-136060E3079C}"/>
               </a:ext>
             </a:extLst>
           </p:cNvPr>
@@ -7980,7 +7986,7 @@
           <p:cNvPr id="10" name="文字版面配置區 9">
             <a:extLst>
               <a:ext uri="{FF2B5EF4-FFF2-40B4-BE49-F238E27FC236}">
-                <a16:creationId xmlns:a16="http://schemas.microsoft.com/office/drawing/2014/main" xmlns="" id="{541677EC-052B-1741-B92F-902A83DB4CDB}"/>
+                <a16:creationId xmlns="" xmlns:a16="http://schemas.microsoft.com/office/drawing/2014/main" id="{541677EC-052B-1741-B92F-902A83DB4CDB}"/>
               </a:ext>
             </a:extLst>
           </p:cNvPr>
@@ -8061,7 +8067,7 @@
           <p:cNvPr id="2" name="標題 1">
             <a:extLst>
               <a:ext uri="{FF2B5EF4-FFF2-40B4-BE49-F238E27FC236}">
-                <a16:creationId xmlns:a16="http://schemas.microsoft.com/office/drawing/2014/main" xmlns="" id="{AA60FC08-DB42-1443-B1D9-594B0DFFD819}"/>
+                <a16:creationId xmlns="" xmlns:a16="http://schemas.microsoft.com/office/drawing/2014/main" id="{AA60FC08-DB42-1443-B1D9-594B0DFFD819}"/>
               </a:ext>
             </a:extLst>
           </p:cNvPr>
@@ -8106,7 +8112,7 @@
           <p:cNvPr id="3" name="內容版面配置區 2">
             <a:extLst>
               <a:ext uri="{FF2B5EF4-FFF2-40B4-BE49-F238E27FC236}">
-                <a16:creationId xmlns:a16="http://schemas.microsoft.com/office/drawing/2014/main" xmlns="" id="{71BB2DE9-F9EC-0747-8110-57B6F42C6240}"/>
+                <a16:creationId xmlns="" xmlns:a16="http://schemas.microsoft.com/office/drawing/2014/main" id="{71BB2DE9-F9EC-0747-8110-57B6F42C6240}"/>
               </a:ext>
             </a:extLst>
           </p:cNvPr>
@@ -8217,7 +8223,7 @@
           <p:cNvPr id="4" name="日期版面配置區 3">
             <a:extLst>
               <a:ext uri="{FF2B5EF4-FFF2-40B4-BE49-F238E27FC236}">
-                <a16:creationId xmlns:a16="http://schemas.microsoft.com/office/drawing/2014/main" xmlns="" id="{6BA98535-4AD5-2846-9F28-9D341D2CBD82}"/>
+                <a16:creationId xmlns="" xmlns:a16="http://schemas.microsoft.com/office/drawing/2014/main" id="{6BA98535-4AD5-2846-9F28-9D341D2CBD82}"/>
               </a:ext>
             </a:extLst>
           </p:cNvPr>
@@ -8235,7 +8241,7 @@
           <a:p>
             <a:fld id="{75F8934F-7F83-1046-9341-02CE27D9104D}" type="datetimeFigureOut">
               <a:rPr kumimoji="1" lang="zh-TW" altLang="en-US" smtClean="0"/>
-              <a:t>2020/2/6</a:t>
+              <a:t>2020/2/12</a:t>
             </a:fld>
             <a:endParaRPr kumimoji="1" lang="zh-TW" altLang="en-US"/>
           </a:p>
@@ -8246,7 +8252,7 @@
           <p:cNvPr id="5" name="頁尾版面配置區 4">
             <a:extLst>
               <a:ext uri="{FF2B5EF4-FFF2-40B4-BE49-F238E27FC236}">
-                <a16:creationId xmlns:a16="http://schemas.microsoft.com/office/drawing/2014/main" xmlns="" id="{E4EAEED7-0802-7145-8C6C-66F66C8C1782}"/>
+                <a16:creationId xmlns="" xmlns:a16="http://schemas.microsoft.com/office/drawing/2014/main" id="{E4EAEED7-0802-7145-8C6C-66F66C8C1782}"/>
               </a:ext>
             </a:extLst>
           </p:cNvPr>
@@ -8271,7 +8277,7 @@
           <p:cNvPr id="6" name="投影片編號版面配置區 5">
             <a:extLst>
               <a:ext uri="{FF2B5EF4-FFF2-40B4-BE49-F238E27FC236}">
-                <a16:creationId xmlns:a16="http://schemas.microsoft.com/office/drawing/2014/main" xmlns="" id="{7D332B7E-1F76-A041-B6C6-AB635087BAB3}"/>
+                <a16:creationId xmlns="" xmlns:a16="http://schemas.microsoft.com/office/drawing/2014/main" id="{7D332B7E-1F76-A041-B6C6-AB635087BAB3}"/>
               </a:ext>
             </a:extLst>
           </p:cNvPr>
@@ -8300,7 +8306,7 @@
           <p:cNvPr id="7" name="矩形 6">
             <a:extLst>
               <a:ext uri="{FF2B5EF4-FFF2-40B4-BE49-F238E27FC236}">
-                <a16:creationId xmlns:a16="http://schemas.microsoft.com/office/drawing/2014/main" xmlns="" id="{C21960D3-0AC5-EE41-A19C-696161A1572E}"/>
+                <a16:creationId xmlns="" xmlns:a16="http://schemas.microsoft.com/office/drawing/2014/main" id="{C21960D3-0AC5-EE41-A19C-696161A1572E}"/>
               </a:ext>
             </a:extLst>
           </p:cNvPr>
@@ -8356,7 +8362,7 @@
           <p:cNvPr id="8" name="圖片 7">
             <a:extLst>
               <a:ext uri="{FF2B5EF4-FFF2-40B4-BE49-F238E27FC236}">
-                <a16:creationId xmlns:a16="http://schemas.microsoft.com/office/drawing/2014/main" xmlns="" id="{5E0EAD78-AEC6-AB45-A710-DD47E43CBB16}"/>
+                <a16:creationId xmlns="" xmlns:a16="http://schemas.microsoft.com/office/drawing/2014/main" id="{5E0EAD78-AEC6-AB45-A710-DD47E43CBB16}"/>
               </a:ext>
             </a:extLst>
           </p:cNvPr>
@@ -8392,7 +8398,7 @@
           <p:cNvPr id="9" name="矩形 8">
             <a:extLst>
               <a:ext uri="{FF2B5EF4-FFF2-40B4-BE49-F238E27FC236}">
-                <a16:creationId xmlns:a16="http://schemas.microsoft.com/office/drawing/2014/main" xmlns="" id="{387A2BAD-7558-A944-B806-7AEF1C4243D0}"/>
+                <a16:creationId xmlns="" xmlns:a16="http://schemas.microsoft.com/office/drawing/2014/main" id="{387A2BAD-7558-A944-B806-7AEF1C4243D0}"/>
               </a:ext>
             </a:extLst>
           </p:cNvPr>
@@ -8444,7 +8450,7 @@
           <p:cNvPr id="10" name="內容版面配置區 2">
             <a:extLst>
               <a:ext uri="{FF2B5EF4-FFF2-40B4-BE49-F238E27FC236}">
-                <a16:creationId xmlns:a16="http://schemas.microsoft.com/office/drawing/2014/main" xmlns="" id="{71BB2DE9-F9EC-0747-8110-57B6F42C6240}"/>
+                <a16:creationId xmlns="" xmlns:a16="http://schemas.microsoft.com/office/drawing/2014/main" id="{71BB2DE9-F9EC-0747-8110-57B6F42C6240}"/>
               </a:ext>
             </a:extLst>
           </p:cNvPr>
@@ -8555,7 +8561,7 @@
           <p:cNvPr id="11" name="內容版面配置區 2">
             <a:extLst>
               <a:ext uri="{FF2B5EF4-FFF2-40B4-BE49-F238E27FC236}">
-                <a16:creationId xmlns:a16="http://schemas.microsoft.com/office/drawing/2014/main" xmlns="" id="{71BB2DE9-F9EC-0747-8110-57B6F42C6240}"/>
+                <a16:creationId xmlns="" xmlns:a16="http://schemas.microsoft.com/office/drawing/2014/main" id="{71BB2DE9-F9EC-0747-8110-57B6F42C6240}"/>
               </a:ext>
             </a:extLst>
           </p:cNvPr>
@@ -8666,7 +8672,7 @@
           <p:cNvPr id="12" name="內容版面配置區 2">
             <a:extLst>
               <a:ext uri="{FF2B5EF4-FFF2-40B4-BE49-F238E27FC236}">
-                <a16:creationId xmlns:a16="http://schemas.microsoft.com/office/drawing/2014/main" xmlns="" id="{71BB2DE9-F9EC-0747-8110-57B6F42C6240}"/>
+                <a16:creationId xmlns="" xmlns:a16="http://schemas.microsoft.com/office/drawing/2014/main" id="{71BB2DE9-F9EC-0747-8110-57B6F42C6240}"/>
               </a:ext>
             </a:extLst>
           </p:cNvPr>
@@ -8807,7 +8813,7 @@
           <p:cNvPr id="2" name="標題 1">
             <a:extLst>
               <a:ext uri="{FF2B5EF4-FFF2-40B4-BE49-F238E27FC236}">
-                <a16:creationId xmlns:a16="http://schemas.microsoft.com/office/drawing/2014/main" xmlns="" id="{AA60FC08-DB42-1443-B1D9-594B0DFFD819}"/>
+                <a16:creationId xmlns="" xmlns:a16="http://schemas.microsoft.com/office/drawing/2014/main" id="{AA60FC08-DB42-1443-B1D9-594B0DFFD819}"/>
               </a:ext>
             </a:extLst>
           </p:cNvPr>
@@ -8852,7 +8858,7 @@
           <p:cNvPr id="3" name="內容版面配置區 2">
             <a:extLst>
               <a:ext uri="{FF2B5EF4-FFF2-40B4-BE49-F238E27FC236}">
-                <a16:creationId xmlns:a16="http://schemas.microsoft.com/office/drawing/2014/main" xmlns="" id="{71BB2DE9-F9EC-0747-8110-57B6F42C6240}"/>
+                <a16:creationId xmlns="" xmlns:a16="http://schemas.microsoft.com/office/drawing/2014/main" id="{71BB2DE9-F9EC-0747-8110-57B6F42C6240}"/>
               </a:ext>
             </a:extLst>
           </p:cNvPr>
@@ -8951,7 +8957,7 @@
           <p:cNvPr id="4" name="日期版面配置區 3">
             <a:extLst>
               <a:ext uri="{FF2B5EF4-FFF2-40B4-BE49-F238E27FC236}">
-                <a16:creationId xmlns:a16="http://schemas.microsoft.com/office/drawing/2014/main" xmlns="" id="{6BA98535-4AD5-2846-9F28-9D341D2CBD82}"/>
+                <a16:creationId xmlns="" xmlns:a16="http://schemas.microsoft.com/office/drawing/2014/main" id="{6BA98535-4AD5-2846-9F28-9D341D2CBD82}"/>
               </a:ext>
             </a:extLst>
           </p:cNvPr>
@@ -8969,7 +8975,7 @@
           <a:p>
             <a:fld id="{75F8934F-7F83-1046-9341-02CE27D9104D}" type="datetimeFigureOut">
               <a:rPr kumimoji="1" lang="zh-TW" altLang="en-US" smtClean="0"/>
-              <a:t>2020/2/6</a:t>
+              <a:t>2020/2/12</a:t>
             </a:fld>
             <a:endParaRPr kumimoji="1" lang="zh-TW" altLang="en-US"/>
           </a:p>
@@ -8980,7 +8986,7 @@
           <p:cNvPr id="5" name="頁尾版面配置區 4">
             <a:extLst>
               <a:ext uri="{FF2B5EF4-FFF2-40B4-BE49-F238E27FC236}">
-                <a16:creationId xmlns:a16="http://schemas.microsoft.com/office/drawing/2014/main" xmlns="" id="{E4EAEED7-0802-7145-8C6C-66F66C8C1782}"/>
+                <a16:creationId xmlns="" xmlns:a16="http://schemas.microsoft.com/office/drawing/2014/main" id="{E4EAEED7-0802-7145-8C6C-66F66C8C1782}"/>
               </a:ext>
             </a:extLst>
           </p:cNvPr>
@@ -9005,7 +9011,7 @@
           <p:cNvPr id="6" name="投影片編號版面配置區 5">
             <a:extLst>
               <a:ext uri="{FF2B5EF4-FFF2-40B4-BE49-F238E27FC236}">
-                <a16:creationId xmlns:a16="http://schemas.microsoft.com/office/drawing/2014/main" xmlns="" id="{7D332B7E-1F76-A041-B6C6-AB635087BAB3}"/>
+                <a16:creationId xmlns="" xmlns:a16="http://schemas.microsoft.com/office/drawing/2014/main" id="{7D332B7E-1F76-A041-B6C6-AB635087BAB3}"/>
               </a:ext>
             </a:extLst>
           </p:cNvPr>
@@ -9034,7 +9040,7 @@
           <p:cNvPr id="7" name="矩形 6">
             <a:extLst>
               <a:ext uri="{FF2B5EF4-FFF2-40B4-BE49-F238E27FC236}">
-                <a16:creationId xmlns:a16="http://schemas.microsoft.com/office/drawing/2014/main" xmlns="" id="{C21960D3-0AC5-EE41-A19C-696161A1572E}"/>
+                <a16:creationId xmlns="" xmlns:a16="http://schemas.microsoft.com/office/drawing/2014/main" id="{C21960D3-0AC5-EE41-A19C-696161A1572E}"/>
               </a:ext>
             </a:extLst>
           </p:cNvPr>
@@ -9090,7 +9096,7 @@
           <p:cNvPr id="8" name="圖片 7">
             <a:extLst>
               <a:ext uri="{FF2B5EF4-FFF2-40B4-BE49-F238E27FC236}">
-                <a16:creationId xmlns:a16="http://schemas.microsoft.com/office/drawing/2014/main" xmlns="" id="{5E0EAD78-AEC6-AB45-A710-DD47E43CBB16}"/>
+                <a16:creationId xmlns="" xmlns:a16="http://schemas.microsoft.com/office/drawing/2014/main" id="{5E0EAD78-AEC6-AB45-A710-DD47E43CBB16}"/>
               </a:ext>
             </a:extLst>
           </p:cNvPr>
@@ -9126,7 +9132,7 @@
           <p:cNvPr id="9" name="矩形 8">
             <a:extLst>
               <a:ext uri="{FF2B5EF4-FFF2-40B4-BE49-F238E27FC236}">
-                <a16:creationId xmlns:a16="http://schemas.microsoft.com/office/drawing/2014/main" xmlns="" id="{387A2BAD-7558-A944-B806-7AEF1C4243D0}"/>
+                <a16:creationId xmlns="" xmlns:a16="http://schemas.microsoft.com/office/drawing/2014/main" id="{387A2BAD-7558-A944-B806-7AEF1C4243D0}"/>
               </a:ext>
             </a:extLst>
           </p:cNvPr>
@@ -9178,7 +9184,7 @@
           <p:cNvPr id="10" name="內容版面配置區 2">
             <a:extLst>
               <a:ext uri="{FF2B5EF4-FFF2-40B4-BE49-F238E27FC236}">
-                <a16:creationId xmlns:a16="http://schemas.microsoft.com/office/drawing/2014/main" xmlns="" id="{71BB2DE9-F9EC-0747-8110-57B6F42C6240}"/>
+                <a16:creationId xmlns="" xmlns:a16="http://schemas.microsoft.com/office/drawing/2014/main" id="{71BB2DE9-F9EC-0747-8110-57B6F42C6240}"/>
               </a:ext>
             </a:extLst>
           </p:cNvPr>
@@ -9277,7 +9283,7 @@
           <p:cNvPr id="11" name="內容版面配置區 2">
             <a:extLst>
               <a:ext uri="{FF2B5EF4-FFF2-40B4-BE49-F238E27FC236}">
-                <a16:creationId xmlns:a16="http://schemas.microsoft.com/office/drawing/2014/main" xmlns="" id="{71BB2DE9-F9EC-0747-8110-57B6F42C6240}"/>
+                <a16:creationId xmlns="" xmlns:a16="http://schemas.microsoft.com/office/drawing/2014/main" id="{71BB2DE9-F9EC-0747-8110-57B6F42C6240}"/>
               </a:ext>
             </a:extLst>
           </p:cNvPr>
@@ -9376,7 +9382,7 @@
           <p:cNvPr id="12" name="內容版面配置區 2">
             <a:extLst>
               <a:ext uri="{FF2B5EF4-FFF2-40B4-BE49-F238E27FC236}">
-                <a16:creationId xmlns:a16="http://schemas.microsoft.com/office/drawing/2014/main" xmlns="" id="{71BB2DE9-F9EC-0747-8110-57B6F42C6240}"/>
+                <a16:creationId xmlns="" xmlns:a16="http://schemas.microsoft.com/office/drawing/2014/main" id="{71BB2DE9-F9EC-0747-8110-57B6F42C6240}"/>
               </a:ext>
             </a:extLst>
           </p:cNvPr>
@@ -9539,7 +9545,7 @@
           <a:p>
             <a:fld id="{75F8934F-7F83-1046-9341-02CE27D9104D}" type="datetimeFigureOut">
               <a:rPr kumimoji="1" lang="zh-TW" altLang="en-US" smtClean="0"/>
-              <a:t>2020/2/6</a:t>
+              <a:t>2020/2/12</a:t>
             </a:fld>
             <a:endParaRPr kumimoji="1" lang="zh-TW" altLang="en-US"/>
           </a:p>
@@ -9592,7 +9598,7 @@
           <p:cNvPr id="7" name="內容版面配置區 2">
             <a:extLst>
               <a:ext uri="{FF2B5EF4-FFF2-40B4-BE49-F238E27FC236}">
-                <a16:creationId xmlns:a16="http://schemas.microsoft.com/office/drawing/2014/main" xmlns="" id="{DB7FC4C6-C26F-214E-B2D6-C9ED5E2BD195}"/>
+                <a16:creationId xmlns="" xmlns:a16="http://schemas.microsoft.com/office/drawing/2014/main" id="{DB7FC4C6-C26F-214E-B2D6-C9ED5E2BD195}"/>
               </a:ext>
             </a:extLst>
           </p:cNvPr>
@@ -9654,7 +9660,7 @@
           <p:cNvPr id="8" name="矩形 7">
             <a:extLst>
               <a:ext uri="{FF2B5EF4-FFF2-40B4-BE49-F238E27FC236}">
-                <a16:creationId xmlns:a16="http://schemas.microsoft.com/office/drawing/2014/main" xmlns="" id="{C21960D3-0AC5-EE41-A19C-696161A1572E}"/>
+                <a16:creationId xmlns="" xmlns:a16="http://schemas.microsoft.com/office/drawing/2014/main" id="{C21960D3-0AC5-EE41-A19C-696161A1572E}"/>
               </a:ext>
             </a:extLst>
           </p:cNvPr>
@@ -9710,7 +9716,7 @@
           <p:cNvPr id="9" name="矩形 8">
             <a:extLst>
               <a:ext uri="{FF2B5EF4-FFF2-40B4-BE49-F238E27FC236}">
-                <a16:creationId xmlns:a16="http://schemas.microsoft.com/office/drawing/2014/main" xmlns="" id="{387A2BAD-7558-A944-B806-7AEF1C4243D0}"/>
+                <a16:creationId xmlns="" xmlns:a16="http://schemas.microsoft.com/office/drawing/2014/main" id="{387A2BAD-7558-A944-B806-7AEF1C4243D0}"/>
               </a:ext>
             </a:extLst>
           </p:cNvPr>
@@ -9762,7 +9768,7 @@
           <p:cNvPr id="10" name="圖片 9">
             <a:extLst>
               <a:ext uri="{FF2B5EF4-FFF2-40B4-BE49-F238E27FC236}">
-                <a16:creationId xmlns:a16="http://schemas.microsoft.com/office/drawing/2014/main" xmlns="" id="{5E0EAD78-AEC6-AB45-A710-DD47E43CBB16}"/>
+                <a16:creationId xmlns="" xmlns:a16="http://schemas.microsoft.com/office/drawing/2014/main" id="{5E0EAD78-AEC6-AB45-A710-DD47E43CBB16}"/>
               </a:ext>
             </a:extLst>
           </p:cNvPr>
@@ -9828,7 +9834,7 @@
           <p:cNvPr id="2" name="標題 1">
             <a:extLst>
               <a:ext uri="{FF2B5EF4-FFF2-40B4-BE49-F238E27FC236}">
-                <a16:creationId xmlns:a16="http://schemas.microsoft.com/office/drawing/2014/main" xmlns="" id="{979C6CD6-89CE-E846-934F-01618F2F117C}"/>
+                <a16:creationId xmlns="" xmlns:a16="http://schemas.microsoft.com/office/drawing/2014/main" id="{979C6CD6-89CE-E846-934F-01618F2F117C}"/>
               </a:ext>
             </a:extLst>
           </p:cNvPr>
@@ -9856,7 +9862,7 @@
           <p:cNvPr id="3" name="內容版面配置區 2">
             <a:extLst>
               <a:ext uri="{FF2B5EF4-FFF2-40B4-BE49-F238E27FC236}">
-                <a16:creationId xmlns:a16="http://schemas.microsoft.com/office/drawing/2014/main" xmlns="" id="{DB7FC4C6-C26F-214E-B2D6-C9ED5E2BD195}"/>
+                <a16:creationId xmlns="" xmlns:a16="http://schemas.microsoft.com/office/drawing/2014/main" id="{DB7FC4C6-C26F-214E-B2D6-C9ED5E2BD195}"/>
               </a:ext>
             </a:extLst>
           </p:cNvPr>
@@ -9918,7 +9924,7 @@
           <p:cNvPr id="4" name="內容版面配置區 3">
             <a:extLst>
               <a:ext uri="{FF2B5EF4-FFF2-40B4-BE49-F238E27FC236}">
-                <a16:creationId xmlns:a16="http://schemas.microsoft.com/office/drawing/2014/main" xmlns="" id="{DBED84A6-8329-9742-B24D-788F26DEA102}"/>
+                <a16:creationId xmlns="" xmlns:a16="http://schemas.microsoft.com/office/drawing/2014/main" id="{DBED84A6-8329-9742-B24D-788F26DEA102}"/>
               </a:ext>
             </a:extLst>
           </p:cNvPr>
@@ -9980,7 +9986,7 @@
           <p:cNvPr id="5" name="日期版面配置區 4">
             <a:extLst>
               <a:ext uri="{FF2B5EF4-FFF2-40B4-BE49-F238E27FC236}">
-                <a16:creationId xmlns:a16="http://schemas.microsoft.com/office/drawing/2014/main" xmlns="" id="{B9046B7C-39BE-4A4E-B699-9748D6DA088D}"/>
+                <a16:creationId xmlns="" xmlns:a16="http://schemas.microsoft.com/office/drawing/2014/main" id="{B9046B7C-39BE-4A4E-B699-9748D6DA088D}"/>
               </a:ext>
             </a:extLst>
           </p:cNvPr>
@@ -9998,7 +10004,7 @@
           <a:p>
             <a:fld id="{75F8934F-7F83-1046-9341-02CE27D9104D}" type="datetimeFigureOut">
               <a:rPr kumimoji="1" lang="zh-TW" altLang="en-US" smtClean="0"/>
-              <a:t>2020/2/6</a:t>
+              <a:t>2020/2/12</a:t>
             </a:fld>
             <a:endParaRPr kumimoji="1" lang="zh-TW" altLang="en-US"/>
           </a:p>
@@ -10009,7 +10015,7 @@
           <p:cNvPr id="6" name="頁尾版面配置區 5">
             <a:extLst>
               <a:ext uri="{FF2B5EF4-FFF2-40B4-BE49-F238E27FC236}">
-                <a16:creationId xmlns:a16="http://schemas.microsoft.com/office/drawing/2014/main" xmlns="" id="{1AD5E07B-3935-B144-8CAF-5251EF861FDA}"/>
+                <a16:creationId xmlns="" xmlns:a16="http://schemas.microsoft.com/office/drawing/2014/main" id="{1AD5E07B-3935-B144-8CAF-5251EF861FDA}"/>
               </a:ext>
             </a:extLst>
           </p:cNvPr>
@@ -10034,7 +10040,7 @@
           <p:cNvPr id="7" name="投影片編號版面配置區 6">
             <a:extLst>
               <a:ext uri="{FF2B5EF4-FFF2-40B4-BE49-F238E27FC236}">
-                <a16:creationId xmlns:a16="http://schemas.microsoft.com/office/drawing/2014/main" xmlns="" id="{C9A0C168-E66B-E24E-B30C-62EBA9A41007}"/>
+                <a16:creationId xmlns="" xmlns:a16="http://schemas.microsoft.com/office/drawing/2014/main" id="{C9A0C168-E66B-E24E-B30C-62EBA9A41007}"/>
               </a:ext>
             </a:extLst>
           </p:cNvPr>
@@ -10063,7 +10069,7 @@
           <p:cNvPr id="8" name="圖片 7">
             <a:extLst>
               <a:ext uri="{FF2B5EF4-FFF2-40B4-BE49-F238E27FC236}">
-                <a16:creationId xmlns:a16="http://schemas.microsoft.com/office/drawing/2014/main" xmlns="" id="{5E0EAD78-AEC6-AB45-A710-DD47E43CBB16}"/>
+                <a16:creationId xmlns="" xmlns:a16="http://schemas.microsoft.com/office/drawing/2014/main" id="{5E0EAD78-AEC6-AB45-A710-DD47E43CBB16}"/>
               </a:ext>
             </a:extLst>
           </p:cNvPr>
@@ -10099,7 +10105,7 @@
           <p:cNvPr id="9" name="矩形 8">
             <a:extLst>
               <a:ext uri="{FF2B5EF4-FFF2-40B4-BE49-F238E27FC236}">
-                <a16:creationId xmlns:a16="http://schemas.microsoft.com/office/drawing/2014/main" xmlns="" id="{C21960D3-0AC5-EE41-A19C-696161A1572E}"/>
+                <a16:creationId xmlns="" xmlns:a16="http://schemas.microsoft.com/office/drawing/2014/main" id="{C21960D3-0AC5-EE41-A19C-696161A1572E}"/>
               </a:ext>
             </a:extLst>
           </p:cNvPr>
@@ -10155,7 +10161,7 @@
           <p:cNvPr id="10" name="矩形 9">
             <a:extLst>
               <a:ext uri="{FF2B5EF4-FFF2-40B4-BE49-F238E27FC236}">
-                <a16:creationId xmlns:a16="http://schemas.microsoft.com/office/drawing/2014/main" xmlns="" id="{387A2BAD-7558-A944-B806-7AEF1C4243D0}"/>
+                <a16:creationId xmlns="" xmlns:a16="http://schemas.microsoft.com/office/drawing/2014/main" id="{387A2BAD-7558-A944-B806-7AEF1C4243D0}"/>
               </a:ext>
             </a:extLst>
           </p:cNvPr>
@@ -10264,7 +10270,7 @@
           <p:cNvPr id="3" name="日期版面配置區 2">
             <a:extLst>
               <a:ext uri="{FF2B5EF4-FFF2-40B4-BE49-F238E27FC236}">
-                <a16:creationId xmlns:a16="http://schemas.microsoft.com/office/drawing/2014/main" xmlns="" id="{F7C17A4E-EBA6-E34A-A86C-76416798A0B8}"/>
+                <a16:creationId xmlns="" xmlns:a16="http://schemas.microsoft.com/office/drawing/2014/main" id="{F7C17A4E-EBA6-E34A-A86C-76416798A0B8}"/>
               </a:ext>
             </a:extLst>
           </p:cNvPr>
@@ -10282,7 +10288,7 @@
           <a:p>
             <a:fld id="{75F8934F-7F83-1046-9341-02CE27D9104D}" type="datetimeFigureOut">
               <a:rPr kumimoji="1" lang="zh-TW" altLang="en-US" smtClean="0"/>
-              <a:t>2020/2/6</a:t>
+              <a:t>2020/2/12</a:t>
             </a:fld>
             <a:endParaRPr kumimoji="1" lang="zh-TW" altLang="en-US"/>
           </a:p>
@@ -10293,7 +10299,7 @@
           <p:cNvPr id="4" name="頁尾版面配置區 3">
             <a:extLst>
               <a:ext uri="{FF2B5EF4-FFF2-40B4-BE49-F238E27FC236}">
-                <a16:creationId xmlns:a16="http://schemas.microsoft.com/office/drawing/2014/main" xmlns="" id="{CA1C1E17-1A60-0144-B993-55C5B1B81E94}"/>
+                <a16:creationId xmlns="" xmlns:a16="http://schemas.microsoft.com/office/drawing/2014/main" id="{CA1C1E17-1A60-0144-B993-55C5B1B81E94}"/>
               </a:ext>
             </a:extLst>
           </p:cNvPr>
@@ -10318,7 +10324,7 @@
           <p:cNvPr id="5" name="投影片編號版面配置區 4">
             <a:extLst>
               <a:ext uri="{FF2B5EF4-FFF2-40B4-BE49-F238E27FC236}">
-                <a16:creationId xmlns:a16="http://schemas.microsoft.com/office/drawing/2014/main" xmlns="" id="{6E191D9A-D235-9D49-814E-DCBBB84DC544}"/>
+                <a16:creationId xmlns="" xmlns:a16="http://schemas.microsoft.com/office/drawing/2014/main" id="{6E191D9A-D235-9D49-814E-DCBBB84DC544}"/>
               </a:ext>
             </a:extLst>
           </p:cNvPr>
@@ -10347,7 +10353,7 @@
           <p:cNvPr id="7" name="圖片 6">
             <a:extLst>
               <a:ext uri="{FF2B5EF4-FFF2-40B4-BE49-F238E27FC236}">
-                <a16:creationId xmlns:a16="http://schemas.microsoft.com/office/drawing/2014/main" xmlns="" id="{5E0EAD78-AEC6-AB45-A710-DD47E43CBB16}"/>
+                <a16:creationId xmlns="" xmlns:a16="http://schemas.microsoft.com/office/drawing/2014/main" id="{5E0EAD78-AEC6-AB45-A710-DD47E43CBB16}"/>
               </a:ext>
             </a:extLst>
           </p:cNvPr>
@@ -10427,7 +10433,7 @@
           <p:cNvPr id="12" name="內容版面配置區 2">
             <a:extLst>
               <a:ext uri="{FF2B5EF4-FFF2-40B4-BE49-F238E27FC236}">
-                <a16:creationId xmlns:a16="http://schemas.microsoft.com/office/drawing/2014/main" xmlns="" id="{DB7FC4C6-C26F-214E-B2D6-C9ED5E2BD195}"/>
+                <a16:creationId xmlns="" xmlns:a16="http://schemas.microsoft.com/office/drawing/2014/main" id="{DB7FC4C6-C26F-214E-B2D6-C9ED5E2BD195}"/>
               </a:ext>
             </a:extLst>
           </p:cNvPr>
@@ -10489,7 +10495,7 @@
           <p:cNvPr id="13" name="矩形 12">
             <a:extLst>
               <a:ext uri="{FF2B5EF4-FFF2-40B4-BE49-F238E27FC236}">
-                <a16:creationId xmlns:a16="http://schemas.microsoft.com/office/drawing/2014/main" xmlns="" id="{C21960D3-0AC5-EE41-A19C-696161A1572E}"/>
+                <a16:creationId xmlns="" xmlns:a16="http://schemas.microsoft.com/office/drawing/2014/main" id="{C21960D3-0AC5-EE41-A19C-696161A1572E}"/>
               </a:ext>
             </a:extLst>
           </p:cNvPr>
@@ -10545,7 +10551,7 @@
           <p:cNvPr id="15" name="矩形 14">
             <a:extLst>
               <a:ext uri="{FF2B5EF4-FFF2-40B4-BE49-F238E27FC236}">
-                <a16:creationId xmlns:a16="http://schemas.microsoft.com/office/drawing/2014/main" xmlns="" id="{387A2BAD-7558-A944-B806-7AEF1C4243D0}"/>
+                <a16:creationId xmlns="" xmlns:a16="http://schemas.microsoft.com/office/drawing/2014/main" id="{387A2BAD-7558-A944-B806-7AEF1C4243D0}"/>
               </a:ext>
             </a:extLst>
           </p:cNvPr>
@@ -10802,7 +10808,7 @@
           <a:p>
             <a:fld id="{58A8743F-B12E-458C-9EA7-7F147439A6EC}" type="datetimeFigureOut">
               <a:rPr lang="zh-TW" altLang="en-US" smtClean="0"/>
-              <a:t>2020/2/6</a:t>
+              <a:t>2020/2/12</a:t>
             </a:fld>
             <a:endParaRPr lang="zh-TW" altLang="en-US"/>
           </a:p>
@@ -10855,7 +10861,7 @@
           <p:cNvPr id="8" name="矩形 7">
             <a:extLst>
               <a:ext uri="{FF2B5EF4-FFF2-40B4-BE49-F238E27FC236}">
-                <a16:creationId xmlns:a16="http://schemas.microsoft.com/office/drawing/2014/main" xmlns="" id="{C21960D3-0AC5-EE41-A19C-696161A1572E}"/>
+                <a16:creationId xmlns="" xmlns:a16="http://schemas.microsoft.com/office/drawing/2014/main" id="{C21960D3-0AC5-EE41-A19C-696161A1572E}"/>
               </a:ext>
             </a:extLst>
           </p:cNvPr>
@@ -11069,7 +11075,7 @@
           <p:cNvPr id="2" name="標題 1">
             <a:extLst>
               <a:ext uri="{FF2B5EF4-FFF2-40B4-BE49-F238E27FC236}">
-                <a16:creationId xmlns:a16="http://schemas.microsoft.com/office/drawing/2014/main" xmlns="" id="{6A1C7254-695B-1F42-AC59-34E8D858E936}"/>
+                <a16:creationId xmlns="" xmlns:a16="http://schemas.microsoft.com/office/drawing/2014/main" id="{6A1C7254-695B-1F42-AC59-34E8D858E936}"/>
               </a:ext>
             </a:extLst>
           </p:cNvPr>
@@ -11112,7 +11118,7 @@
           <p:cNvPr id="3" name="文字版面配置區 2">
             <a:extLst>
               <a:ext uri="{FF2B5EF4-FFF2-40B4-BE49-F238E27FC236}">
-                <a16:creationId xmlns:a16="http://schemas.microsoft.com/office/drawing/2014/main" xmlns="" id="{1D19DA3B-2013-E14B-A941-CC519B76AD6F}"/>
+                <a16:creationId xmlns="" xmlns:a16="http://schemas.microsoft.com/office/drawing/2014/main" id="{1D19DA3B-2013-E14B-A941-CC519B76AD6F}"/>
               </a:ext>
             </a:extLst>
           </p:cNvPr>
@@ -11237,7 +11243,7 @@
           <p:cNvPr id="4" name="日期版面配置區 3">
             <a:extLst>
               <a:ext uri="{FF2B5EF4-FFF2-40B4-BE49-F238E27FC236}">
-                <a16:creationId xmlns:a16="http://schemas.microsoft.com/office/drawing/2014/main" xmlns="" id="{BC7211D9-290C-574E-B682-764110BB9BAF}"/>
+                <a16:creationId xmlns="" xmlns:a16="http://schemas.microsoft.com/office/drawing/2014/main" id="{BC7211D9-290C-574E-B682-764110BB9BAF}"/>
               </a:ext>
             </a:extLst>
           </p:cNvPr>
@@ -11255,7 +11261,7 @@
           <a:p>
             <a:fld id="{75F8934F-7F83-1046-9341-02CE27D9104D}" type="datetimeFigureOut">
               <a:rPr kumimoji="1" lang="zh-TW" altLang="en-US" smtClean="0"/>
-              <a:t>2020/2/6</a:t>
+              <a:t>2020/2/12</a:t>
             </a:fld>
             <a:endParaRPr kumimoji="1" lang="zh-TW" altLang="en-US" dirty="0"/>
           </a:p>
@@ -11266,7 +11272,7 @@
           <p:cNvPr id="5" name="頁尾版面配置區 4">
             <a:extLst>
               <a:ext uri="{FF2B5EF4-FFF2-40B4-BE49-F238E27FC236}">
-                <a16:creationId xmlns:a16="http://schemas.microsoft.com/office/drawing/2014/main" xmlns="" id="{D4D4BDD1-0BFA-0645-8197-068191AAF54C}"/>
+                <a16:creationId xmlns="" xmlns:a16="http://schemas.microsoft.com/office/drawing/2014/main" id="{D4D4BDD1-0BFA-0645-8197-068191AAF54C}"/>
               </a:ext>
             </a:extLst>
           </p:cNvPr>
@@ -11291,7 +11297,7 @@
           <p:cNvPr id="6" name="投影片編號版面配置區 5">
             <a:extLst>
               <a:ext uri="{FF2B5EF4-FFF2-40B4-BE49-F238E27FC236}">
-                <a16:creationId xmlns:a16="http://schemas.microsoft.com/office/drawing/2014/main" xmlns="" id="{F592E68C-AEE0-D84B-8844-7CF5E83647F7}"/>
+                <a16:creationId xmlns="" xmlns:a16="http://schemas.microsoft.com/office/drawing/2014/main" id="{F592E68C-AEE0-D84B-8844-7CF5E83647F7}"/>
               </a:ext>
             </a:extLst>
           </p:cNvPr>
@@ -11396,7 +11402,7 @@
           <p:cNvPr id="2" name="標題 1">
             <a:extLst>
               <a:ext uri="{FF2B5EF4-FFF2-40B4-BE49-F238E27FC236}">
-                <a16:creationId xmlns:a16="http://schemas.microsoft.com/office/drawing/2014/main" xmlns="" id="{6A1C7254-695B-1F42-AC59-34E8D858E936}"/>
+                <a16:creationId xmlns="" xmlns:a16="http://schemas.microsoft.com/office/drawing/2014/main" id="{6A1C7254-695B-1F42-AC59-34E8D858E936}"/>
               </a:ext>
             </a:extLst>
           </p:cNvPr>
@@ -11439,7 +11445,7 @@
           <p:cNvPr id="3" name="文字版面配置區 2">
             <a:extLst>
               <a:ext uri="{FF2B5EF4-FFF2-40B4-BE49-F238E27FC236}">
-                <a16:creationId xmlns:a16="http://schemas.microsoft.com/office/drawing/2014/main" xmlns="" id="{1D19DA3B-2013-E14B-A941-CC519B76AD6F}"/>
+                <a16:creationId xmlns="" xmlns:a16="http://schemas.microsoft.com/office/drawing/2014/main" id="{1D19DA3B-2013-E14B-A941-CC519B76AD6F}"/>
               </a:ext>
             </a:extLst>
           </p:cNvPr>
@@ -11564,7 +11570,7 @@
           <p:cNvPr id="4" name="日期版面配置區 3">
             <a:extLst>
               <a:ext uri="{FF2B5EF4-FFF2-40B4-BE49-F238E27FC236}">
-                <a16:creationId xmlns:a16="http://schemas.microsoft.com/office/drawing/2014/main" xmlns="" id="{BC7211D9-290C-574E-B682-764110BB9BAF}"/>
+                <a16:creationId xmlns="" xmlns:a16="http://schemas.microsoft.com/office/drawing/2014/main" id="{BC7211D9-290C-574E-B682-764110BB9BAF}"/>
               </a:ext>
             </a:extLst>
           </p:cNvPr>
@@ -11582,7 +11588,7 @@
           <a:p>
             <a:fld id="{75F8934F-7F83-1046-9341-02CE27D9104D}" type="datetimeFigureOut">
               <a:rPr kumimoji="1" lang="zh-TW" altLang="en-US" smtClean="0"/>
-              <a:t>2020/2/6</a:t>
+              <a:t>2020/2/12</a:t>
             </a:fld>
             <a:endParaRPr kumimoji="1" lang="zh-TW" altLang="en-US" dirty="0"/>
           </a:p>
@@ -11593,7 +11599,7 @@
           <p:cNvPr id="5" name="頁尾版面配置區 4">
             <a:extLst>
               <a:ext uri="{FF2B5EF4-FFF2-40B4-BE49-F238E27FC236}">
-                <a16:creationId xmlns:a16="http://schemas.microsoft.com/office/drawing/2014/main" xmlns="" id="{D4D4BDD1-0BFA-0645-8197-068191AAF54C}"/>
+                <a16:creationId xmlns="" xmlns:a16="http://schemas.microsoft.com/office/drawing/2014/main" id="{D4D4BDD1-0BFA-0645-8197-068191AAF54C}"/>
               </a:ext>
             </a:extLst>
           </p:cNvPr>
@@ -11618,7 +11624,7 @@
           <p:cNvPr id="6" name="投影片編號版面配置區 5">
             <a:extLst>
               <a:ext uri="{FF2B5EF4-FFF2-40B4-BE49-F238E27FC236}">
-                <a16:creationId xmlns:a16="http://schemas.microsoft.com/office/drawing/2014/main" xmlns="" id="{F592E68C-AEE0-D84B-8844-7CF5E83647F7}"/>
+                <a16:creationId xmlns="" xmlns:a16="http://schemas.microsoft.com/office/drawing/2014/main" id="{F592E68C-AEE0-D84B-8844-7CF5E83647F7}"/>
               </a:ext>
             </a:extLst>
           </p:cNvPr>
@@ -11647,7 +11653,7 @@
           <p:cNvPr id="7" name="圖片 6">
             <a:extLst>
               <a:ext uri="{FF2B5EF4-FFF2-40B4-BE49-F238E27FC236}">
-                <a16:creationId xmlns:a16="http://schemas.microsoft.com/office/drawing/2014/main" xmlns="" id="{CFC0D688-7C0C-F240-82D7-136060E3079C}"/>
+                <a16:creationId xmlns="" xmlns:a16="http://schemas.microsoft.com/office/drawing/2014/main" id="{CFC0D688-7C0C-F240-82D7-136060E3079C}"/>
               </a:ext>
             </a:extLst>
           </p:cNvPr>
@@ -11846,7 +11852,7 @@
           <p:cNvPr id="2" name="標題 1">
             <a:extLst>
               <a:ext uri="{FF2B5EF4-FFF2-40B4-BE49-F238E27FC236}">
-                <a16:creationId xmlns:a16="http://schemas.microsoft.com/office/drawing/2014/main" xmlns="" id="{6A1C7254-695B-1F42-AC59-34E8D858E936}"/>
+                <a16:creationId xmlns="" xmlns:a16="http://schemas.microsoft.com/office/drawing/2014/main" id="{6A1C7254-695B-1F42-AC59-34E8D858E936}"/>
               </a:ext>
             </a:extLst>
           </p:cNvPr>
@@ -11889,7 +11895,7 @@
           <p:cNvPr id="3" name="文字版面配置區 2">
             <a:extLst>
               <a:ext uri="{FF2B5EF4-FFF2-40B4-BE49-F238E27FC236}">
-                <a16:creationId xmlns:a16="http://schemas.microsoft.com/office/drawing/2014/main" xmlns="" id="{1D19DA3B-2013-E14B-A941-CC519B76AD6F}"/>
+                <a16:creationId xmlns="" xmlns:a16="http://schemas.microsoft.com/office/drawing/2014/main" id="{1D19DA3B-2013-E14B-A941-CC519B76AD6F}"/>
               </a:ext>
             </a:extLst>
           </p:cNvPr>
@@ -12014,7 +12020,7 @@
           <p:cNvPr id="4" name="日期版面配置區 3">
             <a:extLst>
               <a:ext uri="{FF2B5EF4-FFF2-40B4-BE49-F238E27FC236}">
-                <a16:creationId xmlns:a16="http://schemas.microsoft.com/office/drawing/2014/main" xmlns="" id="{BC7211D9-290C-574E-B682-764110BB9BAF}"/>
+                <a16:creationId xmlns="" xmlns:a16="http://schemas.microsoft.com/office/drawing/2014/main" id="{BC7211D9-290C-574E-B682-764110BB9BAF}"/>
               </a:ext>
             </a:extLst>
           </p:cNvPr>
@@ -12032,7 +12038,7 @@
           <a:p>
             <a:fld id="{75F8934F-7F83-1046-9341-02CE27D9104D}" type="datetimeFigureOut">
               <a:rPr kumimoji="1" lang="zh-TW" altLang="en-US" smtClean="0"/>
-              <a:t>2020/2/6</a:t>
+              <a:t>2020/2/12</a:t>
             </a:fld>
             <a:endParaRPr kumimoji="1" lang="zh-TW" altLang="en-US" dirty="0"/>
           </a:p>
@@ -12043,7 +12049,7 @@
           <p:cNvPr id="5" name="頁尾版面配置區 4">
             <a:extLst>
               <a:ext uri="{FF2B5EF4-FFF2-40B4-BE49-F238E27FC236}">
-                <a16:creationId xmlns:a16="http://schemas.microsoft.com/office/drawing/2014/main" xmlns="" id="{D4D4BDD1-0BFA-0645-8197-068191AAF54C}"/>
+                <a16:creationId xmlns="" xmlns:a16="http://schemas.microsoft.com/office/drawing/2014/main" id="{D4D4BDD1-0BFA-0645-8197-068191AAF54C}"/>
               </a:ext>
             </a:extLst>
           </p:cNvPr>
@@ -12068,7 +12074,7 @@
           <p:cNvPr id="6" name="投影片編號版面配置區 5">
             <a:extLst>
               <a:ext uri="{FF2B5EF4-FFF2-40B4-BE49-F238E27FC236}">
-                <a16:creationId xmlns:a16="http://schemas.microsoft.com/office/drawing/2014/main" xmlns="" id="{F592E68C-AEE0-D84B-8844-7CF5E83647F7}"/>
+                <a16:creationId xmlns="" xmlns:a16="http://schemas.microsoft.com/office/drawing/2014/main" id="{F592E68C-AEE0-D84B-8844-7CF5E83647F7}"/>
               </a:ext>
             </a:extLst>
           </p:cNvPr>
@@ -12177,7 +12183,7 @@
           <p:cNvPr id="3" name="內容版面配置區 2">
             <a:extLst>
               <a:ext uri="{FF2B5EF4-FFF2-40B4-BE49-F238E27FC236}">
-                <a16:creationId xmlns:a16="http://schemas.microsoft.com/office/drawing/2014/main" xmlns="" id="{DB7FC4C6-C26F-214E-B2D6-C9ED5E2BD195}"/>
+                <a16:creationId xmlns="" xmlns:a16="http://schemas.microsoft.com/office/drawing/2014/main" id="{DB7FC4C6-C26F-214E-B2D6-C9ED5E2BD195}"/>
               </a:ext>
             </a:extLst>
           </p:cNvPr>
@@ -12269,7 +12275,7 @@
           <p:cNvPr id="5" name="日期版面配置區 4">
             <a:extLst>
               <a:ext uri="{FF2B5EF4-FFF2-40B4-BE49-F238E27FC236}">
-                <a16:creationId xmlns:a16="http://schemas.microsoft.com/office/drawing/2014/main" xmlns="" id="{B9046B7C-39BE-4A4E-B699-9748D6DA088D}"/>
+                <a16:creationId xmlns="" xmlns:a16="http://schemas.microsoft.com/office/drawing/2014/main" id="{B9046B7C-39BE-4A4E-B699-9748D6DA088D}"/>
               </a:ext>
             </a:extLst>
           </p:cNvPr>
@@ -12287,7 +12293,7 @@
           <a:p>
             <a:fld id="{75F8934F-7F83-1046-9341-02CE27D9104D}" type="datetimeFigureOut">
               <a:rPr kumimoji="1" lang="zh-TW" altLang="en-US" smtClean="0"/>
-              <a:t>2020/2/6</a:t>
+              <a:t>2020/2/12</a:t>
             </a:fld>
             <a:endParaRPr kumimoji="1" lang="zh-TW" altLang="en-US"/>
           </a:p>
@@ -12298,7 +12304,7 @@
           <p:cNvPr id="6" name="頁尾版面配置區 5">
             <a:extLst>
               <a:ext uri="{FF2B5EF4-FFF2-40B4-BE49-F238E27FC236}">
-                <a16:creationId xmlns:a16="http://schemas.microsoft.com/office/drawing/2014/main" xmlns="" id="{1AD5E07B-3935-B144-8CAF-5251EF861FDA}"/>
+                <a16:creationId xmlns="" xmlns:a16="http://schemas.microsoft.com/office/drawing/2014/main" id="{1AD5E07B-3935-B144-8CAF-5251EF861FDA}"/>
               </a:ext>
             </a:extLst>
           </p:cNvPr>
@@ -12323,7 +12329,7 @@
           <p:cNvPr id="7" name="投影片編號版面配置區 6">
             <a:extLst>
               <a:ext uri="{FF2B5EF4-FFF2-40B4-BE49-F238E27FC236}">
-                <a16:creationId xmlns:a16="http://schemas.microsoft.com/office/drawing/2014/main" xmlns="" id="{C9A0C168-E66B-E24E-B30C-62EBA9A41007}"/>
+                <a16:creationId xmlns="" xmlns:a16="http://schemas.microsoft.com/office/drawing/2014/main" id="{C9A0C168-E66B-E24E-B30C-62EBA9A41007}"/>
               </a:ext>
             </a:extLst>
           </p:cNvPr>
@@ -12352,7 +12358,7 @@
           <p:cNvPr id="8" name="圖片 7">
             <a:extLst>
               <a:ext uri="{FF2B5EF4-FFF2-40B4-BE49-F238E27FC236}">
-                <a16:creationId xmlns:a16="http://schemas.microsoft.com/office/drawing/2014/main" xmlns="" id="{5E0EAD78-AEC6-AB45-A710-DD47E43CBB16}"/>
+                <a16:creationId xmlns="" xmlns:a16="http://schemas.microsoft.com/office/drawing/2014/main" id="{5E0EAD78-AEC6-AB45-A710-DD47E43CBB16}"/>
               </a:ext>
             </a:extLst>
           </p:cNvPr>
@@ -12388,7 +12394,7 @@
           <p:cNvPr id="10" name="矩形 9">
             <a:extLst>
               <a:ext uri="{FF2B5EF4-FFF2-40B4-BE49-F238E27FC236}">
-                <a16:creationId xmlns:a16="http://schemas.microsoft.com/office/drawing/2014/main" xmlns="" id="{387A2BAD-7558-A944-B806-7AEF1C4243D0}"/>
+                <a16:creationId xmlns="" xmlns:a16="http://schemas.microsoft.com/office/drawing/2014/main" id="{387A2BAD-7558-A944-B806-7AEF1C4243D0}"/>
               </a:ext>
             </a:extLst>
           </p:cNvPr>
@@ -12440,7 +12446,7 @@
           <p:cNvPr id="11" name="標題 1">
             <a:extLst>
               <a:ext uri="{FF2B5EF4-FFF2-40B4-BE49-F238E27FC236}">
-                <a16:creationId xmlns:a16="http://schemas.microsoft.com/office/drawing/2014/main" xmlns="" id="{AA60FC08-DB42-1443-B1D9-594B0DFFD819}"/>
+                <a16:creationId xmlns="" xmlns:a16="http://schemas.microsoft.com/office/drawing/2014/main" id="{AA60FC08-DB42-1443-B1D9-594B0DFFD819}"/>
               </a:ext>
             </a:extLst>
           </p:cNvPr>
@@ -12485,7 +12491,7 @@
           <p:cNvPr id="13" name="矩形 12">
             <a:extLst>
               <a:ext uri="{FF2B5EF4-FFF2-40B4-BE49-F238E27FC236}">
-                <a16:creationId xmlns:a16="http://schemas.microsoft.com/office/drawing/2014/main" xmlns="" id="{C21960D3-0AC5-EE41-A19C-696161A1572E}"/>
+                <a16:creationId xmlns="" xmlns:a16="http://schemas.microsoft.com/office/drawing/2014/main" id="{C21960D3-0AC5-EE41-A19C-696161A1572E}"/>
               </a:ext>
             </a:extLst>
           </p:cNvPr>
@@ -12595,7 +12601,7 @@
           <p:cNvPr id="12" name="矩形 11">
             <a:extLst>
               <a:ext uri="{FF2B5EF4-FFF2-40B4-BE49-F238E27FC236}">
-                <a16:creationId xmlns:a16="http://schemas.microsoft.com/office/drawing/2014/main" xmlns="" id="{387A2BAD-7558-A944-B806-7AEF1C4243D0}"/>
+                <a16:creationId xmlns="" xmlns:a16="http://schemas.microsoft.com/office/drawing/2014/main" id="{387A2BAD-7558-A944-B806-7AEF1C4243D0}"/>
               </a:ext>
             </a:extLst>
           </p:cNvPr>
@@ -12744,7 +12750,7 @@
           <p:cNvPr id="2" name="標題 1">
             <a:extLst>
               <a:ext uri="{FF2B5EF4-FFF2-40B4-BE49-F238E27FC236}">
-                <a16:creationId xmlns:a16="http://schemas.microsoft.com/office/drawing/2014/main" xmlns="" id="{979C6CD6-89CE-E846-934F-01618F2F117C}"/>
+                <a16:creationId xmlns="" xmlns:a16="http://schemas.microsoft.com/office/drawing/2014/main" id="{979C6CD6-89CE-E846-934F-01618F2F117C}"/>
               </a:ext>
             </a:extLst>
           </p:cNvPr>
@@ -12785,7 +12791,7 @@
           <p:cNvPr id="3" name="內容版面配置區 2">
             <a:extLst>
               <a:ext uri="{FF2B5EF4-FFF2-40B4-BE49-F238E27FC236}">
-                <a16:creationId xmlns:a16="http://schemas.microsoft.com/office/drawing/2014/main" xmlns="" id="{DB7FC4C6-C26F-214E-B2D6-C9ED5E2BD195}"/>
+                <a16:creationId xmlns="" xmlns:a16="http://schemas.microsoft.com/office/drawing/2014/main" id="{DB7FC4C6-C26F-214E-B2D6-C9ED5E2BD195}"/>
               </a:ext>
             </a:extLst>
           </p:cNvPr>
@@ -12877,7 +12883,7 @@
           <p:cNvPr id="5" name="日期版面配置區 4">
             <a:extLst>
               <a:ext uri="{FF2B5EF4-FFF2-40B4-BE49-F238E27FC236}">
-                <a16:creationId xmlns:a16="http://schemas.microsoft.com/office/drawing/2014/main" xmlns="" id="{B9046B7C-39BE-4A4E-B699-9748D6DA088D}"/>
+                <a16:creationId xmlns="" xmlns:a16="http://schemas.microsoft.com/office/drawing/2014/main" id="{B9046B7C-39BE-4A4E-B699-9748D6DA088D}"/>
               </a:ext>
             </a:extLst>
           </p:cNvPr>
@@ -12895,7 +12901,7 @@
           <a:p>
             <a:fld id="{75F8934F-7F83-1046-9341-02CE27D9104D}" type="datetimeFigureOut">
               <a:rPr kumimoji="1" lang="zh-TW" altLang="en-US" smtClean="0"/>
-              <a:t>2020/2/6</a:t>
+              <a:t>2020/2/12</a:t>
             </a:fld>
             <a:endParaRPr kumimoji="1" lang="zh-TW" altLang="en-US"/>
           </a:p>
@@ -12906,7 +12912,7 @@
           <p:cNvPr id="6" name="頁尾版面配置區 5">
             <a:extLst>
               <a:ext uri="{FF2B5EF4-FFF2-40B4-BE49-F238E27FC236}">
-                <a16:creationId xmlns:a16="http://schemas.microsoft.com/office/drawing/2014/main" xmlns="" id="{1AD5E07B-3935-B144-8CAF-5251EF861FDA}"/>
+                <a16:creationId xmlns="" xmlns:a16="http://schemas.microsoft.com/office/drawing/2014/main" id="{1AD5E07B-3935-B144-8CAF-5251EF861FDA}"/>
               </a:ext>
             </a:extLst>
           </p:cNvPr>
@@ -12931,7 +12937,7 @@
           <p:cNvPr id="7" name="投影片編號版面配置區 6">
             <a:extLst>
               <a:ext uri="{FF2B5EF4-FFF2-40B4-BE49-F238E27FC236}">
-                <a16:creationId xmlns:a16="http://schemas.microsoft.com/office/drawing/2014/main" xmlns="" id="{C9A0C168-E66B-E24E-B30C-62EBA9A41007}"/>
+                <a16:creationId xmlns="" xmlns:a16="http://schemas.microsoft.com/office/drawing/2014/main" id="{C9A0C168-E66B-E24E-B30C-62EBA9A41007}"/>
               </a:ext>
             </a:extLst>
           </p:cNvPr>
@@ -12960,7 +12966,7 @@
           <p:cNvPr id="8" name="圖片 7">
             <a:extLst>
               <a:ext uri="{FF2B5EF4-FFF2-40B4-BE49-F238E27FC236}">
-                <a16:creationId xmlns:a16="http://schemas.microsoft.com/office/drawing/2014/main" xmlns="" id="{5E0EAD78-AEC6-AB45-A710-DD47E43CBB16}"/>
+                <a16:creationId xmlns="" xmlns:a16="http://schemas.microsoft.com/office/drawing/2014/main" id="{5E0EAD78-AEC6-AB45-A710-DD47E43CBB16}"/>
               </a:ext>
             </a:extLst>
           </p:cNvPr>
@@ -12996,7 +13002,7 @@
           <p:cNvPr id="17" name="內容版面配置區 2">
             <a:extLst>
               <a:ext uri="{FF2B5EF4-FFF2-40B4-BE49-F238E27FC236}">
-                <a16:creationId xmlns:a16="http://schemas.microsoft.com/office/drawing/2014/main" xmlns="" id="{DB7FC4C6-C26F-214E-B2D6-C9ED5E2BD195}"/>
+                <a16:creationId xmlns="" xmlns:a16="http://schemas.microsoft.com/office/drawing/2014/main" id="{DB7FC4C6-C26F-214E-B2D6-C9ED5E2BD195}"/>
               </a:ext>
             </a:extLst>
           </p:cNvPr>
@@ -13088,7 +13094,7 @@
           <p:cNvPr id="24" name="內容版面配置區 2">
             <a:extLst>
               <a:ext uri="{FF2B5EF4-FFF2-40B4-BE49-F238E27FC236}">
-                <a16:creationId xmlns:a16="http://schemas.microsoft.com/office/drawing/2014/main" xmlns="" id="{DB7FC4C6-C26F-214E-B2D6-C9ED5E2BD195}"/>
+                <a16:creationId xmlns="" xmlns:a16="http://schemas.microsoft.com/office/drawing/2014/main" id="{DB7FC4C6-C26F-214E-B2D6-C9ED5E2BD195}"/>
               </a:ext>
             </a:extLst>
           </p:cNvPr>
@@ -13180,7 +13186,7 @@
           <p:cNvPr id="26" name="內容版面配置區 2">
             <a:extLst>
               <a:ext uri="{FF2B5EF4-FFF2-40B4-BE49-F238E27FC236}">
-                <a16:creationId xmlns:a16="http://schemas.microsoft.com/office/drawing/2014/main" xmlns="" id="{DB7FC4C6-C26F-214E-B2D6-C9ED5E2BD195}"/>
+                <a16:creationId xmlns="" xmlns:a16="http://schemas.microsoft.com/office/drawing/2014/main" id="{DB7FC4C6-C26F-214E-B2D6-C9ED5E2BD195}"/>
               </a:ext>
             </a:extLst>
           </p:cNvPr>
@@ -13272,7 +13278,7 @@
           <p:cNvPr id="27" name="內容版面配置區 2">
             <a:extLst>
               <a:ext uri="{FF2B5EF4-FFF2-40B4-BE49-F238E27FC236}">
-                <a16:creationId xmlns:a16="http://schemas.microsoft.com/office/drawing/2014/main" xmlns="" id="{DB7FC4C6-C26F-214E-B2D6-C9ED5E2BD195}"/>
+                <a16:creationId xmlns="" xmlns:a16="http://schemas.microsoft.com/office/drawing/2014/main" id="{DB7FC4C6-C26F-214E-B2D6-C9ED5E2BD195}"/>
               </a:ext>
             </a:extLst>
           </p:cNvPr>
@@ -13364,7 +13370,7 @@
           <p:cNvPr id="28" name="內容版面配置區 2">
             <a:extLst>
               <a:ext uri="{FF2B5EF4-FFF2-40B4-BE49-F238E27FC236}">
-                <a16:creationId xmlns:a16="http://schemas.microsoft.com/office/drawing/2014/main" xmlns="" id="{DB7FC4C6-C26F-214E-B2D6-C9ED5E2BD195}"/>
+                <a16:creationId xmlns="" xmlns:a16="http://schemas.microsoft.com/office/drawing/2014/main" id="{DB7FC4C6-C26F-214E-B2D6-C9ED5E2BD195}"/>
               </a:ext>
             </a:extLst>
           </p:cNvPr>
@@ -13456,7 +13462,7 @@
           <p:cNvPr id="29" name="內容版面配置區 2">
             <a:extLst>
               <a:ext uri="{FF2B5EF4-FFF2-40B4-BE49-F238E27FC236}">
-                <a16:creationId xmlns:a16="http://schemas.microsoft.com/office/drawing/2014/main" xmlns="" id="{DB7FC4C6-C26F-214E-B2D6-C9ED5E2BD195}"/>
+                <a16:creationId xmlns="" xmlns:a16="http://schemas.microsoft.com/office/drawing/2014/main" id="{DB7FC4C6-C26F-214E-B2D6-C9ED5E2BD195}"/>
               </a:ext>
             </a:extLst>
           </p:cNvPr>
@@ -13548,7 +13554,7 @@
           <p:cNvPr id="30" name="內容版面配置區 2">
             <a:extLst>
               <a:ext uri="{FF2B5EF4-FFF2-40B4-BE49-F238E27FC236}">
-                <a16:creationId xmlns:a16="http://schemas.microsoft.com/office/drawing/2014/main" xmlns="" id="{DB7FC4C6-C26F-214E-B2D6-C9ED5E2BD195}"/>
+                <a16:creationId xmlns="" xmlns:a16="http://schemas.microsoft.com/office/drawing/2014/main" id="{DB7FC4C6-C26F-214E-B2D6-C9ED5E2BD195}"/>
               </a:ext>
             </a:extLst>
           </p:cNvPr>
@@ -13640,7 +13646,7 @@
           <p:cNvPr id="31" name="內容版面配置區 2">
             <a:extLst>
               <a:ext uri="{FF2B5EF4-FFF2-40B4-BE49-F238E27FC236}">
-                <a16:creationId xmlns:a16="http://schemas.microsoft.com/office/drawing/2014/main" xmlns="" id="{DB7FC4C6-C26F-214E-B2D6-C9ED5E2BD195}"/>
+                <a16:creationId xmlns="" xmlns:a16="http://schemas.microsoft.com/office/drawing/2014/main" id="{DB7FC4C6-C26F-214E-B2D6-C9ED5E2BD195}"/>
               </a:ext>
             </a:extLst>
           </p:cNvPr>
@@ -13805,7 +13811,7 @@
           <a:p>
             <a:fld id="{75F8934F-7F83-1046-9341-02CE27D9104D}" type="datetimeFigureOut">
               <a:rPr kumimoji="1" lang="zh-TW" altLang="en-US" smtClean="0"/>
-              <a:t>2020/2/6</a:t>
+              <a:t>2020/2/12</a:t>
             </a:fld>
             <a:endParaRPr kumimoji="1" lang="zh-TW" altLang="en-US"/>
           </a:p>
@@ -13904,7 +13910,7 @@
           <p:cNvPr id="22" name="文字版面配置區 2">
             <a:extLst>
               <a:ext uri="{FF2B5EF4-FFF2-40B4-BE49-F238E27FC236}">
-                <a16:creationId xmlns:a16="http://schemas.microsoft.com/office/drawing/2014/main" xmlns="" id="{1D19DA3B-2013-E14B-A941-CC519B76AD6F}"/>
+                <a16:creationId xmlns="" xmlns:a16="http://schemas.microsoft.com/office/drawing/2014/main" id="{1D19DA3B-2013-E14B-A941-CC519B76AD6F}"/>
               </a:ext>
             </a:extLst>
           </p:cNvPr>
@@ -14309,7 +14315,7 @@
           <p:cNvPr id="28" name="文字版面配置區 2">
             <a:extLst>
               <a:ext uri="{FF2B5EF4-FFF2-40B4-BE49-F238E27FC236}">
-                <a16:creationId xmlns:a16="http://schemas.microsoft.com/office/drawing/2014/main" xmlns="" id="{1D19DA3B-2013-E14B-A941-CC519B76AD6F}"/>
+                <a16:creationId xmlns="" xmlns:a16="http://schemas.microsoft.com/office/drawing/2014/main" id="{1D19DA3B-2013-E14B-A941-CC519B76AD6F}"/>
               </a:ext>
             </a:extLst>
           </p:cNvPr>
@@ -14434,7 +14440,7 @@
           <p:cNvPr id="29" name="文字版面配置區 2">
             <a:extLst>
               <a:ext uri="{FF2B5EF4-FFF2-40B4-BE49-F238E27FC236}">
-                <a16:creationId xmlns:a16="http://schemas.microsoft.com/office/drawing/2014/main" xmlns="" id="{1D19DA3B-2013-E14B-A941-CC519B76AD6F}"/>
+                <a16:creationId xmlns="" xmlns:a16="http://schemas.microsoft.com/office/drawing/2014/main" id="{1D19DA3B-2013-E14B-A941-CC519B76AD6F}"/>
               </a:ext>
             </a:extLst>
           </p:cNvPr>
@@ -14559,7 +14565,7 @@
           <p:cNvPr id="30" name="文字版面配置區 2">
             <a:extLst>
               <a:ext uri="{FF2B5EF4-FFF2-40B4-BE49-F238E27FC236}">
-                <a16:creationId xmlns:a16="http://schemas.microsoft.com/office/drawing/2014/main" xmlns="" id="{1D19DA3B-2013-E14B-A941-CC519B76AD6F}"/>
+                <a16:creationId xmlns="" xmlns:a16="http://schemas.microsoft.com/office/drawing/2014/main" id="{1D19DA3B-2013-E14B-A941-CC519B76AD6F}"/>
               </a:ext>
             </a:extLst>
           </p:cNvPr>
@@ -14684,7 +14690,7 @@
           <p:cNvPr id="31" name="文字版面配置區 2">
             <a:extLst>
               <a:ext uri="{FF2B5EF4-FFF2-40B4-BE49-F238E27FC236}">
-                <a16:creationId xmlns:a16="http://schemas.microsoft.com/office/drawing/2014/main" xmlns="" id="{1D19DA3B-2013-E14B-A941-CC519B76AD6F}"/>
+                <a16:creationId xmlns="" xmlns:a16="http://schemas.microsoft.com/office/drawing/2014/main" id="{1D19DA3B-2013-E14B-A941-CC519B76AD6F}"/>
               </a:ext>
             </a:extLst>
           </p:cNvPr>
@@ -14809,7 +14815,7 @@
           <p:cNvPr id="32" name="圖片 31">
             <a:extLst>
               <a:ext uri="{FF2B5EF4-FFF2-40B4-BE49-F238E27FC236}">
-                <a16:creationId xmlns:a16="http://schemas.microsoft.com/office/drawing/2014/main" xmlns="" id="{5E0EAD78-AEC6-AB45-A710-DD47E43CBB16}"/>
+                <a16:creationId xmlns="" xmlns:a16="http://schemas.microsoft.com/office/drawing/2014/main" id="{5E0EAD78-AEC6-AB45-A710-DD47E43CBB16}"/>
               </a:ext>
             </a:extLst>
           </p:cNvPr>
@@ -14887,7 +14893,7 @@
           <a:p>
             <a:fld id="{75F8934F-7F83-1046-9341-02CE27D9104D}" type="datetimeFigureOut">
               <a:rPr kumimoji="1" lang="zh-TW" altLang="en-US" smtClean="0"/>
-              <a:t>2020/2/6</a:t>
+              <a:t>2020/2/12</a:t>
             </a:fld>
             <a:endParaRPr kumimoji="1" lang="zh-TW" altLang="en-US"/>
           </a:p>
@@ -14940,7 +14946,7 @@
           <p:cNvPr id="6" name="標題 1">
             <a:extLst>
               <a:ext uri="{FF2B5EF4-FFF2-40B4-BE49-F238E27FC236}">
-                <a16:creationId xmlns:a16="http://schemas.microsoft.com/office/drawing/2014/main" xmlns="" id="{AA60FC08-DB42-1443-B1D9-594B0DFFD819}"/>
+                <a16:creationId xmlns="" xmlns:a16="http://schemas.microsoft.com/office/drawing/2014/main" id="{AA60FC08-DB42-1443-B1D9-594B0DFFD819}"/>
               </a:ext>
             </a:extLst>
           </p:cNvPr>
@@ -15122,7 +15128,7 @@
           <p:cNvPr id="29" name="圖片 28">
             <a:extLst>
               <a:ext uri="{FF2B5EF4-FFF2-40B4-BE49-F238E27FC236}">
-                <a16:creationId xmlns:a16="http://schemas.microsoft.com/office/drawing/2014/main" xmlns="" id="{5E0EAD78-AEC6-AB45-A710-DD47E43CBB16}"/>
+                <a16:creationId xmlns="" xmlns:a16="http://schemas.microsoft.com/office/drawing/2014/main" id="{5E0EAD78-AEC6-AB45-A710-DD47E43CBB16}"/>
               </a:ext>
             </a:extLst>
           </p:cNvPr>
@@ -15193,7 +15199,7 @@
           <p:cNvPr id="2" name="標題版面配置區 1">
             <a:extLst>
               <a:ext uri="{FF2B5EF4-FFF2-40B4-BE49-F238E27FC236}">
-                <a16:creationId xmlns:a16="http://schemas.microsoft.com/office/drawing/2014/main" xmlns="" id="{94C8FF7A-2620-884D-9FB3-5AB36BFB548D}"/>
+                <a16:creationId xmlns="" xmlns:a16="http://schemas.microsoft.com/office/drawing/2014/main" id="{94C8FF7A-2620-884D-9FB3-5AB36BFB548D}"/>
               </a:ext>
             </a:extLst>
           </p:cNvPr>
@@ -15231,7 +15237,7 @@
           <p:cNvPr id="3" name="文字版面配置區 2">
             <a:extLst>
               <a:ext uri="{FF2B5EF4-FFF2-40B4-BE49-F238E27FC236}">
-                <a16:creationId xmlns:a16="http://schemas.microsoft.com/office/drawing/2014/main" xmlns="" id="{53B0CFF8-A290-1148-B62C-B24910D4324A}"/>
+                <a16:creationId xmlns="" xmlns:a16="http://schemas.microsoft.com/office/drawing/2014/main" id="{53B0CFF8-A290-1148-B62C-B24910D4324A}"/>
               </a:ext>
             </a:extLst>
           </p:cNvPr>
@@ -15298,7 +15304,7 @@
           <p:cNvPr id="4" name="日期版面配置區 3">
             <a:extLst>
               <a:ext uri="{FF2B5EF4-FFF2-40B4-BE49-F238E27FC236}">
-                <a16:creationId xmlns:a16="http://schemas.microsoft.com/office/drawing/2014/main" xmlns="" id="{6A059F25-1F05-934B-A3C3-A243C45024BD}"/>
+                <a16:creationId xmlns="" xmlns:a16="http://schemas.microsoft.com/office/drawing/2014/main" id="{6A059F25-1F05-934B-A3C3-A243C45024BD}"/>
               </a:ext>
             </a:extLst>
           </p:cNvPr>
@@ -15334,7 +15340,7 @@
           <a:p>
             <a:fld id="{75F8934F-7F83-1046-9341-02CE27D9104D}" type="datetimeFigureOut">
               <a:rPr kumimoji="1" lang="zh-TW" altLang="en-US" smtClean="0"/>
-              <a:t>2020/2/6</a:t>
+              <a:t>2020/2/12</a:t>
             </a:fld>
             <a:endParaRPr kumimoji="1" lang="zh-TW" altLang="en-US"/>
           </a:p>
@@ -15345,7 +15351,7 @@
           <p:cNvPr id="5" name="頁尾版面配置區 4">
             <a:extLst>
               <a:ext uri="{FF2B5EF4-FFF2-40B4-BE49-F238E27FC236}">
-                <a16:creationId xmlns:a16="http://schemas.microsoft.com/office/drawing/2014/main" xmlns="" id="{96F5D358-7817-1940-9383-7E6BF6DB94C4}"/>
+                <a16:creationId xmlns="" xmlns:a16="http://schemas.microsoft.com/office/drawing/2014/main" id="{96F5D358-7817-1940-9383-7E6BF6DB94C4}"/>
               </a:ext>
             </a:extLst>
           </p:cNvPr>
@@ -15388,7 +15394,7 @@
           <p:cNvPr id="6" name="投影片編號版面配置區 5">
             <a:extLst>
               <a:ext uri="{FF2B5EF4-FFF2-40B4-BE49-F238E27FC236}">
-                <a16:creationId xmlns:a16="http://schemas.microsoft.com/office/drawing/2014/main" xmlns="" id="{42AF2059-64BB-A041-B166-4ABAE4368C85}"/>
+                <a16:creationId xmlns="" xmlns:a16="http://schemas.microsoft.com/office/drawing/2014/main" id="{42AF2059-64BB-A041-B166-4ABAE4368C85}"/>
               </a:ext>
             </a:extLst>
           </p:cNvPr>
@@ -15770,7 +15776,7 @@
           <p:cNvPr id="2" name="標題 1">
             <a:extLst>
               <a:ext uri="{FF2B5EF4-FFF2-40B4-BE49-F238E27FC236}">
-                <a16:creationId xmlns:a16="http://schemas.microsoft.com/office/drawing/2014/main" xmlns="" id="{21D1F93B-0172-6544-80FA-8E4F07C59D60}"/>
+                <a16:creationId xmlns="" xmlns:a16="http://schemas.microsoft.com/office/drawing/2014/main" id="{21D1F93B-0172-6544-80FA-8E4F07C59D60}"/>
               </a:ext>
             </a:extLst>
           </p:cNvPr>
@@ -15795,7 +15801,7 @@
           <p:cNvPr id="3" name="副標題 2">
             <a:extLst>
               <a:ext uri="{FF2B5EF4-FFF2-40B4-BE49-F238E27FC236}">
-                <a16:creationId xmlns:a16="http://schemas.microsoft.com/office/drawing/2014/main" xmlns="" id="{EF107643-09F5-CF46-B8BB-0DC1151E4CD0}"/>
+                <a16:creationId xmlns="" xmlns:a16="http://schemas.microsoft.com/office/drawing/2014/main" id="{EF107643-09F5-CF46-B8BB-0DC1151E4CD0}"/>
               </a:ext>
             </a:extLst>
           </p:cNvPr>
@@ -15820,7 +15826,7 @@
           <p:cNvPr id="6" name="文字版面配置區 5">
             <a:extLst>
               <a:ext uri="{FF2B5EF4-FFF2-40B4-BE49-F238E27FC236}">
-                <a16:creationId xmlns:a16="http://schemas.microsoft.com/office/drawing/2014/main" xmlns="" id="{EC4C7251-0CC8-BC4A-A90C-9020762D8B31}"/>
+                <a16:creationId xmlns="" xmlns:a16="http://schemas.microsoft.com/office/drawing/2014/main" id="{EC4C7251-0CC8-BC4A-A90C-9020762D8B31}"/>
               </a:ext>
             </a:extLst>
           </p:cNvPr>
@@ -15891,18 +15897,45 @@
           <a:bodyPr/>
           <a:lstStyle/>
           <a:p>
+            <a:r>
+              <a:rPr lang="en-US" altLang="zh-CN" dirty="0" err="1" smtClean="0"/>
+              <a:t>gRPC</a:t>
+            </a:r>
+            <a:r>
+              <a:rPr lang="zh-CN" altLang="en-US" dirty="0" smtClean="0"/>
+              <a:t>傳輸過程</a:t>
+            </a:r>
+            <a:endParaRPr lang="zh-TW" altLang="en-US" dirty="0"/>
+          </a:p>
+        </p:txBody>
+      </p:sp>
+      <p:sp>
+        <p:nvSpPr>
+          <p:cNvPr id="3" name="內容版面配置區 2"/>
+          <p:cNvSpPr>
+            <a:spLocks noGrp="1"/>
+          </p:cNvSpPr>
+          <p:nvPr>
+            <p:ph sz="quarter" idx="13"/>
+          </p:nvPr>
+        </p:nvSpPr>
+        <p:spPr/>
+        <p:txBody>
+          <a:bodyPr/>
+          <a:lstStyle/>
+          <a:p>
             <a:endParaRPr lang="zh-TW" altLang="en-US"/>
           </a:p>
         </p:txBody>
       </p:sp>
       <p:sp>
         <p:nvSpPr>
-          <p:cNvPr id="3" name="內容版面配置區 2"/>
-          <p:cNvSpPr>
-            <a:spLocks noGrp="1"/>
-          </p:cNvSpPr>
-          <p:nvPr>
-            <p:ph sz="quarter" idx="13"/>
+          <p:cNvPr id="4" name="內容版面配置區 3"/>
+          <p:cNvSpPr>
+            <a:spLocks noGrp="1"/>
+          </p:cNvSpPr>
+          <p:nvPr>
+            <p:ph sz="half" idx="1"/>
           </p:nvPr>
         </p:nvSpPr>
         <p:spPr/>
@@ -15910,87 +15943,57 @@
           <a:bodyPr/>
           <a:lstStyle/>
           <a:p>
-            <a:endParaRPr lang="zh-TW" altLang="en-US"/>
-          </a:p>
-        </p:txBody>
-      </p:sp>
-      <p:sp>
-        <p:nvSpPr>
-          <p:cNvPr id="4" name="內容版面配置區 3"/>
-          <p:cNvSpPr>
-            <a:spLocks noGrp="1"/>
-          </p:cNvSpPr>
-          <p:nvPr>
-            <p:ph sz="half" idx="1"/>
-          </p:nvPr>
-        </p:nvSpPr>
-        <p:spPr/>
-        <p:txBody>
-          <a:bodyPr/>
-          <a:lstStyle/>
-          <a:p>
+            <a:pPr marL="514350" indent="-514350">
+              <a:buAutoNum type="arabicPeriod"/>
+            </a:pPr>
+            <a:r>
+              <a:rPr lang="en-US" altLang="zh-CN" dirty="0" smtClean="0"/>
+              <a:t>http2</a:t>
+            </a:r>
+          </a:p>
+          <a:p>
+            <a:pPr marL="514350" indent="-514350">
+              <a:buAutoNum type="arabicPeriod"/>
+            </a:pPr>
+            <a:r>
+              <a:rPr lang="en-US" altLang="zh-CN" dirty="0" smtClean="0"/>
+              <a:t>Proto</a:t>
+            </a:r>
+          </a:p>
+          <a:p>
+            <a:pPr marL="514350" indent="-514350">
+              <a:buAutoNum type="arabicPeriod"/>
+            </a:pPr>
+            <a:r>
+              <a:rPr lang="en-US" altLang="zh-TW" dirty="0" smtClean="0"/>
+              <a:t>2</a:t>
+            </a:r>
+            <a:r>
+              <a:rPr lang="zh-CN" altLang="en-US" dirty="0" smtClean="0"/>
+              <a:t>進制封裝</a:t>
+            </a:r>
+            <a:endParaRPr lang="en-US" altLang="zh-CN" dirty="0" smtClean="0"/>
+          </a:p>
+          <a:p>
+            <a:pPr marL="514350" indent="-514350">
+              <a:buAutoNum type="arabicPeriod"/>
+            </a:pPr>
+            <a:r>
+              <a:rPr lang="en-US" altLang="zh-TW" dirty="0" smtClean="0"/>
+              <a:t>2</a:t>
+            </a:r>
+            <a:r>
+              <a:rPr lang="zh-CN" altLang="en-US" dirty="0" smtClean="0"/>
+              <a:t>進制拆裝</a:t>
+            </a:r>
             <a:endParaRPr lang="zh-TW" altLang="en-US" dirty="0"/>
           </a:p>
         </p:txBody>
       </p:sp>
-      <p:pic>
-        <p:nvPicPr>
-          <p:cNvPr id="1026" name="Picture 2"/>
-          <p:cNvPicPr>
-            <a:picLocks noChangeAspect="1" noChangeArrowheads="1"/>
-          </p:cNvPicPr>
-          <p:nvPr/>
-        </p:nvPicPr>
-        <p:blipFill>
-          <a:blip r:embed="rId2">
-            <a:extLst>
-              <a:ext uri="{28A0092B-C50C-407E-A947-70E740481C1C}">
-                <a14:useLocalDpi xmlns:a14="http://schemas.microsoft.com/office/drawing/2010/main" val="0"/>
-              </a:ext>
-            </a:extLst>
-          </a:blip>
-          <a:srcRect/>
-          <a:stretch>
-            <a:fillRect/>
-          </a:stretch>
-        </p:blipFill>
-        <p:spPr bwMode="auto">
-          <a:xfrm>
-            <a:off x="926833" y="1930399"/>
-            <a:ext cx="6276975" cy="4467225"/>
-          </a:xfrm>
-          <a:prstGeom prst="rect">
-            <a:avLst/>
-          </a:prstGeom>
-          <a:noFill/>
-          <a:ln>
-            <a:noFill/>
-          </a:ln>
-          <a:extLst>
-            <a:ext uri="{909E8E84-426E-40DD-AFC4-6F175D3DCCD1}">
-              <a14:hiddenFill xmlns:a14="http://schemas.microsoft.com/office/drawing/2010/main">
-                <a:solidFill>
-                  <a:schemeClr val="accent1"/>
-                </a:solidFill>
-              </a14:hiddenFill>
-            </a:ext>
-            <a:ext uri="{91240B29-F687-4F45-9708-019B960494DF}">
-              <a14:hiddenLine xmlns:a14="http://schemas.microsoft.com/office/drawing/2010/main" w="9525">
-                <a:solidFill>
-                  <a:schemeClr val="tx1"/>
-                </a:solidFill>
-                <a:miter lim="800000"/>
-                <a:headEnd/>
-                <a:tailEnd/>
-              </a14:hiddenLine>
-            </a:ext>
-          </a:extLst>
-        </p:spPr>
-      </p:pic>
     </p:spTree>
     <p:extLst>
       <p:ext uri="{BB962C8B-B14F-4D97-AF65-F5344CB8AC3E}">
-        <p14:creationId xmlns:p14="http://schemas.microsoft.com/office/powerpoint/2010/main" val="2227107922"/>
+        <p14:creationId xmlns:p14="http://schemas.microsoft.com/office/powerpoint/2010/main" val="2793997708"/>
       </p:ext>
     </p:extLst>
   </p:cSld>
@@ -16032,6 +16035,147 @@
           <a:bodyPr/>
           <a:lstStyle/>
           <a:p>
+            <a:endParaRPr lang="zh-TW" altLang="en-US"/>
+          </a:p>
+        </p:txBody>
+      </p:sp>
+      <p:sp>
+        <p:nvSpPr>
+          <p:cNvPr id="3" name="內容版面配置區 2"/>
+          <p:cNvSpPr>
+            <a:spLocks noGrp="1"/>
+          </p:cNvSpPr>
+          <p:nvPr>
+            <p:ph sz="quarter" idx="13"/>
+          </p:nvPr>
+        </p:nvSpPr>
+        <p:spPr/>
+        <p:txBody>
+          <a:bodyPr/>
+          <a:lstStyle/>
+          <a:p>
+            <a:endParaRPr lang="zh-TW" altLang="en-US"/>
+          </a:p>
+        </p:txBody>
+      </p:sp>
+      <p:sp>
+        <p:nvSpPr>
+          <p:cNvPr id="4" name="內容版面配置區 3"/>
+          <p:cNvSpPr>
+            <a:spLocks noGrp="1"/>
+          </p:cNvSpPr>
+          <p:nvPr>
+            <p:ph sz="half" idx="1"/>
+          </p:nvPr>
+        </p:nvSpPr>
+        <p:spPr/>
+        <p:txBody>
+          <a:bodyPr/>
+          <a:lstStyle/>
+          <a:p>
+            <a:endParaRPr lang="zh-TW" altLang="en-US" dirty="0"/>
+          </a:p>
+        </p:txBody>
+      </p:sp>
+      <p:pic>
+        <p:nvPicPr>
+          <p:cNvPr id="1026" name="Picture 2"/>
+          <p:cNvPicPr>
+            <a:picLocks noChangeAspect="1" noChangeArrowheads="1"/>
+          </p:cNvPicPr>
+          <p:nvPr/>
+        </p:nvPicPr>
+        <p:blipFill>
+          <a:blip r:embed="rId2">
+            <a:extLst>
+              <a:ext uri="{28A0092B-C50C-407E-A947-70E740481C1C}">
+                <a14:useLocalDpi xmlns:a14="http://schemas.microsoft.com/office/drawing/2010/main" val="0"/>
+              </a:ext>
+            </a:extLst>
+          </a:blip>
+          <a:srcRect/>
+          <a:stretch>
+            <a:fillRect/>
+          </a:stretch>
+        </p:blipFill>
+        <p:spPr bwMode="auto">
+          <a:xfrm>
+            <a:off x="926833" y="1930399"/>
+            <a:ext cx="6276975" cy="4467225"/>
+          </a:xfrm>
+          <a:prstGeom prst="rect">
+            <a:avLst/>
+          </a:prstGeom>
+          <a:noFill/>
+          <a:ln>
+            <a:noFill/>
+          </a:ln>
+          <a:extLst>
+            <a:ext uri="{909E8E84-426E-40DD-AFC4-6F175D3DCCD1}">
+              <a14:hiddenFill xmlns:a14="http://schemas.microsoft.com/office/drawing/2010/main">
+                <a:solidFill>
+                  <a:schemeClr val="accent1"/>
+                </a:solidFill>
+              </a14:hiddenFill>
+            </a:ext>
+            <a:ext uri="{91240B29-F687-4F45-9708-019B960494DF}">
+              <a14:hiddenLine xmlns:a14="http://schemas.microsoft.com/office/drawing/2010/main" w="9525">
+                <a:solidFill>
+                  <a:schemeClr val="tx1"/>
+                </a:solidFill>
+                <a:miter lim="800000"/>
+                <a:headEnd/>
+                <a:tailEnd/>
+              </a14:hiddenLine>
+            </a:ext>
+          </a:extLst>
+        </p:spPr>
+      </p:pic>
+    </p:spTree>
+    <p:extLst>
+      <p:ext uri="{BB962C8B-B14F-4D97-AF65-F5344CB8AC3E}">
+        <p14:creationId xmlns:p14="http://schemas.microsoft.com/office/powerpoint/2010/main" val="2227107922"/>
+      </p:ext>
+    </p:extLst>
+  </p:cSld>
+  <p:clrMapOvr>
+    <a:masterClrMapping/>
+  </p:clrMapOvr>
+</p:sld>
+</file>
+
+<file path=ppt/slides/slide12.xml><?xml version="1.0" encoding="utf-8"?>
+<p:sld xmlns:a="http://schemas.openxmlformats.org/drawingml/2006/main" xmlns:r="http://schemas.openxmlformats.org/officeDocument/2006/relationships" xmlns:p="http://schemas.openxmlformats.org/presentationml/2006/main">
+  <p:cSld>
+    <p:spTree>
+      <p:nvGrpSpPr>
+        <p:cNvPr id="1" name=""/>
+        <p:cNvGrpSpPr/>
+        <p:nvPr/>
+      </p:nvGrpSpPr>
+      <p:grpSpPr>
+        <a:xfrm>
+          <a:off x="0" y="0"/>
+          <a:ext cx="0" cy="0"/>
+          <a:chOff x="0" y="0"/>
+          <a:chExt cx="0" cy="0"/>
+        </a:xfrm>
+      </p:grpSpPr>
+      <p:sp>
+        <p:nvSpPr>
+          <p:cNvPr id="2" name="標題 1"/>
+          <p:cNvSpPr>
+            <a:spLocks noGrp="1"/>
+          </p:cNvSpPr>
+          <p:nvPr>
+            <p:ph type="title"/>
+          </p:nvPr>
+        </p:nvSpPr>
+        <p:spPr/>
+        <p:txBody>
+          <a:bodyPr/>
+          <a:lstStyle/>
+          <a:p>
             <a:r>
               <a:rPr lang="zh-CN" altLang="en-US" dirty="0"/>
               <a:t>生产环境如何使用 </a:t>
@@ -16159,7 +16303,283 @@
 </p:sld>
 </file>
 
-<file path=ppt/slides/slide12.xml><?xml version="1.0" encoding="utf-8"?>
+<file path=ppt/slides/slide13.xml><?xml version="1.0" encoding="utf-8"?>
+<p:sld xmlns:a="http://schemas.openxmlformats.org/drawingml/2006/main" xmlns:r="http://schemas.openxmlformats.org/officeDocument/2006/relationships" xmlns:p="http://schemas.openxmlformats.org/presentationml/2006/main">
+  <p:cSld>
+    <p:spTree>
+      <p:nvGrpSpPr>
+        <p:cNvPr id="1" name=""/>
+        <p:cNvGrpSpPr/>
+        <p:nvPr/>
+      </p:nvGrpSpPr>
+      <p:grpSpPr>
+        <a:xfrm>
+          <a:off x="0" y="0"/>
+          <a:ext cx="0" cy="0"/>
+          <a:chOff x="0" y="0"/>
+          <a:chExt cx="0" cy="0"/>
+        </a:xfrm>
+      </p:grpSpPr>
+      <p:sp>
+        <p:nvSpPr>
+          <p:cNvPr id="2" name="標題 1"/>
+          <p:cNvSpPr>
+            <a:spLocks noGrp="1"/>
+          </p:cNvSpPr>
+          <p:nvPr>
+            <p:ph type="title"/>
+          </p:nvPr>
+        </p:nvSpPr>
+        <p:spPr/>
+        <p:txBody>
+          <a:bodyPr/>
+          <a:lstStyle/>
+          <a:p>
+            <a:r>
+              <a:rPr lang="en-US" altLang="zh-CN" dirty="0" smtClean="0"/>
+              <a:t>Node.js </a:t>
+            </a:r>
+            <a:r>
+              <a:rPr lang="en-US" altLang="zh-CN" dirty="0" err="1" smtClean="0"/>
+              <a:t>gRPC</a:t>
+            </a:r>
+            <a:endParaRPr lang="zh-TW" altLang="en-US" dirty="0"/>
+          </a:p>
+        </p:txBody>
+      </p:sp>
+      <p:sp>
+        <p:nvSpPr>
+          <p:cNvPr id="3" name="內容版面配置區 2"/>
+          <p:cNvSpPr>
+            <a:spLocks noGrp="1"/>
+          </p:cNvSpPr>
+          <p:nvPr>
+            <p:ph sz="quarter" idx="13"/>
+          </p:nvPr>
+        </p:nvSpPr>
+        <p:spPr/>
+        <p:txBody>
+          <a:bodyPr/>
+          <a:lstStyle/>
+          <a:p>
+            <a:endParaRPr lang="zh-TW" altLang="en-US"/>
+          </a:p>
+        </p:txBody>
+      </p:sp>
+      <p:sp>
+        <p:nvSpPr>
+          <p:cNvPr id="4" name="內容版面配置區 3"/>
+          <p:cNvSpPr>
+            <a:spLocks noGrp="1"/>
+          </p:cNvSpPr>
+          <p:nvPr>
+            <p:ph sz="half" idx="1"/>
+          </p:nvPr>
+        </p:nvSpPr>
+        <p:spPr/>
+        <p:txBody>
+          <a:bodyPr/>
+          <a:lstStyle/>
+          <a:p>
+            <a:r>
+              <a:rPr lang="en-US" altLang="zh-CN" dirty="0" err="1" smtClean="0"/>
+              <a:t>Clinet</a:t>
+            </a:r>
+            <a:r>
+              <a:rPr lang="zh-CN" altLang="en-US" dirty="0" smtClean="0"/>
+              <a:t>的實驗環境</a:t>
+            </a:r>
+            <a:endParaRPr lang="en-US" altLang="zh-CN" dirty="0" smtClean="0"/>
+          </a:p>
+          <a:p>
+            <a:r>
+              <a:rPr lang="en-US" altLang="zh-CN" dirty="0" smtClean="0"/>
+              <a:t>	Node v12.15.0</a:t>
+            </a:r>
+          </a:p>
+          <a:p>
+            <a:r>
+              <a:rPr lang="en-US" altLang="zh-TW" dirty="0" smtClean="0"/>
+              <a:t>	</a:t>
+            </a:r>
+            <a:r>
+              <a:rPr lang="en-US" altLang="zh-TW" dirty="0" err="1" smtClean="0"/>
+              <a:t>Npm</a:t>
+            </a:r>
+            <a:r>
+              <a:rPr lang="en-US" altLang="zh-TW" dirty="0" smtClean="0"/>
+              <a:t> 6.13.4</a:t>
+            </a:r>
+          </a:p>
+          <a:p>
+            <a:r>
+              <a:rPr lang="en-US" altLang="zh-TW" dirty="0" err="1" smtClean="0"/>
+              <a:t>Npm</a:t>
+            </a:r>
+            <a:r>
+              <a:rPr lang="en-US" altLang="zh-TW" dirty="0" smtClean="0"/>
+              <a:t> </a:t>
+            </a:r>
+            <a:r>
+              <a:rPr lang="zh-CN" altLang="en-US" dirty="0" smtClean="0"/>
+              <a:t>的包</a:t>
+            </a:r>
+            <a:endParaRPr lang="en-US" altLang="zh-CN" dirty="0" smtClean="0"/>
+          </a:p>
+          <a:p>
+            <a:r>
+              <a:rPr lang="en-US" altLang="zh-TW" dirty="0" smtClean="0"/>
+              <a:t>	</a:t>
+            </a:r>
+            <a:r>
+              <a:rPr lang="en-US" altLang="zh-TW" dirty="0" err="1" smtClean="0"/>
+              <a:t>async</a:t>
+            </a:r>
+            <a:endParaRPr lang="en-US" altLang="zh-TW" dirty="0" smtClean="0"/>
+          </a:p>
+          <a:p>
+            <a:r>
+              <a:rPr lang="en-US" altLang="zh-TW" dirty="0"/>
+              <a:t>	</a:t>
+            </a:r>
+            <a:r>
+              <a:rPr lang="en-US" altLang="zh-TW" dirty="0" err="1" smtClean="0"/>
+              <a:t>grpc</a:t>
+            </a:r>
+            <a:endParaRPr lang="en-US" altLang="zh-TW" dirty="0" smtClean="0"/>
+          </a:p>
+          <a:p>
+            <a:r>
+              <a:rPr lang="en-US" altLang="zh-TW" dirty="0"/>
+              <a:t>	</a:t>
+            </a:r>
+            <a:r>
+              <a:rPr lang="en-US" altLang="zh-TW" dirty="0" err="1" smtClean="0"/>
+              <a:t>lodash</a:t>
+            </a:r>
+            <a:endParaRPr lang="en-US" altLang="zh-TW" dirty="0" smtClean="0"/>
+          </a:p>
+          <a:p>
+            <a:r>
+              <a:rPr lang="en-US" altLang="zh-TW" dirty="0"/>
+              <a:t>	</a:t>
+            </a:r>
+            <a:r>
+              <a:rPr lang="en-US" altLang="zh-TW" dirty="0" smtClean="0"/>
+              <a:t>@</a:t>
+            </a:r>
+            <a:r>
+              <a:rPr lang="en-US" altLang="zh-TW" dirty="0" err="1" smtClean="0"/>
+              <a:t>grpc</a:t>
+            </a:r>
+            <a:r>
+              <a:rPr lang="en-US" altLang="zh-TW" dirty="0" smtClean="0"/>
+              <a:t>/proto-loader</a:t>
+            </a:r>
+          </a:p>
+        </p:txBody>
+      </p:sp>
+    </p:spTree>
+    <p:extLst>
+      <p:ext uri="{BB962C8B-B14F-4D97-AF65-F5344CB8AC3E}">
+        <p14:creationId xmlns:p14="http://schemas.microsoft.com/office/powerpoint/2010/main" val="1841034900"/>
+      </p:ext>
+    </p:extLst>
+  </p:cSld>
+  <p:clrMapOvr>
+    <a:masterClrMapping/>
+  </p:clrMapOvr>
+</p:sld>
+</file>
+
+<file path=ppt/slides/slide14.xml><?xml version="1.0" encoding="utf-8"?>
+<p:sld xmlns:a="http://schemas.openxmlformats.org/drawingml/2006/main" xmlns:r="http://schemas.openxmlformats.org/officeDocument/2006/relationships" xmlns:p="http://schemas.openxmlformats.org/presentationml/2006/main">
+  <p:cSld>
+    <p:spTree>
+      <p:nvGrpSpPr>
+        <p:cNvPr id="1" name=""/>
+        <p:cNvGrpSpPr/>
+        <p:nvPr/>
+      </p:nvGrpSpPr>
+      <p:grpSpPr>
+        <a:xfrm>
+          <a:off x="0" y="0"/>
+          <a:ext cx="0" cy="0"/>
+          <a:chOff x="0" y="0"/>
+          <a:chExt cx="0" cy="0"/>
+        </a:xfrm>
+      </p:grpSpPr>
+      <p:sp>
+        <p:nvSpPr>
+          <p:cNvPr id="2" name="標題 1"/>
+          <p:cNvSpPr>
+            <a:spLocks noGrp="1"/>
+          </p:cNvSpPr>
+          <p:nvPr>
+            <p:ph type="title"/>
+          </p:nvPr>
+        </p:nvSpPr>
+        <p:spPr/>
+        <p:txBody>
+          <a:bodyPr/>
+          <a:lstStyle/>
+          <a:p>
+            <a:endParaRPr lang="zh-TW" altLang="en-US"/>
+          </a:p>
+        </p:txBody>
+      </p:sp>
+      <p:sp>
+        <p:nvSpPr>
+          <p:cNvPr id="3" name="內容版面配置區 2"/>
+          <p:cNvSpPr>
+            <a:spLocks noGrp="1"/>
+          </p:cNvSpPr>
+          <p:nvPr>
+            <p:ph sz="quarter" idx="13"/>
+          </p:nvPr>
+        </p:nvSpPr>
+        <p:spPr/>
+        <p:txBody>
+          <a:bodyPr/>
+          <a:lstStyle/>
+          <a:p>
+            <a:endParaRPr lang="zh-TW" altLang="en-US"/>
+          </a:p>
+        </p:txBody>
+      </p:sp>
+      <p:sp>
+        <p:nvSpPr>
+          <p:cNvPr id="4" name="內容版面配置區 3"/>
+          <p:cNvSpPr>
+            <a:spLocks noGrp="1"/>
+          </p:cNvSpPr>
+          <p:nvPr>
+            <p:ph sz="half" idx="1"/>
+          </p:nvPr>
+        </p:nvSpPr>
+        <p:spPr/>
+        <p:txBody>
+          <a:bodyPr/>
+          <a:lstStyle/>
+          <a:p>
+            <a:endParaRPr lang="zh-TW" altLang="en-US"/>
+          </a:p>
+        </p:txBody>
+      </p:sp>
+    </p:spTree>
+    <p:extLst>
+      <p:ext uri="{BB962C8B-B14F-4D97-AF65-F5344CB8AC3E}">
+        <p14:creationId xmlns:p14="http://schemas.microsoft.com/office/powerpoint/2010/main" val="2491741162"/>
+      </p:ext>
+    </p:extLst>
+  </p:cSld>
+  <p:clrMapOvr>
+    <a:masterClrMapping/>
+  </p:clrMapOvr>
+</p:sld>
+</file>
+
+<file path=ppt/slides/slide15.xml><?xml version="1.0" encoding="utf-8"?>
 <p:sld xmlns:a="http://schemas.openxmlformats.org/drawingml/2006/main" xmlns:r="http://schemas.openxmlformats.org/officeDocument/2006/relationships" xmlns:p="http://schemas.openxmlformats.org/presentationml/2006/main">
   <p:cSld>
     <p:spTree>
@@ -17291,7 +17711,11 @@
             </a:pPr>
             <a:r>
               <a:rPr lang="zh-CN" altLang="en-US" dirty="0" smtClean="0"/>
-              <a:t>雙向的流（</a:t>
+              <a:t>雙向的</a:t>
+            </a:r>
+            <a:r>
+              <a:rPr lang="zh-CN" altLang="en-US" dirty="0" smtClean="0"/>
+              <a:t>流（）必須借住（</a:t>
             </a:r>
             <a:r>
               <a:rPr lang="en-US" altLang="zh-CN" dirty="0" err="1" smtClean="0"/>
@@ -17299,7 +17723,15 @@
             </a:r>
             <a:r>
               <a:rPr lang="zh-CN" altLang="en-US" dirty="0" smtClean="0"/>
-              <a:t>）根本不可能</a:t>
+              <a:t>）</a:t>
+            </a:r>
+            <a:r>
+              <a:rPr lang="zh-CN" altLang="en-US" dirty="0" smtClean="0"/>
+              <a:t>才能</a:t>
+            </a:r>
+            <a:r>
+              <a:rPr lang="zh-CN" altLang="en-US" dirty="0"/>
+              <a:t>實現</a:t>
             </a:r>
             <a:endParaRPr lang="en-US" altLang="zh-CN" dirty="0" smtClean="0"/>
           </a:p>
@@ -17318,12 +17750,17 @@
             </a:r>
             <a:r>
               <a:rPr lang="zh-CN" altLang="en-US" dirty="0" smtClean="0"/>
-              <a:t>不會有規範的文件</a:t>
+              <a:t>不會有規範</a:t>
+            </a:r>
+            <a:r>
+              <a:rPr lang="zh-CN" altLang="en-US" dirty="0" smtClean="0"/>
+              <a:t>的文件</a:t>
             </a:r>
             <a:r>
               <a:rPr lang="en-US" altLang="zh-CN" dirty="0" smtClean="0"/>
               <a:t>)</a:t>
             </a:r>
+            <a:endParaRPr lang="en-US" altLang="zh-CN" dirty="0" smtClean="0"/>
           </a:p>
           <a:p>
             <a:pPr marL="457200" indent="-457200">
@@ -17336,7 +17773,11 @@
             </a:r>
             <a:r>
               <a:rPr lang="zh-CN" altLang="en-US" dirty="0" smtClean="0"/>
-              <a:t>難再一個請求中取得多個資源數據</a:t>
+              <a:t>難再一個請求中取得多個資源</a:t>
+            </a:r>
+            <a:r>
+              <a:rPr lang="zh-CN" altLang="en-US" dirty="0" smtClean="0"/>
+              <a:t>數據</a:t>
             </a:r>
             <a:r>
               <a:rPr lang="en-US" altLang="zh-CN" dirty="0" smtClean="0"/>
@@ -17358,6 +17799,7 @@
               <a:rPr lang="en-US" altLang="zh-CN" dirty="0" smtClean="0"/>
               <a:t>)</a:t>
             </a:r>
+            <a:endParaRPr lang="en-US" altLang="zh-CN" dirty="0" smtClean="0"/>
           </a:p>
           <a:p>
             <a:pPr marL="457200" indent="-457200">
@@ -17534,11 +17976,7 @@
             </a:r>
             <a:r>
               <a:rPr lang="zh-CN" altLang="en-US" dirty="0" smtClean="0"/>
-              <a:t>我們</a:t>
-            </a:r>
-            <a:r>
-              <a:rPr lang="zh-CN" altLang="en-US" dirty="0" smtClean="0"/>
-              <a:t>從寫</a:t>
+              <a:t>我們從寫</a:t>
             </a:r>
             <a:r>
               <a:rPr lang="en-US" altLang="zh-CN" dirty="0" err="1" smtClean="0"/>
@@ -17562,11 +18000,7 @@
             </a:r>
             <a:r>
               <a:rPr lang="zh-CN" altLang="en-US" dirty="0" smtClean="0"/>
-              <a:t>開始</a:t>
-            </a:r>
-            <a:r>
-              <a:rPr lang="zh-CN" altLang="en-US" dirty="0" smtClean="0"/>
-              <a:t>。</a:t>
+              <a:t>開始。</a:t>
             </a:r>
             <a:endParaRPr lang="en-US" altLang="zh-CN" dirty="0" smtClean="0"/>
           </a:p>
@@ -17929,7 +18363,7 @@
   <a:extraClrSchemeLst/>
   <a:extLst>
     <a:ext uri="{05A4C25C-085E-4340-85A3-A5531E510DB2}">
-      <thm15:themeFamily xmlns="" xmlns:thm15="http://schemas.microsoft.com/office/thememl/2012/main" name="Office Theme" id="{62F939B6-93AF-4DB8-9C6B-D6C7DFDC589F}" vid="{4A3C46E8-61CC-4603-A589-7422A47A8E4A}"/>
+      <thm15:themeFamily xmlns:thm15="http://schemas.microsoft.com/office/thememl/2012/main" xmlns="" name="Office Theme" id="{62F939B6-93AF-4DB8-9C6B-D6C7DFDC589F}" vid="{4A3C46E8-61CC-4603-A589-7422A47A8E4A}"/>
     </a:ext>
   </a:extLst>
 </a:theme>

--- a/空白PPT.pptx
+++ b/空白PPT.pptx
@@ -5,7 +5,7 @@
     <p:sldMasterId id="2147483648" r:id="rId1"/>
   </p:sldMasterIdLst>
   <p:notesMasterIdLst>
-    <p:notesMasterId r:id="rId40"/>
+    <p:notesMasterId r:id="rId44"/>
   </p:notesMasterIdLst>
   <p:sldIdLst>
     <p:sldId id="256" r:id="rId2"/>
@@ -16,14 +16,14 @@
     <p:sldId id="387" r:id="rId7"/>
     <p:sldId id="383" r:id="rId8"/>
     <p:sldId id="397" r:id="rId9"/>
-    <p:sldId id="407" r:id="rId10"/>
-    <p:sldId id="405" r:id="rId11"/>
-    <p:sldId id="406" r:id="rId12"/>
-    <p:sldId id="392" r:id="rId13"/>
-    <p:sldId id="389" r:id="rId14"/>
-    <p:sldId id="421" r:id="rId15"/>
-    <p:sldId id="393" r:id="rId16"/>
-    <p:sldId id="385" r:id="rId17"/>
+    <p:sldId id="406" r:id="rId10"/>
+    <p:sldId id="422" r:id="rId11"/>
+    <p:sldId id="392" r:id="rId12"/>
+    <p:sldId id="389" r:id="rId13"/>
+    <p:sldId id="421" r:id="rId14"/>
+    <p:sldId id="393" r:id="rId15"/>
+    <p:sldId id="385" r:id="rId16"/>
+    <p:sldId id="426" r:id="rId17"/>
     <p:sldId id="403" r:id="rId18"/>
     <p:sldId id="402" r:id="rId19"/>
     <p:sldId id="408" r:id="rId20"/>
@@ -32,20 +32,24 @@
     <p:sldId id="417" r:id="rId23"/>
     <p:sldId id="416" r:id="rId24"/>
     <p:sldId id="420" r:id="rId25"/>
-    <p:sldId id="418" r:id="rId26"/>
-    <p:sldId id="414" r:id="rId27"/>
-    <p:sldId id="415" r:id="rId28"/>
-    <p:sldId id="419" r:id="rId29"/>
-    <p:sldId id="410" r:id="rId30"/>
-    <p:sldId id="391" r:id="rId31"/>
-    <p:sldId id="399" r:id="rId32"/>
-    <p:sldId id="400" r:id="rId33"/>
-    <p:sldId id="411" r:id="rId34"/>
-    <p:sldId id="412" r:id="rId35"/>
-    <p:sldId id="413" r:id="rId36"/>
-    <p:sldId id="395" r:id="rId37"/>
-    <p:sldId id="396" r:id="rId38"/>
-    <p:sldId id="286" r:id="rId39"/>
+    <p:sldId id="425" r:id="rId26"/>
+    <p:sldId id="418" r:id="rId27"/>
+    <p:sldId id="414" r:id="rId28"/>
+    <p:sldId id="415" r:id="rId29"/>
+    <p:sldId id="419" r:id="rId30"/>
+    <p:sldId id="410" r:id="rId31"/>
+    <p:sldId id="427" r:id="rId32"/>
+    <p:sldId id="391" r:id="rId33"/>
+    <p:sldId id="399" r:id="rId34"/>
+    <p:sldId id="400" r:id="rId35"/>
+    <p:sldId id="411" r:id="rId36"/>
+    <p:sldId id="412" r:id="rId37"/>
+    <p:sldId id="413" r:id="rId38"/>
+    <p:sldId id="424" r:id="rId39"/>
+    <p:sldId id="395" r:id="rId40"/>
+    <p:sldId id="396" r:id="rId41"/>
+    <p:sldId id="423" r:id="rId42"/>
+    <p:sldId id="286" r:id="rId43"/>
   </p:sldIdLst>
   <p:sldSz cx="12192000" cy="6858000"/>
   <p:notesSz cx="6858000" cy="9144000"/>
@@ -157,14 +161,14 @@
             <p14:sldId id="387"/>
             <p14:sldId id="383"/>
             <p14:sldId id="397"/>
-            <p14:sldId id="407"/>
-            <p14:sldId id="405"/>
             <p14:sldId id="406"/>
+            <p14:sldId id="422"/>
             <p14:sldId id="392"/>
             <p14:sldId id="389"/>
             <p14:sldId id="421"/>
             <p14:sldId id="393"/>
             <p14:sldId id="385"/>
+            <p14:sldId id="426"/>
             <p14:sldId id="403"/>
             <p14:sldId id="402"/>
             <p14:sldId id="408"/>
@@ -173,26 +177,30 @@
             <p14:sldId id="417"/>
             <p14:sldId id="416"/>
             <p14:sldId id="420"/>
+            <p14:sldId id="425"/>
             <p14:sldId id="418"/>
             <p14:sldId id="414"/>
             <p14:sldId id="415"/>
             <p14:sldId id="419"/>
             <p14:sldId id="410"/>
+            <p14:sldId id="427"/>
             <p14:sldId id="391"/>
             <p14:sldId id="399"/>
             <p14:sldId id="400"/>
             <p14:sldId id="411"/>
             <p14:sldId id="412"/>
             <p14:sldId id="413"/>
+            <p14:sldId id="424"/>
             <p14:sldId id="395"/>
             <p14:sldId id="396"/>
+            <p14:sldId id="423"/>
             <p14:sldId id="286"/>
           </p14:sldIdLst>
         </p14:section>
       </p14:sectionLst>
     </p:ext>
     <p:ext uri="{EFAFB233-063F-42B5-8137-9DF3F51BA10A}">
-      <p15:sldGuideLst xmlns="" xmlns:p15="http://schemas.microsoft.com/office/powerpoint/2012/main">
+      <p15:sldGuideLst xmlns:p15="http://schemas.microsoft.com/office/powerpoint/2012/main" xmlns="">
         <p15:guide id="1" orient="horz" pos="2160">
           <p15:clr>
             <a:srgbClr val="A4A3A4"/>
@@ -309,11 +317,11 @@
           <c:showBubbleSize val="0"/>
         </c:dLbls>
         <c:gapWidth val="150"/>
-        <c:axId val="73166848"/>
-        <c:axId val="168408128"/>
+        <c:axId val="95846400"/>
+        <c:axId val="201032256"/>
       </c:barChart>
       <c:catAx>
-        <c:axId val="73166848"/>
+        <c:axId val="95846400"/>
         <c:scaling>
           <c:orientation val="minMax"/>
         </c:scaling>
@@ -322,7 +330,7 @@
         <c:majorTickMark val="out"/>
         <c:minorTickMark val="none"/>
         <c:tickLblPos val="nextTo"/>
-        <c:crossAx val="168408128"/>
+        <c:crossAx val="201032256"/>
         <c:crosses val="autoZero"/>
         <c:auto val="1"/>
         <c:lblAlgn val="ctr"/>
@@ -330,7 +338,7 @@
         <c:noMultiLvlLbl val="0"/>
       </c:catAx>
       <c:valAx>
-        <c:axId val="168408128"/>
+        <c:axId val="201032256"/>
         <c:scaling>
           <c:orientation val="minMax"/>
         </c:scaling>
@@ -341,7 +349,7 @@
         <c:majorTickMark val="out"/>
         <c:minorTickMark val="none"/>
         <c:tickLblPos val="nextTo"/>
-        <c:crossAx val="73166848"/>
+        <c:crossAx val="95846400"/>
         <c:crosses val="autoZero"/>
         <c:crossBetween val="between"/>
       </c:valAx>
@@ -805,6 +813,1160 @@
 </p:notes>
 </file>
 
+<file path=ppt/notesSlides/notesSlide10.xml><?xml version="1.0" encoding="utf-8"?>
+<p:notes xmlns:a="http://schemas.openxmlformats.org/drawingml/2006/main" xmlns:r="http://schemas.openxmlformats.org/officeDocument/2006/relationships" xmlns:p="http://schemas.openxmlformats.org/presentationml/2006/main">
+  <p:cSld>
+    <p:spTree>
+      <p:nvGrpSpPr>
+        <p:cNvPr id="1" name=""/>
+        <p:cNvGrpSpPr/>
+        <p:nvPr/>
+      </p:nvGrpSpPr>
+      <p:grpSpPr>
+        <a:xfrm>
+          <a:off x="0" y="0"/>
+          <a:ext cx="0" cy="0"/>
+          <a:chOff x="0" y="0"/>
+          <a:chExt cx="0" cy="0"/>
+        </a:xfrm>
+      </p:grpSpPr>
+      <p:sp>
+        <p:nvSpPr>
+          <p:cNvPr id="2" name="投影片圖像版面配置區 1"/>
+          <p:cNvSpPr>
+            <a:spLocks noGrp="1" noRot="1" noChangeAspect="1"/>
+          </p:cNvSpPr>
+          <p:nvPr>
+            <p:ph type="sldImg"/>
+          </p:nvPr>
+        </p:nvSpPr>
+        <p:spPr/>
+      </p:sp>
+      <p:sp>
+        <p:nvSpPr>
+          <p:cNvPr id="3" name="備忘稿版面配置區 2"/>
+          <p:cNvSpPr>
+            <a:spLocks noGrp="1"/>
+          </p:cNvSpPr>
+          <p:nvPr>
+            <p:ph type="body" idx="1"/>
+          </p:nvPr>
+        </p:nvSpPr>
+        <p:spPr/>
+        <p:txBody>
+          <a:bodyPr/>
+          <a:lstStyle/>
+          <a:p>
+            <a:r>
+              <a:rPr lang="zh-CN" altLang="en-US" dirty="0" smtClean="0"/>
+              <a:t>加入簡單調用的</a:t>
+            </a:r>
+            <a:endParaRPr lang="en-US" altLang="zh-CN" dirty="0" smtClean="0"/>
+          </a:p>
+          <a:p>
+            <a:endParaRPr lang="zh-TW" altLang="en-US" dirty="0"/>
+          </a:p>
+        </p:txBody>
+      </p:sp>
+      <p:sp>
+        <p:nvSpPr>
+          <p:cNvPr id="4" name="投影片編號版面配置區 3"/>
+          <p:cNvSpPr>
+            <a:spLocks noGrp="1"/>
+          </p:cNvSpPr>
+          <p:nvPr>
+            <p:ph type="sldNum" sz="quarter" idx="10"/>
+          </p:nvPr>
+        </p:nvSpPr>
+        <p:spPr/>
+        <p:txBody>
+          <a:bodyPr/>
+          <a:lstStyle/>
+          <a:p>
+            <a:fld id="{EEBFCD98-6B9E-4D19-9C43-11FCDEF19DFC}" type="slidenum">
+              <a:rPr lang="zh-TW" altLang="en-US" smtClean="0"/>
+              <a:t>34</a:t>
+            </a:fld>
+            <a:endParaRPr lang="zh-TW" altLang="en-US"/>
+          </a:p>
+        </p:txBody>
+      </p:sp>
+    </p:spTree>
+    <p:extLst>
+      <p:ext uri="{BB962C8B-B14F-4D97-AF65-F5344CB8AC3E}">
+        <p14:creationId xmlns:p14="http://schemas.microsoft.com/office/powerpoint/2010/main" val="2828387471"/>
+      </p:ext>
+    </p:extLst>
+  </p:cSld>
+  <p:clrMapOvr>
+    <a:masterClrMapping/>
+  </p:clrMapOvr>
+</p:notes>
+</file>
+
+<file path=ppt/notesSlides/notesSlide11.xml><?xml version="1.0" encoding="utf-8"?>
+<p:notes xmlns:a="http://schemas.openxmlformats.org/drawingml/2006/main" xmlns:r="http://schemas.openxmlformats.org/officeDocument/2006/relationships" xmlns:p="http://schemas.openxmlformats.org/presentationml/2006/main">
+  <p:cSld>
+    <p:spTree>
+      <p:nvGrpSpPr>
+        <p:cNvPr id="1" name=""/>
+        <p:cNvGrpSpPr/>
+        <p:nvPr/>
+      </p:nvGrpSpPr>
+      <p:grpSpPr>
+        <a:xfrm>
+          <a:off x="0" y="0"/>
+          <a:ext cx="0" cy="0"/>
+          <a:chOff x="0" y="0"/>
+          <a:chExt cx="0" cy="0"/>
+        </a:xfrm>
+      </p:grpSpPr>
+      <p:sp>
+        <p:nvSpPr>
+          <p:cNvPr id="2" name="投影片圖像版面配置區 1"/>
+          <p:cNvSpPr>
+            <a:spLocks noGrp="1" noRot="1" noChangeAspect="1"/>
+          </p:cNvSpPr>
+          <p:nvPr>
+            <p:ph type="sldImg"/>
+          </p:nvPr>
+        </p:nvSpPr>
+        <p:spPr/>
+      </p:sp>
+      <p:sp>
+        <p:nvSpPr>
+          <p:cNvPr id="3" name="備忘稿版面配置區 2"/>
+          <p:cNvSpPr>
+            <a:spLocks noGrp="1"/>
+          </p:cNvSpPr>
+          <p:nvPr>
+            <p:ph type="body" idx="1"/>
+          </p:nvPr>
+        </p:nvSpPr>
+        <p:spPr/>
+        <p:txBody>
+          <a:bodyPr/>
+          <a:lstStyle/>
+          <a:p>
+            <a:r>
+              <a:rPr lang="zh-CN" altLang="en-US" dirty="0" smtClean="0"/>
+              <a:t>因為</a:t>
+            </a:r>
+            <a:r>
+              <a:rPr lang="en-US" altLang="zh-CN" dirty="0" err="1" smtClean="0"/>
+              <a:t>gGPC</a:t>
+            </a:r>
+            <a:r>
+              <a:rPr lang="en-US" altLang="zh-CN" dirty="0" smtClean="0"/>
+              <a:t> </a:t>
+            </a:r>
+            <a:r>
+              <a:rPr lang="zh-CN" altLang="en-US" dirty="0" smtClean="0"/>
+              <a:t>不用</a:t>
+            </a:r>
+            <a:r>
+              <a:rPr lang="en-US" altLang="zh-CN" dirty="0" smtClean="0"/>
+              <a:t>postman </a:t>
+            </a:r>
+            <a:r>
+              <a:rPr lang="zh-CN" altLang="en-US" dirty="0" smtClean="0"/>
+              <a:t>打</a:t>
+            </a:r>
+            <a:endParaRPr lang="en-US" altLang="zh-CN" dirty="0" smtClean="0"/>
+          </a:p>
+          <a:p>
+            <a:endParaRPr lang="en-US" altLang="zh-CN" dirty="0" smtClean="0"/>
+          </a:p>
+          <a:p>
+            <a:endParaRPr lang="en-US" altLang="zh-CN" dirty="0" smtClean="0"/>
+          </a:p>
+          <a:p>
+            <a:endParaRPr lang="en-US" altLang="zh-CN" dirty="0" smtClean="0"/>
+          </a:p>
+          <a:p>
+            <a:r>
+              <a:rPr lang="zh-CN" altLang="en-US" dirty="0" smtClean="0"/>
+              <a:t>壓測時用</a:t>
+            </a:r>
+            <a:r>
+              <a:rPr lang="en-US" altLang="zh-CN" dirty="0" smtClean="0"/>
+              <a:t>go </a:t>
+            </a:r>
+            <a:r>
+              <a:rPr lang="zh-CN" altLang="en-US" dirty="0" smtClean="0"/>
+              <a:t>實現</a:t>
+            </a:r>
+            <a:endParaRPr lang="en-US" altLang="zh-CN" dirty="0" smtClean="0"/>
+          </a:p>
+          <a:p>
+            <a:endParaRPr lang="zh-TW" altLang="en-US" dirty="0"/>
+          </a:p>
+        </p:txBody>
+      </p:sp>
+      <p:sp>
+        <p:nvSpPr>
+          <p:cNvPr id="4" name="投影片編號版面配置區 3"/>
+          <p:cNvSpPr>
+            <a:spLocks noGrp="1"/>
+          </p:cNvSpPr>
+          <p:nvPr>
+            <p:ph type="sldNum" sz="quarter" idx="10"/>
+          </p:nvPr>
+        </p:nvSpPr>
+        <p:spPr/>
+        <p:txBody>
+          <a:bodyPr/>
+          <a:lstStyle/>
+          <a:p>
+            <a:fld id="{EEBFCD98-6B9E-4D19-9C43-11FCDEF19DFC}" type="slidenum">
+              <a:rPr lang="zh-TW" altLang="en-US" smtClean="0"/>
+              <a:t>35</a:t>
+            </a:fld>
+            <a:endParaRPr lang="zh-TW" altLang="en-US"/>
+          </a:p>
+        </p:txBody>
+      </p:sp>
+    </p:spTree>
+    <p:extLst>
+      <p:ext uri="{BB962C8B-B14F-4D97-AF65-F5344CB8AC3E}">
+        <p14:creationId xmlns:p14="http://schemas.microsoft.com/office/powerpoint/2010/main" val="3398453646"/>
+      </p:ext>
+    </p:extLst>
+  </p:cSld>
+  <p:clrMapOvr>
+    <a:masterClrMapping/>
+  </p:clrMapOvr>
+</p:notes>
+</file>
+
+<file path=ppt/notesSlides/notesSlide12.xml><?xml version="1.0" encoding="utf-8"?>
+<p:notes xmlns:a="http://schemas.openxmlformats.org/drawingml/2006/main" xmlns:r="http://schemas.openxmlformats.org/officeDocument/2006/relationships" xmlns:p="http://schemas.openxmlformats.org/presentationml/2006/main">
+  <p:cSld>
+    <p:spTree>
+      <p:nvGrpSpPr>
+        <p:cNvPr id="1" name=""/>
+        <p:cNvGrpSpPr/>
+        <p:nvPr/>
+      </p:nvGrpSpPr>
+      <p:grpSpPr>
+        <a:xfrm>
+          <a:off x="0" y="0"/>
+          <a:ext cx="0" cy="0"/>
+          <a:chOff x="0" y="0"/>
+          <a:chExt cx="0" cy="0"/>
+        </a:xfrm>
+      </p:grpSpPr>
+      <p:sp>
+        <p:nvSpPr>
+          <p:cNvPr id="2" name="投影片圖像版面配置區 1"/>
+          <p:cNvSpPr>
+            <a:spLocks noGrp="1" noRot="1" noChangeAspect="1"/>
+          </p:cNvSpPr>
+          <p:nvPr>
+            <p:ph type="sldImg"/>
+          </p:nvPr>
+        </p:nvSpPr>
+        <p:spPr/>
+      </p:sp>
+      <p:sp>
+        <p:nvSpPr>
+          <p:cNvPr id="3" name="備忘稿版面配置區 2"/>
+          <p:cNvSpPr>
+            <a:spLocks noGrp="1"/>
+          </p:cNvSpPr>
+          <p:nvPr>
+            <p:ph type="body" idx="1"/>
+          </p:nvPr>
+        </p:nvSpPr>
+        <p:spPr/>
+        <p:txBody>
+          <a:bodyPr/>
+          <a:lstStyle/>
+          <a:p>
+            <a:r>
+              <a:rPr lang="en-US" altLang="zh-TW" dirty="0" smtClean="0">
+                <a:hlinkClick r:id="rId3"/>
+              </a:rPr>
+              <a:t>https://tech.imdada.cn/2015/12/23/springmvc-restful-optimize/</a:t>
+            </a:r>
+            <a:endParaRPr lang="en-US" altLang="zh-CN" dirty="0" smtClean="0"/>
+          </a:p>
+          <a:p>
+            <a:r>
+              <a:rPr lang="en-US" altLang="zh-CN" dirty="0" smtClean="0"/>
+              <a:t>@</a:t>
+            </a:r>
+            <a:r>
+              <a:rPr lang="en-US" altLang="zh-CN" dirty="0" err="1" smtClean="0"/>
+              <a:t>RequestMapping</a:t>
+            </a:r>
+            <a:endParaRPr lang="en-US" altLang="zh-CN" dirty="0" smtClean="0"/>
+          </a:p>
+          <a:p>
+            <a:r>
+              <a:rPr lang="en-US" altLang="zh-CN" dirty="0" smtClean="0"/>
+              <a:t>@</a:t>
+            </a:r>
+            <a:r>
+              <a:rPr lang="en-US" altLang="zh-CN" dirty="0" err="1" smtClean="0"/>
+              <a:t>PathVa</a:t>
+            </a:r>
+            <a:endParaRPr lang="zh-TW" altLang="en-US" dirty="0"/>
+          </a:p>
+        </p:txBody>
+      </p:sp>
+      <p:sp>
+        <p:nvSpPr>
+          <p:cNvPr id="4" name="投影片編號版面配置區 3"/>
+          <p:cNvSpPr>
+            <a:spLocks noGrp="1"/>
+          </p:cNvSpPr>
+          <p:nvPr>
+            <p:ph type="sldNum" sz="quarter" idx="10"/>
+          </p:nvPr>
+        </p:nvSpPr>
+        <p:spPr/>
+        <p:txBody>
+          <a:bodyPr/>
+          <a:lstStyle/>
+          <a:p>
+            <a:fld id="{EEBFCD98-6B9E-4D19-9C43-11FCDEF19DFC}" type="slidenum">
+              <a:rPr lang="zh-TW" altLang="en-US" smtClean="0"/>
+              <a:t>37</a:t>
+            </a:fld>
+            <a:endParaRPr lang="zh-TW" altLang="en-US"/>
+          </a:p>
+        </p:txBody>
+      </p:sp>
+    </p:spTree>
+    <p:extLst>
+      <p:ext uri="{BB962C8B-B14F-4D97-AF65-F5344CB8AC3E}">
+        <p14:creationId xmlns:p14="http://schemas.microsoft.com/office/powerpoint/2010/main" val="1615474239"/>
+      </p:ext>
+    </p:extLst>
+  </p:cSld>
+  <p:clrMapOvr>
+    <a:masterClrMapping/>
+  </p:clrMapOvr>
+</p:notes>
+</file>
+
+<file path=ppt/notesSlides/notesSlide13.xml><?xml version="1.0" encoding="utf-8"?>
+<p:notes xmlns:a="http://schemas.openxmlformats.org/drawingml/2006/main" xmlns:r="http://schemas.openxmlformats.org/officeDocument/2006/relationships" xmlns:p="http://schemas.openxmlformats.org/presentationml/2006/main">
+  <p:cSld>
+    <p:spTree>
+      <p:nvGrpSpPr>
+        <p:cNvPr id="1" name=""/>
+        <p:cNvGrpSpPr/>
+        <p:nvPr/>
+      </p:nvGrpSpPr>
+      <p:grpSpPr>
+        <a:xfrm>
+          <a:off x="0" y="0"/>
+          <a:ext cx="0" cy="0"/>
+          <a:chOff x="0" y="0"/>
+          <a:chExt cx="0" cy="0"/>
+        </a:xfrm>
+      </p:grpSpPr>
+      <p:sp>
+        <p:nvSpPr>
+          <p:cNvPr id="2" name="投影片圖像版面配置區 1"/>
+          <p:cNvSpPr>
+            <a:spLocks noGrp="1" noRot="1" noChangeAspect="1"/>
+          </p:cNvSpPr>
+          <p:nvPr>
+            <p:ph type="sldImg"/>
+          </p:nvPr>
+        </p:nvSpPr>
+        <p:spPr/>
+      </p:sp>
+      <p:sp>
+        <p:nvSpPr>
+          <p:cNvPr id="3" name="備忘稿版面配置區 2"/>
+          <p:cNvSpPr>
+            <a:spLocks noGrp="1"/>
+          </p:cNvSpPr>
+          <p:nvPr>
+            <p:ph type="body" idx="1"/>
+          </p:nvPr>
+        </p:nvSpPr>
+        <p:spPr/>
+        <p:txBody>
+          <a:bodyPr/>
+          <a:lstStyle/>
+          <a:p>
+            <a:r>
+              <a:rPr lang="zh-CN" altLang="en-US" dirty="0" smtClean="0"/>
+              <a:t>缺點</a:t>
+            </a:r>
+            <a:endParaRPr lang="en-US" altLang="zh-CN" dirty="0" smtClean="0"/>
+          </a:p>
+          <a:p>
+            <a:r>
+              <a:rPr lang="en-US" altLang="zh-CN" dirty="0" smtClean="0"/>
+              <a:t>Client </a:t>
+            </a:r>
+            <a:r>
+              <a:rPr lang="zh-CN" altLang="en-US" dirty="0" smtClean="0"/>
+              <a:t>不能是</a:t>
+            </a:r>
+            <a:r>
+              <a:rPr lang="zh-TW" altLang="en-US" dirty="0" smtClean="0"/>
+              <a:t>瀏</a:t>
+            </a:r>
+            <a:r>
+              <a:rPr lang="zh-CN" altLang="en-US" dirty="0" smtClean="0"/>
+              <a:t>覽器</a:t>
+            </a:r>
+            <a:endParaRPr lang="zh-TW" altLang="en-US" dirty="0"/>
+          </a:p>
+        </p:txBody>
+      </p:sp>
+      <p:sp>
+        <p:nvSpPr>
+          <p:cNvPr id="4" name="投影片編號版面配置區 3"/>
+          <p:cNvSpPr>
+            <a:spLocks noGrp="1"/>
+          </p:cNvSpPr>
+          <p:nvPr>
+            <p:ph type="sldNum" sz="quarter" idx="10"/>
+          </p:nvPr>
+        </p:nvSpPr>
+        <p:spPr/>
+        <p:txBody>
+          <a:bodyPr/>
+          <a:lstStyle/>
+          <a:p>
+            <a:fld id="{EEBFCD98-6B9E-4D19-9C43-11FCDEF19DFC}" type="slidenum">
+              <a:rPr lang="zh-TW" altLang="en-US" smtClean="0"/>
+              <a:t>39</a:t>
+            </a:fld>
+            <a:endParaRPr lang="zh-TW" altLang="en-US"/>
+          </a:p>
+        </p:txBody>
+      </p:sp>
+    </p:spTree>
+    <p:extLst>
+      <p:ext uri="{BB962C8B-B14F-4D97-AF65-F5344CB8AC3E}">
+        <p14:creationId xmlns:p14="http://schemas.microsoft.com/office/powerpoint/2010/main" val="3958051817"/>
+      </p:ext>
+    </p:extLst>
+  </p:cSld>
+  <p:clrMapOvr>
+    <a:masterClrMapping/>
+  </p:clrMapOvr>
+</p:notes>
+</file>
+
+<file path=ppt/notesSlides/notesSlide14.xml><?xml version="1.0" encoding="utf-8"?>
+<p:notes xmlns:a="http://schemas.openxmlformats.org/drawingml/2006/main" xmlns:r="http://schemas.openxmlformats.org/officeDocument/2006/relationships" xmlns:p="http://schemas.openxmlformats.org/presentationml/2006/main">
+  <p:cSld>
+    <p:spTree>
+      <p:nvGrpSpPr>
+        <p:cNvPr id="1" name=""/>
+        <p:cNvGrpSpPr/>
+        <p:nvPr/>
+      </p:nvGrpSpPr>
+      <p:grpSpPr>
+        <a:xfrm>
+          <a:off x="0" y="0"/>
+          <a:ext cx="0" cy="0"/>
+          <a:chOff x="0" y="0"/>
+          <a:chExt cx="0" cy="0"/>
+        </a:xfrm>
+      </p:grpSpPr>
+      <p:sp>
+        <p:nvSpPr>
+          <p:cNvPr id="2" name="投影片圖像版面配置區 1"/>
+          <p:cNvSpPr>
+            <a:spLocks noGrp="1" noRot="1" noChangeAspect="1"/>
+          </p:cNvSpPr>
+          <p:nvPr>
+            <p:ph type="sldImg"/>
+          </p:nvPr>
+        </p:nvSpPr>
+        <p:spPr/>
+      </p:sp>
+      <p:sp>
+        <p:nvSpPr>
+          <p:cNvPr id="3" name="備忘稿版面配置區 2"/>
+          <p:cNvSpPr>
+            <a:spLocks noGrp="1"/>
+          </p:cNvSpPr>
+          <p:nvPr>
+            <p:ph type="body" idx="1"/>
+          </p:nvPr>
+        </p:nvSpPr>
+        <p:spPr/>
+        <p:txBody>
+          <a:bodyPr/>
+          <a:lstStyle/>
+          <a:p>
+            <a:r>
+              <a:rPr lang="zh-CN" altLang="en-US" dirty="0" smtClean="0"/>
+              <a:t>只能在</a:t>
+            </a:r>
+            <a:r>
+              <a:rPr lang="en-US" altLang="zh-CN" dirty="0" err="1" smtClean="0"/>
+              <a:t>gRPC</a:t>
+            </a:r>
+            <a:r>
+              <a:rPr lang="zh-CN" altLang="en-US" dirty="0" smtClean="0"/>
+              <a:t>互通</a:t>
+            </a:r>
+            <a:endParaRPr lang="en-US" altLang="zh-CN" dirty="0" smtClean="0"/>
+          </a:p>
+          <a:p>
+            <a:r>
+              <a:rPr lang="zh-CN" altLang="en-US" dirty="0" smtClean="0"/>
+              <a:t>必須</a:t>
+            </a:r>
+            <a:r>
+              <a:rPr lang="en-US" altLang="zh-CN" dirty="0" err="1" smtClean="0"/>
+              <a:t>Fromat</a:t>
+            </a:r>
+            <a:r>
+              <a:rPr lang="en-US" altLang="zh-CN" dirty="0" smtClean="0"/>
+              <a:t> </a:t>
+            </a:r>
+            <a:r>
+              <a:rPr lang="zh-CN" altLang="en-US" dirty="0" smtClean="0"/>
+              <a:t>一樣，通用同一個 </a:t>
+            </a:r>
+            <a:r>
+              <a:rPr lang="en-US" altLang="zh-CN" dirty="0" smtClean="0"/>
+              <a:t>proto</a:t>
+            </a:r>
+            <a:endParaRPr lang="zh-TW" altLang="en-US" dirty="0"/>
+          </a:p>
+        </p:txBody>
+      </p:sp>
+      <p:sp>
+        <p:nvSpPr>
+          <p:cNvPr id="4" name="投影片編號版面配置區 3"/>
+          <p:cNvSpPr>
+            <a:spLocks noGrp="1"/>
+          </p:cNvSpPr>
+          <p:nvPr>
+            <p:ph type="sldNum" sz="quarter" idx="10"/>
+          </p:nvPr>
+        </p:nvSpPr>
+        <p:spPr/>
+        <p:txBody>
+          <a:bodyPr/>
+          <a:lstStyle/>
+          <a:p>
+            <a:fld id="{EEBFCD98-6B9E-4D19-9C43-11FCDEF19DFC}" type="slidenum">
+              <a:rPr lang="zh-TW" altLang="en-US" smtClean="0"/>
+              <a:t>40</a:t>
+            </a:fld>
+            <a:endParaRPr lang="zh-TW" altLang="en-US"/>
+          </a:p>
+        </p:txBody>
+      </p:sp>
+    </p:spTree>
+    <p:extLst>
+      <p:ext uri="{BB962C8B-B14F-4D97-AF65-F5344CB8AC3E}">
+        <p14:creationId xmlns:p14="http://schemas.microsoft.com/office/powerpoint/2010/main" val="187345478"/>
+      </p:ext>
+    </p:extLst>
+  </p:cSld>
+  <p:clrMapOvr>
+    <a:masterClrMapping/>
+  </p:clrMapOvr>
+</p:notes>
+</file>
+
+<file path=ppt/notesSlides/notesSlide15.xml><?xml version="1.0" encoding="utf-8"?>
+<p:notes xmlns:a="http://schemas.openxmlformats.org/drawingml/2006/main" xmlns:r="http://schemas.openxmlformats.org/officeDocument/2006/relationships" xmlns:p="http://schemas.openxmlformats.org/presentationml/2006/main">
+  <p:cSld>
+    <p:spTree>
+      <p:nvGrpSpPr>
+        <p:cNvPr id="1" name=""/>
+        <p:cNvGrpSpPr/>
+        <p:nvPr/>
+      </p:nvGrpSpPr>
+      <p:grpSpPr>
+        <a:xfrm>
+          <a:off x="0" y="0"/>
+          <a:ext cx="0" cy="0"/>
+          <a:chOff x="0" y="0"/>
+          <a:chExt cx="0" cy="0"/>
+        </a:xfrm>
+      </p:grpSpPr>
+      <p:sp>
+        <p:nvSpPr>
+          <p:cNvPr id="2" name="投影片圖像版面配置區 1"/>
+          <p:cNvSpPr>
+            <a:spLocks noGrp="1" noRot="1" noChangeAspect="1"/>
+          </p:cNvSpPr>
+          <p:nvPr>
+            <p:ph type="sldImg"/>
+          </p:nvPr>
+        </p:nvSpPr>
+        <p:spPr/>
+      </p:sp>
+      <p:sp>
+        <p:nvSpPr>
+          <p:cNvPr id="3" name="備忘稿版面配置區 2"/>
+          <p:cNvSpPr>
+            <a:spLocks noGrp="1"/>
+          </p:cNvSpPr>
+          <p:nvPr>
+            <p:ph type="body" idx="1"/>
+          </p:nvPr>
+        </p:nvSpPr>
+        <p:spPr/>
+        <p:txBody>
+          <a:bodyPr/>
+          <a:lstStyle/>
+          <a:p>
+            <a:r>
+              <a:rPr lang="zh-CN" altLang="en-US" dirty="0" smtClean="0"/>
+              <a:t>設定 </a:t>
+            </a:r>
+            <a:r>
+              <a:rPr lang="en-US" altLang="zh-CN" dirty="0" smtClean="0"/>
+              <a:t>server </a:t>
+            </a:r>
+            <a:r>
+              <a:rPr lang="zh-CN" altLang="en-US" dirty="0" smtClean="0"/>
+              <a:t>超時時間</a:t>
+            </a:r>
+            <a:endParaRPr lang="en-US" altLang="zh-CN" dirty="0" smtClean="0"/>
+          </a:p>
+          <a:p>
+            <a:r>
+              <a:rPr lang="zh-CN" altLang="en-US" dirty="0" smtClean="0"/>
+              <a:t>插入</a:t>
+            </a:r>
+            <a:r>
+              <a:rPr lang="en-US" altLang="zh-CN" dirty="0" smtClean="0"/>
+              <a:t>metadata</a:t>
+            </a:r>
+          </a:p>
+          <a:p>
+            <a:r>
+              <a:rPr lang="en-US" altLang="zh-CN" dirty="0" smtClean="0"/>
+              <a:t>Retry /</a:t>
+            </a:r>
+            <a:r>
+              <a:rPr lang="zh-CN" altLang="en-US" dirty="0" smtClean="0"/>
+              <a:t>結構化錯誤</a:t>
+            </a:r>
+            <a:endParaRPr lang="en-US" altLang="zh-CN" dirty="0" smtClean="0"/>
+          </a:p>
+          <a:p>
+            <a:pPr marL="0" marR="0" indent="0" algn="l" defTabSz="914400" rtl="0" eaLnBrk="1" fontAlgn="auto" latinLnBrk="0" hangingPunct="1">
+              <a:lnSpc>
+                <a:spcPct val="100000"/>
+              </a:lnSpc>
+              <a:spcBef>
+                <a:spcPts val="0"/>
+              </a:spcBef>
+              <a:spcAft>
+                <a:spcPts val="0"/>
+              </a:spcAft>
+              <a:buClrTx/>
+              <a:buSzTx/>
+              <a:buFontTx/>
+              <a:buNone/>
+              <a:tabLst/>
+              <a:defRPr/>
+            </a:pPr>
+            <a:r>
+              <a:rPr lang="en-US" altLang="zh-TW" sz="1200" b="1" i="0" kern="1200" dirty="0" smtClean="0">
+                <a:solidFill>
+                  <a:schemeClr val="tx1"/>
+                </a:solidFill>
+                <a:effectLst/>
+                <a:latin typeface="+mn-lt"/>
+                <a:ea typeface="+mn-ea"/>
+                <a:cs typeface="+mn-cs"/>
+              </a:rPr>
+              <a:t>Dump</a:t>
+            </a:r>
+          </a:p>
+          <a:p>
+            <a:pPr marL="0" marR="0" indent="0" algn="l" defTabSz="914400" rtl="0" eaLnBrk="1" fontAlgn="auto" latinLnBrk="0" hangingPunct="1">
+              <a:lnSpc>
+                <a:spcPct val="100000"/>
+              </a:lnSpc>
+              <a:spcBef>
+                <a:spcPts val="0"/>
+              </a:spcBef>
+              <a:spcAft>
+                <a:spcPts val="0"/>
+              </a:spcAft>
+              <a:buClrTx/>
+              <a:buSzTx/>
+              <a:buFontTx/>
+              <a:buNone/>
+              <a:tabLst/>
+              <a:defRPr/>
+            </a:pPr>
+            <a:endParaRPr lang="en-US" altLang="zh-TW" sz="1200" b="1" i="0" kern="1200" dirty="0" smtClean="0">
+              <a:solidFill>
+                <a:schemeClr val="tx1"/>
+              </a:solidFill>
+              <a:effectLst/>
+              <a:latin typeface="+mn-lt"/>
+              <a:ea typeface="+mn-ea"/>
+              <a:cs typeface="+mn-cs"/>
+            </a:endParaRPr>
+          </a:p>
+          <a:p>
+            <a:pPr marL="0" marR="0" indent="0" algn="l" defTabSz="914400" rtl="0" eaLnBrk="1" fontAlgn="auto" latinLnBrk="0" hangingPunct="1">
+              <a:lnSpc>
+                <a:spcPct val="100000"/>
+              </a:lnSpc>
+              <a:spcBef>
+                <a:spcPts val="0"/>
+              </a:spcBef>
+              <a:spcAft>
+                <a:spcPts val="0"/>
+              </a:spcAft>
+              <a:buClrTx/>
+              <a:buSzTx/>
+              <a:buFontTx/>
+              <a:buNone/>
+              <a:tabLst/>
+              <a:defRPr/>
+            </a:pPr>
+            <a:r>
+              <a:rPr lang="zh-CN" altLang="en-US" sz="1200" b="1" i="0" kern="1200" dirty="0" smtClean="0">
+                <a:solidFill>
+                  <a:schemeClr val="tx1"/>
+                </a:solidFill>
+                <a:effectLst/>
+                <a:latin typeface="+mn-lt"/>
+                <a:ea typeface="+mn-ea"/>
+                <a:cs typeface="+mn-cs"/>
+              </a:rPr>
+              <a:t>優點</a:t>
+            </a:r>
+            <a:endParaRPr lang="en-US" altLang="zh-CN" sz="1200" b="1" i="0" kern="1200" dirty="0" smtClean="0">
+              <a:solidFill>
+                <a:schemeClr val="tx1"/>
+              </a:solidFill>
+              <a:effectLst/>
+              <a:latin typeface="+mn-lt"/>
+              <a:ea typeface="+mn-ea"/>
+              <a:cs typeface="+mn-cs"/>
+            </a:endParaRPr>
+          </a:p>
+          <a:p>
+            <a:pPr marL="0" marR="0" indent="0" algn="l" defTabSz="914400" rtl="0" eaLnBrk="1" fontAlgn="auto" latinLnBrk="0" hangingPunct="1">
+              <a:lnSpc>
+                <a:spcPct val="100000"/>
+              </a:lnSpc>
+              <a:spcBef>
+                <a:spcPts val="0"/>
+              </a:spcBef>
+              <a:spcAft>
+                <a:spcPts val="0"/>
+              </a:spcAft>
+              <a:buClrTx/>
+              <a:buSzTx/>
+              <a:buFontTx/>
+              <a:buNone/>
+              <a:tabLst/>
+              <a:defRPr/>
+            </a:pPr>
+            <a:r>
+              <a:rPr lang="zh-CN" altLang="en-US" sz="1200" b="1" i="0" kern="1200" dirty="0" smtClean="0">
+                <a:solidFill>
+                  <a:schemeClr val="tx1"/>
+                </a:solidFill>
+                <a:effectLst/>
+                <a:latin typeface="+mn-lt"/>
+                <a:ea typeface="+mn-ea"/>
+                <a:cs typeface="+mn-cs"/>
+              </a:rPr>
+              <a:t>横向扩展、负载均衡</a:t>
+            </a:r>
+          </a:p>
+          <a:p>
+            <a:pPr marL="0" marR="0" indent="0" algn="l" defTabSz="914400" rtl="0" eaLnBrk="1" fontAlgn="auto" latinLnBrk="0" hangingPunct="1">
+              <a:lnSpc>
+                <a:spcPct val="100000"/>
+              </a:lnSpc>
+              <a:spcBef>
+                <a:spcPts val="0"/>
+              </a:spcBef>
+              <a:spcAft>
+                <a:spcPts val="0"/>
+              </a:spcAft>
+              <a:buClrTx/>
+              <a:buSzTx/>
+              <a:buFontTx/>
+              <a:buNone/>
+              <a:tabLst/>
+              <a:defRPr/>
+            </a:pPr>
+            <a:r>
+              <a:rPr lang="zh-CN" altLang="en-US" sz="1200" b="1" i="0" kern="1200" dirty="0" smtClean="0">
+                <a:solidFill>
+                  <a:schemeClr val="tx1"/>
+                </a:solidFill>
+                <a:effectLst/>
+                <a:latin typeface="+mn-lt"/>
+                <a:ea typeface="+mn-ea"/>
+                <a:cs typeface="+mn-cs"/>
+              </a:rPr>
+              <a:t>多語言</a:t>
+            </a:r>
+            <a:endParaRPr lang="en-US" altLang="zh-CN" sz="1200" b="1" i="0" kern="1200" dirty="0" smtClean="0">
+              <a:solidFill>
+                <a:schemeClr val="tx1"/>
+              </a:solidFill>
+              <a:effectLst/>
+              <a:latin typeface="+mn-lt"/>
+              <a:ea typeface="+mn-ea"/>
+              <a:cs typeface="+mn-cs"/>
+            </a:endParaRPr>
+          </a:p>
+          <a:p>
+            <a:pPr marL="0" marR="0" indent="0" algn="l" defTabSz="914400" rtl="0" eaLnBrk="1" fontAlgn="auto" latinLnBrk="0" hangingPunct="1">
+              <a:lnSpc>
+                <a:spcPct val="100000"/>
+              </a:lnSpc>
+              <a:spcBef>
+                <a:spcPts val="0"/>
+              </a:spcBef>
+              <a:spcAft>
+                <a:spcPts val="0"/>
+              </a:spcAft>
+              <a:buClrTx/>
+              <a:buSzTx/>
+              <a:buFontTx/>
+              <a:buNone/>
+              <a:tabLst/>
+              <a:defRPr/>
+            </a:pPr>
+            <a:endParaRPr lang="en-US" altLang="zh-TW" sz="1200" b="1" i="0" kern="1200" dirty="0" smtClean="0">
+              <a:solidFill>
+                <a:schemeClr val="tx1"/>
+              </a:solidFill>
+              <a:effectLst/>
+              <a:latin typeface="+mn-lt"/>
+              <a:ea typeface="+mn-ea"/>
+              <a:cs typeface="+mn-cs"/>
+            </a:endParaRPr>
+          </a:p>
+          <a:p>
+            <a:pPr marL="0" marR="0" indent="0" algn="l" defTabSz="914400" rtl="0" eaLnBrk="1" fontAlgn="auto" latinLnBrk="0" hangingPunct="1">
+              <a:lnSpc>
+                <a:spcPct val="100000"/>
+              </a:lnSpc>
+              <a:spcBef>
+                <a:spcPts val="0"/>
+              </a:spcBef>
+              <a:spcAft>
+                <a:spcPts val="0"/>
+              </a:spcAft>
+              <a:buClrTx/>
+              <a:buSzTx/>
+              <a:buFontTx/>
+              <a:buNone/>
+              <a:tabLst/>
+              <a:defRPr/>
+            </a:pPr>
+            <a:r>
+              <a:rPr lang="zh-CN" altLang="en-US" sz="1200" b="1" i="0" kern="1200" dirty="0" smtClean="0">
+                <a:solidFill>
+                  <a:schemeClr val="tx1"/>
+                </a:solidFill>
+                <a:effectLst/>
+                <a:latin typeface="+mn-lt"/>
+                <a:ea typeface="+mn-ea"/>
+                <a:cs typeface="+mn-cs"/>
+              </a:rPr>
+              <a:t>缺點</a:t>
+            </a:r>
+            <a:endParaRPr lang="en-US" altLang="zh-CN" sz="1200" b="1" i="0" kern="1200" dirty="0" smtClean="0">
+              <a:solidFill>
+                <a:schemeClr val="tx1"/>
+              </a:solidFill>
+              <a:effectLst/>
+              <a:latin typeface="+mn-lt"/>
+              <a:ea typeface="+mn-ea"/>
+              <a:cs typeface="+mn-cs"/>
+            </a:endParaRPr>
+          </a:p>
+          <a:p>
+            <a:pPr marL="0" marR="0" indent="0" algn="l" defTabSz="914400" rtl="0" eaLnBrk="1" fontAlgn="auto" latinLnBrk="0" hangingPunct="1">
+              <a:lnSpc>
+                <a:spcPct val="100000"/>
+              </a:lnSpc>
+              <a:spcBef>
+                <a:spcPts val="0"/>
+              </a:spcBef>
+              <a:spcAft>
+                <a:spcPts val="0"/>
+              </a:spcAft>
+              <a:buClrTx/>
+              <a:buSzTx/>
+              <a:buFontTx/>
+              <a:buNone/>
+              <a:tabLst/>
+              <a:defRPr/>
+            </a:pPr>
+            <a:r>
+              <a:rPr lang="zh-CN" altLang="en-US" sz="1200" b="0" i="0" kern="1200" dirty="0" smtClean="0">
+                <a:solidFill>
+                  <a:schemeClr val="tx1"/>
+                </a:solidFill>
+                <a:effectLst/>
+                <a:latin typeface="+mn-lt"/>
+                <a:ea typeface="+mn-ea"/>
+                <a:cs typeface="+mn-cs"/>
+              </a:rPr>
+              <a:t>还不支持浏览器的 </a:t>
+            </a:r>
+            <a:r>
+              <a:rPr lang="en-US" altLang="zh-CN" sz="1200" b="0" i="0" kern="1200" dirty="0" smtClean="0">
+                <a:solidFill>
+                  <a:schemeClr val="tx1"/>
+                </a:solidFill>
+                <a:effectLst/>
+                <a:latin typeface="+mn-lt"/>
+                <a:ea typeface="+mn-ea"/>
+                <a:cs typeface="+mn-cs"/>
+              </a:rPr>
+              <a:t>JS </a:t>
+            </a:r>
+            <a:r>
+              <a:rPr lang="zh-CN" altLang="en-US" sz="1200" b="0" i="0" kern="1200" dirty="0" smtClean="0">
+                <a:solidFill>
+                  <a:schemeClr val="tx1"/>
+                </a:solidFill>
+                <a:effectLst/>
+                <a:latin typeface="+mn-lt"/>
+                <a:ea typeface="+mn-ea"/>
+                <a:cs typeface="+mn-cs"/>
+              </a:rPr>
+              <a:t>（某种角度上讲，这是最常用的客户端）</a:t>
+            </a:r>
+            <a:endParaRPr lang="en-US" altLang="zh-CN" sz="1200" b="0" i="0" kern="1200" dirty="0" smtClean="0">
+              <a:solidFill>
+                <a:schemeClr val="tx1"/>
+              </a:solidFill>
+              <a:effectLst/>
+              <a:latin typeface="+mn-lt"/>
+              <a:ea typeface="+mn-ea"/>
+              <a:cs typeface="+mn-cs"/>
+            </a:endParaRPr>
+          </a:p>
+          <a:p>
+            <a:pPr marL="0" marR="0" indent="0" algn="l" defTabSz="914400" rtl="0" eaLnBrk="1" fontAlgn="auto" latinLnBrk="0" hangingPunct="1">
+              <a:lnSpc>
+                <a:spcPct val="100000"/>
+              </a:lnSpc>
+              <a:spcBef>
+                <a:spcPts val="0"/>
+              </a:spcBef>
+              <a:spcAft>
+                <a:spcPts val="0"/>
+              </a:spcAft>
+              <a:buClrTx/>
+              <a:buSzTx/>
+              <a:buFontTx/>
+              <a:buNone/>
+              <a:tabLst/>
+              <a:defRPr/>
+            </a:pPr>
+            <a:r>
+              <a:rPr lang="en-US" altLang="zh-CN" sz="1200" b="0" i="0" kern="1200" dirty="0" smtClean="0">
+                <a:solidFill>
+                  <a:schemeClr val="tx1"/>
+                </a:solidFill>
+                <a:effectLst/>
+                <a:latin typeface="+mn-lt"/>
+                <a:ea typeface="+mn-ea"/>
+                <a:cs typeface="+mn-cs"/>
+              </a:rPr>
+              <a:t>Postman</a:t>
+            </a:r>
+            <a:r>
+              <a:rPr lang="zh-CN" altLang="en-US" sz="1200" b="0" i="0" kern="1200" dirty="0" smtClean="0">
+                <a:solidFill>
+                  <a:schemeClr val="tx1"/>
+                </a:solidFill>
+                <a:effectLst/>
+                <a:latin typeface="+mn-lt"/>
+                <a:ea typeface="+mn-ea"/>
+                <a:cs typeface="+mn-cs"/>
+              </a:rPr>
+              <a:t>也不行 要特別的</a:t>
+            </a:r>
+            <a:endParaRPr lang="en-US" altLang="zh-CN" sz="1200" b="0" i="0" kern="1200" dirty="0" smtClean="0">
+              <a:solidFill>
+                <a:schemeClr val="tx1"/>
+              </a:solidFill>
+              <a:effectLst/>
+              <a:latin typeface="+mn-lt"/>
+              <a:ea typeface="+mn-ea"/>
+              <a:cs typeface="+mn-cs"/>
+            </a:endParaRPr>
+          </a:p>
+          <a:p>
+            <a:pPr marL="0" marR="0" indent="0" algn="l" defTabSz="914400" rtl="0" eaLnBrk="1" fontAlgn="auto" latinLnBrk="0" hangingPunct="1">
+              <a:lnSpc>
+                <a:spcPct val="100000"/>
+              </a:lnSpc>
+              <a:spcBef>
+                <a:spcPts val="0"/>
+              </a:spcBef>
+              <a:spcAft>
+                <a:spcPts val="0"/>
+              </a:spcAft>
+              <a:buClrTx/>
+              <a:buSzTx/>
+              <a:buFontTx/>
+              <a:buNone/>
+              <a:tabLst/>
+              <a:defRPr/>
+            </a:pPr>
+            <a:endParaRPr lang="en-US" altLang="zh-TW" sz="1200" b="0" i="0" kern="1200" dirty="0" smtClean="0">
+              <a:solidFill>
+                <a:schemeClr val="tx1"/>
+              </a:solidFill>
+              <a:effectLst/>
+              <a:latin typeface="+mn-lt"/>
+              <a:ea typeface="+mn-ea"/>
+              <a:cs typeface="+mn-cs"/>
+            </a:endParaRPr>
+          </a:p>
+          <a:p>
+            <a:pPr marL="0" marR="0" indent="0" algn="l" defTabSz="914400" rtl="0" eaLnBrk="1" fontAlgn="auto" latinLnBrk="0" hangingPunct="1">
+              <a:lnSpc>
+                <a:spcPct val="100000"/>
+              </a:lnSpc>
+              <a:spcBef>
+                <a:spcPts val="0"/>
+              </a:spcBef>
+              <a:spcAft>
+                <a:spcPts val="0"/>
+              </a:spcAft>
+              <a:buClrTx/>
+              <a:buSzTx/>
+              <a:buFontTx/>
+              <a:buNone/>
+              <a:tabLst/>
+              <a:defRPr/>
+            </a:pPr>
+            <a:r>
+              <a:rPr lang="zh-CN" altLang="en-US" sz="1200" b="0" i="0" kern="1200" dirty="0" smtClean="0">
+                <a:solidFill>
+                  <a:schemeClr val="tx1"/>
+                </a:solidFill>
+                <a:effectLst/>
+                <a:latin typeface="+mn-lt"/>
+                <a:ea typeface="+mn-ea"/>
+                <a:cs typeface="+mn-cs"/>
+              </a:rPr>
+              <a:t>一個</a:t>
+            </a:r>
+            <a:r>
+              <a:rPr lang="en-US" altLang="zh-CN" sz="1200" b="0" i="0" kern="1200" dirty="0" smtClean="0">
+                <a:solidFill>
+                  <a:schemeClr val="tx1"/>
+                </a:solidFill>
+                <a:effectLst/>
+                <a:latin typeface="+mn-lt"/>
+                <a:ea typeface="+mn-ea"/>
+                <a:cs typeface="+mn-cs"/>
+              </a:rPr>
+              <a:t>request </a:t>
+            </a:r>
+            <a:r>
+              <a:rPr lang="zh-CN" altLang="en-US" sz="1200" b="0" i="0" kern="1200" dirty="0" smtClean="0">
+                <a:solidFill>
+                  <a:schemeClr val="tx1"/>
+                </a:solidFill>
+                <a:effectLst/>
+                <a:latin typeface="+mn-lt"/>
+                <a:ea typeface="+mn-ea"/>
+                <a:cs typeface="+mn-cs"/>
+              </a:rPr>
+              <a:t>從兩個</a:t>
+            </a:r>
+            <a:r>
+              <a:rPr lang="en-US" altLang="zh-CN" sz="1200" b="0" i="0" kern="1200" dirty="0" smtClean="0">
+                <a:solidFill>
+                  <a:schemeClr val="tx1"/>
+                </a:solidFill>
+                <a:effectLst/>
+                <a:latin typeface="+mn-lt"/>
+                <a:ea typeface="+mn-ea"/>
+                <a:cs typeface="+mn-cs"/>
+              </a:rPr>
+              <a:t>server</a:t>
+            </a:r>
+            <a:r>
+              <a:rPr lang="zh-CN" altLang="en-US" sz="1200" b="0" i="0" kern="1200" dirty="0" smtClean="0">
+                <a:solidFill>
+                  <a:schemeClr val="tx1"/>
+                </a:solidFill>
+                <a:effectLst/>
+                <a:latin typeface="+mn-lt"/>
+                <a:ea typeface="+mn-ea"/>
+                <a:cs typeface="+mn-cs"/>
+              </a:rPr>
+              <a:t>取資料</a:t>
+            </a:r>
+            <a:endParaRPr lang="en-US" altLang="zh-TW" sz="1200" b="1" i="0" kern="1200" dirty="0" smtClean="0">
+              <a:solidFill>
+                <a:schemeClr val="tx1"/>
+              </a:solidFill>
+              <a:effectLst/>
+              <a:latin typeface="+mn-lt"/>
+              <a:ea typeface="+mn-ea"/>
+              <a:cs typeface="+mn-cs"/>
+            </a:endParaRPr>
+          </a:p>
+          <a:p>
+            <a:endParaRPr lang="zh-TW" altLang="en-US" dirty="0"/>
+          </a:p>
+        </p:txBody>
+      </p:sp>
+      <p:sp>
+        <p:nvSpPr>
+          <p:cNvPr id="4" name="投影片編號版面配置區 3"/>
+          <p:cNvSpPr>
+            <a:spLocks noGrp="1"/>
+          </p:cNvSpPr>
+          <p:nvPr>
+            <p:ph type="sldNum" sz="quarter" idx="10"/>
+          </p:nvPr>
+        </p:nvSpPr>
+        <p:spPr/>
+        <p:txBody>
+          <a:bodyPr/>
+          <a:lstStyle/>
+          <a:p>
+            <a:fld id="{EEBFCD98-6B9E-4D19-9C43-11FCDEF19DFC}" type="slidenum">
+              <a:rPr lang="zh-TW" altLang="en-US" smtClean="0"/>
+              <a:t>42</a:t>
+            </a:fld>
+            <a:endParaRPr lang="zh-TW" altLang="en-US"/>
+          </a:p>
+        </p:txBody>
+      </p:sp>
+    </p:spTree>
+    <p:extLst>
+      <p:ext uri="{BB962C8B-B14F-4D97-AF65-F5344CB8AC3E}">
+        <p14:creationId xmlns:p14="http://schemas.microsoft.com/office/powerpoint/2010/main" val="2888810217"/>
+      </p:ext>
+    </p:extLst>
+  </p:cSld>
+  <p:clrMapOvr>
+    <a:masterClrMapping/>
+  </p:clrMapOvr>
+</p:notes>
+</file>
+
 <file path=ppt/notesSlides/notesSlide2.xml><?xml version="1.0" encoding="utf-8"?>
 <p:notes xmlns:a="http://schemas.openxmlformats.org/drawingml/2006/main" xmlns:r="http://schemas.openxmlformats.org/officeDocument/2006/relationships" xmlns:p="http://schemas.openxmlformats.org/presentationml/2006/main">
   <p:cSld>
@@ -1107,510 +2269,50 @@
           <a:p>
             <a:r>
               <a:rPr lang="zh-CN" altLang="en-US" dirty="0" smtClean="0"/>
-              <a:t>設定 </a:t>
+              <a:t>每次更改 </a:t>
+            </a:r>
+            <a:r>
+              <a:rPr lang="en-US" altLang="zh-CN" dirty="0" err="1" smtClean="0"/>
+              <a:t>protobuf</a:t>
             </a:r>
             <a:r>
               <a:rPr lang="en-US" altLang="zh-CN" dirty="0" smtClean="0"/>
-              <a:t>server </a:t>
+              <a:t> </a:t>
             </a:r>
             <a:r>
               <a:rPr lang="zh-CN" altLang="en-US" dirty="0" smtClean="0"/>
-              <a:t>超時時間</a:t>
-            </a:r>
-            <a:endParaRPr lang="en-US" altLang="zh-CN" dirty="0" smtClean="0"/>
+              <a:t>要從新</a:t>
+            </a:r>
+            <a:r>
+              <a:rPr lang="en-US" altLang="zh-CN" dirty="0" smtClean="0"/>
+              <a:t>compiler</a:t>
+            </a:r>
           </a:p>
           <a:p>
             <a:r>
               <a:rPr lang="zh-CN" altLang="en-US" dirty="0" smtClean="0"/>
-              <a:t>插入</a:t>
+              <a:t>跟</a:t>
             </a:r>
             <a:r>
               <a:rPr lang="en-US" altLang="zh-CN" dirty="0" smtClean="0"/>
-              <a:t>metadata</a:t>
-            </a:r>
-          </a:p>
-          <a:p>
+              <a:t>spring cloud </a:t>
+            </a:r>
+            <a:r>
+              <a:rPr lang="zh-CN" altLang="en-US" dirty="0" smtClean="0"/>
+              <a:t>的 </a:t>
+            </a:r>
+            <a:r>
+              <a:rPr lang="en-US" altLang="zh-CN" dirty="0" err="1" smtClean="0"/>
+              <a:t>api</a:t>
+            </a:r>
             <a:r>
               <a:rPr lang="en-US" altLang="zh-CN" dirty="0" smtClean="0"/>
-              <a:t>Retry /</a:t>
+              <a:t> </a:t>
             </a:r>
             <a:r>
               <a:rPr lang="zh-CN" altLang="en-US" dirty="0" smtClean="0"/>
-              <a:t>結構化錯誤</a:t>
-            </a:r>
-            <a:endParaRPr lang="en-US" altLang="zh-CN" dirty="0" smtClean="0"/>
-          </a:p>
-          <a:p>
-            <a:pPr marL="0" marR="0" indent="0" algn="l" defTabSz="914400" rtl="0" eaLnBrk="1" fontAlgn="auto" latinLnBrk="0" hangingPunct="1">
-              <a:lnSpc>
-                <a:spcPct val="100000"/>
-              </a:lnSpc>
-              <a:spcBef>
-                <a:spcPts val="0"/>
-              </a:spcBef>
-              <a:spcAft>
-                <a:spcPts val="0"/>
-              </a:spcAft>
-              <a:buClrTx/>
-              <a:buSzTx/>
-              <a:buFontTx/>
-              <a:buNone/>
-              <a:tabLst/>
-              <a:defRPr/>
-            </a:pPr>
-            <a:r>
-              <a:rPr lang="en-US" altLang="zh-TW" sz="1200" b="1" i="0" kern="1200" dirty="0" smtClean="0">
-                <a:solidFill>
-                  <a:schemeClr val="tx1"/>
-                </a:solidFill>
-                <a:effectLst/>
-                <a:latin typeface="+mn-lt"/>
-                <a:ea typeface="+mn-ea"/>
-                <a:cs typeface="+mn-cs"/>
-              </a:rPr>
-              <a:t>Dump</a:t>
-            </a:r>
-          </a:p>
-          <a:p>
-            <a:pPr marL="0" marR="0" indent="0" algn="l" defTabSz="914400" rtl="0" eaLnBrk="1" fontAlgn="auto" latinLnBrk="0" hangingPunct="1">
-              <a:lnSpc>
-                <a:spcPct val="100000"/>
-              </a:lnSpc>
-              <a:spcBef>
-                <a:spcPts val="0"/>
-              </a:spcBef>
-              <a:spcAft>
-                <a:spcPts val="0"/>
-              </a:spcAft>
-              <a:buClrTx/>
-              <a:buSzTx/>
-              <a:buFontTx/>
-              <a:buNone/>
-              <a:tabLst/>
-              <a:defRPr/>
-            </a:pPr>
-            <a:endParaRPr lang="en-US" altLang="zh-TW" sz="1200" b="1" i="0" kern="1200" dirty="0" smtClean="0">
-              <a:solidFill>
-                <a:schemeClr val="tx1"/>
-              </a:solidFill>
-              <a:effectLst/>
-              <a:latin typeface="+mn-lt"/>
-              <a:ea typeface="+mn-ea"/>
-              <a:cs typeface="+mn-cs"/>
-            </a:endParaRPr>
-          </a:p>
-          <a:p>
-            <a:pPr marL="0" marR="0" indent="0" algn="l" defTabSz="914400" rtl="0" eaLnBrk="1" fontAlgn="auto" latinLnBrk="0" hangingPunct="1">
-              <a:lnSpc>
-                <a:spcPct val="100000"/>
-              </a:lnSpc>
-              <a:spcBef>
-                <a:spcPts val="0"/>
-              </a:spcBef>
-              <a:spcAft>
-                <a:spcPts val="0"/>
-              </a:spcAft>
-              <a:buClrTx/>
-              <a:buSzTx/>
-              <a:buFontTx/>
-              <a:buNone/>
-              <a:tabLst/>
-              <a:defRPr/>
-            </a:pPr>
-            <a:r>
-              <a:rPr lang="zh-CN" altLang="en-US" sz="1200" b="1" i="0" kern="1200" dirty="0" smtClean="0">
-                <a:solidFill>
-                  <a:schemeClr val="tx1"/>
-                </a:solidFill>
-                <a:effectLst/>
-                <a:latin typeface="+mn-lt"/>
-                <a:ea typeface="+mn-ea"/>
-                <a:cs typeface="+mn-cs"/>
-              </a:rPr>
-              <a:t>優點</a:t>
-            </a:r>
-            <a:endParaRPr lang="en-US" altLang="zh-CN" sz="1200" b="1" i="0" kern="1200" dirty="0" smtClean="0">
-              <a:solidFill>
-                <a:schemeClr val="tx1"/>
-              </a:solidFill>
-              <a:effectLst/>
-              <a:latin typeface="+mn-lt"/>
-              <a:ea typeface="+mn-ea"/>
-              <a:cs typeface="+mn-cs"/>
-            </a:endParaRPr>
-          </a:p>
-          <a:p>
-            <a:pPr marL="0" marR="0" indent="0" algn="l" defTabSz="914400" rtl="0" eaLnBrk="1" fontAlgn="auto" latinLnBrk="0" hangingPunct="1">
-              <a:lnSpc>
-                <a:spcPct val="100000"/>
-              </a:lnSpc>
-              <a:spcBef>
-                <a:spcPts val="0"/>
-              </a:spcBef>
-              <a:spcAft>
-                <a:spcPts val="0"/>
-              </a:spcAft>
-              <a:buClrTx/>
-              <a:buSzTx/>
-              <a:buFontTx/>
-              <a:buNone/>
-              <a:tabLst/>
-              <a:defRPr/>
-            </a:pPr>
-            <a:r>
-              <a:rPr lang="zh-CN" altLang="en-US" sz="1200" b="1" i="0" kern="1200" dirty="0" smtClean="0">
-                <a:solidFill>
-                  <a:schemeClr val="tx1"/>
-                </a:solidFill>
-                <a:effectLst/>
-                <a:latin typeface="+mn-lt"/>
-                <a:ea typeface="+mn-ea"/>
-                <a:cs typeface="+mn-cs"/>
-              </a:rPr>
-              <a:t>横向扩展、负载均衡</a:t>
-            </a:r>
-          </a:p>
-          <a:p>
-            <a:pPr marL="0" marR="0" indent="0" algn="l" defTabSz="914400" rtl="0" eaLnBrk="1" fontAlgn="auto" latinLnBrk="0" hangingPunct="1">
-              <a:lnSpc>
-                <a:spcPct val="100000"/>
-              </a:lnSpc>
-              <a:spcBef>
-                <a:spcPts val="0"/>
-              </a:spcBef>
-              <a:spcAft>
-                <a:spcPts val="0"/>
-              </a:spcAft>
-              <a:buClrTx/>
-              <a:buSzTx/>
-              <a:buFontTx/>
-              <a:buNone/>
-              <a:tabLst/>
-              <a:defRPr/>
-            </a:pPr>
-            <a:r>
-              <a:rPr lang="zh-CN" altLang="en-US" sz="1200" b="1" i="0" kern="1200" dirty="0" smtClean="0">
-                <a:solidFill>
-                  <a:schemeClr val="tx1"/>
-                </a:solidFill>
-                <a:effectLst/>
-                <a:latin typeface="+mn-lt"/>
-                <a:ea typeface="+mn-ea"/>
-                <a:cs typeface="+mn-cs"/>
-              </a:rPr>
-              <a:t>多語言</a:t>
-            </a:r>
-            <a:endParaRPr lang="en-US" altLang="zh-CN" sz="1200" b="1" i="0" kern="1200" dirty="0" smtClean="0">
-              <a:solidFill>
-                <a:schemeClr val="tx1"/>
-              </a:solidFill>
-              <a:effectLst/>
-              <a:latin typeface="+mn-lt"/>
-              <a:ea typeface="+mn-ea"/>
-              <a:cs typeface="+mn-cs"/>
-            </a:endParaRPr>
-          </a:p>
-          <a:p>
-            <a:pPr marL="0" marR="0" indent="0" algn="l" defTabSz="914400" rtl="0" eaLnBrk="1" fontAlgn="auto" latinLnBrk="0" hangingPunct="1">
-              <a:lnSpc>
-                <a:spcPct val="100000"/>
-              </a:lnSpc>
-              <a:spcBef>
-                <a:spcPts val="0"/>
-              </a:spcBef>
-              <a:spcAft>
-                <a:spcPts val="0"/>
-              </a:spcAft>
-              <a:buClrTx/>
-              <a:buSzTx/>
-              <a:buFontTx/>
-              <a:buNone/>
-              <a:tabLst/>
-              <a:defRPr/>
-            </a:pPr>
-            <a:endParaRPr lang="en-US" altLang="zh-TW" sz="1200" b="1" i="0" kern="1200" dirty="0" smtClean="0">
-              <a:solidFill>
-                <a:schemeClr val="tx1"/>
-              </a:solidFill>
-              <a:effectLst/>
-              <a:latin typeface="+mn-lt"/>
-              <a:ea typeface="+mn-ea"/>
-              <a:cs typeface="+mn-cs"/>
-            </a:endParaRPr>
-          </a:p>
-          <a:p>
-            <a:pPr marL="0" marR="0" indent="0" algn="l" defTabSz="914400" rtl="0" eaLnBrk="1" fontAlgn="auto" latinLnBrk="0" hangingPunct="1">
-              <a:lnSpc>
-                <a:spcPct val="100000"/>
-              </a:lnSpc>
-              <a:spcBef>
-                <a:spcPts val="0"/>
-              </a:spcBef>
-              <a:spcAft>
-                <a:spcPts val="0"/>
-              </a:spcAft>
-              <a:buClrTx/>
-              <a:buSzTx/>
-              <a:buFontTx/>
-              <a:buNone/>
-              <a:tabLst/>
-              <a:defRPr/>
-            </a:pPr>
-            <a:r>
-              <a:rPr lang="zh-CN" altLang="en-US" sz="1200" b="1" i="0" kern="1200" dirty="0" smtClean="0">
-                <a:solidFill>
-                  <a:schemeClr val="tx1"/>
-                </a:solidFill>
-                <a:effectLst/>
-                <a:latin typeface="+mn-lt"/>
-                <a:ea typeface="+mn-ea"/>
-                <a:cs typeface="+mn-cs"/>
-              </a:rPr>
-              <a:t>缺點</a:t>
-            </a:r>
-            <a:endParaRPr lang="en-US" altLang="zh-CN" sz="1200" b="1" i="0" kern="1200" dirty="0" smtClean="0">
-              <a:solidFill>
-                <a:schemeClr val="tx1"/>
-              </a:solidFill>
-              <a:effectLst/>
-              <a:latin typeface="+mn-lt"/>
-              <a:ea typeface="+mn-ea"/>
-              <a:cs typeface="+mn-cs"/>
-            </a:endParaRPr>
-          </a:p>
-          <a:p>
-            <a:pPr marL="0" marR="0" indent="0" algn="l" defTabSz="914400" rtl="0" eaLnBrk="1" fontAlgn="auto" latinLnBrk="0" hangingPunct="1">
-              <a:lnSpc>
-                <a:spcPct val="100000"/>
-              </a:lnSpc>
-              <a:spcBef>
-                <a:spcPts val="0"/>
-              </a:spcBef>
-              <a:spcAft>
-                <a:spcPts val="0"/>
-              </a:spcAft>
-              <a:buClrTx/>
-              <a:buSzTx/>
-              <a:buFontTx/>
-              <a:buNone/>
-              <a:tabLst/>
-              <a:defRPr/>
-            </a:pPr>
-            <a:r>
-              <a:rPr lang="zh-CN" altLang="en-US" sz="1200" b="0" i="0" kern="1200" dirty="0" smtClean="0">
-                <a:solidFill>
-                  <a:schemeClr val="tx1"/>
-                </a:solidFill>
-                <a:effectLst/>
-                <a:latin typeface="+mn-lt"/>
-                <a:ea typeface="+mn-ea"/>
-                <a:cs typeface="+mn-cs"/>
-              </a:rPr>
-              <a:t>还不支持浏览器的 </a:t>
-            </a:r>
-            <a:r>
-              <a:rPr lang="en-US" altLang="zh-CN" sz="1200" b="0" i="0" kern="1200" dirty="0" smtClean="0">
-                <a:solidFill>
-                  <a:schemeClr val="tx1"/>
-                </a:solidFill>
-                <a:effectLst/>
-                <a:latin typeface="+mn-lt"/>
-                <a:ea typeface="+mn-ea"/>
-                <a:cs typeface="+mn-cs"/>
-              </a:rPr>
-              <a:t>JS </a:t>
-            </a:r>
-            <a:r>
-              <a:rPr lang="zh-CN" altLang="en-US" sz="1200" b="0" i="0" kern="1200" dirty="0" smtClean="0">
-                <a:solidFill>
-                  <a:schemeClr val="tx1"/>
-                </a:solidFill>
-                <a:effectLst/>
-                <a:latin typeface="+mn-lt"/>
-                <a:ea typeface="+mn-ea"/>
-                <a:cs typeface="+mn-cs"/>
-              </a:rPr>
-              <a:t>（某种角度上讲，这是最常用的客户端）</a:t>
-            </a:r>
-            <a:endParaRPr lang="en-US" altLang="zh-CN" sz="1200" b="0" i="0" kern="1200" dirty="0" smtClean="0">
-              <a:solidFill>
-                <a:schemeClr val="tx1"/>
-              </a:solidFill>
-              <a:effectLst/>
-              <a:latin typeface="+mn-lt"/>
-              <a:ea typeface="+mn-ea"/>
-              <a:cs typeface="+mn-cs"/>
-            </a:endParaRPr>
-          </a:p>
-          <a:p>
-            <a:pPr marL="0" marR="0" indent="0" algn="l" defTabSz="914400" rtl="0" eaLnBrk="1" fontAlgn="auto" latinLnBrk="0" hangingPunct="1">
-              <a:lnSpc>
-                <a:spcPct val="100000"/>
-              </a:lnSpc>
-              <a:spcBef>
-                <a:spcPts val="0"/>
-              </a:spcBef>
-              <a:spcAft>
-                <a:spcPts val="0"/>
-              </a:spcAft>
-              <a:buClrTx/>
-              <a:buSzTx/>
-              <a:buFontTx/>
-              <a:buNone/>
-              <a:tabLst/>
-              <a:defRPr/>
-            </a:pPr>
-            <a:r>
-              <a:rPr lang="en-US" altLang="zh-CN" sz="1200" b="0" i="0" kern="1200" dirty="0" smtClean="0">
-                <a:solidFill>
-                  <a:schemeClr val="tx1"/>
-                </a:solidFill>
-                <a:effectLst/>
-                <a:latin typeface="+mn-lt"/>
-                <a:ea typeface="+mn-ea"/>
-                <a:cs typeface="+mn-cs"/>
-              </a:rPr>
-              <a:t>Postman</a:t>
-            </a:r>
-            <a:r>
-              <a:rPr lang="zh-CN" altLang="en-US" sz="1200" b="0" i="0" kern="1200" dirty="0" smtClean="0">
-                <a:solidFill>
-                  <a:schemeClr val="tx1"/>
-                </a:solidFill>
-                <a:effectLst/>
-                <a:latin typeface="+mn-lt"/>
-                <a:ea typeface="+mn-ea"/>
-                <a:cs typeface="+mn-cs"/>
-              </a:rPr>
-              <a:t>也不行 要特別的</a:t>
-            </a:r>
-            <a:endParaRPr lang="en-US" altLang="zh-CN" sz="1200" b="0" i="0" kern="1200" dirty="0" smtClean="0">
-              <a:solidFill>
-                <a:schemeClr val="tx1"/>
-              </a:solidFill>
-              <a:effectLst/>
-              <a:latin typeface="+mn-lt"/>
-              <a:ea typeface="+mn-ea"/>
-              <a:cs typeface="+mn-cs"/>
-            </a:endParaRPr>
-          </a:p>
-          <a:p>
-            <a:pPr marL="0" marR="0" indent="0" algn="l" defTabSz="914400" rtl="0" eaLnBrk="1" fontAlgn="auto" latinLnBrk="0" hangingPunct="1">
-              <a:lnSpc>
-                <a:spcPct val="100000"/>
-              </a:lnSpc>
-              <a:spcBef>
-                <a:spcPts val="0"/>
-              </a:spcBef>
-              <a:spcAft>
-                <a:spcPts val="0"/>
-              </a:spcAft>
-              <a:buClrTx/>
-              <a:buSzTx/>
-              <a:buFontTx/>
-              <a:buNone/>
-              <a:tabLst/>
-              <a:defRPr/>
-            </a:pPr>
-            <a:endParaRPr lang="en-US" altLang="zh-TW" sz="1200" b="0" i="0" kern="1200" dirty="0" smtClean="0">
-              <a:solidFill>
-                <a:schemeClr val="tx1"/>
-              </a:solidFill>
-              <a:effectLst/>
-              <a:latin typeface="+mn-lt"/>
-              <a:ea typeface="+mn-ea"/>
-              <a:cs typeface="+mn-cs"/>
-            </a:endParaRPr>
-          </a:p>
-          <a:p>
-            <a:pPr marL="0" marR="0" indent="0" algn="l" defTabSz="914400" rtl="0" eaLnBrk="1" fontAlgn="auto" latinLnBrk="0" hangingPunct="1">
-              <a:lnSpc>
-                <a:spcPct val="100000"/>
-              </a:lnSpc>
-              <a:spcBef>
-                <a:spcPts val="0"/>
-              </a:spcBef>
-              <a:spcAft>
-                <a:spcPts val="0"/>
-              </a:spcAft>
-              <a:buClrTx/>
-              <a:buSzTx/>
-              <a:buFontTx/>
-              <a:buNone/>
-              <a:tabLst/>
-              <a:defRPr/>
-            </a:pPr>
-            <a:r>
-              <a:rPr lang="zh-CN" altLang="en-US" sz="1200" b="0" i="0" kern="1200" dirty="0" smtClean="0">
-                <a:solidFill>
-                  <a:schemeClr val="tx1"/>
-                </a:solidFill>
-                <a:effectLst/>
-                <a:latin typeface="+mn-lt"/>
-                <a:ea typeface="+mn-ea"/>
-                <a:cs typeface="+mn-cs"/>
-              </a:rPr>
-              <a:t>一個</a:t>
-            </a:r>
-            <a:r>
-              <a:rPr lang="en-US" altLang="zh-CN" sz="1200" b="0" i="0" kern="1200" dirty="0" smtClean="0">
-                <a:solidFill>
-                  <a:schemeClr val="tx1"/>
-                </a:solidFill>
-                <a:effectLst/>
-                <a:latin typeface="+mn-lt"/>
-                <a:ea typeface="+mn-ea"/>
-                <a:cs typeface="+mn-cs"/>
-              </a:rPr>
-              <a:t>request </a:t>
-            </a:r>
-            <a:r>
-              <a:rPr lang="zh-CN" altLang="en-US" sz="1200" b="0" i="0" kern="1200" dirty="0" smtClean="0">
-                <a:solidFill>
-                  <a:schemeClr val="tx1"/>
-                </a:solidFill>
-                <a:effectLst/>
-                <a:latin typeface="+mn-lt"/>
-                <a:ea typeface="+mn-ea"/>
-                <a:cs typeface="+mn-cs"/>
-              </a:rPr>
-              <a:t>從兩個</a:t>
-            </a:r>
-            <a:r>
-              <a:rPr lang="en-US" altLang="zh-CN" sz="1200" b="0" i="0" kern="1200" dirty="0" smtClean="0">
-                <a:solidFill>
-                  <a:schemeClr val="tx1"/>
-                </a:solidFill>
-                <a:effectLst/>
-                <a:latin typeface="+mn-lt"/>
-                <a:ea typeface="+mn-ea"/>
-                <a:cs typeface="+mn-cs"/>
-              </a:rPr>
-              <a:t>server</a:t>
-            </a:r>
-            <a:r>
-              <a:rPr lang="zh-CN" altLang="en-US" sz="1200" b="0" i="0" kern="1200" dirty="0" smtClean="0">
-                <a:solidFill>
-                  <a:schemeClr val="tx1"/>
-                </a:solidFill>
-                <a:effectLst/>
-                <a:latin typeface="+mn-lt"/>
-                <a:ea typeface="+mn-ea"/>
-                <a:cs typeface="+mn-cs"/>
-              </a:rPr>
-              <a:t>取資料</a:t>
-            </a:r>
-            <a:endParaRPr lang="en-US" altLang="zh-TW" sz="1200" b="1" i="0" kern="1200" dirty="0" smtClean="0">
-              <a:solidFill>
-                <a:schemeClr val="tx1"/>
-              </a:solidFill>
-              <a:effectLst/>
-              <a:latin typeface="+mn-lt"/>
-              <a:ea typeface="+mn-ea"/>
-              <a:cs typeface="+mn-cs"/>
-            </a:endParaRPr>
-          </a:p>
-          <a:p>
+              <a:t>開發接口不一樣，每次都很麻煩</a:t>
+            </a:r>
             <a:endParaRPr lang="zh-TW" altLang="en-US" dirty="0"/>
           </a:p>
         </p:txBody>
@@ -1632,7 +2334,7 @@
           <a:p>
             <a:fld id="{EEBFCD98-6B9E-4D19-9C43-11FCDEF19DFC}" type="slidenum">
               <a:rPr lang="zh-TW" altLang="en-US" smtClean="0"/>
-              <a:t>38</a:t>
+              <a:t>14</a:t>
             </a:fld>
             <a:endParaRPr lang="zh-TW" altLang="en-US"/>
           </a:p>
@@ -1641,7 +2343,534 @@
     </p:spTree>
     <p:extLst>
       <p:ext uri="{BB962C8B-B14F-4D97-AF65-F5344CB8AC3E}">
-        <p14:creationId xmlns:p14="http://schemas.microsoft.com/office/powerpoint/2010/main" val="2888810217"/>
+        <p14:creationId xmlns:p14="http://schemas.microsoft.com/office/powerpoint/2010/main" val="3840276890"/>
+      </p:ext>
+    </p:extLst>
+  </p:cSld>
+  <p:clrMapOvr>
+    <a:masterClrMapping/>
+  </p:clrMapOvr>
+</p:notes>
+</file>
+
+<file path=ppt/notesSlides/notesSlide5.xml><?xml version="1.0" encoding="utf-8"?>
+<p:notes xmlns:a="http://schemas.openxmlformats.org/drawingml/2006/main" xmlns:r="http://schemas.openxmlformats.org/officeDocument/2006/relationships" xmlns:p="http://schemas.openxmlformats.org/presentationml/2006/main">
+  <p:cSld>
+    <p:spTree>
+      <p:nvGrpSpPr>
+        <p:cNvPr id="1" name=""/>
+        <p:cNvGrpSpPr/>
+        <p:nvPr/>
+      </p:nvGrpSpPr>
+      <p:grpSpPr>
+        <a:xfrm>
+          <a:off x="0" y="0"/>
+          <a:ext cx="0" cy="0"/>
+          <a:chOff x="0" y="0"/>
+          <a:chExt cx="0" cy="0"/>
+        </a:xfrm>
+      </p:grpSpPr>
+      <p:sp>
+        <p:nvSpPr>
+          <p:cNvPr id="2" name="投影片圖像版面配置區 1"/>
+          <p:cNvSpPr>
+            <a:spLocks noGrp="1" noRot="1" noChangeAspect="1"/>
+          </p:cNvSpPr>
+          <p:nvPr>
+            <p:ph type="sldImg"/>
+          </p:nvPr>
+        </p:nvSpPr>
+        <p:spPr/>
+      </p:sp>
+      <p:sp>
+        <p:nvSpPr>
+          <p:cNvPr id="3" name="備忘稿版面配置區 2"/>
+          <p:cNvSpPr>
+            <a:spLocks noGrp="1"/>
+          </p:cNvSpPr>
+          <p:nvPr>
+            <p:ph type="body" idx="1"/>
+          </p:nvPr>
+        </p:nvSpPr>
+        <p:spPr/>
+        <p:txBody>
+          <a:bodyPr/>
+          <a:lstStyle/>
+          <a:p>
+            <a:r>
+              <a:rPr lang="en-US" altLang="zh-CN" dirty="0" err="1" smtClean="0"/>
+              <a:t>Mvn</a:t>
+            </a:r>
+            <a:r>
+              <a:rPr lang="en-US" altLang="zh-CN" dirty="0" smtClean="0"/>
+              <a:t> compile</a:t>
+            </a:r>
+            <a:endParaRPr lang="zh-TW" altLang="en-US" dirty="0"/>
+          </a:p>
+        </p:txBody>
+      </p:sp>
+      <p:sp>
+        <p:nvSpPr>
+          <p:cNvPr id="4" name="投影片編號版面配置區 3"/>
+          <p:cNvSpPr>
+            <a:spLocks noGrp="1"/>
+          </p:cNvSpPr>
+          <p:nvPr>
+            <p:ph type="sldNum" sz="quarter" idx="10"/>
+          </p:nvPr>
+        </p:nvSpPr>
+        <p:spPr/>
+        <p:txBody>
+          <a:bodyPr/>
+          <a:lstStyle/>
+          <a:p>
+            <a:fld id="{EEBFCD98-6B9E-4D19-9C43-11FCDEF19DFC}" type="slidenum">
+              <a:rPr lang="zh-TW" altLang="en-US" smtClean="0"/>
+              <a:t>18</a:t>
+            </a:fld>
+            <a:endParaRPr lang="zh-TW" altLang="en-US"/>
+          </a:p>
+        </p:txBody>
+      </p:sp>
+    </p:spTree>
+    <p:extLst>
+      <p:ext uri="{BB962C8B-B14F-4D97-AF65-F5344CB8AC3E}">
+        <p14:creationId xmlns:p14="http://schemas.microsoft.com/office/powerpoint/2010/main" val="3148636814"/>
+      </p:ext>
+    </p:extLst>
+  </p:cSld>
+  <p:clrMapOvr>
+    <a:masterClrMapping/>
+  </p:clrMapOvr>
+</p:notes>
+</file>
+
+<file path=ppt/notesSlides/notesSlide6.xml><?xml version="1.0" encoding="utf-8"?>
+<p:notes xmlns:a="http://schemas.openxmlformats.org/drawingml/2006/main" xmlns:r="http://schemas.openxmlformats.org/officeDocument/2006/relationships" xmlns:p="http://schemas.openxmlformats.org/presentationml/2006/main">
+  <p:cSld>
+    <p:spTree>
+      <p:nvGrpSpPr>
+        <p:cNvPr id="1" name=""/>
+        <p:cNvGrpSpPr/>
+        <p:nvPr/>
+      </p:nvGrpSpPr>
+      <p:grpSpPr>
+        <a:xfrm>
+          <a:off x="0" y="0"/>
+          <a:ext cx="0" cy="0"/>
+          <a:chOff x="0" y="0"/>
+          <a:chExt cx="0" cy="0"/>
+        </a:xfrm>
+      </p:grpSpPr>
+      <p:sp>
+        <p:nvSpPr>
+          <p:cNvPr id="2" name="投影片圖像版面配置區 1"/>
+          <p:cNvSpPr>
+            <a:spLocks noGrp="1" noRot="1" noChangeAspect="1"/>
+          </p:cNvSpPr>
+          <p:nvPr>
+            <p:ph type="sldImg"/>
+          </p:nvPr>
+        </p:nvSpPr>
+        <p:spPr/>
+      </p:sp>
+      <p:sp>
+        <p:nvSpPr>
+          <p:cNvPr id="3" name="備忘稿版面配置區 2"/>
+          <p:cNvSpPr>
+            <a:spLocks noGrp="1"/>
+          </p:cNvSpPr>
+          <p:nvPr>
+            <p:ph type="body" idx="1"/>
+          </p:nvPr>
+        </p:nvSpPr>
+        <p:spPr/>
+        <p:txBody>
+          <a:bodyPr/>
+          <a:lstStyle/>
+          <a:p>
+            <a:r>
+              <a:rPr lang="zh-CN" altLang="en-US" dirty="0" smtClean="0"/>
+              <a:t>打上 完整的 調用 </a:t>
+            </a:r>
+            <a:r>
+              <a:rPr lang="en-US" altLang="zh-CN" dirty="0" smtClean="0"/>
+              <a:t>function</a:t>
+            </a:r>
+            <a:endParaRPr lang="zh-TW" altLang="en-US" dirty="0"/>
+          </a:p>
+        </p:txBody>
+      </p:sp>
+      <p:sp>
+        <p:nvSpPr>
+          <p:cNvPr id="4" name="投影片編號版面配置區 3"/>
+          <p:cNvSpPr>
+            <a:spLocks noGrp="1"/>
+          </p:cNvSpPr>
+          <p:nvPr>
+            <p:ph type="sldNum" sz="quarter" idx="10"/>
+          </p:nvPr>
+        </p:nvSpPr>
+        <p:spPr/>
+        <p:txBody>
+          <a:bodyPr/>
+          <a:lstStyle/>
+          <a:p>
+            <a:fld id="{EEBFCD98-6B9E-4D19-9C43-11FCDEF19DFC}" type="slidenum">
+              <a:rPr lang="zh-TW" altLang="en-US" smtClean="0"/>
+              <a:t>21</a:t>
+            </a:fld>
+            <a:endParaRPr lang="zh-TW" altLang="en-US"/>
+          </a:p>
+        </p:txBody>
+      </p:sp>
+    </p:spTree>
+    <p:extLst>
+      <p:ext uri="{BB962C8B-B14F-4D97-AF65-F5344CB8AC3E}">
+        <p14:creationId xmlns:p14="http://schemas.microsoft.com/office/powerpoint/2010/main" val="2327113432"/>
+      </p:ext>
+    </p:extLst>
+  </p:cSld>
+  <p:clrMapOvr>
+    <a:masterClrMapping/>
+  </p:clrMapOvr>
+</p:notes>
+</file>
+
+<file path=ppt/notesSlides/notesSlide7.xml><?xml version="1.0" encoding="utf-8"?>
+<p:notes xmlns:a="http://schemas.openxmlformats.org/drawingml/2006/main" xmlns:r="http://schemas.openxmlformats.org/officeDocument/2006/relationships" xmlns:p="http://schemas.openxmlformats.org/presentationml/2006/main">
+  <p:cSld>
+    <p:spTree>
+      <p:nvGrpSpPr>
+        <p:cNvPr id="1" name=""/>
+        <p:cNvGrpSpPr/>
+        <p:nvPr/>
+      </p:nvGrpSpPr>
+      <p:grpSpPr>
+        <a:xfrm>
+          <a:off x="0" y="0"/>
+          <a:ext cx="0" cy="0"/>
+          <a:chOff x="0" y="0"/>
+          <a:chExt cx="0" cy="0"/>
+        </a:xfrm>
+      </p:grpSpPr>
+      <p:sp>
+        <p:nvSpPr>
+          <p:cNvPr id="2" name="投影片圖像版面配置區 1"/>
+          <p:cNvSpPr>
+            <a:spLocks noGrp="1" noRot="1" noChangeAspect="1"/>
+          </p:cNvSpPr>
+          <p:nvPr>
+            <p:ph type="sldImg"/>
+          </p:nvPr>
+        </p:nvSpPr>
+        <p:spPr/>
+      </p:sp>
+      <p:sp>
+        <p:nvSpPr>
+          <p:cNvPr id="3" name="備忘稿版面配置區 2"/>
+          <p:cNvSpPr>
+            <a:spLocks noGrp="1"/>
+          </p:cNvSpPr>
+          <p:nvPr>
+            <p:ph type="body" idx="1"/>
+          </p:nvPr>
+        </p:nvSpPr>
+        <p:spPr/>
+        <p:txBody>
+          <a:bodyPr/>
+          <a:lstStyle/>
+          <a:p>
+            <a:r>
+              <a:rPr lang="en-US" altLang="zh-TW" dirty="0" smtClean="0"/>
+              <a:t>234 </a:t>
+            </a:r>
+            <a:r>
+              <a:rPr lang="zh-CN" altLang="en-US" dirty="0" smtClean="0"/>
+              <a:t>都要進行</a:t>
+            </a:r>
+            <a:r>
+              <a:rPr lang="zh-CN" altLang="en-US" baseline="0" dirty="0" smtClean="0"/>
+              <a:t> </a:t>
+            </a:r>
+            <a:r>
+              <a:rPr lang="en-US" altLang="zh-CN" baseline="0" dirty="0" err="1" smtClean="0"/>
+              <a:t>oncomPleted</a:t>
+            </a:r>
+            <a:r>
+              <a:rPr lang="en-US" altLang="zh-CN" baseline="0" dirty="0" smtClean="0"/>
+              <a:t> </a:t>
+            </a:r>
+            <a:r>
+              <a:rPr lang="zh-CN" altLang="en-US" baseline="0" dirty="0" smtClean="0"/>
+              <a:t>的處理，就是長連接的處理，進行</a:t>
+            </a:r>
+            <a:r>
+              <a:rPr lang="en-US" altLang="zh-CN" baseline="0" dirty="0" err="1" smtClean="0"/>
+              <a:t>channel.shutdown</a:t>
+            </a:r>
+            <a:endParaRPr lang="zh-TW" altLang="en-US" dirty="0"/>
+          </a:p>
+        </p:txBody>
+      </p:sp>
+      <p:sp>
+        <p:nvSpPr>
+          <p:cNvPr id="4" name="投影片編號版面配置區 3"/>
+          <p:cNvSpPr>
+            <a:spLocks noGrp="1"/>
+          </p:cNvSpPr>
+          <p:nvPr>
+            <p:ph type="sldNum" sz="quarter" idx="10"/>
+          </p:nvPr>
+        </p:nvSpPr>
+        <p:spPr/>
+        <p:txBody>
+          <a:bodyPr/>
+          <a:lstStyle/>
+          <a:p>
+            <a:fld id="{EEBFCD98-6B9E-4D19-9C43-11FCDEF19DFC}" type="slidenum">
+              <a:rPr lang="zh-TW" altLang="en-US" smtClean="0"/>
+              <a:t>22</a:t>
+            </a:fld>
+            <a:endParaRPr lang="zh-TW" altLang="en-US"/>
+          </a:p>
+        </p:txBody>
+      </p:sp>
+    </p:spTree>
+    <p:extLst>
+      <p:ext uri="{BB962C8B-B14F-4D97-AF65-F5344CB8AC3E}">
+        <p14:creationId xmlns:p14="http://schemas.microsoft.com/office/powerpoint/2010/main" val="2656380680"/>
+      </p:ext>
+    </p:extLst>
+  </p:cSld>
+  <p:clrMapOvr>
+    <a:masterClrMapping/>
+  </p:clrMapOvr>
+</p:notes>
+</file>
+
+<file path=ppt/notesSlides/notesSlide8.xml><?xml version="1.0" encoding="utf-8"?>
+<p:notes xmlns:a="http://schemas.openxmlformats.org/drawingml/2006/main" xmlns:r="http://schemas.openxmlformats.org/officeDocument/2006/relationships" xmlns:p="http://schemas.openxmlformats.org/presentationml/2006/main">
+  <p:cSld>
+    <p:spTree>
+      <p:nvGrpSpPr>
+        <p:cNvPr id="1" name=""/>
+        <p:cNvGrpSpPr/>
+        <p:nvPr/>
+      </p:nvGrpSpPr>
+      <p:grpSpPr>
+        <a:xfrm>
+          <a:off x="0" y="0"/>
+          <a:ext cx="0" cy="0"/>
+          <a:chOff x="0" y="0"/>
+          <a:chExt cx="0" cy="0"/>
+        </a:xfrm>
+      </p:grpSpPr>
+      <p:sp>
+        <p:nvSpPr>
+          <p:cNvPr id="2" name="投影片圖像版面配置區 1"/>
+          <p:cNvSpPr>
+            <a:spLocks noGrp="1" noRot="1" noChangeAspect="1"/>
+          </p:cNvSpPr>
+          <p:nvPr>
+            <p:ph type="sldImg"/>
+          </p:nvPr>
+        </p:nvSpPr>
+        <p:spPr/>
+      </p:sp>
+      <p:sp>
+        <p:nvSpPr>
+          <p:cNvPr id="3" name="備忘稿版面配置區 2"/>
+          <p:cNvSpPr>
+            <a:spLocks noGrp="1"/>
+          </p:cNvSpPr>
+          <p:nvPr>
+            <p:ph type="body" idx="1"/>
+          </p:nvPr>
+        </p:nvSpPr>
+        <p:spPr/>
+        <p:txBody>
+          <a:bodyPr/>
+          <a:lstStyle/>
+          <a:p>
+            <a:r>
+              <a:rPr lang="zh-CN" altLang="en-US" dirty="0" smtClean="0"/>
+              <a:t>還有 一個 </a:t>
+            </a:r>
+            <a:r>
+              <a:rPr lang="en-US" altLang="zh-CN" dirty="0" smtClean="0"/>
+              <a:t>health .proto </a:t>
+            </a:r>
+            <a:r>
+              <a:rPr lang="zh-CN" altLang="en-US" dirty="0" smtClean="0"/>
+              <a:t>要寫，</a:t>
+            </a:r>
+            <a:r>
+              <a:rPr lang="en-US" altLang="zh-CN" dirty="0" smtClean="0"/>
+              <a:t>consul </a:t>
+            </a:r>
+            <a:r>
+              <a:rPr lang="zh-CN" altLang="en-US" dirty="0" smtClean="0"/>
+              <a:t>的官網載</a:t>
+            </a:r>
+            <a:r>
+              <a:rPr lang="zh-CN" altLang="en-US" baseline="0" dirty="0" smtClean="0"/>
+              <a:t> 文件</a:t>
+            </a:r>
+            <a:endParaRPr lang="en-US" altLang="zh-CN" baseline="0" dirty="0" smtClean="0"/>
+          </a:p>
+          <a:p>
+            <a:r>
+              <a:rPr lang="en-US" altLang="zh-TW" dirty="0" err="1" smtClean="0"/>
+              <a:t>HealthGrpc</a:t>
+            </a:r>
+            <a:r>
+              <a:rPr lang="en-US" altLang="zh-TW" dirty="0" smtClean="0"/>
+              <a:t> </a:t>
+            </a:r>
+            <a:r>
+              <a:rPr lang="zh-CN" altLang="en-US" dirty="0" smtClean="0"/>
+              <a:t>應該不用寫</a:t>
+            </a:r>
+            <a:endParaRPr lang="zh-TW" altLang="en-US" dirty="0"/>
+          </a:p>
+        </p:txBody>
+      </p:sp>
+      <p:sp>
+        <p:nvSpPr>
+          <p:cNvPr id="4" name="投影片編號版面配置區 3"/>
+          <p:cNvSpPr>
+            <a:spLocks noGrp="1"/>
+          </p:cNvSpPr>
+          <p:nvPr>
+            <p:ph type="sldNum" sz="quarter" idx="10"/>
+          </p:nvPr>
+        </p:nvSpPr>
+        <p:spPr/>
+        <p:txBody>
+          <a:bodyPr/>
+          <a:lstStyle/>
+          <a:p>
+            <a:fld id="{EEBFCD98-6B9E-4D19-9C43-11FCDEF19DFC}" type="slidenum">
+              <a:rPr lang="zh-TW" altLang="en-US" smtClean="0"/>
+              <a:t>27</a:t>
+            </a:fld>
+            <a:endParaRPr lang="zh-TW" altLang="en-US"/>
+          </a:p>
+        </p:txBody>
+      </p:sp>
+    </p:spTree>
+    <p:extLst>
+      <p:ext uri="{BB962C8B-B14F-4D97-AF65-F5344CB8AC3E}">
+        <p14:creationId xmlns:p14="http://schemas.microsoft.com/office/powerpoint/2010/main" val="3417812320"/>
+      </p:ext>
+    </p:extLst>
+  </p:cSld>
+  <p:clrMapOvr>
+    <a:masterClrMapping/>
+  </p:clrMapOvr>
+</p:notes>
+</file>
+
+<file path=ppt/notesSlides/notesSlide9.xml><?xml version="1.0" encoding="utf-8"?>
+<p:notes xmlns:a="http://schemas.openxmlformats.org/drawingml/2006/main" xmlns:r="http://schemas.openxmlformats.org/officeDocument/2006/relationships" xmlns:p="http://schemas.openxmlformats.org/presentationml/2006/main">
+  <p:cSld>
+    <p:spTree>
+      <p:nvGrpSpPr>
+        <p:cNvPr id="1" name=""/>
+        <p:cNvGrpSpPr/>
+        <p:nvPr/>
+      </p:nvGrpSpPr>
+      <p:grpSpPr>
+        <a:xfrm>
+          <a:off x="0" y="0"/>
+          <a:ext cx="0" cy="0"/>
+          <a:chOff x="0" y="0"/>
+          <a:chExt cx="0" cy="0"/>
+        </a:xfrm>
+      </p:grpSpPr>
+      <p:sp>
+        <p:nvSpPr>
+          <p:cNvPr id="2" name="投影片圖像版面配置區 1"/>
+          <p:cNvSpPr>
+            <a:spLocks noGrp="1" noRot="1" noChangeAspect="1"/>
+          </p:cNvSpPr>
+          <p:nvPr>
+            <p:ph type="sldImg"/>
+          </p:nvPr>
+        </p:nvSpPr>
+        <p:spPr/>
+      </p:sp>
+      <p:sp>
+        <p:nvSpPr>
+          <p:cNvPr id="3" name="備忘稿版面配置區 2"/>
+          <p:cNvSpPr>
+            <a:spLocks noGrp="1"/>
+          </p:cNvSpPr>
+          <p:nvPr>
+            <p:ph type="body" idx="1"/>
+          </p:nvPr>
+        </p:nvSpPr>
+        <p:spPr/>
+        <p:txBody>
+          <a:bodyPr/>
+          <a:lstStyle/>
+          <a:p>
+            <a:r>
+              <a:rPr lang="zh-CN" altLang="en-US" dirty="0" smtClean="0"/>
+              <a:t>假設所有人都使用</a:t>
+            </a:r>
+            <a:r>
+              <a:rPr lang="en-US" altLang="zh-CN" dirty="0" smtClean="0"/>
+              <a:t>net</a:t>
+            </a:r>
+            <a:r>
+              <a:rPr lang="en-US" altLang="zh-CN" baseline="0" dirty="0" smtClean="0"/>
+              <a:t> </a:t>
+            </a:r>
+            <a:r>
+              <a:rPr lang="en-US" altLang="zh-CN" baseline="0" dirty="0" err="1" smtClean="0"/>
+              <a:t>devg</a:t>
+            </a:r>
+            <a:r>
+              <a:rPr lang="zh-CN" altLang="en-US" baseline="0" dirty="0" smtClean="0"/>
+              <a:t>的包的話，那在調用時 使用</a:t>
+            </a:r>
+            <a:r>
+              <a:rPr lang="en-US" altLang="zh-CN" baseline="0" dirty="0" err="1" smtClean="0"/>
+              <a:t>getmedata</a:t>
+            </a:r>
+            <a:endParaRPr lang="zh-TW" altLang="en-US" dirty="0"/>
+          </a:p>
+        </p:txBody>
+      </p:sp>
+      <p:sp>
+        <p:nvSpPr>
+          <p:cNvPr id="4" name="投影片編號版面配置區 3"/>
+          <p:cNvSpPr>
+            <a:spLocks noGrp="1"/>
+          </p:cNvSpPr>
+          <p:nvPr>
+            <p:ph type="sldNum" sz="quarter" idx="10"/>
+          </p:nvPr>
+        </p:nvSpPr>
+        <p:spPr/>
+        <p:txBody>
+          <a:bodyPr/>
+          <a:lstStyle/>
+          <a:p>
+            <a:fld id="{EEBFCD98-6B9E-4D19-9C43-11FCDEF19DFC}" type="slidenum">
+              <a:rPr lang="zh-TW" altLang="en-US" smtClean="0"/>
+              <a:t>30</a:t>
+            </a:fld>
+            <a:endParaRPr lang="zh-TW" altLang="en-US"/>
+          </a:p>
+        </p:txBody>
+      </p:sp>
+    </p:spTree>
+    <p:extLst>
+      <p:ext uri="{BB962C8B-B14F-4D97-AF65-F5344CB8AC3E}">
+        <p14:creationId xmlns:p14="http://schemas.microsoft.com/office/powerpoint/2010/main" val="2925933129"/>
       </p:ext>
     </p:extLst>
   </p:cSld>
@@ -1673,7 +2902,7 @@
           <p:cNvPr id="2" name="標題 1">
             <a:extLst>
               <a:ext uri="{FF2B5EF4-FFF2-40B4-BE49-F238E27FC236}">
-                <a16:creationId xmlns:a16="http://schemas.microsoft.com/office/drawing/2014/main" xmlns="" id="{6A1C7254-695B-1F42-AC59-34E8D858E936}"/>
+                <a16:creationId xmlns="" xmlns:a16="http://schemas.microsoft.com/office/drawing/2014/main" id="{6A1C7254-695B-1F42-AC59-34E8D858E936}"/>
               </a:ext>
             </a:extLst>
           </p:cNvPr>
@@ -1716,7 +2945,7 @@
           <p:cNvPr id="3" name="文字版面配置區 2">
             <a:extLst>
               <a:ext uri="{FF2B5EF4-FFF2-40B4-BE49-F238E27FC236}">
-                <a16:creationId xmlns:a16="http://schemas.microsoft.com/office/drawing/2014/main" xmlns="" id="{1D19DA3B-2013-E14B-A941-CC519B76AD6F}"/>
+                <a16:creationId xmlns="" xmlns:a16="http://schemas.microsoft.com/office/drawing/2014/main" id="{1D19DA3B-2013-E14B-A941-CC519B76AD6F}"/>
               </a:ext>
             </a:extLst>
           </p:cNvPr>
@@ -1841,7 +3070,7 @@
           <p:cNvPr id="4" name="日期版面配置區 3">
             <a:extLst>
               <a:ext uri="{FF2B5EF4-FFF2-40B4-BE49-F238E27FC236}">
-                <a16:creationId xmlns:a16="http://schemas.microsoft.com/office/drawing/2014/main" xmlns="" id="{BC7211D9-290C-574E-B682-764110BB9BAF}"/>
+                <a16:creationId xmlns="" xmlns:a16="http://schemas.microsoft.com/office/drawing/2014/main" id="{BC7211D9-290C-574E-B682-764110BB9BAF}"/>
               </a:ext>
             </a:extLst>
           </p:cNvPr>
@@ -1870,7 +3099,7 @@
           <p:cNvPr id="5" name="頁尾版面配置區 4">
             <a:extLst>
               <a:ext uri="{FF2B5EF4-FFF2-40B4-BE49-F238E27FC236}">
-                <a16:creationId xmlns:a16="http://schemas.microsoft.com/office/drawing/2014/main" xmlns="" id="{D4D4BDD1-0BFA-0645-8197-068191AAF54C}"/>
+                <a16:creationId xmlns="" xmlns:a16="http://schemas.microsoft.com/office/drawing/2014/main" id="{D4D4BDD1-0BFA-0645-8197-068191AAF54C}"/>
               </a:ext>
             </a:extLst>
           </p:cNvPr>
@@ -1895,7 +3124,7 @@
           <p:cNvPr id="6" name="投影片編號版面配置區 5">
             <a:extLst>
               <a:ext uri="{FF2B5EF4-FFF2-40B4-BE49-F238E27FC236}">
-                <a16:creationId xmlns:a16="http://schemas.microsoft.com/office/drawing/2014/main" xmlns="" id="{F592E68C-AEE0-D84B-8844-7CF5E83647F7}"/>
+                <a16:creationId xmlns="" xmlns:a16="http://schemas.microsoft.com/office/drawing/2014/main" id="{F592E68C-AEE0-D84B-8844-7CF5E83647F7}"/>
               </a:ext>
             </a:extLst>
           </p:cNvPr>
@@ -1924,7 +3153,7 @@
           <p:cNvPr id="7" name="圖片 6">
             <a:extLst>
               <a:ext uri="{FF2B5EF4-FFF2-40B4-BE49-F238E27FC236}">
-                <a16:creationId xmlns:a16="http://schemas.microsoft.com/office/drawing/2014/main" xmlns="" id="{CFC0D688-7C0C-F240-82D7-136060E3079C}"/>
+                <a16:creationId xmlns="" xmlns:a16="http://schemas.microsoft.com/office/drawing/2014/main" id="{CFC0D688-7C0C-F240-82D7-136060E3079C}"/>
               </a:ext>
             </a:extLst>
           </p:cNvPr>
@@ -2214,7 +3443,7 @@
           <p:cNvPr id="10" name="圖片 9">
             <a:extLst>
               <a:ext uri="{FF2B5EF4-FFF2-40B4-BE49-F238E27FC236}">
-                <a16:creationId xmlns:a16="http://schemas.microsoft.com/office/drawing/2014/main" xmlns="" id="{5E0EAD78-AEC6-AB45-A710-DD47E43CBB16}"/>
+                <a16:creationId xmlns="" xmlns:a16="http://schemas.microsoft.com/office/drawing/2014/main" id="{5E0EAD78-AEC6-AB45-A710-DD47E43CBB16}"/>
               </a:ext>
             </a:extLst>
           </p:cNvPr>
@@ -2757,7 +3986,7 @@
           <p:cNvPr id="17" name="內容版面配置區 2">
             <a:extLst>
               <a:ext uri="{FF2B5EF4-FFF2-40B4-BE49-F238E27FC236}">
-                <a16:creationId xmlns:a16="http://schemas.microsoft.com/office/drawing/2014/main" xmlns="" id="{DB7FC4C6-C26F-214E-B2D6-C9ED5E2BD195}"/>
+                <a16:creationId xmlns="" xmlns:a16="http://schemas.microsoft.com/office/drawing/2014/main" id="{DB7FC4C6-C26F-214E-B2D6-C9ED5E2BD195}"/>
               </a:ext>
             </a:extLst>
           </p:cNvPr>
@@ -2849,7 +4078,7 @@
           <p:cNvPr id="18" name="內容版面配置區 2">
             <a:extLst>
               <a:ext uri="{FF2B5EF4-FFF2-40B4-BE49-F238E27FC236}">
-                <a16:creationId xmlns:a16="http://schemas.microsoft.com/office/drawing/2014/main" xmlns="" id="{DB7FC4C6-C26F-214E-B2D6-C9ED5E2BD195}"/>
+                <a16:creationId xmlns="" xmlns:a16="http://schemas.microsoft.com/office/drawing/2014/main" id="{DB7FC4C6-C26F-214E-B2D6-C9ED5E2BD195}"/>
               </a:ext>
             </a:extLst>
           </p:cNvPr>
@@ -2941,7 +4170,7 @@
           <p:cNvPr id="19" name="內容版面配置區 2">
             <a:extLst>
               <a:ext uri="{FF2B5EF4-FFF2-40B4-BE49-F238E27FC236}">
-                <a16:creationId xmlns:a16="http://schemas.microsoft.com/office/drawing/2014/main" xmlns="" id="{DB7FC4C6-C26F-214E-B2D6-C9ED5E2BD195}"/>
+                <a16:creationId xmlns="" xmlns:a16="http://schemas.microsoft.com/office/drawing/2014/main" id="{DB7FC4C6-C26F-214E-B2D6-C9ED5E2BD195}"/>
               </a:ext>
             </a:extLst>
           </p:cNvPr>
@@ -3033,7 +4262,7 @@
           <p:cNvPr id="20" name="內容版面配置區 2">
             <a:extLst>
               <a:ext uri="{FF2B5EF4-FFF2-40B4-BE49-F238E27FC236}">
-                <a16:creationId xmlns:a16="http://schemas.microsoft.com/office/drawing/2014/main" xmlns="" id="{DB7FC4C6-C26F-214E-B2D6-C9ED5E2BD195}"/>
+                <a16:creationId xmlns="" xmlns:a16="http://schemas.microsoft.com/office/drawing/2014/main" id="{DB7FC4C6-C26F-214E-B2D6-C9ED5E2BD195}"/>
               </a:ext>
             </a:extLst>
           </p:cNvPr>
@@ -3125,7 +4354,7 @@
           <p:cNvPr id="21" name="內容版面配置區 2">
             <a:extLst>
               <a:ext uri="{FF2B5EF4-FFF2-40B4-BE49-F238E27FC236}">
-                <a16:creationId xmlns:a16="http://schemas.microsoft.com/office/drawing/2014/main" xmlns="" id="{DB7FC4C6-C26F-214E-B2D6-C9ED5E2BD195}"/>
+                <a16:creationId xmlns="" xmlns:a16="http://schemas.microsoft.com/office/drawing/2014/main" id="{DB7FC4C6-C26F-214E-B2D6-C9ED5E2BD195}"/>
               </a:ext>
             </a:extLst>
           </p:cNvPr>
@@ -3217,7 +4446,7 @@
           <p:cNvPr id="22" name="內容版面配置區 2">
             <a:extLst>
               <a:ext uri="{FF2B5EF4-FFF2-40B4-BE49-F238E27FC236}">
-                <a16:creationId xmlns:a16="http://schemas.microsoft.com/office/drawing/2014/main" xmlns="" id="{DB7FC4C6-C26F-214E-B2D6-C9ED5E2BD195}"/>
+                <a16:creationId xmlns="" xmlns:a16="http://schemas.microsoft.com/office/drawing/2014/main" id="{DB7FC4C6-C26F-214E-B2D6-C9ED5E2BD195}"/>
               </a:ext>
             </a:extLst>
           </p:cNvPr>
@@ -3821,7 +5050,7 @@
           <p:cNvPr id="13" name="內容版面配置區 2">
             <a:extLst>
               <a:ext uri="{FF2B5EF4-FFF2-40B4-BE49-F238E27FC236}">
-                <a16:creationId xmlns:a16="http://schemas.microsoft.com/office/drawing/2014/main" xmlns="" id="{DB7FC4C6-C26F-214E-B2D6-C9ED5E2BD195}"/>
+                <a16:creationId xmlns="" xmlns:a16="http://schemas.microsoft.com/office/drawing/2014/main" id="{DB7FC4C6-C26F-214E-B2D6-C9ED5E2BD195}"/>
               </a:ext>
             </a:extLst>
           </p:cNvPr>
@@ -3913,7 +5142,7 @@
           <p:cNvPr id="15" name="內容版面配置區 2">
             <a:extLst>
               <a:ext uri="{FF2B5EF4-FFF2-40B4-BE49-F238E27FC236}">
-                <a16:creationId xmlns:a16="http://schemas.microsoft.com/office/drawing/2014/main" xmlns="" id="{DB7FC4C6-C26F-214E-B2D6-C9ED5E2BD195}"/>
+                <a16:creationId xmlns="" xmlns:a16="http://schemas.microsoft.com/office/drawing/2014/main" id="{DB7FC4C6-C26F-214E-B2D6-C9ED5E2BD195}"/>
               </a:ext>
             </a:extLst>
           </p:cNvPr>
@@ -4005,7 +5234,7 @@
           <p:cNvPr id="16" name="內容版面配置區 2">
             <a:extLst>
               <a:ext uri="{FF2B5EF4-FFF2-40B4-BE49-F238E27FC236}">
-                <a16:creationId xmlns:a16="http://schemas.microsoft.com/office/drawing/2014/main" xmlns="" id="{DB7FC4C6-C26F-214E-B2D6-C9ED5E2BD195}"/>
+                <a16:creationId xmlns="" xmlns:a16="http://schemas.microsoft.com/office/drawing/2014/main" id="{DB7FC4C6-C26F-214E-B2D6-C9ED5E2BD195}"/>
               </a:ext>
             </a:extLst>
           </p:cNvPr>
@@ -4097,7 +5326,7 @@
           <p:cNvPr id="17" name="內容版面配置區 2">
             <a:extLst>
               <a:ext uri="{FF2B5EF4-FFF2-40B4-BE49-F238E27FC236}">
-                <a16:creationId xmlns:a16="http://schemas.microsoft.com/office/drawing/2014/main" xmlns="" id="{DB7FC4C6-C26F-214E-B2D6-C9ED5E2BD195}"/>
+                <a16:creationId xmlns="" xmlns:a16="http://schemas.microsoft.com/office/drawing/2014/main" id="{DB7FC4C6-C26F-214E-B2D6-C9ED5E2BD195}"/>
               </a:ext>
             </a:extLst>
           </p:cNvPr>
@@ -4189,7 +5418,7 @@
           <p:cNvPr id="18" name="內容版面配置區 2">
             <a:extLst>
               <a:ext uri="{FF2B5EF4-FFF2-40B4-BE49-F238E27FC236}">
-                <a16:creationId xmlns:a16="http://schemas.microsoft.com/office/drawing/2014/main" xmlns="" id="{DB7FC4C6-C26F-214E-B2D6-C9ED5E2BD195}"/>
+                <a16:creationId xmlns="" xmlns:a16="http://schemas.microsoft.com/office/drawing/2014/main" id="{DB7FC4C6-C26F-214E-B2D6-C9ED5E2BD195}"/>
               </a:ext>
             </a:extLst>
           </p:cNvPr>
@@ -4281,7 +5510,7 @@
           <p:cNvPr id="19" name="內容版面配置區 2">
             <a:extLst>
               <a:ext uri="{FF2B5EF4-FFF2-40B4-BE49-F238E27FC236}">
-                <a16:creationId xmlns:a16="http://schemas.microsoft.com/office/drawing/2014/main" xmlns="" id="{DB7FC4C6-C26F-214E-B2D6-C9ED5E2BD195}"/>
+                <a16:creationId xmlns="" xmlns:a16="http://schemas.microsoft.com/office/drawing/2014/main" id="{DB7FC4C6-C26F-214E-B2D6-C9ED5E2BD195}"/>
               </a:ext>
             </a:extLst>
           </p:cNvPr>
@@ -4403,7 +5632,7 @@
           <p:cNvPr id="2" name="標題 1">
             <a:extLst>
               <a:ext uri="{FF2B5EF4-FFF2-40B4-BE49-F238E27FC236}">
-                <a16:creationId xmlns:a16="http://schemas.microsoft.com/office/drawing/2014/main" xmlns="" id="{AA60FC08-DB42-1443-B1D9-594B0DFFD819}"/>
+                <a16:creationId xmlns="" xmlns:a16="http://schemas.microsoft.com/office/drawing/2014/main" id="{AA60FC08-DB42-1443-B1D9-594B0DFFD819}"/>
               </a:ext>
             </a:extLst>
           </p:cNvPr>
@@ -4448,7 +5677,7 @@
           <p:cNvPr id="3" name="內容版面配置區 2">
             <a:extLst>
               <a:ext uri="{FF2B5EF4-FFF2-40B4-BE49-F238E27FC236}">
-                <a16:creationId xmlns:a16="http://schemas.microsoft.com/office/drawing/2014/main" xmlns="" id="{71BB2DE9-F9EC-0747-8110-57B6F42C6240}"/>
+                <a16:creationId xmlns="" xmlns:a16="http://schemas.microsoft.com/office/drawing/2014/main" id="{71BB2DE9-F9EC-0747-8110-57B6F42C6240}"/>
               </a:ext>
             </a:extLst>
           </p:cNvPr>
@@ -4556,7 +5785,7 @@
           <p:cNvPr id="4" name="日期版面配置區 3">
             <a:extLst>
               <a:ext uri="{FF2B5EF4-FFF2-40B4-BE49-F238E27FC236}">
-                <a16:creationId xmlns:a16="http://schemas.microsoft.com/office/drawing/2014/main" xmlns="" id="{6BA98535-4AD5-2846-9F28-9D341D2CBD82}"/>
+                <a16:creationId xmlns="" xmlns:a16="http://schemas.microsoft.com/office/drawing/2014/main" id="{6BA98535-4AD5-2846-9F28-9D341D2CBD82}"/>
               </a:ext>
             </a:extLst>
           </p:cNvPr>
@@ -4585,7 +5814,7 @@
           <p:cNvPr id="5" name="頁尾版面配置區 4">
             <a:extLst>
               <a:ext uri="{FF2B5EF4-FFF2-40B4-BE49-F238E27FC236}">
-                <a16:creationId xmlns:a16="http://schemas.microsoft.com/office/drawing/2014/main" xmlns="" id="{E4EAEED7-0802-7145-8C6C-66F66C8C1782}"/>
+                <a16:creationId xmlns="" xmlns:a16="http://schemas.microsoft.com/office/drawing/2014/main" id="{E4EAEED7-0802-7145-8C6C-66F66C8C1782}"/>
               </a:ext>
             </a:extLst>
           </p:cNvPr>
@@ -4610,7 +5839,7 @@
           <p:cNvPr id="6" name="投影片編號版面配置區 5">
             <a:extLst>
               <a:ext uri="{FF2B5EF4-FFF2-40B4-BE49-F238E27FC236}">
-                <a16:creationId xmlns:a16="http://schemas.microsoft.com/office/drawing/2014/main" xmlns="" id="{7D332B7E-1F76-A041-B6C6-AB635087BAB3}"/>
+                <a16:creationId xmlns="" xmlns:a16="http://schemas.microsoft.com/office/drawing/2014/main" id="{7D332B7E-1F76-A041-B6C6-AB635087BAB3}"/>
               </a:ext>
             </a:extLst>
           </p:cNvPr>
@@ -4639,7 +5868,7 @@
           <p:cNvPr id="7" name="矩形 6">
             <a:extLst>
               <a:ext uri="{FF2B5EF4-FFF2-40B4-BE49-F238E27FC236}">
-                <a16:creationId xmlns:a16="http://schemas.microsoft.com/office/drawing/2014/main" xmlns="" id="{C21960D3-0AC5-EE41-A19C-696161A1572E}"/>
+                <a16:creationId xmlns="" xmlns:a16="http://schemas.microsoft.com/office/drawing/2014/main" id="{C21960D3-0AC5-EE41-A19C-696161A1572E}"/>
               </a:ext>
             </a:extLst>
           </p:cNvPr>
@@ -4695,7 +5924,7 @@
           <p:cNvPr id="8" name="圖片 7">
             <a:extLst>
               <a:ext uri="{FF2B5EF4-FFF2-40B4-BE49-F238E27FC236}">
-                <a16:creationId xmlns:a16="http://schemas.microsoft.com/office/drawing/2014/main" xmlns="" id="{5E0EAD78-AEC6-AB45-A710-DD47E43CBB16}"/>
+                <a16:creationId xmlns="" xmlns:a16="http://schemas.microsoft.com/office/drawing/2014/main" id="{5E0EAD78-AEC6-AB45-A710-DD47E43CBB16}"/>
               </a:ext>
             </a:extLst>
           </p:cNvPr>
@@ -4731,7 +5960,7 @@
           <p:cNvPr id="9" name="矩形 8">
             <a:extLst>
               <a:ext uri="{FF2B5EF4-FFF2-40B4-BE49-F238E27FC236}">
-                <a16:creationId xmlns:a16="http://schemas.microsoft.com/office/drawing/2014/main" xmlns="" id="{387A2BAD-7558-A944-B806-7AEF1C4243D0}"/>
+                <a16:creationId xmlns="" xmlns:a16="http://schemas.microsoft.com/office/drawing/2014/main" id="{387A2BAD-7558-A944-B806-7AEF1C4243D0}"/>
               </a:ext>
             </a:extLst>
           </p:cNvPr>
@@ -4813,7 +6042,7 @@
           <p:cNvPr id="2" name="標題 1">
             <a:extLst>
               <a:ext uri="{FF2B5EF4-FFF2-40B4-BE49-F238E27FC236}">
-                <a16:creationId xmlns:a16="http://schemas.microsoft.com/office/drawing/2014/main" xmlns="" id="{AA60FC08-DB42-1443-B1D9-594B0DFFD819}"/>
+                <a16:creationId xmlns="" xmlns:a16="http://schemas.microsoft.com/office/drawing/2014/main" id="{AA60FC08-DB42-1443-B1D9-594B0DFFD819}"/>
               </a:ext>
             </a:extLst>
           </p:cNvPr>
@@ -4858,7 +6087,7 @@
           <p:cNvPr id="3" name="內容版面配置區 2">
             <a:extLst>
               <a:ext uri="{FF2B5EF4-FFF2-40B4-BE49-F238E27FC236}">
-                <a16:creationId xmlns:a16="http://schemas.microsoft.com/office/drawing/2014/main" xmlns="" id="{71BB2DE9-F9EC-0747-8110-57B6F42C6240}"/>
+                <a16:creationId xmlns="" xmlns:a16="http://schemas.microsoft.com/office/drawing/2014/main" id="{71BB2DE9-F9EC-0747-8110-57B6F42C6240}"/>
               </a:ext>
             </a:extLst>
           </p:cNvPr>
@@ -4969,7 +6198,7 @@
           <p:cNvPr id="4" name="日期版面配置區 3">
             <a:extLst>
               <a:ext uri="{FF2B5EF4-FFF2-40B4-BE49-F238E27FC236}">
-                <a16:creationId xmlns:a16="http://schemas.microsoft.com/office/drawing/2014/main" xmlns="" id="{6BA98535-4AD5-2846-9F28-9D341D2CBD82}"/>
+                <a16:creationId xmlns="" xmlns:a16="http://schemas.microsoft.com/office/drawing/2014/main" id="{6BA98535-4AD5-2846-9F28-9D341D2CBD82}"/>
               </a:ext>
             </a:extLst>
           </p:cNvPr>
@@ -4998,7 +6227,7 @@
           <p:cNvPr id="5" name="頁尾版面配置區 4">
             <a:extLst>
               <a:ext uri="{FF2B5EF4-FFF2-40B4-BE49-F238E27FC236}">
-                <a16:creationId xmlns:a16="http://schemas.microsoft.com/office/drawing/2014/main" xmlns="" id="{E4EAEED7-0802-7145-8C6C-66F66C8C1782}"/>
+                <a16:creationId xmlns="" xmlns:a16="http://schemas.microsoft.com/office/drawing/2014/main" id="{E4EAEED7-0802-7145-8C6C-66F66C8C1782}"/>
               </a:ext>
             </a:extLst>
           </p:cNvPr>
@@ -5023,7 +6252,7 @@
           <p:cNvPr id="6" name="投影片編號版面配置區 5">
             <a:extLst>
               <a:ext uri="{FF2B5EF4-FFF2-40B4-BE49-F238E27FC236}">
-                <a16:creationId xmlns:a16="http://schemas.microsoft.com/office/drawing/2014/main" xmlns="" id="{7D332B7E-1F76-A041-B6C6-AB635087BAB3}"/>
+                <a16:creationId xmlns="" xmlns:a16="http://schemas.microsoft.com/office/drawing/2014/main" id="{7D332B7E-1F76-A041-B6C6-AB635087BAB3}"/>
               </a:ext>
             </a:extLst>
           </p:cNvPr>
@@ -5052,7 +6281,7 @@
           <p:cNvPr id="7" name="矩形 6">
             <a:extLst>
               <a:ext uri="{FF2B5EF4-FFF2-40B4-BE49-F238E27FC236}">
-                <a16:creationId xmlns:a16="http://schemas.microsoft.com/office/drawing/2014/main" xmlns="" id="{C21960D3-0AC5-EE41-A19C-696161A1572E}"/>
+                <a16:creationId xmlns="" xmlns:a16="http://schemas.microsoft.com/office/drawing/2014/main" id="{C21960D3-0AC5-EE41-A19C-696161A1572E}"/>
               </a:ext>
             </a:extLst>
           </p:cNvPr>
@@ -5108,7 +6337,7 @@
           <p:cNvPr id="8" name="圖片 7">
             <a:extLst>
               <a:ext uri="{FF2B5EF4-FFF2-40B4-BE49-F238E27FC236}">
-                <a16:creationId xmlns:a16="http://schemas.microsoft.com/office/drawing/2014/main" xmlns="" id="{5E0EAD78-AEC6-AB45-A710-DD47E43CBB16}"/>
+                <a16:creationId xmlns="" xmlns:a16="http://schemas.microsoft.com/office/drawing/2014/main" id="{5E0EAD78-AEC6-AB45-A710-DD47E43CBB16}"/>
               </a:ext>
             </a:extLst>
           </p:cNvPr>
@@ -5144,7 +6373,7 @@
           <p:cNvPr id="9" name="矩形 8">
             <a:extLst>
               <a:ext uri="{FF2B5EF4-FFF2-40B4-BE49-F238E27FC236}">
-                <a16:creationId xmlns:a16="http://schemas.microsoft.com/office/drawing/2014/main" xmlns="" id="{387A2BAD-7558-A944-B806-7AEF1C4243D0}"/>
+                <a16:creationId xmlns="" xmlns:a16="http://schemas.microsoft.com/office/drawing/2014/main" id="{387A2BAD-7558-A944-B806-7AEF1C4243D0}"/>
               </a:ext>
             </a:extLst>
           </p:cNvPr>
@@ -5226,7 +6455,7 @@
           <p:cNvPr id="2" name="標題 1">
             <a:extLst>
               <a:ext uri="{FF2B5EF4-FFF2-40B4-BE49-F238E27FC236}">
-                <a16:creationId xmlns:a16="http://schemas.microsoft.com/office/drawing/2014/main" xmlns="" id="{AA60FC08-DB42-1443-B1D9-594B0DFFD819}"/>
+                <a16:creationId xmlns="" xmlns:a16="http://schemas.microsoft.com/office/drawing/2014/main" id="{AA60FC08-DB42-1443-B1D9-594B0DFFD819}"/>
               </a:ext>
             </a:extLst>
           </p:cNvPr>
@@ -5271,7 +6500,7 @@
           <p:cNvPr id="3" name="內容版面配置區 2">
             <a:extLst>
               <a:ext uri="{FF2B5EF4-FFF2-40B4-BE49-F238E27FC236}">
-                <a16:creationId xmlns:a16="http://schemas.microsoft.com/office/drawing/2014/main" xmlns="" id="{71BB2DE9-F9EC-0747-8110-57B6F42C6240}"/>
+                <a16:creationId xmlns="" xmlns:a16="http://schemas.microsoft.com/office/drawing/2014/main" id="{71BB2DE9-F9EC-0747-8110-57B6F42C6240}"/>
               </a:ext>
             </a:extLst>
           </p:cNvPr>
@@ -5370,7 +6599,7 @@
           <p:cNvPr id="4" name="日期版面配置區 3">
             <a:extLst>
               <a:ext uri="{FF2B5EF4-FFF2-40B4-BE49-F238E27FC236}">
-                <a16:creationId xmlns:a16="http://schemas.microsoft.com/office/drawing/2014/main" xmlns="" id="{6BA98535-4AD5-2846-9F28-9D341D2CBD82}"/>
+                <a16:creationId xmlns="" xmlns:a16="http://schemas.microsoft.com/office/drawing/2014/main" id="{6BA98535-4AD5-2846-9F28-9D341D2CBD82}"/>
               </a:ext>
             </a:extLst>
           </p:cNvPr>
@@ -5399,7 +6628,7 @@
           <p:cNvPr id="5" name="頁尾版面配置區 4">
             <a:extLst>
               <a:ext uri="{FF2B5EF4-FFF2-40B4-BE49-F238E27FC236}">
-                <a16:creationId xmlns:a16="http://schemas.microsoft.com/office/drawing/2014/main" xmlns="" id="{E4EAEED7-0802-7145-8C6C-66F66C8C1782}"/>
+                <a16:creationId xmlns="" xmlns:a16="http://schemas.microsoft.com/office/drawing/2014/main" id="{E4EAEED7-0802-7145-8C6C-66F66C8C1782}"/>
               </a:ext>
             </a:extLst>
           </p:cNvPr>
@@ -5424,7 +6653,7 @@
           <p:cNvPr id="6" name="投影片編號版面配置區 5">
             <a:extLst>
               <a:ext uri="{FF2B5EF4-FFF2-40B4-BE49-F238E27FC236}">
-                <a16:creationId xmlns:a16="http://schemas.microsoft.com/office/drawing/2014/main" xmlns="" id="{7D332B7E-1F76-A041-B6C6-AB635087BAB3}"/>
+                <a16:creationId xmlns="" xmlns:a16="http://schemas.microsoft.com/office/drawing/2014/main" id="{7D332B7E-1F76-A041-B6C6-AB635087BAB3}"/>
               </a:ext>
             </a:extLst>
           </p:cNvPr>
@@ -5453,7 +6682,7 @@
           <p:cNvPr id="7" name="矩形 6">
             <a:extLst>
               <a:ext uri="{FF2B5EF4-FFF2-40B4-BE49-F238E27FC236}">
-                <a16:creationId xmlns:a16="http://schemas.microsoft.com/office/drawing/2014/main" xmlns="" id="{C21960D3-0AC5-EE41-A19C-696161A1572E}"/>
+                <a16:creationId xmlns="" xmlns:a16="http://schemas.microsoft.com/office/drawing/2014/main" id="{C21960D3-0AC5-EE41-A19C-696161A1572E}"/>
               </a:ext>
             </a:extLst>
           </p:cNvPr>
@@ -5509,7 +6738,7 @@
           <p:cNvPr id="8" name="圖片 7">
             <a:extLst>
               <a:ext uri="{FF2B5EF4-FFF2-40B4-BE49-F238E27FC236}">
-                <a16:creationId xmlns:a16="http://schemas.microsoft.com/office/drawing/2014/main" xmlns="" id="{5E0EAD78-AEC6-AB45-A710-DD47E43CBB16}"/>
+                <a16:creationId xmlns="" xmlns:a16="http://schemas.microsoft.com/office/drawing/2014/main" id="{5E0EAD78-AEC6-AB45-A710-DD47E43CBB16}"/>
               </a:ext>
             </a:extLst>
           </p:cNvPr>
@@ -5545,7 +6774,7 @@
           <p:cNvPr id="9" name="矩形 8">
             <a:extLst>
               <a:ext uri="{FF2B5EF4-FFF2-40B4-BE49-F238E27FC236}">
-                <a16:creationId xmlns:a16="http://schemas.microsoft.com/office/drawing/2014/main" xmlns="" id="{387A2BAD-7558-A944-B806-7AEF1C4243D0}"/>
+                <a16:creationId xmlns="" xmlns:a16="http://schemas.microsoft.com/office/drawing/2014/main" id="{387A2BAD-7558-A944-B806-7AEF1C4243D0}"/>
               </a:ext>
             </a:extLst>
           </p:cNvPr>
@@ -5627,7 +6856,7 @@
           <p:cNvPr id="2" name="標題 1">
             <a:extLst>
               <a:ext uri="{FF2B5EF4-FFF2-40B4-BE49-F238E27FC236}">
-                <a16:creationId xmlns:a16="http://schemas.microsoft.com/office/drawing/2014/main" xmlns="" id="{AA60FC08-DB42-1443-B1D9-594B0DFFD819}"/>
+                <a16:creationId xmlns="" xmlns:a16="http://schemas.microsoft.com/office/drawing/2014/main" id="{AA60FC08-DB42-1443-B1D9-594B0DFFD819}"/>
               </a:ext>
             </a:extLst>
           </p:cNvPr>
@@ -5672,7 +6901,7 @@
           <p:cNvPr id="3" name="內容版面配置區 2">
             <a:extLst>
               <a:ext uri="{FF2B5EF4-FFF2-40B4-BE49-F238E27FC236}">
-                <a16:creationId xmlns:a16="http://schemas.microsoft.com/office/drawing/2014/main" xmlns="" id="{71BB2DE9-F9EC-0747-8110-57B6F42C6240}"/>
+                <a16:creationId xmlns="" xmlns:a16="http://schemas.microsoft.com/office/drawing/2014/main" id="{71BB2DE9-F9EC-0747-8110-57B6F42C6240}"/>
               </a:ext>
             </a:extLst>
           </p:cNvPr>
@@ -5780,7 +7009,7 @@
           <p:cNvPr id="4" name="日期版面配置區 3">
             <a:extLst>
               <a:ext uri="{FF2B5EF4-FFF2-40B4-BE49-F238E27FC236}">
-                <a16:creationId xmlns:a16="http://schemas.microsoft.com/office/drawing/2014/main" xmlns="" id="{6BA98535-4AD5-2846-9F28-9D341D2CBD82}"/>
+                <a16:creationId xmlns="" xmlns:a16="http://schemas.microsoft.com/office/drawing/2014/main" id="{6BA98535-4AD5-2846-9F28-9D341D2CBD82}"/>
               </a:ext>
             </a:extLst>
           </p:cNvPr>
@@ -5809,7 +7038,7 @@
           <p:cNvPr id="5" name="頁尾版面配置區 4">
             <a:extLst>
               <a:ext uri="{FF2B5EF4-FFF2-40B4-BE49-F238E27FC236}">
-                <a16:creationId xmlns:a16="http://schemas.microsoft.com/office/drawing/2014/main" xmlns="" id="{E4EAEED7-0802-7145-8C6C-66F66C8C1782}"/>
+                <a16:creationId xmlns="" xmlns:a16="http://schemas.microsoft.com/office/drawing/2014/main" id="{E4EAEED7-0802-7145-8C6C-66F66C8C1782}"/>
               </a:ext>
             </a:extLst>
           </p:cNvPr>
@@ -5834,7 +7063,7 @@
           <p:cNvPr id="6" name="投影片編號版面配置區 5">
             <a:extLst>
               <a:ext uri="{FF2B5EF4-FFF2-40B4-BE49-F238E27FC236}">
-                <a16:creationId xmlns:a16="http://schemas.microsoft.com/office/drawing/2014/main" xmlns="" id="{7D332B7E-1F76-A041-B6C6-AB635087BAB3}"/>
+                <a16:creationId xmlns="" xmlns:a16="http://schemas.microsoft.com/office/drawing/2014/main" id="{7D332B7E-1F76-A041-B6C6-AB635087BAB3}"/>
               </a:ext>
             </a:extLst>
           </p:cNvPr>
@@ -5863,7 +7092,7 @@
           <p:cNvPr id="7" name="矩形 6">
             <a:extLst>
               <a:ext uri="{FF2B5EF4-FFF2-40B4-BE49-F238E27FC236}">
-                <a16:creationId xmlns:a16="http://schemas.microsoft.com/office/drawing/2014/main" xmlns="" id="{C21960D3-0AC5-EE41-A19C-696161A1572E}"/>
+                <a16:creationId xmlns="" xmlns:a16="http://schemas.microsoft.com/office/drawing/2014/main" id="{C21960D3-0AC5-EE41-A19C-696161A1572E}"/>
               </a:ext>
             </a:extLst>
           </p:cNvPr>
@@ -5919,7 +7148,7 @@
           <p:cNvPr id="8" name="圖片 7">
             <a:extLst>
               <a:ext uri="{FF2B5EF4-FFF2-40B4-BE49-F238E27FC236}">
-                <a16:creationId xmlns:a16="http://schemas.microsoft.com/office/drawing/2014/main" xmlns="" id="{5E0EAD78-AEC6-AB45-A710-DD47E43CBB16}"/>
+                <a16:creationId xmlns="" xmlns:a16="http://schemas.microsoft.com/office/drawing/2014/main" id="{5E0EAD78-AEC6-AB45-A710-DD47E43CBB16}"/>
               </a:ext>
             </a:extLst>
           </p:cNvPr>
@@ -5955,7 +7184,7 @@
           <p:cNvPr id="9" name="矩形 8">
             <a:extLst>
               <a:ext uri="{FF2B5EF4-FFF2-40B4-BE49-F238E27FC236}">
-                <a16:creationId xmlns:a16="http://schemas.microsoft.com/office/drawing/2014/main" xmlns="" id="{387A2BAD-7558-A944-B806-7AEF1C4243D0}"/>
+                <a16:creationId xmlns="" xmlns:a16="http://schemas.microsoft.com/office/drawing/2014/main" id="{387A2BAD-7558-A944-B806-7AEF1C4243D0}"/>
               </a:ext>
             </a:extLst>
           </p:cNvPr>
@@ -6007,7 +7236,7 @@
           <p:cNvPr id="10" name="內容版面配置區 2">
             <a:extLst>
               <a:ext uri="{FF2B5EF4-FFF2-40B4-BE49-F238E27FC236}">
-                <a16:creationId xmlns:a16="http://schemas.microsoft.com/office/drawing/2014/main" xmlns="" id="{71BB2DE9-F9EC-0747-8110-57B6F42C6240}"/>
+                <a16:creationId xmlns="" xmlns:a16="http://schemas.microsoft.com/office/drawing/2014/main" id="{71BB2DE9-F9EC-0747-8110-57B6F42C6240}"/>
               </a:ext>
             </a:extLst>
           </p:cNvPr>
@@ -6145,7 +7374,7 @@
           <p:cNvPr id="2" name="標題 1">
             <a:extLst>
               <a:ext uri="{FF2B5EF4-FFF2-40B4-BE49-F238E27FC236}">
-                <a16:creationId xmlns:a16="http://schemas.microsoft.com/office/drawing/2014/main" xmlns="" id="{AA60FC08-DB42-1443-B1D9-594B0DFFD819}"/>
+                <a16:creationId xmlns="" xmlns:a16="http://schemas.microsoft.com/office/drawing/2014/main" id="{AA60FC08-DB42-1443-B1D9-594B0DFFD819}"/>
               </a:ext>
             </a:extLst>
           </p:cNvPr>
@@ -6190,7 +7419,7 @@
           <p:cNvPr id="3" name="內容版面配置區 2">
             <a:extLst>
               <a:ext uri="{FF2B5EF4-FFF2-40B4-BE49-F238E27FC236}">
-                <a16:creationId xmlns:a16="http://schemas.microsoft.com/office/drawing/2014/main" xmlns="" id="{71BB2DE9-F9EC-0747-8110-57B6F42C6240}"/>
+                <a16:creationId xmlns="" xmlns:a16="http://schemas.microsoft.com/office/drawing/2014/main" id="{71BB2DE9-F9EC-0747-8110-57B6F42C6240}"/>
               </a:ext>
             </a:extLst>
           </p:cNvPr>
@@ -6301,7 +7530,7 @@
           <p:cNvPr id="4" name="日期版面配置區 3">
             <a:extLst>
               <a:ext uri="{FF2B5EF4-FFF2-40B4-BE49-F238E27FC236}">
-                <a16:creationId xmlns:a16="http://schemas.microsoft.com/office/drawing/2014/main" xmlns="" id="{6BA98535-4AD5-2846-9F28-9D341D2CBD82}"/>
+                <a16:creationId xmlns="" xmlns:a16="http://schemas.microsoft.com/office/drawing/2014/main" id="{6BA98535-4AD5-2846-9F28-9D341D2CBD82}"/>
               </a:ext>
             </a:extLst>
           </p:cNvPr>
@@ -6330,7 +7559,7 @@
           <p:cNvPr id="5" name="頁尾版面配置區 4">
             <a:extLst>
               <a:ext uri="{FF2B5EF4-FFF2-40B4-BE49-F238E27FC236}">
-                <a16:creationId xmlns:a16="http://schemas.microsoft.com/office/drawing/2014/main" xmlns="" id="{E4EAEED7-0802-7145-8C6C-66F66C8C1782}"/>
+                <a16:creationId xmlns="" xmlns:a16="http://schemas.microsoft.com/office/drawing/2014/main" id="{E4EAEED7-0802-7145-8C6C-66F66C8C1782}"/>
               </a:ext>
             </a:extLst>
           </p:cNvPr>
@@ -6355,7 +7584,7 @@
           <p:cNvPr id="6" name="投影片編號版面配置區 5">
             <a:extLst>
               <a:ext uri="{FF2B5EF4-FFF2-40B4-BE49-F238E27FC236}">
-                <a16:creationId xmlns:a16="http://schemas.microsoft.com/office/drawing/2014/main" xmlns="" id="{7D332B7E-1F76-A041-B6C6-AB635087BAB3}"/>
+                <a16:creationId xmlns="" xmlns:a16="http://schemas.microsoft.com/office/drawing/2014/main" id="{7D332B7E-1F76-A041-B6C6-AB635087BAB3}"/>
               </a:ext>
             </a:extLst>
           </p:cNvPr>
@@ -6384,7 +7613,7 @@
           <p:cNvPr id="7" name="矩形 6">
             <a:extLst>
               <a:ext uri="{FF2B5EF4-FFF2-40B4-BE49-F238E27FC236}">
-                <a16:creationId xmlns:a16="http://schemas.microsoft.com/office/drawing/2014/main" xmlns="" id="{C21960D3-0AC5-EE41-A19C-696161A1572E}"/>
+                <a16:creationId xmlns="" xmlns:a16="http://schemas.microsoft.com/office/drawing/2014/main" id="{C21960D3-0AC5-EE41-A19C-696161A1572E}"/>
               </a:ext>
             </a:extLst>
           </p:cNvPr>
@@ -6440,7 +7669,7 @@
           <p:cNvPr id="8" name="圖片 7">
             <a:extLst>
               <a:ext uri="{FF2B5EF4-FFF2-40B4-BE49-F238E27FC236}">
-                <a16:creationId xmlns:a16="http://schemas.microsoft.com/office/drawing/2014/main" xmlns="" id="{5E0EAD78-AEC6-AB45-A710-DD47E43CBB16}"/>
+                <a16:creationId xmlns="" xmlns:a16="http://schemas.microsoft.com/office/drawing/2014/main" id="{5E0EAD78-AEC6-AB45-A710-DD47E43CBB16}"/>
               </a:ext>
             </a:extLst>
           </p:cNvPr>
@@ -6476,7 +7705,7 @@
           <p:cNvPr id="9" name="矩形 8">
             <a:extLst>
               <a:ext uri="{FF2B5EF4-FFF2-40B4-BE49-F238E27FC236}">
-                <a16:creationId xmlns:a16="http://schemas.microsoft.com/office/drawing/2014/main" xmlns="" id="{387A2BAD-7558-A944-B806-7AEF1C4243D0}"/>
+                <a16:creationId xmlns="" xmlns:a16="http://schemas.microsoft.com/office/drawing/2014/main" id="{387A2BAD-7558-A944-B806-7AEF1C4243D0}"/>
               </a:ext>
             </a:extLst>
           </p:cNvPr>
@@ -6528,7 +7757,7 @@
           <p:cNvPr id="10" name="內容版面配置區 2">
             <a:extLst>
               <a:ext uri="{FF2B5EF4-FFF2-40B4-BE49-F238E27FC236}">
-                <a16:creationId xmlns:a16="http://schemas.microsoft.com/office/drawing/2014/main" xmlns="" id="{71BB2DE9-F9EC-0747-8110-57B6F42C6240}"/>
+                <a16:creationId xmlns="" xmlns:a16="http://schemas.microsoft.com/office/drawing/2014/main" id="{71BB2DE9-F9EC-0747-8110-57B6F42C6240}"/>
               </a:ext>
             </a:extLst>
           </p:cNvPr>
@@ -6669,7 +7898,7 @@
           <p:cNvPr id="2" name="標題 1">
             <a:extLst>
               <a:ext uri="{FF2B5EF4-FFF2-40B4-BE49-F238E27FC236}">
-                <a16:creationId xmlns:a16="http://schemas.microsoft.com/office/drawing/2014/main" xmlns="" id="{AA60FC08-DB42-1443-B1D9-594B0DFFD819}"/>
+                <a16:creationId xmlns="" xmlns:a16="http://schemas.microsoft.com/office/drawing/2014/main" id="{AA60FC08-DB42-1443-B1D9-594B0DFFD819}"/>
               </a:ext>
             </a:extLst>
           </p:cNvPr>
@@ -6714,7 +7943,7 @@
           <p:cNvPr id="3" name="內容版面配置區 2">
             <a:extLst>
               <a:ext uri="{FF2B5EF4-FFF2-40B4-BE49-F238E27FC236}">
-                <a16:creationId xmlns:a16="http://schemas.microsoft.com/office/drawing/2014/main" xmlns="" id="{71BB2DE9-F9EC-0747-8110-57B6F42C6240}"/>
+                <a16:creationId xmlns="" xmlns:a16="http://schemas.microsoft.com/office/drawing/2014/main" id="{71BB2DE9-F9EC-0747-8110-57B6F42C6240}"/>
               </a:ext>
             </a:extLst>
           </p:cNvPr>
@@ -6813,7 +8042,7 @@
           <p:cNvPr id="4" name="日期版面配置區 3">
             <a:extLst>
               <a:ext uri="{FF2B5EF4-FFF2-40B4-BE49-F238E27FC236}">
-                <a16:creationId xmlns:a16="http://schemas.microsoft.com/office/drawing/2014/main" xmlns="" id="{6BA98535-4AD5-2846-9F28-9D341D2CBD82}"/>
+                <a16:creationId xmlns="" xmlns:a16="http://schemas.microsoft.com/office/drawing/2014/main" id="{6BA98535-4AD5-2846-9F28-9D341D2CBD82}"/>
               </a:ext>
             </a:extLst>
           </p:cNvPr>
@@ -6842,7 +8071,7 @@
           <p:cNvPr id="5" name="頁尾版面配置區 4">
             <a:extLst>
               <a:ext uri="{FF2B5EF4-FFF2-40B4-BE49-F238E27FC236}">
-                <a16:creationId xmlns:a16="http://schemas.microsoft.com/office/drawing/2014/main" xmlns="" id="{E4EAEED7-0802-7145-8C6C-66F66C8C1782}"/>
+                <a16:creationId xmlns="" xmlns:a16="http://schemas.microsoft.com/office/drawing/2014/main" id="{E4EAEED7-0802-7145-8C6C-66F66C8C1782}"/>
               </a:ext>
             </a:extLst>
           </p:cNvPr>
@@ -6867,7 +8096,7 @@
           <p:cNvPr id="6" name="投影片編號版面配置區 5">
             <a:extLst>
               <a:ext uri="{FF2B5EF4-FFF2-40B4-BE49-F238E27FC236}">
-                <a16:creationId xmlns:a16="http://schemas.microsoft.com/office/drawing/2014/main" xmlns="" id="{7D332B7E-1F76-A041-B6C6-AB635087BAB3}"/>
+                <a16:creationId xmlns="" xmlns:a16="http://schemas.microsoft.com/office/drawing/2014/main" id="{7D332B7E-1F76-A041-B6C6-AB635087BAB3}"/>
               </a:ext>
             </a:extLst>
           </p:cNvPr>
@@ -6896,7 +8125,7 @@
           <p:cNvPr id="7" name="矩形 6">
             <a:extLst>
               <a:ext uri="{FF2B5EF4-FFF2-40B4-BE49-F238E27FC236}">
-                <a16:creationId xmlns:a16="http://schemas.microsoft.com/office/drawing/2014/main" xmlns="" id="{C21960D3-0AC5-EE41-A19C-696161A1572E}"/>
+                <a16:creationId xmlns="" xmlns:a16="http://schemas.microsoft.com/office/drawing/2014/main" id="{C21960D3-0AC5-EE41-A19C-696161A1572E}"/>
               </a:ext>
             </a:extLst>
           </p:cNvPr>
@@ -6952,7 +8181,7 @@
           <p:cNvPr id="8" name="圖片 7">
             <a:extLst>
               <a:ext uri="{FF2B5EF4-FFF2-40B4-BE49-F238E27FC236}">
-                <a16:creationId xmlns:a16="http://schemas.microsoft.com/office/drawing/2014/main" xmlns="" id="{5E0EAD78-AEC6-AB45-A710-DD47E43CBB16}"/>
+                <a16:creationId xmlns="" xmlns:a16="http://schemas.microsoft.com/office/drawing/2014/main" id="{5E0EAD78-AEC6-AB45-A710-DD47E43CBB16}"/>
               </a:ext>
             </a:extLst>
           </p:cNvPr>
@@ -6988,7 +8217,7 @@
           <p:cNvPr id="9" name="矩形 8">
             <a:extLst>
               <a:ext uri="{FF2B5EF4-FFF2-40B4-BE49-F238E27FC236}">
-                <a16:creationId xmlns:a16="http://schemas.microsoft.com/office/drawing/2014/main" xmlns="" id="{387A2BAD-7558-A944-B806-7AEF1C4243D0}"/>
+                <a16:creationId xmlns="" xmlns:a16="http://schemas.microsoft.com/office/drawing/2014/main" id="{387A2BAD-7558-A944-B806-7AEF1C4243D0}"/>
               </a:ext>
             </a:extLst>
           </p:cNvPr>
@@ -7040,7 +8269,7 @@
           <p:cNvPr id="10" name="內容版面配置區 2">
             <a:extLst>
               <a:ext uri="{FF2B5EF4-FFF2-40B4-BE49-F238E27FC236}">
-                <a16:creationId xmlns:a16="http://schemas.microsoft.com/office/drawing/2014/main" xmlns="" id="{71BB2DE9-F9EC-0747-8110-57B6F42C6240}"/>
+                <a16:creationId xmlns="" xmlns:a16="http://schemas.microsoft.com/office/drawing/2014/main" id="{71BB2DE9-F9EC-0747-8110-57B6F42C6240}"/>
               </a:ext>
             </a:extLst>
           </p:cNvPr>
@@ -7169,7 +8398,7 @@
           <p:cNvPr id="2" name="標題 1">
             <a:extLst>
               <a:ext uri="{FF2B5EF4-FFF2-40B4-BE49-F238E27FC236}">
-                <a16:creationId xmlns:a16="http://schemas.microsoft.com/office/drawing/2014/main" xmlns="" id="{AA60FC08-DB42-1443-B1D9-594B0DFFD819}"/>
+                <a16:creationId xmlns="" xmlns:a16="http://schemas.microsoft.com/office/drawing/2014/main" id="{AA60FC08-DB42-1443-B1D9-594B0DFFD819}"/>
               </a:ext>
             </a:extLst>
           </p:cNvPr>
@@ -7214,7 +8443,7 @@
           <p:cNvPr id="3" name="內容版面配置區 2">
             <a:extLst>
               <a:ext uri="{FF2B5EF4-FFF2-40B4-BE49-F238E27FC236}">
-                <a16:creationId xmlns:a16="http://schemas.microsoft.com/office/drawing/2014/main" xmlns="" id="{71BB2DE9-F9EC-0747-8110-57B6F42C6240}"/>
+                <a16:creationId xmlns="" xmlns:a16="http://schemas.microsoft.com/office/drawing/2014/main" id="{71BB2DE9-F9EC-0747-8110-57B6F42C6240}"/>
               </a:ext>
             </a:extLst>
           </p:cNvPr>
@@ -7322,7 +8551,7 @@
           <p:cNvPr id="4" name="日期版面配置區 3">
             <a:extLst>
               <a:ext uri="{FF2B5EF4-FFF2-40B4-BE49-F238E27FC236}">
-                <a16:creationId xmlns:a16="http://schemas.microsoft.com/office/drawing/2014/main" xmlns="" id="{6BA98535-4AD5-2846-9F28-9D341D2CBD82}"/>
+                <a16:creationId xmlns="" xmlns:a16="http://schemas.microsoft.com/office/drawing/2014/main" id="{6BA98535-4AD5-2846-9F28-9D341D2CBD82}"/>
               </a:ext>
             </a:extLst>
           </p:cNvPr>
@@ -7351,7 +8580,7 @@
           <p:cNvPr id="5" name="頁尾版面配置區 4">
             <a:extLst>
               <a:ext uri="{FF2B5EF4-FFF2-40B4-BE49-F238E27FC236}">
-                <a16:creationId xmlns:a16="http://schemas.microsoft.com/office/drawing/2014/main" xmlns="" id="{E4EAEED7-0802-7145-8C6C-66F66C8C1782}"/>
+                <a16:creationId xmlns="" xmlns:a16="http://schemas.microsoft.com/office/drawing/2014/main" id="{E4EAEED7-0802-7145-8C6C-66F66C8C1782}"/>
               </a:ext>
             </a:extLst>
           </p:cNvPr>
@@ -7376,7 +8605,7 @@
           <p:cNvPr id="6" name="投影片編號版面配置區 5">
             <a:extLst>
               <a:ext uri="{FF2B5EF4-FFF2-40B4-BE49-F238E27FC236}">
-                <a16:creationId xmlns:a16="http://schemas.microsoft.com/office/drawing/2014/main" xmlns="" id="{7D332B7E-1F76-A041-B6C6-AB635087BAB3}"/>
+                <a16:creationId xmlns="" xmlns:a16="http://schemas.microsoft.com/office/drawing/2014/main" id="{7D332B7E-1F76-A041-B6C6-AB635087BAB3}"/>
               </a:ext>
             </a:extLst>
           </p:cNvPr>
@@ -7405,7 +8634,7 @@
           <p:cNvPr id="7" name="矩形 6">
             <a:extLst>
               <a:ext uri="{FF2B5EF4-FFF2-40B4-BE49-F238E27FC236}">
-                <a16:creationId xmlns:a16="http://schemas.microsoft.com/office/drawing/2014/main" xmlns="" id="{C21960D3-0AC5-EE41-A19C-696161A1572E}"/>
+                <a16:creationId xmlns="" xmlns:a16="http://schemas.microsoft.com/office/drawing/2014/main" id="{C21960D3-0AC5-EE41-A19C-696161A1572E}"/>
               </a:ext>
             </a:extLst>
           </p:cNvPr>
@@ -7461,7 +8690,7 @@
           <p:cNvPr id="8" name="圖片 7">
             <a:extLst>
               <a:ext uri="{FF2B5EF4-FFF2-40B4-BE49-F238E27FC236}">
-                <a16:creationId xmlns:a16="http://schemas.microsoft.com/office/drawing/2014/main" xmlns="" id="{5E0EAD78-AEC6-AB45-A710-DD47E43CBB16}"/>
+                <a16:creationId xmlns="" xmlns:a16="http://schemas.microsoft.com/office/drawing/2014/main" id="{5E0EAD78-AEC6-AB45-A710-DD47E43CBB16}"/>
               </a:ext>
             </a:extLst>
           </p:cNvPr>
@@ -7497,7 +8726,7 @@
           <p:cNvPr id="9" name="矩形 8">
             <a:extLst>
               <a:ext uri="{FF2B5EF4-FFF2-40B4-BE49-F238E27FC236}">
-                <a16:creationId xmlns:a16="http://schemas.microsoft.com/office/drawing/2014/main" xmlns="" id="{387A2BAD-7558-A944-B806-7AEF1C4243D0}"/>
+                <a16:creationId xmlns="" xmlns:a16="http://schemas.microsoft.com/office/drawing/2014/main" id="{387A2BAD-7558-A944-B806-7AEF1C4243D0}"/>
               </a:ext>
             </a:extLst>
           </p:cNvPr>
@@ -7549,7 +8778,7 @@
           <p:cNvPr id="10" name="內容版面配置區 2">
             <a:extLst>
               <a:ext uri="{FF2B5EF4-FFF2-40B4-BE49-F238E27FC236}">
-                <a16:creationId xmlns:a16="http://schemas.microsoft.com/office/drawing/2014/main" xmlns="" id="{71BB2DE9-F9EC-0747-8110-57B6F42C6240}"/>
+                <a16:creationId xmlns="" xmlns:a16="http://schemas.microsoft.com/office/drawing/2014/main" id="{71BB2DE9-F9EC-0747-8110-57B6F42C6240}"/>
               </a:ext>
             </a:extLst>
           </p:cNvPr>
@@ -7657,7 +8886,7 @@
           <p:cNvPr id="11" name="內容版面配置區 2">
             <a:extLst>
               <a:ext uri="{FF2B5EF4-FFF2-40B4-BE49-F238E27FC236}">
-                <a16:creationId xmlns:a16="http://schemas.microsoft.com/office/drawing/2014/main" xmlns="" id="{71BB2DE9-F9EC-0747-8110-57B6F42C6240}"/>
+                <a16:creationId xmlns="" xmlns:a16="http://schemas.microsoft.com/office/drawing/2014/main" id="{71BB2DE9-F9EC-0747-8110-57B6F42C6240}"/>
               </a:ext>
             </a:extLst>
           </p:cNvPr>
@@ -7765,7 +8994,7 @@
           <p:cNvPr id="12" name="內容版面配置區 2">
             <a:extLst>
               <a:ext uri="{FF2B5EF4-FFF2-40B4-BE49-F238E27FC236}">
-                <a16:creationId xmlns:a16="http://schemas.microsoft.com/office/drawing/2014/main" xmlns="" id="{71BB2DE9-F9EC-0747-8110-57B6F42C6240}"/>
+                <a16:creationId xmlns="" xmlns:a16="http://schemas.microsoft.com/office/drawing/2014/main" id="{71BB2DE9-F9EC-0747-8110-57B6F42C6240}"/>
               </a:ext>
             </a:extLst>
           </p:cNvPr>
@@ -7903,7 +9132,7 @@
           <p:cNvPr id="7" name="矩形 6">
             <a:extLst>
               <a:ext uri="{FF2B5EF4-FFF2-40B4-BE49-F238E27FC236}">
-                <a16:creationId xmlns:a16="http://schemas.microsoft.com/office/drawing/2014/main" xmlns="" id="{8A770271-AB73-DA4C-9664-09A28120DA97}"/>
+                <a16:creationId xmlns="" xmlns:a16="http://schemas.microsoft.com/office/drawing/2014/main" id="{8A770271-AB73-DA4C-9664-09A28120DA97}"/>
               </a:ext>
             </a:extLst>
           </p:cNvPr>
@@ -7955,7 +9184,7 @@
           <p:cNvPr id="2" name="標題 1">
             <a:extLst>
               <a:ext uri="{FF2B5EF4-FFF2-40B4-BE49-F238E27FC236}">
-                <a16:creationId xmlns:a16="http://schemas.microsoft.com/office/drawing/2014/main" xmlns="" id="{155A4563-E84E-2143-94D2-868ECA667901}"/>
+                <a16:creationId xmlns="" xmlns:a16="http://schemas.microsoft.com/office/drawing/2014/main" id="{155A4563-E84E-2143-94D2-868ECA667901}"/>
               </a:ext>
             </a:extLst>
           </p:cNvPr>
@@ -8000,7 +9229,7 @@
           <p:cNvPr id="3" name="副標題 2">
             <a:extLst>
               <a:ext uri="{FF2B5EF4-FFF2-40B4-BE49-F238E27FC236}">
-                <a16:creationId xmlns:a16="http://schemas.microsoft.com/office/drawing/2014/main" xmlns="" id="{01C11A57-485A-7843-90B7-CE4D3710822E}"/>
+                <a16:creationId xmlns="" xmlns:a16="http://schemas.microsoft.com/office/drawing/2014/main" id="{01C11A57-485A-7843-90B7-CE4D3710822E}"/>
               </a:ext>
             </a:extLst>
           </p:cNvPr>
@@ -8076,7 +9305,7 @@
           <p:cNvPr id="4" name="日期版面配置區 3">
             <a:extLst>
               <a:ext uri="{FF2B5EF4-FFF2-40B4-BE49-F238E27FC236}">
-                <a16:creationId xmlns:a16="http://schemas.microsoft.com/office/drawing/2014/main" xmlns="" id="{6FF04DFD-F863-024F-AB15-7DEB6ABDA713}"/>
+                <a16:creationId xmlns="" xmlns:a16="http://schemas.microsoft.com/office/drawing/2014/main" id="{6FF04DFD-F863-024F-AB15-7DEB6ABDA713}"/>
               </a:ext>
             </a:extLst>
           </p:cNvPr>
@@ -8105,7 +9334,7 @@
           <p:cNvPr id="5" name="頁尾版面配置區 4">
             <a:extLst>
               <a:ext uri="{FF2B5EF4-FFF2-40B4-BE49-F238E27FC236}">
-                <a16:creationId xmlns:a16="http://schemas.microsoft.com/office/drawing/2014/main" xmlns="" id="{C42252C1-473D-124E-AAFE-BBC473106861}"/>
+                <a16:creationId xmlns="" xmlns:a16="http://schemas.microsoft.com/office/drawing/2014/main" id="{C42252C1-473D-124E-AAFE-BBC473106861}"/>
               </a:ext>
             </a:extLst>
           </p:cNvPr>
@@ -8130,7 +9359,7 @@
           <p:cNvPr id="6" name="投影片編號版面配置區 5">
             <a:extLst>
               <a:ext uri="{FF2B5EF4-FFF2-40B4-BE49-F238E27FC236}">
-                <a16:creationId xmlns:a16="http://schemas.microsoft.com/office/drawing/2014/main" xmlns="" id="{871B4E1C-D0B1-194C-8D0D-EEB67A6B5AFE}"/>
+                <a16:creationId xmlns="" xmlns:a16="http://schemas.microsoft.com/office/drawing/2014/main" id="{871B4E1C-D0B1-194C-8D0D-EEB67A6B5AFE}"/>
               </a:ext>
             </a:extLst>
           </p:cNvPr>
@@ -8159,7 +9388,7 @@
           <p:cNvPr id="8" name="圖片 7">
             <a:extLst>
               <a:ext uri="{FF2B5EF4-FFF2-40B4-BE49-F238E27FC236}">
-                <a16:creationId xmlns:a16="http://schemas.microsoft.com/office/drawing/2014/main" xmlns="" id="{CFC0D688-7C0C-F240-82D7-136060E3079C}"/>
+                <a16:creationId xmlns="" xmlns:a16="http://schemas.microsoft.com/office/drawing/2014/main" id="{CFC0D688-7C0C-F240-82D7-136060E3079C}"/>
               </a:ext>
             </a:extLst>
           </p:cNvPr>
@@ -8195,7 +9424,7 @@
           <p:cNvPr id="10" name="文字版面配置區 9">
             <a:extLst>
               <a:ext uri="{FF2B5EF4-FFF2-40B4-BE49-F238E27FC236}">
-                <a16:creationId xmlns:a16="http://schemas.microsoft.com/office/drawing/2014/main" xmlns="" id="{541677EC-052B-1741-B92F-902A83DB4CDB}"/>
+                <a16:creationId xmlns="" xmlns:a16="http://schemas.microsoft.com/office/drawing/2014/main" id="{541677EC-052B-1741-B92F-902A83DB4CDB}"/>
               </a:ext>
             </a:extLst>
           </p:cNvPr>
@@ -8276,7 +9505,7 @@
           <p:cNvPr id="2" name="標題 1">
             <a:extLst>
               <a:ext uri="{FF2B5EF4-FFF2-40B4-BE49-F238E27FC236}">
-                <a16:creationId xmlns:a16="http://schemas.microsoft.com/office/drawing/2014/main" xmlns="" id="{AA60FC08-DB42-1443-B1D9-594B0DFFD819}"/>
+                <a16:creationId xmlns="" xmlns:a16="http://schemas.microsoft.com/office/drawing/2014/main" id="{AA60FC08-DB42-1443-B1D9-594B0DFFD819}"/>
               </a:ext>
             </a:extLst>
           </p:cNvPr>
@@ -8321,7 +9550,7 @@
           <p:cNvPr id="3" name="內容版面配置區 2">
             <a:extLst>
               <a:ext uri="{FF2B5EF4-FFF2-40B4-BE49-F238E27FC236}">
-                <a16:creationId xmlns:a16="http://schemas.microsoft.com/office/drawing/2014/main" xmlns="" id="{71BB2DE9-F9EC-0747-8110-57B6F42C6240}"/>
+                <a16:creationId xmlns="" xmlns:a16="http://schemas.microsoft.com/office/drawing/2014/main" id="{71BB2DE9-F9EC-0747-8110-57B6F42C6240}"/>
               </a:ext>
             </a:extLst>
           </p:cNvPr>
@@ -8432,7 +9661,7 @@
           <p:cNvPr id="4" name="日期版面配置區 3">
             <a:extLst>
               <a:ext uri="{FF2B5EF4-FFF2-40B4-BE49-F238E27FC236}">
-                <a16:creationId xmlns:a16="http://schemas.microsoft.com/office/drawing/2014/main" xmlns="" id="{6BA98535-4AD5-2846-9F28-9D341D2CBD82}"/>
+                <a16:creationId xmlns="" xmlns:a16="http://schemas.microsoft.com/office/drawing/2014/main" id="{6BA98535-4AD5-2846-9F28-9D341D2CBD82}"/>
               </a:ext>
             </a:extLst>
           </p:cNvPr>
@@ -8461,7 +9690,7 @@
           <p:cNvPr id="5" name="頁尾版面配置區 4">
             <a:extLst>
               <a:ext uri="{FF2B5EF4-FFF2-40B4-BE49-F238E27FC236}">
-                <a16:creationId xmlns:a16="http://schemas.microsoft.com/office/drawing/2014/main" xmlns="" id="{E4EAEED7-0802-7145-8C6C-66F66C8C1782}"/>
+                <a16:creationId xmlns="" xmlns:a16="http://schemas.microsoft.com/office/drawing/2014/main" id="{E4EAEED7-0802-7145-8C6C-66F66C8C1782}"/>
               </a:ext>
             </a:extLst>
           </p:cNvPr>
@@ -8486,7 +9715,7 @@
           <p:cNvPr id="6" name="投影片編號版面配置區 5">
             <a:extLst>
               <a:ext uri="{FF2B5EF4-FFF2-40B4-BE49-F238E27FC236}">
-                <a16:creationId xmlns:a16="http://schemas.microsoft.com/office/drawing/2014/main" xmlns="" id="{7D332B7E-1F76-A041-B6C6-AB635087BAB3}"/>
+                <a16:creationId xmlns="" xmlns:a16="http://schemas.microsoft.com/office/drawing/2014/main" id="{7D332B7E-1F76-A041-B6C6-AB635087BAB3}"/>
               </a:ext>
             </a:extLst>
           </p:cNvPr>
@@ -8515,7 +9744,7 @@
           <p:cNvPr id="7" name="矩形 6">
             <a:extLst>
               <a:ext uri="{FF2B5EF4-FFF2-40B4-BE49-F238E27FC236}">
-                <a16:creationId xmlns:a16="http://schemas.microsoft.com/office/drawing/2014/main" xmlns="" id="{C21960D3-0AC5-EE41-A19C-696161A1572E}"/>
+                <a16:creationId xmlns="" xmlns:a16="http://schemas.microsoft.com/office/drawing/2014/main" id="{C21960D3-0AC5-EE41-A19C-696161A1572E}"/>
               </a:ext>
             </a:extLst>
           </p:cNvPr>
@@ -8571,7 +9800,7 @@
           <p:cNvPr id="8" name="圖片 7">
             <a:extLst>
               <a:ext uri="{FF2B5EF4-FFF2-40B4-BE49-F238E27FC236}">
-                <a16:creationId xmlns:a16="http://schemas.microsoft.com/office/drawing/2014/main" xmlns="" id="{5E0EAD78-AEC6-AB45-A710-DD47E43CBB16}"/>
+                <a16:creationId xmlns="" xmlns:a16="http://schemas.microsoft.com/office/drawing/2014/main" id="{5E0EAD78-AEC6-AB45-A710-DD47E43CBB16}"/>
               </a:ext>
             </a:extLst>
           </p:cNvPr>
@@ -8607,7 +9836,7 @@
           <p:cNvPr id="9" name="矩形 8">
             <a:extLst>
               <a:ext uri="{FF2B5EF4-FFF2-40B4-BE49-F238E27FC236}">
-                <a16:creationId xmlns:a16="http://schemas.microsoft.com/office/drawing/2014/main" xmlns="" id="{387A2BAD-7558-A944-B806-7AEF1C4243D0}"/>
+                <a16:creationId xmlns="" xmlns:a16="http://schemas.microsoft.com/office/drawing/2014/main" id="{387A2BAD-7558-A944-B806-7AEF1C4243D0}"/>
               </a:ext>
             </a:extLst>
           </p:cNvPr>
@@ -8659,7 +9888,7 @@
           <p:cNvPr id="10" name="內容版面配置區 2">
             <a:extLst>
               <a:ext uri="{FF2B5EF4-FFF2-40B4-BE49-F238E27FC236}">
-                <a16:creationId xmlns:a16="http://schemas.microsoft.com/office/drawing/2014/main" xmlns="" id="{71BB2DE9-F9EC-0747-8110-57B6F42C6240}"/>
+                <a16:creationId xmlns="" xmlns:a16="http://schemas.microsoft.com/office/drawing/2014/main" id="{71BB2DE9-F9EC-0747-8110-57B6F42C6240}"/>
               </a:ext>
             </a:extLst>
           </p:cNvPr>
@@ -8770,7 +9999,7 @@
           <p:cNvPr id="11" name="內容版面配置區 2">
             <a:extLst>
               <a:ext uri="{FF2B5EF4-FFF2-40B4-BE49-F238E27FC236}">
-                <a16:creationId xmlns:a16="http://schemas.microsoft.com/office/drawing/2014/main" xmlns="" id="{71BB2DE9-F9EC-0747-8110-57B6F42C6240}"/>
+                <a16:creationId xmlns="" xmlns:a16="http://schemas.microsoft.com/office/drawing/2014/main" id="{71BB2DE9-F9EC-0747-8110-57B6F42C6240}"/>
               </a:ext>
             </a:extLst>
           </p:cNvPr>
@@ -8881,7 +10110,7 @@
           <p:cNvPr id="12" name="內容版面配置區 2">
             <a:extLst>
               <a:ext uri="{FF2B5EF4-FFF2-40B4-BE49-F238E27FC236}">
-                <a16:creationId xmlns:a16="http://schemas.microsoft.com/office/drawing/2014/main" xmlns="" id="{71BB2DE9-F9EC-0747-8110-57B6F42C6240}"/>
+                <a16:creationId xmlns="" xmlns:a16="http://schemas.microsoft.com/office/drawing/2014/main" id="{71BB2DE9-F9EC-0747-8110-57B6F42C6240}"/>
               </a:ext>
             </a:extLst>
           </p:cNvPr>
@@ -9022,7 +10251,7 @@
           <p:cNvPr id="2" name="標題 1">
             <a:extLst>
               <a:ext uri="{FF2B5EF4-FFF2-40B4-BE49-F238E27FC236}">
-                <a16:creationId xmlns:a16="http://schemas.microsoft.com/office/drawing/2014/main" xmlns="" id="{AA60FC08-DB42-1443-B1D9-594B0DFFD819}"/>
+                <a16:creationId xmlns="" xmlns:a16="http://schemas.microsoft.com/office/drawing/2014/main" id="{AA60FC08-DB42-1443-B1D9-594B0DFFD819}"/>
               </a:ext>
             </a:extLst>
           </p:cNvPr>
@@ -9067,7 +10296,7 @@
           <p:cNvPr id="3" name="內容版面配置區 2">
             <a:extLst>
               <a:ext uri="{FF2B5EF4-FFF2-40B4-BE49-F238E27FC236}">
-                <a16:creationId xmlns:a16="http://schemas.microsoft.com/office/drawing/2014/main" xmlns="" id="{71BB2DE9-F9EC-0747-8110-57B6F42C6240}"/>
+                <a16:creationId xmlns="" xmlns:a16="http://schemas.microsoft.com/office/drawing/2014/main" id="{71BB2DE9-F9EC-0747-8110-57B6F42C6240}"/>
               </a:ext>
             </a:extLst>
           </p:cNvPr>
@@ -9166,7 +10395,7 @@
           <p:cNvPr id="4" name="日期版面配置區 3">
             <a:extLst>
               <a:ext uri="{FF2B5EF4-FFF2-40B4-BE49-F238E27FC236}">
-                <a16:creationId xmlns:a16="http://schemas.microsoft.com/office/drawing/2014/main" xmlns="" id="{6BA98535-4AD5-2846-9F28-9D341D2CBD82}"/>
+                <a16:creationId xmlns="" xmlns:a16="http://schemas.microsoft.com/office/drawing/2014/main" id="{6BA98535-4AD5-2846-9F28-9D341D2CBD82}"/>
               </a:ext>
             </a:extLst>
           </p:cNvPr>
@@ -9195,7 +10424,7 @@
           <p:cNvPr id="5" name="頁尾版面配置區 4">
             <a:extLst>
               <a:ext uri="{FF2B5EF4-FFF2-40B4-BE49-F238E27FC236}">
-                <a16:creationId xmlns:a16="http://schemas.microsoft.com/office/drawing/2014/main" xmlns="" id="{E4EAEED7-0802-7145-8C6C-66F66C8C1782}"/>
+                <a16:creationId xmlns="" xmlns:a16="http://schemas.microsoft.com/office/drawing/2014/main" id="{E4EAEED7-0802-7145-8C6C-66F66C8C1782}"/>
               </a:ext>
             </a:extLst>
           </p:cNvPr>
@@ -9220,7 +10449,7 @@
           <p:cNvPr id="6" name="投影片編號版面配置區 5">
             <a:extLst>
               <a:ext uri="{FF2B5EF4-FFF2-40B4-BE49-F238E27FC236}">
-                <a16:creationId xmlns:a16="http://schemas.microsoft.com/office/drawing/2014/main" xmlns="" id="{7D332B7E-1F76-A041-B6C6-AB635087BAB3}"/>
+                <a16:creationId xmlns="" xmlns:a16="http://schemas.microsoft.com/office/drawing/2014/main" id="{7D332B7E-1F76-A041-B6C6-AB635087BAB3}"/>
               </a:ext>
             </a:extLst>
           </p:cNvPr>
@@ -9249,7 +10478,7 @@
           <p:cNvPr id="7" name="矩形 6">
             <a:extLst>
               <a:ext uri="{FF2B5EF4-FFF2-40B4-BE49-F238E27FC236}">
-                <a16:creationId xmlns:a16="http://schemas.microsoft.com/office/drawing/2014/main" xmlns="" id="{C21960D3-0AC5-EE41-A19C-696161A1572E}"/>
+                <a16:creationId xmlns="" xmlns:a16="http://schemas.microsoft.com/office/drawing/2014/main" id="{C21960D3-0AC5-EE41-A19C-696161A1572E}"/>
               </a:ext>
             </a:extLst>
           </p:cNvPr>
@@ -9305,7 +10534,7 @@
           <p:cNvPr id="8" name="圖片 7">
             <a:extLst>
               <a:ext uri="{FF2B5EF4-FFF2-40B4-BE49-F238E27FC236}">
-                <a16:creationId xmlns:a16="http://schemas.microsoft.com/office/drawing/2014/main" xmlns="" id="{5E0EAD78-AEC6-AB45-A710-DD47E43CBB16}"/>
+                <a16:creationId xmlns="" xmlns:a16="http://schemas.microsoft.com/office/drawing/2014/main" id="{5E0EAD78-AEC6-AB45-A710-DD47E43CBB16}"/>
               </a:ext>
             </a:extLst>
           </p:cNvPr>
@@ -9341,7 +10570,7 @@
           <p:cNvPr id="9" name="矩形 8">
             <a:extLst>
               <a:ext uri="{FF2B5EF4-FFF2-40B4-BE49-F238E27FC236}">
-                <a16:creationId xmlns:a16="http://schemas.microsoft.com/office/drawing/2014/main" xmlns="" id="{387A2BAD-7558-A944-B806-7AEF1C4243D0}"/>
+                <a16:creationId xmlns="" xmlns:a16="http://schemas.microsoft.com/office/drawing/2014/main" id="{387A2BAD-7558-A944-B806-7AEF1C4243D0}"/>
               </a:ext>
             </a:extLst>
           </p:cNvPr>
@@ -9393,7 +10622,7 @@
           <p:cNvPr id="10" name="內容版面配置區 2">
             <a:extLst>
               <a:ext uri="{FF2B5EF4-FFF2-40B4-BE49-F238E27FC236}">
-                <a16:creationId xmlns:a16="http://schemas.microsoft.com/office/drawing/2014/main" xmlns="" id="{71BB2DE9-F9EC-0747-8110-57B6F42C6240}"/>
+                <a16:creationId xmlns="" xmlns:a16="http://schemas.microsoft.com/office/drawing/2014/main" id="{71BB2DE9-F9EC-0747-8110-57B6F42C6240}"/>
               </a:ext>
             </a:extLst>
           </p:cNvPr>
@@ -9492,7 +10721,7 @@
           <p:cNvPr id="11" name="內容版面配置區 2">
             <a:extLst>
               <a:ext uri="{FF2B5EF4-FFF2-40B4-BE49-F238E27FC236}">
-                <a16:creationId xmlns:a16="http://schemas.microsoft.com/office/drawing/2014/main" xmlns="" id="{71BB2DE9-F9EC-0747-8110-57B6F42C6240}"/>
+                <a16:creationId xmlns="" xmlns:a16="http://schemas.microsoft.com/office/drawing/2014/main" id="{71BB2DE9-F9EC-0747-8110-57B6F42C6240}"/>
               </a:ext>
             </a:extLst>
           </p:cNvPr>
@@ -9591,7 +10820,7 @@
           <p:cNvPr id="12" name="內容版面配置區 2">
             <a:extLst>
               <a:ext uri="{FF2B5EF4-FFF2-40B4-BE49-F238E27FC236}">
-                <a16:creationId xmlns:a16="http://schemas.microsoft.com/office/drawing/2014/main" xmlns="" id="{71BB2DE9-F9EC-0747-8110-57B6F42C6240}"/>
+                <a16:creationId xmlns="" xmlns:a16="http://schemas.microsoft.com/office/drawing/2014/main" id="{71BB2DE9-F9EC-0747-8110-57B6F42C6240}"/>
               </a:ext>
             </a:extLst>
           </p:cNvPr>
@@ -9807,7 +11036,7 @@
           <p:cNvPr id="7" name="內容版面配置區 2">
             <a:extLst>
               <a:ext uri="{FF2B5EF4-FFF2-40B4-BE49-F238E27FC236}">
-                <a16:creationId xmlns:a16="http://schemas.microsoft.com/office/drawing/2014/main" xmlns="" id="{DB7FC4C6-C26F-214E-B2D6-C9ED5E2BD195}"/>
+                <a16:creationId xmlns="" xmlns:a16="http://schemas.microsoft.com/office/drawing/2014/main" id="{DB7FC4C6-C26F-214E-B2D6-C9ED5E2BD195}"/>
               </a:ext>
             </a:extLst>
           </p:cNvPr>
@@ -9869,7 +11098,7 @@
           <p:cNvPr id="8" name="矩形 7">
             <a:extLst>
               <a:ext uri="{FF2B5EF4-FFF2-40B4-BE49-F238E27FC236}">
-                <a16:creationId xmlns:a16="http://schemas.microsoft.com/office/drawing/2014/main" xmlns="" id="{C21960D3-0AC5-EE41-A19C-696161A1572E}"/>
+                <a16:creationId xmlns="" xmlns:a16="http://schemas.microsoft.com/office/drawing/2014/main" id="{C21960D3-0AC5-EE41-A19C-696161A1572E}"/>
               </a:ext>
             </a:extLst>
           </p:cNvPr>
@@ -9925,7 +11154,7 @@
           <p:cNvPr id="9" name="矩形 8">
             <a:extLst>
               <a:ext uri="{FF2B5EF4-FFF2-40B4-BE49-F238E27FC236}">
-                <a16:creationId xmlns:a16="http://schemas.microsoft.com/office/drawing/2014/main" xmlns="" id="{387A2BAD-7558-A944-B806-7AEF1C4243D0}"/>
+                <a16:creationId xmlns="" xmlns:a16="http://schemas.microsoft.com/office/drawing/2014/main" id="{387A2BAD-7558-A944-B806-7AEF1C4243D0}"/>
               </a:ext>
             </a:extLst>
           </p:cNvPr>
@@ -9977,7 +11206,7 @@
           <p:cNvPr id="10" name="圖片 9">
             <a:extLst>
               <a:ext uri="{FF2B5EF4-FFF2-40B4-BE49-F238E27FC236}">
-                <a16:creationId xmlns:a16="http://schemas.microsoft.com/office/drawing/2014/main" xmlns="" id="{5E0EAD78-AEC6-AB45-A710-DD47E43CBB16}"/>
+                <a16:creationId xmlns="" xmlns:a16="http://schemas.microsoft.com/office/drawing/2014/main" id="{5E0EAD78-AEC6-AB45-A710-DD47E43CBB16}"/>
               </a:ext>
             </a:extLst>
           </p:cNvPr>
@@ -10043,7 +11272,7 @@
           <p:cNvPr id="2" name="標題 1">
             <a:extLst>
               <a:ext uri="{FF2B5EF4-FFF2-40B4-BE49-F238E27FC236}">
-                <a16:creationId xmlns:a16="http://schemas.microsoft.com/office/drawing/2014/main" xmlns="" id="{979C6CD6-89CE-E846-934F-01618F2F117C}"/>
+                <a16:creationId xmlns="" xmlns:a16="http://schemas.microsoft.com/office/drawing/2014/main" id="{979C6CD6-89CE-E846-934F-01618F2F117C}"/>
               </a:ext>
             </a:extLst>
           </p:cNvPr>
@@ -10071,7 +11300,7 @@
           <p:cNvPr id="3" name="內容版面配置區 2">
             <a:extLst>
               <a:ext uri="{FF2B5EF4-FFF2-40B4-BE49-F238E27FC236}">
-                <a16:creationId xmlns:a16="http://schemas.microsoft.com/office/drawing/2014/main" xmlns="" id="{DB7FC4C6-C26F-214E-B2D6-C9ED5E2BD195}"/>
+                <a16:creationId xmlns="" xmlns:a16="http://schemas.microsoft.com/office/drawing/2014/main" id="{DB7FC4C6-C26F-214E-B2D6-C9ED5E2BD195}"/>
               </a:ext>
             </a:extLst>
           </p:cNvPr>
@@ -10133,7 +11362,7 @@
           <p:cNvPr id="4" name="內容版面配置區 3">
             <a:extLst>
               <a:ext uri="{FF2B5EF4-FFF2-40B4-BE49-F238E27FC236}">
-                <a16:creationId xmlns:a16="http://schemas.microsoft.com/office/drawing/2014/main" xmlns="" id="{DBED84A6-8329-9742-B24D-788F26DEA102}"/>
+                <a16:creationId xmlns="" xmlns:a16="http://schemas.microsoft.com/office/drawing/2014/main" id="{DBED84A6-8329-9742-B24D-788F26DEA102}"/>
               </a:ext>
             </a:extLst>
           </p:cNvPr>
@@ -10195,7 +11424,7 @@
           <p:cNvPr id="5" name="日期版面配置區 4">
             <a:extLst>
               <a:ext uri="{FF2B5EF4-FFF2-40B4-BE49-F238E27FC236}">
-                <a16:creationId xmlns:a16="http://schemas.microsoft.com/office/drawing/2014/main" xmlns="" id="{B9046B7C-39BE-4A4E-B699-9748D6DA088D}"/>
+                <a16:creationId xmlns="" xmlns:a16="http://schemas.microsoft.com/office/drawing/2014/main" id="{B9046B7C-39BE-4A4E-B699-9748D6DA088D}"/>
               </a:ext>
             </a:extLst>
           </p:cNvPr>
@@ -10224,7 +11453,7 @@
           <p:cNvPr id="6" name="頁尾版面配置區 5">
             <a:extLst>
               <a:ext uri="{FF2B5EF4-FFF2-40B4-BE49-F238E27FC236}">
-                <a16:creationId xmlns:a16="http://schemas.microsoft.com/office/drawing/2014/main" xmlns="" id="{1AD5E07B-3935-B144-8CAF-5251EF861FDA}"/>
+                <a16:creationId xmlns="" xmlns:a16="http://schemas.microsoft.com/office/drawing/2014/main" id="{1AD5E07B-3935-B144-8CAF-5251EF861FDA}"/>
               </a:ext>
             </a:extLst>
           </p:cNvPr>
@@ -10249,7 +11478,7 @@
           <p:cNvPr id="7" name="投影片編號版面配置區 6">
             <a:extLst>
               <a:ext uri="{FF2B5EF4-FFF2-40B4-BE49-F238E27FC236}">
-                <a16:creationId xmlns:a16="http://schemas.microsoft.com/office/drawing/2014/main" xmlns="" id="{C9A0C168-E66B-E24E-B30C-62EBA9A41007}"/>
+                <a16:creationId xmlns="" xmlns:a16="http://schemas.microsoft.com/office/drawing/2014/main" id="{C9A0C168-E66B-E24E-B30C-62EBA9A41007}"/>
               </a:ext>
             </a:extLst>
           </p:cNvPr>
@@ -10278,7 +11507,7 @@
           <p:cNvPr id="8" name="圖片 7">
             <a:extLst>
               <a:ext uri="{FF2B5EF4-FFF2-40B4-BE49-F238E27FC236}">
-                <a16:creationId xmlns:a16="http://schemas.microsoft.com/office/drawing/2014/main" xmlns="" id="{5E0EAD78-AEC6-AB45-A710-DD47E43CBB16}"/>
+                <a16:creationId xmlns="" xmlns:a16="http://schemas.microsoft.com/office/drawing/2014/main" id="{5E0EAD78-AEC6-AB45-A710-DD47E43CBB16}"/>
               </a:ext>
             </a:extLst>
           </p:cNvPr>
@@ -10314,7 +11543,7 @@
           <p:cNvPr id="9" name="矩形 8">
             <a:extLst>
               <a:ext uri="{FF2B5EF4-FFF2-40B4-BE49-F238E27FC236}">
-                <a16:creationId xmlns:a16="http://schemas.microsoft.com/office/drawing/2014/main" xmlns="" id="{C21960D3-0AC5-EE41-A19C-696161A1572E}"/>
+                <a16:creationId xmlns="" xmlns:a16="http://schemas.microsoft.com/office/drawing/2014/main" id="{C21960D3-0AC5-EE41-A19C-696161A1572E}"/>
               </a:ext>
             </a:extLst>
           </p:cNvPr>
@@ -10370,7 +11599,7 @@
           <p:cNvPr id="10" name="矩形 9">
             <a:extLst>
               <a:ext uri="{FF2B5EF4-FFF2-40B4-BE49-F238E27FC236}">
-                <a16:creationId xmlns:a16="http://schemas.microsoft.com/office/drawing/2014/main" xmlns="" id="{387A2BAD-7558-A944-B806-7AEF1C4243D0}"/>
+                <a16:creationId xmlns="" xmlns:a16="http://schemas.microsoft.com/office/drawing/2014/main" id="{387A2BAD-7558-A944-B806-7AEF1C4243D0}"/>
               </a:ext>
             </a:extLst>
           </p:cNvPr>
@@ -10479,7 +11708,7 @@
           <p:cNvPr id="3" name="日期版面配置區 2">
             <a:extLst>
               <a:ext uri="{FF2B5EF4-FFF2-40B4-BE49-F238E27FC236}">
-                <a16:creationId xmlns:a16="http://schemas.microsoft.com/office/drawing/2014/main" xmlns="" id="{F7C17A4E-EBA6-E34A-A86C-76416798A0B8}"/>
+                <a16:creationId xmlns="" xmlns:a16="http://schemas.microsoft.com/office/drawing/2014/main" id="{F7C17A4E-EBA6-E34A-A86C-76416798A0B8}"/>
               </a:ext>
             </a:extLst>
           </p:cNvPr>
@@ -10508,7 +11737,7 @@
           <p:cNvPr id="4" name="頁尾版面配置區 3">
             <a:extLst>
               <a:ext uri="{FF2B5EF4-FFF2-40B4-BE49-F238E27FC236}">
-                <a16:creationId xmlns:a16="http://schemas.microsoft.com/office/drawing/2014/main" xmlns="" id="{CA1C1E17-1A60-0144-B993-55C5B1B81E94}"/>
+                <a16:creationId xmlns="" xmlns:a16="http://schemas.microsoft.com/office/drawing/2014/main" id="{CA1C1E17-1A60-0144-B993-55C5B1B81E94}"/>
               </a:ext>
             </a:extLst>
           </p:cNvPr>
@@ -10533,7 +11762,7 @@
           <p:cNvPr id="5" name="投影片編號版面配置區 4">
             <a:extLst>
               <a:ext uri="{FF2B5EF4-FFF2-40B4-BE49-F238E27FC236}">
-                <a16:creationId xmlns:a16="http://schemas.microsoft.com/office/drawing/2014/main" xmlns="" id="{6E191D9A-D235-9D49-814E-DCBBB84DC544}"/>
+                <a16:creationId xmlns="" xmlns:a16="http://schemas.microsoft.com/office/drawing/2014/main" id="{6E191D9A-D235-9D49-814E-DCBBB84DC544}"/>
               </a:ext>
             </a:extLst>
           </p:cNvPr>
@@ -10562,7 +11791,7 @@
           <p:cNvPr id="7" name="圖片 6">
             <a:extLst>
               <a:ext uri="{FF2B5EF4-FFF2-40B4-BE49-F238E27FC236}">
-                <a16:creationId xmlns:a16="http://schemas.microsoft.com/office/drawing/2014/main" xmlns="" id="{5E0EAD78-AEC6-AB45-A710-DD47E43CBB16}"/>
+                <a16:creationId xmlns="" xmlns:a16="http://schemas.microsoft.com/office/drawing/2014/main" id="{5E0EAD78-AEC6-AB45-A710-DD47E43CBB16}"/>
               </a:ext>
             </a:extLst>
           </p:cNvPr>
@@ -10642,7 +11871,7 @@
           <p:cNvPr id="12" name="內容版面配置區 2">
             <a:extLst>
               <a:ext uri="{FF2B5EF4-FFF2-40B4-BE49-F238E27FC236}">
-                <a16:creationId xmlns:a16="http://schemas.microsoft.com/office/drawing/2014/main" xmlns="" id="{DB7FC4C6-C26F-214E-B2D6-C9ED5E2BD195}"/>
+                <a16:creationId xmlns="" xmlns:a16="http://schemas.microsoft.com/office/drawing/2014/main" id="{DB7FC4C6-C26F-214E-B2D6-C9ED5E2BD195}"/>
               </a:ext>
             </a:extLst>
           </p:cNvPr>
@@ -10704,7 +11933,7 @@
           <p:cNvPr id="13" name="矩形 12">
             <a:extLst>
               <a:ext uri="{FF2B5EF4-FFF2-40B4-BE49-F238E27FC236}">
-                <a16:creationId xmlns:a16="http://schemas.microsoft.com/office/drawing/2014/main" xmlns="" id="{C21960D3-0AC5-EE41-A19C-696161A1572E}"/>
+                <a16:creationId xmlns="" xmlns:a16="http://schemas.microsoft.com/office/drawing/2014/main" id="{C21960D3-0AC5-EE41-A19C-696161A1572E}"/>
               </a:ext>
             </a:extLst>
           </p:cNvPr>
@@ -10760,7 +11989,7 @@
           <p:cNvPr id="15" name="矩形 14">
             <a:extLst>
               <a:ext uri="{FF2B5EF4-FFF2-40B4-BE49-F238E27FC236}">
-                <a16:creationId xmlns:a16="http://schemas.microsoft.com/office/drawing/2014/main" xmlns="" id="{387A2BAD-7558-A944-B806-7AEF1C4243D0}"/>
+                <a16:creationId xmlns="" xmlns:a16="http://schemas.microsoft.com/office/drawing/2014/main" id="{387A2BAD-7558-A944-B806-7AEF1C4243D0}"/>
               </a:ext>
             </a:extLst>
           </p:cNvPr>
@@ -11070,7 +12299,7 @@
           <p:cNvPr id="8" name="矩形 7">
             <a:extLst>
               <a:ext uri="{FF2B5EF4-FFF2-40B4-BE49-F238E27FC236}">
-                <a16:creationId xmlns:a16="http://schemas.microsoft.com/office/drawing/2014/main" xmlns="" id="{C21960D3-0AC5-EE41-A19C-696161A1572E}"/>
+                <a16:creationId xmlns="" xmlns:a16="http://schemas.microsoft.com/office/drawing/2014/main" id="{C21960D3-0AC5-EE41-A19C-696161A1572E}"/>
               </a:ext>
             </a:extLst>
           </p:cNvPr>
@@ -11284,7 +12513,7 @@
           <p:cNvPr id="2" name="標題 1">
             <a:extLst>
               <a:ext uri="{FF2B5EF4-FFF2-40B4-BE49-F238E27FC236}">
-                <a16:creationId xmlns:a16="http://schemas.microsoft.com/office/drawing/2014/main" xmlns="" id="{6A1C7254-695B-1F42-AC59-34E8D858E936}"/>
+                <a16:creationId xmlns="" xmlns:a16="http://schemas.microsoft.com/office/drawing/2014/main" id="{6A1C7254-695B-1F42-AC59-34E8D858E936}"/>
               </a:ext>
             </a:extLst>
           </p:cNvPr>
@@ -11327,7 +12556,7 @@
           <p:cNvPr id="3" name="文字版面配置區 2">
             <a:extLst>
               <a:ext uri="{FF2B5EF4-FFF2-40B4-BE49-F238E27FC236}">
-                <a16:creationId xmlns:a16="http://schemas.microsoft.com/office/drawing/2014/main" xmlns="" id="{1D19DA3B-2013-E14B-A941-CC519B76AD6F}"/>
+                <a16:creationId xmlns="" xmlns:a16="http://schemas.microsoft.com/office/drawing/2014/main" id="{1D19DA3B-2013-E14B-A941-CC519B76AD6F}"/>
               </a:ext>
             </a:extLst>
           </p:cNvPr>
@@ -11452,7 +12681,7 @@
           <p:cNvPr id="4" name="日期版面配置區 3">
             <a:extLst>
               <a:ext uri="{FF2B5EF4-FFF2-40B4-BE49-F238E27FC236}">
-                <a16:creationId xmlns:a16="http://schemas.microsoft.com/office/drawing/2014/main" xmlns="" id="{BC7211D9-290C-574E-B682-764110BB9BAF}"/>
+                <a16:creationId xmlns="" xmlns:a16="http://schemas.microsoft.com/office/drawing/2014/main" id="{BC7211D9-290C-574E-B682-764110BB9BAF}"/>
               </a:ext>
             </a:extLst>
           </p:cNvPr>
@@ -11481,7 +12710,7 @@
           <p:cNvPr id="5" name="頁尾版面配置區 4">
             <a:extLst>
               <a:ext uri="{FF2B5EF4-FFF2-40B4-BE49-F238E27FC236}">
-                <a16:creationId xmlns:a16="http://schemas.microsoft.com/office/drawing/2014/main" xmlns="" id="{D4D4BDD1-0BFA-0645-8197-068191AAF54C}"/>
+                <a16:creationId xmlns="" xmlns:a16="http://schemas.microsoft.com/office/drawing/2014/main" id="{D4D4BDD1-0BFA-0645-8197-068191AAF54C}"/>
               </a:ext>
             </a:extLst>
           </p:cNvPr>
@@ -11506,7 +12735,7 @@
           <p:cNvPr id="6" name="投影片編號版面配置區 5">
             <a:extLst>
               <a:ext uri="{FF2B5EF4-FFF2-40B4-BE49-F238E27FC236}">
-                <a16:creationId xmlns:a16="http://schemas.microsoft.com/office/drawing/2014/main" xmlns="" id="{F592E68C-AEE0-D84B-8844-7CF5E83647F7}"/>
+                <a16:creationId xmlns="" xmlns:a16="http://schemas.microsoft.com/office/drawing/2014/main" id="{F592E68C-AEE0-D84B-8844-7CF5E83647F7}"/>
               </a:ext>
             </a:extLst>
           </p:cNvPr>
@@ -11611,7 +12840,7 @@
           <p:cNvPr id="2" name="標題 1">
             <a:extLst>
               <a:ext uri="{FF2B5EF4-FFF2-40B4-BE49-F238E27FC236}">
-                <a16:creationId xmlns:a16="http://schemas.microsoft.com/office/drawing/2014/main" xmlns="" id="{6A1C7254-695B-1F42-AC59-34E8D858E936}"/>
+                <a16:creationId xmlns="" xmlns:a16="http://schemas.microsoft.com/office/drawing/2014/main" id="{6A1C7254-695B-1F42-AC59-34E8D858E936}"/>
               </a:ext>
             </a:extLst>
           </p:cNvPr>
@@ -11654,7 +12883,7 @@
           <p:cNvPr id="3" name="文字版面配置區 2">
             <a:extLst>
               <a:ext uri="{FF2B5EF4-FFF2-40B4-BE49-F238E27FC236}">
-                <a16:creationId xmlns:a16="http://schemas.microsoft.com/office/drawing/2014/main" xmlns="" id="{1D19DA3B-2013-E14B-A941-CC519B76AD6F}"/>
+                <a16:creationId xmlns="" xmlns:a16="http://schemas.microsoft.com/office/drawing/2014/main" id="{1D19DA3B-2013-E14B-A941-CC519B76AD6F}"/>
               </a:ext>
             </a:extLst>
           </p:cNvPr>
@@ -11779,7 +13008,7 @@
           <p:cNvPr id="4" name="日期版面配置區 3">
             <a:extLst>
               <a:ext uri="{FF2B5EF4-FFF2-40B4-BE49-F238E27FC236}">
-                <a16:creationId xmlns:a16="http://schemas.microsoft.com/office/drawing/2014/main" xmlns="" id="{BC7211D9-290C-574E-B682-764110BB9BAF}"/>
+                <a16:creationId xmlns="" xmlns:a16="http://schemas.microsoft.com/office/drawing/2014/main" id="{BC7211D9-290C-574E-B682-764110BB9BAF}"/>
               </a:ext>
             </a:extLst>
           </p:cNvPr>
@@ -11808,7 +13037,7 @@
           <p:cNvPr id="5" name="頁尾版面配置區 4">
             <a:extLst>
               <a:ext uri="{FF2B5EF4-FFF2-40B4-BE49-F238E27FC236}">
-                <a16:creationId xmlns:a16="http://schemas.microsoft.com/office/drawing/2014/main" xmlns="" id="{D4D4BDD1-0BFA-0645-8197-068191AAF54C}"/>
+                <a16:creationId xmlns="" xmlns:a16="http://schemas.microsoft.com/office/drawing/2014/main" id="{D4D4BDD1-0BFA-0645-8197-068191AAF54C}"/>
               </a:ext>
             </a:extLst>
           </p:cNvPr>
@@ -11833,7 +13062,7 @@
           <p:cNvPr id="6" name="投影片編號版面配置區 5">
             <a:extLst>
               <a:ext uri="{FF2B5EF4-FFF2-40B4-BE49-F238E27FC236}">
-                <a16:creationId xmlns:a16="http://schemas.microsoft.com/office/drawing/2014/main" xmlns="" id="{F592E68C-AEE0-D84B-8844-7CF5E83647F7}"/>
+                <a16:creationId xmlns="" xmlns:a16="http://schemas.microsoft.com/office/drawing/2014/main" id="{F592E68C-AEE0-D84B-8844-7CF5E83647F7}"/>
               </a:ext>
             </a:extLst>
           </p:cNvPr>
@@ -11862,7 +13091,7 @@
           <p:cNvPr id="7" name="圖片 6">
             <a:extLst>
               <a:ext uri="{FF2B5EF4-FFF2-40B4-BE49-F238E27FC236}">
-                <a16:creationId xmlns:a16="http://schemas.microsoft.com/office/drawing/2014/main" xmlns="" id="{CFC0D688-7C0C-F240-82D7-136060E3079C}"/>
+                <a16:creationId xmlns="" xmlns:a16="http://schemas.microsoft.com/office/drawing/2014/main" id="{CFC0D688-7C0C-F240-82D7-136060E3079C}"/>
               </a:ext>
             </a:extLst>
           </p:cNvPr>
@@ -12061,7 +13290,7 @@
           <p:cNvPr id="2" name="標題 1">
             <a:extLst>
               <a:ext uri="{FF2B5EF4-FFF2-40B4-BE49-F238E27FC236}">
-                <a16:creationId xmlns:a16="http://schemas.microsoft.com/office/drawing/2014/main" xmlns="" id="{6A1C7254-695B-1F42-AC59-34E8D858E936}"/>
+                <a16:creationId xmlns="" xmlns:a16="http://schemas.microsoft.com/office/drawing/2014/main" id="{6A1C7254-695B-1F42-AC59-34E8D858E936}"/>
               </a:ext>
             </a:extLst>
           </p:cNvPr>
@@ -12104,7 +13333,7 @@
           <p:cNvPr id="3" name="文字版面配置區 2">
             <a:extLst>
               <a:ext uri="{FF2B5EF4-FFF2-40B4-BE49-F238E27FC236}">
-                <a16:creationId xmlns:a16="http://schemas.microsoft.com/office/drawing/2014/main" xmlns="" id="{1D19DA3B-2013-E14B-A941-CC519B76AD6F}"/>
+                <a16:creationId xmlns="" xmlns:a16="http://schemas.microsoft.com/office/drawing/2014/main" id="{1D19DA3B-2013-E14B-A941-CC519B76AD6F}"/>
               </a:ext>
             </a:extLst>
           </p:cNvPr>
@@ -12229,7 +13458,7 @@
           <p:cNvPr id="4" name="日期版面配置區 3">
             <a:extLst>
               <a:ext uri="{FF2B5EF4-FFF2-40B4-BE49-F238E27FC236}">
-                <a16:creationId xmlns:a16="http://schemas.microsoft.com/office/drawing/2014/main" xmlns="" id="{BC7211D9-290C-574E-B682-764110BB9BAF}"/>
+                <a16:creationId xmlns="" xmlns:a16="http://schemas.microsoft.com/office/drawing/2014/main" id="{BC7211D9-290C-574E-B682-764110BB9BAF}"/>
               </a:ext>
             </a:extLst>
           </p:cNvPr>
@@ -12258,7 +13487,7 @@
           <p:cNvPr id="5" name="頁尾版面配置區 4">
             <a:extLst>
               <a:ext uri="{FF2B5EF4-FFF2-40B4-BE49-F238E27FC236}">
-                <a16:creationId xmlns:a16="http://schemas.microsoft.com/office/drawing/2014/main" xmlns="" id="{D4D4BDD1-0BFA-0645-8197-068191AAF54C}"/>
+                <a16:creationId xmlns="" xmlns:a16="http://schemas.microsoft.com/office/drawing/2014/main" id="{D4D4BDD1-0BFA-0645-8197-068191AAF54C}"/>
               </a:ext>
             </a:extLst>
           </p:cNvPr>
@@ -12283,7 +13512,7 @@
           <p:cNvPr id="6" name="投影片編號版面配置區 5">
             <a:extLst>
               <a:ext uri="{FF2B5EF4-FFF2-40B4-BE49-F238E27FC236}">
-                <a16:creationId xmlns:a16="http://schemas.microsoft.com/office/drawing/2014/main" xmlns="" id="{F592E68C-AEE0-D84B-8844-7CF5E83647F7}"/>
+                <a16:creationId xmlns="" xmlns:a16="http://schemas.microsoft.com/office/drawing/2014/main" id="{F592E68C-AEE0-D84B-8844-7CF5E83647F7}"/>
               </a:ext>
             </a:extLst>
           </p:cNvPr>
@@ -12392,7 +13621,7 @@
           <p:cNvPr id="3" name="內容版面配置區 2">
             <a:extLst>
               <a:ext uri="{FF2B5EF4-FFF2-40B4-BE49-F238E27FC236}">
-                <a16:creationId xmlns:a16="http://schemas.microsoft.com/office/drawing/2014/main" xmlns="" id="{DB7FC4C6-C26F-214E-B2D6-C9ED5E2BD195}"/>
+                <a16:creationId xmlns="" xmlns:a16="http://schemas.microsoft.com/office/drawing/2014/main" id="{DB7FC4C6-C26F-214E-B2D6-C9ED5E2BD195}"/>
               </a:ext>
             </a:extLst>
           </p:cNvPr>
@@ -12484,7 +13713,7 @@
           <p:cNvPr id="5" name="日期版面配置區 4">
             <a:extLst>
               <a:ext uri="{FF2B5EF4-FFF2-40B4-BE49-F238E27FC236}">
-                <a16:creationId xmlns:a16="http://schemas.microsoft.com/office/drawing/2014/main" xmlns="" id="{B9046B7C-39BE-4A4E-B699-9748D6DA088D}"/>
+                <a16:creationId xmlns="" xmlns:a16="http://schemas.microsoft.com/office/drawing/2014/main" id="{B9046B7C-39BE-4A4E-B699-9748D6DA088D}"/>
               </a:ext>
             </a:extLst>
           </p:cNvPr>
@@ -12513,7 +13742,7 @@
           <p:cNvPr id="6" name="頁尾版面配置區 5">
             <a:extLst>
               <a:ext uri="{FF2B5EF4-FFF2-40B4-BE49-F238E27FC236}">
-                <a16:creationId xmlns:a16="http://schemas.microsoft.com/office/drawing/2014/main" xmlns="" id="{1AD5E07B-3935-B144-8CAF-5251EF861FDA}"/>
+                <a16:creationId xmlns="" xmlns:a16="http://schemas.microsoft.com/office/drawing/2014/main" id="{1AD5E07B-3935-B144-8CAF-5251EF861FDA}"/>
               </a:ext>
             </a:extLst>
           </p:cNvPr>
@@ -12538,7 +13767,7 @@
           <p:cNvPr id="7" name="投影片編號版面配置區 6">
             <a:extLst>
               <a:ext uri="{FF2B5EF4-FFF2-40B4-BE49-F238E27FC236}">
-                <a16:creationId xmlns:a16="http://schemas.microsoft.com/office/drawing/2014/main" xmlns="" id="{C9A0C168-E66B-E24E-B30C-62EBA9A41007}"/>
+                <a16:creationId xmlns="" xmlns:a16="http://schemas.microsoft.com/office/drawing/2014/main" id="{C9A0C168-E66B-E24E-B30C-62EBA9A41007}"/>
               </a:ext>
             </a:extLst>
           </p:cNvPr>
@@ -12567,7 +13796,7 @@
           <p:cNvPr id="8" name="圖片 7">
             <a:extLst>
               <a:ext uri="{FF2B5EF4-FFF2-40B4-BE49-F238E27FC236}">
-                <a16:creationId xmlns:a16="http://schemas.microsoft.com/office/drawing/2014/main" xmlns="" id="{5E0EAD78-AEC6-AB45-A710-DD47E43CBB16}"/>
+                <a16:creationId xmlns="" xmlns:a16="http://schemas.microsoft.com/office/drawing/2014/main" id="{5E0EAD78-AEC6-AB45-A710-DD47E43CBB16}"/>
               </a:ext>
             </a:extLst>
           </p:cNvPr>
@@ -12603,7 +13832,7 @@
           <p:cNvPr id="10" name="矩形 9">
             <a:extLst>
               <a:ext uri="{FF2B5EF4-FFF2-40B4-BE49-F238E27FC236}">
-                <a16:creationId xmlns:a16="http://schemas.microsoft.com/office/drawing/2014/main" xmlns="" id="{387A2BAD-7558-A944-B806-7AEF1C4243D0}"/>
+                <a16:creationId xmlns="" xmlns:a16="http://schemas.microsoft.com/office/drawing/2014/main" id="{387A2BAD-7558-A944-B806-7AEF1C4243D0}"/>
               </a:ext>
             </a:extLst>
           </p:cNvPr>
@@ -12655,7 +13884,7 @@
           <p:cNvPr id="11" name="標題 1">
             <a:extLst>
               <a:ext uri="{FF2B5EF4-FFF2-40B4-BE49-F238E27FC236}">
-                <a16:creationId xmlns:a16="http://schemas.microsoft.com/office/drawing/2014/main" xmlns="" id="{AA60FC08-DB42-1443-B1D9-594B0DFFD819}"/>
+                <a16:creationId xmlns="" xmlns:a16="http://schemas.microsoft.com/office/drawing/2014/main" id="{AA60FC08-DB42-1443-B1D9-594B0DFFD819}"/>
               </a:ext>
             </a:extLst>
           </p:cNvPr>
@@ -12700,7 +13929,7 @@
           <p:cNvPr id="13" name="矩形 12">
             <a:extLst>
               <a:ext uri="{FF2B5EF4-FFF2-40B4-BE49-F238E27FC236}">
-                <a16:creationId xmlns:a16="http://schemas.microsoft.com/office/drawing/2014/main" xmlns="" id="{C21960D3-0AC5-EE41-A19C-696161A1572E}"/>
+                <a16:creationId xmlns="" xmlns:a16="http://schemas.microsoft.com/office/drawing/2014/main" id="{C21960D3-0AC5-EE41-A19C-696161A1572E}"/>
               </a:ext>
             </a:extLst>
           </p:cNvPr>
@@ -12810,7 +14039,7 @@
           <p:cNvPr id="12" name="矩形 11">
             <a:extLst>
               <a:ext uri="{FF2B5EF4-FFF2-40B4-BE49-F238E27FC236}">
-                <a16:creationId xmlns:a16="http://schemas.microsoft.com/office/drawing/2014/main" xmlns="" id="{387A2BAD-7558-A944-B806-7AEF1C4243D0}"/>
+                <a16:creationId xmlns="" xmlns:a16="http://schemas.microsoft.com/office/drawing/2014/main" id="{387A2BAD-7558-A944-B806-7AEF1C4243D0}"/>
               </a:ext>
             </a:extLst>
           </p:cNvPr>
@@ -12959,7 +14188,7 @@
           <p:cNvPr id="2" name="標題 1">
             <a:extLst>
               <a:ext uri="{FF2B5EF4-FFF2-40B4-BE49-F238E27FC236}">
-                <a16:creationId xmlns:a16="http://schemas.microsoft.com/office/drawing/2014/main" xmlns="" id="{979C6CD6-89CE-E846-934F-01618F2F117C}"/>
+                <a16:creationId xmlns="" xmlns:a16="http://schemas.microsoft.com/office/drawing/2014/main" id="{979C6CD6-89CE-E846-934F-01618F2F117C}"/>
               </a:ext>
             </a:extLst>
           </p:cNvPr>
@@ -13000,7 +14229,7 @@
           <p:cNvPr id="3" name="內容版面配置區 2">
             <a:extLst>
               <a:ext uri="{FF2B5EF4-FFF2-40B4-BE49-F238E27FC236}">
-                <a16:creationId xmlns:a16="http://schemas.microsoft.com/office/drawing/2014/main" xmlns="" id="{DB7FC4C6-C26F-214E-B2D6-C9ED5E2BD195}"/>
+                <a16:creationId xmlns="" xmlns:a16="http://schemas.microsoft.com/office/drawing/2014/main" id="{DB7FC4C6-C26F-214E-B2D6-C9ED5E2BD195}"/>
               </a:ext>
             </a:extLst>
           </p:cNvPr>
@@ -13092,7 +14321,7 @@
           <p:cNvPr id="5" name="日期版面配置區 4">
             <a:extLst>
               <a:ext uri="{FF2B5EF4-FFF2-40B4-BE49-F238E27FC236}">
-                <a16:creationId xmlns:a16="http://schemas.microsoft.com/office/drawing/2014/main" xmlns="" id="{B9046B7C-39BE-4A4E-B699-9748D6DA088D}"/>
+                <a16:creationId xmlns="" xmlns:a16="http://schemas.microsoft.com/office/drawing/2014/main" id="{B9046B7C-39BE-4A4E-B699-9748D6DA088D}"/>
               </a:ext>
             </a:extLst>
           </p:cNvPr>
@@ -13121,7 +14350,7 @@
           <p:cNvPr id="6" name="頁尾版面配置區 5">
             <a:extLst>
               <a:ext uri="{FF2B5EF4-FFF2-40B4-BE49-F238E27FC236}">
-                <a16:creationId xmlns:a16="http://schemas.microsoft.com/office/drawing/2014/main" xmlns="" id="{1AD5E07B-3935-B144-8CAF-5251EF861FDA}"/>
+                <a16:creationId xmlns="" xmlns:a16="http://schemas.microsoft.com/office/drawing/2014/main" id="{1AD5E07B-3935-B144-8CAF-5251EF861FDA}"/>
               </a:ext>
             </a:extLst>
           </p:cNvPr>
@@ -13146,7 +14375,7 @@
           <p:cNvPr id="7" name="投影片編號版面配置區 6">
             <a:extLst>
               <a:ext uri="{FF2B5EF4-FFF2-40B4-BE49-F238E27FC236}">
-                <a16:creationId xmlns:a16="http://schemas.microsoft.com/office/drawing/2014/main" xmlns="" id="{C9A0C168-E66B-E24E-B30C-62EBA9A41007}"/>
+                <a16:creationId xmlns="" xmlns:a16="http://schemas.microsoft.com/office/drawing/2014/main" id="{C9A0C168-E66B-E24E-B30C-62EBA9A41007}"/>
               </a:ext>
             </a:extLst>
           </p:cNvPr>
@@ -13175,7 +14404,7 @@
           <p:cNvPr id="8" name="圖片 7">
             <a:extLst>
               <a:ext uri="{FF2B5EF4-FFF2-40B4-BE49-F238E27FC236}">
-                <a16:creationId xmlns:a16="http://schemas.microsoft.com/office/drawing/2014/main" xmlns="" id="{5E0EAD78-AEC6-AB45-A710-DD47E43CBB16}"/>
+                <a16:creationId xmlns="" xmlns:a16="http://schemas.microsoft.com/office/drawing/2014/main" id="{5E0EAD78-AEC6-AB45-A710-DD47E43CBB16}"/>
               </a:ext>
             </a:extLst>
           </p:cNvPr>
@@ -13211,7 +14440,7 @@
           <p:cNvPr id="17" name="內容版面配置區 2">
             <a:extLst>
               <a:ext uri="{FF2B5EF4-FFF2-40B4-BE49-F238E27FC236}">
-                <a16:creationId xmlns:a16="http://schemas.microsoft.com/office/drawing/2014/main" xmlns="" id="{DB7FC4C6-C26F-214E-B2D6-C9ED5E2BD195}"/>
+                <a16:creationId xmlns="" xmlns:a16="http://schemas.microsoft.com/office/drawing/2014/main" id="{DB7FC4C6-C26F-214E-B2D6-C9ED5E2BD195}"/>
               </a:ext>
             </a:extLst>
           </p:cNvPr>
@@ -13303,7 +14532,7 @@
           <p:cNvPr id="24" name="內容版面配置區 2">
             <a:extLst>
               <a:ext uri="{FF2B5EF4-FFF2-40B4-BE49-F238E27FC236}">
-                <a16:creationId xmlns:a16="http://schemas.microsoft.com/office/drawing/2014/main" xmlns="" id="{DB7FC4C6-C26F-214E-B2D6-C9ED5E2BD195}"/>
+                <a16:creationId xmlns="" xmlns:a16="http://schemas.microsoft.com/office/drawing/2014/main" id="{DB7FC4C6-C26F-214E-B2D6-C9ED5E2BD195}"/>
               </a:ext>
             </a:extLst>
           </p:cNvPr>
@@ -13395,7 +14624,7 @@
           <p:cNvPr id="26" name="內容版面配置區 2">
             <a:extLst>
               <a:ext uri="{FF2B5EF4-FFF2-40B4-BE49-F238E27FC236}">
-                <a16:creationId xmlns:a16="http://schemas.microsoft.com/office/drawing/2014/main" xmlns="" id="{DB7FC4C6-C26F-214E-B2D6-C9ED5E2BD195}"/>
+                <a16:creationId xmlns="" xmlns:a16="http://schemas.microsoft.com/office/drawing/2014/main" id="{DB7FC4C6-C26F-214E-B2D6-C9ED5E2BD195}"/>
               </a:ext>
             </a:extLst>
           </p:cNvPr>
@@ -13487,7 +14716,7 @@
           <p:cNvPr id="27" name="內容版面配置區 2">
             <a:extLst>
               <a:ext uri="{FF2B5EF4-FFF2-40B4-BE49-F238E27FC236}">
-                <a16:creationId xmlns:a16="http://schemas.microsoft.com/office/drawing/2014/main" xmlns="" id="{DB7FC4C6-C26F-214E-B2D6-C9ED5E2BD195}"/>
+                <a16:creationId xmlns="" xmlns:a16="http://schemas.microsoft.com/office/drawing/2014/main" id="{DB7FC4C6-C26F-214E-B2D6-C9ED5E2BD195}"/>
               </a:ext>
             </a:extLst>
           </p:cNvPr>
@@ -13579,7 +14808,7 @@
           <p:cNvPr id="28" name="內容版面配置區 2">
             <a:extLst>
               <a:ext uri="{FF2B5EF4-FFF2-40B4-BE49-F238E27FC236}">
-                <a16:creationId xmlns:a16="http://schemas.microsoft.com/office/drawing/2014/main" xmlns="" id="{DB7FC4C6-C26F-214E-B2D6-C9ED5E2BD195}"/>
+                <a16:creationId xmlns="" xmlns:a16="http://schemas.microsoft.com/office/drawing/2014/main" id="{DB7FC4C6-C26F-214E-B2D6-C9ED5E2BD195}"/>
               </a:ext>
             </a:extLst>
           </p:cNvPr>
@@ -13671,7 +14900,7 @@
           <p:cNvPr id="29" name="內容版面配置區 2">
             <a:extLst>
               <a:ext uri="{FF2B5EF4-FFF2-40B4-BE49-F238E27FC236}">
-                <a16:creationId xmlns:a16="http://schemas.microsoft.com/office/drawing/2014/main" xmlns="" id="{DB7FC4C6-C26F-214E-B2D6-C9ED5E2BD195}"/>
+                <a16:creationId xmlns="" xmlns:a16="http://schemas.microsoft.com/office/drawing/2014/main" id="{DB7FC4C6-C26F-214E-B2D6-C9ED5E2BD195}"/>
               </a:ext>
             </a:extLst>
           </p:cNvPr>
@@ -13763,7 +14992,7 @@
           <p:cNvPr id="30" name="內容版面配置區 2">
             <a:extLst>
               <a:ext uri="{FF2B5EF4-FFF2-40B4-BE49-F238E27FC236}">
-                <a16:creationId xmlns:a16="http://schemas.microsoft.com/office/drawing/2014/main" xmlns="" id="{DB7FC4C6-C26F-214E-B2D6-C9ED5E2BD195}"/>
+                <a16:creationId xmlns="" xmlns:a16="http://schemas.microsoft.com/office/drawing/2014/main" id="{DB7FC4C6-C26F-214E-B2D6-C9ED5E2BD195}"/>
               </a:ext>
             </a:extLst>
           </p:cNvPr>
@@ -13855,7 +15084,7 @@
           <p:cNvPr id="31" name="內容版面配置區 2">
             <a:extLst>
               <a:ext uri="{FF2B5EF4-FFF2-40B4-BE49-F238E27FC236}">
-                <a16:creationId xmlns:a16="http://schemas.microsoft.com/office/drawing/2014/main" xmlns="" id="{DB7FC4C6-C26F-214E-B2D6-C9ED5E2BD195}"/>
+                <a16:creationId xmlns="" xmlns:a16="http://schemas.microsoft.com/office/drawing/2014/main" id="{DB7FC4C6-C26F-214E-B2D6-C9ED5E2BD195}"/>
               </a:ext>
             </a:extLst>
           </p:cNvPr>
@@ -14119,7 +15348,7 @@
           <p:cNvPr id="22" name="文字版面配置區 2">
             <a:extLst>
               <a:ext uri="{FF2B5EF4-FFF2-40B4-BE49-F238E27FC236}">
-                <a16:creationId xmlns:a16="http://schemas.microsoft.com/office/drawing/2014/main" xmlns="" id="{1D19DA3B-2013-E14B-A941-CC519B76AD6F}"/>
+                <a16:creationId xmlns="" xmlns:a16="http://schemas.microsoft.com/office/drawing/2014/main" id="{1D19DA3B-2013-E14B-A941-CC519B76AD6F}"/>
               </a:ext>
             </a:extLst>
           </p:cNvPr>
@@ -14524,7 +15753,7 @@
           <p:cNvPr id="28" name="文字版面配置區 2">
             <a:extLst>
               <a:ext uri="{FF2B5EF4-FFF2-40B4-BE49-F238E27FC236}">
-                <a16:creationId xmlns:a16="http://schemas.microsoft.com/office/drawing/2014/main" xmlns="" id="{1D19DA3B-2013-E14B-A941-CC519B76AD6F}"/>
+                <a16:creationId xmlns="" xmlns:a16="http://schemas.microsoft.com/office/drawing/2014/main" id="{1D19DA3B-2013-E14B-A941-CC519B76AD6F}"/>
               </a:ext>
             </a:extLst>
           </p:cNvPr>
@@ -14649,7 +15878,7 @@
           <p:cNvPr id="29" name="文字版面配置區 2">
             <a:extLst>
               <a:ext uri="{FF2B5EF4-FFF2-40B4-BE49-F238E27FC236}">
-                <a16:creationId xmlns:a16="http://schemas.microsoft.com/office/drawing/2014/main" xmlns="" id="{1D19DA3B-2013-E14B-A941-CC519B76AD6F}"/>
+                <a16:creationId xmlns="" xmlns:a16="http://schemas.microsoft.com/office/drawing/2014/main" id="{1D19DA3B-2013-E14B-A941-CC519B76AD6F}"/>
               </a:ext>
             </a:extLst>
           </p:cNvPr>
@@ -14774,7 +16003,7 @@
           <p:cNvPr id="30" name="文字版面配置區 2">
             <a:extLst>
               <a:ext uri="{FF2B5EF4-FFF2-40B4-BE49-F238E27FC236}">
-                <a16:creationId xmlns:a16="http://schemas.microsoft.com/office/drawing/2014/main" xmlns="" id="{1D19DA3B-2013-E14B-A941-CC519B76AD6F}"/>
+                <a16:creationId xmlns="" xmlns:a16="http://schemas.microsoft.com/office/drawing/2014/main" id="{1D19DA3B-2013-E14B-A941-CC519B76AD6F}"/>
               </a:ext>
             </a:extLst>
           </p:cNvPr>
@@ -14899,7 +16128,7 @@
           <p:cNvPr id="31" name="文字版面配置區 2">
             <a:extLst>
               <a:ext uri="{FF2B5EF4-FFF2-40B4-BE49-F238E27FC236}">
-                <a16:creationId xmlns:a16="http://schemas.microsoft.com/office/drawing/2014/main" xmlns="" id="{1D19DA3B-2013-E14B-A941-CC519B76AD6F}"/>
+                <a16:creationId xmlns="" xmlns:a16="http://schemas.microsoft.com/office/drawing/2014/main" id="{1D19DA3B-2013-E14B-A941-CC519B76AD6F}"/>
               </a:ext>
             </a:extLst>
           </p:cNvPr>
@@ -15024,7 +16253,7 @@
           <p:cNvPr id="32" name="圖片 31">
             <a:extLst>
               <a:ext uri="{FF2B5EF4-FFF2-40B4-BE49-F238E27FC236}">
-                <a16:creationId xmlns:a16="http://schemas.microsoft.com/office/drawing/2014/main" xmlns="" id="{5E0EAD78-AEC6-AB45-A710-DD47E43CBB16}"/>
+                <a16:creationId xmlns="" xmlns:a16="http://schemas.microsoft.com/office/drawing/2014/main" id="{5E0EAD78-AEC6-AB45-A710-DD47E43CBB16}"/>
               </a:ext>
             </a:extLst>
           </p:cNvPr>
@@ -15155,7 +16384,7 @@
           <p:cNvPr id="6" name="標題 1">
             <a:extLst>
               <a:ext uri="{FF2B5EF4-FFF2-40B4-BE49-F238E27FC236}">
-                <a16:creationId xmlns:a16="http://schemas.microsoft.com/office/drawing/2014/main" xmlns="" id="{AA60FC08-DB42-1443-B1D9-594B0DFFD819}"/>
+                <a16:creationId xmlns="" xmlns:a16="http://schemas.microsoft.com/office/drawing/2014/main" id="{AA60FC08-DB42-1443-B1D9-594B0DFFD819}"/>
               </a:ext>
             </a:extLst>
           </p:cNvPr>
@@ -15337,7 +16566,7 @@
           <p:cNvPr id="29" name="圖片 28">
             <a:extLst>
               <a:ext uri="{FF2B5EF4-FFF2-40B4-BE49-F238E27FC236}">
-                <a16:creationId xmlns:a16="http://schemas.microsoft.com/office/drawing/2014/main" xmlns="" id="{5E0EAD78-AEC6-AB45-A710-DD47E43CBB16}"/>
+                <a16:creationId xmlns="" xmlns:a16="http://schemas.microsoft.com/office/drawing/2014/main" id="{5E0EAD78-AEC6-AB45-A710-DD47E43CBB16}"/>
               </a:ext>
             </a:extLst>
           </p:cNvPr>
@@ -15408,7 +16637,7 @@
           <p:cNvPr id="2" name="標題版面配置區 1">
             <a:extLst>
               <a:ext uri="{FF2B5EF4-FFF2-40B4-BE49-F238E27FC236}">
-                <a16:creationId xmlns:a16="http://schemas.microsoft.com/office/drawing/2014/main" xmlns="" id="{94C8FF7A-2620-884D-9FB3-5AB36BFB548D}"/>
+                <a16:creationId xmlns="" xmlns:a16="http://schemas.microsoft.com/office/drawing/2014/main" id="{94C8FF7A-2620-884D-9FB3-5AB36BFB548D}"/>
               </a:ext>
             </a:extLst>
           </p:cNvPr>
@@ -15446,7 +16675,7 @@
           <p:cNvPr id="3" name="文字版面配置區 2">
             <a:extLst>
               <a:ext uri="{FF2B5EF4-FFF2-40B4-BE49-F238E27FC236}">
-                <a16:creationId xmlns:a16="http://schemas.microsoft.com/office/drawing/2014/main" xmlns="" id="{53B0CFF8-A290-1148-B62C-B24910D4324A}"/>
+                <a16:creationId xmlns="" xmlns:a16="http://schemas.microsoft.com/office/drawing/2014/main" id="{53B0CFF8-A290-1148-B62C-B24910D4324A}"/>
               </a:ext>
             </a:extLst>
           </p:cNvPr>
@@ -15513,7 +16742,7 @@
           <p:cNvPr id="4" name="日期版面配置區 3">
             <a:extLst>
               <a:ext uri="{FF2B5EF4-FFF2-40B4-BE49-F238E27FC236}">
-                <a16:creationId xmlns:a16="http://schemas.microsoft.com/office/drawing/2014/main" xmlns="" id="{6A059F25-1F05-934B-A3C3-A243C45024BD}"/>
+                <a16:creationId xmlns="" xmlns:a16="http://schemas.microsoft.com/office/drawing/2014/main" id="{6A059F25-1F05-934B-A3C3-A243C45024BD}"/>
               </a:ext>
             </a:extLst>
           </p:cNvPr>
@@ -15560,7 +16789,7 @@
           <p:cNvPr id="5" name="頁尾版面配置區 4">
             <a:extLst>
               <a:ext uri="{FF2B5EF4-FFF2-40B4-BE49-F238E27FC236}">
-                <a16:creationId xmlns:a16="http://schemas.microsoft.com/office/drawing/2014/main" xmlns="" id="{96F5D358-7817-1940-9383-7E6BF6DB94C4}"/>
+                <a16:creationId xmlns="" xmlns:a16="http://schemas.microsoft.com/office/drawing/2014/main" id="{96F5D358-7817-1940-9383-7E6BF6DB94C4}"/>
               </a:ext>
             </a:extLst>
           </p:cNvPr>
@@ -15603,7 +16832,7 @@
           <p:cNvPr id="6" name="投影片編號版面配置區 5">
             <a:extLst>
               <a:ext uri="{FF2B5EF4-FFF2-40B4-BE49-F238E27FC236}">
-                <a16:creationId xmlns:a16="http://schemas.microsoft.com/office/drawing/2014/main" xmlns="" id="{42AF2059-64BB-A041-B166-4ABAE4368C85}"/>
+                <a16:creationId xmlns="" xmlns:a16="http://schemas.microsoft.com/office/drawing/2014/main" id="{42AF2059-64BB-A041-B166-4ABAE4368C85}"/>
               </a:ext>
             </a:extLst>
           </p:cNvPr>
@@ -15985,7 +17214,7 @@
           <p:cNvPr id="2" name="標題 1">
             <a:extLst>
               <a:ext uri="{FF2B5EF4-FFF2-40B4-BE49-F238E27FC236}">
-                <a16:creationId xmlns:a16="http://schemas.microsoft.com/office/drawing/2014/main" xmlns="" id="{21D1F93B-0172-6544-80FA-8E4F07C59D60}"/>
+                <a16:creationId xmlns="" xmlns:a16="http://schemas.microsoft.com/office/drawing/2014/main" id="{21D1F93B-0172-6544-80FA-8E4F07C59D60}"/>
               </a:ext>
             </a:extLst>
           </p:cNvPr>
@@ -16001,6 +17230,10 @@
           <a:bodyPr/>
           <a:lstStyle/>
           <a:p>
+            <a:r>
+              <a:rPr lang="en-US" altLang="zh-TW" dirty="0" err="1" smtClean="0"/>
+              <a:t>gRPC</a:t>
+            </a:r>
             <a:endParaRPr lang="zh-TW" altLang="en-US" dirty="0"/>
           </a:p>
         </p:txBody>
@@ -16010,7 +17243,7 @@
           <p:cNvPr id="3" name="副標題 2">
             <a:extLst>
               <a:ext uri="{FF2B5EF4-FFF2-40B4-BE49-F238E27FC236}">
-                <a16:creationId xmlns:a16="http://schemas.microsoft.com/office/drawing/2014/main" xmlns="" id="{EF107643-09F5-CF46-B8BB-0DC1151E4CD0}"/>
+                <a16:creationId xmlns="" xmlns:a16="http://schemas.microsoft.com/office/drawing/2014/main" id="{EF107643-09F5-CF46-B8BB-0DC1151E4CD0}"/>
               </a:ext>
             </a:extLst>
           </p:cNvPr>
@@ -16035,7 +17268,7 @@
           <p:cNvPr id="6" name="文字版面配置區 5">
             <a:extLst>
               <a:ext uri="{FF2B5EF4-FFF2-40B4-BE49-F238E27FC236}">
-                <a16:creationId xmlns:a16="http://schemas.microsoft.com/office/drawing/2014/main" xmlns="" id="{EC4C7251-0CC8-BC4A-A90C-9020762D8B31}"/>
+                <a16:creationId xmlns="" xmlns:a16="http://schemas.microsoft.com/office/drawing/2014/main" id="{EC4C7251-0CC8-BC4A-A90C-9020762D8B31}"/>
               </a:ext>
             </a:extLst>
           </p:cNvPr>
@@ -16055,7 +17288,11 @@
           <a:p>
             <a:r>
               <a:rPr kumimoji="1" lang="en-US" altLang="zh-TW" dirty="0" smtClean="0"/>
-              <a:t>By Beer</a:t>
+              <a:t>By </a:t>
+            </a:r>
+            <a:r>
+              <a:rPr kumimoji="1" lang="en-US" altLang="zh-TW" dirty="0" smtClean="0"/>
+              <a:t>Moon</a:t>
             </a:r>
             <a:endParaRPr kumimoji="1" lang="zh-TW" altLang="en-US" dirty="0"/>
           </a:p>
@@ -16107,8 +17344,20 @@
           <a:lstStyle/>
           <a:p>
             <a:r>
+              <a:rPr lang="en-US" altLang="zh-CN" dirty="0"/>
+              <a:t>HTTP </a:t>
+            </a:r>
+            <a:r>
               <a:rPr lang="en-US" altLang="zh-CN" dirty="0" smtClean="0"/>
-              <a:t>HTTP 2</a:t>
+              <a:t>2 </a:t>
+            </a:r>
+            <a:r>
+              <a:rPr lang="zh-CN" altLang="en-US" dirty="0" smtClean="0"/>
+              <a:t>多路複用</a:t>
+            </a:r>
+            <a:r>
+              <a:rPr lang="en-US" altLang="zh-TW" b="0" dirty="0"/>
+              <a:t>Multiplexing</a:t>
             </a:r>
             <a:endParaRPr lang="zh-TW" altLang="en-US" dirty="0"/>
           </a:p>
@@ -16133,52 +17382,140 @@
           </a:p>
         </p:txBody>
       </p:sp>
-      <p:pic>
-        <p:nvPicPr>
-          <p:cNvPr id="11" name="內容版面配置區 10"/>
-          <p:cNvPicPr>
-            <a:picLocks noGrp="1" noChangeAspect="1"/>
-          </p:cNvPicPr>
+      <p:sp>
+        <p:nvSpPr>
+          <p:cNvPr id="4" name="內容版面配置區 3"/>
+          <p:cNvSpPr>
+            <a:spLocks noGrp="1"/>
+          </p:cNvSpPr>
           <p:nvPr>
             <p:ph sz="half" idx="1"/>
           </p:nvPr>
-        </p:nvPicPr>
-        <p:blipFill>
-          <a:blip r:embed="rId2">
-            <a:extLst>
-              <a:ext uri="{28A0092B-C50C-407E-A947-70E740481C1C}">
-                <a14:useLocalDpi xmlns:a14="http://schemas.microsoft.com/office/drawing/2010/main" val="0"/>
-              </a:ext>
-            </a:extLst>
-          </a:blip>
-          <a:stretch>
-            <a:fillRect/>
-          </a:stretch>
-        </p:blipFill>
-        <p:spPr>
-          <a:xfrm>
-            <a:off x="3954876" y="1930400"/>
-            <a:ext cx="4282248" cy="4246563"/>
-          </a:xfrm>
-        </p:spPr>
-      </p:pic>
+        </p:nvSpPr>
+        <p:spPr/>
+        <p:txBody>
+          <a:bodyPr/>
+          <a:lstStyle/>
+          <a:p>
+            <a:r>
+              <a:rPr lang="en-US" altLang="zh-CN" dirty="0"/>
+              <a:t>HTTP/2</a:t>
+            </a:r>
+            <a:r>
+              <a:rPr lang="zh-CN" altLang="en-US" dirty="0"/>
+              <a:t>的多路复用就是为了解决上述的两个性能问题。</a:t>
+            </a:r>
+            <a:r>
+              <a:rPr lang="zh-CN" altLang="en-US" dirty="0"/>
+              <a:t/>
+            </a:r>
+            <a:br>
+              <a:rPr lang="zh-CN" altLang="en-US" dirty="0"/>
+            </a:br>
+            <a:r>
+              <a:rPr lang="zh-CN" altLang="en-US" dirty="0"/>
+              <a:t>在 </a:t>
+            </a:r>
+            <a:r>
+              <a:rPr lang="en-US" altLang="zh-CN" dirty="0"/>
+              <a:t>HTTP/2 </a:t>
+            </a:r>
+            <a:r>
+              <a:rPr lang="zh-CN" altLang="en-US" dirty="0"/>
+              <a:t>中，有两个非常重要的概念，分别是帧（</a:t>
+            </a:r>
+            <a:r>
+              <a:rPr lang="en-US" altLang="zh-CN" dirty="0"/>
+              <a:t>frame</a:t>
+            </a:r>
+            <a:r>
+              <a:rPr lang="zh-CN" altLang="en-US" dirty="0"/>
+              <a:t>）和流（</a:t>
+            </a:r>
+            <a:r>
+              <a:rPr lang="en-US" altLang="zh-CN" dirty="0"/>
+              <a:t>stream</a:t>
+            </a:r>
+            <a:r>
+              <a:rPr lang="zh-CN" altLang="en-US" dirty="0"/>
+              <a:t>）。</a:t>
+            </a:r>
+            <a:r>
+              <a:rPr lang="zh-CN" altLang="en-US" dirty="0"/>
+              <a:t/>
+            </a:r>
+            <a:br>
+              <a:rPr lang="zh-CN" altLang="en-US" dirty="0"/>
+            </a:br>
+            <a:r>
+              <a:rPr lang="zh-CN" altLang="en-US" dirty="0"/>
+              <a:t>帧代表着最小的数据单位，每个帧会标识出该帧属于哪个流，流也就是多个帧组成的数据流。</a:t>
+            </a:r>
+            <a:r>
+              <a:rPr lang="zh-CN" altLang="en-US" dirty="0"/>
+              <a:t/>
+            </a:r>
+            <a:br>
+              <a:rPr lang="zh-CN" altLang="en-US" dirty="0"/>
+            </a:br>
+            <a:r>
+              <a:rPr lang="zh-CN" altLang="en-US" dirty="0">
+                <a:solidFill>
+                  <a:srgbClr val="FF0000"/>
+                </a:solidFill>
+              </a:rPr>
+              <a:t>多路复用，就是在一个 </a:t>
+            </a:r>
+            <a:r>
+              <a:rPr lang="en-US" altLang="zh-CN" dirty="0">
+                <a:solidFill>
+                  <a:srgbClr val="FF0000"/>
+                </a:solidFill>
+              </a:rPr>
+              <a:t>TCP </a:t>
+            </a:r>
+            <a:r>
+              <a:rPr lang="zh-CN" altLang="en-US" dirty="0">
+                <a:solidFill>
+                  <a:srgbClr val="FF0000"/>
+                </a:solidFill>
+              </a:rPr>
+              <a:t>连接中可以存在多条流。换句话说，也就是可以发送多个请求，对端可以通过帧中的标识知道属于哪个请求。通过这个技术，可以避免 </a:t>
+            </a:r>
+            <a:r>
+              <a:rPr lang="en-US" altLang="zh-CN" dirty="0">
+                <a:solidFill>
+                  <a:srgbClr val="FF0000"/>
+                </a:solidFill>
+              </a:rPr>
+              <a:t>HTTP </a:t>
+            </a:r>
+            <a:r>
+              <a:rPr lang="zh-CN" altLang="en-US" dirty="0">
+                <a:solidFill>
+                  <a:srgbClr val="FF0000"/>
+                </a:solidFill>
+              </a:rPr>
+              <a:t>旧版本中的队头阻塞问题，极大的提高传输性能</a:t>
+            </a:r>
+            <a:endParaRPr lang="zh-TW" altLang="en-US" dirty="0">
+              <a:solidFill>
+                <a:srgbClr val="FF0000"/>
+              </a:solidFill>
+            </a:endParaRPr>
+          </a:p>
+        </p:txBody>
+      </p:sp>
     </p:spTree>
     <p:extLst>
       <p:ext uri="{BB962C8B-B14F-4D97-AF65-F5344CB8AC3E}">
-        <p14:creationId xmlns:p14="http://schemas.microsoft.com/office/powerpoint/2010/main" val="119342559"/>
+        <p14:creationId xmlns:p14="http://schemas.microsoft.com/office/powerpoint/2010/main" val="1693857759"/>
       </p:ext>
     </p:extLst>
   </p:cSld>
   <p:clrMapOvr>
     <a:masterClrMapping/>
   </p:clrMapOvr>
-  <p:timing>
-    <p:tnLst>
-      <p:par>
-        <p:cTn id="1" dur="indefinite" restart="never" nodeType="tmRoot"/>
-      </p:par>
-    </p:tnLst>
-  </p:timing>
 </p:sld>
 </file>
 
@@ -16215,114 +17552,6 @@
           <a:lstStyle/>
           <a:p>
             <a:r>
-              <a:rPr lang="en-US" altLang="zh-CN" dirty="0" smtClean="0"/>
-              <a:t>HTTP 2</a:t>
-            </a:r>
-            <a:endParaRPr lang="zh-TW" altLang="en-US" dirty="0"/>
-          </a:p>
-        </p:txBody>
-      </p:sp>
-      <p:sp>
-        <p:nvSpPr>
-          <p:cNvPr id="3" name="內容版面配置區 2"/>
-          <p:cNvSpPr>
-            <a:spLocks noGrp="1"/>
-          </p:cNvSpPr>
-          <p:nvPr>
-            <p:ph sz="quarter" idx="13"/>
-          </p:nvPr>
-        </p:nvSpPr>
-        <p:spPr/>
-        <p:txBody>
-          <a:bodyPr/>
-          <a:lstStyle/>
-          <a:p>
-            <a:endParaRPr lang="zh-TW" altLang="en-US"/>
-          </a:p>
-        </p:txBody>
-      </p:sp>
-      <p:pic>
-        <p:nvPicPr>
-          <p:cNvPr id="5" name="內容版面配置區 4"/>
-          <p:cNvPicPr>
-            <a:picLocks noGrp="1" noChangeAspect="1"/>
-          </p:cNvPicPr>
-          <p:nvPr>
-            <p:ph sz="half" idx="1"/>
-          </p:nvPr>
-        </p:nvPicPr>
-        <p:blipFill>
-          <a:blip r:embed="rId2">
-            <a:extLst>
-              <a:ext uri="{28A0092B-C50C-407E-A947-70E740481C1C}">
-                <a14:useLocalDpi xmlns:a14="http://schemas.microsoft.com/office/drawing/2010/main" val="0"/>
-              </a:ext>
-            </a:extLst>
-          </a:blip>
-          <a:stretch>
-            <a:fillRect/>
-          </a:stretch>
-        </p:blipFill>
-        <p:spPr>
-          <a:xfrm>
-            <a:off x="2429661" y="1930400"/>
-            <a:ext cx="7332678" cy="4246563"/>
-          </a:xfrm>
-        </p:spPr>
-      </p:pic>
-    </p:spTree>
-    <p:extLst>
-      <p:ext uri="{BB962C8B-B14F-4D97-AF65-F5344CB8AC3E}">
-        <p14:creationId xmlns:p14="http://schemas.microsoft.com/office/powerpoint/2010/main" val="3075738469"/>
-      </p:ext>
-    </p:extLst>
-  </p:cSld>
-  <p:clrMapOvr>
-    <a:masterClrMapping/>
-  </p:clrMapOvr>
-  <p:timing>
-    <p:tnLst>
-      <p:par>
-        <p:cTn id="1" dur="indefinite" restart="never" nodeType="tmRoot"/>
-      </p:par>
-    </p:tnLst>
-  </p:timing>
-</p:sld>
-</file>
-
-<file path=ppt/slides/slide12.xml><?xml version="1.0" encoding="utf-8"?>
-<p:sld xmlns:a="http://schemas.openxmlformats.org/drawingml/2006/main" xmlns:r="http://schemas.openxmlformats.org/officeDocument/2006/relationships" xmlns:p="http://schemas.openxmlformats.org/presentationml/2006/main">
-  <p:cSld>
-    <p:spTree>
-      <p:nvGrpSpPr>
-        <p:cNvPr id="1" name=""/>
-        <p:cNvGrpSpPr/>
-        <p:nvPr/>
-      </p:nvGrpSpPr>
-      <p:grpSpPr>
-        <a:xfrm>
-          <a:off x="0" y="0"/>
-          <a:ext cx="0" cy="0"/>
-          <a:chOff x="0" y="0"/>
-          <a:chExt cx="0" cy="0"/>
-        </a:xfrm>
-      </p:grpSpPr>
-      <p:sp>
-        <p:nvSpPr>
-          <p:cNvPr id="2" name="標題 1"/>
-          <p:cNvSpPr>
-            <a:spLocks noGrp="1"/>
-          </p:cNvSpPr>
-          <p:nvPr>
-            <p:ph type="title"/>
-          </p:nvPr>
-        </p:nvSpPr>
-        <p:spPr/>
-        <p:txBody>
-          <a:bodyPr/>
-          <a:lstStyle/>
-          <a:p>
-            <a:r>
               <a:rPr lang="en-US" altLang="zh-TW" dirty="0" err="1" smtClean="0"/>
               <a:t>gRPC</a:t>
             </a:r>
@@ -16580,7 +17809,7 @@
 </p:sld>
 </file>
 
-<file path=ppt/slides/slide13.xml><?xml version="1.0" encoding="utf-8"?>
+<file path=ppt/slides/slide12.xml><?xml version="1.0" encoding="utf-8"?>
 <p:sld xmlns:a="http://schemas.openxmlformats.org/drawingml/2006/main" xmlns:r="http://schemas.openxmlformats.org/officeDocument/2006/relationships" xmlns:p="http://schemas.openxmlformats.org/presentationml/2006/main">
   <p:cSld>
     <p:spTree>
@@ -16826,6 +18055,265 @@
 </p:sld>
 </file>
 
+<file path=ppt/slides/slide13.xml><?xml version="1.0" encoding="utf-8"?>
+<p:sld xmlns:a="http://schemas.openxmlformats.org/drawingml/2006/main" xmlns:r="http://schemas.openxmlformats.org/officeDocument/2006/relationships" xmlns:p="http://schemas.openxmlformats.org/presentationml/2006/main">
+  <p:cSld>
+    <p:spTree>
+      <p:nvGrpSpPr>
+        <p:cNvPr id="1" name=""/>
+        <p:cNvGrpSpPr/>
+        <p:nvPr/>
+      </p:nvGrpSpPr>
+      <p:grpSpPr>
+        <a:xfrm>
+          <a:off x="0" y="0"/>
+          <a:ext cx="0" cy="0"/>
+          <a:chOff x="0" y="0"/>
+          <a:chExt cx="0" cy="0"/>
+        </a:xfrm>
+      </p:grpSpPr>
+      <p:sp>
+        <p:nvSpPr>
+          <p:cNvPr id="2" name="標題 1"/>
+          <p:cNvSpPr>
+            <a:spLocks noGrp="1"/>
+          </p:cNvSpPr>
+          <p:nvPr>
+            <p:ph type="title"/>
+          </p:nvPr>
+        </p:nvSpPr>
+        <p:spPr/>
+        <p:txBody>
+          <a:bodyPr/>
+          <a:lstStyle/>
+          <a:p>
+            <a:r>
+              <a:rPr lang="en-US" altLang="zh-CN" dirty="0" err="1" smtClean="0"/>
+              <a:t>gRPC</a:t>
+            </a:r>
+            <a:r>
+              <a:rPr lang="en-US" altLang="zh-CN" dirty="0" smtClean="0"/>
+              <a:t> 4</a:t>
+            </a:r>
+            <a:r>
+              <a:rPr lang="zh-CN" altLang="en-US" dirty="0" smtClean="0"/>
+              <a:t>種調用 </a:t>
+            </a:r>
+            <a:r>
+              <a:rPr lang="en-US" altLang="zh-CN" dirty="0" smtClean="0"/>
+              <a:t>function</a:t>
+            </a:r>
+            <a:endParaRPr lang="zh-TW" altLang="en-US" dirty="0"/>
+          </a:p>
+        </p:txBody>
+      </p:sp>
+      <p:sp>
+        <p:nvSpPr>
+          <p:cNvPr id="3" name="內容版面配置區 2"/>
+          <p:cNvSpPr>
+            <a:spLocks noGrp="1"/>
+          </p:cNvSpPr>
+          <p:nvPr>
+            <p:ph sz="quarter" idx="13"/>
+          </p:nvPr>
+        </p:nvSpPr>
+        <p:spPr/>
+        <p:txBody>
+          <a:bodyPr/>
+          <a:lstStyle/>
+          <a:p>
+            <a:endParaRPr lang="zh-TW" altLang="en-US" dirty="0"/>
+          </a:p>
+        </p:txBody>
+      </p:sp>
+      <p:sp>
+        <p:nvSpPr>
+          <p:cNvPr id="4" name="內容版面配置區 3"/>
+          <p:cNvSpPr>
+            <a:spLocks noGrp="1"/>
+          </p:cNvSpPr>
+          <p:nvPr>
+            <p:ph sz="half" idx="1"/>
+          </p:nvPr>
+        </p:nvSpPr>
+        <p:spPr/>
+        <p:txBody>
+          <a:bodyPr/>
+          <a:lstStyle/>
+          <a:p>
+            <a:pPr marL="514350" indent="-514350">
+              <a:buFont typeface="+mj-lt"/>
+              <a:buAutoNum type="arabicPeriod"/>
+            </a:pPr>
+            <a:r>
+              <a:rPr lang="zh-CN" altLang="en-US" dirty="0" smtClean="0"/>
+              <a:t>普通調用：</a:t>
+            </a:r>
+            <a:r>
+              <a:rPr lang="en-US" altLang="zh-CN" sz="2400" b="0" dirty="0" smtClean="0"/>
+              <a:t>Client</a:t>
+            </a:r>
+            <a:r>
+              <a:rPr lang="zh-CN" altLang="en-US" sz="2400" b="0" dirty="0" smtClean="0"/>
+              <a:t>端</a:t>
+            </a:r>
+            <a:r>
+              <a:rPr lang="en-US" altLang="zh-CN" sz="2400" b="0" dirty="0" smtClean="0"/>
+              <a:t>call</a:t>
+            </a:r>
+            <a:r>
+              <a:rPr lang="zh-CN" altLang="en-US" sz="2400" b="0" dirty="0" smtClean="0"/>
+              <a:t>一次，</a:t>
+            </a:r>
+            <a:r>
+              <a:rPr lang="en-US" altLang="zh-CN" sz="2400" b="0" dirty="0" smtClean="0"/>
+              <a:t>Server</a:t>
+            </a:r>
+            <a:r>
+              <a:rPr lang="zh-CN" altLang="en-US" sz="2400" b="0" dirty="0" smtClean="0"/>
+              <a:t>端回傳一次</a:t>
+            </a:r>
+            <a:endParaRPr lang="en-US" altLang="zh-CN" sz="2400" b="0" dirty="0" smtClean="0"/>
+          </a:p>
+          <a:p>
+            <a:pPr marL="514350" indent="-514350">
+              <a:buFont typeface="+mj-lt"/>
+              <a:buAutoNum type="arabicPeriod"/>
+            </a:pPr>
+            <a:r>
+              <a:rPr lang="en-US" altLang="zh-TW" dirty="0" smtClean="0"/>
+              <a:t>Server-side Streaming</a:t>
+            </a:r>
+            <a:r>
+              <a:rPr lang="en-US" altLang="zh-TW" b="0" dirty="0" smtClean="0"/>
+              <a:t>:</a:t>
+            </a:r>
+            <a:r>
+              <a:rPr lang="en-US" altLang="zh-CN" dirty="0"/>
+              <a:t> </a:t>
+            </a:r>
+            <a:r>
+              <a:rPr lang="en-US" altLang="zh-CN" sz="2400" b="0" dirty="0" smtClean="0"/>
+              <a:t>Client</a:t>
+            </a:r>
+            <a:r>
+              <a:rPr lang="zh-CN" altLang="en-US" sz="2400" b="0" dirty="0" smtClean="0"/>
+              <a:t>端</a:t>
+            </a:r>
+            <a:r>
+              <a:rPr lang="en-US" altLang="zh-CN" sz="2400" b="0" dirty="0" smtClean="0"/>
+              <a:t>call</a:t>
+            </a:r>
+            <a:r>
+              <a:rPr lang="zh-CN" altLang="en-US" sz="2400" b="0" dirty="0" smtClean="0"/>
+              <a:t>一次，</a:t>
+            </a:r>
+            <a:r>
+              <a:rPr lang="en-US" altLang="zh-CN" sz="2400" b="0" dirty="0" smtClean="0"/>
+              <a:t>Server</a:t>
+            </a:r>
+            <a:r>
+              <a:rPr lang="zh-CN" altLang="en-US" sz="2400" b="0" dirty="0" smtClean="0"/>
+              <a:t>端連續回傳。</a:t>
+            </a:r>
+            <a:endParaRPr lang="en-US" altLang="zh-CN" b="0" dirty="0" smtClean="0"/>
+          </a:p>
+          <a:p>
+            <a:pPr marL="514350" indent="-514350">
+              <a:buFont typeface="+mj-lt"/>
+              <a:buAutoNum type="arabicPeriod"/>
+            </a:pPr>
+            <a:r>
+              <a:rPr lang="en-US" altLang="zh-TW" dirty="0" smtClean="0"/>
+              <a:t>Client-side Streaming: </a:t>
+            </a:r>
+            <a:r>
+              <a:rPr lang="en-US" altLang="zh-CN" sz="2400" b="0" dirty="0" smtClean="0"/>
+              <a:t>Client</a:t>
+            </a:r>
+            <a:r>
+              <a:rPr lang="zh-CN" altLang="en-US" sz="2400" b="0" dirty="0" smtClean="0"/>
+              <a:t>連續</a:t>
+            </a:r>
+            <a:r>
+              <a:rPr lang="en-US" altLang="zh-CN" sz="2400" b="0" dirty="0" smtClean="0"/>
+              <a:t>call</a:t>
+            </a:r>
+            <a:r>
+              <a:rPr lang="zh-CN" altLang="en-US" sz="2400" b="0" dirty="0"/>
+              <a:t> </a:t>
+            </a:r>
+            <a:r>
+              <a:rPr lang="en-US" altLang="zh-CN" sz="2400" b="0" dirty="0" smtClean="0"/>
+              <a:t>function</a:t>
+            </a:r>
+            <a:r>
+              <a:rPr lang="zh-CN" altLang="en-US" sz="2400" b="0" dirty="0" smtClean="0"/>
+              <a:t>，結束後一次過傳送，</a:t>
+            </a:r>
+            <a:r>
+              <a:rPr lang="en-US" altLang="zh-CN" sz="2400" b="0" dirty="0" smtClean="0"/>
+              <a:t>Server</a:t>
+            </a:r>
+            <a:r>
+              <a:rPr lang="zh-CN" altLang="en-US" sz="2400" b="0" dirty="0" smtClean="0"/>
+              <a:t>端回傳一次</a:t>
+            </a:r>
+            <a:endParaRPr lang="en-US" altLang="zh-CN" sz="2400" b="0" dirty="0" smtClean="0"/>
+          </a:p>
+          <a:p>
+            <a:pPr marL="514350" indent="-514350">
+              <a:buFont typeface="+mj-lt"/>
+              <a:buAutoNum type="arabicPeriod"/>
+            </a:pPr>
+            <a:r>
+              <a:rPr lang="en-US" altLang="zh-CN" dirty="0" smtClean="0"/>
+              <a:t>Bidirectional Streaming: </a:t>
+            </a:r>
+            <a:r>
+              <a:rPr lang="en-US" altLang="zh-CN" sz="2400" b="0" dirty="0" smtClean="0"/>
+              <a:t>Client</a:t>
+            </a:r>
+            <a:r>
+              <a:rPr lang="zh-CN" altLang="en-US" sz="2400" b="0" dirty="0" smtClean="0"/>
+              <a:t>與</a:t>
+            </a:r>
+            <a:r>
+              <a:rPr lang="en-US" altLang="zh-CN" sz="2400" b="0" dirty="0" smtClean="0"/>
+              <a:t>Server</a:t>
+            </a:r>
+            <a:r>
+              <a:rPr lang="zh-CN" altLang="en-US" sz="2400" b="0" dirty="0" smtClean="0"/>
+              <a:t>端互相連續傳值</a:t>
+            </a:r>
+            <a:r>
+              <a:rPr lang="zh-CN" altLang="en-US" dirty="0" smtClean="0"/>
+              <a:t>。</a:t>
+            </a:r>
+            <a:endParaRPr lang="zh-TW" altLang="en-US" dirty="0"/>
+          </a:p>
+        </p:txBody>
+      </p:sp>
+    </p:spTree>
+    <p:extLst>
+      <p:ext uri="{BB962C8B-B14F-4D97-AF65-F5344CB8AC3E}">
+        <p14:creationId xmlns:p14="http://schemas.microsoft.com/office/powerpoint/2010/main" val="1360319046"/>
+      </p:ext>
+    </p:extLst>
+  </p:cSld>
+  <p:clrMapOvr>
+    <a:masterClrMapping/>
+  </p:clrMapOvr>
+  <p:timing>
+    <p:tnLst>
+      <p:par>
+        <p:cTn id="1" dur="indefinite" restart="never" nodeType="tmRoot"/>
+      </p:par>
+    </p:tnLst>
+  </p:timing>
+</p:sld>
+</file>
+
 <file path=ppt/slides/slide14.xml><?xml version="1.0" encoding="utf-8"?>
 <p:sld xmlns:a="http://schemas.openxmlformats.org/drawingml/2006/main" xmlns:r="http://schemas.openxmlformats.org/officeDocument/2006/relationships" xmlns:p="http://schemas.openxmlformats.org/presentationml/2006/main">
   <p:cSld>
@@ -16864,15 +18352,11 @@
             </a:r>
             <a:r>
               <a:rPr lang="en-US" altLang="zh-CN" dirty="0" smtClean="0"/>
-              <a:t> 4</a:t>
+              <a:t> </a:t>
             </a:r>
             <a:r>
               <a:rPr lang="zh-CN" altLang="en-US" dirty="0" smtClean="0"/>
-              <a:t>種調用 </a:t>
-            </a:r>
-            <a:r>
-              <a:rPr lang="en-US" altLang="zh-CN" dirty="0" smtClean="0"/>
-              <a:t>function</a:t>
+              <a:t>開發步驟</a:t>
             </a:r>
             <a:endParaRPr lang="zh-TW" altLang="en-US" dirty="0"/>
           </a:p>
@@ -16893,7 +18377,7 @@
           <a:bodyPr/>
           <a:lstStyle/>
           <a:p>
-            <a:endParaRPr lang="zh-TW" altLang="en-US" dirty="0"/>
+            <a:endParaRPr lang="zh-TW" altLang="en-US"/>
           </a:p>
         </p:txBody>
       </p:sp>
@@ -16912,91 +18396,142 @@
           <a:bodyPr/>
           <a:lstStyle/>
           <a:p>
-            <a:pPr marL="514350" indent="-514350">
+            <a:pPr marL="457200" indent="-457200">
               <a:buFont typeface="+mj-lt"/>
               <a:buAutoNum type="arabicPeriod"/>
             </a:pPr>
             <a:r>
-              <a:rPr lang="zh-CN" altLang="en-US" dirty="0" smtClean="0"/>
-              <a:t>普通調用：</a:t>
-            </a:r>
-            <a:r>
-              <a:rPr lang="en-US" altLang="zh-CN" sz="2400" b="0" dirty="0" smtClean="0"/>
-              <a:t>Client</a:t>
+              <a:rPr lang="zh-CN" altLang="en-US" sz="2400" dirty="0" smtClean="0"/>
+              <a:t>使用</a:t>
+            </a:r>
+            <a:r>
+              <a:rPr lang="en-US" altLang="zh-TW" sz="2400" dirty="0" err="1" smtClean="0"/>
+              <a:t>protobuf</a:t>
+            </a:r>
+            <a:r>
+              <a:rPr lang="zh-CN" altLang="en-US" sz="2400" dirty="0" smtClean="0"/>
+              <a:t>定義接口</a:t>
+            </a:r>
+            <a:r>
+              <a:rPr lang="zh-TW" altLang="en-US" sz="2400" b="0" dirty="0" smtClean="0"/>
+              <a:t>，</a:t>
             </a:r>
             <a:r>
               <a:rPr lang="zh-CN" altLang="en-US" sz="2400" b="0" dirty="0" smtClean="0"/>
-              <a:t>端</a:t>
-            </a:r>
-            <a:r>
-              <a:rPr lang="en-US" altLang="zh-CN" sz="2400" b="0" dirty="0" smtClean="0"/>
-              <a:t>call</a:t>
+              <a:t>即</a:t>
+            </a:r>
+            <a:r>
+              <a:rPr lang="en-US" altLang="zh-TW" sz="2400" b="0" dirty="0" smtClean="0"/>
+              <a:t>.proto</a:t>
             </a:r>
             <a:r>
               <a:rPr lang="zh-CN" altLang="en-US" sz="2400" b="0" dirty="0" smtClean="0"/>
-              <a:t>一次，</a:t>
-            </a:r>
-            <a:r>
-              <a:rPr lang="en-US" altLang="zh-CN" sz="2400" b="0" dirty="0" smtClean="0"/>
-              <a:t>Server</a:t>
-            </a:r>
-            <a:r>
-              <a:rPr lang="zh-CN" altLang="en-US" sz="2400" b="0" dirty="0" smtClean="0"/>
-              <a:t>端回傳一次</a:t>
-            </a:r>
-            <a:endParaRPr lang="en-US" altLang="zh-CN" sz="2400" b="0" dirty="0" smtClean="0"/>
-          </a:p>
-          <a:p>
-            <a:pPr marL="514350" indent="-514350">
+              <a:t>文件。</a:t>
+            </a:r>
+            <a:endParaRPr lang="zh-TW" altLang="en-US" sz="2400" b="0" dirty="0"/>
+          </a:p>
+          <a:p>
+            <a:pPr marL="457200" indent="-457200">
               <a:buFont typeface="+mj-lt"/>
               <a:buAutoNum type="arabicPeriod"/>
             </a:pPr>
             <a:r>
-              <a:rPr lang="en-US" altLang="zh-TW" dirty="0" smtClean="0"/>
-              <a:t>Server-side Streaming</a:t>
-            </a:r>
-            <a:r>
-              <a:rPr lang="en-US" altLang="zh-TW" b="0" dirty="0" smtClean="0"/>
-              <a:t>:</a:t>
-            </a:r>
-            <a:r>
-              <a:rPr lang="en-US" altLang="zh-CN" dirty="0"/>
-              <a:t> </a:t>
-            </a:r>
-            <a:r>
-              <a:rPr lang="en-US" altLang="zh-CN" sz="2400" b="0" dirty="0" smtClean="0"/>
-              <a:t>Client</a:t>
+              <a:rPr lang="zh-CN" altLang="en-US" sz="2400" dirty="0" smtClean="0"/>
+              <a:t>使用</a:t>
+            </a:r>
+            <a:r>
+              <a:rPr lang="en-US" altLang="zh-TW" sz="2400" dirty="0" smtClean="0"/>
+              <a:t>compile</a:t>
+            </a:r>
+            <a:r>
+              <a:rPr lang="zh-CN" altLang="en-US" sz="2400" dirty="0" smtClean="0"/>
+              <a:t>工具生成特定語言的執行代碼</a:t>
+            </a:r>
+            <a:r>
+              <a:rPr lang="zh-TW" altLang="en-US" sz="2400" b="0" dirty="0" smtClean="0"/>
+              <a:t>，</a:t>
             </a:r>
             <a:r>
               <a:rPr lang="zh-CN" altLang="en-US" sz="2400" b="0" dirty="0" smtClean="0"/>
-              <a:t>端</a:t>
-            </a:r>
-            <a:r>
-              <a:rPr lang="en-US" altLang="zh-CN" sz="2400" b="0" dirty="0" smtClean="0"/>
-              <a:t>call</a:t>
-            </a:r>
-            <a:r>
-              <a:rPr lang="zh-CN" altLang="en-US" sz="2400" b="0" dirty="0" smtClean="0"/>
-              <a:t>一次，</a:t>
-            </a:r>
-            <a:r>
-              <a:rPr lang="en-US" altLang="zh-CN" sz="2400" b="0" dirty="0" smtClean="0"/>
-              <a:t>Server</a:t>
-            </a:r>
-            <a:r>
-              <a:rPr lang="zh-CN" altLang="en-US" sz="2400" b="0" dirty="0" smtClean="0"/>
-              <a:t>端連續回傳。</a:t>
-            </a:r>
-            <a:endParaRPr lang="en-US" altLang="zh-CN" b="0" dirty="0" smtClean="0"/>
-          </a:p>
-          <a:p>
-            <a:pPr marL="514350" indent="-514350">
+              <a:t>比如</a:t>
+            </a:r>
+            <a:r>
+              <a:rPr lang="en-US" altLang="zh-TW" sz="2400" b="0" dirty="0" smtClean="0"/>
+              <a:t>JAVA</a:t>
+            </a:r>
+            <a:r>
+              <a:rPr lang="zh-TW" altLang="en-US" sz="2400" b="0" dirty="0"/>
+              <a:t>、</a:t>
+            </a:r>
+            <a:r>
+              <a:rPr lang="en-US" altLang="zh-TW" sz="2400" b="0" dirty="0"/>
+              <a:t>C/C++</a:t>
+            </a:r>
+            <a:r>
+              <a:rPr lang="zh-TW" altLang="en-US" sz="2400" b="0" dirty="0"/>
+              <a:t>、</a:t>
+            </a:r>
+            <a:r>
+              <a:rPr lang="en-US" altLang="zh-TW" sz="2400" b="0" dirty="0"/>
+              <a:t>Python</a:t>
+            </a:r>
+            <a:r>
+              <a:rPr lang="zh-TW" altLang="en-US" sz="2400" b="0" dirty="0"/>
+              <a:t>等</a:t>
+            </a:r>
+            <a:r>
+              <a:rPr lang="zh-TW" altLang="en-US" sz="2400" b="0" dirty="0" smtClean="0"/>
+              <a:t>。解</a:t>
+            </a:r>
+            <a:r>
+              <a:rPr lang="zh-TW" altLang="en-US" sz="2400" b="0" dirty="0"/>
+              <a:t>决跨语言问题。</a:t>
+            </a:r>
+          </a:p>
+          <a:p>
+            <a:pPr marL="457200" indent="-457200">
               <a:buFont typeface="+mj-lt"/>
               <a:buAutoNum type="arabicPeriod"/>
             </a:pPr>
             <a:r>
-              <a:rPr lang="en-US" altLang="zh-TW" dirty="0" smtClean="0"/>
-              <a:t>Client-side Streaming: </a:t>
+              <a:rPr lang="zh-CN" altLang="en-US" sz="2400" dirty="0" smtClean="0"/>
+              <a:t>啟動一個</a:t>
+            </a:r>
+            <a:r>
+              <a:rPr lang="en-US" altLang="zh-TW" sz="2400" dirty="0" smtClean="0"/>
+              <a:t>Server</a:t>
+            </a:r>
+            <a:r>
+              <a:rPr lang="zh-CN" altLang="en-US" sz="2400" dirty="0" smtClean="0"/>
+              <a:t>端</a:t>
+            </a:r>
+            <a:r>
+              <a:rPr lang="zh-CN" altLang="en-US" sz="2400" b="0" dirty="0" smtClean="0"/>
+              <a:t> </a:t>
+            </a:r>
+            <a:r>
+              <a:rPr lang="zh-TW" altLang="en-US" sz="2400" b="0" dirty="0" smtClean="0"/>
+              <a:t>，</a:t>
+            </a:r>
+            <a:r>
+              <a:rPr lang="en-US" altLang="zh-TW" sz="2400" b="0" dirty="0" smtClean="0"/>
+              <a:t>server</a:t>
+            </a:r>
+            <a:r>
+              <a:rPr lang="zh-CN" altLang="en-US" sz="2400" b="0" dirty="0" smtClean="0"/>
+              <a:t>端通過監聽指定的</a:t>
+            </a:r>
+            <a:r>
+              <a:rPr lang="en-US" altLang="zh-CN" sz="2400" b="0" dirty="0" smtClean="0"/>
+              <a:t>port</a:t>
+            </a:r>
+            <a:r>
+              <a:rPr lang="zh-TW" altLang="en-US" sz="2400" b="0" dirty="0" smtClean="0"/>
+              <a:t>，</a:t>
+            </a:r>
+            <a:r>
+              <a:rPr lang="zh-CN" altLang="en-US" sz="2400" b="0" dirty="0" smtClean="0"/>
+              <a:t>來等待</a:t>
             </a:r>
             <a:r>
               <a:rPr lang="en-US" altLang="zh-CN" sz="2400" b="0" dirty="0" smtClean="0"/>
@@ -17004,42 +18539,70 @@
             </a:r>
             <a:r>
               <a:rPr lang="zh-CN" altLang="en-US" sz="2400" b="0" dirty="0" smtClean="0"/>
-              <a:t>連續</a:t>
-            </a:r>
-            <a:r>
-              <a:rPr lang="en-US" altLang="zh-CN" sz="2400" b="0" dirty="0" smtClean="0"/>
-              <a:t>call</a:t>
-            </a:r>
-            <a:r>
-              <a:rPr lang="zh-CN" altLang="en-US" sz="2400" b="0" dirty="0"/>
-              <a:t> </a:t>
-            </a:r>
-            <a:r>
-              <a:rPr lang="en-US" altLang="zh-CN" sz="2400" b="0" dirty="0" smtClean="0"/>
-              <a:t>function</a:t>
+              <a:t>端的鏈接請求</a:t>
+            </a:r>
+            <a:r>
+              <a:rPr lang="zh-TW" altLang="en-US" sz="2400" b="0" dirty="0" smtClean="0"/>
+              <a:t>，</a:t>
             </a:r>
             <a:r>
               <a:rPr lang="zh-CN" altLang="en-US" sz="2400" b="0" dirty="0" smtClean="0"/>
-              <a:t>，結束後一次過傳送，</a:t>
-            </a:r>
-            <a:r>
-              <a:rPr lang="en-US" altLang="zh-CN" sz="2400" b="0" dirty="0" smtClean="0"/>
-              <a:t>Server</a:t>
+              <a:t>通常使用</a:t>
+            </a:r>
+            <a:r>
+              <a:rPr lang="en-US" altLang="zh-CN" sz="2400" b="0" dirty="0" err="1" smtClean="0"/>
+              <a:t>Netty</a:t>
             </a:r>
             <a:r>
               <a:rPr lang="zh-CN" altLang="en-US" sz="2400" b="0" dirty="0" smtClean="0"/>
-              <a:t>端回傳一次</a:t>
-            </a:r>
-            <a:endParaRPr lang="en-US" altLang="zh-CN" sz="2400" b="0" dirty="0" smtClean="0"/>
-          </a:p>
-          <a:p>
-            <a:pPr marL="514350" indent="-514350">
+              <a:t>來構建</a:t>
+            </a:r>
+            <a:r>
+              <a:rPr lang="zh-TW" altLang="en-US" sz="2400" b="0" dirty="0" smtClean="0"/>
+              <a:t>，</a:t>
+            </a:r>
+            <a:r>
+              <a:rPr lang="en-US" altLang="zh-TW" sz="2400" b="0" dirty="0" smtClean="0"/>
+              <a:t>GRPC</a:t>
+            </a:r>
+            <a:r>
+              <a:rPr lang="zh-CN" altLang="en-US" sz="2400" b="0" dirty="0" smtClean="0"/>
+              <a:t>內置了</a:t>
+            </a:r>
+            <a:r>
+              <a:rPr lang="en-US" altLang="zh-TW" sz="2400" b="0" dirty="0" err="1" smtClean="0"/>
+              <a:t>Netty</a:t>
+            </a:r>
+            <a:r>
+              <a:rPr lang="zh-CN" altLang="en-US" sz="2400" b="0" dirty="0" smtClean="0"/>
+              <a:t>的支持</a:t>
+            </a:r>
+            <a:r>
+              <a:rPr lang="zh-TW" altLang="en-US" sz="2400" b="0" dirty="0" smtClean="0"/>
+              <a:t>。</a:t>
+            </a:r>
+            <a:endParaRPr lang="zh-TW" altLang="en-US" sz="2400" b="0" dirty="0"/>
+          </a:p>
+          <a:p>
+            <a:pPr marL="457200" indent="-457200">
               <a:buFont typeface="+mj-lt"/>
               <a:buAutoNum type="arabicPeriod"/>
             </a:pPr>
             <a:r>
-              <a:rPr lang="en-US" altLang="zh-CN" dirty="0" smtClean="0"/>
-              <a:t>Bidirectional Streaming: </a:t>
+              <a:rPr lang="zh-CN" altLang="en-US" sz="2400" dirty="0" smtClean="0"/>
+              <a:t>啟動一個或者多個</a:t>
+            </a:r>
+            <a:r>
+              <a:rPr lang="en-US" altLang="zh-CN" sz="2400" dirty="0" smtClean="0"/>
+              <a:t>Client</a:t>
+            </a:r>
+            <a:r>
+              <a:rPr lang="zh-CN" altLang="en-US" sz="2400" dirty="0" smtClean="0"/>
+              <a:t>端</a:t>
+            </a:r>
+            <a:r>
+              <a:rPr lang="zh-CN" altLang="en-US" sz="2400" b="0" dirty="0" smtClean="0"/>
+              <a:t>，</a:t>
             </a:r>
             <a:r>
               <a:rPr lang="en-US" altLang="zh-CN" sz="2400" b="0" dirty="0" smtClean="0"/>
@@ -17047,7 +18610,23 @@
             </a:r>
             <a:r>
               <a:rPr lang="zh-CN" altLang="en-US" sz="2400" b="0" dirty="0" smtClean="0"/>
-              <a:t>與</a:t>
+              <a:t>也是基於</a:t>
+            </a:r>
+            <a:r>
+              <a:rPr lang="en-US" altLang="zh-CN" sz="2400" b="0" dirty="0" err="1" smtClean="0"/>
+              <a:t>Netty</a:t>
+            </a:r>
+            <a:r>
+              <a:rPr lang="zh-CN" altLang="en-US" sz="2400" b="0" dirty="0" smtClean="0"/>
+              <a:t>，</a:t>
+            </a:r>
+            <a:r>
+              <a:rPr lang="en-US" altLang="zh-CN" sz="2400" b="0" dirty="0" smtClean="0"/>
+              <a:t>Client</a:t>
+            </a:r>
+            <a:r>
+              <a:rPr lang="zh-CN" altLang="en-US" sz="2400" b="0" dirty="0" smtClean="0"/>
+              <a:t>通過與</a:t>
             </a:r>
             <a:r>
               <a:rPr lang="en-US" altLang="zh-CN" sz="2400" b="0" dirty="0" smtClean="0"/>
@@ -17055,12 +18634,63 @@
             </a:r>
             <a:r>
               <a:rPr lang="zh-CN" altLang="en-US" sz="2400" b="0" dirty="0" smtClean="0"/>
-              <a:t>端互相連續傳值</a:t>
-            </a:r>
-            <a:r>
-              <a:rPr lang="zh-CN" altLang="en-US" dirty="0" smtClean="0"/>
-              <a:t>。</a:t>
-            </a:r>
+              <a:t>建立</a:t>
+            </a:r>
+            <a:r>
+              <a:rPr lang="en-US" altLang="zh-CN" sz="2400" b="0" dirty="0" smtClean="0"/>
+              <a:t>TCP</a:t>
+            </a:r>
+            <a:r>
+              <a:rPr lang="zh-CN" altLang="en-US" sz="2400" b="0" dirty="0" smtClean="0"/>
+              <a:t>長連接，並發送請求。</a:t>
+            </a:r>
+            <a:r>
+              <a:rPr lang="en-US" altLang="zh-TW" sz="2400" b="0" dirty="0" smtClean="0"/>
+              <a:t>Request</a:t>
+            </a:r>
+            <a:r>
+              <a:rPr lang="zh-CN" altLang="en-US" sz="2400" b="0" dirty="0"/>
+              <a:t>與</a:t>
+            </a:r>
+            <a:r>
+              <a:rPr lang="en-US" altLang="zh-TW" sz="2400" b="0" dirty="0" smtClean="0"/>
+              <a:t>Response</a:t>
+            </a:r>
+            <a:r>
+              <a:rPr lang="zh-CN" altLang="en-US" sz="2400" b="0" dirty="0" smtClean="0"/>
+              <a:t>均被封裝成</a:t>
+            </a:r>
+            <a:r>
+              <a:rPr lang="en-US" altLang="zh-CN" sz="2400" b="0" dirty="0" smtClean="0"/>
+              <a:t>HTTP2</a:t>
+            </a:r>
+            <a:r>
+              <a:rPr lang="zh-CN" altLang="en-US" sz="2400" b="0" dirty="0" smtClean="0"/>
+              <a:t>的</a:t>
+            </a:r>
+            <a:r>
+              <a:rPr lang="en-US" altLang="zh-CN" sz="2400" b="0" dirty="0" smtClean="0"/>
+              <a:t>stream Frame</a:t>
+            </a:r>
+            <a:r>
+              <a:rPr lang="zh-CN" altLang="en-US" sz="2400" b="0" dirty="0" smtClean="0"/>
+              <a:t>，通過</a:t>
+            </a:r>
+            <a:r>
+              <a:rPr lang="en-US" altLang="zh-CN" sz="2400" b="0" dirty="0" err="1" smtClean="0"/>
+              <a:t>Netty</a:t>
+            </a:r>
+            <a:r>
+              <a:rPr lang="en-US" altLang="zh-CN" sz="2400" b="0" dirty="0" smtClean="0"/>
+              <a:t> Channel</a:t>
+            </a:r>
+            <a:r>
+              <a:rPr lang="zh-CN" altLang="en-US" sz="2400" b="0" dirty="0" smtClean="0"/>
+              <a:t>進行交互。</a:t>
+            </a:r>
+            <a:endParaRPr lang="zh-TW" altLang="en-US" sz="2400" b="0" dirty="0"/>
+          </a:p>
+          <a:p>
             <a:endParaRPr lang="zh-TW" altLang="en-US" dirty="0"/>
           </a:p>
         </p:txBody>
@@ -17068,7 +18698,7 @@
     </p:spTree>
     <p:extLst>
       <p:ext uri="{BB962C8B-B14F-4D97-AF65-F5344CB8AC3E}">
-        <p14:creationId xmlns:p14="http://schemas.microsoft.com/office/powerpoint/2010/main" val="1360319046"/>
+        <p14:creationId xmlns:p14="http://schemas.microsoft.com/office/powerpoint/2010/main" val="3363608549"/>
       </p:ext>
     </p:extLst>
   </p:cSld>
@@ -17118,16 +18748,20 @@
           <a:lstStyle/>
           <a:p>
             <a:r>
-              <a:rPr lang="en-US" altLang="zh-CN" dirty="0" err="1" smtClean="0"/>
-              <a:t>gRPC</a:t>
-            </a:r>
-            <a:r>
               <a:rPr lang="en-US" altLang="zh-CN" dirty="0" smtClean="0"/>
-              <a:t> </a:t>
+              <a:t>JAVA Client</a:t>
             </a:r>
             <a:r>
               <a:rPr lang="zh-CN" altLang="en-US" dirty="0" smtClean="0"/>
-              <a:t>開發步驟</a:t>
+              <a:t>端 連接 </a:t>
+            </a:r>
+            <a:r>
+              <a:rPr lang="en-US" altLang="zh-CN" dirty="0" smtClean="0"/>
+              <a:t>JAVA Server</a:t>
+            </a:r>
+            <a:r>
+              <a:rPr lang="zh-CN" altLang="en-US" dirty="0" smtClean="0"/>
+              <a:t>端</a:t>
             </a:r>
             <a:endParaRPr lang="zh-TW" altLang="en-US" dirty="0"/>
           </a:p>
@@ -17167,309 +18801,153 @@
           <a:bodyPr/>
           <a:lstStyle/>
           <a:p>
-            <a:pPr marL="457200" indent="-457200">
-              <a:buFont typeface="+mj-lt"/>
-              <a:buAutoNum type="arabicPeriod"/>
-            </a:pPr>
             <a:r>
               <a:rPr lang="zh-CN" altLang="en-US" sz="2400" dirty="0" smtClean="0"/>
-              <a:t>使用</a:t>
-            </a:r>
-            <a:r>
-              <a:rPr lang="en-US" altLang="zh-TW" sz="2400" dirty="0" err="1" smtClean="0"/>
-              <a:t>protobuf</a:t>
-            </a:r>
-            <a:r>
-              <a:rPr lang="zh-CN" altLang="en-US" sz="2400" dirty="0" smtClean="0"/>
-              <a:t>定義接口</a:t>
-            </a:r>
-            <a:r>
-              <a:rPr lang="zh-TW" altLang="en-US" sz="2400" b="0" dirty="0" smtClean="0"/>
-              <a:t>，</a:t>
-            </a:r>
-            <a:r>
-              <a:rPr lang="zh-CN" altLang="en-US" sz="2400" b="0" dirty="0" smtClean="0"/>
-              <a:t>即</a:t>
-            </a:r>
-            <a:r>
-              <a:rPr lang="en-US" altLang="zh-TW" sz="2400" b="0" dirty="0" smtClean="0"/>
-              <a:t>.proto</a:t>
-            </a:r>
-            <a:r>
-              <a:rPr lang="zh-CN" altLang="en-US" sz="2400" b="0" dirty="0" smtClean="0"/>
-              <a:t>文件。</a:t>
-            </a:r>
-            <a:endParaRPr lang="zh-TW" altLang="en-US" sz="2400" b="0" dirty="0"/>
-          </a:p>
-          <a:p>
-            <a:pPr marL="457200" indent="-457200">
-              <a:buFont typeface="+mj-lt"/>
-              <a:buAutoNum type="arabicPeriod"/>
-            </a:pPr>
-            <a:r>
-              <a:rPr lang="zh-CN" altLang="en-US" sz="2400" dirty="0" smtClean="0"/>
-              <a:t>使用</a:t>
-            </a:r>
+              <a:t>環境說明：</a:t>
+            </a:r>
+            <a:endParaRPr lang="en-US" altLang="zh-CN" sz="2400" dirty="0" smtClean="0"/>
+          </a:p>
+          <a:p>
+            <a:r>
+              <a:rPr lang="en-US" altLang="zh-CN" sz="2400" dirty="0"/>
+              <a:t>	</a:t>
+            </a:r>
+            <a:r>
+              <a:rPr lang="en-US" altLang="zh-CN" sz="1800" dirty="0" smtClean="0"/>
+              <a:t>JAVA 8</a:t>
+            </a:r>
+          </a:p>
+          <a:p>
+            <a:r>
+              <a:rPr lang="en-US" altLang="zh-CN" sz="1800" dirty="0"/>
+              <a:t>	</a:t>
+            </a:r>
+            <a:r>
+              <a:rPr lang="en-US" altLang="zh-CN" sz="1800" dirty="0" smtClean="0"/>
+              <a:t>Spring boot 2.2.4.RELEASE</a:t>
+            </a:r>
+          </a:p>
+          <a:p>
+            <a:r>
+              <a:rPr lang="en-US" altLang="zh-CN" sz="1800" dirty="0"/>
+              <a:t>	</a:t>
+            </a:r>
+            <a:r>
+              <a:rPr lang="en-US" altLang="zh-CN" sz="1800" dirty="0" smtClean="0"/>
+              <a:t>Spring Cloud Hoxton.SR1</a:t>
+            </a:r>
+          </a:p>
+          <a:p>
+            <a:r>
+              <a:rPr lang="en-US" altLang="zh-CN" sz="1800" dirty="0"/>
+              <a:t>	</a:t>
+            </a:r>
+            <a:r>
+              <a:rPr lang="en-US" altLang="zh-CN" sz="1800" dirty="0" smtClean="0"/>
+              <a:t>Consul 1.6.2 </a:t>
+            </a:r>
+            <a:r>
+              <a:rPr lang="zh-CN" altLang="en-US" sz="1800" dirty="0" smtClean="0"/>
+              <a:t>（</a:t>
+            </a:r>
+            <a:r>
+              <a:rPr lang="en-US" altLang="zh-CN" sz="1800" dirty="0" smtClean="0"/>
+              <a:t>container</a:t>
+            </a:r>
+            <a:r>
+              <a:rPr lang="zh-CN" altLang="en-US" sz="1800" dirty="0" smtClean="0"/>
+              <a:t>）</a:t>
+            </a:r>
+            <a:endParaRPr lang="en-US" altLang="zh-CN" sz="1800" dirty="0" smtClean="0"/>
+          </a:p>
+          <a:p>
             <a:r>
               <a:rPr lang="en-US" altLang="zh-TW" sz="2400" dirty="0" smtClean="0"/>
-              <a:t>compile</a:t>
-            </a:r>
-            <a:r>
-              <a:rPr lang="zh-CN" altLang="en-US" sz="2400" dirty="0" smtClean="0"/>
-              <a:t>工具生成特定語言的執行代碼</a:t>
-            </a:r>
-            <a:r>
-              <a:rPr lang="zh-TW" altLang="en-US" sz="2400" b="0" dirty="0" smtClean="0"/>
-              <a:t>，</a:t>
-            </a:r>
-            <a:r>
-              <a:rPr lang="zh-CN" altLang="en-US" sz="2400" b="0" dirty="0" smtClean="0"/>
-              <a:t>比如</a:t>
-            </a:r>
-            <a:r>
-              <a:rPr lang="en-US" altLang="zh-TW" sz="2400" b="0" dirty="0" smtClean="0"/>
-              <a:t>JAVA</a:t>
-            </a:r>
-            <a:r>
-              <a:rPr lang="zh-TW" altLang="en-US" sz="2400" b="0" dirty="0"/>
-              <a:t>、</a:t>
-            </a:r>
-            <a:r>
-              <a:rPr lang="en-US" altLang="zh-TW" sz="2400" b="0" dirty="0"/>
-              <a:t>C/C++</a:t>
-            </a:r>
-            <a:r>
-              <a:rPr lang="zh-TW" altLang="en-US" sz="2400" b="0" dirty="0"/>
-              <a:t>、</a:t>
-            </a:r>
-            <a:r>
-              <a:rPr lang="en-US" altLang="zh-TW" sz="2400" b="0" dirty="0"/>
-              <a:t>Python</a:t>
-            </a:r>
-            <a:r>
-              <a:rPr lang="zh-TW" altLang="en-US" sz="2400" b="0" dirty="0"/>
-              <a:t>等</a:t>
-            </a:r>
-            <a:r>
-              <a:rPr lang="zh-TW" altLang="en-US" sz="2400" b="0" dirty="0" smtClean="0"/>
-              <a:t>。解</a:t>
-            </a:r>
-            <a:r>
-              <a:rPr lang="zh-TW" altLang="en-US" sz="2400" b="0" dirty="0"/>
-              <a:t>决跨语言问题。</a:t>
-            </a:r>
-          </a:p>
-          <a:p>
-            <a:pPr marL="457200" indent="-457200">
-              <a:buFont typeface="+mj-lt"/>
-              <a:buAutoNum type="arabicPeriod"/>
-            </a:pPr>
-            <a:r>
-              <a:rPr lang="zh-CN" altLang="en-US" sz="2400" dirty="0" smtClean="0"/>
-              <a:t>啟動一個</a:t>
-            </a:r>
-            <a:r>
-              <a:rPr lang="en-US" altLang="zh-TW" sz="2400" dirty="0" smtClean="0"/>
-              <a:t>Server</a:t>
-            </a:r>
-            <a:r>
-              <a:rPr lang="zh-CN" altLang="en-US" sz="2400" dirty="0" smtClean="0"/>
-              <a:t>端</a:t>
-            </a:r>
-            <a:r>
-              <a:rPr lang="zh-CN" altLang="en-US" sz="2400" b="0" dirty="0" smtClean="0"/>
-              <a:t> </a:t>
-            </a:r>
-            <a:r>
-              <a:rPr lang="zh-TW" altLang="en-US" sz="2400" b="0" dirty="0" smtClean="0"/>
-              <a:t>，</a:t>
-            </a:r>
-            <a:r>
-              <a:rPr lang="en-US" altLang="zh-TW" sz="2400" b="0" dirty="0" smtClean="0"/>
-              <a:t>server</a:t>
-            </a:r>
-            <a:r>
-              <a:rPr lang="zh-CN" altLang="en-US" sz="2400" b="0" dirty="0" smtClean="0"/>
-              <a:t>端通過監聽指定的</a:t>
-            </a:r>
-            <a:r>
-              <a:rPr lang="en-US" altLang="zh-CN" sz="2400" b="0" dirty="0" smtClean="0"/>
-              <a:t>port</a:t>
-            </a:r>
-            <a:r>
-              <a:rPr lang="zh-TW" altLang="en-US" sz="2400" b="0" dirty="0" smtClean="0"/>
-              <a:t>，</a:t>
-            </a:r>
-            <a:r>
-              <a:rPr lang="zh-CN" altLang="en-US" sz="2400" b="0" dirty="0" smtClean="0"/>
-              <a:t>來等待</a:t>
-            </a:r>
-            <a:r>
-              <a:rPr lang="en-US" altLang="zh-CN" sz="2400" b="0" dirty="0" smtClean="0"/>
-              <a:t>Client</a:t>
-            </a:r>
-            <a:r>
-              <a:rPr lang="zh-CN" altLang="en-US" sz="2400" b="0" dirty="0" smtClean="0"/>
-              <a:t>端的鏈接請求</a:t>
-            </a:r>
-            <a:r>
-              <a:rPr lang="zh-TW" altLang="en-US" sz="2400" b="0" dirty="0" smtClean="0"/>
-              <a:t>，</a:t>
-            </a:r>
-            <a:r>
-              <a:rPr lang="zh-CN" altLang="en-US" sz="2400" b="0" dirty="0" smtClean="0"/>
-              <a:t>通常使用</a:t>
-            </a:r>
-            <a:r>
-              <a:rPr lang="en-US" altLang="zh-CN" sz="2400" b="0" dirty="0" err="1" smtClean="0"/>
-              <a:t>Netty</a:t>
-            </a:r>
-            <a:r>
-              <a:rPr lang="zh-CN" altLang="en-US" sz="2400" b="0" dirty="0" smtClean="0"/>
-              <a:t>來構建</a:t>
-            </a:r>
-            <a:r>
-              <a:rPr lang="zh-TW" altLang="en-US" sz="2400" b="0" dirty="0" smtClean="0"/>
-              <a:t>，</a:t>
-            </a:r>
-            <a:r>
-              <a:rPr lang="en-US" altLang="zh-TW" sz="2400" b="0" dirty="0" smtClean="0"/>
-              <a:t>GRPC</a:t>
-            </a:r>
-            <a:r>
-              <a:rPr lang="zh-CN" altLang="en-US" sz="2400" b="0" dirty="0" smtClean="0"/>
-              <a:t>內置了</a:t>
-            </a:r>
-            <a:r>
-              <a:rPr lang="en-US" altLang="zh-TW" sz="2400" b="0" dirty="0" err="1" smtClean="0"/>
-              <a:t>Netty</a:t>
-            </a:r>
-            <a:r>
-              <a:rPr lang="zh-CN" altLang="en-US" sz="2400" b="0" dirty="0" smtClean="0"/>
-              <a:t>的支持</a:t>
-            </a:r>
-            <a:r>
-              <a:rPr lang="zh-TW" altLang="en-US" sz="2400" b="0" dirty="0" smtClean="0"/>
-              <a:t>。</a:t>
-            </a:r>
-            <a:endParaRPr lang="zh-TW" altLang="en-US" sz="2400" b="0" dirty="0"/>
-          </a:p>
-          <a:p>
-            <a:pPr marL="457200" indent="-457200">
-              <a:buFont typeface="+mj-lt"/>
-              <a:buAutoNum type="arabicPeriod"/>
-            </a:pPr>
-            <a:r>
-              <a:rPr lang="zh-CN" altLang="en-US" sz="2400" dirty="0" smtClean="0"/>
-              <a:t>啟動一個或者多個</a:t>
-            </a:r>
+              <a:t>dependencies </a:t>
+            </a:r>
+            <a:r>
+              <a:rPr lang="en-US" altLang="zh-CN" sz="2400" dirty="0"/>
+              <a:t>{</a:t>
+            </a:r>
+          </a:p>
+          <a:p>
+            <a:r>
+              <a:rPr lang="en-US" altLang="zh-CN" sz="2400" dirty="0"/>
+              <a:t>	</a:t>
+            </a:r>
+            <a:r>
+              <a:rPr lang="en-US" altLang="zh-TW" sz="1800" dirty="0"/>
+              <a:t>compile ‘</a:t>
+            </a:r>
+            <a:r>
+              <a:rPr lang="en-US" altLang="zh-TW" sz="1800" dirty="0" smtClean="0"/>
+              <a:t>io.grpc:grpc-protobuf:1.21.0</a:t>
+            </a:r>
+            <a:r>
+              <a:rPr lang="zh-CN" altLang="en-US" sz="1800" dirty="0" smtClean="0"/>
+              <a:t>‘</a:t>
+            </a:r>
+            <a:endParaRPr lang="en-US" altLang="zh-CN" sz="1800" dirty="0" smtClean="0"/>
+          </a:p>
+          <a:p>
+            <a:r>
+              <a:rPr lang="en-US" altLang="zh-TW" sz="1800" dirty="0" smtClean="0"/>
+              <a:t>	</a:t>
+            </a:r>
+            <a:r>
+              <a:rPr lang="en-US" altLang="zh-TW" sz="1800" dirty="0"/>
+              <a:t>compile ‘</a:t>
+            </a:r>
+            <a:r>
+              <a:rPr lang="en-US" altLang="zh-TW" sz="1800" dirty="0" smtClean="0"/>
+              <a:t>io.grpc:grpc-</a:t>
+            </a:r>
+            <a:r>
+              <a:rPr lang="en-US" altLang="zh-CN" sz="1800" dirty="0" smtClean="0"/>
+              <a:t>stub</a:t>
+            </a:r>
+            <a:r>
+              <a:rPr lang="en-US" altLang="zh-TW" sz="1800" dirty="0" smtClean="0"/>
+              <a:t>:1.21.0</a:t>
+            </a:r>
+            <a:r>
+              <a:rPr lang="zh-CN" altLang="en-US" sz="1800" dirty="0"/>
+              <a:t>‘</a:t>
+            </a:r>
+            <a:endParaRPr lang="en-US" altLang="zh-CN" sz="1800" dirty="0"/>
+          </a:p>
+          <a:p>
+            <a:r>
+              <a:rPr lang="en-US" altLang="zh-TW" sz="1800" dirty="0" smtClean="0"/>
+              <a:t>	</a:t>
+            </a:r>
+            <a:r>
+              <a:rPr lang="en-US" altLang="zh-TW" sz="1800" dirty="0"/>
+              <a:t>compile ‘</a:t>
+            </a:r>
+            <a:r>
+              <a:rPr lang="en-US" altLang="zh-TW" sz="1800" dirty="0" smtClean="0"/>
+              <a:t>io.grpc:grpc-netty-shaded:1.21.0</a:t>
+            </a:r>
+            <a:r>
+              <a:rPr lang="zh-CN" altLang="en-US" sz="1800" dirty="0" smtClean="0"/>
+              <a:t>‘</a:t>
+            </a:r>
+            <a:endParaRPr lang="en-US" altLang="zh-CN" sz="1800" dirty="0"/>
+          </a:p>
+          <a:p>
             <a:r>
               <a:rPr lang="en-US" altLang="zh-CN" sz="2400" dirty="0" smtClean="0"/>
-              <a:t>Client</a:t>
-            </a:r>
-            <a:r>
-              <a:rPr lang="zh-CN" altLang="en-US" sz="2400" dirty="0" smtClean="0"/>
-              <a:t>端</a:t>
-            </a:r>
-            <a:r>
-              <a:rPr lang="zh-CN" altLang="en-US" sz="2400" b="0" dirty="0" smtClean="0"/>
-              <a:t>，</a:t>
-            </a:r>
-            <a:r>
-              <a:rPr lang="en-US" altLang="zh-CN" sz="2400" b="0" dirty="0" smtClean="0"/>
-              <a:t>Client</a:t>
-            </a:r>
-            <a:r>
-              <a:rPr lang="zh-CN" altLang="en-US" sz="2400" b="0" dirty="0" smtClean="0"/>
-              <a:t>也是基於</a:t>
-            </a:r>
-            <a:r>
-              <a:rPr lang="en-US" altLang="zh-CN" sz="2400" b="0" dirty="0" err="1" smtClean="0"/>
-              <a:t>Netty</a:t>
-            </a:r>
-            <a:r>
-              <a:rPr lang="zh-CN" altLang="en-US" sz="2400" b="0" dirty="0" smtClean="0"/>
-              <a:t>，</a:t>
-            </a:r>
-            <a:r>
-              <a:rPr lang="en-US" altLang="zh-CN" sz="2400" b="0" dirty="0" smtClean="0"/>
-              <a:t>Client</a:t>
-            </a:r>
-            <a:r>
-              <a:rPr lang="zh-CN" altLang="en-US" sz="2400" b="0" dirty="0" smtClean="0"/>
-              <a:t>通過與</a:t>
-            </a:r>
-            <a:r>
-              <a:rPr lang="en-US" altLang="zh-CN" sz="2400" b="0" dirty="0" smtClean="0"/>
-              <a:t>Server</a:t>
-            </a:r>
-            <a:r>
-              <a:rPr lang="zh-CN" altLang="en-US" sz="2400" b="0" dirty="0" smtClean="0"/>
-              <a:t>建立</a:t>
-            </a:r>
-            <a:r>
-              <a:rPr lang="en-US" altLang="zh-CN" sz="2400" b="0" dirty="0" smtClean="0"/>
-              <a:t>TCP</a:t>
-            </a:r>
-            <a:r>
-              <a:rPr lang="zh-CN" altLang="en-US" sz="2400" b="0" dirty="0" smtClean="0"/>
-              <a:t>長連接，並發送請求。</a:t>
-            </a:r>
-            <a:r>
-              <a:rPr lang="en-US" altLang="zh-TW" sz="2400" b="0" dirty="0" smtClean="0"/>
-              <a:t>Request</a:t>
-            </a:r>
-            <a:r>
-              <a:rPr lang="zh-CN" altLang="en-US" sz="2400" b="0" dirty="0"/>
-              <a:t>與</a:t>
-            </a:r>
-            <a:r>
-              <a:rPr lang="en-US" altLang="zh-TW" sz="2400" b="0" dirty="0" smtClean="0"/>
-              <a:t>Response</a:t>
-            </a:r>
-            <a:r>
-              <a:rPr lang="zh-CN" altLang="en-US" sz="2400" b="0" dirty="0" smtClean="0"/>
-              <a:t>均被封裝成</a:t>
-            </a:r>
-            <a:r>
-              <a:rPr lang="en-US" altLang="zh-CN" sz="2400" b="0" dirty="0" smtClean="0"/>
-              <a:t>HTTP2</a:t>
-            </a:r>
-            <a:r>
-              <a:rPr lang="zh-CN" altLang="en-US" sz="2400" b="0" dirty="0" smtClean="0"/>
-              <a:t>的</a:t>
-            </a:r>
-            <a:r>
-              <a:rPr lang="en-US" altLang="zh-CN" sz="2400" b="0" dirty="0" smtClean="0"/>
-              <a:t>stream Frame</a:t>
-            </a:r>
-            <a:r>
-              <a:rPr lang="zh-CN" altLang="en-US" sz="2400" b="0" dirty="0" smtClean="0"/>
-              <a:t>，通過</a:t>
-            </a:r>
-            <a:r>
-              <a:rPr lang="en-US" altLang="zh-CN" sz="2400" b="0" dirty="0" err="1" smtClean="0"/>
-              <a:t>Netty</a:t>
-            </a:r>
-            <a:r>
-              <a:rPr lang="en-US" altLang="zh-CN" sz="2400" b="0" dirty="0" smtClean="0"/>
-              <a:t> Channel</a:t>
-            </a:r>
-            <a:r>
-              <a:rPr lang="zh-CN" altLang="en-US" sz="2400" b="0" dirty="0" smtClean="0"/>
-              <a:t>進行交互。</a:t>
-            </a:r>
-            <a:endParaRPr lang="zh-TW" altLang="en-US" sz="2400" b="0" dirty="0"/>
-          </a:p>
-          <a:p>
-            <a:endParaRPr lang="zh-TW" altLang="en-US" dirty="0"/>
+              <a:t>}</a:t>
+            </a:r>
+            <a:endParaRPr lang="en-US" altLang="zh-CN" sz="2400" dirty="0"/>
           </a:p>
         </p:txBody>
       </p:sp>
     </p:spTree>
     <p:extLst>
       <p:ext uri="{BB962C8B-B14F-4D97-AF65-F5344CB8AC3E}">
-        <p14:creationId xmlns:p14="http://schemas.microsoft.com/office/powerpoint/2010/main" val="3363608549"/>
+        <p14:creationId xmlns:p14="http://schemas.microsoft.com/office/powerpoint/2010/main" val="2227107922"/>
       </p:ext>
     </p:extLst>
   </p:cSld>
@@ -17519,20 +18997,8 @@
           <a:lstStyle/>
           <a:p>
             <a:r>
-              <a:rPr lang="en-US" altLang="zh-CN" dirty="0" smtClean="0"/>
-              <a:t>JAVA Client</a:t>
-            </a:r>
-            <a:r>
-              <a:rPr lang="zh-CN" altLang="en-US" dirty="0" smtClean="0"/>
-              <a:t>端 連接 </a:t>
-            </a:r>
-            <a:r>
-              <a:rPr lang="en-US" altLang="zh-CN" dirty="0" smtClean="0"/>
-              <a:t>JAVA Server</a:t>
-            </a:r>
-            <a:r>
-              <a:rPr lang="zh-CN" altLang="en-US" dirty="0" smtClean="0"/>
-              <a:t>端</a:t>
+              <a:rPr lang="zh-CN" altLang="en-US" dirty="0"/>
+              <a:t>圖</a:t>
             </a:r>
             <a:endParaRPr lang="zh-TW" altLang="en-US" dirty="0"/>
           </a:p>
@@ -17572,174 +19038,20 @@
           <a:bodyPr/>
           <a:lstStyle/>
           <a:p>
-            <a:r>
-              <a:rPr lang="zh-CN" altLang="en-US" sz="2400" dirty="0" smtClean="0"/>
-              <a:t>環境說明</a:t>
-            </a:r>
-            <a:r>
-              <a:rPr lang="zh-CN" altLang="en-US" sz="2400" dirty="0" smtClean="0"/>
-              <a:t>：</a:t>
-            </a:r>
-            <a:endParaRPr lang="en-US" altLang="zh-CN" sz="2400" dirty="0" smtClean="0"/>
-          </a:p>
-          <a:p>
-            <a:r>
-              <a:rPr lang="en-US" altLang="zh-CN" sz="2400" dirty="0"/>
-              <a:t>	</a:t>
-            </a:r>
-            <a:r>
-              <a:rPr lang="en-US" altLang="zh-CN" sz="1800" dirty="0" smtClean="0"/>
-              <a:t>JAVA 8</a:t>
-            </a:r>
-          </a:p>
-          <a:p>
-            <a:r>
-              <a:rPr lang="en-US" altLang="zh-CN" sz="1800" dirty="0"/>
-              <a:t>	</a:t>
-            </a:r>
-            <a:r>
-              <a:rPr lang="en-US" altLang="zh-CN" sz="1800" dirty="0" smtClean="0"/>
-              <a:t>Spring boot 2.2.4.RELEASE</a:t>
-            </a:r>
-          </a:p>
-          <a:p>
-            <a:r>
-              <a:rPr lang="en-US" altLang="zh-CN" sz="1800" dirty="0"/>
-              <a:t>	</a:t>
-            </a:r>
-            <a:r>
-              <a:rPr lang="en-US" altLang="zh-CN" sz="1800" dirty="0" smtClean="0"/>
-              <a:t>Spring Cloud Hoxton.SR1</a:t>
-            </a:r>
-          </a:p>
-          <a:p>
-            <a:r>
-              <a:rPr lang="en-US" altLang="zh-CN" sz="1800" dirty="0"/>
-              <a:t>	</a:t>
-            </a:r>
-            <a:r>
-              <a:rPr lang="en-US" altLang="zh-CN" sz="1800" dirty="0" smtClean="0"/>
-              <a:t>Consul 1.6.2 </a:t>
-            </a:r>
-            <a:r>
-              <a:rPr lang="zh-CN" altLang="en-US" sz="1800" dirty="0" smtClean="0"/>
-              <a:t>（</a:t>
-            </a:r>
-            <a:r>
-              <a:rPr lang="en-US" altLang="zh-CN" sz="1800" dirty="0" smtClean="0"/>
-              <a:t>container</a:t>
-            </a:r>
-            <a:r>
-              <a:rPr lang="zh-CN" altLang="en-US" sz="1800" dirty="0" smtClean="0"/>
-              <a:t>）</a:t>
-            </a:r>
-            <a:endParaRPr lang="en-US" altLang="zh-CN" sz="1800" dirty="0" smtClean="0"/>
-          </a:p>
-          <a:p>
-            <a:r>
-              <a:rPr lang="en-US" altLang="zh-TW" sz="2400" dirty="0" smtClean="0"/>
-              <a:t>dependencies </a:t>
-            </a:r>
-            <a:r>
-              <a:rPr lang="en-US" altLang="zh-CN" sz="2400" dirty="0"/>
-              <a:t>{</a:t>
-            </a:r>
-          </a:p>
-          <a:p>
-            <a:r>
-              <a:rPr lang="en-US" altLang="zh-CN" sz="2400" dirty="0"/>
-              <a:t>	</a:t>
-            </a:r>
-            <a:r>
-              <a:rPr lang="en-US" altLang="zh-TW" sz="1800" dirty="0"/>
-              <a:t>compile </a:t>
-            </a:r>
-            <a:r>
-              <a:rPr lang="en-US" altLang="zh-TW" sz="1800" dirty="0"/>
-              <a:t>‘</a:t>
-            </a:r>
-            <a:r>
-              <a:rPr lang="en-US" altLang="zh-TW" sz="1800" dirty="0" smtClean="0"/>
-              <a:t>io.grpc:grpc-protobuf:1.21.0</a:t>
-            </a:r>
-            <a:r>
-              <a:rPr lang="zh-CN" altLang="en-US" sz="1800" dirty="0" smtClean="0"/>
-              <a:t>‘</a:t>
-            </a:r>
-            <a:endParaRPr lang="en-US" altLang="zh-CN" sz="1800" dirty="0" smtClean="0"/>
-          </a:p>
-          <a:p>
-            <a:r>
-              <a:rPr lang="en-US" altLang="zh-TW" sz="1800" dirty="0" smtClean="0"/>
-              <a:t>	</a:t>
-            </a:r>
-            <a:r>
-              <a:rPr lang="en-US" altLang="zh-TW" sz="1800" dirty="0"/>
-              <a:t>compile ‘</a:t>
-            </a:r>
-            <a:r>
-              <a:rPr lang="en-US" altLang="zh-TW" sz="1800" dirty="0" smtClean="0"/>
-              <a:t>io.grpc:grpc-</a:t>
-            </a:r>
-            <a:r>
-              <a:rPr lang="en-US" altLang="zh-CN" sz="1800" dirty="0" smtClean="0"/>
-              <a:t>stub</a:t>
-            </a:r>
-            <a:r>
-              <a:rPr lang="en-US" altLang="zh-TW" sz="1800" dirty="0" smtClean="0"/>
-              <a:t>:1.21.0</a:t>
-            </a:r>
-            <a:r>
-              <a:rPr lang="zh-CN" altLang="en-US" sz="1800" dirty="0"/>
-              <a:t>‘</a:t>
-            </a:r>
-            <a:endParaRPr lang="en-US" altLang="zh-CN" sz="1800" dirty="0"/>
-          </a:p>
-          <a:p>
-            <a:r>
-              <a:rPr lang="en-US" altLang="zh-TW" sz="1800" dirty="0" smtClean="0"/>
-              <a:t>	</a:t>
-            </a:r>
-            <a:r>
-              <a:rPr lang="en-US" altLang="zh-TW" sz="1800" dirty="0"/>
-              <a:t>compile ‘</a:t>
-            </a:r>
-            <a:r>
-              <a:rPr lang="en-US" altLang="zh-TW" sz="1800" dirty="0" smtClean="0"/>
-              <a:t>io.grpc:grpc-netty-shaded:1.21.0</a:t>
-            </a:r>
-            <a:r>
-              <a:rPr lang="zh-CN" altLang="en-US" sz="1800" dirty="0" smtClean="0"/>
-              <a:t>‘</a:t>
-            </a:r>
-            <a:endParaRPr lang="en-US" altLang="zh-CN" sz="1800" dirty="0"/>
-          </a:p>
-          <a:p>
-            <a:r>
-              <a:rPr lang="en-US" altLang="zh-CN" sz="2400" dirty="0" smtClean="0"/>
-              <a:t>}</a:t>
-            </a:r>
-            <a:endParaRPr lang="en-US" altLang="zh-CN" sz="2400" dirty="0"/>
+            <a:endParaRPr lang="zh-TW" altLang="en-US" dirty="0"/>
           </a:p>
         </p:txBody>
       </p:sp>
     </p:spTree>
     <p:extLst>
       <p:ext uri="{BB962C8B-B14F-4D97-AF65-F5344CB8AC3E}">
-        <p14:creationId xmlns:p14="http://schemas.microsoft.com/office/powerpoint/2010/main" val="2227107922"/>
+        <p14:creationId xmlns:p14="http://schemas.microsoft.com/office/powerpoint/2010/main" val="1095147801"/>
       </p:ext>
     </p:extLst>
   </p:cSld>
   <p:clrMapOvr>
     <a:masterClrMapping/>
   </p:clrMapOvr>
-  <p:timing>
-    <p:tnLst>
-      <p:par>
-        <p:cTn id="1" dur="indefinite" restart="never" nodeType="tmRoot"/>
-      </p:par>
-    </p:tnLst>
-  </p:timing>
 </p:sld>
 </file>
 
@@ -17843,6 +19155,164 @@
           </a:xfrm>
         </p:spPr>
       </p:pic>
+      <p:sp>
+        <p:nvSpPr>
+          <p:cNvPr id="4" name="矩形 3"/>
+          <p:cNvSpPr/>
+          <p:nvPr/>
+        </p:nvSpPr>
+        <p:spPr>
+          <a:xfrm>
+            <a:off x="7560623" y="2190354"/>
+            <a:ext cx="2937164" cy="1754326"/>
+          </a:xfrm>
+          <a:prstGeom prst="rect">
+            <a:avLst/>
+          </a:prstGeom>
+        </p:spPr>
+        <p:txBody>
+          <a:bodyPr wrap="square">
+            <a:spAutoFit/>
+          </a:bodyPr>
+          <a:lstStyle/>
+          <a:p>
+            <a:pPr marL="514350" indent="-514350">
+              <a:buFont typeface="+mj-lt"/>
+              <a:buAutoNum type="arabicPeriod"/>
+            </a:pPr>
+            <a:r>
+              <a:rPr lang="zh-CN" altLang="en-US" sz="1200" dirty="0"/>
+              <a:t>普通調用：</a:t>
+            </a:r>
+            <a:r>
+              <a:rPr lang="en-US" altLang="zh-CN" sz="1200" dirty="0"/>
+              <a:t>Client</a:t>
+            </a:r>
+            <a:r>
+              <a:rPr lang="zh-CN" altLang="en-US" sz="1200" dirty="0"/>
+              <a:t>端</a:t>
+            </a:r>
+            <a:r>
+              <a:rPr lang="en-US" altLang="zh-CN" sz="1200" dirty="0"/>
+              <a:t>call</a:t>
+            </a:r>
+            <a:r>
+              <a:rPr lang="zh-CN" altLang="en-US" sz="1200" dirty="0"/>
+              <a:t>一次，</a:t>
+            </a:r>
+            <a:r>
+              <a:rPr lang="en-US" altLang="zh-CN" sz="1200" dirty="0"/>
+              <a:t>Server</a:t>
+            </a:r>
+            <a:r>
+              <a:rPr lang="zh-CN" altLang="en-US" sz="1200" dirty="0"/>
+              <a:t>端回傳一次</a:t>
+            </a:r>
+            <a:endParaRPr lang="en-US" altLang="zh-CN" sz="1200" dirty="0"/>
+          </a:p>
+          <a:p>
+            <a:pPr marL="514350" indent="-514350">
+              <a:buFont typeface="+mj-lt"/>
+              <a:buAutoNum type="arabicPeriod"/>
+            </a:pPr>
+            <a:r>
+              <a:rPr lang="en-US" altLang="zh-TW" sz="1200" dirty="0"/>
+              <a:t>Server-side Streaming:</a:t>
+            </a:r>
+            <a:r>
+              <a:rPr lang="en-US" altLang="zh-CN" sz="1200" dirty="0"/>
+              <a:t> Client</a:t>
+            </a:r>
+            <a:r>
+              <a:rPr lang="zh-CN" altLang="en-US" sz="1200" dirty="0"/>
+              <a:t>端</a:t>
+            </a:r>
+            <a:r>
+              <a:rPr lang="en-US" altLang="zh-CN" sz="1200" dirty="0"/>
+              <a:t>call</a:t>
+            </a:r>
+            <a:r>
+              <a:rPr lang="zh-CN" altLang="en-US" sz="1200" dirty="0"/>
+              <a:t>一次，</a:t>
+            </a:r>
+            <a:r>
+              <a:rPr lang="en-US" altLang="zh-CN" sz="1200" dirty="0"/>
+              <a:t>Server</a:t>
+            </a:r>
+            <a:r>
+              <a:rPr lang="zh-CN" altLang="en-US" sz="1200" dirty="0"/>
+              <a:t>端連續回傳。</a:t>
+            </a:r>
+            <a:endParaRPr lang="en-US" altLang="zh-CN" sz="1200" dirty="0"/>
+          </a:p>
+          <a:p>
+            <a:pPr marL="514350" indent="-514350">
+              <a:buFont typeface="+mj-lt"/>
+              <a:buAutoNum type="arabicPeriod"/>
+            </a:pPr>
+            <a:r>
+              <a:rPr lang="en-US" altLang="zh-TW" sz="1200" dirty="0"/>
+              <a:t>Client-side Streaming: </a:t>
+            </a:r>
+            <a:r>
+              <a:rPr lang="en-US" altLang="zh-CN" sz="1200" dirty="0"/>
+              <a:t>Client</a:t>
+            </a:r>
+            <a:r>
+              <a:rPr lang="zh-CN" altLang="en-US" sz="1200" dirty="0"/>
+              <a:t>連續</a:t>
+            </a:r>
+            <a:r>
+              <a:rPr lang="en-US" altLang="zh-CN" sz="1200" dirty="0"/>
+              <a:t>call</a:t>
+            </a:r>
+            <a:r>
+              <a:rPr lang="zh-CN" altLang="en-US" sz="1200" dirty="0"/>
+              <a:t> </a:t>
+            </a:r>
+            <a:r>
+              <a:rPr lang="en-US" altLang="zh-CN" sz="1200" dirty="0"/>
+              <a:t>function</a:t>
+            </a:r>
+            <a:r>
+              <a:rPr lang="zh-CN" altLang="en-US" sz="1200" dirty="0"/>
+              <a:t>，結束後一次過傳送，</a:t>
+            </a:r>
+            <a:r>
+              <a:rPr lang="en-US" altLang="zh-CN" sz="1200" dirty="0"/>
+              <a:t>Server</a:t>
+            </a:r>
+            <a:r>
+              <a:rPr lang="zh-CN" altLang="en-US" sz="1200" dirty="0"/>
+              <a:t>端回傳一次</a:t>
+            </a:r>
+            <a:endParaRPr lang="en-US" altLang="zh-CN" sz="1200" dirty="0"/>
+          </a:p>
+          <a:p>
+            <a:pPr marL="514350" indent="-514350">
+              <a:buFont typeface="+mj-lt"/>
+              <a:buAutoNum type="arabicPeriod"/>
+            </a:pPr>
+            <a:r>
+              <a:rPr lang="en-US" altLang="zh-CN" sz="1200" dirty="0"/>
+              <a:t>Bidirectional Streaming: Client</a:t>
+            </a:r>
+            <a:r>
+              <a:rPr lang="zh-CN" altLang="en-US" sz="1200" dirty="0"/>
+              <a:t>與</a:t>
+            </a:r>
+            <a:r>
+              <a:rPr lang="en-US" altLang="zh-CN" sz="1200" dirty="0"/>
+              <a:t>Server</a:t>
+            </a:r>
+            <a:r>
+              <a:rPr lang="zh-CN" altLang="en-US" sz="1200" dirty="0"/>
+              <a:t>端互相連續傳值。</a:t>
+            </a:r>
+            <a:endParaRPr lang="zh-TW" altLang="en-US" sz="1200" dirty="0"/>
+          </a:p>
+        </p:txBody>
+      </p:sp>
     </p:spTree>
     <p:extLst>
       <p:ext uri="{BB962C8B-B14F-4D97-AF65-F5344CB8AC3E}">
@@ -17945,7 +19415,7 @@
           </p:nvPr>
         </p:nvPicPr>
         <p:blipFill>
-          <a:blip r:embed="rId2">
+          <a:blip r:embed="rId3">
             <a:extLst>
               <a:ext uri="{28A0092B-C50C-407E-A947-70E740481C1C}">
                 <a14:useLocalDpi xmlns:a14="http://schemas.microsoft.com/office/drawing/2010/main" val="0"/>
@@ -17972,7 +19442,7 @@
         <p:spPr>
           <a:xfrm>
             <a:off x="963801" y="1798575"/>
-            <a:ext cx="2430665" cy="369332"/>
+            <a:ext cx="4151649" cy="369332"/>
           </a:xfrm>
           <a:prstGeom prst="rect">
             <a:avLst/>
@@ -17988,6 +19458,22 @@
             <a:r>
               <a:rPr lang="zh-CN" altLang="en-US" dirty="0" smtClean="0"/>
               <a:t>在</a:t>
+            </a:r>
+            <a:r>
+              <a:rPr lang="en-US" altLang="zh-CN" dirty="0" smtClean="0"/>
+              <a:t>server </a:t>
+            </a:r>
+            <a:r>
+              <a:rPr lang="zh-CN" altLang="en-US" dirty="0" smtClean="0"/>
+              <a:t>和 </a:t>
+            </a:r>
+            <a:r>
+              <a:rPr lang="en-US" altLang="zh-CN" dirty="0" smtClean="0"/>
+              <a:t>client </a:t>
+            </a:r>
+            <a:r>
+              <a:rPr lang="zh-CN" altLang="en-US" dirty="0" smtClean="0"/>
+              <a:t>的</a:t>
             </a:r>
             <a:r>
               <a:rPr lang="en-US" altLang="zh-CN" dirty="0" smtClean="0"/>
@@ -18403,7 +19889,7 @@
           </p:nvPr>
         </p:nvPicPr>
         <p:blipFill>
-          <a:blip r:embed="rId2">
+          <a:blip r:embed="rId3">
             <a:extLst>
               <a:ext uri="{28A0092B-C50C-407E-A947-70E740481C1C}">
                 <a14:useLocalDpi xmlns:a14="http://schemas.microsoft.com/office/drawing/2010/main" val="0"/>
@@ -18432,7 +19918,7 @@
           </p:nvPr>
         </p:nvPicPr>
         <p:blipFill>
-          <a:blip r:embed="rId3">
+          <a:blip r:embed="rId4">
             <a:extLst>
               <a:ext uri="{28A0092B-C50C-407E-A947-70E740481C1C}">
                 <a14:useLocalDpi xmlns:a14="http://schemas.microsoft.com/office/drawing/2010/main" val="0"/>
@@ -18459,7 +19945,7 @@
           <p:nvPr/>
         </p:nvPicPr>
         <p:blipFill>
-          <a:blip r:embed="rId4">
+          <a:blip r:embed="rId5">
             <a:extLst>
               <a:ext uri="{28A0092B-C50C-407E-A947-70E740481C1C}">
                 <a14:useLocalDpi xmlns:a14="http://schemas.microsoft.com/office/drawing/2010/main" val="0"/>
@@ -18704,7 +20190,7 @@
           </p:nvPr>
         </p:nvPicPr>
         <p:blipFill>
-          <a:blip r:embed="rId2">
+          <a:blip r:embed="rId3">
             <a:extLst>
               <a:ext uri="{28A0092B-C50C-407E-A947-70E740481C1C}">
                 <a14:useLocalDpi xmlns:a14="http://schemas.microsoft.com/office/drawing/2010/main" val="0"/>
@@ -19018,6 +20504,40 @@
           </a:xfrm>
         </p:spPr>
       </p:pic>
+      <p:sp>
+        <p:nvSpPr>
+          <p:cNvPr id="4" name="文字方塊 3"/>
+          <p:cNvSpPr txBox="1"/>
+          <p:nvPr/>
+        </p:nvSpPr>
+        <p:spPr>
+          <a:xfrm>
+            <a:off x="1065182" y="1852945"/>
+            <a:ext cx="1009700" cy="369332"/>
+          </a:xfrm>
+          <a:prstGeom prst="rect">
+            <a:avLst/>
+          </a:prstGeom>
+          <a:noFill/>
+        </p:spPr>
+        <p:txBody>
+          <a:bodyPr wrap="none" rtlCol="0">
+            <a:spAutoFit/>
+          </a:bodyPr>
+          <a:lstStyle/>
+          <a:p>
+            <a:r>
+              <a:rPr lang="en-US" altLang="zh-TW" dirty="0" smtClean="0"/>
+              <a:t>Client </a:t>
+            </a:r>
+            <a:r>
+              <a:rPr lang="zh-CN" altLang="en-US" dirty="0" smtClean="0"/>
+              <a:t>端</a:t>
+            </a:r>
+            <a:endParaRPr lang="zh-TW" altLang="en-US" dirty="0"/>
+          </a:p>
+        </p:txBody>
+      </p:sp>
     </p:spTree>
     <p:extLst>
       <p:ext uri="{BB962C8B-B14F-4D97-AF65-F5344CB8AC3E}">
@@ -19071,6 +20591,152 @@
           <a:lstStyle/>
           <a:p>
             <a:r>
+              <a:rPr lang="en-US" altLang="zh-CN" dirty="0"/>
+              <a:t>Stream </a:t>
+            </a:r>
+            <a:r>
+              <a:rPr lang="zh-CN" altLang="en-US" dirty="0"/>
+              <a:t>調用測試</a:t>
+            </a:r>
+            <a:endParaRPr lang="zh-TW" altLang="en-US" dirty="0"/>
+          </a:p>
+        </p:txBody>
+      </p:sp>
+      <p:sp>
+        <p:nvSpPr>
+          <p:cNvPr id="3" name="內容版面配置區 2"/>
+          <p:cNvSpPr>
+            <a:spLocks noGrp="1"/>
+          </p:cNvSpPr>
+          <p:nvPr>
+            <p:ph sz="quarter" idx="13"/>
+          </p:nvPr>
+        </p:nvSpPr>
+        <p:spPr/>
+        <p:txBody>
+          <a:bodyPr/>
+          <a:lstStyle/>
+          <a:p>
+            <a:endParaRPr lang="zh-TW" altLang="en-US"/>
+          </a:p>
+        </p:txBody>
+      </p:sp>
+      <p:pic>
+        <p:nvPicPr>
+          <p:cNvPr id="5" name="內容版面配置區 4"/>
+          <p:cNvPicPr>
+            <a:picLocks noGrp="1" noChangeAspect="1"/>
+          </p:cNvPicPr>
+          <p:nvPr>
+            <p:ph sz="half" idx="1"/>
+          </p:nvPr>
+        </p:nvPicPr>
+        <p:blipFill>
+          <a:blip r:embed="rId2">
+            <a:extLst>
+              <a:ext uri="{28A0092B-C50C-407E-A947-70E740481C1C}">
+                <a14:useLocalDpi xmlns:a14="http://schemas.microsoft.com/office/drawing/2010/main" val="0"/>
+              </a:ext>
+            </a:extLst>
+          </a:blip>
+          <a:stretch>
+            <a:fillRect/>
+          </a:stretch>
+        </p:blipFill>
+        <p:spPr>
+          <a:xfrm>
+            <a:off x="1065182" y="2234152"/>
+            <a:ext cx="8992856" cy="3639058"/>
+          </a:xfrm>
+        </p:spPr>
+      </p:pic>
+      <p:sp>
+        <p:nvSpPr>
+          <p:cNvPr id="4" name="文字方塊 3"/>
+          <p:cNvSpPr txBox="1"/>
+          <p:nvPr/>
+        </p:nvSpPr>
+        <p:spPr>
+          <a:xfrm>
+            <a:off x="1065182" y="1852945"/>
+            <a:ext cx="1069395" cy="369332"/>
+          </a:xfrm>
+          <a:prstGeom prst="rect">
+            <a:avLst/>
+          </a:prstGeom>
+          <a:noFill/>
+        </p:spPr>
+        <p:txBody>
+          <a:bodyPr wrap="none" rtlCol="0">
+            <a:spAutoFit/>
+          </a:bodyPr>
+          <a:lstStyle/>
+          <a:p>
+            <a:r>
+              <a:rPr lang="en-US" altLang="zh-CN" dirty="0" smtClean="0"/>
+              <a:t>Server </a:t>
+            </a:r>
+            <a:r>
+              <a:rPr lang="zh-CN" altLang="en-US" dirty="0" smtClean="0"/>
+              <a:t>端</a:t>
+            </a:r>
+            <a:endParaRPr lang="zh-TW" altLang="en-US" dirty="0"/>
+          </a:p>
+        </p:txBody>
+      </p:sp>
+    </p:spTree>
+    <p:extLst>
+      <p:ext uri="{BB962C8B-B14F-4D97-AF65-F5344CB8AC3E}">
+        <p14:creationId xmlns:p14="http://schemas.microsoft.com/office/powerpoint/2010/main" val="3221671141"/>
+      </p:ext>
+    </p:extLst>
+  </p:cSld>
+  <p:clrMapOvr>
+    <a:masterClrMapping/>
+  </p:clrMapOvr>
+  <p:timing>
+    <p:tnLst>
+      <p:par>
+        <p:cTn id="1" dur="indefinite" restart="never" nodeType="tmRoot"/>
+      </p:par>
+    </p:tnLst>
+  </p:timing>
+</p:sld>
+</file>
+
+<file path=ppt/slides/slide26.xml><?xml version="1.0" encoding="utf-8"?>
+<p:sld xmlns:a="http://schemas.openxmlformats.org/drawingml/2006/main" xmlns:r="http://schemas.openxmlformats.org/officeDocument/2006/relationships" xmlns:p="http://schemas.openxmlformats.org/presentationml/2006/main">
+  <p:cSld>
+    <p:spTree>
+      <p:nvGrpSpPr>
+        <p:cNvPr id="1" name=""/>
+        <p:cNvGrpSpPr/>
+        <p:nvPr/>
+      </p:nvGrpSpPr>
+      <p:grpSpPr>
+        <a:xfrm>
+          <a:off x="0" y="0"/>
+          <a:ext cx="0" cy="0"/>
+          <a:chOff x="0" y="0"/>
+          <a:chExt cx="0" cy="0"/>
+        </a:xfrm>
+      </p:grpSpPr>
+      <p:sp>
+        <p:nvSpPr>
+          <p:cNvPr id="2" name="標題 1"/>
+          <p:cNvSpPr>
+            <a:spLocks noGrp="1"/>
+          </p:cNvSpPr>
+          <p:nvPr>
+            <p:ph type="title"/>
+          </p:nvPr>
+        </p:nvSpPr>
+        <p:spPr/>
+        <p:txBody>
+          <a:bodyPr/>
+          <a:lstStyle/>
+          <a:p>
+            <a:r>
               <a:rPr lang="zh-CN" altLang="en-US" dirty="0" smtClean="0"/>
               <a:t>加入</a:t>
             </a:r>
@@ -19080,7 +20746,7 @@
             </a:r>
             <a:r>
               <a:rPr lang="zh-CN" altLang="en-US" dirty="0" smtClean="0"/>
-              <a:t>試試</a:t>
+              <a:t>試試 加圖</a:t>
             </a:r>
             <a:endParaRPr lang="zh-TW" altLang="en-US" dirty="0"/>
           </a:p>
@@ -19154,7 +20820,7 @@
 </p:sld>
 </file>
 
-<file path=ppt/slides/slide26.xml><?xml version="1.0" encoding="utf-8"?>
+<file path=ppt/slides/slide27.xml><?xml version="1.0" encoding="utf-8"?>
 <p:sld xmlns:a="http://schemas.openxmlformats.org/drawingml/2006/main" xmlns:r="http://schemas.openxmlformats.org/officeDocument/2006/relationships" xmlns:p="http://schemas.openxmlformats.org/presentationml/2006/main">
   <p:cSld>
     <p:spTree>
@@ -19187,16 +20853,20 @@
           <a:lstStyle/>
           <a:p>
             <a:r>
-              <a:rPr lang="zh-CN" altLang="en-US" dirty="0" smtClean="0"/>
-              <a:t>把</a:t>
-            </a:r>
-            <a:r>
               <a:rPr lang="en-US" altLang="zh-CN" dirty="0" err="1" smtClean="0"/>
               <a:t>gRPC</a:t>
             </a:r>
             <a:r>
+              <a:rPr lang="en-US" altLang="zh-CN" dirty="0" smtClean="0"/>
+              <a:t> Server</a:t>
+            </a:r>
+            <a:r>
               <a:rPr lang="zh-CN" altLang="en-US" dirty="0" smtClean="0"/>
-              <a:t>註冊到</a:t>
+              <a:t>註冊</a:t>
+            </a:r>
+            <a:r>
+              <a:rPr lang="zh-CN" altLang="en-US" dirty="0" smtClean="0"/>
+              <a:t>到</a:t>
             </a:r>
             <a:r>
               <a:rPr lang="en-US" altLang="zh-CN" dirty="0" smtClean="0"/>
@@ -19217,7 +20887,7 @@
           </p:nvPr>
         </p:nvPicPr>
         <p:blipFill rotWithShape="1">
-          <a:blip r:embed="rId2">
+          <a:blip r:embed="rId3">
             <a:extLst>
               <a:ext uri="{28A0092B-C50C-407E-A947-70E740481C1C}">
                 <a14:useLocalDpi xmlns:a14="http://schemas.microsoft.com/office/drawing/2010/main" val="0"/>
@@ -19229,7 +20899,7 @@
         </p:blipFill>
         <p:spPr>
           <a:xfrm>
-            <a:off x="838200" y="1551713"/>
+            <a:off x="838200" y="2264233"/>
             <a:ext cx="7611538" cy="4053440"/>
           </a:xfrm>
         </p:spPr>
@@ -19273,7 +20943,7 @@
 </p:sld>
 </file>
 
-<file path=ppt/slides/slide27.xml><?xml version="1.0" encoding="utf-8"?>
+<file path=ppt/slides/slide28.xml><?xml version="1.0" encoding="utf-8"?>
 <p:sld xmlns:a="http://schemas.openxmlformats.org/drawingml/2006/main" xmlns:r="http://schemas.openxmlformats.org/officeDocument/2006/relationships" xmlns:p="http://schemas.openxmlformats.org/presentationml/2006/main">
   <p:cSld>
     <p:spTree>
@@ -19381,7 +21051,7 @@
 </p:sld>
 </file>
 
-<file path=ppt/slides/slide28.xml><?xml version="1.0" encoding="utf-8"?>
+<file path=ppt/slides/slide29.xml><?xml version="1.0" encoding="utf-8"?>
 <p:sld xmlns:a="http://schemas.openxmlformats.org/drawingml/2006/main" xmlns:r="http://schemas.openxmlformats.org/officeDocument/2006/relationships" xmlns:p="http://schemas.openxmlformats.org/presentationml/2006/main">
   <p:cSld>
     <p:spTree>
@@ -19505,7 +21175,7 @@
 </p:sld>
 </file>
 
-<file path=ppt/slides/slide29.xml><?xml version="1.0" encoding="utf-8"?>
+<file path=ppt/slides/slide3.xml><?xml version="1.0" encoding="utf-8"?>
 <p:sld xmlns:a="http://schemas.openxmlformats.org/drawingml/2006/main" xmlns:r="http://schemas.openxmlformats.org/officeDocument/2006/relationships" xmlns:p="http://schemas.openxmlformats.org/presentationml/2006/main">
   <p:cSld>
     <p:spTree>
@@ -19524,6 +21194,78 @@
       </p:grpSpPr>
       <p:sp>
         <p:nvSpPr>
+          <p:cNvPr id="4" name="標題 3"/>
+          <p:cNvSpPr>
+            <a:spLocks noGrp="1"/>
+          </p:cNvSpPr>
+          <p:nvPr>
+            <p:ph type="title"/>
+          </p:nvPr>
+        </p:nvSpPr>
+        <p:spPr/>
+        <p:txBody>
+          <a:bodyPr/>
+          <a:lstStyle/>
+          <a:p>
+            <a:r>
+              <a:rPr lang="en-US" altLang="zh-TW" dirty="0" err="1" smtClean="0"/>
+              <a:t>gRPC</a:t>
+            </a:r>
+            <a:endParaRPr lang="en-US" altLang="zh-TW" dirty="0"/>
+          </a:p>
+        </p:txBody>
+      </p:sp>
+      <p:sp>
+        <p:nvSpPr>
+          <p:cNvPr id="5" name="文字版面配置區 4"/>
+          <p:cNvSpPr>
+            <a:spLocks noGrp="1"/>
+          </p:cNvSpPr>
+          <p:nvPr>
+            <p:ph type="body" idx="1"/>
+          </p:nvPr>
+        </p:nvSpPr>
+        <p:spPr/>
+        <p:txBody>
+          <a:bodyPr/>
+          <a:lstStyle/>
+          <a:p>
+            <a:endParaRPr lang="zh-TW" altLang="en-US" dirty="0"/>
+          </a:p>
+        </p:txBody>
+      </p:sp>
+    </p:spTree>
+    <p:extLst>
+      <p:ext uri="{BB962C8B-B14F-4D97-AF65-F5344CB8AC3E}">
+        <p14:creationId xmlns:p14="http://schemas.microsoft.com/office/powerpoint/2010/main" val="2740842326"/>
+      </p:ext>
+    </p:extLst>
+  </p:cSld>
+  <p:clrMapOvr>
+    <a:masterClrMapping/>
+  </p:clrMapOvr>
+</p:sld>
+</file>
+
+<file path=ppt/slides/slide30.xml><?xml version="1.0" encoding="utf-8"?>
+<p:sld xmlns:a="http://schemas.openxmlformats.org/drawingml/2006/main" xmlns:r="http://schemas.openxmlformats.org/officeDocument/2006/relationships" xmlns:p="http://schemas.openxmlformats.org/presentationml/2006/main">
+  <p:cSld>
+    <p:spTree>
+      <p:nvGrpSpPr>
+        <p:cNvPr id="1" name=""/>
+        <p:cNvGrpSpPr/>
+        <p:nvPr/>
+      </p:nvGrpSpPr>
+      <p:grpSpPr>
+        <a:xfrm>
+          <a:off x="0" y="0"/>
+          <a:ext cx="0" cy="0"/>
+          <a:chOff x="0" y="0"/>
+          <a:chExt cx="0" cy="0"/>
+        </a:xfrm>
+      </p:grpSpPr>
+      <p:sp>
+        <p:nvSpPr>
           <p:cNvPr id="2" name="標題 1"/>
           <p:cNvSpPr>
             <a:spLocks noGrp="1"/>
@@ -19537,13 +21279,25 @@
           <a:bodyPr/>
           <a:lstStyle/>
           <a:p>
+            <a:r>
+              <a:rPr lang="zh-CN" altLang="en-US" dirty="0" smtClean="0"/>
+              <a:t>不同</a:t>
+            </a:r>
             <a:r>
               <a:rPr lang="en-US" altLang="zh-CN" dirty="0" smtClean="0"/>
               <a:t>dependency</a:t>
             </a:r>
             <a:r>
               <a:rPr lang="zh-CN" altLang="en-US" dirty="0" smtClean="0"/>
-              <a:t>的註冊問題</a:t>
+              <a:t>會產生的</a:t>
+            </a:r>
+            <a:r>
+              <a:rPr lang="zh-CN" altLang="en-US" dirty="0" smtClean="0"/>
+              <a:t>註冊</a:t>
+            </a:r>
+            <a:r>
+              <a:rPr lang="zh-CN" altLang="en-US" dirty="0" smtClean="0"/>
+              <a:t>問題</a:t>
             </a:r>
             <a:endParaRPr lang="zh-TW" altLang="en-US" dirty="0"/>
           </a:p>
@@ -19579,7 +21333,7 @@
           </p:nvPr>
         </p:nvPicPr>
         <p:blipFill>
-          <a:blip r:embed="rId2">
+          <a:blip r:embed="rId3">
             <a:extLst>
               <a:ext uri="{28A0092B-C50C-407E-A947-70E740481C1C}">
                 <a14:useLocalDpi xmlns:a14="http://schemas.microsoft.com/office/drawing/2010/main" val="0"/>
@@ -19617,7 +21371,7 @@
 </p:sld>
 </file>
 
-<file path=ppt/slides/slide3.xml><?xml version="1.0" encoding="utf-8"?>
+<file path=ppt/slides/slide31.xml><?xml version="1.0" encoding="utf-8"?>
 <p:sld xmlns:a="http://schemas.openxmlformats.org/drawingml/2006/main" xmlns:r="http://schemas.openxmlformats.org/officeDocument/2006/relationships" xmlns:p="http://schemas.openxmlformats.org/presentationml/2006/main">
   <p:cSld>
     <p:spTree>
@@ -19636,7 +21390,7 @@
       </p:grpSpPr>
       <p:sp>
         <p:nvSpPr>
-          <p:cNvPr id="4" name="標題 3"/>
+          <p:cNvPr id="2" name="標題 1"/>
           <p:cNvSpPr>
             <a:spLocks noGrp="1"/>
           </p:cNvSpPr>
@@ -19650,21 +21404,21 @@
           <a:lstStyle/>
           <a:p>
             <a:r>
-              <a:rPr lang="en-US" altLang="zh-TW" dirty="0" err="1" smtClean="0"/>
-              <a:t>gRPC</a:t>
-            </a:r>
-            <a:endParaRPr lang="en-US" altLang="zh-TW" dirty="0"/>
-          </a:p>
-        </p:txBody>
-      </p:sp>
-      <p:sp>
-        <p:nvSpPr>
-          <p:cNvPr id="5" name="文字版面配置區 4"/>
-          <p:cNvSpPr>
-            <a:spLocks noGrp="1"/>
-          </p:cNvSpPr>
-          <p:nvPr>
-            <p:ph type="body" idx="1"/>
+              <a:rPr lang="zh-CN" altLang="en-US" dirty="0" smtClean="0"/>
+              <a:t>加圖</a:t>
+            </a:r>
+            <a:endParaRPr lang="zh-TW" altLang="en-US" dirty="0"/>
+          </a:p>
+        </p:txBody>
+      </p:sp>
+      <p:sp>
+        <p:nvSpPr>
+          <p:cNvPr id="3" name="內容版面配置區 2"/>
+          <p:cNvSpPr>
+            <a:spLocks noGrp="1"/>
+          </p:cNvSpPr>
+          <p:nvPr>
+            <p:ph sz="quarter" idx="13"/>
           </p:nvPr>
         </p:nvSpPr>
         <p:spPr/>
@@ -19672,14 +21426,33 @@
           <a:bodyPr/>
           <a:lstStyle/>
           <a:p>
-            <a:endParaRPr lang="zh-TW" altLang="en-US" dirty="0"/>
+            <a:endParaRPr lang="zh-TW" altLang="en-US"/>
+          </a:p>
+        </p:txBody>
+      </p:sp>
+      <p:sp>
+        <p:nvSpPr>
+          <p:cNvPr id="4" name="內容版面配置區 3"/>
+          <p:cNvSpPr>
+            <a:spLocks noGrp="1"/>
+          </p:cNvSpPr>
+          <p:nvPr>
+            <p:ph sz="half" idx="1"/>
+          </p:nvPr>
+        </p:nvSpPr>
+        <p:spPr/>
+        <p:txBody>
+          <a:bodyPr/>
+          <a:lstStyle/>
+          <a:p>
+            <a:endParaRPr lang="zh-TW" altLang="en-US"/>
           </a:p>
         </p:txBody>
       </p:sp>
     </p:spTree>
     <p:extLst>
       <p:ext uri="{BB962C8B-B14F-4D97-AF65-F5344CB8AC3E}">
-        <p14:creationId xmlns:p14="http://schemas.microsoft.com/office/powerpoint/2010/main" val="2740842326"/>
+        <p14:creationId xmlns:p14="http://schemas.microsoft.com/office/powerpoint/2010/main" val="3785377583"/>
       </p:ext>
     </p:extLst>
   </p:cSld>
@@ -19689,7 +21462,7 @@
 </p:sld>
 </file>
 
-<file path=ppt/slides/slide30.xml><?xml version="1.0" encoding="utf-8"?>
+<file path=ppt/slides/slide32.xml><?xml version="1.0" encoding="utf-8"?>
 <p:sld xmlns:a="http://schemas.openxmlformats.org/drawingml/2006/main" xmlns:r="http://schemas.openxmlformats.org/officeDocument/2006/relationships" xmlns:p="http://schemas.openxmlformats.org/presentationml/2006/main">
   <p:cSld>
     <p:spTree>
@@ -19793,11 +21566,7 @@
             </a:r>
             <a:r>
               <a:rPr lang="zh-CN" altLang="en-US" sz="2400" dirty="0" smtClean="0"/>
-              <a:t>的實驗</a:t>
-            </a:r>
-            <a:r>
-              <a:rPr lang="zh-CN" altLang="en-US" sz="2400" dirty="0" smtClean="0"/>
-              <a:t>環境：</a:t>
+              <a:t>的實驗環境：</a:t>
             </a:r>
             <a:endParaRPr lang="en-US" altLang="zh-CN" sz="2400" dirty="0" smtClean="0"/>
           </a:p>
@@ -19836,11 +21605,7 @@
             </a:r>
             <a:r>
               <a:rPr lang="zh-CN" altLang="en-US" sz="2400" dirty="0" smtClean="0"/>
-              <a:t>的</a:t>
-            </a:r>
-            <a:r>
-              <a:rPr lang="zh-CN" altLang="en-US" sz="2400" dirty="0" smtClean="0"/>
-              <a:t>包：</a:t>
+              <a:t>的包：</a:t>
             </a:r>
             <a:endParaRPr lang="en-US" altLang="zh-CN" sz="2400" dirty="0" smtClean="0"/>
           </a:p>
@@ -19917,7 +21682,7 @@
 </p:sld>
 </file>
 
-<file path=ppt/slides/slide31.xml><?xml version="1.0" encoding="utf-8"?>
+<file path=ppt/slides/slide33.xml><?xml version="1.0" encoding="utf-8"?>
 <p:sld xmlns:a="http://schemas.openxmlformats.org/drawingml/2006/main" xmlns:r="http://schemas.openxmlformats.org/officeDocument/2006/relationships" xmlns:p="http://schemas.openxmlformats.org/presentationml/2006/main">
   <p:cSld>
     <p:spTree>
@@ -20037,7 +21802,7 @@
 </p:sld>
 </file>
 
-<file path=ppt/slides/slide32.xml><?xml version="1.0" encoding="utf-8"?>
+<file path=ppt/slides/slide34.xml><?xml version="1.0" encoding="utf-8"?>
 <p:sld xmlns:a="http://schemas.openxmlformats.org/drawingml/2006/main" xmlns:r="http://schemas.openxmlformats.org/officeDocument/2006/relationships" xmlns:p="http://schemas.openxmlformats.org/presentationml/2006/main">
   <p:cSld>
     <p:spTree>
@@ -20115,7 +21880,7 @@
           </p:nvPr>
         </p:nvPicPr>
         <p:blipFill>
-          <a:blip r:embed="rId2">
+          <a:blip r:embed="rId3">
             <a:extLst>
               <a:ext uri="{28A0092B-C50C-407E-A947-70E740481C1C}">
                 <a14:useLocalDpi xmlns:a14="http://schemas.microsoft.com/office/drawing/2010/main" val="0"/>
@@ -20153,7 +21918,7 @@
 </p:sld>
 </file>
 
-<file path=ppt/slides/slide33.xml><?xml version="1.0" encoding="utf-8"?>
+<file path=ppt/slides/slide35.xml><?xml version="1.0" encoding="utf-8"?>
 <p:sld xmlns:a="http://schemas.openxmlformats.org/drawingml/2006/main" xmlns:r="http://schemas.openxmlformats.org/officeDocument/2006/relationships" xmlns:p="http://schemas.openxmlformats.org/presentationml/2006/main">
   <p:cSld>
     <p:spTree>
@@ -20243,7 +22008,15 @@
           <a:bodyPr/>
           <a:lstStyle/>
           <a:p>
-            <a:endParaRPr lang="zh-TW" altLang="en-US" dirty="0"/>
+            <a:r>
+              <a:rPr lang="en-US" altLang="zh-CN" dirty="0" smtClean="0"/>
+              <a:t>Localhost </a:t>
+            </a:r>
+            <a:r>
+              <a:rPr lang="zh-CN" altLang="en-US" dirty="0" smtClean="0"/>
+              <a:t>網絡</a:t>
+            </a:r>
+            <a:endParaRPr lang="en-US" altLang="zh-CN" dirty="0"/>
           </a:p>
         </p:txBody>
       </p:sp>
@@ -20256,14 +22029,14 @@
           <p:nvPr>
             <p:extLst>
               <p:ext uri="{D42A27DB-BD31-4B8C-83A1-F6EECF244321}">
-                <p14:modId xmlns:p14="http://schemas.microsoft.com/office/powerpoint/2010/main" val="751666852"/>
+                <p14:modId xmlns:p14="http://schemas.microsoft.com/office/powerpoint/2010/main" val="93643951"/>
               </p:ext>
             </p:extLst>
           </p:nvPr>
         </p:nvGraphicFramePr>
         <p:xfrm>
           <a:off x="2032000" y="3062448"/>
-          <a:ext cx="8128000" cy="1478280"/>
+          <a:ext cx="6773335" cy="1752600"/>
         </p:xfrm>
         <a:graphic>
           <a:graphicData uri="http://schemas.openxmlformats.org/drawingml/2006/table">
@@ -20272,11 +22045,11 @@
                 <a:tableStyleId>{5C22544A-7EE6-4342-B048-85BDC9FD1C3A}</a:tableStyleId>
               </a:tblPr>
               <a:tblGrid>
-                <a:gridCol w="1625600"/>
-                <a:gridCol w="1625600"/>
-                <a:gridCol w="1625600"/>
-                <a:gridCol w="1625600"/>
-                <a:gridCol w="1625600"/>
+                <a:gridCol w="1354667"/>
+                <a:gridCol w="1354667"/>
+                <a:gridCol w="1354667"/>
+                <a:gridCol w="1354667"/>
+                <a:gridCol w="1354667"/>
               </a:tblGrid>
               <a:tr h="0">
                 <a:tc>
@@ -20320,16 +22093,8 @@
                     <a:p>
                       <a:pPr algn="ctr"/>
                       <a:r>
-                        <a:rPr lang="en-US" altLang="zh-TW" dirty="0" smtClean="0"/>
-                        <a:t>Stream</a:t>
-                      </a:r>
-                      <a:r>
-                        <a:rPr lang="en-US" altLang="zh-TW" baseline="0" dirty="0" smtClean="0"/>
-                        <a:t> </a:t>
-                      </a:r>
-                      <a:r>
-                        <a:rPr lang="en-US" altLang="zh-TW" dirty="0" err="1" smtClean="0"/>
-                        <a:t>gRPC</a:t>
+                        <a:rPr lang="en-US" altLang="zh-CN" dirty="0" smtClean="0"/>
+                        <a:t>RESTful</a:t>
                       </a:r>
                       <a:endParaRPr lang="zh-TW" altLang="en-US" dirty="0"/>
                     </a:p>
@@ -20343,8 +22108,16 @@
                     <a:p>
                       <a:pPr algn="ctr"/>
                       <a:r>
-                        <a:rPr lang="en-US" altLang="zh-CN" dirty="0" smtClean="0"/>
-                        <a:t>RESTful</a:t>
+                        <a:rPr lang="en-US" altLang="zh-TW" dirty="0" smtClean="0"/>
+                        <a:t>Stream</a:t>
+                      </a:r>
+                      <a:r>
+                        <a:rPr lang="en-US" altLang="zh-TW" baseline="0" dirty="0" smtClean="0"/>
+                        <a:t> </a:t>
+                      </a:r>
+                      <a:r>
+                        <a:rPr lang="en-US" altLang="zh-TW" dirty="0" err="1" smtClean="0"/>
+                        <a:t>gRPC</a:t>
                       </a:r>
                       <a:endParaRPr lang="zh-TW" altLang="en-US" dirty="0"/>
                     </a:p>
@@ -20409,7 +22182,7 @@
                       <a:pPr algn="ctr"/>
                       <a:r>
                         <a:rPr lang="en-US" altLang="zh-TW" dirty="0" smtClean="0"/>
-                        <a:t>0.25s</a:t>
+                        <a:t>1.4s</a:t>
                       </a:r>
                       <a:endParaRPr lang="zh-TW" altLang="en-US" dirty="0"/>
                     </a:p>
@@ -20424,7 +22197,7 @@
                       <a:pPr algn="ctr"/>
                       <a:r>
                         <a:rPr lang="en-US" altLang="zh-TW" dirty="0" smtClean="0"/>
-                        <a:t>1.4s</a:t>
+                        <a:t>0.25s</a:t>
                       </a:r>
                       <a:endParaRPr lang="zh-TW" altLang="en-US" dirty="0"/>
                     </a:p>
@@ -20486,7 +22259,7 @@
                       <a:pPr algn="ctr"/>
                       <a:r>
                         <a:rPr lang="en-US" altLang="zh-TW" dirty="0" smtClean="0"/>
-                        <a:t>0.6s</a:t>
+                        <a:t>2.6s</a:t>
                       </a:r>
                       <a:endParaRPr lang="zh-TW" altLang="en-US" dirty="0"/>
                     </a:p>
@@ -20501,7 +22274,7 @@
                       <a:pPr algn="ctr"/>
                       <a:r>
                         <a:rPr lang="en-US" altLang="zh-TW" dirty="0" smtClean="0"/>
-                        <a:t>2.6s</a:t>
+                        <a:t>0.6s</a:t>
                       </a:r>
                       <a:endParaRPr lang="zh-TW" altLang="en-US" dirty="0"/>
                     </a:p>
@@ -20563,7 +22336,7 @@
                       <a:pPr algn="ctr"/>
                       <a:r>
                         <a:rPr lang="en-US" altLang="zh-TW" dirty="0" smtClean="0"/>
-                        <a:t>3.0s</a:t>
+                        <a:t>16s</a:t>
                       </a:r>
                       <a:endParaRPr lang="zh-TW" altLang="en-US" dirty="0"/>
                     </a:p>
@@ -20578,7 +22351,7 @@
                       <a:pPr algn="ctr"/>
                       <a:r>
                         <a:rPr lang="en-US" altLang="zh-TW" dirty="0" smtClean="0"/>
-                        <a:t>16s</a:t>
+                        <a:t>3.0s</a:t>
                       </a:r>
                       <a:endParaRPr lang="zh-TW" altLang="en-US" dirty="0"/>
                     </a:p>
@@ -20625,7 +22398,7 @@
 </p:sld>
 </file>
 
-<file path=ppt/slides/slide34.xml><?xml version="1.0" encoding="utf-8"?>
+<file path=ppt/slides/slide36.xml><?xml version="1.0" encoding="utf-8"?>
 <p:sld xmlns:a="http://schemas.openxmlformats.org/drawingml/2006/main" xmlns:r="http://schemas.openxmlformats.org/officeDocument/2006/relationships" xmlns:p="http://schemas.openxmlformats.org/presentationml/2006/main">
   <p:cSld>
     <p:spTree>
@@ -20738,7 +22511,7 @@
 </p:sld>
 </file>
 
-<file path=ppt/slides/slide35.xml><?xml version="1.0" encoding="utf-8"?>
+<file path=ppt/slides/slide37.xml><?xml version="1.0" encoding="utf-8"?>
 <p:sld xmlns:a="http://schemas.openxmlformats.org/drawingml/2006/main" xmlns:r="http://schemas.openxmlformats.org/officeDocument/2006/relationships" xmlns:p="http://schemas.openxmlformats.org/presentationml/2006/main">
   <p:cSld>
     <p:spTree>
@@ -20795,7 +22568,7 @@
           <p:nvPr>
             <p:extLst>
               <p:ext uri="{D42A27DB-BD31-4B8C-83A1-F6EECF244321}">
-                <p14:modId xmlns:p14="http://schemas.microsoft.com/office/powerpoint/2010/main" val="1430648202"/>
+                <p14:modId xmlns:p14="http://schemas.microsoft.com/office/powerpoint/2010/main" val="1190544007"/>
               </p:ext>
             </p:extLst>
           </p:nvPr>
@@ -20822,8 +22595,12 @@
                     <a:p>
                       <a:pPr algn="ctr"/>
                       <a:r>
-                        <a:rPr lang="en-US" altLang="zh-CN" dirty="0" smtClean="0"/>
-                        <a:t>RESTful URL</a:t>
+                        <a:rPr lang="en-US" altLang="zh-TW" dirty="0" smtClean="0"/>
+                        <a:t>@</a:t>
+                      </a:r>
+                      <a:r>
+                        <a:rPr lang="en-US" altLang="zh-TW" dirty="0" err="1" smtClean="0"/>
+                        <a:t>RequestMapping</a:t>
                       </a:r>
                       <a:r>
                         <a:rPr lang="zh-CN" altLang="en-US" dirty="0" smtClean="0"/>
@@ -21060,6 +22837,85 @@
           <a:bodyPr/>
           <a:lstStyle/>
           <a:p>
+            <a:r>
+              <a:rPr lang="en-US" altLang="zh-TW" dirty="0"/>
+              <a:t>@</a:t>
+            </a:r>
+            <a:r>
+              <a:rPr lang="en-US" altLang="zh-TW" dirty="0" err="1"/>
+              <a:t>RequestMapping</a:t>
+            </a:r>
+            <a:r>
+              <a:rPr lang="en-US" altLang="zh-TW" dirty="0"/>
+              <a:t>(path = "/list/</a:t>
+            </a:r>
+            <a:r>
+              <a:rPr lang="en-US" altLang="zh-TW" dirty="0" err="1"/>
+              <a:t>cityId</a:t>
+            </a:r>
+            <a:r>
+              <a:rPr lang="en-US" altLang="zh-TW" dirty="0"/>
+              <a:t>/{</a:t>
+            </a:r>
+            <a:r>
+              <a:rPr lang="en-US" altLang="zh-TW" dirty="0" err="1"/>
+              <a:t>cityId</a:t>
+            </a:r>
+            <a:r>
+              <a:rPr lang="en-US" altLang="zh-TW" dirty="0"/>
+              <a:t>}", method = </a:t>
+            </a:r>
+            <a:r>
+              <a:rPr lang="en-US" altLang="zh-TW" dirty="0" err="1"/>
+              <a:t>RequestMethod.GET</a:t>
+            </a:r>
+            <a:r>
+              <a:rPr lang="en-US" altLang="zh-TW" dirty="0"/>
+              <a:t>) @</a:t>
+            </a:r>
+            <a:r>
+              <a:rPr lang="en-US" altLang="zh-TW" dirty="0" err="1"/>
+              <a:t>ResponseBody</a:t>
+            </a:r>
+            <a:r>
+              <a:rPr lang="en-US" altLang="zh-TW" dirty="0"/>
+              <a:t> </a:t>
+            </a:r>
+            <a:endParaRPr lang="en-US" altLang="zh-TW" dirty="0" smtClean="0"/>
+          </a:p>
+          <a:p>
+            <a:r>
+              <a:rPr lang="en-US" altLang="zh-TW" dirty="0" smtClean="0"/>
+              <a:t>public </a:t>
+            </a:r>
+            <a:r>
+              <a:rPr lang="en-US" altLang="zh-TW" dirty="0"/>
+              <a:t>String </a:t>
+            </a:r>
+            <a:r>
+              <a:rPr lang="en-US" altLang="zh-TW" dirty="0" err="1"/>
+              <a:t>getJsonByCityId</a:t>
+            </a:r>
+            <a:r>
+              <a:rPr lang="en-US" altLang="zh-TW" dirty="0"/>
+              <a:t>(@</a:t>
+            </a:r>
+            <a:r>
+              <a:rPr lang="en-US" altLang="zh-TW" dirty="0" err="1"/>
+              <a:t>PathVariable</a:t>
+            </a:r>
+            <a:r>
+              <a:rPr lang="en-US" altLang="zh-TW" dirty="0"/>
+              <a:t> Integer </a:t>
+            </a:r>
+            <a:r>
+              <a:rPr lang="en-US" altLang="zh-TW" dirty="0" err="1"/>
+              <a:t>cityId</a:t>
+            </a:r>
+            <a:r>
+              <a:rPr lang="en-US" altLang="zh-TW" dirty="0"/>
+              <a:t>)</a:t>
+            </a:r>
             <a:endParaRPr lang="zh-TW" altLang="en-US" dirty="0"/>
           </a:p>
         </p:txBody>
@@ -21068,541 +22924,6 @@
     <p:extLst>
       <p:ext uri="{BB962C8B-B14F-4D97-AF65-F5344CB8AC3E}">
         <p14:creationId xmlns:p14="http://schemas.microsoft.com/office/powerpoint/2010/main" val="3550521579"/>
-      </p:ext>
-    </p:extLst>
-  </p:cSld>
-  <p:clrMapOvr>
-    <a:masterClrMapping/>
-  </p:clrMapOvr>
-  <p:timing>
-    <p:tnLst>
-      <p:par>
-        <p:cTn id="1" dur="indefinite" restart="never" nodeType="tmRoot"/>
-      </p:par>
-    </p:tnLst>
-  </p:timing>
-</p:sld>
-</file>
-
-<file path=ppt/slides/slide36.xml><?xml version="1.0" encoding="utf-8"?>
-<p:sld xmlns:a="http://schemas.openxmlformats.org/drawingml/2006/main" xmlns:r="http://schemas.openxmlformats.org/officeDocument/2006/relationships" xmlns:p="http://schemas.openxmlformats.org/presentationml/2006/main">
-  <p:cSld>
-    <p:spTree>
-      <p:nvGrpSpPr>
-        <p:cNvPr id="1" name=""/>
-        <p:cNvGrpSpPr/>
-        <p:nvPr/>
-      </p:nvGrpSpPr>
-      <p:grpSpPr>
-        <a:xfrm>
-          <a:off x="0" y="0"/>
-          <a:ext cx="0" cy="0"/>
-          <a:chOff x="0" y="0"/>
-          <a:chExt cx="0" cy="0"/>
-        </a:xfrm>
-      </p:grpSpPr>
-      <p:sp>
-        <p:nvSpPr>
-          <p:cNvPr id="2" name="標題 1"/>
-          <p:cNvSpPr>
-            <a:spLocks noGrp="1"/>
-          </p:cNvSpPr>
-          <p:nvPr>
-            <p:ph type="title"/>
-          </p:nvPr>
-        </p:nvSpPr>
-        <p:spPr/>
-        <p:txBody>
-          <a:bodyPr/>
-          <a:lstStyle/>
-          <a:p>
-            <a:r>
-              <a:rPr lang="zh-CN" altLang="en-US" dirty="0"/>
-              <a:t>有限的浏览器支持</a:t>
-            </a:r>
-          </a:p>
-        </p:txBody>
-      </p:sp>
-      <p:sp>
-        <p:nvSpPr>
-          <p:cNvPr id="3" name="內容版面配置區 2"/>
-          <p:cNvSpPr>
-            <a:spLocks noGrp="1"/>
-          </p:cNvSpPr>
-          <p:nvPr>
-            <p:ph sz="quarter" idx="13"/>
-          </p:nvPr>
-        </p:nvSpPr>
-        <p:spPr/>
-        <p:txBody>
-          <a:bodyPr/>
-          <a:lstStyle/>
-          <a:p>
-            <a:endParaRPr lang="zh-TW" altLang="en-US"/>
-          </a:p>
-        </p:txBody>
-      </p:sp>
-      <p:sp>
-        <p:nvSpPr>
-          <p:cNvPr id="4" name="內容版面配置區 3"/>
-          <p:cNvSpPr>
-            <a:spLocks noGrp="1"/>
-          </p:cNvSpPr>
-          <p:nvPr>
-            <p:ph sz="half" idx="1"/>
-          </p:nvPr>
-        </p:nvSpPr>
-        <p:spPr/>
-        <p:txBody>
-          <a:bodyPr/>
-          <a:lstStyle/>
-          <a:p>
-            <a:r>
-              <a:rPr lang="en-US" altLang="zh-TW" sz="2400" b="0" dirty="0" smtClean="0"/>
-              <a:t>	</a:t>
-            </a:r>
-            <a:r>
-              <a:rPr lang="en-US" altLang="zh-TW" sz="2400" b="0" dirty="0" err="1" smtClean="0"/>
-              <a:t>gRPC</a:t>
-            </a:r>
-            <a:r>
-              <a:rPr lang="zh-TW" altLang="en-US" sz="2400" b="0" dirty="0"/>
-              <a:t>已經有了多種編程語言的實現。但是，您仍然無法直接從瀏覽器中調用</a:t>
-            </a:r>
-            <a:r>
-              <a:rPr lang="en-US" altLang="zh-TW" sz="2400" b="0" dirty="0" err="1"/>
-              <a:t>gRPC</a:t>
-            </a:r>
-            <a:r>
-              <a:rPr lang="zh-TW" altLang="en-US" sz="2400" b="0" dirty="0"/>
-              <a:t>服務。</a:t>
-            </a:r>
-            <a:r>
-              <a:rPr lang="en-US" altLang="zh-TW" sz="2400" b="0" dirty="0" err="1"/>
-              <a:t>gRPC</a:t>
-            </a:r>
-            <a:r>
-              <a:rPr lang="zh-TW" altLang="en-US" sz="2400" b="0" dirty="0"/>
-              <a:t>大量使用了</a:t>
-            </a:r>
-            <a:r>
-              <a:rPr lang="en-US" altLang="zh-TW" sz="2400" b="0" dirty="0"/>
-              <a:t>HTTP / 2</a:t>
-            </a:r>
-            <a:r>
-              <a:rPr lang="zh-TW" altLang="en-US" sz="2400" b="0" dirty="0"/>
-              <a:t>的功能，卻沒有瀏覽器 提供支持</a:t>
-            </a:r>
-            <a:r>
-              <a:rPr lang="en-US" altLang="zh-TW" sz="2400" b="0" dirty="0" err="1"/>
-              <a:t>gRPC</a:t>
-            </a:r>
-            <a:r>
-              <a:rPr lang="zh-TW" altLang="en-US" sz="2400" b="0" dirty="0"/>
-              <a:t>客戶端的</a:t>
-            </a:r>
-            <a:r>
-              <a:rPr lang="en-US" altLang="zh-TW" sz="2400" b="0" dirty="0"/>
-              <a:t>Web</a:t>
-            </a:r>
-            <a:r>
-              <a:rPr lang="zh-TW" altLang="en-US" sz="2400" b="0" dirty="0"/>
-              <a:t>請求所需的控制級別。例如，瀏覽器調用調用者要求使用</a:t>
-            </a:r>
-            <a:r>
-              <a:rPr lang="en-US" altLang="zh-TW" sz="2400" b="0" dirty="0"/>
-              <a:t>HTTP / 2</a:t>
-            </a:r>
-            <a:r>
-              <a:rPr lang="zh-TW" altLang="en-US" sz="2400" b="0" dirty="0"/>
-              <a:t>，或提供對</a:t>
-            </a:r>
-            <a:r>
-              <a:rPr lang="en-US" altLang="zh-TW" sz="2400" b="0" dirty="0"/>
-              <a:t>HTTP / 2</a:t>
-            </a:r>
-            <a:r>
-              <a:rPr lang="zh-TW" altLang="en-US" sz="2400" b="0" dirty="0"/>
-              <a:t>協議之下的幀的訪問。</a:t>
-            </a:r>
-          </a:p>
-          <a:p>
-            <a:r>
-              <a:rPr lang="en-US" altLang="zh-TW" sz="2400" b="0" dirty="0" smtClean="0"/>
-              <a:t>	</a:t>
-            </a:r>
-            <a:r>
-              <a:rPr lang="en-US" altLang="zh-TW" sz="2400" b="0" dirty="0" err="1" smtClean="0"/>
-              <a:t>gRPC</a:t>
-            </a:r>
-            <a:r>
-              <a:rPr lang="en-US" altLang="zh-TW" sz="2400" b="0" dirty="0" smtClean="0"/>
-              <a:t>-Web</a:t>
-            </a:r>
-            <a:r>
-              <a:rPr lang="zh-TW" altLang="en-US" sz="2400" b="0" dirty="0"/>
-              <a:t>是</a:t>
-            </a:r>
-            <a:r>
-              <a:rPr lang="en-US" altLang="zh-TW" sz="2400" b="0" dirty="0" err="1"/>
-              <a:t>gRPC</a:t>
-            </a:r>
-            <a:r>
-              <a:rPr lang="zh-TW" altLang="en-US" sz="2400" b="0" dirty="0"/>
-              <a:t>團隊的另一項技術，可在瀏覽器中提供有限的</a:t>
-            </a:r>
-            <a:r>
-              <a:rPr lang="en-US" altLang="zh-TW" sz="2400" b="0" dirty="0" err="1"/>
-              <a:t>gRPC</a:t>
-            </a:r>
-            <a:r>
-              <a:rPr lang="zh-TW" altLang="en-US" sz="2400" b="0" dirty="0"/>
-              <a:t>支持。</a:t>
-            </a:r>
-            <a:r>
-              <a:rPr lang="en-US" altLang="zh-TW" sz="2400" b="0" dirty="0" err="1"/>
-              <a:t>gRPC</a:t>
-            </a:r>
-            <a:r>
-              <a:rPr lang="en-US" altLang="zh-TW" sz="2400" b="0" dirty="0"/>
-              <a:t>-Web</a:t>
-            </a:r>
-            <a:r>
-              <a:rPr lang="zh-TW" altLang="en-US" sz="2400" b="0" dirty="0"/>
-              <a:t>由兩部分組成：一個支持所有現代瀏覽器的</a:t>
-            </a:r>
-            <a:r>
-              <a:rPr lang="en-US" altLang="zh-TW" sz="2400" b="0" dirty="0"/>
-              <a:t>JavaScript</a:t>
-            </a:r>
-            <a:r>
-              <a:rPr lang="zh-TW" altLang="en-US" sz="2400" b="0" dirty="0"/>
-              <a:t>客戶端，以及服務器上的一個</a:t>
-            </a:r>
-            <a:r>
-              <a:rPr lang="en-US" altLang="zh-TW" sz="2400" b="0" dirty="0" err="1"/>
-              <a:t>gRPC</a:t>
-            </a:r>
-            <a:r>
-              <a:rPr lang="en-US" altLang="zh-TW" sz="2400" b="0" dirty="0"/>
-              <a:t>-Web </a:t>
-            </a:r>
-            <a:r>
-              <a:rPr lang="zh-TW" altLang="en-US" sz="2400" b="0" dirty="0"/>
-              <a:t>代理。</a:t>
-            </a:r>
-            <a:r>
-              <a:rPr lang="en-US" altLang="zh-TW" sz="2400" b="0" dirty="0" err="1"/>
-              <a:t>gRPC</a:t>
-            </a:r>
-            <a:r>
-              <a:rPr lang="en-US" altLang="zh-TW" sz="2400" b="0" dirty="0"/>
-              <a:t>-Web</a:t>
-            </a:r>
-            <a:r>
-              <a:rPr lang="zh-TW" altLang="en-US" sz="2400" b="0" dirty="0"/>
-              <a:t>客戶端調用代理，代理將</a:t>
-            </a:r>
-            <a:r>
-              <a:rPr lang="en-US" altLang="zh-TW" sz="2400" b="0" dirty="0" err="1"/>
-              <a:t>gRPC</a:t>
-            </a:r>
-            <a:r>
-              <a:rPr lang="zh-TW" altLang="en-US" sz="2400" b="0" dirty="0"/>
-              <a:t>請求轉發到</a:t>
-            </a:r>
-            <a:r>
-              <a:rPr lang="en-US" altLang="zh-TW" sz="2400" b="0" dirty="0" err="1"/>
-              <a:t>gRPC</a:t>
-            </a:r>
-            <a:r>
-              <a:rPr lang="zh-TW" altLang="en-US" sz="2400" b="0" dirty="0"/>
-              <a:t>服務器。</a:t>
-            </a:r>
-          </a:p>
-          <a:p>
-            <a:r>
-              <a:rPr lang="en-US" altLang="zh-TW" sz="2400" b="0" dirty="0" smtClean="0"/>
-              <a:t>	</a:t>
-            </a:r>
-            <a:r>
-              <a:rPr lang="en-US" altLang="zh-TW" sz="2400" b="0" dirty="0" err="1" smtClean="0"/>
-              <a:t>gRPC</a:t>
-            </a:r>
-            <a:r>
-              <a:rPr lang="en-US" altLang="zh-TW" sz="2400" b="0" dirty="0" smtClean="0"/>
-              <a:t>-Web</a:t>
-            </a:r>
-            <a:r>
-              <a:rPr lang="zh-TW" altLang="en-US" sz="2400" b="0" dirty="0"/>
-              <a:t>並非支持所有</a:t>
-            </a:r>
-            <a:r>
-              <a:rPr lang="en-US" altLang="zh-TW" sz="2400" b="0" dirty="0" err="1"/>
-              <a:t>gRPC</a:t>
-            </a:r>
-            <a:r>
-              <a:rPr lang="zh-TW" altLang="en-US" sz="2400" b="0" dirty="0"/>
-              <a:t>的功能。例如，它不支持客戶端和雙向流，並且對服務器流的支持也很有限。</a:t>
-            </a:r>
-            <a:endParaRPr lang="zh-TW" altLang="en-US" sz="2400" dirty="0"/>
-          </a:p>
-        </p:txBody>
-      </p:sp>
-    </p:spTree>
-    <p:extLst>
-      <p:ext uri="{BB962C8B-B14F-4D97-AF65-F5344CB8AC3E}">
-        <p14:creationId xmlns:p14="http://schemas.microsoft.com/office/powerpoint/2010/main" val="276030292"/>
-      </p:ext>
-    </p:extLst>
-  </p:cSld>
-  <p:clrMapOvr>
-    <a:masterClrMapping/>
-  </p:clrMapOvr>
-  <p:timing>
-    <p:tnLst>
-      <p:par>
-        <p:cTn id="1" dur="indefinite" restart="never" nodeType="tmRoot"/>
-      </p:par>
-    </p:tnLst>
-  </p:timing>
-</p:sld>
-</file>
-
-<file path=ppt/slides/slide37.xml><?xml version="1.0" encoding="utf-8"?>
-<p:sld xmlns:a="http://schemas.openxmlformats.org/drawingml/2006/main" xmlns:r="http://schemas.openxmlformats.org/officeDocument/2006/relationships" xmlns:p="http://schemas.openxmlformats.org/presentationml/2006/main">
-  <p:cSld>
-    <p:spTree>
-      <p:nvGrpSpPr>
-        <p:cNvPr id="1" name=""/>
-        <p:cNvGrpSpPr/>
-        <p:nvPr/>
-      </p:nvGrpSpPr>
-      <p:grpSpPr>
-        <a:xfrm>
-          <a:off x="0" y="0"/>
-          <a:ext cx="0" cy="0"/>
-          <a:chOff x="0" y="0"/>
-          <a:chExt cx="0" cy="0"/>
-        </a:xfrm>
-      </p:grpSpPr>
-      <p:sp>
-        <p:nvSpPr>
-          <p:cNvPr id="2" name="標題 1"/>
-          <p:cNvSpPr>
-            <a:spLocks noGrp="1"/>
-          </p:cNvSpPr>
-          <p:nvPr>
-            <p:ph type="title"/>
-          </p:nvPr>
-        </p:nvSpPr>
-        <p:spPr/>
-        <p:txBody>
-          <a:bodyPr/>
-          <a:lstStyle/>
-          <a:p>
-            <a:r>
-              <a:rPr lang="zh-TW" altLang="en-US" dirty="0"/>
-              <a:t>不可</a:t>
-            </a:r>
-            <a:r>
-              <a:rPr lang="zh-TW" altLang="en-US" dirty="0" smtClean="0"/>
-              <a:t>读</a:t>
-            </a:r>
-            <a:endParaRPr lang="zh-TW" altLang="en-US" dirty="0"/>
-          </a:p>
-        </p:txBody>
-      </p:sp>
-      <p:sp>
-        <p:nvSpPr>
-          <p:cNvPr id="3" name="內容版面配置區 2"/>
-          <p:cNvSpPr>
-            <a:spLocks noGrp="1"/>
-          </p:cNvSpPr>
-          <p:nvPr>
-            <p:ph sz="quarter" idx="13"/>
-          </p:nvPr>
-        </p:nvSpPr>
-        <p:spPr/>
-        <p:txBody>
-          <a:bodyPr/>
-          <a:lstStyle/>
-          <a:p>
-            <a:endParaRPr lang="zh-TW" altLang="en-US"/>
-          </a:p>
-        </p:txBody>
-      </p:sp>
-      <p:sp>
-        <p:nvSpPr>
-          <p:cNvPr id="4" name="內容版面配置區 3"/>
-          <p:cNvSpPr>
-            <a:spLocks noGrp="1"/>
-          </p:cNvSpPr>
-          <p:nvPr>
-            <p:ph sz="half" idx="1"/>
-          </p:nvPr>
-        </p:nvSpPr>
-        <p:spPr/>
-        <p:txBody>
-          <a:bodyPr/>
-          <a:lstStyle/>
-          <a:p>
-            <a:r>
-              <a:rPr lang="en-US" altLang="zh-TW" sz="2400" b="0" dirty="0" smtClean="0"/>
-              <a:t>	</a:t>
-            </a:r>
-            <a:r>
-              <a:rPr lang="zh-TW" altLang="en-US" sz="2400" b="0" dirty="0" smtClean="0"/>
-              <a:t>使用</a:t>
-            </a:r>
-            <a:r>
-              <a:rPr lang="en-US" altLang="zh-TW" sz="2400" b="0" dirty="0"/>
-              <a:t>JSON</a:t>
-            </a:r>
-            <a:r>
-              <a:rPr lang="zh-TW" altLang="en-US" sz="2400" b="0" dirty="0"/>
-              <a:t>的</a:t>
-            </a:r>
-            <a:r>
-              <a:rPr lang="en-US" altLang="zh-TW" sz="2400" b="0" dirty="0"/>
-              <a:t>HTTP API</a:t>
-            </a:r>
-            <a:r>
-              <a:rPr lang="zh-TW" altLang="en-US" sz="2400" b="0" dirty="0"/>
-              <a:t>請求以文本形式發送，並適合利於閱讀和創建。</a:t>
-            </a:r>
-          </a:p>
-          <a:p>
-            <a:r>
-              <a:rPr lang="en-US" altLang="zh-TW" sz="2400" b="0" dirty="0" smtClean="0"/>
-              <a:t>	</a:t>
-            </a:r>
-            <a:r>
-              <a:rPr lang="zh-TW" altLang="en-US" sz="2400" b="0" dirty="0" smtClean="0"/>
-              <a:t>默認</a:t>
-            </a:r>
-            <a:r>
-              <a:rPr lang="zh-TW" altLang="en-US" sz="2400" b="0" dirty="0"/>
-              <a:t>情況下，</a:t>
-            </a:r>
-            <a:r>
-              <a:rPr lang="en-US" altLang="zh-TW" sz="2400" b="0" dirty="0" err="1"/>
-              <a:t>gRPC</a:t>
-            </a:r>
-            <a:r>
-              <a:rPr lang="zh-TW" altLang="en-US" sz="2400" b="0" dirty="0"/>
-              <a:t>消息使用</a:t>
-            </a:r>
-            <a:r>
-              <a:rPr lang="en-US" altLang="zh-TW" sz="2400" b="0" dirty="0" err="1"/>
-              <a:t>Protobuf</a:t>
-            </a:r>
-            <a:r>
-              <a:rPr lang="zh-TW" altLang="en-US" sz="2400" b="0" dirty="0"/>
-              <a:t>編碼。甚至</a:t>
-            </a:r>
-            <a:r>
-              <a:rPr lang="en-US" altLang="zh-TW" sz="2400" b="0" dirty="0" err="1"/>
-              <a:t>Protobuf</a:t>
-            </a:r>
-            <a:r>
-              <a:rPr lang="zh-TW" altLang="en-US" sz="2400" b="0" dirty="0"/>
-              <a:t>可以高效發送和接收，但其二進制格式不是很容易的。 需要額外的工具來分析網絡上的</a:t>
-            </a:r>
-            <a:r>
-              <a:rPr lang="en-US" altLang="zh-TW" sz="2400" b="0" dirty="0" err="1"/>
-              <a:t>Protobuf</a:t>
-            </a:r>
-            <a:r>
-              <a:rPr lang="zh-TW" altLang="en-US" sz="2400" b="0" dirty="0"/>
-              <a:t>有效負載並手動編寫請求。</a:t>
-            </a:r>
-          </a:p>
-          <a:p>
-            <a:r>
-              <a:rPr lang="en-US" altLang="zh-TW" sz="2400" b="0" dirty="0" smtClean="0"/>
-              <a:t>	</a:t>
-            </a:r>
-            <a:r>
-              <a:rPr lang="zh-TW" altLang="en-US" sz="2400" b="0" dirty="0" smtClean="0"/>
-              <a:t>好</a:t>
-            </a:r>
-            <a:r>
-              <a:rPr lang="zh-CN" altLang="en-US" sz="2400" b="0" dirty="0" smtClean="0"/>
-              <a:t>在</a:t>
-            </a:r>
-            <a:r>
-              <a:rPr lang="zh-TW" altLang="en-US" sz="2400" b="0" dirty="0" smtClean="0"/>
-              <a:t>，</a:t>
-            </a:r>
-            <a:r>
-              <a:rPr lang="zh-TW" altLang="en-US" sz="2400" b="0" dirty="0"/>
-              <a:t>已經有一些服務器反射和</a:t>
-            </a:r>
-            <a:r>
-              <a:rPr lang="en-US" altLang="zh-TW" sz="2400" b="0" dirty="0" err="1"/>
-              <a:t>gRPC</a:t>
-            </a:r>
-            <a:r>
-              <a:rPr lang="zh-TW" altLang="en-US" sz="2400" b="0" dirty="0"/>
-              <a:t>命令行工具之類的功能來輔助二進制</a:t>
-            </a:r>
-            <a:r>
-              <a:rPr lang="en-US" altLang="zh-TW" sz="2400" b="0" dirty="0" err="1"/>
-              <a:t>Protobuf</a:t>
-            </a:r>
-            <a:r>
-              <a:rPr lang="zh-TW" altLang="en-US" sz="2400" b="0" dirty="0"/>
-              <a:t>消息。另外，</a:t>
-            </a:r>
-            <a:r>
-              <a:rPr lang="en-US" altLang="zh-TW" sz="2400" b="0" dirty="0" err="1"/>
-              <a:t>Protobuf</a:t>
-            </a:r>
-            <a:r>
-              <a:rPr lang="zh-TW" altLang="en-US" sz="2400" b="0" dirty="0"/>
-              <a:t>消息也支持與</a:t>
-            </a:r>
-            <a:r>
-              <a:rPr lang="en-US" altLang="zh-TW" sz="2400" b="0" dirty="0"/>
-              <a:t>JSON</a:t>
-            </a:r>
-            <a:r>
-              <a:rPr lang="zh-TW" altLang="en-US" sz="2400" b="0" dirty="0"/>
-              <a:t>之間的轉換。內置的</a:t>
-            </a:r>
-            <a:r>
-              <a:rPr lang="en-US" altLang="zh-TW" sz="2400" b="0" dirty="0"/>
-              <a:t>JSON</a:t>
-            </a:r>
-            <a:r>
-              <a:rPr lang="zh-TW" altLang="en-US" sz="2400" b="0" dirty="0"/>
-              <a:t>轉換提供了一種在調試時將 </a:t>
-            </a:r>
-            <a:r>
-              <a:rPr lang="en-US" altLang="zh-TW" sz="2400" b="0" dirty="0" err="1"/>
-              <a:t>Protobuf</a:t>
-            </a:r>
-            <a:r>
-              <a:rPr lang="zh-TW" altLang="en-US" sz="2400" b="0" dirty="0"/>
-              <a:t>消息與擴展的</a:t>
-            </a:r>
-            <a:r>
-              <a:rPr lang="en-US" altLang="zh-TW" sz="2400" b="0" dirty="0"/>
-              <a:t>JSON</a:t>
-            </a:r>
-            <a:r>
-              <a:rPr lang="zh-TW" altLang="en-US" sz="2400" b="0" dirty="0"/>
-              <a:t>形式之間相互轉換的有效方法。</a:t>
-            </a:r>
-            <a:endParaRPr lang="zh-TW" altLang="en-US" sz="2400" dirty="0"/>
-          </a:p>
-        </p:txBody>
-      </p:sp>
-    </p:spTree>
-    <p:extLst>
-      <p:ext uri="{BB962C8B-B14F-4D97-AF65-F5344CB8AC3E}">
-        <p14:creationId xmlns:p14="http://schemas.microsoft.com/office/powerpoint/2010/main" val="2897352568"/>
       </p:ext>
     </p:extLst>
   </p:cSld>
@@ -21638,41 +22959,43 @@
       </p:grpSpPr>
       <p:sp>
         <p:nvSpPr>
-          <p:cNvPr id="4" name="標題 3"/>
-          <p:cNvSpPr>
-            <a:spLocks noGrp="1"/>
-          </p:cNvSpPr>
-          <p:nvPr>
-            <p:ph type="ctrTitle"/>
+          <p:cNvPr id="2" name="標題 1"/>
+          <p:cNvSpPr>
+            <a:spLocks noGrp="1"/>
+          </p:cNvSpPr>
+          <p:nvPr>
+            <p:ph type="title"/>
           </p:nvPr>
         </p:nvSpPr>
         <p:spPr/>
         <p:txBody>
-          <a:bodyPr>
-            <a:normAutofit/>
-          </a:bodyPr>
-          <a:lstStyle/>
-          <a:p>
-            <a:r>
-              <a:rPr lang="en-US" altLang="zh-TW" sz="6600" dirty="0">
-                <a:latin typeface="Tw Cen MT" pitchFamily="34" charset="0"/>
-              </a:rPr>
-              <a:t>Thank You</a:t>
-            </a:r>
-            <a:endParaRPr lang="zh-TW" altLang="en-US" sz="6600" dirty="0">
-              <a:latin typeface="Tw Cen MT" pitchFamily="34" charset="0"/>
-            </a:endParaRPr>
-          </a:p>
-        </p:txBody>
-      </p:sp>
-      <p:sp>
-        <p:nvSpPr>
-          <p:cNvPr id="6" name="副標題 5"/>
-          <p:cNvSpPr>
-            <a:spLocks noGrp="1"/>
-          </p:cNvSpPr>
-          <p:nvPr>
-            <p:ph type="subTitle" idx="1"/>
+          <a:bodyPr/>
+          <a:lstStyle/>
+          <a:p>
+            <a:r>
+              <a:rPr lang="en-US" altLang="zh-CN" dirty="0" err="1" smtClean="0"/>
+              <a:t>gRPC</a:t>
+            </a:r>
+            <a:r>
+              <a:rPr lang="en-US" altLang="zh-CN" dirty="0" smtClean="0"/>
+              <a:t> </a:t>
+            </a:r>
+            <a:r>
+              <a:rPr lang="en-US" altLang="zh-CN" dirty="0" err="1" smtClean="0"/>
+              <a:t>loadbalaner</a:t>
+            </a:r>
+            <a:endParaRPr lang="zh-TW" altLang="en-US" dirty="0"/>
+          </a:p>
+        </p:txBody>
+      </p:sp>
+      <p:sp>
+        <p:nvSpPr>
+          <p:cNvPr id="3" name="內容版面配置區 2"/>
+          <p:cNvSpPr>
+            <a:spLocks noGrp="1"/>
+          </p:cNvSpPr>
+          <p:nvPr>
+            <p:ph sz="quarter" idx="13"/>
           </p:nvPr>
         </p:nvSpPr>
         <p:spPr/>
@@ -21680,66 +23003,132 @@
           <a:bodyPr/>
           <a:lstStyle/>
           <a:p>
-            <a:r>
-              <a:rPr lang="en-US" altLang="zh-TW" sz="2800" b="0" dirty="0" smtClean="0">
-                <a:latin typeface="Tw Cen MT" pitchFamily="34" charset="0"/>
-              </a:rPr>
-              <a:t>Q</a:t>
-            </a:r>
-            <a:r>
-              <a:rPr lang="zh-TW" altLang="en-US" sz="2800" b="0" dirty="0" smtClean="0">
-                <a:latin typeface="Tw Cen MT" pitchFamily="34" charset="0"/>
-              </a:rPr>
+            <a:endParaRPr lang="zh-TW" altLang="en-US" dirty="0"/>
+          </a:p>
+        </p:txBody>
+      </p:sp>
+      <p:sp>
+        <p:nvSpPr>
+          <p:cNvPr id="4" name="內容版面配置區 3"/>
+          <p:cNvSpPr>
+            <a:spLocks noGrp="1"/>
+          </p:cNvSpPr>
+          <p:nvPr>
+            <p:ph sz="half" idx="1"/>
+          </p:nvPr>
+        </p:nvSpPr>
+        <p:spPr/>
+        <p:txBody>
+          <a:bodyPr/>
+          <a:lstStyle/>
+          <a:p>
+            <a:r>
+              <a:rPr lang="en-US" altLang="zh-TW" dirty="0"/>
+              <a:t>.</a:t>
+            </a:r>
+            <a:r>
+              <a:rPr lang="en-US" altLang="zh-TW" dirty="0" err="1"/>
+              <a:t>defaultLoadBalancingPolicy</a:t>
+            </a:r>
+            <a:r>
+              <a:rPr lang="en-US" altLang="zh-TW" dirty="0"/>
+              <a:t>(</a:t>
+            </a:r>
+            <a:r>
+              <a:rPr lang="en-US" altLang="zh-TW" dirty="0"/>
+              <a:t>"</a:t>
+            </a:r>
+            <a:r>
+              <a:rPr lang="en-US" altLang="zh-TW" dirty="0" err="1"/>
+              <a:t>pick_first</a:t>
+            </a:r>
+            <a:r>
+              <a:rPr lang="en-US" altLang="zh-TW" dirty="0" smtClean="0"/>
+              <a:t>")</a:t>
+            </a:r>
+          </a:p>
+          <a:p>
+            <a:r>
+              <a:rPr lang="en-US" altLang="zh-TW" dirty="0"/>
+              <a:t>.</a:t>
+            </a:r>
+            <a:r>
+              <a:rPr lang="en-US" altLang="zh-TW" dirty="0" err="1"/>
+              <a:t>defaultLoadBalancingPolicy</a:t>
+            </a:r>
+            <a:r>
+              <a:rPr lang="en-US" altLang="zh-TW" dirty="0"/>
+              <a:t>(“</a:t>
+            </a:r>
+            <a:r>
+              <a:rPr lang="en-US" altLang="zh-TW" dirty="0" err="1" smtClean="0"/>
+              <a:t>round_robin</a:t>
+            </a:r>
+            <a:r>
+              <a:rPr lang="en-US" altLang="zh-TW" dirty="0" smtClean="0"/>
+              <a:t>")</a:t>
+            </a:r>
+          </a:p>
+          <a:p>
+            <a:endParaRPr lang="en-US" altLang="zh-TW" dirty="0"/>
+          </a:p>
+          <a:p>
+            <a:r>
+              <a:rPr lang="en-US" altLang="zh-TW" dirty="0" err="1"/>
+              <a:t>nameResolverFactory</a:t>
+            </a:r>
+            <a:r>
+              <a:rPr lang="en-US" altLang="zh-TW" dirty="0"/>
+              <a:t>(</a:t>
+            </a:r>
+            <a:r>
+              <a:rPr lang="en-US" altLang="zh-TW" dirty="0"/>
+              <a:t>new </a:t>
+            </a:r>
+            <a:r>
+              <a:rPr lang="en-US" altLang="zh-TW" dirty="0" err="1"/>
+              <a:t>LocalNameResolverProvider</a:t>
+            </a:r>
+            <a:r>
+              <a:rPr lang="en-US" altLang="zh-TW" dirty="0"/>
+              <a:t>(</a:t>
+            </a:r>
+            <a:r>
+              <a:rPr lang="en-US" altLang="zh-TW" dirty="0" err="1"/>
+              <a:t>consulHost</a:t>
+            </a:r>
+            <a:r>
+              <a:rPr lang="en-US" altLang="zh-TW" dirty="0" err="1"/>
+              <a:t>,</a:t>
+            </a:r>
+            <a:r>
+              <a:rPr lang="en-US" altLang="zh-TW" dirty="0" err="1"/>
+              <a:t>listConsulPort</a:t>
+            </a:r>
+            <a:r>
+              <a:rPr lang="en-US" altLang="zh-TW" dirty="0" smtClean="0"/>
+              <a:t>))</a:t>
+            </a:r>
+          </a:p>
+          <a:p>
+            <a:endParaRPr lang="en-US" altLang="zh-TW" dirty="0"/>
+          </a:p>
+          <a:p>
+            <a:r>
+              <a:rPr lang="zh-CN" altLang="en-US" dirty="0" smtClean="0"/>
+              <a:t>要自己</a:t>
+            </a:r>
+            <a:r>
+              <a:rPr lang="en-US" altLang="zh-CN" dirty="0" smtClean="0"/>
+              <a:t>override</a:t>
+            </a:r>
+            <a:r>
+              <a:rPr lang="zh-CN" altLang="en-US" dirty="0" smtClean="0"/>
               <a:t> </a:t>
             </a:r>
             <a:r>
-              <a:rPr lang="en-US" altLang="zh-TW" sz="2800" b="0" dirty="0">
-                <a:latin typeface="Tw Cen MT" pitchFamily="34" charset="0"/>
-              </a:rPr>
-              <a:t>&amp;</a:t>
-            </a:r>
-            <a:r>
-              <a:rPr lang="zh-TW" altLang="en-US" sz="2800" b="0" dirty="0">
-                <a:latin typeface="Tw Cen MT" pitchFamily="34" charset="0"/>
-              </a:rPr>
-              <a:t> </a:t>
-            </a:r>
-            <a:r>
-              <a:rPr lang="en-US" altLang="zh-TW" sz="2800" b="0" dirty="0">
-                <a:latin typeface="Tw Cen MT" pitchFamily="34" charset="0"/>
-              </a:rPr>
-              <a:t>A</a:t>
-            </a:r>
-            <a:endParaRPr lang="zh-TW" altLang="en-US" b="0" dirty="0">
-              <a:latin typeface="Tw Cen MT" pitchFamily="34" charset="0"/>
-            </a:endParaRPr>
-          </a:p>
-        </p:txBody>
-      </p:sp>
-      <p:sp>
-        <p:nvSpPr>
-          <p:cNvPr id="7" name="文字版面配置區 6"/>
-          <p:cNvSpPr>
-            <a:spLocks noGrp="1"/>
-          </p:cNvSpPr>
-          <p:nvPr>
-            <p:ph type="body" sz="quarter" idx="13"/>
-          </p:nvPr>
-        </p:nvSpPr>
-        <p:spPr/>
-        <p:txBody>
-          <a:bodyPr>
-            <a:normAutofit lnSpcReduction="10000"/>
-          </a:bodyPr>
-          <a:lstStyle/>
-          <a:p>
-            <a:r>
-              <a:rPr lang="en-US" altLang="zh-TW" dirty="0"/>
-              <a:t>By </a:t>
-            </a:r>
-            <a:r>
-              <a:rPr lang="en-US" altLang="zh-TW" dirty="0" smtClean="0"/>
-              <a:t>Beer</a:t>
+              <a:rPr lang="en-US" altLang="zh-CN" dirty="0" err="1" smtClean="0"/>
+              <a:t>LocalNameResolverProvice</a:t>
             </a:r>
             <a:endParaRPr lang="zh-TW" altLang="en-US" dirty="0"/>
           </a:p>
@@ -21748,13 +23137,319 @@
     </p:spTree>
     <p:extLst>
       <p:ext uri="{BB962C8B-B14F-4D97-AF65-F5344CB8AC3E}">
-        <p14:creationId xmlns:p14="http://schemas.microsoft.com/office/powerpoint/2010/main" val="3310412145"/>
+        <p14:creationId xmlns:p14="http://schemas.microsoft.com/office/powerpoint/2010/main" val="2972852265"/>
       </p:ext>
     </p:extLst>
   </p:cSld>
   <p:clrMapOvr>
     <a:masterClrMapping/>
   </p:clrMapOvr>
+</p:sld>
+</file>
+
+<file path=ppt/slides/slide39.xml><?xml version="1.0" encoding="utf-8"?>
+<p:sld xmlns:a="http://schemas.openxmlformats.org/drawingml/2006/main" xmlns:r="http://schemas.openxmlformats.org/officeDocument/2006/relationships" xmlns:p="http://schemas.openxmlformats.org/presentationml/2006/main">
+  <p:cSld>
+    <p:spTree>
+      <p:nvGrpSpPr>
+        <p:cNvPr id="1" name=""/>
+        <p:cNvGrpSpPr/>
+        <p:nvPr/>
+      </p:nvGrpSpPr>
+      <p:grpSpPr>
+        <a:xfrm>
+          <a:off x="0" y="0"/>
+          <a:ext cx="0" cy="0"/>
+          <a:chOff x="0" y="0"/>
+          <a:chExt cx="0" cy="0"/>
+        </a:xfrm>
+      </p:grpSpPr>
+      <p:sp>
+        <p:nvSpPr>
+          <p:cNvPr id="2" name="標題 1"/>
+          <p:cNvSpPr>
+            <a:spLocks noGrp="1"/>
+          </p:cNvSpPr>
+          <p:nvPr>
+            <p:ph type="title"/>
+          </p:nvPr>
+        </p:nvSpPr>
+        <p:spPr/>
+        <p:txBody>
+          <a:bodyPr/>
+          <a:lstStyle/>
+          <a:p>
+            <a:r>
+              <a:rPr lang="zh-CN" altLang="en-US" dirty="0" smtClean="0"/>
+              <a:t>缺點</a:t>
+            </a:r>
+            <a:r>
+              <a:rPr lang="en-US" altLang="zh-CN" dirty="0" smtClean="0"/>
+              <a:t>—</a:t>
+            </a:r>
+            <a:r>
+              <a:rPr lang="zh-CN" altLang="en-US" dirty="0" smtClean="0"/>
+              <a:t>有限的</a:t>
+            </a:r>
+            <a:r>
+              <a:rPr lang="zh-TW" altLang="en-US" dirty="0"/>
+              <a:t>瀏</a:t>
+            </a:r>
+            <a:r>
+              <a:rPr lang="zh-CN" altLang="en-US" dirty="0"/>
+              <a:t>覽器</a:t>
+            </a:r>
+            <a:r>
+              <a:rPr lang="zh-CN" altLang="en-US" dirty="0" smtClean="0"/>
+              <a:t>支持</a:t>
+            </a:r>
+            <a:endParaRPr lang="zh-CN" altLang="en-US" dirty="0"/>
+          </a:p>
+        </p:txBody>
+      </p:sp>
+      <p:sp>
+        <p:nvSpPr>
+          <p:cNvPr id="3" name="內容版面配置區 2"/>
+          <p:cNvSpPr>
+            <a:spLocks noGrp="1"/>
+          </p:cNvSpPr>
+          <p:nvPr>
+            <p:ph sz="quarter" idx="13"/>
+          </p:nvPr>
+        </p:nvSpPr>
+        <p:spPr/>
+        <p:txBody>
+          <a:bodyPr/>
+          <a:lstStyle/>
+          <a:p>
+            <a:endParaRPr lang="zh-TW" altLang="en-US"/>
+          </a:p>
+        </p:txBody>
+      </p:sp>
+      <p:sp>
+        <p:nvSpPr>
+          <p:cNvPr id="4" name="內容版面配置區 3"/>
+          <p:cNvSpPr>
+            <a:spLocks noGrp="1"/>
+          </p:cNvSpPr>
+          <p:nvPr>
+            <p:ph sz="half" idx="1"/>
+          </p:nvPr>
+        </p:nvSpPr>
+        <p:spPr/>
+        <p:txBody>
+          <a:bodyPr/>
+          <a:lstStyle/>
+          <a:p>
+            <a:r>
+              <a:rPr lang="en-US" altLang="zh-TW" sz="2400" b="0" dirty="0" smtClean="0"/>
+              <a:t>	</a:t>
+            </a:r>
+            <a:r>
+              <a:rPr lang="en-US" altLang="zh-TW" sz="2400" b="0" dirty="0" err="1" smtClean="0"/>
+              <a:t>gRPC</a:t>
+            </a:r>
+            <a:r>
+              <a:rPr lang="zh-TW" altLang="en-US" sz="2400" b="0" dirty="0"/>
+              <a:t>已經有了多種編程語言的實現。但是，您仍然無法直接從瀏覽器中調用</a:t>
+            </a:r>
+            <a:r>
+              <a:rPr lang="en-US" altLang="zh-TW" sz="2400" b="0" dirty="0" err="1"/>
+              <a:t>gRPC</a:t>
+            </a:r>
+            <a:r>
+              <a:rPr lang="zh-TW" altLang="en-US" sz="2400" b="0" dirty="0"/>
+              <a:t>服務。</a:t>
+            </a:r>
+            <a:r>
+              <a:rPr lang="en-US" altLang="zh-TW" sz="2400" b="0" dirty="0" err="1"/>
+              <a:t>gRPC</a:t>
+            </a:r>
+            <a:r>
+              <a:rPr lang="zh-TW" altLang="en-US" sz="2400" b="0" dirty="0"/>
+              <a:t>大量使用了</a:t>
+            </a:r>
+            <a:r>
+              <a:rPr lang="en-US" altLang="zh-TW" sz="2400" b="0" dirty="0"/>
+              <a:t>HTTP / 2</a:t>
+            </a:r>
+            <a:r>
+              <a:rPr lang="zh-TW" altLang="en-US" sz="2400" b="0" dirty="0"/>
+              <a:t>的功能，卻沒有瀏覽器 提供支持</a:t>
+            </a:r>
+            <a:r>
+              <a:rPr lang="en-US" altLang="zh-TW" sz="2400" b="0" dirty="0" err="1"/>
+              <a:t>gRPC</a:t>
+            </a:r>
+            <a:r>
+              <a:rPr lang="zh-TW" altLang="en-US" sz="2400" b="0" dirty="0"/>
+              <a:t>客戶端的</a:t>
+            </a:r>
+            <a:r>
+              <a:rPr lang="en-US" altLang="zh-TW" sz="2400" b="0" dirty="0"/>
+              <a:t>Web</a:t>
+            </a:r>
+            <a:r>
+              <a:rPr lang="zh-TW" altLang="en-US" sz="2400" b="0" dirty="0"/>
+              <a:t>請求所需的控制級別。例如，瀏覽器調用調用者要求使用</a:t>
+            </a:r>
+            <a:r>
+              <a:rPr lang="en-US" altLang="zh-TW" sz="2400" b="0" dirty="0"/>
+              <a:t>HTTP / 2</a:t>
+            </a:r>
+            <a:r>
+              <a:rPr lang="zh-TW" altLang="en-US" sz="2400" b="0" dirty="0"/>
+              <a:t>，或提供對</a:t>
+            </a:r>
+            <a:r>
+              <a:rPr lang="en-US" altLang="zh-TW" sz="2400" b="0" dirty="0"/>
+              <a:t>HTTP / 2</a:t>
+            </a:r>
+            <a:r>
+              <a:rPr lang="zh-TW" altLang="en-US" sz="2400" b="0" dirty="0"/>
+              <a:t>協議之下的幀的訪問。</a:t>
+            </a:r>
+          </a:p>
+          <a:p>
+            <a:r>
+              <a:rPr lang="en-US" altLang="zh-TW" sz="2400" b="0" dirty="0" smtClean="0"/>
+              <a:t>	</a:t>
+            </a:r>
+            <a:r>
+              <a:rPr lang="en-US" altLang="zh-TW" sz="2400" b="0" dirty="0" err="1" smtClean="0"/>
+              <a:t>gRPC</a:t>
+            </a:r>
+            <a:r>
+              <a:rPr lang="en-US" altLang="zh-TW" sz="2400" b="0" dirty="0" smtClean="0"/>
+              <a:t>-Web</a:t>
+            </a:r>
+            <a:r>
+              <a:rPr lang="zh-TW" altLang="en-US" sz="2400" b="0" dirty="0"/>
+              <a:t>是</a:t>
+            </a:r>
+            <a:r>
+              <a:rPr lang="en-US" altLang="zh-TW" sz="2400" b="0" dirty="0" err="1"/>
+              <a:t>gRPC</a:t>
+            </a:r>
+            <a:r>
+              <a:rPr lang="zh-TW" altLang="en-US" sz="2400" b="0" dirty="0"/>
+              <a:t>團隊的另一項技術，可在瀏覽器中提供有限的</a:t>
+            </a:r>
+            <a:r>
+              <a:rPr lang="en-US" altLang="zh-TW" sz="2400" b="0" dirty="0" err="1"/>
+              <a:t>gRPC</a:t>
+            </a:r>
+            <a:r>
+              <a:rPr lang="zh-TW" altLang="en-US" sz="2400" b="0" dirty="0"/>
+              <a:t>支持。</a:t>
+            </a:r>
+            <a:r>
+              <a:rPr lang="en-US" altLang="zh-TW" sz="2400" b="0" dirty="0" err="1"/>
+              <a:t>gRPC</a:t>
+            </a:r>
+            <a:r>
+              <a:rPr lang="en-US" altLang="zh-TW" sz="2400" b="0" dirty="0"/>
+              <a:t>-Web</a:t>
+            </a:r>
+            <a:r>
+              <a:rPr lang="zh-TW" altLang="en-US" sz="2400" b="0" dirty="0"/>
+              <a:t>由兩部分組成：一個支持所有現代瀏覽器的</a:t>
+            </a:r>
+            <a:r>
+              <a:rPr lang="en-US" altLang="zh-TW" sz="2400" b="0" dirty="0"/>
+              <a:t>JavaScript</a:t>
+            </a:r>
+            <a:r>
+              <a:rPr lang="zh-TW" altLang="en-US" sz="2400" b="0" dirty="0"/>
+              <a:t>客戶端，以及服務器上的一個</a:t>
+            </a:r>
+            <a:r>
+              <a:rPr lang="en-US" altLang="zh-TW" sz="2400" b="0" dirty="0" err="1"/>
+              <a:t>gRPC</a:t>
+            </a:r>
+            <a:r>
+              <a:rPr lang="en-US" altLang="zh-TW" sz="2400" b="0" dirty="0"/>
+              <a:t>-Web </a:t>
+            </a:r>
+            <a:r>
+              <a:rPr lang="zh-TW" altLang="en-US" sz="2400" b="0" dirty="0"/>
+              <a:t>代理。</a:t>
+            </a:r>
+            <a:r>
+              <a:rPr lang="en-US" altLang="zh-TW" sz="2400" b="0" dirty="0" err="1"/>
+              <a:t>gRPC</a:t>
+            </a:r>
+            <a:r>
+              <a:rPr lang="en-US" altLang="zh-TW" sz="2400" b="0" dirty="0"/>
+              <a:t>-Web</a:t>
+            </a:r>
+            <a:r>
+              <a:rPr lang="zh-TW" altLang="en-US" sz="2400" b="0" dirty="0"/>
+              <a:t>客戶端調用代理，代理將</a:t>
+            </a:r>
+            <a:r>
+              <a:rPr lang="en-US" altLang="zh-TW" sz="2400" b="0" dirty="0" err="1"/>
+              <a:t>gRPC</a:t>
+            </a:r>
+            <a:r>
+              <a:rPr lang="zh-TW" altLang="en-US" sz="2400" b="0" dirty="0"/>
+              <a:t>請求轉發到</a:t>
+            </a:r>
+            <a:r>
+              <a:rPr lang="en-US" altLang="zh-TW" sz="2400" b="0" dirty="0" err="1"/>
+              <a:t>gRPC</a:t>
+            </a:r>
+            <a:r>
+              <a:rPr lang="zh-TW" altLang="en-US" sz="2400" b="0" dirty="0"/>
+              <a:t>服務器。</a:t>
+            </a:r>
+          </a:p>
+          <a:p>
+            <a:r>
+              <a:rPr lang="en-US" altLang="zh-TW" sz="2400" b="0" dirty="0" smtClean="0"/>
+              <a:t>	</a:t>
+            </a:r>
+            <a:r>
+              <a:rPr lang="en-US" altLang="zh-TW" sz="2400" b="0" dirty="0" err="1" smtClean="0"/>
+              <a:t>gRPC</a:t>
+            </a:r>
+            <a:r>
+              <a:rPr lang="en-US" altLang="zh-TW" sz="2400" b="0" dirty="0" smtClean="0"/>
+              <a:t>-Web</a:t>
+            </a:r>
+            <a:r>
+              <a:rPr lang="zh-TW" altLang="en-US" sz="2400" b="0" dirty="0"/>
+              <a:t>並非支持所有</a:t>
+            </a:r>
+            <a:r>
+              <a:rPr lang="en-US" altLang="zh-TW" sz="2400" b="0" dirty="0" err="1"/>
+              <a:t>gRPC</a:t>
+            </a:r>
+            <a:r>
+              <a:rPr lang="zh-TW" altLang="en-US" sz="2400" b="0" dirty="0"/>
+              <a:t>的功能。例如，它不支持客戶端和雙向流，並且對服務器流的支持也很有限。</a:t>
+            </a:r>
+            <a:endParaRPr lang="zh-TW" altLang="en-US" sz="2400" dirty="0"/>
+          </a:p>
+        </p:txBody>
+      </p:sp>
+    </p:spTree>
+    <p:extLst>
+      <p:ext uri="{BB962C8B-B14F-4D97-AF65-F5344CB8AC3E}">
+        <p14:creationId xmlns:p14="http://schemas.microsoft.com/office/powerpoint/2010/main" val="276030292"/>
+      </p:ext>
+    </p:extLst>
+  </p:cSld>
+  <p:clrMapOvr>
+    <a:masterClrMapping/>
+  </p:clrMapOvr>
+  <p:timing>
+    <p:tnLst>
+      <p:par>
+        <p:cTn id="1" dur="indefinite" restart="never" nodeType="tmRoot"/>
+      </p:par>
+    </p:tnLst>
+  </p:timing>
 </p:sld>
 </file>
 
@@ -21852,7 +23547,6 @@
               <a:rPr lang="en-US" altLang="zh-CN" dirty="0" smtClean="0"/>
               <a:t>)</a:t>
             </a:r>
-            <a:endParaRPr lang="en-US" altLang="zh-CN" dirty="0" smtClean="0"/>
           </a:p>
         </p:txBody>
       </p:sp>
@@ -22259,6 +23953,509 @@
 </p:sld>
 </file>
 
+<file path=ppt/slides/slide40.xml><?xml version="1.0" encoding="utf-8"?>
+<p:sld xmlns:a="http://schemas.openxmlformats.org/drawingml/2006/main" xmlns:r="http://schemas.openxmlformats.org/officeDocument/2006/relationships" xmlns:p="http://schemas.openxmlformats.org/presentationml/2006/main">
+  <p:cSld>
+    <p:spTree>
+      <p:nvGrpSpPr>
+        <p:cNvPr id="1" name=""/>
+        <p:cNvGrpSpPr/>
+        <p:nvPr/>
+      </p:nvGrpSpPr>
+      <p:grpSpPr>
+        <a:xfrm>
+          <a:off x="0" y="0"/>
+          <a:ext cx="0" cy="0"/>
+          <a:chOff x="0" y="0"/>
+          <a:chExt cx="0" cy="0"/>
+        </a:xfrm>
+      </p:grpSpPr>
+      <p:sp>
+        <p:nvSpPr>
+          <p:cNvPr id="2" name="標題 1"/>
+          <p:cNvSpPr>
+            <a:spLocks noGrp="1"/>
+          </p:cNvSpPr>
+          <p:nvPr>
+            <p:ph type="title"/>
+          </p:nvPr>
+        </p:nvSpPr>
+        <p:spPr/>
+        <p:txBody>
+          <a:bodyPr/>
+          <a:lstStyle/>
+          <a:p>
+            <a:r>
+              <a:rPr lang="zh-CN" altLang="en-US" dirty="0"/>
+              <a:t>缺點</a:t>
+            </a:r>
+            <a:r>
+              <a:rPr lang="en-US" altLang="zh-CN" dirty="0" smtClean="0"/>
+              <a:t>—</a:t>
+            </a:r>
+            <a:r>
+              <a:rPr lang="zh-CN" altLang="en-US" dirty="0" smtClean="0"/>
+              <a:t>傳輸資料的</a:t>
+            </a:r>
+            <a:r>
+              <a:rPr lang="en-US" altLang="zh-CN" dirty="0" smtClean="0"/>
+              <a:t>Format</a:t>
+            </a:r>
+            <a:r>
+              <a:rPr lang="zh-CN" altLang="en-US" dirty="0" smtClean="0"/>
+              <a:t>問題</a:t>
+            </a:r>
+            <a:endParaRPr lang="zh-TW" altLang="en-US" dirty="0"/>
+          </a:p>
+        </p:txBody>
+      </p:sp>
+      <p:sp>
+        <p:nvSpPr>
+          <p:cNvPr id="3" name="內容版面配置區 2"/>
+          <p:cNvSpPr>
+            <a:spLocks noGrp="1"/>
+          </p:cNvSpPr>
+          <p:nvPr>
+            <p:ph sz="quarter" idx="13"/>
+          </p:nvPr>
+        </p:nvSpPr>
+        <p:spPr/>
+        <p:txBody>
+          <a:bodyPr/>
+          <a:lstStyle/>
+          <a:p>
+            <a:endParaRPr lang="zh-TW" altLang="en-US"/>
+          </a:p>
+        </p:txBody>
+      </p:sp>
+      <p:sp>
+        <p:nvSpPr>
+          <p:cNvPr id="4" name="內容版面配置區 3"/>
+          <p:cNvSpPr>
+            <a:spLocks noGrp="1"/>
+          </p:cNvSpPr>
+          <p:nvPr>
+            <p:ph sz="half" idx="1"/>
+          </p:nvPr>
+        </p:nvSpPr>
+        <p:spPr/>
+        <p:txBody>
+          <a:bodyPr/>
+          <a:lstStyle/>
+          <a:p>
+            <a:r>
+              <a:rPr lang="en-US" altLang="zh-TW" sz="2400" b="0" dirty="0" smtClean="0"/>
+              <a:t>	</a:t>
+            </a:r>
+            <a:r>
+              <a:rPr lang="zh-TW" altLang="en-US" sz="2400" b="0" dirty="0" smtClean="0"/>
+              <a:t>使用</a:t>
+            </a:r>
+            <a:r>
+              <a:rPr lang="en-US" altLang="zh-TW" sz="2400" b="0" dirty="0"/>
+              <a:t>JSON</a:t>
+            </a:r>
+            <a:r>
+              <a:rPr lang="zh-TW" altLang="en-US" sz="2400" b="0" dirty="0"/>
+              <a:t>的</a:t>
+            </a:r>
+            <a:r>
+              <a:rPr lang="en-US" altLang="zh-TW" sz="2400" b="0" dirty="0"/>
+              <a:t>HTTP API</a:t>
+            </a:r>
+            <a:r>
+              <a:rPr lang="zh-TW" altLang="en-US" sz="2400" b="0" dirty="0"/>
+              <a:t>請求以文本形式發送，並適合利於閱讀和創建。</a:t>
+            </a:r>
+          </a:p>
+          <a:p>
+            <a:r>
+              <a:rPr lang="en-US" altLang="zh-TW" sz="2400" b="0" dirty="0" smtClean="0"/>
+              <a:t>	</a:t>
+            </a:r>
+            <a:r>
+              <a:rPr lang="zh-TW" altLang="en-US" sz="2400" b="0" dirty="0" smtClean="0"/>
+              <a:t>默認</a:t>
+            </a:r>
+            <a:r>
+              <a:rPr lang="zh-TW" altLang="en-US" sz="2400" b="0" dirty="0"/>
+              <a:t>情況下，</a:t>
+            </a:r>
+            <a:r>
+              <a:rPr lang="en-US" altLang="zh-TW" sz="2400" b="0" dirty="0" err="1"/>
+              <a:t>gRPC</a:t>
+            </a:r>
+            <a:r>
+              <a:rPr lang="zh-TW" altLang="en-US" sz="2400" b="0" dirty="0"/>
+              <a:t>消息使用</a:t>
+            </a:r>
+            <a:r>
+              <a:rPr lang="en-US" altLang="zh-TW" sz="2400" b="0" dirty="0" err="1"/>
+              <a:t>Protobuf</a:t>
+            </a:r>
+            <a:r>
+              <a:rPr lang="zh-TW" altLang="en-US" sz="2400" b="0" dirty="0"/>
+              <a:t>編碼。甚至</a:t>
+            </a:r>
+            <a:r>
+              <a:rPr lang="en-US" altLang="zh-TW" sz="2400" b="0" dirty="0" err="1"/>
+              <a:t>Protobuf</a:t>
+            </a:r>
+            <a:r>
+              <a:rPr lang="zh-TW" altLang="en-US" sz="2400" b="0" dirty="0"/>
+              <a:t>可以高效發送和接收，但其二進制格式不是很容易的。 需要額外的工具來分析網絡上的</a:t>
+            </a:r>
+            <a:r>
+              <a:rPr lang="en-US" altLang="zh-TW" sz="2400" b="0" dirty="0" err="1"/>
+              <a:t>Protobuf</a:t>
+            </a:r>
+            <a:r>
+              <a:rPr lang="zh-TW" altLang="en-US" sz="2400" b="0" dirty="0"/>
+              <a:t>有效負載並手動編寫請求。</a:t>
+            </a:r>
+          </a:p>
+          <a:p>
+            <a:endParaRPr lang="en-US" altLang="zh-CN" sz="2400" b="0" dirty="0"/>
+          </a:p>
+          <a:p>
+            <a:r>
+              <a:rPr lang="zh-CN" altLang="en-US" sz="2400" b="0" dirty="0" smtClean="0"/>
+              <a:t>解決方法</a:t>
+            </a:r>
+            <a:r>
+              <a:rPr lang="zh-CN" altLang="en-US" sz="2400" b="0" dirty="0"/>
+              <a:t>：</a:t>
+            </a:r>
+            <a:r>
+              <a:rPr lang="zh-TW" altLang="en-US" sz="2400" b="0" dirty="0" smtClean="0"/>
+              <a:t>已經</a:t>
+            </a:r>
+            <a:r>
+              <a:rPr lang="zh-TW" altLang="en-US" sz="2400" b="0" dirty="0"/>
+              <a:t>有一些服務器反射和</a:t>
+            </a:r>
+            <a:r>
+              <a:rPr lang="en-US" altLang="zh-TW" sz="2400" b="0" dirty="0" err="1"/>
+              <a:t>gRPC</a:t>
+            </a:r>
+            <a:r>
+              <a:rPr lang="zh-TW" altLang="en-US" sz="2400" b="0" dirty="0"/>
+              <a:t>命令行工具之類的功能來輔助二進制</a:t>
+            </a:r>
+            <a:r>
+              <a:rPr lang="en-US" altLang="zh-TW" sz="2400" b="0" dirty="0" err="1"/>
+              <a:t>Protobuf</a:t>
+            </a:r>
+            <a:r>
+              <a:rPr lang="zh-TW" altLang="en-US" sz="2400" b="0" dirty="0"/>
+              <a:t>消息。另外，</a:t>
+            </a:r>
+            <a:r>
+              <a:rPr lang="en-US" altLang="zh-TW" sz="2400" b="0" dirty="0" err="1"/>
+              <a:t>Protobuf</a:t>
+            </a:r>
+            <a:r>
+              <a:rPr lang="zh-TW" altLang="en-US" sz="2400" b="0" dirty="0"/>
+              <a:t>消息也支持與</a:t>
+            </a:r>
+            <a:r>
+              <a:rPr lang="en-US" altLang="zh-TW" sz="2400" b="0" dirty="0"/>
+              <a:t>JSON</a:t>
+            </a:r>
+            <a:r>
+              <a:rPr lang="zh-TW" altLang="en-US" sz="2400" b="0" dirty="0"/>
+              <a:t>之間的轉換。內置的</a:t>
+            </a:r>
+            <a:r>
+              <a:rPr lang="en-US" altLang="zh-TW" sz="2400" b="0" dirty="0"/>
+              <a:t>JSON</a:t>
+            </a:r>
+            <a:r>
+              <a:rPr lang="zh-TW" altLang="en-US" sz="2400" b="0" dirty="0"/>
+              <a:t>轉換提供了一種在調試時將 </a:t>
+            </a:r>
+            <a:r>
+              <a:rPr lang="en-US" altLang="zh-TW" sz="2400" b="0" dirty="0" err="1"/>
+              <a:t>Protobuf</a:t>
+            </a:r>
+            <a:r>
+              <a:rPr lang="zh-TW" altLang="en-US" sz="2400" b="0" dirty="0"/>
+              <a:t>消息與擴展的</a:t>
+            </a:r>
+            <a:r>
+              <a:rPr lang="en-US" altLang="zh-TW" sz="2400" b="0" dirty="0"/>
+              <a:t>JSON</a:t>
+            </a:r>
+            <a:r>
+              <a:rPr lang="zh-TW" altLang="en-US" sz="2400" b="0" dirty="0"/>
+              <a:t>形式之間相互轉換的有效方法。</a:t>
+            </a:r>
+            <a:endParaRPr lang="zh-TW" altLang="en-US" sz="2400" dirty="0"/>
+          </a:p>
+        </p:txBody>
+      </p:sp>
+    </p:spTree>
+    <p:extLst>
+      <p:ext uri="{BB962C8B-B14F-4D97-AF65-F5344CB8AC3E}">
+        <p14:creationId xmlns:p14="http://schemas.microsoft.com/office/powerpoint/2010/main" val="2897352568"/>
+      </p:ext>
+    </p:extLst>
+  </p:cSld>
+  <p:clrMapOvr>
+    <a:masterClrMapping/>
+  </p:clrMapOvr>
+  <p:timing>
+    <p:tnLst>
+      <p:par>
+        <p:cTn id="1" dur="indefinite" restart="never" nodeType="tmRoot"/>
+      </p:par>
+    </p:tnLst>
+  </p:timing>
+</p:sld>
+</file>
+
+<file path=ppt/slides/slide41.xml><?xml version="1.0" encoding="utf-8"?>
+<p:sld xmlns:a="http://schemas.openxmlformats.org/drawingml/2006/main" xmlns:r="http://schemas.openxmlformats.org/officeDocument/2006/relationships" xmlns:p="http://schemas.openxmlformats.org/presentationml/2006/main">
+  <p:cSld>
+    <p:spTree>
+      <p:nvGrpSpPr>
+        <p:cNvPr id="1" name=""/>
+        <p:cNvGrpSpPr/>
+        <p:nvPr/>
+      </p:nvGrpSpPr>
+      <p:grpSpPr>
+        <a:xfrm>
+          <a:off x="0" y="0"/>
+          <a:ext cx="0" cy="0"/>
+          <a:chOff x="0" y="0"/>
+          <a:chExt cx="0" cy="0"/>
+        </a:xfrm>
+      </p:grpSpPr>
+      <p:sp>
+        <p:nvSpPr>
+          <p:cNvPr id="2" name="標題 1"/>
+          <p:cNvSpPr>
+            <a:spLocks noGrp="1"/>
+          </p:cNvSpPr>
+          <p:nvPr>
+            <p:ph type="title"/>
+          </p:nvPr>
+        </p:nvSpPr>
+        <p:spPr/>
+        <p:txBody>
+          <a:bodyPr/>
+          <a:lstStyle/>
+          <a:p>
+            <a:r>
+              <a:rPr lang="en-US" altLang="zh-TW" dirty="0" smtClean="0"/>
+              <a:t>Tomcat </a:t>
+            </a:r>
+            <a:r>
+              <a:rPr lang="zh-CN" altLang="en-US" dirty="0" smtClean="0"/>
+              <a:t>端口 和 </a:t>
+            </a:r>
+            <a:r>
+              <a:rPr lang="en-US" altLang="zh-CN" dirty="0" err="1" smtClean="0"/>
+              <a:t>gRPC</a:t>
+            </a:r>
+            <a:r>
+              <a:rPr lang="zh-CN" altLang="en-US" dirty="0" smtClean="0"/>
+              <a:t>端口必須分開</a:t>
+            </a:r>
+            <a:endParaRPr lang="zh-TW" altLang="en-US" dirty="0"/>
+          </a:p>
+        </p:txBody>
+      </p:sp>
+      <p:sp>
+        <p:nvSpPr>
+          <p:cNvPr id="3" name="內容版面配置區 2"/>
+          <p:cNvSpPr>
+            <a:spLocks noGrp="1"/>
+          </p:cNvSpPr>
+          <p:nvPr>
+            <p:ph sz="quarter" idx="13"/>
+          </p:nvPr>
+        </p:nvSpPr>
+        <p:spPr/>
+        <p:txBody>
+          <a:bodyPr/>
+          <a:lstStyle/>
+          <a:p>
+            <a:endParaRPr lang="zh-TW" altLang="en-US"/>
+          </a:p>
+        </p:txBody>
+      </p:sp>
+      <p:sp>
+        <p:nvSpPr>
+          <p:cNvPr id="4" name="內容版面配置區 3"/>
+          <p:cNvSpPr>
+            <a:spLocks noGrp="1"/>
+          </p:cNvSpPr>
+          <p:nvPr>
+            <p:ph sz="half" idx="1"/>
+          </p:nvPr>
+        </p:nvSpPr>
+        <p:spPr/>
+        <p:txBody>
+          <a:bodyPr/>
+          <a:lstStyle/>
+          <a:p>
+            <a:endParaRPr lang="zh-TW" altLang="en-US" dirty="0"/>
+          </a:p>
+        </p:txBody>
+      </p:sp>
+    </p:spTree>
+    <p:extLst>
+      <p:ext uri="{BB962C8B-B14F-4D97-AF65-F5344CB8AC3E}">
+        <p14:creationId xmlns:p14="http://schemas.microsoft.com/office/powerpoint/2010/main" val="500224517"/>
+      </p:ext>
+    </p:extLst>
+  </p:cSld>
+  <p:clrMapOvr>
+    <a:masterClrMapping/>
+  </p:clrMapOvr>
+</p:sld>
+</file>
+
+<file path=ppt/slides/slide42.xml><?xml version="1.0" encoding="utf-8"?>
+<p:sld xmlns:a="http://schemas.openxmlformats.org/drawingml/2006/main" xmlns:r="http://schemas.openxmlformats.org/officeDocument/2006/relationships" xmlns:p="http://schemas.openxmlformats.org/presentationml/2006/main">
+  <p:cSld>
+    <p:spTree>
+      <p:nvGrpSpPr>
+        <p:cNvPr id="1" name=""/>
+        <p:cNvGrpSpPr/>
+        <p:nvPr/>
+      </p:nvGrpSpPr>
+      <p:grpSpPr>
+        <a:xfrm>
+          <a:off x="0" y="0"/>
+          <a:ext cx="0" cy="0"/>
+          <a:chOff x="0" y="0"/>
+          <a:chExt cx="0" cy="0"/>
+        </a:xfrm>
+      </p:grpSpPr>
+      <p:sp>
+        <p:nvSpPr>
+          <p:cNvPr id="4" name="標題 3"/>
+          <p:cNvSpPr>
+            <a:spLocks noGrp="1"/>
+          </p:cNvSpPr>
+          <p:nvPr>
+            <p:ph type="ctrTitle"/>
+          </p:nvPr>
+        </p:nvSpPr>
+        <p:spPr/>
+        <p:txBody>
+          <a:bodyPr>
+            <a:normAutofit/>
+          </a:bodyPr>
+          <a:lstStyle/>
+          <a:p>
+            <a:r>
+              <a:rPr lang="en-US" altLang="zh-TW" sz="6600" dirty="0">
+                <a:latin typeface="Tw Cen MT" pitchFamily="34" charset="0"/>
+              </a:rPr>
+              <a:t>Thank You</a:t>
+            </a:r>
+            <a:endParaRPr lang="zh-TW" altLang="en-US" sz="6600" dirty="0">
+              <a:latin typeface="Tw Cen MT" pitchFamily="34" charset="0"/>
+            </a:endParaRPr>
+          </a:p>
+        </p:txBody>
+      </p:sp>
+      <p:sp>
+        <p:nvSpPr>
+          <p:cNvPr id="6" name="副標題 5"/>
+          <p:cNvSpPr>
+            <a:spLocks noGrp="1"/>
+          </p:cNvSpPr>
+          <p:nvPr>
+            <p:ph type="subTitle" idx="1"/>
+          </p:nvPr>
+        </p:nvSpPr>
+        <p:spPr/>
+        <p:txBody>
+          <a:bodyPr/>
+          <a:lstStyle/>
+          <a:p>
+            <a:r>
+              <a:rPr lang="en-US" altLang="zh-TW" sz="2800" b="0" dirty="0" smtClean="0">
+                <a:latin typeface="Tw Cen MT" pitchFamily="34" charset="0"/>
+              </a:rPr>
+              <a:t>Q</a:t>
+            </a:r>
+            <a:r>
+              <a:rPr lang="zh-TW" altLang="en-US" sz="2800" b="0" dirty="0" smtClean="0">
+                <a:latin typeface="Tw Cen MT" pitchFamily="34" charset="0"/>
+              </a:rPr>
+              <a:t> </a:t>
+            </a:r>
+            <a:r>
+              <a:rPr lang="en-US" altLang="zh-TW" sz="2800" b="0" dirty="0">
+                <a:latin typeface="Tw Cen MT" pitchFamily="34" charset="0"/>
+              </a:rPr>
+              <a:t>&amp;</a:t>
+            </a:r>
+            <a:r>
+              <a:rPr lang="zh-TW" altLang="en-US" sz="2800" b="0" dirty="0">
+                <a:latin typeface="Tw Cen MT" pitchFamily="34" charset="0"/>
+              </a:rPr>
+              <a:t> </a:t>
+            </a:r>
+            <a:r>
+              <a:rPr lang="en-US" altLang="zh-TW" sz="2800" b="0" dirty="0">
+                <a:latin typeface="Tw Cen MT" pitchFamily="34" charset="0"/>
+              </a:rPr>
+              <a:t>A</a:t>
+            </a:r>
+            <a:endParaRPr lang="zh-TW" altLang="en-US" b="0" dirty="0">
+              <a:latin typeface="Tw Cen MT" pitchFamily="34" charset="0"/>
+            </a:endParaRPr>
+          </a:p>
+        </p:txBody>
+      </p:sp>
+      <p:sp>
+        <p:nvSpPr>
+          <p:cNvPr id="7" name="文字版面配置區 6"/>
+          <p:cNvSpPr>
+            <a:spLocks noGrp="1"/>
+          </p:cNvSpPr>
+          <p:nvPr>
+            <p:ph type="body" sz="quarter" idx="13"/>
+          </p:nvPr>
+        </p:nvSpPr>
+        <p:spPr/>
+        <p:txBody>
+          <a:bodyPr>
+            <a:normAutofit lnSpcReduction="10000"/>
+          </a:bodyPr>
+          <a:lstStyle/>
+          <a:p>
+            <a:r>
+              <a:rPr lang="en-US" altLang="zh-TW" dirty="0"/>
+              <a:t>By </a:t>
+            </a:r>
+            <a:r>
+              <a:rPr lang="en-US" altLang="zh-TW" dirty="0" smtClean="0"/>
+              <a:t>Moon</a:t>
+            </a:r>
+            <a:endParaRPr lang="zh-TW" altLang="en-US" dirty="0"/>
+          </a:p>
+        </p:txBody>
+      </p:sp>
+    </p:spTree>
+    <p:extLst>
+      <p:ext uri="{BB962C8B-B14F-4D97-AF65-F5344CB8AC3E}">
+        <p14:creationId xmlns:p14="http://schemas.microsoft.com/office/powerpoint/2010/main" val="3310412145"/>
+      </p:ext>
+    </p:extLst>
+  </p:cSld>
+  <p:clrMapOvr>
+    <a:masterClrMapping/>
+  </p:clrMapOvr>
+</p:sld>
+</file>
+
 <file path=ppt/slides/slide5.xml><?xml version="1.0" encoding="utf-8"?>
 <p:sld xmlns:a="http://schemas.openxmlformats.org/drawingml/2006/main" xmlns:r="http://schemas.openxmlformats.org/officeDocument/2006/relationships" xmlns:p="http://schemas.openxmlformats.org/presentationml/2006/main">
   <p:cSld>
@@ -22740,11 +24937,7 @@
             </a:r>
             <a:r>
               <a:rPr lang="zh-TW" altLang="en-US" dirty="0" smtClean="0"/>
-              <a:t>允許</a:t>
-            </a:r>
-            <a:r>
-              <a:rPr lang="zh-TW" altLang="en-US" dirty="0" smtClean="0"/>
-              <a:t>執行於一台電腦的</a:t>
+              <a:t>允許執行於一台電腦的</a:t>
             </a:r>
             <a:r>
               <a:rPr lang="zh-TW" altLang="en-US" dirty="0" smtClean="0">
@@ -22776,15 +24969,7 @@
                   <a:schemeClr val="accent1"/>
                 </a:solidFill>
               </a:rPr>
-              <a:t>子</a:t>
-            </a:r>
-            <a:r>
-              <a:rPr lang="zh-TW" altLang="en-US" dirty="0" smtClean="0">
-                <a:solidFill>
-                  <a:schemeClr val="accent1"/>
-                </a:solidFill>
-              </a:rPr>
-              <a:t>程式</a:t>
+              <a:t>子程式</a:t>
             </a:r>
             <a:r>
               <a:rPr lang="zh-CN" altLang="en-US" dirty="0">
@@ -22837,7 +25022,6 @@
               <a:rPr lang="en-US" altLang="zh-TW" dirty="0" smtClean="0"/>
               <a:t>");</a:t>
             </a:r>
-            <a:endParaRPr lang="en-US" altLang="zh-TW" dirty="0" smtClean="0"/>
           </a:p>
         </p:txBody>
       </p:sp>
@@ -22969,11 +25153,11 @@
             </a:pPr>
             <a:r>
               <a:rPr lang="zh-CN" altLang="en-US" dirty="0" smtClean="0"/>
-              <a:t>雙向的</a:t>
+              <a:t>雙向的流</a:t>
             </a:r>
             <a:r>
               <a:rPr lang="zh-CN" altLang="en-US" dirty="0" smtClean="0"/>
-              <a:t>流必須借住 </a:t>
+              <a:t>必須藉助 </a:t>
             </a:r>
             <a:r>
               <a:rPr lang="en-US" altLang="zh-CN" dirty="0" err="1" smtClean="0"/>
@@ -22981,11 +25165,7 @@
             </a:r>
             <a:r>
               <a:rPr lang="zh-CN" altLang="en-US" dirty="0" smtClean="0"/>
-              <a:t> </a:t>
-            </a:r>
-            <a:r>
-              <a:rPr lang="zh-CN" altLang="en-US" dirty="0" smtClean="0"/>
-              <a:t>才能</a:t>
+              <a:t> 才能</a:t>
             </a:r>
             <a:r>
               <a:rPr lang="zh-CN" altLang="en-US" dirty="0"/>
@@ -23000,20 +25180,17 @@
             </a:pPr>
             <a:r>
               <a:rPr lang="zh-CN" altLang="en-US" dirty="0" smtClean="0"/>
-              <a:t>很難對操作建立模型</a:t>
-            </a:r>
-            <a:r>
-              <a:rPr lang="en-US" altLang="zh-CN" dirty="0" smtClean="0"/>
-              <a:t>(</a:t>
+              <a:t>很</a:t>
             </a:r>
             <a:r>
               <a:rPr lang="zh-CN" altLang="en-US" dirty="0" smtClean="0"/>
-              <a:t>不會有規範的文件</a:t>
-            </a:r>
-            <a:r>
-              <a:rPr lang="en-US" altLang="zh-CN" dirty="0" smtClean="0"/>
-              <a:t>)</a:t>
-            </a:r>
+              <a:t>難再一個請求中取得多個資源</a:t>
+            </a:r>
+            <a:r>
+              <a:rPr lang="zh-CN" altLang="en-US" dirty="0" smtClean="0"/>
+              <a:t>數據</a:t>
+            </a:r>
+            <a:endParaRPr lang="en-US" altLang="zh-CN" dirty="0" smtClean="0"/>
           </a:p>
           <a:p>
             <a:pPr marL="457200" indent="-457200">
@@ -23021,12 +25198,20 @@
               <a:buChar char="•"/>
             </a:pPr>
             <a:r>
-              <a:rPr lang="zh-CN" altLang="en-US" dirty="0"/>
-              <a:t>很</a:t>
-            </a:r>
-            <a:r>
               <a:rPr lang="zh-CN" altLang="en-US" dirty="0" smtClean="0"/>
-              <a:t>難再一個請求中取得多個資源數據</a:t>
+              <a:t>不用產生</a:t>
+            </a:r>
+            <a:r>
+              <a:rPr lang="zh-CN" altLang="en-US" dirty="0" smtClean="0"/>
+              <a:t>的</a:t>
+            </a:r>
+            <a:r>
+              <a:rPr lang="en-US" altLang="zh-CN" dirty="0" smtClean="0"/>
+              <a:t>API</a:t>
+            </a:r>
+            <a:r>
+              <a:rPr lang="zh-CN" altLang="en-US" dirty="0" smtClean="0"/>
+              <a:t>文件</a:t>
             </a:r>
             <a:r>
               <a:rPr lang="en-US" altLang="zh-CN" dirty="0" smtClean="0"/>
@@ -23034,53 +25219,11 @@
             </a:r>
             <a:r>
               <a:rPr lang="zh-CN" altLang="en-US" dirty="0" smtClean="0"/>
-              <a:t>從兩個</a:t>
-            </a:r>
-            <a:r>
-              <a:rPr lang="en-US" altLang="zh-CN" dirty="0" smtClean="0"/>
-              <a:t>server</a:t>
-            </a:r>
-            <a:r>
-              <a:rPr lang="zh-CN" altLang="en-US" dirty="0" smtClean="0"/>
-              <a:t>取資料</a:t>
+              <a:t>直接打地址就能調用</a:t>
             </a:r>
             <a:r>
               <a:rPr lang="en-US" altLang="zh-CN" dirty="0" smtClean="0"/>
               <a:t>)</a:t>
-            </a:r>
-          </a:p>
-          <a:p>
-            <a:pPr marL="457200" indent="-457200">
-              <a:buFont typeface="Arial" panose="020B0604020202020204" pitchFamily="34" charset="0"/>
-              <a:buChar char="•"/>
-            </a:pPr>
-            <a:r>
-              <a:rPr lang="zh-CN" altLang="en-US" dirty="0" smtClean="0"/>
-              <a:t>沒有正式的</a:t>
-            </a:r>
-            <a:r>
-              <a:rPr lang="en-US" altLang="zh-CN" dirty="0" smtClean="0"/>
-              <a:t>(</a:t>
-            </a:r>
-            <a:r>
-              <a:rPr lang="zh-CN" altLang="en-US" dirty="0" smtClean="0"/>
-              <a:t>機械可讀</a:t>
-            </a:r>
-            <a:r>
-              <a:rPr lang="en-US" altLang="zh-CN" dirty="0" smtClean="0"/>
-              <a:t>)</a:t>
-            </a:r>
-            <a:r>
-              <a:rPr lang="zh-CN" altLang="en-US" dirty="0" smtClean="0"/>
-              <a:t>的</a:t>
-            </a:r>
-            <a:r>
-              <a:rPr lang="en-US" altLang="zh-CN" dirty="0" smtClean="0"/>
-              <a:t>API</a:t>
-            </a:r>
-            <a:r>
-              <a:rPr lang="zh-CN" altLang="en-US" dirty="0"/>
-              <a:t>文件</a:t>
             </a:r>
             <a:endParaRPr lang="en-US" altLang="zh-CN" dirty="0" smtClean="0"/>
           </a:p>
@@ -23210,12 +25353,29 @@
             </a:r>
             <a:r>
               <a:rPr lang="zh-CN" altLang="en-US" dirty="0" smtClean="0"/>
-              <a:t>文檔，來知道各個服務的開放接口</a:t>
+              <a:t>文檔，來知道</a:t>
+            </a:r>
+            <a:r>
+              <a:rPr lang="zh-CN" altLang="en-US" dirty="0" smtClean="0"/>
+              <a:t>各個</a:t>
             </a:r>
             <a:r>
               <a:rPr lang="en-US" altLang="zh-CN" dirty="0" smtClean="0"/>
-              <a:t>(API)</a:t>
-            </a:r>
+              <a:t>server</a:t>
+            </a:r>
+            <a:r>
+              <a:rPr lang="zh-CN" altLang="en-US" dirty="0"/>
+              <a:t>端</a:t>
+            </a:r>
+            <a:r>
+              <a:rPr lang="zh-CN" altLang="en-US" dirty="0" smtClean="0"/>
+              <a:t>的</a:t>
+            </a:r>
+            <a:r>
+              <a:rPr lang="en-US" altLang="zh-CN" dirty="0" smtClean="0"/>
+              <a:t>API</a:t>
+            </a:r>
+            <a:endParaRPr lang="en-US" altLang="zh-CN" dirty="0" smtClean="0"/>
           </a:p>
           <a:p>
             <a:r>
@@ -23278,11 +25438,15 @@
           <a:p>
             <a:r>
               <a:rPr lang="en-US" altLang="zh-CN" dirty="0" smtClean="0"/>
-              <a:t>4.</a:t>
+              <a:t>4.Client</a:t>
             </a:r>
             <a:r>
               <a:rPr lang="zh-CN" altLang="en-US" dirty="0" smtClean="0"/>
-              <a:t>內建超時措施</a:t>
+              <a:t>端內建</a:t>
+            </a:r>
+            <a:r>
+              <a:rPr lang="zh-CN" altLang="en-US" dirty="0" smtClean="0"/>
+              <a:t>超時措施</a:t>
             </a:r>
             <a:r>
               <a:rPr lang="en-US" altLang="zh-CN" dirty="0" smtClean="0"/>
@@ -23426,8 +25590,8 @@
         </p:blipFill>
         <p:spPr>
           <a:xfrm>
-            <a:off x="2433126" y="2100784"/>
-            <a:ext cx="7325748" cy="3905795"/>
+            <a:off x="2429661" y="1930400"/>
+            <a:ext cx="7332678" cy="4246563"/>
           </a:xfrm>
         </p:spPr>
       </p:pic>
@@ -23767,7 +25931,7 @@
   <a:extraClrSchemeLst/>
   <a:extLst>
     <a:ext uri="{05A4C25C-085E-4340-85A3-A5531E510DB2}">
-      <thm15:themeFamily xmlns="" xmlns:thm15="http://schemas.microsoft.com/office/thememl/2012/main" name="Office Theme" id="{62F939B6-93AF-4DB8-9C6B-D6C7DFDC589F}" vid="{4A3C46E8-61CC-4603-A589-7422A47A8E4A}"/>
+      <thm15:themeFamily xmlns:thm15="http://schemas.microsoft.com/office/thememl/2012/main" xmlns="" name="Office Theme" id="{62F939B6-93AF-4DB8-9C6B-D6C7DFDC589F}" vid="{4A3C46E8-61CC-4603-A589-7422A47A8E4A}"/>
     </a:ext>
   </a:extLst>
 </a:theme>

--- a/空白PPT.pptx
+++ b/空白PPT.pptx
@@ -262,7 +262,6 @@
   </mc:AlternateContent>
   <c:chart>
     <c:title>
-      <c:layout/>
       <c:overlay val="0"/>
     </c:title>
     <c:autoTitleDeleted val="0"/>
@@ -347,11 +346,11 @@
           <c:showBubbleSize val="0"/>
         </c:dLbls>
         <c:gapWidth val="150"/>
-        <c:axId val="61069824"/>
-        <c:axId val="195716224"/>
+        <c:axId val="115518464"/>
+        <c:axId val="82628544"/>
       </c:barChart>
       <c:catAx>
-        <c:axId val="61069824"/>
+        <c:axId val="115518464"/>
         <c:scaling>
           <c:orientation val="minMax"/>
         </c:scaling>
@@ -360,7 +359,7 @@
         <c:majorTickMark val="out"/>
         <c:minorTickMark val="none"/>
         <c:tickLblPos val="nextTo"/>
-        <c:crossAx val="195716224"/>
+        <c:crossAx val="82628544"/>
         <c:crosses val="autoZero"/>
         <c:auto val="1"/>
         <c:lblAlgn val="ctr"/>
@@ -368,7 +367,7 @@
         <c:noMultiLvlLbl val="0"/>
       </c:catAx>
       <c:valAx>
-        <c:axId val="195716224"/>
+        <c:axId val="82628544"/>
         <c:scaling>
           <c:orientation val="minMax"/>
         </c:scaling>
@@ -379,7 +378,7 @@
         <c:majorTickMark val="out"/>
         <c:minorTickMark val="none"/>
         <c:tickLblPos val="nextTo"/>
-        <c:crossAx val="61069824"/>
+        <c:crossAx val="115518464"/>
         <c:crosses val="autoZero"/>
         <c:crossBetween val="between"/>
       </c:valAx>
@@ -492,7 +491,7 @@
           <a:p>
             <a:fld id="{1BA5755D-7932-44A5-A2C7-C8A2CBF288E8}" type="datetimeFigureOut">
               <a:rPr lang="zh-TW" altLang="en-US" smtClean="0"/>
-              <a:t>2020/2/14</a:t>
+              <a:t>2020/2/17</a:t>
             </a:fld>
             <a:endParaRPr lang="zh-TW" altLang="en-US"/>
           </a:p>
@@ -1146,11 +1145,7 @@
           <a:p>
             <a:r>
               <a:rPr lang="zh-CN" altLang="en-US" dirty="0" smtClean="0"/>
-              <a:t>還有 </a:t>
-            </a:r>
-            <a:r>
-              <a:rPr lang="zh-CN" altLang="en-US" dirty="0" smtClean="0"/>
-              <a:t>一個 </a:t>
+              <a:t>還有 一個 </a:t>
             </a:r>
             <a:r>
               <a:rPr lang="en-US" altLang="zh-CN" dirty="0" smtClean="0"/>
@@ -1381,11 +1376,7 @@
           <a:p>
             <a:r>
               <a:rPr lang="zh-CN" altLang="en-US" dirty="0" smtClean="0"/>
-              <a:t>加入簡單調用</a:t>
-            </a:r>
-            <a:r>
-              <a:rPr lang="zh-CN" altLang="en-US" dirty="0" smtClean="0"/>
-              <a:t>的</a:t>
+              <a:t>加入簡單調用的</a:t>
             </a:r>
             <a:endParaRPr lang="en-US" altLang="zh-CN" dirty="0" smtClean="0"/>
           </a:p>
@@ -4069,7 +4060,7 @@
           <a:p>
             <a:fld id="{75F8934F-7F83-1046-9341-02CE27D9104D}" type="datetimeFigureOut">
               <a:rPr kumimoji="1" lang="zh-TW" altLang="en-US" smtClean="0"/>
-              <a:t>2020/2/14</a:t>
+              <a:t>2020/2/17</a:t>
             </a:fld>
             <a:endParaRPr kumimoji="1" lang="zh-TW" altLang="en-US" dirty="0"/>
           </a:p>
@@ -4302,7 +4293,7 @@
           <a:p>
             <a:fld id="{75F8934F-7F83-1046-9341-02CE27D9104D}" type="datetimeFigureOut">
               <a:rPr kumimoji="1" lang="zh-TW" altLang="en-US" smtClean="0"/>
-              <a:t>2020/2/14</a:t>
+              <a:t>2020/2/17</a:t>
             </a:fld>
             <a:endParaRPr kumimoji="1" lang="zh-TW" altLang="en-US"/>
           </a:p>
@@ -4543,7 +4534,7 @@
           <a:p>
             <a:fld id="{75F8934F-7F83-1046-9341-02CE27D9104D}" type="datetimeFigureOut">
               <a:rPr kumimoji="1" lang="zh-TW" altLang="en-US" smtClean="0"/>
-              <a:t>2020/2/14</a:t>
+              <a:t>2020/2/17</a:t>
             </a:fld>
             <a:endParaRPr kumimoji="1" lang="zh-TW" altLang="en-US"/>
           </a:p>
@@ -5642,7 +5633,7 @@
           <a:p>
             <a:fld id="{75F8934F-7F83-1046-9341-02CE27D9104D}" type="datetimeFigureOut">
               <a:rPr kumimoji="1" lang="zh-TW" altLang="en-US" smtClean="0"/>
-              <a:t>2020/2/14</a:t>
+              <a:t>2020/2/17</a:t>
             </a:fld>
             <a:endParaRPr kumimoji="1" lang="zh-TW" altLang="en-US"/>
           </a:p>
@@ -6784,7 +6775,7 @@
           <a:p>
             <a:fld id="{75F8934F-7F83-1046-9341-02CE27D9104D}" type="datetimeFigureOut">
               <a:rPr kumimoji="1" lang="zh-TW" altLang="en-US" smtClean="0"/>
-              <a:t>2020/2/14</a:t>
+              <a:t>2020/2/17</a:t>
             </a:fld>
             <a:endParaRPr kumimoji="1" lang="zh-TW" altLang="en-US"/>
           </a:p>
@@ -7197,7 +7188,7 @@
           <a:p>
             <a:fld id="{75F8934F-7F83-1046-9341-02CE27D9104D}" type="datetimeFigureOut">
               <a:rPr kumimoji="1" lang="zh-TW" altLang="en-US" smtClean="0"/>
-              <a:t>2020/2/14</a:t>
+              <a:t>2020/2/17</a:t>
             </a:fld>
             <a:endParaRPr kumimoji="1" lang="zh-TW" altLang="en-US"/>
           </a:p>
@@ -7598,7 +7589,7 @@
           <a:p>
             <a:fld id="{75F8934F-7F83-1046-9341-02CE27D9104D}" type="datetimeFigureOut">
               <a:rPr kumimoji="1" lang="zh-TW" altLang="en-US" smtClean="0"/>
-              <a:t>2020/2/14</a:t>
+              <a:t>2020/2/17</a:t>
             </a:fld>
             <a:endParaRPr kumimoji="1" lang="zh-TW" altLang="en-US"/>
           </a:p>
@@ -8008,7 +7999,7 @@
           <a:p>
             <a:fld id="{75F8934F-7F83-1046-9341-02CE27D9104D}" type="datetimeFigureOut">
               <a:rPr kumimoji="1" lang="zh-TW" altLang="en-US" smtClean="0"/>
-              <a:t>2020/2/14</a:t>
+              <a:t>2020/2/17</a:t>
             </a:fld>
             <a:endParaRPr kumimoji="1" lang="zh-TW" altLang="en-US"/>
           </a:p>
@@ -8529,7 +8520,7 @@
           <a:p>
             <a:fld id="{75F8934F-7F83-1046-9341-02CE27D9104D}" type="datetimeFigureOut">
               <a:rPr kumimoji="1" lang="zh-TW" altLang="en-US" smtClean="0"/>
-              <a:t>2020/2/14</a:t>
+              <a:t>2020/2/17</a:t>
             </a:fld>
             <a:endParaRPr kumimoji="1" lang="zh-TW" altLang="en-US"/>
           </a:p>
@@ -9041,7 +9032,7 @@
           <a:p>
             <a:fld id="{75F8934F-7F83-1046-9341-02CE27D9104D}" type="datetimeFigureOut">
               <a:rPr kumimoji="1" lang="zh-TW" altLang="en-US" smtClean="0"/>
-              <a:t>2020/2/14</a:t>
+              <a:t>2020/2/17</a:t>
             </a:fld>
             <a:endParaRPr kumimoji="1" lang="zh-TW" altLang="en-US"/>
           </a:p>
@@ -9550,7 +9541,7 @@
           <a:p>
             <a:fld id="{75F8934F-7F83-1046-9341-02CE27D9104D}" type="datetimeFigureOut">
               <a:rPr kumimoji="1" lang="zh-TW" altLang="en-US" smtClean="0"/>
-              <a:t>2020/2/14</a:t>
+              <a:t>2020/2/17</a:t>
             </a:fld>
             <a:endParaRPr kumimoji="1" lang="zh-TW" altLang="en-US"/>
           </a:p>
@@ -10304,7 +10295,7 @@
           <a:p>
             <a:fld id="{75F8934F-7F83-1046-9341-02CE27D9104D}" type="datetimeFigureOut">
               <a:rPr kumimoji="1" lang="zh-TW" altLang="en-US" smtClean="0"/>
-              <a:t>2020/2/14</a:t>
+              <a:t>2020/2/17</a:t>
             </a:fld>
             <a:endParaRPr kumimoji="1" lang="zh-TW" altLang="en-US"/>
           </a:p>
@@ -10660,7 +10651,7 @@
           <a:p>
             <a:fld id="{75F8934F-7F83-1046-9341-02CE27D9104D}" type="datetimeFigureOut">
               <a:rPr kumimoji="1" lang="zh-TW" altLang="en-US" smtClean="0"/>
-              <a:t>2020/2/14</a:t>
+              <a:t>2020/2/17</a:t>
             </a:fld>
             <a:endParaRPr kumimoji="1" lang="zh-TW" altLang="en-US"/>
           </a:p>
@@ -11394,7 +11385,7 @@
           <a:p>
             <a:fld id="{75F8934F-7F83-1046-9341-02CE27D9104D}" type="datetimeFigureOut">
               <a:rPr kumimoji="1" lang="zh-TW" altLang="en-US" smtClean="0"/>
-              <a:t>2020/2/14</a:t>
+              <a:t>2020/2/17</a:t>
             </a:fld>
             <a:endParaRPr kumimoji="1" lang="zh-TW" altLang="en-US"/>
           </a:p>
@@ -11964,7 +11955,7 @@
           <a:p>
             <a:fld id="{75F8934F-7F83-1046-9341-02CE27D9104D}" type="datetimeFigureOut">
               <a:rPr kumimoji="1" lang="zh-TW" altLang="en-US" smtClean="0"/>
-              <a:t>2020/2/14</a:t>
+              <a:t>2020/2/17</a:t>
             </a:fld>
             <a:endParaRPr kumimoji="1" lang="zh-TW" altLang="en-US"/>
           </a:p>
@@ -12423,7 +12414,7 @@
           <a:p>
             <a:fld id="{75F8934F-7F83-1046-9341-02CE27D9104D}" type="datetimeFigureOut">
               <a:rPr kumimoji="1" lang="zh-TW" altLang="en-US" smtClean="0"/>
-              <a:t>2020/2/14</a:t>
+              <a:t>2020/2/17</a:t>
             </a:fld>
             <a:endParaRPr kumimoji="1" lang="zh-TW" altLang="en-US"/>
           </a:p>
@@ -12707,7 +12698,7 @@
           <a:p>
             <a:fld id="{75F8934F-7F83-1046-9341-02CE27D9104D}" type="datetimeFigureOut">
               <a:rPr kumimoji="1" lang="zh-TW" altLang="en-US" smtClean="0"/>
-              <a:t>2020/2/14</a:t>
+              <a:t>2020/2/17</a:t>
             </a:fld>
             <a:endParaRPr kumimoji="1" lang="zh-TW" altLang="en-US"/>
           </a:p>
@@ -13227,7 +13218,7 @@
           <a:p>
             <a:fld id="{58A8743F-B12E-458C-9EA7-7F147439A6EC}" type="datetimeFigureOut">
               <a:rPr lang="zh-TW" altLang="en-US" smtClean="0"/>
-              <a:t>2020/2/14</a:t>
+              <a:t>2020/2/17</a:t>
             </a:fld>
             <a:endParaRPr lang="zh-TW" altLang="en-US"/>
           </a:p>
@@ -13680,7 +13671,7 @@
           <a:p>
             <a:fld id="{75F8934F-7F83-1046-9341-02CE27D9104D}" type="datetimeFigureOut">
               <a:rPr kumimoji="1" lang="zh-TW" altLang="en-US" smtClean="0"/>
-              <a:t>2020/2/14</a:t>
+              <a:t>2020/2/17</a:t>
             </a:fld>
             <a:endParaRPr kumimoji="1" lang="zh-TW" altLang="en-US" dirty="0"/>
           </a:p>
@@ -14007,7 +13998,7 @@
           <a:p>
             <a:fld id="{75F8934F-7F83-1046-9341-02CE27D9104D}" type="datetimeFigureOut">
               <a:rPr kumimoji="1" lang="zh-TW" altLang="en-US" smtClean="0"/>
-              <a:t>2020/2/14</a:t>
+              <a:t>2020/2/17</a:t>
             </a:fld>
             <a:endParaRPr kumimoji="1" lang="zh-TW" altLang="en-US" dirty="0"/>
           </a:p>
@@ -14457,7 +14448,7 @@
           <a:p>
             <a:fld id="{75F8934F-7F83-1046-9341-02CE27D9104D}" type="datetimeFigureOut">
               <a:rPr kumimoji="1" lang="zh-TW" altLang="en-US" smtClean="0"/>
-              <a:t>2020/2/14</a:t>
+              <a:t>2020/2/17</a:t>
             </a:fld>
             <a:endParaRPr kumimoji="1" lang="zh-TW" altLang="en-US" dirty="0"/>
           </a:p>
@@ -14712,7 +14703,7 @@
           <a:p>
             <a:fld id="{75F8934F-7F83-1046-9341-02CE27D9104D}" type="datetimeFigureOut">
               <a:rPr kumimoji="1" lang="zh-TW" altLang="en-US" smtClean="0"/>
-              <a:t>2020/2/14</a:t>
+              <a:t>2020/2/17</a:t>
             </a:fld>
             <a:endParaRPr kumimoji="1" lang="zh-TW" altLang="en-US"/>
           </a:p>
@@ -15320,7 +15311,7 @@
           <a:p>
             <a:fld id="{75F8934F-7F83-1046-9341-02CE27D9104D}" type="datetimeFigureOut">
               <a:rPr kumimoji="1" lang="zh-TW" altLang="en-US" smtClean="0"/>
-              <a:t>2020/2/14</a:t>
+              <a:t>2020/2/17</a:t>
             </a:fld>
             <a:endParaRPr kumimoji="1" lang="zh-TW" altLang="en-US"/>
           </a:p>
@@ -16230,7 +16221,7 @@
           <a:p>
             <a:fld id="{75F8934F-7F83-1046-9341-02CE27D9104D}" type="datetimeFigureOut">
               <a:rPr kumimoji="1" lang="zh-TW" altLang="en-US" smtClean="0"/>
-              <a:t>2020/2/14</a:t>
+              <a:t>2020/2/17</a:t>
             </a:fld>
             <a:endParaRPr kumimoji="1" lang="zh-TW" altLang="en-US"/>
           </a:p>
@@ -17312,7 +17303,7 @@
           <a:p>
             <a:fld id="{75F8934F-7F83-1046-9341-02CE27D9104D}" type="datetimeFigureOut">
               <a:rPr kumimoji="1" lang="zh-TW" altLang="en-US" smtClean="0"/>
-              <a:t>2020/2/14</a:t>
+              <a:t>2020/2/17</a:t>
             </a:fld>
             <a:endParaRPr kumimoji="1" lang="zh-TW" altLang="en-US"/>
           </a:p>
@@ -17759,7 +17750,7 @@
           <a:p>
             <a:fld id="{75F8934F-7F83-1046-9341-02CE27D9104D}" type="datetimeFigureOut">
               <a:rPr kumimoji="1" lang="zh-TW" altLang="en-US" smtClean="0"/>
-              <a:t>2020/2/14</a:t>
+              <a:t>2020/2/17</a:t>
             </a:fld>
             <a:endParaRPr kumimoji="1" lang="zh-TW" altLang="en-US"/>
           </a:p>
@@ -18541,23 +18532,7 @@
                   <a:srgbClr val="FF0000"/>
                 </a:solidFill>
               </a:rPr>
-              <a:t> </a:t>
-            </a:r>
-            <a:r>
-              <a:rPr lang="zh-TW" altLang="zh-TW" dirty="0">
-                <a:solidFill>
-                  <a:srgbClr val="FF0000"/>
-                </a:solidFill>
-              </a:rPr>
-              <a:t>stream</a:t>
-            </a:r>
-            <a:r>
-              <a:rPr lang="zh-TW" altLang="zh-TW" dirty="0">
-                <a:solidFill>
-                  <a:srgbClr val="FF0000"/>
-                </a:solidFill>
-              </a:rPr>
-              <a:t> </a:t>
+              <a:t> stream </a:t>
             </a:r>
             <a:r>
               <a:rPr lang="zh-CN" altLang="en-US" dirty="0" smtClean="0">
@@ -25337,7 +25312,7 @@
         </p:blipFill>
         <p:spPr>
           <a:xfrm>
-            <a:off x="838200" y="5640780"/>
+            <a:off x="838200" y="5702334"/>
             <a:ext cx="10217983" cy="711456"/>
           </a:xfrm>
         </p:spPr>
@@ -25880,8 +25855,8 @@
         </p:nvSpPr>
         <p:spPr>
           <a:xfrm>
-            <a:off x="733124" y="4994448"/>
-            <a:ext cx="4076757" cy="707886"/>
+            <a:off x="733124" y="4666718"/>
+            <a:ext cx="6449266" cy="1015663"/>
           </a:xfrm>
           <a:prstGeom prst="rect">
             <a:avLst/>
@@ -25942,7 +25917,38 @@
                 <a:latin typeface="微軟正黑體" pitchFamily="34" charset="-120"/>
                 <a:ea typeface="微軟正黑體" pitchFamily="34" charset="-120"/>
               </a:rPr>
-              <a:t>鏡像</a:t>
+              <a:t>鏡</a:t>
+            </a:r>
+            <a:r>
+              <a:rPr lang="zh-CN" altLang="en-US" sz="2000" b="1" dirty="0" smtClean="0">
+                <a:solidFill>
+                  <a:srgbClr val="44546A"/>
+                </a:solidFill>
+                <a:latin typeface="微軟正黑體" pitchFamily="34" charset="-120"/>
+                <a:ea typeface="微軟正黑體" pitchFamily="34" charset="-120"/>
+              </a:rPr>
+              <a:t>像</a:t>
+            </a:r>
+            <a:endParaRPr lang="en-US" altLang="zh-CN" sz="2000" b="1" dirty="0" smtClean="0">
+              <a:solidFill>
+                <a:srgbClr val="44546A"/>
+              </a:solidFill>
+              <a:latin typeface="微軟正黑體" pitchFamily="34" charset="-120"/>
+              <a:ea typeface="微軟正黑體" pitchFamily="34" charset="-120"/>
+            </a:endParaRPr>
+          </a:p>
+          <a:p>
+            <a:r>
+              <a:rPr lang="en-US" altLang="zh-TW" sz="2000" i="1" dirty="0" err="1"/>
+              <a:t>docker</a:t>
+            </a:r>
+            <a:r>
+              <a:rPr lang="en-US" altLang="zh-TW" sz="2000" i="1" dirty="0"/>
+              <a:t> run -d --name=dev-consul -p 8500:8500 </a:t>
+            </a:r>
+            <a:r>
+              <a:rPr lang="en-US" altLang="zh-TW" sz="2000" i="1" dirty="0" smtClean="0"/>
+              <a:t>consul:1.6.2</a:t>
             </a:r>
             <a:endParaRPr lang="en-US" altLang="zh-CN" sz="2000" b="1" dirty="0">
               <a:solidFill>
@@ -26013,11 +26019,11 @@
   <p:clrMapOvr>
     <a:masterClrMapping/>
   </p:clrMapOvr>
-  <mc:AlternateContent xmlns:mc="http://schemas.openxmlformats.org/markup-compatibility/2006">
-    <mc:Choice xmlns:p14="http://schemas.microsoft.com/office/powerpoint/2010/main" Requires="p14">
+  <mc:AlternateContent xmlns:mc="http://schemas.openxmlformats.org/markup-compatibility/2006" xmlns:p14="http://schemas.microsoft.com/office/powerpoint/2010/main">
+    <mc:Choice Requires="p14">
       <p:transition p14:dur="10"/>
     </mc:Choice>
-    <mc:Fallback>
+    <mc:Fallback xmlns="">
       <p:transition/>
     </mc:Fallback>
   </mc:AlternateContent>
@@ -29343,11 +29349,7 @@
             </a:r>
             <a:r>
               <a:rPr lang="zh-CN" altLang="en-US" dirty="0" smtClean="0"/>
-              <a:t>性能</a:t>
-            </a:r>
-            <a:r>
-              <a:rPr lang="zh-CN" altLang="en-US" dirty="0" smtClean="0"/>
-              <a:t>對比</a:t>
+              <a:t>性能對比</a:t>
             </a:r>
             <a:endParaRPr lang="zh-TW" altLang="en-US" dirty="0"/>
           </a:p>
@@ -29973,11 +29975,7 @@
             </a:r>
             <a:r>
               <a:rPr lang="en-US" altLang="zh-CN" dirty="0" smtClean="0"/>
-              <a:t>  </a:t>
-            </a:r>
-            <a:r>
-              <a:rPr lang="en-US" altLang="zh-CN" dirty="0" smtClean="0"/>
-              <a:t>8Gb ddr3</a:t>
+              <a:t>  8Gb ddr3</a:t>
             </a:r>
             <a:endParaRPr lang="en-US" altLang="zh-CN" dirty="0"/>
           </a:p>
@@ -30189,11 +30187,7 @@
             </a:r>
             <a:r>
               <a:rPr lang="en-US" altLang="zh-CN" sz="2400" dirty="0" smtClean="0"/>
-              <a:t>RESTful </a:t>
-            </a:r>
-            <a:r>
-              <a:rPr lang="en-US" altLang="zh-CN" sz="2400" dirty="0" smtClean="0"/>
-              <a:t>Server</a:t>
+              <a:t>RESTful Server</a:t>
             </a:r>
             <a:r>
               <a:rPr lang="zh-CN" altLang="en-US" sz="2400" dirty="0" smtClean="0"/>
@@ -31002,7 +30996,6 @@
               <a:rPr lang="en-US" altLang="zh-TW" sz="1600" dirty="0"/>
               <a:t>There currently is no limit. </a:t>
             </a:r>
-            <a:endParaRPr lang="en-US" altLang="zh-TW" sz="1600" dirty="0"/>
           </a:p>
           <a:p>
             <a:pPr marL="1028700" lvl="1" indent="-342900"/>
@@ -32961,57 +32954,37 @@
                   </a:schemeClr>
                 </a:solidFill>
               </a:rPr>
-              <a:t>覽器也沒辦法解</a:t>
-            </a:r>
-            <a:r>
-              <a:rPr lang="zh-CN" altLang="en-US" sz="2000" dirty="0" smtClean="0">
+              <a:t>覽器也沒辦法解讀</a:t>
+            </a:r>
+            <a:r>
+              <a:rPr lang="en-US" altLang="zh-CN" sz="2000" dirty="0" err="1" smtClean="0">
                 <a:solidFill>
                   <a:schemeClr val="accent1">
                     <a:lumMod val="75000"/>
                   </a:schemeClr>
                 </a:solidFill>
               </a:rPr>
-              <a:t>讀</a:t>
-            </a:r>
-            <a:r>
-              <a:rPr lang="en-US" altLang="zh-CN" sz="2000" dirty="0" err="1" smtClean="0">
+              <a:t>gRPC</a:t>
+            </a:r>
+            <a:r>
+              <a:rPr lang="zh-CN" altLang="en-US" sz="2000" dirty="0" smtClean="0">
                 <a:solidFill>
                   <a:schemeClr val="accent1">
                     <a:lumMod val="75000"/>
                   </a:schemeClr>
                 </a:solidFill>
               </a:rPr>
-              <a:t>gRPC</a:t>
-            </a:r>
-            <a:r>
-              <a:rPr lang="zh-CN" altLang="en-US" sz="2000" dirty="0" smtClean="0">
+              <a:t>的</a:t>
+            </a:r>
+            <a:r>
+              <a:rPr lang="en-US" altLang="zh-CN" sz="2000" dirty="0" smtClean="0">
                 <a:solidFill>
                   <a:schemeClr val="accent1">
                     <a:lumMod val="75000"/>
                   </a:schemeClr>
                 </a:solidFill>
               </a:rPr>
-              <a:t>的</a:t>
-            </a:r>
-            <a:r>
-              <a:rPr lang="en-US" altLang="zh-CN" sz="2000" dirty="0" smtClean="0">
-                <a:solidFill>
-                  <a:schemeClr val="accent1">
-                    <a:lumMod val="75000"/>
-                  </a:schemeClr>
-                </a:solidFill>
-              </a:rPr>
-              <a:t>HTTP/2 </a:t>
-            </a:r>
-            <a:r>
-              <a:rPr lang="en-US" altLang="zh-CN" sz="2000" dirty="0" smtClean="0">
-                <a:solidFill>
-                  <a:schemeClr val="accent1">
-                    <a:lumMod val="75000"/>
-                  </a:schemeClr>
-                </a:solidFill>
-              </a:rPr>
-              <a:t>frame(</a:t>
+              <a:t>HTTP/2 frame(</a:t>
             </a:r>
             <a:r>
               <a:rPr lang="zh-CN" altLang="en-US" sz="2000" dirty="0" smtClean="0">
@@ -33323,11 +33296,7 @@
             </a:r>
             <a:r>
               <a:rPr lang="zh-CN" altLang="en-US" sz="1800" b="0" dirty="0" smtClean="0"/>
-              <a:t>。缺點過於複雜</a:t>
-            </a:r>
-            <a:r>
-              <a:rPr lang="zh-CN" altLang="en-US" sz="1800" b="0" dirty="0" smtClean="0"/>
-              <a:t>。</a:t>
+              <a:t>。缺點過於複雜。</a:t>
             </a:r>
             <a:r>
               <a:rPr lang="en-US" altLang="zh-CN" sz="1800" dirty="0">
@@ -33425,11 +33394,7 @@
             </a:r>
             <a:r>
               <a:rPr lang="zh-CN" altLang="en-US" sz="1800" b="0" dirty="0"/>
-              <a:t>網頁</a:t>
-            </a:r>
-            <a:r>
-              <a:rPr lang="zh-CN" altLang="en-US" sz="1800" b="0" dirty="0"/>
-              <a:t>鏈接</a:t>
+              <a:t>網頁鏈接</a:t>
             </a:r>
             <a:r>
               <a:rPr lang="en-US" altLang="zh-CN" sz="1800" b="0" dirty="0" err="1"/>
@@ -34905,11 +34870,7 @@
             </a:pPr>
             <a:r>
               <a:rPr lang="zh-CN" altLang="en-US" dirty="0" smtClean="0"/>
-              <a:t>雙向</a:t>
-            </a:r>
-            <a:r>
-              <a:rPr lang="zh-CN" altLang="en-US" dirty="0" smtClean="0"/>
-              <a:t>的</a:t>
+              <a:t>雙向的</a:t>
             </a:r>
             <a:r>
               <a:rPr lang="en-US" altLang="zh-CN" dirty="0" smtClean="0"/>
@@ -34917,11 +34878,7 @@
             </a:r>
             <a:r>
               <a:rPr lang="zh-CN" altLang="en-US" dirty="0" smtClean="0"/>
-              <a:t>必須</a:t>
-            </a:r>
-            <a:r>
-              <a:rPr lang="zh-CN" altLang="en-US" dirty="0" smtClean="0"/>
-              <a:t>藉助 </a:t>
+              <a:t>必須藉助 </a:t>
             </a:r>
             <a:r>
               <a:rPr lang="en-US" altLang="zh-CN" dirty="0" err="1" smtClean="0"/>
